--- a/IE_BigData_Madrid.pptx
+++ b/IE_BigData_Madrid.pptx
@@ -1,20 +1,115 @@
 
 <file path=ppt/presentation.xml><?xml version="1.0" encoding="utf-8"?>
-<p:presentation xmlns:a="http://schemas.openxmlformats.org/drawingml/2006/main" xmlns:p="http://schemas.openxmlformats.org/presentationml/2006/main" xmlns:r="http://schemas.openxmlformats.org/officeDocument/2006/relationships" xmlns:p14="http://schemas.microsoft.com/office/powerpoint/2010/main" xmlns:p15="http://schemas.microsoft.com/office/powerpoint/2012/main" xmlns:mc="http://schemas.openxmlformats.org/markup-compatibility/2006">
+<p:presentation xmlns:a="http://schemas.openxmlformats.org/drawingml/2006/main" xmlns:r="http://schemas.openxmlformats.org/officeDocument/2006/relationships" xmlns:p="http://schemas.openxmlformats.org/presentationml/2006/main">
   <p:sldMasterIdLst>
-    <p:sldMasterId id="2147483648" r:id="rId2"/>
+    <p:sldMasterId id="2147483648" r:id="rId1"/>
   </p:sldMasterIdLst>
   <p:sldIdLst>
-    <p:sldId id="256" r:id="rId3"/>
-    <p:sldId id="257" r:id="rId4"/>
+    <p:sldId id="256" r:id="rId2"/>
+    <p:sldId id="257" r:id="rId3"/>
   </p:sldIdLst>
   <p:sldSz cx="10080625" cy="5670550"/>
-  <p:notesSz cx="7559675" cy="10691812"/>
+  <p:notesSz cx="7559675" cy="10691813"/>
+  <p:defaultTextStyle>
+    <a:defPPr>
+      <a:defRPr lang="en-US"/>
+    </a:defPPr>
+    <a:lvl1pPr marL="0" algn="l" defTabSz="457200" rtl="0" eaLnBrk="1" latinLnBrk="0" hangingPunct="1">
+      <a:defRPr sz="1800" kern="1200">
+        <a:solidFill>
+          <a:schemeClr val="tx1"/>
+        </a:solidFill>
+        <a:latin typeface="+mn-lt"/>
+        <a:ea typeface="+mn-ea"/>
+        <a:cs typeface="+mn-cs"/>
+      </a:defRPr>
+    </a:lvl1pPr>
+    <a:lvl2pPr marL="457200" algn="l" defTabSz="457200" rtl="0" eaLnBrk="1" latinLnBrk="0" hangingPunct="1">
+      <a:defRPr sz="1800" kern="1200">
+        <a:solidFill>
+          <a:schemeClr val="tx1"/>
+        </a:solidFill>
+        <a:latin typeface="+mn-lt"/>
+        <a:ea typeface="+mn-ea"/>
+        <a:cs typeface="+mn-cs"/>
+      </a:defRPr>
+    </a:lvl2pPr>
+    <a:lvl3pPr marL="914400" algn="l" defTabSz="457200" rtl="0" eaLnBrk="1" latinLnBrk="0" hangingPunct="1">
+      <a:defRPr sz="1800" kern="1200">
+        <a:solidFill>
+          <a:schemeClr val="tx1"/>
+        </a:solidFill>
+        <a:latin typeface="+mn-lt"/>
+        <a:ea typeface="+mn-ea"/>
+        <a:cs typeface="+mn-cs"/>
+      </a:defRPr>
+    </a:lvl3pPr>
+    <a:lvl4pPr marL="1371600" algn="l" defTabSz="457200" rtl="0" eaLnBrk="1" latinLnBrk="0" hangingPunct="1">
+      <a:defRPr sz="1800" kern="1200">
+        <a:solidFill>
+          <a:schemeClr val="tx1"/>
+        </a:solidFill>
+        <a:latin typeface="+mn-lt"/>
+        <a:ea typeface="+mn-ea"/>
+        <a:cs typeface="+mn-cs"/>
+      </a:defRPr>
+    </a:lvl4pPr>
+    <a:lvl5pPr marL="1828800" algn="l" defTabSz="457200" rtl="0" eaLnBrk="1" latinLnBrk="0" hangingPunct="1">
+      <a:defRPr sz="1800" kern="1200">
+        <a:solidFill>
+          <a:schemeClr val="tx1"/>
+        </a:solidFill>
+        <a:latin typeface="+mn-lt"/>
+        <a:ea typeface="+mn-ea"/>
+        <a:cs typeface="+mn-cs"/>
+      </a:defRPr>
+    </a:lvl5pPr>
+    <a:lvl6pPr marL="2286000" algn="l" defTabSz="457200" rtl="0" eaLnBrk="1" latinLnBrk="0" hangingPunct="1">
+      <a:defRPr sz="1800" kern="1200">
+        <a:solidFill>
+          <a:schemeClr val="tx1"/>
+        </a:solidFill>
+        <a:latin typeface="+mn-lt"/>
+        <a:ea typeface="+mn-ea"/>
+        <a:cs typeface="+mn-cs"/>
+      </a:defRPr>
+    </a:lvl6pPr>
+    <a:lvl7pPr marL="2743200" algn="l" defTabSz="457200" rtl="0" eaLnBrk="1" latinLnBrk="0" hangingPunct="1">
+      <a:defRPr sz="1800" kern="1200">
+        <a:solidFill>
+          <a:schemeClr val="tx1"/>
+        </a:solidFill>
+        <a:latin typeface="+mn-lt"/>
+        <a:ea typeface="+mn-ea"/>
+        <a:cs typeface="+mn-cs"/>
+      </a:defRPr>
+    </a:lvl7pPr>
+    <a:lvl8pPr marL="3200400" algn="l" defTabSz="457200" rtl="0" eaLnBrk="1" latinLnBrk="0" hangingPunct="1">
+      <a:defRPr sz="1800" kern="1200">
+        <a:solidFill>
+          <a:schemeClr val="tx1"/>
+        </a:solidFill>
+        <a:latin typeface="+mn-lt"/>
+        <a:ea typeface="+mn-ea"/>
+        <a:cs typeface="+mn-cs"/>
+      </a:defRPr>
+    </a:lvl8pPr>
+    <a:lvl9pPr marL="3657600" algn="l" defTabSz="457200" rtl="0" eaLnBrk="1" latinLnBrk="0" hangingPunct="1">
+      <a:defRPr sz="1800" kern="1200">
+        <a:solidFill>
+          <a:schemeClr val="tx1"/>
+        </a:solidFill>
+        <a:latin typeface="+mn-lt"/>
+        <a:ea typeface="+mn-ea"/>
+        <a:cs typeface="+mn-cs"/>
+      </a:defRPr>
+    </a:lvl9pPr>
+  </p:defaultTextStyle>
 </p:presentation>
 </file>
 
 <file path=ppt/slideLayouts/slideLayout1.xml><?xml version="1.0" encoding="utf-8"?>
-<p:sldLayout xmlns:a="http://schemas.openxmlformats.org/drawingml/2006/main" xmlns:p="http://schemas.openxmlformats.org/presentationml/2006/main" xmlns:r="http://schemas.openxmlformats.org/officeDocument/2006/relationships" xmlns:p14="http://schemas.microsoft.com/office/powerpoint/2010/main" xmlns:p15="http://schemas.microsoft.com/office/powerpoint/2012/main" xmlns:mc="http://schemas.openxmlformats.org/markup-compatibility/2006" type="blank" preserve="1">
+<p:sldLayout xmlns:a="http://schemas.openxmlformats.org/drawingml/2006/main" xmlns:r="http://schemas.openxmlformats.org/officeDocument/2006/relationships" xmlns:p="http://schemas.openxmlformats.org/presentationml/2006/main" type="blank" preserve="1">
   <p:cSld name="Blank Slide">
     <p:spTree>
       <p:nvGrpSpPr>
@@ -32,11 +127,14 @@
       </p:grpSpPr>
     </p:spTree>
   </p:cSld>
+  <p:clrMapOvr>
+    <a:masterClrMapping/>
+  </p:clrMapOvr>
 </p:sldLayout>
 </file>
 
 <file path=ppt/slideLayouts/slideLayout10.xml><?xml version="1.0" encoding="utf-8"?>
-<p:sldLayout xmlns:a="http://schemas.openxmlformats.org/drawingml/2006/main" xmlns:p="http://schemas.openxmlformats.org/presentationml/2006/main" xmlns:r="http://schemas.openxmlformats.org/officeDocument/2006/relationships" xmlns:p14="http://schemas.microsoft.com/office/powerpoint/2010/main" xmlns:p15="http://schemas.microsoft.com/office/powerpoint/2012/main" xmlns:mc="http://schemas.openxmlformats.org/markup-compatibility/2006" type="objOverTx" preserve="1">
+<p:sldLayout xmlns:a="http://schemas.openxmlformats.org/drawingml/2006/main" xmlns:r="http://schemas.openxmlformats.org/officeDocument/2006/relationships" xmlns:p="http://schemas.openxmlformats.org/presentationml/2006/main" type="objOverTx" preserve="1">
   <p:cSld name="Title, Content over Content">
     <p:spTree>
       <p:nvGrpSpPr>
@@ -72,10 +170,11 @@
           </a:prstGeom>
         </p:spPr>
         <p:txBody>
-          <a:bodyPr lIns="0" rIns="0" tIns="0" bIns="0" anchor="ctr"/>
+          <a:bodyPr lIns="0" tIns="0" rIns="0" bIns="0" anchor="ctr"/>
+          <a:lstStyle/>
           <a:p>
             <a:pPr algn="ctr"/>
-            <a:endParaRPr b="0" lang="de-CH" sz="4400" spc="-1" strike="noStrike">
+            <a:endParaRPr lang="de-CH" sz="4400" b="0" strike="noStrike" spc="-1">
               <a:latin typeface="Arial"/>
             </a:endParaRPr>
           </a:p>
@@ -101,11 +200,12 @@
           </a:prstGeom>
         </p:spPr>
         <p:txBody>
-          <a:bodyPr lIns="0" rIns="0" tIns="0" bIns="0">
-            <a:normAutofit/>
-          </a:bodyPr>
-          <a:p>
-            <a:endParaRPr b="0" lang="de-CH" sz="3200" spc="-1" strike="noStrike">
+          <a:bodyPr lIns="0" tIns="0" rIns="0" bIns="0">
+            <a:normAutofit/>
+          </a:bodyPr>
+          <a:lstStyle/>
+          <a:p>
+            <a:endParaRPr lang="de-CH" sz="3200" b="0" strike="noStrike" spc="-1">
               <a:latin typeface="Arial"/>
             </a:endParaRPr>
           </a:p>
@@ -131,11 +231,12 @@
           </a:prstGeom>
         </p:spPr>
         <p:txBody>
-          <a:bodyPr lIns="0" rIns="0" tIns="0" bIns="0">
-            <a:normAutofit/>
-          </a:bodyPr>
-          <a:p>
-            <a:endParaRPr b="0" lang="de-CH" sz="3200" spc="-1" strike="noStrike">
+          <a:bodyPr lIns="0" tIns="0" rIns="0" bIns="0">
+            <a:normAutofit/>
+          </a:bodyPr>
+          <a:lstStyle/>
+          <a:p>
+            <a:endParaRPr lang="de-CH" sz="3200" b="0" strike="noStrike" spc="-1">
               <a:latin typeface="Arial"/>
             </a:endParaRPr>
           </a:p>
@@ -143,11 +244,14 @@
       </p:sp>
     </p:spTree>
   </p:cSld>
+  <p:clrMapOvr>
+    <a:masterClrMapping/>
+  </p:clrMapOvr>
 </p:sldLayout>
 </file>
 
 <file path=ppt/slideLayouts/slideLayout11.xml><?xml version="1.0" encoding="utf-8"?>
-<p:sldLayout xmlns:a="http://schemas.openxmlformats.org/drawingml/2006/main" xmlns:p="http://schemas.openxmlformats.org/presentationml/2006/main" xmlns:r="http://schemas.openxmlformats.org/officeDocument/2006/relationships" xmlns:p14="http://schemas.microsoft.com/office/powerpoint/2010/main" xmlns:p15="http://schemas.microsoft.com/office/powerpoint/2012/main" xmlns:mc="http://schemas.openxmlformats.org/markup-compatibility/2006" type="fourObj" preserve="1">
+<p:sldLayout xmlns:a="http://schemas.openxmlformats.org/drawingml/2006/main" xmlns:r="http://schemas.openxmlformats.org/officeDocument/2006/relationships" xmlns:p="http://schemas.openxmlformats.org/presentationml/2006/main" type="fourObj" preserve="1">
   <p:cSld name="Title, 4 Content">
     <p:spTree>
       <p:nvGrpSpPr>
@@ -183,10 +287,11 @@
           </a:prstGeom>
         </p:spPr>
         <p:txBody>
-          <a:bodyPr lIns="0" rIns="0" tIns="0" bIns="0" anchor="ctr"/>
+          <a:bodyPr lIns="0" tIns="0" rIns="0" bIns="0" anchor="ctr"/>
+          <a:lstStyle/>
           <a:p>
             <a:pPr algn="ctr"/>
-            <a:endParaRPr b="0" lang="de-CH" sz="4400" spc="-1" strike="noStrike">
+            <a:endParaRPr lang="de-CH" sz="4400" b="0" strike="noStrike" spc="-1">
               <a:latin typeface="Arial"/>
             </a:endParaRPr>
           </a:p>
@@ -212,11 +317,12 @@
           </a:prstGeom>
         </p:spPr>
         <p:txBody>
-          <a:bodyPr lIns="0" rIns="0" tIns="0" bIns="0">
-            <a:normAutofit/>
-          </a:bodyPr>
-          <a:p>
-            <a:endParaRPr b="0" lang="de-CH" sz="3200" spc="-1" strike="noStrike">
+          <a:bodyPr lIns="0" tIns="0" rIns="0" bIns="0">
+            <a:normAutofit/>
+          </a:bodyPr>
+          <a:lstStyle/>
+          <a:p>
+            <a:endParaRPr lang="de-CH" sz="3200" b="0" strike="noStrike" spc="-1">
               <a:latin typeface="Arial"/>
             </a:endParaRPr>
           </a:p>
@@ -242,11 +348,12 @@
           </a:prstGeom>
         </p:spPr>
         <p:txBody>
-          <a:bodyPr lIns="0" rIns="0" tIns="0" bIns="0">
-            <a:normAutofit/>
-          </a:bodyPr>
-          <a:p>
-            <a:endParaRPr b="0" lang="de-CH" sz="3200" spc="-1" strike="noStrike">
+          <a:bodyPr lIns="0" tIns="0" rIns="0" bIns="0">
+            <a:normAutofit/>
+          </a:bodyPr>
+          <a:lstStyle/>
+          <a:p>
+            <a:endParaRPr lang="de-CH" sz="3200" b="0" strike="noStrike" spc="-1">
               <a:latin typeface="Arial"/>
             </a:endParaRPr>
           </a:p>
@@ -272,11 +379,12 @@
           </a:prstGeom>
         </p:spPr>
         <p:txBody>
-          <a:bodyPr lIns="0" rIns="0" tIns="0" bIns="0">
-            <a:normAutofit/>
-          </a:bodyPr>
-          <a:p>
-            <a:endParaRPr b="0" lang="de-CH" sz="3200" spc="-1" strike="noStrike">
+          <a:bodyPr lIns="0" tIns="0" rIns="0" bIns="0">
+            <a:normAutofit/>
+          </a:bodyPr>
+          <a:lstStyle/>
+          <a:p>
+            <a:endParaRPr lang="de-CH" sz="3200" b="0" strike="noStrike" spc="-1">
               <a:latin typeface="Arial"/>
             </a:endParaRPr>
           </a:p>
@@ -302,11 +410,12 @@
           </a:prstGeom>
         </p:spPr>
         <p:txBody>
-          <a:bodyPr lIns="0" rIns="0" tIns="0" bIns="0">
-            <a:normAutofit/>
-          </a:bodyPr>
-          <a:p>
-            <a:endParaRPr b="0" lang="de-CH" sz="3200" spc="-1" strike="noStrike">
+          <a:bodyPr lIns="0" tIns="0" rIns="0" bIns="0">
+            <a:normAutofit/>
+          </a:bodyPr>
+          <a:lstStyle/>
+          <a:p>
+            <a:endParaRPr lang="de-CH" sz="3200" b="0" strike="noStrike" spc="-1">
               <a:latin typeface="Arial"/>
             </a:endParaRPr>
           </a:p>
@@ -314,11 +423,14 @@
       </p:sp>
     </p:spTree>
   </p:cSld>
+  <p:clrMapOvr>
+    <a:masterClrMapping/>
+  </p:clrMapOvr>
 </p:sldLayout>
 </file>
 
 <file path=ppt/slideLayouts/slideLayout12.xml><?xml version="1.0" encoding="utf-8"?>
-<p:sldLayout xmlns:a="http://schemas.openxmlformats.org/drawingml/2006/main" xmlns:p="http://schemas.openxmlformats.org/presentationml/2006/main" xmlns:r="http://schemas.openxmlformats.org/officeDocument/2006/relationships" xmlns:p14="http://schemas.microsoft.com/office/powerpoint/2010/main" xmlns:p15="http://schemas.microsoft.com/office/powerpoint/2012/main" xmlns:mc="http://schemas.openxmlformats.org/markup-compatibility/2006" type="blank" preserve="1">
+<p:sldLayout xmlns:a="http://schemas.openxmlformats.org/drawingml/2006/main" xmlns:r="http://schemas.openxmlformats.org/officeDocument/2006/relationships" xmlns:p="http://schemas.openxmlformats.org/presentationml/2006/main" type="blank" preserve="1">
   <p:cSld name="Title, 6 Content">
     <p:spTree>
       <p:nvGrpSpPr>
@@ -354,10 +466,11 @@
           </a:prstGeom>
         </p:spPr>
         <p:txBody>
-          <a:bodyPr lIns="0" rIns="0" tIns="0" bIns="0" anchor="ctr"/>
+          <a:bodyPr lIns="0" tIns="0" rIns="0" bIns="0" anchor="ctr"/>
+          <a:lstStyle/>
           <a:p>
             <a:pPr algn="ctr"/>
-            <a:endParaRPr b="0" lang="de-CH" sz="4400" spc="-1" strike="noStrike">
+            <a:endParaRPr lang="de-CH" sz="4400" b="0" strike="noStrike" spc="-1">
               <a:latin typeface="Arial"/>
             </a:endParaRPr>
           </a:p>
@@ -383,11 +496,12 @@
           </a:prstGeom>
         </p:spPr>
         <p:txBody>
-          <a:bodyPr lIns="0" rIns="0" tIns="0" bIns="0">
-            <a:normAutofit/>
-          </a:bodyPr>
-          <a:p>
-            <a:endParaRPr b="0" lang="de-CH" sz="3200" spc="-1" strike="noStrike">
+          <a:bodyPr lIns="0" tIns="0" rIns="0" bIns="0">
+            <a:normAutofit/>
+          </a:bodyPr>
+          <a:lstStyle/>
+          <a:p>
+            <a:endParaRPr lang="de-CH" sz="3200" b="0" strike="noStrike" spc="-1">
               <a:latin typeface="Arial"/>
             </a:endParaRPr>
           </a:p>
@@ -413,11 +527,12 @@
           </a:prstGeom>
         </p:spPr>
         <p:txBody>
-          <a:bodyPr lIns="0" rIns="0" tIns="0" bIns="0">
-            <a:normAutofit/>
-          </a:bodyPr>
-          <a:p>
-            <a:endParaRPr b="0" lang="de-CH" sz="3200" spc="-1" strike="noStrike">
+          <a:bodyPr lIns="0" tIns="0" rIns="0" bIns="0">
+            <a:normAutofit/>
+          </a:bodyPr>
+          <a:lstStyle/>
+          <a:p>
+            <a:endParaRPr lang="de-CH" sz="3200" b="0" strike="noStrike" spc="-1">
               <a:latin typeface="Arial"/>
             </a:endParaRPr>
           </a:p>
@@ -443,11 +558,12 @@
           </a:prstGeom>
         </p:spPr>
         <p:txBody>
-          <a:bodyPr lIns="0" rIns="0" tIns="0" bIns="0">
-            <a:normAutofit/>
-          </a:bodyPr>
-          <a:p>
-            <a:endParaRPr b="0" lang="de-CH" sz="3200" spc="-1" strike="noStrike">
+          <a:bodyPr lIns="0" tIns="0" rIns="0" bIns="0">
+            <a:normAutofit/>
+          </a:bodyPr>
+          <a:lstStyle/>
+          <a:p>
+            <a:endParaRPr lang="de-CH" sz="3200" b="0" strike="noStrike" spc="-1">
               <a:latin typeface="Arial"/>
             </a:endParaRPr>
           </a:p>
@@ -473,11 +589,12 @@
           </a:prstGeom>
         </p:spPr>
         <p:txBody>
-          <a:bodyPr lIns="0" rIns="0" tIns="0" bIns="0">
-            <a:normAutofit/>
-          </a:bodyPr>
-          <a:p>
-            <a:endParaRPr b="0" lang="de-CH" sz="3200" spc="-1" strike="noStrike">
+          <a:bodyPr lIns="0" tIns="0" rIns="0" bIns="0">
+            <a:normAutofit/>
+          </a:bodyPr>
+          <a:lstStyle/>
+          <a:p>
+            <a:endParaRPr lang="de-CH" sz="3200" b="0" strike="noStrike" spc="-1">
               <a:latin typeface="Arial"/>
             </a:endParaRPr>
           </a:p>
@@ -503,11 +620,12 @@
           </a:prstGeom>
         </p:spPr>
         <p:txBody>
-          <a:bodyPr lIns="0" rIns="0" tIns="0" bIns="0">
-            <a:normAutofit/>
-          </a:bodyPr>
-          <a:p>
-            <a:endParaRPr b="0" lang="de-CH" sz="3200" spc="-1" strike="noStrike">
+          <a:bodyPr lIns="0" tIns="0" rIns="0" bIns="0">
+            <a:normAutofit/>
+          </a:bodyPr>
+          <a:lstStyle/>
+          <a:p>
+            <a:endParaRPr lang="de-CH" sz="3200" b="0" strike="noStrike" spc="-1">
               <a:latin typeface="Arial"/>
             </a:endParaRPr>
           </a:p>
@@ -533,11 +651,12 @@
           </a:prstGeom>
         </p:spPr>
         <p:txBody>
-          <a:bodyPr lIns="0" rIns="0" tIns="0" bIns="0">
-            <a:normAutofit/>
-          </a:bodyPr>
-          <a:p>
-            <a:endParaRPr b="0" lang="de-CH" sz="3200" spc="-1" strike="noStrike">
+          <a:bodyPr lIns="0" tIns="0" rIns="0" bIns="0">
+            <a:normAutofit/>
+          </a:bodyPr>
+          <a:lstStyle/>
+          <a:p>
+            <a:endParaRPr lang="de-CH" sz="3200" b="0" strike="noStrike" spc="-1">
               <a:latin typeface="Arial"/>
             </a:endParaRPr>
           </a:p>
@@ -545,11 +664,14 @@
       </p:sp>
     </p:spTree>
   </p:cSld>
+  <p:clrMapOvr>
+    <a:masterClrMapping/>
+  </p:clrMapOvr>
 </p:sldLayout>
 </file>
 
 <file path=ppt/slideLayouts/slideLayout2.xml><?xml version="1.0" encoding="utf-8"?>
-<p:sldLayout xmlns:a="http://schemas.openxmlformats.org/drawingml/2006/main" xmlns:p="http://schemas.openxmlformats.org/presentationml/2006/main" xmlns:r="http://schemas.openxmlformats.org/officeDocument/2006/relationships" xmlns:p14="http://schemas.microsoft.com/office/powerpoint/2010/main" xmlns:p15="http://schemas.microsoft.com/office/powerpoint/2012/main" xmlns:mc="http://schemas.openxmlformats.org/markup-compatibility/2006" type="tx" preserve="1">
+<p:sldLayout xmlns:a="http://schemas.openxmlformats.org/drawingml/2006/main" xmlns:r="http://schemas.openxmlformats.org/officeDocument/2006/relationships" xmlns:p="http://schemas.openxmlformats.org/presentationml/2006/main" type="tx" preserve="1">
   <p:cSld name="Title Slide">
     <p:spTree>
       <p:nvGrpSpPr>
@@ -585,10 +707,11 @@
           </a:prstGeom>
         </p:spPr>
         <p:txBody>
-          <a:bodyPr lIns="0" rIns="0" tIns="0" bIns="0" anchor="ctr"/>
+          <a:bodyPr lIns="0" tIns="0" rIns="0" bIns="0" anchor="ctr"/>
+          <a:lstStyle/>
           <a:p>
             <a:pPr algn="ctr"/>
-            <a:endParaRPr b="0" lang="de-CH" sz="4400" spc="-1" strike="noStrike">
+            <a:endParaRPr lang="de-CH" sz="4400" b="0" strike="noStrike" spc="-1">
               <a:latin typeface="Arial"/>
             </a:endParaRPr>
           </a:p>
@@ -614,10 +737,11 @@
           </a:prstGeom>
         </p:spPr>
         <p:txBody>
-          <a:bodyPr lIns="0" rIns="0" tIns="0" bIns="0" anchor="ctr"/>
+          <a:bodyPr lIns="0" tIns="0" rIns="0" bIns="0" anchor="ctr"/>
+          <a:lstStyle/>
           <a:p>
             <a:pPr algn="ctr"/>
-            <a:endParaRPr b="0" lang="de-CH" sz="3200" spc="-1" strike="noStrike">
+            <a:endParaRPr lang="de-CH" sz="3200" b="0" strike="noStrike" spc="-1">
               <a:latin typeface="Arial"/>
             </a:endParaRPr>
           </a:p>
@@ -625,11 +749,14 @@
       </p:sp>
     </p:spTree>
   </p:cSld>
+  <p:clrMapOvr>
+    <a:masterClrMapping/>
+  </p:clrMapOvr>
 </p:sldLayout>
 </file>
 
 <file path=ppt/slideLayouts/slideLayout3.xml><?xml version="1.0" encoding="utf-8"?>
-<p:sldLayout xmlns:a="http://schemas.openxmlformats.org/drawingml/2006/main" xmlns:p="http://schemas.openxmlformats.org/presentationml/2006/main" xmlns:r="http://schemas.openxmlformats.org/officeDocument/2006/relationships" xmlns:p14="http://schemas.microsoft.com/office/powerpoint/2010/main" xmlns:p15="http://schemas.microsoft.com/office/powerpoint/2012/main" xmlns:mc="http://schemas.openxmlformats.org/markup-compatibility/2006" type="obj" preserve="1">
+<p:sldLayout xmlns:a="http://schemas.openxmlformats.org/drawingml/2006/main" xmlns:r="http://schemas.openxmlformats.org/officeDocument/2006/relationships" xmlns:p="http://schemas.openxmlformats.org/presentationml/2006/main" type="obj" preserve="1">
   <p:cSld name="Title, Content">
     <p:spTree>
       <p:nvGrpSpPr>
@@ -665,10 +792,11 @@
           </a:prstGeom>
         </p:spPr>
         <p:txBody>
-          <a:bodyPr lIns="0" rIns="0" tIns="0" bIns="0" anchor="ctr"/>
+          <a:bodyPr lIns="0" tIns="0" rIns="0" bIns="0" anchor="ctr"/>
+          <a:lstStyle/>
           <a:p>
             <a:pPr algn="ctr"/>
-            <a:endParaRPr b="0" lang="de-CH" sz="4400" spc="-1" strike="noStrike">
+            <a:endParaRPr lang="de-CH" sz="4400" b="0" strike="noStrike" spc="-1">
               <a:latin typeface="Arial"/>
             </a:endParaRPr>
           </a:p>
@@ -694,11 +822,12 @@
           </a:prstGeom>
         </p:spPr>
         <p:txBody>
-          <a:bodyPr lIns="0" rIns="0" tIns="0" bIns="0">
-            <a:normAutofit/>
-          </a:bodyPr>
-          <a:p>
-            <a:endParaRPr b="0" lang="de-CH" sz="3200" spc="-1" strike="noStrike">
+          <a:bodyPr lIns="0" tIns="0" rIns="0" bIns="0">
+            <a:normAutofit/>
+          </a:bodyPr>
+          <a:lstStyle/>
+          <a:p>
+            <a:endParaRPr lang="de-CH" sz="3200" b="0" strike="noStrike" spc="-1">
               <a:latin typeface="Arial"/>
             </a:endParaRPr>
           </a:p>
@@ -706,11 +835,14 @@
       </p:sp>
     </p:spTree>
   </p:cSld>
+  <p:clrMapOvr>
+    <a:masterClrMapping/>
+  </p:clrMapOvr>
 </p:sldLayout>
 </file>
 
 <file path=ppt/slideLayouts/slideLayout4.xml><?xml version="1.0" encoding="utf-8"?>
-<p:sldLayout xmlns:a="http://schemas.openxmlformats.org/drawingml/2006/main" xmlns:p="http://schemas.openxmlformats.org/presentationml/2006/main" xmlns:r="http://schemas.openxmlformats.org/officeDocument/2006/relationships" xmlns:p14="http://schemas.microsoft.com/office/powerpoint/2010/main" xmlns:p15="http://schemas.microsoft.com/office/powerpoint/2012/main" xmlns:mc="http://schemas.openxmlformats.org/markup-compatibility/2006" type="twoObj" preserve="1">
+<p:sldLayout xmlns:a="http://schemas.openxmlformats.org/drawingml/2006/main" xmlns:r="http://schemas.openxmlformats.org/officeDocument/2006/relationships" xmlns:p="http://schemas.openxmlformats.org/presentationml/2006/main" type="twoObj" preserve="1">
   <p:cSld name="Title, 2 Content">
     <p:spTree>
       <p:nvGrpSpPr>
@@ -746,10 +878,11 @@
           </a:prstGeom>
         </p:spPr>
         <p:txBody>
-          <a:bodyPr lIns="0" rIns="0" tIns="0" bIns="0" anchor="ctr"/>
+          <a:bodyPr lIns="0" tIns="0" rIns="0" bIns="0" anchor="ctr"/>
+          <a:lstStyle/>
           <a:p>
             <a:pPr algn="ctr"/>
-            <a:endParaRPr b="0" lang="de-CH" sz="4400" spc="-1" strike="noStrike">
+            <a:endParaRPr lang="de-CH" sz="4400" b="0" strike="noStrike" spc="-1">
               <a:latin typeface="Arial"/>
             </a:endParaRPr>
           </a:p>
@@ -775,11 +908,12 @@
           </a:prstGeom>
         </p:spPr>
         <p:txBody>
-          <a:bodyPr lIns="0" rIns="0" tIns="0" bIns="0">
-            <a:normAutofit/>
-          </a:bodyPr>
-          <a:p>
-            <a:endParaRPr b="0" lang="de-CH" sz="3200" spc="-1" strike="noStrike">
+          <a:bodyPr lIns="0" tIns="0" rIns="0" bIns="0">
+            <a:normAutofit/>
+          </a:bodyPr>
+          <a:lstStyle/>
+          <a:p>
+            <a:endParaRPr lang="de-CH" sz="3200" b="0" strike="noStrike" spc="-1">
               <a:latin typeface="Arial"/>
             </a:endParaRPr>
           </a:p>
@@ -805,11 +939,12 @@
           </a:prstGeom>
         </p:spPr>
         <p:txBody>
-          <a:bodyPr lIns="0" rIns="0" tIns="0" bIns="0">
-            <a:normAutofit/>
-          </a:bodyPr>
-          <a:p>
-            <a:endParaRPr b="0" lang="de-CH" sz="3200" spc="-1" strike="noStrike">
+          <a:bodyPr lIns="0" tIns="0" rIns="0" bIns="0">
+            <a:normAutofit/>
+          </a:bodyPr>
+          <a:lstStyle/>
+          <a:p>
+            <a:endParaRPr lang="de-CH" sz="3200" b="0" strike="noStrike" spc="-1">
               <a:latin typeface="Arial"/>
             </a:endParaRPr>
           </a:p>
@@ -817,11 +952,14 @@
       </p:sp>
     </p:spTree>
   </p:cSld>
+  <p:clrMapOvr>
+    <a:masterClrMapping/>
+  </p:clrMapOvr>
 </p:sldLayout>
 </file>
 
 <file path=ppt/slideLayouts/slideLayout5.xml><?xml version="1.0" encoding="utf-8"?>
-<p:sldLayout xmlns:a="http://schemas.openxmlformats.org/drawingml/2006/main" xmlns:p="http://schemas.openxmlformats.org/presentationml/2006/main" xmlns:r="http://schemas.openxmlformats.org/officeDocument/2006/relationships" xmlns:p14="http://schemas.microsoft.com/office/powerpoint/2010/main" xmlns:p15="http://schemas.microsoft.com/office/powerpoint/2012/main" xmlns:mc="http://schemas.openxmlformats.org/markup-compatibility/2006" type="titleOnly" preserve="1">
+<p:sldLayout xmlns:a="http://schemas.openxmlformats.org/drawingml/2006/main" xmlns:r="http://schemas.openxmlformats.org/officeDocument/2006/relationships" xmlns:p="http://schemas.openxmlformats.org/presentationml/2006/main" type="titleOnly" preserve="1">
   <p:cSld name="Title Only">
     <p:spTree>
       <p:nvGrpSpPr>
@@ -857,10 +995,11 @@
           </a:prstGeom>
         </p:spPr>
         <p:txBody>
-          <a:bodyPr lIns="0" rIns="0" tIns="0" bIns="0" anchor="ctr"/>
+          <a:bodyPr lIns="0" tIns="0" rIns="0" bIns="0" anchor="ctr"/>
+          <a:lstStyle/>
           <a:p>
             <a:pPr algn="ctr"/>
-            <a:endParaRPr b="0" lang="de-CH" sz="4400" spc="-1" strike="noStrike">
+            <a:endParaRPr lang="de-CH" sz="4400" b="0" strike="noStrike" spc="-1">
               <a:latin typeface="Arial"/>
             </a:endParaRPr>
           </a:p>
@@ -868,11 +1007,14 @@
       </p:sp>
     </p:spTree>
   </p:cSld>
+  <p:clrMapOvr>
+    <a:masterClrMapping/>
+  </p:clrMapOvr>
 </p:sldLayout>
 </file>
 
 <file path=ppt/slideLayouts/slideLayout6.xml><?xml version="1.0" encoding="utf-8"?>
-<p:sldLayout xmlns:a="http://schemas.openxmlformats.org/drawingml/2006/main" xmlns:p="http://schemas.openxmlformats.org/presentationml/2006/main" xmlns:r="http://schemas.openxmlformats.org/officeDocument/2006/relationships" xmlns:p14="http://schemas.microsoft.com/office/powerpoint/2010/main" xmlns:p15="http://schemas.microsoft.com/office/powerpoint/2012/main" xmlns:mc="http://schemas.openxmlformats.org/markup-compatibility/2006" type="objOnly" preserve="1">
+<p:sldLayout xmlns:a="http://schemas.openxmlformats.org/drawingml/2006/main" xmlns:r="http://schemas.openxmlformats.org/officeDocument/2006/relationships" xmlns:p="http://schemas.openxmlformats.org/presentationml/2006/main" type="objOnly" preserve="1">
   <p:cSld name="Centered Text">
     <p:spTree>
       <p:nvGrpSpPr>
@@ -908,10 +1050,11 @@
           </a:prstGeom>
         </p:spPr>
         <p:txBody>
-          <a:bodyPr lIns="0" rIns="0" tIns="0" bIns="0" anchor="ctr"/>
+          <a:bodyPr lIns="0" tIns="0" rIns="0" bIns="0" anchor="ctr"/>
+          <a:lstStyle/>
           <a:p>
             <a:pPr algn="ctr"/>
-            <a:endParaRPr b="0" lang="de-CH" sz="3200" spc="-1" strike="noStrike">
+            <a:endParaRPr lang="de-CH" sz="3200" b="0" strike="noStrike" spc="-1">
               <a:latin typeface="Arial"/>
             </a:endParaRPr>
           </a:p>
@@ -919,11 +1062,14 @@
       </p:sp>
     </p:spTree>
   </p:cSld>
+  <p:clrMapOvr>
+    <a:masterClrMapping/>
+  </p:clrMapOvr>
 </p:sldLayout>
 </file>
 
 <file path=ppt/slideLayouts/slideLayout7.xml><?xml version="1.0" encoding="utf-8"?>
-<p:sldLayout xmlns:a="http://schemas.openxmlformats.org/drawingml/2006/main" xmlns:p="http://schemas.openxmlformats.org/presentationml/2006/main" xmlns:r="http://schemas.openxmlformats.org/officeDocument/2006/relationships" xmlns:p14="http://schemas.microsoft.com/office/powerpoint/2010/main" xmlns:p15="http://schemas.microsoft.com/office/powerpoint/2012/main" xmlns:mc="http://schemas.openxmlformats.org/markup-compatibility/2006" type="twoObjAndObj" preserve="1">
+<p:sldLayout xmlns:a="http://schemas.openxmlformats.org/drawingml/2006/main" xmlns:r="http://schemas.openxmlformats.org/officeDocument/2006/relationships" xmlns:p="http://schemas.openxmlformats.org/presentationml/2006/main" type="twoObjAndObj" preserve="1">
   <p:cSld name="Title, 2 Content and Content">
     <p:spTree>
       <p:nvGrpSpPr>
@@ -959,10 +1105,11 @@
           </a:prstGeom>
         </p:spPr>
         <p:txBody>
-          <a:bodyPr lIns="0" rIns="0" tIns="0" bIns="0" anchor="ctr"/>
+          <a:bodyPr lIns="0" tIns="0" rIns="0" bIns="0" anchor="ctr"/>
+          <a:lstStyle/>
           <a:p>
             <a:pPr algn="ctr"/>
-            <a:endParaRPr b="0" lang="de-CH" sz="4400" spc="-1" strike="noStrike">
+            <a:endParaRPr lang="de-CH" sz="4400" b="0" strike="noStrike" spc="-1">
               <a:latin typeface="Arial"/>
             </a:endParaRPr>
           </a:p>
@@ -988,11 +1135,12 @@
           </a:prstGeom>
         </p:spPr>
         <p:txBody>
-          <a:bodyPr lIns="0" rIns="0" tIns="0" bIns="0">
-            <a:normAutofit/>
-          </a:bodyPr>
-          <a:p>
-            <a:endParaRPr b="0" lang="de-CH" sz="3200" spc="-1" strike="noStrike">
+          <a:bodyPr lIns="0" tIns="0" rIns="0" bIns="0">
+            <a:normAutofit/>
+          </a:bodyPr>
+          <a:lstStyle/>
+          <a:p>
+            <a:endParaRPr lang="de-CH" sz="3200" b="0" strike="noStrike" spc="-1">
               <a:latin typeface="Arial"/>
             </a:endParaRPr>
           </a:p>
@@ -1018,11 +1166,12 @@
           </a:prstGeom>
         </p:spPr>
         <p:txBody>
-          <a:bodyPr lIns="0" rIns="0" tIns="0" bIns="0">
-            <a:normAutofit/>
-          </a:bodyPr>
-          <a:p>
-            <a:endParaRPr b="0" lang="de-CH" sz="3200" spc="-1" strike="noStrike">
+          <a:bodyPr lIns="0" tIns="0" rIns="0" bIns="0">
+            <a:normAutofit/>
+          </a:bodyPr>
+          <a:lstStyle/>
+          <a:p>
+            <a:endParaRPr lang="de-CH" sz="3200" b="0" strike="noStrike" spc="-1">
               <a:latin typeface="Arial"/>
             </a:endParaRPr>
           </a:p>
@@ -1048,11 +1197,12 @@
           </a:prstGeom>
         </p:spPr>
         <p:txBody>
-          <a:bodyPr lIns="0" rIns="0" tIns="0" bIns="0">
-            <a:normAutofit/>
-          </a:bodyPr>
-          <a:p>
-            <a:endParaRPr b="0" lang="de-CH" sz="3200" spc="-1" strike="noStrike">
+          <a:bodyPr lIns="0" tIns="0" rIns="0" bIns="0">
+            <a:normAutofit/>
+          </a:bodyPr>
+          <a:lstStyle/>
+          <a:p>
+            <a:endParaRPr lang="de-CH" sz="3200" b="0" strike="noStrike" spc="-1">
               <a:latin typeface="Arial"/>
             </a:endParaRPr>
           </a:p>
@@ -1060,11 +1210,14 @@
       </p:sp>
     </p:spTree>
   </p:cSld>
+  <p:clrMapOvr>
+    <a:masterClrMapping/>
+  </p:clrMapOvr>
 </p:sldLayout>
 </file>
 
 <file path=ppt/slideLayouts/slideLayout8.xml><?xml version="1.0" encoding="utf-8"?>
-<p:sldLayout xmlns:a="http://schemas.openxmlformats.org/drawingml/2006/main" xmlns:p="http://schemas.openxmlformats.org/presentationml/2006/main" xmlns:r="http://schemas.openxmlformats.org/officeDocument/2006/relationships" xmlns:p14="http://schemas.microsoft.com/office/powerpoint/2010/main" xmlns:p15="http://schemas.microsoft.com/office/powerpoint/2012/main" xmlns:mc="http://schemas.openxmlformats.org/markup-compatibility/2006" type="objAndTwoObj" preserve="1">
+<p:sldLayout xmlns:a="http://schemas.openxmlformats.org/drawingml/2006/main" xmlns:r="http://schemas.openxmlformats.org/officeDocument/2006/relationships" xmlns:p="http://schemas.openxmlformats.org/presentationml/2006/main" type="objAndTwoObj" preserve="1">
   <p:cSld name="Title Content and 2 Content">
     <p:spTree>
       <p:nvGrpSpPr>
@@ -1100,10 +1253,11 @@
           </a:prstGeom>
         </p:spPr>
         <p:txBody>
-          <a:bodyPr lIns="0" rIns="0" tIns="0" bIns="0" anchor="ctr"/>
+          <a:bodyPr lIns="0" tIns="0" rIns="0" bIns="0" anchor="ctr"/>
+          <a:lstStyle/>
           <a:p>
             <a:pPr algn="ctr"/>
-            <a:endParaRPr b="0" lang="de-CH" sz="4400" spc="-1" strike="noStrike">
+            <a:endParaRPr lang="de-CH" sz="4400" b="0" strike="noStrike" spc="-1">
               <a:latin typeface="Arial"/>
             </a:endParaRPr>
           </a:p>
@@ -1129,11 +1283,12 @@
           </a:prstGeom>
         </p:spPr>
         <p:txBody>
-          <a:bodyPr lIns="0" rIns="0" tIns="0" bIns="0">
-            <a:normAutofit/>
-          </a:bodyPr>
-          <a:p>
-            <a:endParaRPr b="0" lang="de-CH" sz="3200" spc="-1" strike="noStrike">
+          <a:bodyPr lIns="0" tIns="0" rIns="0" bIns="0">
+            <a:normAutofit/>
+          </a:bodyPr>
+          <a:lstStyle/>
+          <a:p>
+            <a:endParaRPr lang="de-CH" sz="3200" b="0" strike="noStrike" spc="-1">
               <a:latin typeface="Arial"/>
             </a:endParaRPr>
           </a:p>
@@ -1159,11 +1314,12 @@
           </a:prstGeom>
         </p:spPr>
         <p:txBody>
-          <a:bodyPr lIns="0" rIns="0" tIns="0" bIns="0">
-            <a:normAutofit/>
-          </a:bodyPr>
-          <a:p>
-            <a:endParaRPr b="0" lang="de-CH" sz="3200" spc="-1" strike="noStrike">
+          <a:bodyPr lIns="0" tIns="0" rIns="0" bIns="0">
+            <a:normAutofit/>
+          </a:bodyPr>
+          <a:lstStyle/>
+          <a:p>
+            <a:endParaRPr lang="de-CH" sz="3200" b="0" strike="noStrike" spc="-1">
               <a:latin typeface="Arial"/>
             </a:endParaRPr>
           </a:p>
@@ -1189,11 +1345,12 @@
           </a:prstGeom>
         </p:spPr>
         <p:txBody>
-          <a:bodyPr lIns="0" rIns="0" tIns="0" bIns="0">
-            <a:normAutofit/>
-          </a:bodyPr>
-          <a:p>
-            <a:endParaRPr b="0" lang="de-CH" sz="3200" spc="-1" strike="noStrike">
+          <a:bodyPr lIns="0" tIns="0" rIns="0" bIns="0">
+            <a:normAutofit/>
+          </a:bodyPr>
+          <a:lstStyle/>
+          <a:p>
+            <a:endParaRPr lang="de-CH" sz="3200" b="0" strike="noStrike" spc="-1">
               <a:latin typeface="Arial"/>
             </a:endParaRPr>
           </a:p>
@@ -1201,11 +1358,14 @@
       </p:sp>
     </p:spTree>
   </p:cSld>
+  <p:clrMapOvr>
+    <a:masterClrMapping/>
+  </p:clrMapOvr>
 </p:sldLayout>
 </file>
 
 <file path=ppt/slideLayouts/slideLayout9.xml><?xml version="1.0" encoding="utf-8"?>
-<p:sldLayout xmlns:a="http://schemas.openxmlformats.org/drawingml/2006/main" xmlns:p="http://schemas.openxmlformats.org/presentationml/2006/main" xmlns:r="http://schemas.openxmlformats.org/officeDocument/2006/relationships" xmlns:p14="http://schemas.microsoft.com/office/powerpoint/2010/main" xmlns:p15="http://schemas.microsoft.com/office/powerpoint/2012/main" xmlns:mc="http://schemas.openxmlformats.org/markup-compatibility/2006" type="twoObjOverTx" preserve="1">
+<p:sldLayout xmlns:a="http://schemas.openxmlformats.org/drawingml/2006/main" xmlns:r="http://schemas.openxmlformats.org/officeDocument/2006/relationships" xmlns:p="http://schemas.openxmlformats.org/presentationml/2006/main" type="twoObjOverTx" preserve="1">
   <p:cSld name="Title, 2 Content over Content">
     <p:spTree>
       <p:nvGrpSpPr>
@@ -1241,10 +1401,11 @@
           </a:prstGeom>
         </p:spPr>
         <p:txBody>
-          <a:bodyPr lIns="0" rIns="0" tIns="0" bIns="0" anchor="ctr"/>
+          <a:bodyPr lIns="0" tIns="0" rIns="0" bIns="0" anchor="ctr"/>
+          <a:lstStyle/>
           <a:p>
             <a:pPr algn="ctr"/>
-            <a:endParaRPr b="0" lang="de-CH" sz="4400" spc="-1" strike="noStrike">
+            <a:endParaRPr lang="de-CH" sz="4400" b="0" strike="noStrike" spc="-1">
               <a:latin typeface="Arial"/>
             </a:endParaRPr>
           </a:p>
@@ -1270,11 +1431,12 @@
           </a:prstGeom>
         </p:spPr>
         <p:txBody>
-          <a:bodyPr lIns="0" rIns="0" tIns="0" bIns="0">
-            <a:normAutofit/>
-          </a:bodyPr>
-          <a:p>
-            <a:endParaRPr b="0" lang="de-CH" sz="3200" spc="-1" strike="noStrike">
+          <a:bodyPr lIns="0" tIns="0" rIns="0" bIns="0">
+            <a:normAutofit/>
+          </a:bodyPr>
+          <a:lstStyle/>
+          <a:p>
+            <a:endParaRPr lang="de-CH" sz="3200" b="0" strike="noStrike" spc="-1">
               <a:latin typeface="Arial"/>
             </a:endParaRPr>
           </a:p>
@@ -1300,11 +1462,12 @@
           </a:prstGeom>
         </p:spPr>
         <p:txBody>
-          <a:bodyPr lIns="0" rIns="0" tIns="0" bIns="0">
-            <a:normAutofit/>
-          </a:bodyPr>
-          <a:p>
-            <a:endParaRPr b="0" lang="de-CH" sz="3200" spc="-1" strike="noStrike">
+          <a:bodyPr lIns="0" tIns="0" rIns="0" bIns="0">
+            <a:normAutofit/>
+          </a:bodyPr>
+          <a:lstStyle/>
+          <a:p>
+            <a:endParaRPr lang="de-CH" sz="3200" b="0" strike="noStrike" spc="-1">
               <a:latin typeface="Arial"/>
             </a:endParaRPr>
           </a:p>
@@ -1330,11 +1493,12 @@
           </a:prstGeom>
         </p:spPr>
         <p:txBody>
-          <a:bodyPr lIns="0" rIns="0" tIns="0" bIns="0">
-            <a:normAutofit/>
-          </a:bodyPr>
-          <a:p>
-            <a:endParaRPr b="0" lang="de-CH" sz="3200" spc="-1" strike="noStrike">
+          <a:bodyPr lIns="0" tIns="0" rIns="0" bIns="0">
+            <a:normAutofit/>
+          </a:bodyPr>
+          <a:lstStyle/>
+          <a:p>
+            <a:endParaRPr lang="de-CH" sz="3200" b="0" strike="noStrike" spc="-1">
               <a:latin typeface="Arial"/>
             </a:endParaRPr>
           </a:p>
@@ -1342,11 +1506,354 @@
       </p:sp>
     </p:spTree>
   </p:cSld>
+  <p:clrMapOvr>
+    <a:masterClrMapping/>
+  </p:clrMapOvr>
 </p:sldLayout>
 </file>
 
 <file path=ppt/slideMasters/slideMaster1.xml><?xml version="1.0" encoding="utf-8"?>
-<p:sldMaster xmlns:a="http://schemas.openxmlformats.org/drawingml/2006/main" xmlns:p="http://schemas.openxmlformats.org/presentationml/2006/main" xmlns:r="http://schemas.openxmlformats.org/officeDocument/2006/relationships" xmlns:p14="http://schemas.microsoft.com/office/powerpoint/2010/main" xmlns:p15="http://schemas.microsoft.com/office/powerpoint/2012/main" xmlns:mc="http://schemas.openxmlformats.org/markup-compatibility/2006">
+<p:sldMaster xmlns:a="http://schemas.openxmlformats.org/drawingml/2006/main" xmlns:r="http://schemas.openxmlformats.org/officeDocument/2006/relationships" xmlns:p="http://schemas.openxmlformats.org/presentationml/2006/main">
+  <p:cSld>
+    <p:bg>
+      <p:bgRef idx="1001">
+        <a:schemeClr val="bg1"/>
+      </p:bgRef>
+    </p:bg>
+    <p:spTree>
+      <p:nvGrpSpPr>
+        <p:cNvPr id="1" name=""/>
+        <p:cNvGrpSpPr/>
+        <p:nvPr/>
+      </p:nvGrpSpPr>
+      <p:grpSpPr>
+        <a:xfrm>
+          <a:off x="0" y="0"/>
+          <a:ext cx="0" cy="0"/>
+          <a:chOff x="0" y="0"/>
+          <a:chExt cx="0" cy="0"/>
+        </a:xfrm>
+      </p:grpSpPr>
+      <p:sp>
+        <p:nvSpPr>
+          <p:cNvPr id="5" name="PlaceHolder 1"/>
+          <p:cNvSpPr>
+            <a:spLocks noGrp="1"/>
+          </p:cNvSpPr>
+          <p:nvPr>
+            <p:ph type="title"/>
+          </p:nvPr>
+        </p:nvSpPr>
+        <p:spPr>
+          <a:xfrm>
+            <a:off x="504000" y="226080"/>
+            <a:ext cx="9071640" cy="946440"/>
+          </a:xfrm>
+          <a:prstGeom prst="rect">
+            <a:avLst/>
+          </a:prstGeom>
+        </p:spPr>
+        <p:txBody>
+          <a:bodyPr lIns="0" tIns="0" rIns="0" bIns="0" anchor="ctr"/>
+          <a:lstStyle/>
+          <a:p>
+            <a:pPr algn="ctr"/>
+            <a:r>
+              <a:rPr lang="de-CH" sz="4400" b="0" strike="noStrike" spc="-1">
+                <a:latin typeface="Arial"/>
+              </a:rPr>
+              <a:t>Format des Titeltextes durch Klicken bearbeiten</a:t>
+            </a:r>
+          </a:p>
+        </p:txBody>
+      </p:sp>
+      <p:sp>
+        <p:nvSpPr>
+          <p:cNvPr id="6" name="PlaceHolder 2"/>
+          <p:cNvSpPr>
+            <a:spLocks noGrp="1"/>
+          </p:cNvSpPr>
+          <p:nvPr>
+            <p:ph type="body"/>
+          </p:nvPr>
+        </p:nvSpPr>
+        <p:spPr>
+          <a:xfrm>
+            <a:off x="504000" y="1326600"/>
+            <a:ext cx="9071640" cy="3288240"/>
+          </a:xfrm>
+          <a:prstGeom prst="rect">
+            <a:avLst/>
+          </a:prstGeom>
+        </p:spPr>
+        <p:txBody>
+          <a:bodyPr lIns="0" tIns="0" rIns="0" bIns="0">
+            <a:normAutofit/>
+          </a:bodyPr>
+          <a:lstStyle/>
+          <a:p>
+            <a:pPr marL="432000" indent="-324000">
+              <a:spcBef>
+                <a:spcPts val="1417"/>
+              </a:spcBef>
+              <a:buClr>
+                <a:srgbClr val="000000"/>
+              </a:buClr>
+              <a:buSzPct val="45000"/>
+              <a:buFont typeface="Wingdings" charset="2"/>
+              <a:buChar char=""/>
+            </a:pPr>
+            <a:r>
+              <a:rPr lang="de-CH" sz="3200" b="0" strike="noStrike" spc="-1">
+                <a:latin typeface="Arial"/>
+              </a:rPr>
+              <a:t>Format des Gliederungstextes durch Klicken bearbeiten</a:t>
+            </a:r>
+          </a:p>
+          <a:p>
+            <a:pPr marL="864000" lvl="1" indent="-324000">
+              <a:spcBef>
+                <a:spcPts val="1134"/>
+              </a:spcBef>
+              <a:buClr>
+                <a:srgbClr val="000000"/>
+              </a:buClr>
+              <a:buSzPct val="75000"/>
+              <a:buFont typeface="Symbol" charset="2"/>
+              <a:buChar char=""/>
+            </a:pPr>
+            <a:r>
+              <a:rPr lang="de-CH" sz="2800" b="0" strike="noStrike" spc="-1">
+                <a:latin typeface="Arial"/>
+              </a:rPr>
+              <a:t>Zweite Gliederungsebene</a:t>
+            </a:r>
+          </a:p>
+          <a:p>
+            <a:pPr marL="1296000" lvl="2" indent="-288000">
+              <a:spcBef>
+                <a:spcPts val="850"/>
+              </a:spcBef>
+              <a:buClr>
+                <a:srgbClr val="000000"/>
+              </a:buClr>
+              <a:buSzPct val="45000"/>
+              <a:buFont typeface="Wingdings" charset="2"/>
+              <a:buChar char=""/>
+            </a:pPr>
+            <a:r>
+              <a:rPr lang="de-CH" sz="2400" b="0" strike="noStrike" spc="-1">
+                <a:latin typeface="Arial"/>
+              </a:rPr>
+              <a:t>Dritte Gliederungsebene</a:t>
+            </a:r>
+          </a:p>
+          <a:p>
+            <a:pPr marL="1728000" lvl="3" indent="-216000">
+              <a:spcBef>
+                <a:spcPts val="567"/>
+              </a:spcBef>
+              <a:buClr>
+                <a:srgbClr val="000000"/>
+              </a:buClr>
+              <a:buSzPct val="75000"/>
+              <a:buFont typeface="Symbol" charset="2"/>
+              <a:buChar char=""/>
+            </a:pPr>
+            <a:r>
+              <a:rPr lang="de-CH" sz="2000" b="0" strike="noStrike" spc="-1">
+                <a:latin typeface="Arial"/>
+              </a:rPr>
+              <a:t>Vierte Gliederungsebene</a:t>
+            </a:r>
+          </a:p>
+          <a:p>
+            <a:pPr marL="2160000" lvl="4" indent="-216000">
+              <a:spcBef>
+                <a:spcPts val="283"/>
+              </a:spcBef>
+              <a:buClr>
+                <a:srgbClr val="000000"/>
+              </a:buClr>
+              <a:buSzPct val="45000"/>
+              <a:buFont typeface="Wingdings" charset="2"/>
+              <a:buChar char=""/>
+            </a:pPr>
+            <a:r>
+              <a:rPr lang="de-CH" sz="2000" b="0" strike="noStrike" spc="-1">
+                <a:latin typeface="Arial"/>
+              </a:rPr>
+              <a:t>Fünfte Gliederungsebene</a:t>
+            </a:r>
+          </a:p>
+          <a:p>
+            <a:pPr marL="2592000" lvl="5" indent="-216000">
+              <a:spcBef>
+                <a:spcPts val="283"/>
+              </a:spcBef>
+              <a:buClr>
+                <a:srgbClr val="000000"/>
+              </a:buClr>
+              <a:buSzPct val="45000"/>
+              <a:buFont typeface="Wingdings" charset="2"/>
+              <a:buChar char=""/>
+            </a:pPr>
+            <a:r>
+              <a:rPr lang="de-CH" sz="2000" b="0" strike="noStrike" spc="-1">
+                <a:latin typeface="Arial"/>
+              </a:rPr>
+              <a:t>Sechste Gliederungsebene</a:t>
+            </a:r>
+          </a:p>
+          <a:p>
+            <a:pPr marL="3024000" lvl="6" indent="-216000">
+              <a:spcBef>
+                <a:spcPts val="283"/>
+              </a:spcBef>
+              <a:buClr>
+                <a:srgbClr val="000000"/>
+              </a:buClr>
+              <a:buSzPct val="45000"/>
+              <a:buFont typeface="Wingdings" charset="2"/>
+              <a:buChar char=""/>
+            </a:pPr>
+            <a:r>
+              <a:rPr lang="de-CH" sz="2000" b="0" strike="noStrike" spc="-1">
+                <a:latin typeface="Arial"/>
+              </a:rPr>
+              <a:t>Siebte Gliederungsebene</a:t>
+            </a:r>
+          </a:p>
+        </p:txBody>
+      </p:sp>
+      <p:sp>
+        <p:nvSpPr>
+          <p:cNvPr id="2" name="PlaceHolder 3"/>
+          <p:cNvSpPr>
+            <a:spLocks noGrp="1"/>
+          </p:cNvSpPr>
+          <p:nvPr>
+            <p:ph type="dt"/>
+          </p:nvPr>
+        </p:nvSpPr>
+        <p:spPr>
+          <a:xfrm>
+            <a:off x="504000" y="5165280"/>
+            <a:ext cx="2348280" cy="390600"/>
+          </a:xfrm>
+          <a:prstGeom prst="rect">
+            <a:avLst/>
+          </a:prstGeom>
+        </p:spPr>
+        <p:txBody>
+          <a:bodyPr lIns="0" tIns="0" rIns="0" bIns="0"/>
+          <a:lstStyle/>
+          <a:p>
+            <a:r>
+              <a:rPr lang="de-CH" sz="1400" b="0" strike="noStrike" spc="-1">
+                <a:latin typeface="Times New Roman"/>
+              </a:rPr>
+              <a:t>&lt;Datum/Uhrzeit&gt;</a:t>
+            </a:r>
+          </a:p>
+        </p:txBody>
+      </p:sp>
+      <p:sp>
+        <p:nvSpPr>
+          <p:cNvPr id="3" name="PlaceHolder 4"/>
+          <p:cNvSpPr>
+            <a:spLocks noGrp="1"/>
+          </p:cNvSpPr>
+          <p:nvPr>
+            <p:ph type="ftr"/>
+          </p:nvPr>
+        </p:nvSpPr>
+        <p:spPr>
+          <a:xfrm>
+            <a:off x="3447360" y="5165280"/>
+            <a:ext cx="3195000" cy="390600"/>
+          </a:xfrm>
+          <a:prstGeom prst="rect">
+            <a:avLst/>
+          </a:prstGeom>
+        </p:spPr>
+        <p:txBody>
+          <a:bodyPr lIns="0" tIns="0" rIns="0" bIns="0"/>
+          <a:lstStyle/>
+          <a:p>
+            <a:pPr algn="ctr"/>
+            <a:r>
+              <a:rPr lang="de-CH" sz="1400" b="0" strike="noStrike" spc="-1">
+                <a:latin typeface="Times New Roman"/>
+              </a:rPr>
+              <a:t>&lt;Fußzeile&gt;</a:t>
+            </a:r>
+          </a:p>
+        </p:txBody>
+      </p:sp>
+      <p:sp>
+        <p:nvSpPr>
+          <p:cNvPr id="4" name="PlaceHolder 5"/>
+          <p:cNvSpPr>
+            <a:spLocks noGrp="1"/>
+          </p:cNvSpPr>
+          <p:nvPr>
+            <p:ph type="sldNum"/>
+          </p:nvPr>
+        </p:nvSpPr>
+        <p:spPr>
+          <a:xfrm>
+            <a:off x="7227360" y="5165280"/>
+            <a:ext cx="2348280" cy="390600"/>
+          </a:xfrm>
+          <a:prstGeom prst="rect">
+            <a:avLst/>
+          </a:prstGeom>
+        </p:spPr>
+        <p:txBody>
+          <a:bodyPr lIns="0" tIns="0" rIns="0" bIns="0"/>
+          <a:lstStyle/>
+          <a:p>
+            <a:pPr algn="r"/>
+            <a:fld id="{62E01371-FDBB-49AE-8050-2299BB11B87A}" type="slidenum">
+              <a:rPr lang="de-CH" sz="1400" b="0" strike="noStrike" spc="-1">
+                <a:latin typeface="Times New Roman"/>
+              </a:rPr>
+              <a:t>‹#›</a:t>
+            </a:fld>
+            <a:endParaRPr lang="de-CH" sz="1400" b="0" strike="noStrike" spc="-1">
+              <a:latin typeface="Times New Roman"/>
+            </a:endParaRPr>
+          </a:p>
+        </p:txBody>
+      </p:sp>
+    </p:spTree>
+  </p:cSld>
+  <p:clrMap bg1="lt1" tx1="dk1" bg2="lt2" tx2="dk2" accent1="accent1" accent2="accent2" accent3="accent3" accent4="accent4" accent5="accent5" accent6="accent6" hlink="hlink" folHlink="folHlink"/>
+  <p:sldLayoutIdLst>
+    <p:sldLayoutId id="2147483649" r:id="rId1"/>
+    <p:sldLayoutId id="2147483650" r:id="rId2"/>
+    <p:sldLayoutId id="2147483651" r:id="rId3"/>
+    <p:sldLayoutId id="2147483652" r:id="rId4"/>
+    <p:sldLayoutId id="2147483653" r:id="rId5"/>
+    <p:sldLayoutId id="2147483654" r:id="rId6"/>
+    <p:sldLayoutId id="2147483655" r:id="rId7"/>
+    <p:sldLayoutId id="2147483656" r:id="rId8"/>
+    <p:sldLayoutId id="2147483657" r:id="rId9"/>
+    <p:sldLayoutId id="2147483658" r:id="rId10"/>
+    <p:sldLayoutId id="2147483659" r:id="rId11"/>
+    <p:sldLayoutId id="2147483660" r:id="rId12"/>
+  </p:sldLayoutIdLst>
+  <p:txStyles>
+    <p:titleStyle/>
+    <p:bodyStyle/>
+    <p:otherStyle/>
+  </p:txStyles>
+</p:sldMaster>
+</file>
+
+<file path=ppt/slides/slide1.xml><?xml version="1.0" encoding="utf-8"?>
+<p:sld xmlns:a="http://schemas.openxmlformats.org/drawingml/2006/main" xmlns:r="http://schemas.openxmlformats.org/officeDocument/2006/relationships" xmlns:p="http://schemas.openxmlformats.org/presentationml/2006/main">
   <p:cSld>
     <p:spTree>
       <p:nvGrpSpPr>
@@ -1364,13 +1871,9 @@
       </p:grpSpPr>
       <p:sp>
         <p:nvSpPr>
-          <p:cNvPr id="0" name="PlaceHolder 1"/>
-          <p:cNvSpPr>
-            <a:spLocks noGrp="1"/>
-          </p:cNvSpPr>
-          <p:nvPr>
-            <p:ph type="title"/>
-          </p:nvPr>
+          <p:cNvPr id="41" name="TextShape 1"/>
+          <p:cNvSpPr txBox="1"/>
+          <p:nvPr/>
         </p:nvSpPr>
         <p:spPr>
           <a:xfrm>
@@ -1380,328 +1883,257 @@
           <a:prstGeom prst="rect">
             <a:avLst/>
           </a:prstGeom>
-        </p:spPr>
-        <p:txBody>
-          <a:bodyPr lIns="0" rIns="0" tIns="0" bIns="0" anchor="ctr"/>
+          <a:noFill/>
+          <a:ln>
+            <a:noFill/>
+          </a:ln>
+        </p:spPr>
+        <p:txBody>
+          <a:bodyPr lIns="0" tIns="0" rIns="0" bIns="0" anchor="ctr"/>
+          <a:lstStyle/>
           <a:p>
             <a:pPr algn="ctr"/>
             <a:r>
-              <a:rPr b="0" lang="de-CH" sz="4400" spc="-1" strike="noStrike">
+              <a:rPr lang="de-CH" sz="4400" b="0" strike="noStrike" spc="-1" dirty="0">
                 <a:latin typeface="Arial"/>
               </a:rPr>
-              <a:t>Format des Titeltextes durch Klicken bearbeiten</a:t>
+              <a:t>Wetter und </a:t>
             </a:r>
-            <a:endParaRPr b="0" lang="de-CH" sz="4400" spc="-1" strike="noStrike">
-              <a:latin typeface="Arial"/>
-            </a:endParaRPr>
-          </a:p>
-        </p:txBody>
-      </p:sp>
-      <p:sp>
-        <p:nvSpPr>
-          <p:cNvPr id="1" name="PlaceHolder 2"/>
-          <p:cNvSpPr>
-            <a:spLocks noGrp="1"/>
-          </p:cNvSpPr>
-          <p:nvPr>
-            <p:ph type="body"/>
-          </p:nvPr>
-        </p:nvSpPr>
-        <p:spPr>
-          <a:xfrm>
-            <a:off x="504000" y="1326600"/>
-            <a:ext cx="9071640" cy="3288240"/>
-          </a:xfrm>
-          <a:prstGeom prst="rect">
-            <a:avLst/>
-          </a:prstGeom>
-        </p:spPr>
-        <p:txBody>
-          <a:bodyPr lIns="0" rIns="0" tIns="0" bIns="0">
-            <a:normAutofit/>
-          </a:bodyPr>
-          <a:p>
-            <a:pPr marL="432000" indent="-324000">
-              <a:spcBef>
-                <a:spcPts val="1417"/>
-              </a:spcBef>
-              <a:buClr>
-                <a:srgbClr val="000000"/>
-              </a:buClr>
-              <a:buSzPct val="45000"/>
-              <a:buFont typeface="Wingdings" charset="2"/>
-              <a:buChar char=""/>
-            </a:pPr>
             <a:r>
-              <a:rPr b="0" lang="de-CH" sz="3200" spc="-1" strike="noStrike">
+              <a:rPr lang="de-CH" sz="4400" b="0" strike="noStrike" spc="-1" dirty="0" smtClean="0">
                 <a:latin typeface="Arial"/>
               </a:rPr>
-              <a:t>Format des Gliederungstextes durch Klicken bearbeiten</a:t>
+              <a:t>Luftqualität </a:t>
             </a:r>
-            <a:endParaRPr b="0" lang="de-CH" sz="3200" spc="-1" strike="noStrike">
-              <a:latin typeface="Arial"/>
-            </a:endParaRPr>
-          </a:p>
-          <a:p>
-            <a:pPr lvl="1" marL="864000" indent="-324000">
-              <a:spcBef>
-                <a:spcPts val="1134"/>
-              </a:spcBef>
-              <a:buClr>
-                <a:srgbClr val="000000"/>
-              </a:buClr>
-              <a:buSzPct val="75000"/>
-              <a:buFont typeface="Symbol" charset="2"/>
-              <a:buChar char=""/>
-            </a:pPr>
             <a:r>
-              <a:rPr b="0" lang="de-CH" sz="2800" spc="-1" strike="noStrike">
+              <a:rPr lang="de-CH" sz="4400" b="0" strike="noStrike" spc="-1" dirty="0">
                 <a:latin typeface="Arial"/>
               </a:rPr>
-              <a:t>Zweite Gliederungsebene</a:t>
+              <a:t>von Madrid</a:t>
             </a:r>
-            <a:endParaRPr b="0" lang="de-CH" sz="2800" spc="-1" strike="noStrike">
-              <a:latin typeface="Arial"/>
-            </a:endParaRPr>
-          </a:p>
-          <a:p>
-            <a:pPr lvl="2" marL="1296000" indent="-288000">
-              <a:spcBef>
-                <a:spcPts val="850"/>
-              </a:spcBef>
-              <a:buClr>
-                <a:srgbClr val="000000"/>
-              </a:buClr>
-              <a:buSzPct val="45000"/>
-              <a:buFont typeface="Wingdings" charset="2"/>
-              <a:buChar char=""/>
-            </a:pPr>
+          </a:p>
+        </p:txBody>
+      </p:sp>
+      <p:sp>
+        <p:nvSpPr>
+          <p:cNvPr id="42" name="TextShape 2"/>
+          <p:cNvSpPr txBox="1"/>
+          <p:nvPr/>
+        </p:nvSpPr>
+        <p:spPr>
+          <a:xfrm>
+            <a:off x="6336000" y="1872000"/>
+            <a:ext cx="3672000" cy="3096000"/>
+          </a:xfrm>
+          <a:prstGeom prst="rect">
+            <a:avLst/>
+          </a:prstGeom>
+          <a:noFill/>
+          <a:ln>
+            <a:noFill/>
+          </a:ln>
+        </p:spPr>
+        <p:txBody>
+          <a:bodyPr lIns="0" tIns="0" rIns="0" bIns="0"/>
+          <a:lstStyle/>
+          <a:p>
             <a:r>
-              <a:rPr b="0" lang="de-CH" sz="2400" spc="-1" strike="noStrike">
+              <a:rPr lang="de-CH" sz="1600" b="0" strike="noStrike" spc="-1" dirty="0" err="1">
                 <a:latin typeface="Arial"/>
               </a:rPr>
-              <a:t>Dritte Gliederungsebene</a:t>
+              <a:t>stations.csv</a:t>
             </a:r>
-            <a:endParaRPr b="0" lang="de-CH" sz="2400" spc="-1" strike="noStrike">
-              <a:latin typeface="Arial"/>
-            </a:endParaRPr>
-          </a:p>
-          <a:p>
-            <a:pPr lvl="3" marL="1728000" indent="-216000">
-              <a:spcBef>
-                <a:spcPts val="567"/>
-              </a:spcBef>
-              <a:buClr>
-                <a:srgbClr val="000000"/>
-              </a:buClr>
-              <a:buSzPct val="75000"/>
-              <a:buFont typeface="Symbol" charset="2"/>
-              <a:buChar char=""/>
-            </a:pPr>
             <a:r>
-              <a:rPr b="0" lang="de-CH" sz="2000" spc="-1" strike="noStrike">
+              <a:rPr lang="de-CH" sz="1600" b="0" strike="noStrike" spc="-1" dirty="0">
                 <a:latin typeface="Arial"/>
               </a:rPr>
-              <a:t>Vierte Gliederungsebene</a:t>
+              <a:t> – 24 Messstationen</a:t>
             </a:r>
-            <a:endParaRPr b="0" lang="de-CH" sz="2000" spc="-1" strike="noStrike">
-              <a:latin typeface="Arial"/>
-            </a:endParaRPr>
-          </a:p>
-          <a:p>
-            <a:pPr lvl="4" marL="2160000" indent="-216000">
-              <a:spcBef>
-                <a:spcPts val="283"/>
-              </a:spcBef>
-              <a:buClr>
-                <a:srgbClr val="000000"/>
-              </a:buClr>
-              <a:buSzPct val="45000"/>
-              <a:buFont typeface="Wingdings" charset="2"/>
-              <a:buChar char=""/>
-            </a:pPr>
+          </a:p>
+          <a:p>
+            <a:endParaRPr lang="de-CH" sz="1600" b="0" strike="noStrike" spc="-1" dirty="0">
+              <a:latin typeface="Arial"/>
+            </a:endParaRPr>
+          </a:p>
+          <a:p>
             <a:r>
-              <a:rPr b="0" lang="de-CH" sz="2000" spc="-1" strike="noStrike">
+              <a:rPr lang="de-CH" sz="1600" b="0" strike="noStrike" spc="-1" dirty="0">
                 <a:latin typeface="Arial"/>
               </a:rPr>
-              <a:t>Fünfte Gliederungsebene</a:t>
+              <a:t>madrid_2001.csv</a:t>
             </a:r>
-            <a:endParaRPr b="0" lang="de-CH" sz="2000" spc="-1" strike="noStrike">
-              <a:latin typeface="Arial"/>
-            </a:endParaRPr>
-          </a:p>
-          <a:p>
-            <a:pPr lvl="5" marL="2592000" indent="-216000">
-              <a:spcBef>
-                <a:spcPts val="283"/>
-              </a:spcBef>
-              <a:buClr>
-                <a:srgbClr val="000000"/>
-              </a:buClr>
-              <a:buSzPct val="45000"/>
-              <a:buFont typeface="Wingdings" charset="2"/>
-              <a:buChar char=""/>
-            </a:pPr>
+          </a:p>
+          <a:p>
             <a:r>
-              <a:rPr b="0" lang="de-CH" sz="2000" spc="-1" strike="noStrike">
+              <a:rPr lang="de-CH" sz="1600" b="0" strike="noStrike" spc="-1" dirty="0">
                 <a:latin typeface="Arial"/>
               </a:rPr>
-              <a:t>Sechste Gliederungsebene</a:t>
+              <a:t>	...</a:t>
             </a:r>
-            <a:endParaRPr b="0" lang="de-CH" sz="2000" spc="-1" strike="noStrike">
-              <a:latin typeface="Arial"/>
-            </a:endParaRPr>
-          </a:p>
-          <a:p>
-            <a:pPr lvl="6" marL="3024000" indent="-216000">
-              <a:spcBef>
-                <a:spcPts val="283"/>
-              </a:spcBef>
-              <a:buClr>
-                <a:srgbClr val="000000"/>
-              </a:buClr>
-              <a:buSzPct val="45000"/>
-              <a:buFont typeface="Wingdings" charset="2"/>
-              <a:buChar char=""/>
-            </a:pPr>
+          </a:p>
+          <a:p>
             <a:r>
-              <a:rPr b="0" lang="de-CH" sz="2000" spc="-1" strike="noStrike">
+              <a:rPr lang="de-CH" sz="1600" b="0" strike="noStrike" spc="-1" dirty="0">
                 <a:latin typeface="Arial"/>
               </a:rPr>
-              <a:t>Siebte Gliederungsebene</a:t>
+              <a:t>madrid_2018.csv</a:t>
             </a:r>
-            <a:endParaRPr b="0" lang="de-CH" sz="2000" spc="-1" strike="noStrike">
-              <a:latin typeface="Arial"/>
-            </a:endParaRPr>
-          </a:p>
-        </p:txBody>
-      </p:sp>
-      <p:sp>
-        <p:nvSpPr>
-          <p:cNvPr id="2" name="PlaceHolder 3"/>
-          <p:cNvSpPr>
-            <a:spLocks noGrp="1"/>
-          </p:cNvSpPr>
-          <p:nvPr>
-            <p:ph type="dt"/>
-          </p:nvPr>
-        </p:nvSpPr>
-        <p:spPr>
-          <a:xfrm>
-            <a:off x="504000" y="5165280"/>
-            <a:ext cx="2348280" cy="390600"/>
-          </a:xfrm>
-          <a:prstGeom prst="rect">
-            <a:avLst/>
-          </a:prstGeom>
-        </p:spPr>
-        <p:txBody>
-          <a:bodyPr lIns="0" rIns="0" tIns="0" bIns="0"/>
+          </a:p>
+          <a:p>
+            <a:endParaRPr lang="de-CH" sz="1600" b="0" strike="noStrike" spc="-1" dirty="0">
+              <a:latin typeface="Arial"/>
+            </a:endParaRPr>
+          </a:p>
           <a:p>
             <a:r>
-              <a:rPr b="0" lang="de-CH" sz="1400" spc="-1" strike="noStrike">
-                <a:latin typeface="Times New Roman"/>
+              <a:rPr lang="de-CH" sz="1600" b="0" strike="noStrike" spc="-1" dirty="0">
+                <a:latin typeface="Arial"/>
               </a:rPr>
-              <a:t>&lt;Datum/Uhrzeit&gt;</a:t>
+              <a:t>				</a:t>
             </a:r>
-            <a:endParaRPr b="0" lang="de-CH" sz="1400" spc="-1" strike="noStrike">
-              <a:latin typeface="Times New Roman"/>
-            </a:endParaRPr>
-          </a:p>
-        </p:txBody>
-      </p:sp>
-      <p:sp>
-        <p:nvSpPr>
-          <p:cNvPr id="3" name="PlaceHolder 4"/>
-          <p:cNvSpPr>
-            <a:spLocks noGrp="1"/>
-          </p:cNvSpPr>
-          <p:nvPr>
-            <p:ph type="ftr"/>
-          </p:nvPr>
-        </p:nvSpPr>
-        <p:spPr>
-          <a:xfrm>
-            <a:off x="3447360" y="5165280"/>
-            <a:ext cx="3195000" cy="390600"/>
-          </a:xfrm>
-          <a:prstGeom prst="rect">
-            <a:avLst/>
-          </a:prstGeom>
-        </p:spPr>
-        <p:txBody>
-          <a:bodyPr lIns="0" rIns="0" tIns="0" bIns="0"/>
-          <a:p>
-            <a:pPr algn="ctr"/>
             <a:r>
-              <a:rPr b="0" lang="de-CH" sz="1400" spc="-1" strike="noStrike">
-                <a:latin typeface="Times New Roman"/>
+              <a:rPr lang="de-CH" sz="1600" b="0" strike="noStrike" spc="-1" dirty="0" smtClean="0">
+                <a:latin typeface="Arial"/>
               </a:rPr>
-              <a:t>&lt;Fußzeile&gt;</a:t>
+              <a:t>	→ </a:t>
             </a:r>
-            <a:endParaRPr b="0" lang="de-CH" sz="1400" spc="-1" strike="noStrike">
-              <a:latin typeface="Times New Roman"/>
-            </a:endParaRPr>
-          </a:p>
-        </p:txBody>
-      </p:sp>
-      <p:sp>
-        <p:nvSpPr>
-          <p:cNvPr id="4" name="PlaceHolder 5"/>
-          <p:cNvSpPr>
-            <a:spLocks noGrp="1"/>
-          </p:cNvSpPr>
-          <p:nvPr>
-            <p:ph type="sldNum"/>
-          </p:nvPr>
-        </p:nvSpPr>
-        <p:spPr>
-          <a:xfrm>
-            <a:off x="7227360" y="5165280"/>
-            <a:ext cx="2348280" cy="390600"/>
-          </a:xfrm>
-          <a:prstGeom prst="rect">
-            <a:avLst/>
-          </a:prstGeom>
-        </p:spPr>
-        <p:txBody>
-          <a:bodyPr lIns="0" rIns="0" tIns="0" bIns="0"/>
-          <a:p>
-            <a:pPr algn="r"/>
-            <a:fld id="{62E01371-FDBB-49AE-8050-2299BB11B87A}" type="slidenum">
-              <a:rPr b="0" lang="de-CH" sz="1400" spc="-1" strike="noStrike">
-                <a:latin typeface="Times New Roman"/>
+            <a:r>
+              <a:rPr lang="de-CH" sz="1600" b="0" strike="noStrike" spc="-1" dirty="0">
+                <a:latin typeface="Arial"/>
               </a:rPr>
-              <a:t>&lt;Foliennummer&gt;</a:t>
-            </a:fld>
-            <a:endParaRPr b="0" lang="de-CH" sz="1400" spc="-1" strike="noStrike">
-              <a:latin typeface="Times New Roman"/>
+              <a:t>500 MB</a:t>
+            </a:r>
+          </a:p>
+          <a:p>
+            <a:endParaRPr lang="de-CH" sz="1600" b="0" strike="noStrike" spc="-1" dirty="0">
+              <a:latin typeface="Arial"/>
+            </a:endParaRPr>
+          </a:p>
+          <a:p>
+            <a:r>
+              <a:rPr lang="de-CH" sz="1600" b="0" strike="noStrike" spc="-1" dirty="0">
+                <a:latin typeface="Arial"/>
+              </a:rPr>
+              <a:t>weather_madrid_LEMD_1997_2015.csv</a:t>
+            </a:r>
+          </a:p>
+          <a:p>
+            <a:endParaRPr lang="de-CH" sz="1600" b="0" strike="noStrike" spc="-1" dirty="0">
+              <a:latin typeface="Arial"/>
+            </a:endParaRPr>
+          </a:p>
+          <a:p>
+            <a:r>
+              <a:rPr lang="de-CH" sz="1600" b="0" strike="noStrike" spc="-1" dirty="0">
+                <a:latin typeface="Arial"/>
+              </a:rPr>
+              <a:t>					→ 0.5 MB</a:t>
+            </a:r>
+          </a:p>
+        </p:txBody>
+      </p:sp>
+      <p:pic>
+        <p:nvPicPr>
+          <p:cNvPr id="43" name="Picture 42"/>
+          <p:cNvPicPr/>
+          <p:nvPr/>
+        </p:nvPicPr>
+        <p:blipFill>
+          <a:blip r:embed="rId2"/>
+          <a:srcRect l="25573" t="26203" r="10853" b="48034"/>
+          <a:stretch/>
+        </p:blipFill>
+        <p:spPr>
+          <a:xfrm>
+            <a:off x="144000" y="1872000"/>
+            <a:ext cx="6155640" cy="1314000"/>
+          </a:xfrm>
+          <a:prstGeom prst="rect">
+            <a:avLst/>
+          </a:prstGeom>
+          <a:ln>
+            <a:noFill/>
+          </a:ln>
+        </p:spPr>
+      </p:pic>
+      <p:pic>
+        <p:nvPicPr>
+          <p:cNvPr id="44" name="Picture 43"/>
+          <p:cNvPicPr/>
+          <p:nvPr/>
+        </p:nvPicPr>
+        <p:blipFill>
+          <a:blip r:embed="rId3"/>
+          <a:srcRect l="25573" t="26203" r="11565" b="48034"/>
+          <a:stretch/>
+        </p:blipFill>
+        <p:spPr>
+          <a:xfrm>
+            <a:off x="144000" y="3726720"/>
+            <a:ext cx="6084000" cy="1313280"/>
+          </a:xfrm>
+          <a:prstGeom prst="rect">
+            <a:avLst/>
+          </a:prstGeom>
+          <a:ln>
+            <a:noFill/>
+          </a:ln>
+        </p:spPr>
+      </p:pic>
+      <p:sp>
+        <p:nvSpPr>
+          <p:cNvPr id="45" name="TextShape 3"/>
+          <p:cNvSpPr txBox="1"/>
+          <p:nvPr/>
+        </p:nvSpPr>
+        <p:spPr>
+          <a:xfrm>
+            <a:off x="1008000" y="1172520"/>
+            <a:ext cx="8136000" cy="346320"/>
+          </a:xfrm>
+          <a:prstGeom prst="rect">
+            <a:avLst/>
+          </a:prstGeom>
+          <a:noFill/>
+          <a:ln>
+            <a:noFill/>
+          </a:ln>
+        </p:spPr>
+        <p:txBody>
+          <a:bodyPr lIns="90000" tIns="45000" rIns="90000" bIns="45000"/>
+          <a:lstStyle/>
+          <a:p>
+            <a:r>
+              <a:rPr lang="de-CH" sz="1800" b="0" strike="noStrike" spc="-1">
+                <a:latin typeface="Arial"/>
+                <a:ea typeface="Microsoft YaHei"/>
+              </a:rPr>
+              <a:t>Andreas Fischer, Bernd Novotny, Tobias Schieferdecker                 10.01.2019 </a:t>
+            </a:r>
+            <a:endParaRPr lang="de-CH" sz="1800" b="0" strike="noStrike" spc="-1">
+              <a:latin typeface="Arial"/>
             </a:endParaRPr>
           </a:p>
         </p:txBody>
       </p:sp>
     </p:spTree>
   </p:cSld>
-  <p:clrMap bg1="lt1" bg2="lt2" tx1="dk1" tx2="dk2" accent1="accent1" accent2="accent2" accent3="accent3" accent4="accent4" accent5="accent5" accent6="accent6" hlink="hlink" folHlink="folHlink"/>
-  <p:sldLayoutIdLst>
-    <p:sldLayoutId id="2147483649" r:id="rId2"/>
-    <p:sldLayoutId id="2147483650" r:id="rId3"/>
-    <p:sldLayoutId id="2147483651" r:id="rId4"/>
-    <p:sldLayoutId id="2147483652" r:id="rId5"/>
-    <p:sldLayoutId id="2147483653" r:id="rId6"/>
-    <p:sldLayoutId id="2147483654" r:id="rId7"/>
-    <p:sldLayoutId id="2147483655" r:id="rId8"/>
-    <p:sldLayoutId id="2147483656" r:id="rId9"/>
-    <p:sldLayoutId id="2147483657" r:id="rId10"/>
-    <p:sldLayoutId id="2147483658" r:id="rId11"/>
-    <p:sldLayoutId id="2147483659" r:id="rId12"/>
-    <p:sldLayoutId id="2147483660" r:id="rId13"/>
-  </p:sldLayoutIdLst>
-</p:sldMaster>
+  <p:clrMapOvr>
+    <a:masterClrMapping/>
+  </p:clrMapOvr>
+  <mc:AlternateContent xmlns:mc="http://schemas.openxmlformats.org/markup-compatibility/2006" xmlns:p14="http://schemas.microsoft.com/office/powerpoint/2010/main">
+    <mc:Choice Requires="p14">
+      <p:transition spd="slow" p14:dur="2000"/>
+    </mc:Choice>
+    <mc:Fallback xmlns:p15="http://schemas.microsoft.com/office/powerpoint/2012/main" xmlns="">
+      <p:transition spd="slow"/>
+    </mc:Fallback>
+  </mc:AlternateContent>
+</p:sld>
 </file>
 
-<file path=ppt/slides/slide1.xml><?xml version="1.0" encoding="utf-8"?>
-<p:sld xmlns:a="http://schemas.openxmlformats.org/drawingml/2006/main" xmlns:p="http://schemas.openxmlformats.org/presentationml/2006/main" xmlns:r="http://schemas.openxmlformats.org/officeDocument/2006/relationships" xmlns:p14="http://schemas.microsoft.com/office/powerpoint/2010/main" xmlns:p15="http://schemas.microsoft.com/office/powerpoint/2012/main" xmlns:mc="http://schemas.openxmlformats.org/markup-compatibility/2006">
+<file path=ppt/slides/slide2.xml><?xml version="1.0" encoding="utf-8"?>
+<p:sld xmlns:a="http://schemas.openxmlformats.org/drawingml/2006/main" xmlns:r="http://schemas.openxmlformats.org/officeDocument/2006/relationships" xmlns:p="http://schemas.openxmlformats.org/presentationml/2006/main">
   <p:cSld>
     <p:spTree>
       <p:nvGrpSpPr>
@@ -1719,7 +2151,7 @@
       </p:grpSpPr>
       <p:sp>
         <p:nvSpPr>
-          <p:cNvPr id="41" name="TextShape 1"/>
+          <p:cNvPr id="46" name="TextShape 1"/>
           <p:cNvSpPr txBox="1"/>
           <p:nvPr/>
         </p:nvSpPr>
@@ -1737,31 +2169,26 @@
           </a:ln>
         </p:spPr>
         <p:txBody>
-          <a:bodyPr lIns="0" rIns="0" tIns="0" bIns="0" anchor="ctr"/>
+          <a:bodyPr lIns="0" tIns="0" rIns="0" bIns="0" anchor="ctr"/>
+          <a:lstStyle/>
           <a:p>
             <a:pPr algn="ctr"/>
-            <a:r>
-              <a:rPr b="0" lang="de-CH" sz="4400" spc="-1" strike="noStrike">
-                <a:latin typeface="Arial"/>
-              </a:rPr>
-              <a:t>Wetter und Luftqulität von Madrid</a:t>
-            </a:r>
-            <a:endParaRPr b="0" lang="de-CH" sz="4400" spc="-1" strike="noStrike">
-              <a:latin typeface="Arial"/>
-            </a:endParaRPr>
-          </a:p>
-        </p:txBody>
-      </p:sp>
-      <p:sp>
-        <p:nvSpPr>
-          <p:cNvPr id="42" name="TextShape 2"/>
+            <a:endParaRPr lang="de-CH" sz="4400" b="0" strike="noStrike" spc="-1">
+              <a:latin typeface="Arial"/>
+            </a:endParaRPr>
+          </a:p>
+        </p:txBody>
+      </p:sp>
+      <p:sp>
+        <p:nvSpPr>
+          <p:cNvPr id="47" name="TextShape 2"/>
           <p:cNvSpPr txBox="1"/>
           <p:nvPr/>
         </p:nvSpPr>
         <p:spPr>
           <a:xfrm>
-            <a:off x="6336000" y="1872000"/>
-            <a:ext cx="3672000" cy="3096000"/>
+            <a:off x="504000" y="1326600"/>
+            <a:ext cx="9071640" cy="3288240"/>
           </a:xfrm>
           <a:prstGeom prst="rect">
             <a:avLst/>
@@ -1772,256 +2199,12 @@
           </a:ln>
         </p:spPr>
         <p:txBody>
-          <a:bodyPr lIns="0" rIns="0" tIns="0" bIns="0"/>
-          <a:p>
-            <a:r>
-              <a:rPr b="0" lang="de-CH" sz="1600" spc="-1" strike="noStrike">
-                <a:latin typeface="Arial"/>
-              </a:rPr>
-              <a:t>stations.csv – 24 Messstationen</a:t>
-            </a:r>
-            <a:endParaRPr b="0" lang="de-CH" sz="1600" spc="-1" strike="noStrike">
-              <a:latin typeface="Arial"/>
-            </a:endParaRPr>
-          </a:p>
-          <a:p>
-            <a:endParaRPr b="0" lang="de-CH" sz="1600" spc="-1" strike="noStrike">
-              <a:latin typeface="Arial"/>
-            </a:endParaRPr>
-          </a:p>
-          <a:p>
-            <a:r>
-              <a:rPr b="0" lang="de-CH" sz="1600" spc="-1" strike="noStrike">
-                <a:latin typeface="Arial"/>
-              </a:rPr>
-              <a:t>madrid_2001.csv</a:t>
-            </a:r>
-            <a:endParaRPr b="0" lang="de-CH" sz="1600" spc="-1" strike="noStrike">
-              <a:latin typeface="Arial"/>
-            </a:endParaRPr>
-          </a:p>
-          <a:p>
-            <a:r>
-              <a:rPr b="0" lang="de-CH" sz="1600" spc="-1" strike="noStrike">
-                <a:latin typeface="Arial"/>
-              </a:rPr>
-              <a:t>	</a:t>
-            </a:r>
-            <a:r>
-              <a:rPr b="0" lang="de-CH" sz="1600" spc="-1" strike="noStrike">
-                <a:latin typeface="Arial"/>
-              </a:rPr>
-              <a:t>...</a:t>
-            </a:r>
-            <a:endParaRPr b="0" lang="de-CH" sz="1600" spc="-1" strike="noStrike">
-              <a:latin typeface="Arial"/>
-            </a:endParaRPr>
-          </a:p>
-          <a:p>
-            <a:r>
-              <a:rPr b="0" lang="de-CH" sz="1600" spc="-1" strike="noStrike">
-                <a:latin typeface="Arial"/>
-              </a:rPr>
-              <a:t>madrid_2018.csv</a:t>
-            </a:r>
-            <a:endParaRPr b="0" lang="de-CH" sz="1600" spc="-1" strike="noStrike">
-              <a:latin typeface="Arial"/>
-            </a:endParaRPr>
-          </a:p>
-          <a:p>
-            <a:endParaRPr b="0" lang="de-CH" sz="1600" spc="-1" strike="noStrike">
-              <a:latin typeface="Arial"/>
-            </a:endParaRPr>
-          </a:p>
-          <a:p>
-            <a:r>
-              <a:rPr b="0" lang="de-CH" sz="1600" spc="-1" strike="noStrike">
-                <a:latin typeface="Arial"/>
-              </a:rPr>
-              <a:t>	</a:t>
-            </a:r>
-            <a:r>
-              <a:rPr b="0" lang="de-CH" sz="1600" spc="-1" strike="noStrike">
-                <a:latin typeface="Arial"/>
-              </a:rPr>
-              <a:t>	</a:t>
-            </a:r>
-            <a:r>
-              <a:rPr b="0" lang="de-CH" sz="1600" spc="-1" strike="noStrike">
-                <a:latin typeface="Arial"/>
-              </a:rPr>
-              <a:t>	</a:t>
-            </a:r>
-            <a:r>
-              <a:rPr b="0" lang="de-CH" sz="1600" spc="-1" strike="noStrike">
-                <a:latin typeface="Arial"/>
-              </a:rPr>
-              <a:t>	</a:t>
-            </a:r>
-            <a:r>
-              <a:rPr b="0" lang="de-CH" sz="1600" spc="-1" strike="noStrike">
-                <a:latin typeface="Arial"/>
-              </a:rPr>
-              <a:t>→ </a:t>
-            </a:r>
-            <a:r>
-              <a:rPr b="0" lang="de-CH" sz="1600" spc="-1" strike="noStrike">
-                <a:latin typeface="Arial"/>
-              </a:rPr>
-              <a:t>500 MB</a:t>
-            </a:r>
-            <a:endParaRPr b="0" lang="de-CH" sz="1600" spc="-1" strike="noStrike">
-              <a:latin typeface="Arial"/>
-            </a:endParaRPr>
-          </a:p>
-          <a:p>
-            <a:endParaRPr b="0" lang="de-CH" sz="1600" spc="-1" strike="noStrike">
-              <a:latin typeface="Arial"/>
-            </a:endParaRPr>
-          </a:p>
-          <a:p>
-            <a:r>
-              <a:rPr b="0" lang="de-CH" sz="1600" spc="-1" strike="noStrike">
-                <a:latin typeface="Arial"/>
-              </a:rPr>
-              <a:t>weather_madrid_LEMD_1997_2015.csv</a:t>
-            </a:r>
-            <a:endParaRPr b="0" lang="de-CH" sz="1600" spc="-1" strike="noStrike">
-              <a:latin typeface="Arial"/>
-            </a:endParaRPr>
-          </a:p>
-          <a:p>
-            <a:endParaRPr b="0" lang="de-CH" sz="1600" spc="-1" strike="noStrike">
-              <a:latin typeface="Arial"/>
-            </a:endParaRPr>
-          </a:p>
-          <a:p>
-            <a:r>
-              <a:rPr b="0" lang="de-CH" sz="1600" spc="-1" strike="noStrike">
-                <a:latin typeface="Arial"/>
-              </a:rPr>
-              <a:t>	</a:t>
-            </a:r>
-            <a:r>
-              <a:rPr b="0" lang="de-CH" sz="1600" spc="-1" strike="noStrike">
-                <a:latin typeface="Arial"/>
-              </a:rPr>
-              <a:t>	</a:t>
-            </a:r>
-            <a:r>
-              <a:rPr b="0" lang="de-CH" sz="1600" spc="-1" strike="noStrike">
-                <a:latin typeface="Arial"/>
-              </a:rPr>
-              <a:t>	</a:t>
-            </a:r>
-            <a:r>
-              <a:rPr b="0" lang="de-CH" sz="1600" spc="-1" strike="noStrike">
-                <a:latin typeface="Arial"/>
-              </a:rPr>
-              <a:t>	</a:t>
-            </a:r>
-            <a:r>
-              <a:rPr b="0" lang="de-CH" sz="1600" spc="-1" strike="noStrike">
-                <a:latin typeface="Arial"/>
-              </a:rPr>
-              <a:t>	</a:t>
-            </a:r>
-            <a:r>
-              <a:rPr b="0" lang="de-CH" sz="1600" spc="-1" strike="noStrike">
-                <a:latin typeface="Arial"/>
-              </a:rPr>
-              <a:t>→ </a:t>
-            </a:r>
-            <a:r>
-              <a:rPr b="0" lang="de-CH" sz="1600" spc="-1" strike="noStrike">
-                <a:latin typeface="Arial"/>
-              </a:rPr>
-              <a:t>0.5 MB</a:t>
-            </a:r>
-            <a:endParaRPr b="0" lang="de-CH" sz="1600" spc="-1" strike="noStrike">
-              <a:latin typeface="Arial"/>
-            </a:endParaRPr>
-          </a:p>
-        </p:txBody>
-      </p:sp>
-      <p:pic>
-        <p:nvPicPr>
-          <p:cNvPr id="43" name="" descr=""/>
-          <p:cNvPicPr/>
-          <p:nvPr/>
-        </p:nvPicPr>
-        <p:blipFill>
-          <a:blip r:embed="rId1"/>
-          <a:srcRect l="25573" t="26203" r="10853" b="48034"/>
-          <a:stretch/>
-        </p:blipFill>
-        <p:spPr>
-          <a:xfrm>
-            <a:off x="144000" y="1872000"/>
-            <a:ext cx="6155640" cy="1314000"/>
-          </a:xfrm>
-          <a:prstGeom prst="rect">
-            <a:avLst/>
-          </a:prstGeom>
-          <a:ln>
-            <a:noFill/>
-          </a:ln>
-        </p:spPr>
-      </p:pic>
-      <p:pic>
-        <p:nvPicPr>
-          <p:cNvPr id="44" name="" descr=""/>
-          <p:cNvPicPr/>
-          <p:nvPr/>
-        </p:nvPicPr>
-        <p:blipFill>
-          <a:blip r:embed="rId2"/>
-          <a:srcRect l="25573" t="26203" r="11565" b="48034"/>
-          <a:stretch/>
-        </p:blipFill>
-        <p:spPr>
-          <a:xfrm>
-            <a:off x="144000" y="3726720"/>
-            <a:ext cx="6084000" cy="1313280"/>
-          </a:xfrm>
-          <a:prstGeom prst="rect">
-            <a:avLst/>
-          </a:prstGeom>
-          <a:ln>
-            <a:noFill/>
-          </a:ln>
-        </p:spPr>
-      </p:pic>
-      <p:sp>
-        <p:nvSpPr>
-          <p:cNvPr id="45" name="TextShape 3"/>
-          <p:cNvSpPr txBox="1"/>
-          <p:nvPr/>
-        </p:nvSpPr>
-        <p:spPr>
-          <a:xfrm>
-            <a:off x="1008000" y="1172520"/>
-            <a:ext cx="8136000" cy="346320"/>
-          </a:xfrm>
-          <a:prstGeom prst="rect">
-            <a:avLst/>
-          </a:prstGeom>
-          <a:noFill/>
-          <a:ln>
-            <a:noFill/>
-          </a:ln>
-        </p:spPr>
-        <p:txBody>
-          <a:bodyPr lIns="90000" rIns="90000" tIns="45000" bIns="45000"/>
-          <a:p>
-            <a:r>
-              <a:rPr b="0" lang="de-CH" sz="1800" spc="-1" strike="noStrike">
-                <a:latin typeface="Arial"/>
-                <a:ea typeface="Microsoft YaHei"/>
-              </a:rPr>
-              <a:t>Andreas Fischer, Bernd Novotny, Tobias Schieferdecker                 10.01.2019 </a:t>
-            </a:r>
-            <a:endParaRPr b="0" lang="de-CH" sz="1800" spc="-1" strike="noStrike">
+          <a:bodyPr lIns="0" tIns="0" rIns="0" bIns="0">
+            <a:normAutofit/>
+          </a:bodyPr>
+          <a:lstStyle/>
+          <a:p>
+            <a:endParaRPr lang="de-CH" sz="3200" b="0" strike="noStrike" spc="-1">
               <a:latin typeface="Arial"/>
             </a:endParaRPr>
           </a:p>
@@ -2029,100 +2212,14 @@
       </p:sp>
     </p:spTree>
   </p:cSld>
-  <mc:AlternateContent>
+  <p:clrMapOvr>
+    <a:masterClrMapping/>
+  </p:clrMapOvr>
+  <mc:AlternateContent xmlns:mc="http://schemas.openxmlformats.org/markup-compatibility/2006" xmlns:p14="http://schemas.microsoft.com/office/powerpoint/2010/main">
     <mc:Choice Requires="p14">
       <p:transition spd="slow" p14:dur="2000"/>
     </mc:Choice>
-    <mc:Fallback>
-      <p:transition spd="slow"/>
-    </mc:Fallback>
-  </mc:AlternateContent>
-</p:sld>
-</file>
-
-<file path=ppt/slides/slide2.xml><?xml version="1.0" encoding="utf-8"?>
-<p:sld xmlns:a="http://schemas.openxmlformats.org/drawingml/2006/main" xmlns:p="http://schemas.openxmlformats.org/presentationml/2006/main" xmlns:r="http://schemas.openxmlformats.org/officeDocument/2006/relationships" xmlns:p14="http://schemas.microsoft.com/office/powerpoint/2010/main" xmlns:p15="http://schemas.microsoft.com/office/powerpoint/2012/main" xmlns:mc="http://schemas.openxmlformats.org/markup-compatibility/2006">
-  <p:cSld>
-    <p:spTree>
-      <p:nvGrpSpPr>
-        <p:cNvPr id="1" name=""/>
-        <p:cNvGrpSpPr/>
-        <p:nvPr/>
-      </p:nvGrpSpPr>
-      <p:grpSpPr>
-        <a:xfrm>
-          <a:off x="0" y="0"/>
-          <a:ext cx="0" cy="0"/>
-          <a:chOff x="0" y="0"/>
-          <a:chExt cx="0" cy="0"/>
-        </a:xfrm>
-      </p:grpSpPr>
-      <p:sp>
-        <p:nvSpPr>
-          <p:cNvPr id="46" name="TextShape 1"/>
-          <p:cNvSpPr txBox="1"/>
-          <p:nvPr/>
-        </p:nvSpPr>
-        <p:spPr>
-          <a:xfrm>
-            <a:off x="504000" y="226080"/>
-            <a:ext cx="9071640" cy="946440"/>
-          </a:xfrm>
-          <a:prstGeom prst="rect">
-            <a:avLst/>
-          </a:prstGeom>
-          <a:noFill/>
-          <a:ln>
-            <a:noFill/>
-          </a:ln>
-        </p:spPr>
-        <p:txBody>
-          <a:bodyPr lIns="0" rIns="0" tIns="0" bIns="0" anchor="ctr"/>
-          <a:p>
-            <a:pPr algn="ctr"/>
-            <a:endParaRPr b="0" lang="de-CH" sz="4400" spc="-1" strike="noStrike">
-              <a:latin typeface="Arial"/>
-            </a:endParaRPr>
-          </a:p>
-        </p:txBody>
-      </p:sp>
-      <p:sp>
-        <p:nvSpPr>
-          <p:cNvPr id="47" name="TextShape 2"/>
-          <p:cNvSpPr txBox="1"/>
-          <p:nvPr/>
-        </p:nvSpPr>
-        <p:spPr>
-          <a:xfrm>
-            <a:off x="504000" y="1326600"/>
-            <a:ext cx="9071640" cy="3288240"/>
-          </a:xfrm>
-          <a:prstGeom prst="rect">
-            <a:avLst/>
-          </a:prstGeom>
-          <a:noFill/>
-          <a:ln>
-            <a:noFill/>
-          </a:ln>
-        </p:spPr>
-        <p:txBody>
-          <a:bodyPr lIns="0" rIns="0" tIns="0" bIns="0">
-            <a:normAutofit/>
-          </a:bodyPr>
-          <a:p>
-            <a:endParaRPr b="0" lang="de-CH" sz="3200" spc="-1" strike="noStrike">
-              <a:latin typeface="Arial"/>
-            </a:endParaRPr>
-          </a:p>
-        </p:txBody>
-      </p:sp>
-    </p:spTree>
-  </p:cSld>
-  <mc:AlternateContent>
-    <mc:Choice Requires="p14">
-      <p:transition spd="slow" p14:dur="2000"/>
-    </mc:Choice>
-    <mc:Fallback>
+    <mc:Fallback xmlns:p15="http://schemas.microsoft.com/office/powerpoint/2012/main" xmlns="">
       <p:transition spd="slow"/>
     </mc:Fallback>
   </mc:AlternateContent>
@@ -2140,31 +2237,31 @@
         <a:sysClr val="window" lastClr="FFFFFF"/>
       </a:lt1>
       <a:dk2>
-        <a:srgbClr val="1f497d"/>
+        <a:srgbClr val="1F497D"/>
       </a:dk2>
       <a:lt2>
-        <a:srgbClr val="eeece1"/>
+        <a:srgbClr val="EEECE1"/>
       </a:lt2>
       <a:accent1>
-        <a:srgbClr val="4f81bd"/>
+        <a:srgbClr val="4F81BD"/>
       </a:accent1>
       <a:accent2>
-        <a:srgbClr val="c0504d"/>
+        <a:srgbClr val="C0504D"/>
       </a:accent2>
       <a:accent3>
-        <a:srgbClr val="9bbb59"/>
+        <a:srgbClr val="9BBB59"/>
       </a:accent3>
       <a:accent4>
-        <a:srgbClr val="8064a2"/>
+        <a:srgbClr val="8064A2"/>
       </a:accent4>
       <a:accent5>
-        <a:srgbClr val="4bacc6"/>
+        <a:srgbClr val="4BACC6"/>
       </a:accent5>
       <a:accent6>
-        <a:srgbClr val="f79646"/>
+        <a:srgbClr val="F79646"/>
       </a:accent6>
       <a:hlink>
-        <a:srgbClr val="0000ff"/>
+        <a:srgbClr val="0000FF"/>
       </a:hlink>
       <a:folHlink>
         <a:srgbClr val="800080"/>
@@ -2349,5 +2446,7 @@
       </a:bgFillStyleLst>
     </a:fmtScheme>
   </a:themeElements>
+  <a:objectDefaults/>
+  <a:extraClrSchemeLst/>
 </a:theme>
 </file>
--- a/IE_BigData_Madrid.pptx
+++ b/IE_BigData_Madrid.pptx
@@ -1,115 +1,22 @@
 
 <file path=ppt/presentation.xml><?xml version="1.0" encoding="utf-8"?>
-<p:presentation xmlns:a="http://schemas.openxmlformats.org/drawingml/2006/main" xmlns:r="http://schemas.openxmlformats.org/officeDocument/2006/relationships" xmlns:p="http://schemas.openxmlformats.org/presentationml/2006/main">
+<p:presentation xmlns:a="http://schemas.openxmlformats.org/drawingml/2006/main" xmlns:p="http://schemas.openxmlformats.org/presentationml/2006/main" xmlns:r="http://schemas.openxmlformats.org/officeDocument/2006/relationships" xmlns:p14="http://schemas.microsoft.com/office/powerpoint/2010/main" xmlns:p15="http://schemas.microsoft.com/office/powerpoint/2012/main" xmlns:mc="http://schemas.openxmlformats.org/markup-compatibility/2006">
   <p:sldMasterIdLst>
-    <p:sldMasterId id="2147483648" r:id="rId1"/>
+    <p:sldMasterId id="2147483648" r:id="rId2"/>
+    <p:sldMasterId id="2147483661" r:id="rId3"/>
   </p:sldMasterIdLst>
   <p:sldIdLst>
-    <p:sldId id="256" r:id="rId2"/>
-    <p:sldId id="257" r:id="rId3"/>
+    <p:sldId id="256" r:id="rId4"/>
+    <p:sldId id="257" r:id="rId5"/>
+    <p:sldId id="258" r:id="rId6"/>
   </p:sldIdLst>
   <p:sldSz cx="10080625" cy="5670550"/>
-  <p:notesSz cx="7559675" cy="10691813"/>
-  <p:defaultTextStyle>
-    <a:defPPr>
-      <a:defRPr lang="en-US"/>
-    </a:defPPr>
-    <a:lvl1pPr marL="0" algn="l" defTabSz="457200" rtl="0" eaLnBrk="1" latinLnBrk="0" hangingPunct="1">
-      <a:defRPr sz="1800" kern="1200">
-        <a:solidFill>
-          <a:schemeClr val="tx1"/>
-        </a:solidFill>
-        <a:latin typeface="+mn-lt"/>
-        <a:ea typeface="+mn-ea"/>
-        <a:cs typeface="+mn-cs"/>
-      </a:defRPr>
-    </a:lvl1pPr>
-    <a:lvl2pPr marL="457200" algn="l" defTabSz="457200" rtl="0" eaLnBrk="1" latinLnBrk="0" hangingPunct="1">
-      <a:defRPr sz="1800" kern="1200">
-        <a:solidFill>
-          <a:schemeClr val="tx1"/>
-        </a:solidFill>
-        <a:latin typeface="+mn-lt"/>
-        <a:ea typeface="+mn-ea"/>
-        <a:cs typeface="+mn-cs"/>
-      </a:defRPr>
-    </a:lvl2pPr>
-    <a:lvl3pPr marL="914400" algn="l" defTabSz="457200" rtl="0" eaLnBrk="1" latinLnBrk="0" hangingPunct="1">
-      <a:defRPr sz="1800" kern="1200">
-        <a:solidFill>
-          <a:schemeClr val="tx1"/>
-        </a:solidFill>
-        <a:latin typeface="+mn-lt"/>
-        <a:ea typeface="+mn-ea"/>
-        <a:cs typeface="+mn-cs"/>
-      </a:defRPr>
-    </a:lvl3pPr>
-    <a:lvl4pPr marL="1371600" algn="l" defTabSz="457200" rtl="0" eaLnBrk="1" latinLnBrk="0" hangingPunct="1">
-      <a:defRPr sz="1800" kern="1200">
-        <a:solidFill>
-          <a:schemeClr val="tx1"/>
-        </a:solidFill>
-        <a:latin typeface="+mn-lt"/>
-        <a:ea typeface="+mn-ea"/>
-        <a:cs typeface="+mn-cs"/>
-      </a:defRPr>
-    </a:lvl4pPr>
-    <a:lvl5pPr marL="1828800" algn="l" defTabSz="457200" rtl="0" eaLnBrk="1" latinLnBrk="0" hangingPunct="1">
-      <a:defRPr sz="1800" kern="1200">
-        <a:solidFill>
-          <a:schemeClr val="tx1"/>
-        </a:solidFill>
-        <a:latin typeface="+mn-lt"/>
-        <a:ea typeface="+mn-ea"/>
-        <a:cs typeface="+mn-cs"/>
-      </a:defRPr>
-    </a:lvl5pPr>
-    <a:lvl6pPr marL="2286000" algn="l" defTabSz="457200" rtl="0" eaLnBrk="1" latinLnBrk="0" hangingPunct="1">
-      <a:defRPr sz="1800" kern="1200">
-        <a:solidFill>
-          <a:schemeClr val="tx1"/>
-        </a:solidFill>
-        <a:latin typeface="+mn-lt"/>
-        <a:ea typeface="+mn-ea"/>
-        <a:cs typeface="+mn-cs"/>
-      </a:defRPr>
-    </a:lvl6pPr>
-    <a:lvl7pPr marL="2743200" algn="l" defTabSz="457200" rtl="0" eaLnBrk="1" latinLnBrk="0" hangingPunct="1">
-      <a:defRPr sz="1800" kern="1200">
-        <a:solidFill>
-          <a:schemeClr val="tx1"/>
-        </a:solidFill>
-        <a:latin typeface="+mn-lt"/>
-        <a:ea typeface="+mn-ea"/>
-        <a:cs typeface="+mn-cs"/>
-      </a:defRPr>
-    </a:lvl7pPr>
-    <a:lvl8pPr marL="3200400" algn="l" defTabSz="457200" rtl="0" eaLnBrk="1" latinLnBrk="0" hangingPunct="1">
-      <a:defRPr sz="1800" kern="1200">
-        <a:solidFill>
-          <a:schemeClr val="tx1"/>
-        </a:solidFill>
-        <a:latin typeface="+mn-lt"/>
-        <a:ea typeface="+mn-ea"/>
-        <a:cs typeface="+mn-cs"/>
-      </a:defRPr>
-    </a:lvl8pPr>
-    <a:lvl9pPr marL="3657600" algn="l" defTabSz="457200" rtl="0" eaLnBrk="1" latinLnBrk="0" hangingPunct="1">
-      <a:defRPr sz="1800" kern="1200">
-        <a:solidFill>
-          <a:schemeClr val="tx1"/>
-        </a:solidFill>
-        <a:latin typeface="+mn-lt"/>
-        <a:ea typeface="+mn-ea"/>
-        <a:cs typeface="+mn-cs"/>
-      </a:defRPr>
-    </a:lvl9pPr>
-  </p:defaultTextStyle>
+  <p:notesSz cx="7559675" cy="10691812"/>
 </p:presentation>
 </file>
 
 <file path=ppt/slideLayouts/slideLayout1.xml><?xml version="1.0" encoding="utf-8"?>
-<p:sldLayout xmlns:a="http://schemas.openxmlformats.org/drawingml/2006/main" xmlns:r="http://schemas.openxmlformats.org/officeDocument/2006/relationships" xmlns:p="http://schemas.openxmlformats.org/presentationml/2006/main" type="blank" preserve="1">
+<p:sldLayout xmlns:a="http://schemas.openxmlformats.org/drawingml/2006/main" xmlns:p="http://schemas.openxmlformats.org/presentationml/2006/main" xmlns:r="http://schemas.openxmlformats.org/officeDocument/2006/relationships" xmlns:p14="http://schemas.microsoft.com/office/powerpoint/2010/main" xmlns:p15="http://schemas.microsoft.com/office/powerpoint/2012/main" xmlns:mc="http://schemas.openxmlformats.org/markup-compatibility/2006" type="blank" preserve="1">
   <p:cSld name="Blank Slide">
     <p:spTree>
       <p:nvGrpSpPr>
@@ -127,14 +34,11 @@
       </p:grpSpPr>
     </p:spTree>
   </p:cSld>
-  <p:clrMapOvr>
-    <a:masterClrMapping/>
-  </p:clrMapOvr>
 </p:sldLayout>
 </file>
 
 <file path=ppt/slideLayouts/slideLayout10.xml><?xml version="1.0" encoding="utf-8"?>
-<p:sldLayout xmlns:a="http://schemas.openxmlformats.org/drawingml/2006/main" xmlns:r="http://schemas.openxmlformats.org/officeDocument/2006/relationships" xmlns:p="http://schemas.openxmlformats.org/presentationml/2006/main" type="objOverTx" preserve="1">
+<p:sldLayout xmlns:a="http://schemas.openxmlformats.org/drawingml/2006/main" xmlns:p="http://schemas.openxmlformats.org/presentationml/2006/main" xmlns:r="http://schemas.openxmlformats.org/officeDocument/2006/relationships" xmlns:p14="http://schemas.microsoft.com/office/powerpoint/2010/main" xmlns:p15="http://schemas.microsoft.com/office/powerpoint/2012/main" xmlns:mc="http://schemas.openxmlformats.org/markup-compatibility/2006" type="objOverTx" preserve="1">
   <p:cSld name="Title, Content over Content">
     <p:spTree>
       <p:nvGrpSpPr>
@@ -152,7 +56,7 @@
       </p:grpSpPr>
       <p:sp>
         <p:nvSpPr>
-          <p:cNvPr id="26" name="PlaceHolder 1"/>
+          <p:cNvPr id="23" name="PlaceHolder 1"/>
           <p:cNvSpPr>
             <a:spLocks noGrp="1"/>
           </p:cNvSpPr>
@@ -163,26 +67,27 @@
         <p:spPr>
           <a:xfrm>
             <a:off x="504000" y="226080"/>
-            <a:ext cx="9071640" cy="946440"/>
-          </a:xfrm>
-          <a:prstGeom prst="rect">
-            <a:avLst/>
-          </a:prstGeom>
-        </p:spPr>
-        <p:txBody>
-          <a:bodyPr lIns="0" tIns="0" rIns="0" bIns="0" anchor="ctr"/>
-          <a:lstStyle/>
-          <a:p>
-            <a:pPr algn="ctr"/>
-            <a:endParaRPr lang="de-CH" sz="4400" b="0" strike="noStrike" spc="-1">
-              <a:latin typeface="Arial"/>
-            </a:endParaRPr>
-          </a:p>
-        </p:txBody>
-      </p:sp>
-      <p:sp>
-        <p:nvSpPr>
-          <p:cNvPr id="27" name="PlaceHolder 2"/>
+            <a:ext cx="9071280" cy="946080"/>
+          </a:xfrm>
+          <a:prstGeom prst="rect">
+            <a:avLst/>
+          </a:prstGeom>
+        </p:spPr>
+        <p:txBody>
+          <a:bodyPr lIns="0" rIns="0" tIns="0" bIns="0" anchor="ctr"/>
+          <a:p>
+            <a:endParaRPr b="0" lang="en-US" sz="1800" spc="-1" strike="noStrike">
+              <a:solidFill>
+                <a:srgbClr val="000000"/>
+              </a:solidFill>
+              <a:latin typeface="Arial"/>
+            </a:endParaRPr>
+          </a:p>
+        </p:txBody>
+      </p:sp>
+      <p:sp>
+        <p:nvSpPr>
+          <p:cNvPr id="24" name="PlaceHolder 2"/>
           <p:cNvSpPr>
             <a:spLocks noGrp="1"/>
           </p:cNvSpPr>
@@ -193,27 +98,29 @@
         <p:spPr>
           <a:xfrm>
             <a:off x="504000" y="1326600"/>
-            <a:ext cx="9071640" cy="1568160"/>
-          </a:xfrm>
-          <a:prstGeom prst="rect">
-            <a:avLst/>
-          </a:prstGeom>
-        </p:spPr>
-        <p:txBody>
-          <a:bodyPr lIns="0" tIns="0" rIns="0" bIns="0">
+            <a:ext cx="9071280" cy="1568160"/>
+          </a:xfrm>
+          <a:prstGeom prst="rect">
+            <a:avLst/>
+          </a:prstGeom>
+        </p:spPr>
+        <p:txBody>
+          <a:bodyPr lIns="0" rIns="0" tIns="0" bIns="0">
             <a:normAutofit/>
           </a:bodyPr>
-          <a:lstStyle/>
-          <a:p>
-            <a:endParaRPr lang="de-CH" sz="3200" b="0" strike="noStrike" spc="-1">
-              <a:latin typeface="Arial"/>
-            </a:endParaRPr>
-          </a:p>
-        </p:txBody>
-      </p:sp>
-      <p:sp>
-        <p:nvSpPr>
-          <p:cNvPr id="28" name="PlaceHolder 3"/>
+          <a:p>
+            <a:endParaRPr b="0" lang="en-US" sz="1800" spc="-1" strike="noStrike">
+              <a:solidFill>
+                <a:srgbClr val="000000"/>
+              </a:solidFill>
+              <a:latin typeface="Arial"/>
+            </a:endParaRPr>
+          </a:p>
+        </p:txBody>
+      </p:sp>
+      <p:sp>
+        <p:nvSpPr>
+          <p:cNvPr id="25" name="PlaceHolder 3"/>
           <p:cNvSpPr>
             <a:spLocks noGrp="1"/>
           </p:cNvSpPr>
@@ -224,19 +131,21 @@
         <p:spPr>
           <a:xfrm>
             <a:off x="504000" y="3044160"/>
-            <a:ext cx="9071640" cy="1568160"/>
-          </a:xfrm>
-          <a:prstGeom prst="rect">
-            <a:avLst/>
-          </a:prstGeom>
-        </p:spPr>
-        <p:txBody>
-          <a:bodyPr lIns="0" tIns="0" rIns="0" bIns="0">
+            <a:ext cx="9071280" cy="1568160"/>
+          </a:xfrm>
+          <a:prstGeom prst="rect">
+            <a:avLst/>
+          </a:prstGeom>
+        </p:spPr>
+        <p:txBody>
+          <a:bodyPr lIns="0" rIns="0" tIns="0" bIns="0">
             <a:normAutofit/>
           </a:bodyPr>
-          <a:lstStyle/>
-          <a:p>
-            <a:endParaRPr lang="de-CH" sz="3200" b="0" strike="noStrike" spc="-1">
+          <a:p>
+            <a:endParaRPr b="0" lang="en-US" sz="1800" spc="-1" strike="noStrike">
+              <a:solidFill>
+                <a:srgbClr val="000000"/>
+              </a:solidFill>
               <a:latin typeface="Arial"/>
             </a:endParaRPr>
           </a:p>
@@ -244,14 +153,11 @@
       </p:sp>
     </p:spTree>
   </p:cSld>
-  <p:clrMapOvr>
-    <a:masterClrMapping/>
-  </p:clrMapOvr>
 </p:sldLayout>
 </file>
 
 <file path=ppt/slideLayouts/slideLayout11.xml><?xml version="1.0" encoding="utf-8"?>
-<p:sldLayout xmlns:a="http://schemas.openxmlformats.org/drawingml/2006/main" xmlns:r="http://schemas.openxmlformats.org/officeDocument/2006/relationships" xmlns:p="http://schemas.openxmlformats.org/presentationml/2006/main" type="fourObj" preserve="1">
+<p:sldLayout xmlns:a="http://schemas.openxmlformats.org/drawingml/2006/main" xmlns:p="http://schemas.openxmlformats.org/presentationml/2006/main" xmlns:r="http://schemas.openxmlformats.org/officeDocument/2006/relationships" xmlns:p14="http://schemas.microsoft.com/office/powerpoint/2010/main" xmlns:p15="http://schemas.microsoft.com/office/powerpoint/2012/main" xmlns:mc="http://schemas.openxmlformats.org/markup-compatibility/2006" type="fourObj" preserve="1">
   <p:cSld name="Title, 4 Content">
     <p:spTree>
       <p:nvGrpSpPr>
@@ -269,7 +175,7 @@
       </p:grpSpPr>
       <p:sp>
         <p:nvSpPr>
-          <p:cNvPr id="29" name="PlaceHolder 1"/>
+          <p:cNvPr id="26" name="PlaceHolder 1"/>
           <p:cNvSpPr>
             <a:spLocks noGrp="1"/>
           </p:cNvSpPr>
@@ -280,26 +186,27 @@
         <p:spPr>
           <a:xfrm>
             <a:off x="504000" y="226080"/>
-            <a:ext cx="9071640" cy="946440"/>
-          </a:xfrm>
-          <a:prstGeom prst="rect">
-            <a:avLst/>
-          </a:prstGeom>
-        </p:spPr>
-        <p:txBody>
-          <a:bodyPr lIns="0" tIns="0" rIns="0" bIns="0" anchor="ctr"/>
-          <a:lstStyle/>
-          <a:p>
-            <a:pPr algn="ctr"/>
-            <a:endParaRPr lang="de-CH" sz="4400" b="0" strike="noStrike" spc="-1">
-              <a:latin typeface="Arial"/>
-            </a:endParaRPr>
-          </a:p>
-        </p:txBody>
-      </p:sp>
-      <p:sp>
-        <p:nvSpPr>
-          <p:cNvPr id="30" name="PlaceHolder 2"/>
+            <a:ext cx="9071280" cy="946080"/>
+          </a:xfrm>
+          <a:prstGeom prst="rect">
+            <a:avLst/>
+          </a:prstGeom>
+        </p:spPr>
+        <p:txBody>
+          <a:bodyPr lIns="0" rIns="0" tIns="0" bIns="0" anchor="ctr"/>
+          <a:p>
+            <a:endParaRPr b="0" lang="en-US" sz="1800" spc="-1" strike="noStrike">
+              <a:solidFill>
+                <a:srgbClr val="000000"/>
+              </a:solidFill>
+              <a:latin typeface="Arial"/>
+            </a:endParaRPr>
+          </a:p>
+        </p:txBody>
+      </p:sp>
+      <p:sp>
+        <p:nvSpPr>
+          <p:cNvPr id="27" name="PlaceHolder 2"/>
           <p:cNvSpPr>
             <a:spLocks noGrp="1"/>
           </p:cNvSpPr>
@@ -310,27 +217,29 @@
         <p:spPr>
           <a:xfrm>
             <a:off x="504000" y="1326600"/>
-            <a:ext cx="4426920" cy="1568160"/>
-          </a:xfrm>
-          <a:prstGeom prst="rect">
-            <a:avLst/>
-          </a:prstGeom>
-        </p:spPr>
-        <p:txBody>
-          <a:bodyPr lIns="0" tIns="0" rIns="0" bIns="0">
+            <a:ext cx="4426560" cy="1568160"/>
+          </a:xfrm>
+          <a:prstGeom prst="rect">
+            <a:avLst/>
+          </a:prstGeom>
+        </p:spPr>
+        <p:txBody>
+          <a:bodyPr lIns="0" rIns="0" tIns="0" bIns="0">
             <a:normAutofit/>
           </a:bodyPr>
-          <a:lstStyle/>
-          <a:p>
-            <a:endParaRPr lang="de-CH" sz="3200" b="0" strike="noStrike" spc="-1">
-              <a:latin typeface="Arial"/>
-            </a:endParaRPr>
-          </a:p>
-        </p:txBody>
-      </p:sp>
-      <p:sp>
-        <p:nvSpPr>
-          <p:cNvPr id="31" name="PlaceHolder 3"/>
+          <a:p>
+            <a:endParaRPr b="0" lang="en-US" sz="1800" spc="-1" strike="noStrike">
+              <a:solidFill>
+                <a:srgbClr val="000000"/>
+              </a:solidFill>
+              <a:latin typeface="Arial"/>
+            </a:endParaRPr>
+          </a:p>
+        </p:txBody>
+      </p:sp>
+      <p:sp>
+        <p:nvSpPr>
+          <p:cNvPr id="28" name="PlaceHolder 3"/>
           <p:cNvSpPr>
             <a:spLocks noGrp="1"/>
           </p:cNvSpPr>
@@ -340,28 +249,30 @@
         </p:nvSpPr>
         <p:spPr>
           <a:xfrm>
-            <a:off x="5152680" y="1326600"/>
-            <a:ext cx="4426920" cy="1568160"/>
-          </a:xfrm>
-          <a:prstGeom prst="rect">
-            <a:avLst/>
-          </a:prstGeom>
-        </p:spPr>
-        <p:txBody>
-          <a:bodyPr lIns="0" tIns="0" rIns="0" bIns="0">
+            <a:off x="5152320" y="1326600"/>
+            <a:ext cx="4426560" cy="1568160"/>
+          </a:xfrm>
+          <a:prstGeom prst="rect">
+            <a:avLst/>
+          </a:prstGeom>
+        </p:spPr>
+        <p:txBody>
+          <a:bodyPr lIns="0" rIns="0" tIns="0" bIns="0">
             <a:normAutofit/>
           </a:bodyPr>
-          <a:lstStyle/>
-          <a:p>
-            <a:endParaRPr lang="de-CH" sz="3200" b="0" strike="noStrike" spc="-1">
-              <a:latin typeface="Arial"/>
-            </a:endParaRPr>
-          </a:p>
-        </p:txBody>
-      </p:sp>
-      <p:sp>
-        <p:nvSpPr>
-          <p:cNvPr id="32" name="PlaceHolder 4"/>
+          <a:p>
+            <a:endParaRPr b="0" lang="en-US" sz="1800" spc="-1" strike="noStrike">
+              <a:solidFill>
+                <a:srgbClr val="000000"/>
+              </a:solidFill>
+              <a:latin typeface="Arial"/>
+            </a:endParaRPr>
+          </a:p>
+        </p:txBody>
+      </p:sp>
+      <p:sp>
+        <p:nvSpPr>
+          <p:cNvPr id="29" name="PlaceHolder 4"/>
           <p:cNvSpPr>
             <a:spLocks noGrp="1"/>
           </p:cNvSpPr>
@@ -372,27 +283,29 @@
         <p:spPr>
           <a:xfrm>
             <a:off x="504000" y="3044160"/>
-            <a:ext cx="4426920" cy="1568160"/>
-          </a:xfrm>
-          <a:prstGeom prst="rect">
-            <a:avLst/>
-          </a:prstGeom>
-        </p:spPr>
-        <p:txBody>
-          <a:bodyPr lIns="0" tIns="0" rIns="0" bIns="0">
+            <a:ext cx="4426560" cy="1568160"/>
+          </a:xfrm>
+          <a:prstGeom prst="rect">
+            <a:avLst/>
+          </a:prstGeom>
+        </p:spPr>
+        <p:txBody>
+          <a:bodyPr lIns="0" rIns="0" tIns="0" bIns="0">
             <a:normAutofit/>
           </a:bodyPr>
-          <a:lstStyle/>
-          <a:p>
-            <a:endParaRPr lang="de-CH" sz="3200" b="0" strike="noStrike" spc="-1">
-              <a:latin typeface="Arial"/>
-            </a:endParaRPr>
-          </a:p>
-        </p:txBody>
-      </p:sp>
-      <p:sp>
-        <p:nvSpPr>
-          <p:cNvPr id="33" name="PlaceHolder 5"/>
+          <a:p>
+            <a:endParaRPr b="0" lang="en-US" sz="1800" spc="-1" strike="noStrike">
+              <a:solidFill>
+                <a:srgbClr val="000000"/>
+              </a:solidFill>
+              <a:latin typeface="Arial"/>
+            </a:endParaRPr>
+          </a:p>
+        </p:txBody>
+      </p:sp>
+      <p:sp>
+        <p:nvSpPr>
+          <p:cNvPr id="30" name="PlaceHolder 5"/>
           <p:cNvSpPr>
             <a:spLocks noGrp="1"/>
           </p:cNvSpPr>
@@ -402,20 +315,22 @@
         </p:nvSpPr>
         <p:spPr>
           <a:xfrm>
-            <a:off x="5152680" y="3044160"/>
-            <a:ext cx="4426920" cy="1568160"/>
-          </a:xfrm>
-          <a:prstGeom prst="rect">
-            <a:avLst/>
-          </a:prstGeom>
-        </p:spPr>
-        <p:txBody>
-          <a:bodyPr lIns="0" tIns="0" rIns="0" bIns="0">
+            <a:off x="5152320" y="3044160"/>
+            <a:ext cx="4426560" cy="1568160"/>
+          </a:xfrm>
+          <a:prstGeom prst="rect">
+            <a:avLst/>
+          </a:prstGeom>
+        </p:spPr>
+        <p:txBody>
+          <a:bodyPr lIns="0" rIns="0" tIns="0" bIns="0">
             <a:normAutofit/>
           </a:bodyPr>
-          <a:lstStyle/>
-          <a:p>
-            <a:endParaRPr lang="de-CH" sz="3200" b="0" strike="noStrike" spc="-1">
+          <a:p>
+            <a:endParaRPr b="0" lang="en-US" sz="1800" spc="-1" strike="noStrike">
+              <a:solidFill>
+                <a:srgbClr val="000000"/>
+              </a:solidFill>
               <a:latin typeface="Arial"/>
             </a:endParaRPr>
           </a:p>
@@ -423,14 +338,11 @@
       </p:sp>
     </p:spTree>
   </p:cSld>
-  <p:clrMapOvr>
-    <a:masterClrMapping/>
-  </p:clrMapOvr>
 </p:sldLayout>
 </file>
 
 <file path=ppt/slideLayouts/slideLayout12.xml><?xml version="1.0" encoding="utf-8"?>
-<p:sldLayout xmlns:a="http://schemas.openxmlformats.org/drawingml/2006/main" xmlns:r="http://schemas.openxmlformats.org/officeDocument/2006/relationships" xmlns:p="http://schemas.openxmlformats.org/presentationml/2006/main" type="blank" preserve="1">
+<p:sldLayout xmlns:a="http://schemas.openxmlformats.org/drawingml/2006/main" xmlns:p="http://schemas.openxmlformats.org/presentationml/2006/main" xmlns:r="http://schemas.openxmlformats.org/officeDocument/2006/relationships" xmlns:p14="http://schemas.microsoft.com/office/powerpoint/2010/main" xmlns:p15="http://schemas.microsoft.com/office/powerpoint/2012/main" xmlns:mc="http://schemas.openxmlformats.org/markup-compatibility/2006" type="blank" preserve="1">
   <p:cSld name="Title, 6 Content">
     <p:spTree>
       <p:nvGrpSpPr>
@@ -448,7 +360,7 @@
       </p:grpSpPr>
       <p:sp>
         <p:nvSpPr>
-          <p:cNvPr id="34" name="PlaceHolder 1"/>
+          <p:cNvPr id="31" name="PlaceHolder 1"/>
           <p:cNvSpPr>
             <a:spLocks noGrp="1"/>
           </p:cNvSpPr>
@@ -459,26 +371,27 @@
         <p:spPr>
           <a:xfrm>
             <a:off x="504000" y="226080"/>
-            <a:ext cx="9071640" cy="946440"/>
-          </a:xfrm>
-          <a:prstGeom prst="rect">
-            <a:avLst/>
-          </a:prstGeom>
-        </p:spPr>
-        <p:txBody>
-          <a:bodyPr lIns="0" tIns="0" rIns="0" bIns="0" anchor="ctr"/>
-          <a:lstStyle/>
-          <a:p>
-            <a:pPr algn="ctr"/>
-            <a:endParaRPr lang="de-CH" sz="4400" b="0" strike="noStrike" spc="-1">
-              <a:latin typeface="Arial"/>
-            </a:endParaRPr>
-          </a:p>
-        </p:txBody>
-      </p:sp>
-      <p:sp>
-        <p:nvSpPr>
-          <p:cNvPr id="35" name="PlaceHolder 2"/>
+            <a:ext cx="9071280" cy="946080"/>
+          </a:xfrm>
+          <a:prstGeom prst="rect">
+            <a:avLst/>
+          </a:prstGeom>
+        </p:spPr>
+        <p:txBody>
+          <a:bodyPr lIns="0" rIns="0" tIns="0" bIns="0" anchor="ctr"/>
+          <a:p>
+            <a:endParaRPr b="0" lang="en-US" sz="1800" spc="-1" strike="noStrike">
+              <a:solidFill>
+                <a:srgbClr val="000000"/>
+              </a:solidFill>
+              <a:latin typeface="Arial"/>
+            </a:endParaRPr>
+          </a:p>
+        </p:txBody>
+      </p:sp>
+      <p:sp>
+        <p:nvSpPr>
+          <p:cNvPr id="32" name="PlaceHolder 2"/>
           <p:cNvSpPr>
             <a:spLocks noGrp="1"/>
           </p:cNvSpPr>
@@ -496,20 +409,22 @@
           </a:prstGeom>
         </p:spPr>
         <p:txBody>
-          <a:bodyPr lIns="0" tIns="0" rIns="0" bIns="0">
+          <a:bodyPr lIns="0" rIns="0" tIns="0" bIns="0">
             <a:normAutofit/>
           </a:bodyPr>
-          <a:lstStyle/>
-          <a:p>
-            <a:endParaRPr lang="de-CH" sz="3200" b="0" strike="noStrike" spc="-1">
-              <a:latin typeface="Arial"/>
-            </a:endParaRPr>
-          </a:p>
-        </p:txBody>
-      </p:sp>
-      <p:sp>
-        <p:nvSpPr>
-          <p:cNvPr id="36" name="PlaceHolder 3"/>
+          <a:p>
+            <a:endParaRPr b="0" lang="en-US" sz="1800" spc="-1" strike="noStrike">
+              <a:solidFill>
+                <a:srgbClr val="000000"/>
+              </a:solidFill>
+              <a:latin typeface="Arial"/>
+            </a:endParaRPr>
+          </a:p>
+        </p:txBody>
+      </p:sp>
+      <p:sp>
+        <p:nvSpPr>
+          <p:cNvPr id="33" name="PlaceHolder 3"/>
           <p:cNvSpPr>
             <a:spLocks noGrp="1"/>
           </p:cNvSpPr>
@@ -527,20 +442,22 @@
           </a:prstGeom>
         </p:spPr>
         <p:txBody>
-          <a:bodyPr lIns="0" tIns="0" rIns="0" bIns="0">
+          <a:bodyPr lIns="0" rIns="0" tIns="0" bIns="0">
             <a:normAutofit/>
           </a:bodyPr>
-          <a:lstStyle/>
-          <a:p>
-            <a:endParaRPr lang="de-CH" sz="3200" b="0" strike="noStrike" spc="-1">
-              <a:latin typeface="Arial"/>
-            </a:endParaRPr>
-          </a:p>
-        </p:txBody>
-      </p:sp>
-      <p:sp>
-        <p:nvSpPr>
-          <p:cNvPr id="37" name="PlaceHolder 4"/>
+          <a:p>
+            <a:endParaRPr b="0" lang="en-US" sz="1800" spc="-1" strike="noStrike">
+              <a:solidFill>
+                <a:srgbClr val="000000"/>
+              </a:solidFill>
+              <a:latin typeface="Arial"/>
+            </a:endParaRPr>
+          </a:p>
+        </p:txBody>
+      </p:sp>
+      <p:sp>
+        <p:nvSpPr>
+          <p:cNvPr id="34" name="PlaceHolder 4"/>
           <p:cNvSpPr>
             <a:spLocks noGrp="1"/>
           </p:cNvSpPr>
@@ -558,20 +475,22 @@
           </a:prstGeom>
         </p:spPr>
         <p:txBody>
-          <a:bodyPr lIns="0" tIns="0" rIns="0" bIns="0">
+          <a:bodyPr lIns="0" rIns="0" tIns="0" bIns="0">
             <a:normAutofit/>
           </a:bodyPr>
-          <a:lstStyle/>
-          <a:p>
-            <a:endParaRPr lang="de-CH" sz="3200" b="0" strike="noStrike" spc="-1">
-              <a:latin typeface="Arial"/>
-            </a:endParaRPr>
-          </a:p>
-        </p:txBody>
-      </p:sp>
-      <p:sp>
-        <p:nvSpPr>
-          <p:cNvPr id="38" name="PlaceHolder 5"/>
+          <a:p>
+            <a:endParaRPr b="0" lang="en-US" sz="1800" spc="-1" strike="noStrike">
+              <a:solidFill>
+                <a:srgbClr val="000000"/>
+              </a:solidFill>
+              <a:latin typeface="Arial"/>
+            </a:endParaRPr>
+          </a:p>
+        </p:txBody>
+      </p:sp>
+      <p:sp>
+        <p:nvSpPr>
+          <p:cNvPr id="35" name="PlaceHolder 5"/>
           <p:cNvSpPr>
             <a:spLocks noGrp="1"/>
           </p:cNvSpPr>
@@ -589,20 +508,22 @@
           </a:prstGeom>
         </p:spPr>
         <p:txBody>
-          <a:bodyPr lIns="0" tIns="0" rIns="0" bIns="0">
+          <a:bodyPr lIns="0" rIns="0" tIns="0" bIns="0">
             <a:normAutofit/>
           </a:bodyPr>
-          <a:lstStyle/>
-          <a:p>
-            <a:endParaRPr lang="de-CH" sz="3200" b="0" strike="noStrike" spc="-1">
-              <a:latin typeface="Arial"/>
-            </a:endParaRPr>
-          </a:p>
-        </p:txBody>
-      </p:sp>
-      <p:sp>
-        <p:nvSpPr>
-          <p:cNvPr id="39" name="PlaceHolder 6"/>
+          <a:p>
+            <a:endParaRPr b="0" lang="en-US" sz="1800" spc="-1" strike="noStrike">
+              <a:solidFill>
+                <a:srgbClr val="000000"/>
+              </a:solidFill>
+              <a:latin typeface="Arial"/>
+            </a:endParaRPr>
+          </a:p>
+        </p:txBody>
+      </p:sp>
+      <p:sp>
+        <p:nvSpPr>
+          <p:cNvPr id="36" name="PlaceHolder 6"/>
           <p:cNvSpPr>
             <a:spLocks noGrp="1"/>
           </p:cNvSpPr>
@@ -620,20 +541,22 @@
           </a:prstGeom>
         </p:spPr>
         <p:txBody>
-          <a:bodyPr lIns="0" tIns="0" rIns="0" bIns="0">
+          <a:bodyPr lIns="0" rIns="0" tIns="0" bIns="0">
             <a:normAutofit/>
           </a:bodyPr>
-          <a:lstStyle/>
-          <a:p>
-            <a:endParaRPr lang="de-CH" sz="3200" b="0" strike="noStrike" spc="-1">
-              <a:latin typeface="Arial"/>
-            </a:endParaRPr>
-          </a:p>
-        </p:txBody>
-      </p:sp>
-      <p:sp>
-        <p:nvSpPr>
-          <p:cNvPr id="40" name="PlaceHolder 7"/>
+          <a:p>
+            <a:endParaRPr b="0" lang="en-US" sz="1800" spc="-1" strike="noStrike">
+              <a:solidFill>
+                <a:srgbClr val="000000"/>
+              </a:solidFill>
+              <a:latin typeface="Arial"/>
+            </a:endParaRPr>
+          </a:p>
+        </p:txBody>
+      </p:sp>
+      <p:sp>
+        <p:nvSpPr>
+          <p:cNvPr id="37" name="PlaceHolder 7"/>
           <p:cNvSpPr>
             <a:spLocks noGrp="1"/>
           </p:cNvSpPr>
@@ -651,12 +574,14 @@
           </a:prstGeom>
         </p:spPr>
         <p:txBody>
-          <a:bodyPr lIns="0" tIns="0" rIns="0" bIns="0">
+          <a:bodyPr lIns="0" rIns="0" tIns="0" bIns="0">
             <a:normAutofit/>
           </a:bodyPr>
-          <a:lstStyle/>
-          <a:p>
-            <a:endParaRPr lang="de-CH" sz="3200" b="0" strike="noStrike" spc="-1">
+          <a:p>
+            <a:endParaRPr b="0" lang="en-US" sz="1800" spc="-1" strike="noStrike">
+              <a:solidFill>
+                <a:srgbClr val="000000"/>
+              </a:solidFill>
               <a:latin typeface="Arial"/>
             </a:endParaRPr>
           </a:p>
@@ -664,14 +589,33 @@
       </p:sp>
     </p:spTree>
   </p:cSld>
-  <p:clrMapOvr>
-    <a:masterClrMapping/>
-  </p:clrMapOvr>
 </p:sldLayout>
 </file>
 
-<file path=ppt/slideLayouts/slideLayout2.xml><?xml version="1.0" encoding="utf-8"?>
-<p:sldLayout xmlns:a="http://schemas.openxmlformats.org/drawingml/2006/main" xmlns:r="http://schemas.openxmlformats.org/officeDocument/2006/relationships" xmlns:p="http://schemas.openxmlformats.org/presentationml/2006/main" type="tx" preserve="1">
+<file path=ppt/slideLayouts/slideLayout13.xml><?xml version="1.0" encoding="utf-8"?>
+<p:sldLayout xmlns:a="http://schemas.openxmlformats.org/drawingml/2006/main" xmlns:p="http://schemas.openxmlformats.org/presentationml/2006/main" xmlns:r="http://schemas.openxmlformats.org/officeDocument/2006/relationships" xmlns:p14="http://schemas.microsoft.com/office/powerpoint/2010/main" xmlns:p15="http://schemas.microsoft.com/office/powerpoint/2012/main" xmlns:mc="http://schemas.openxmlformats.org/markup-compatibility/2006" type="blank" preserve="1">
+  <p:cSld name="Blank Slide">
+    <p:spTree>
+      <p:nvGrpSpPr>
+        <p:cNvPr id="1" name=""/>
+        <p:cNvGrpSpPr/>
+        <p:nvPr/>
+      </p:nvGrpSpPr>
+      <p:grpSpPr>
+        <a:xfrm>
+          <a:off x="0" y="0"/>
+          <a:ext cx="0" cy="0"/>
+          <a:chOff x="0" y="0"/>
+          <a:chExt cx="0" cy="0"/>
+        </a:xfrm>
+      </p:grpSpPr>
+    </p:spTree>
+  </p:cSld>
+</p:sldLayout>
+</file>
+
+<file path=ppt/slideLayouts/slideLayout14.xml><?xml version="1.0" encoding="utf-8"?>
+<p:sldLayout xmlns:a="http://schemas.openxmlformats.org/drawingml/2006/main" xmlns:p="http://schemas.openxmlformats.org/presentationml/2006/main" xmlns:r="http://schemas.openxmlformats.org/officeDocument/2006/relationships" xmlns:p14="http://schemas.microsoft.com/office/powerpoint/2010/main" xmlns:p15="http://schemas.microsoft.com/office/powerpoint/2012/main" xmlns:mc="http://schemas.openxmlformats.org/markup-compatibility/2006" type="tx" preserve="1">
   <p:cSld name="Title Slide">
     <p:spTree>
       <p:nvGrpSpPr>
@@ -689,7 +633,7 @@
       </p:grpSpPr>
       <p:sp>
         <p:nvSpPr>
-          <p:cNvPr id="5" name="PlaceHolder 1"/>
+          <p:cNvPr id="40" name="PlaceHolder 1"/>
           <p:cNvSpPr>
             <a:spLocks noGrp="1"/>
           </p:cNvSpPr>
@@ -700,48 +644,48 @@
         <p:spPr>
           <a:xfrm>
             <a:off x="504000" y="226080"/>
-            <a:ext cx="9071640" cy="946440"/>
-          </a:xfrm>
-          <a:prstGeom prst="rect">
-            <a:avLst/>
-          </a:prstGeom>
-        </p:spPr>
-        <p:txBody>
-          <a:bodyPr lIns="0" tIns="0" rIns="0" bIns="0" anchor="ctr"/>
-          <a:lstStyle/>
+            <a:ext cx="9071280" cy="946080"/>
+          </a:xfrm>
+          <a:prstGeom prst="rect">
+            <a:avLst/>
+          </a:prstGeom>
+        </p:spPr>
+        <p:txBody>
+          <a:bodyPr lIns="0" rIns="0" tIns="0" bIns="0" anchor="ctr"/>
+          <a:p>
+            <a:endParaRPr b="0" lang="en-US" sz="1800" spc="-1" strike="noStrike">
+              <a:solidFill>
+                <a:srgbClr val="000000"/>
+              </a:solidFill>
+              <a:latin typeface="Arial"/>
+            </a:endParaRPr>
+          </a:p>
+        </p:txBody>
+      </p:sp>
+      <p:sp>
+        <p:nvSpPr>
+          <p:cNvPr id="41" name="PlaceHolder 2"/>
+          <p:cNvSpPr>
+            <a:spLocks noGrp="1"/>
+          </p:cNvSpPr>
+          <p:nvPr>
+            <p:ph type="subTitle"/>
+          </p:nvPr>
+        </p:nvSpPr>
+        <p:spPr>
+          <a:xfrm>
+            <a:off x="504000" y="1326600"/>
+            <a:ext cx="9071280" cy="3287880"/>
+          </a:xfrm>
+          <a:prstGeom prst="rect">
+            <a:avLst/>
+          </a:prstGeom>
+        </p:spPr>
+        <p:txBody>
+          <a:bodyPr lIns="0" rIns="0" tIns="0" bIns="0" anchor="ctr"/>
           <a:p>
             <a:pPr algn="ctr"/>
-            <a:endParaRPr lang="de-CH" sz="4400" b="0" strike="noStrike" spc="-1">
-              <a:latin typeface="Arial"/>
-            </a:endParaRPr>
-          </a:p>
-        </p:txBody>
-      </p:sp>
-      <p:sp>
-        <p:nvSpPr>
-          <p:cNvPr id="6" name="PlaceHolder 2"/>
-          <p:cNvSpPr>
-            <a:spLocks noGrp="1"/>
-          </p:cNvSpPr>
-          <p:nvPr>
-            <p:ph type="subTitle"/>
-          </p:nvPr>
-        </p:nvSpPr>
-        <p:spPr>
-          <a:xfrm>
-            <a:off x="504000" y="1326600"/>
-            <a:ext cx="9071640" cy="3288240"/>
-          </a:xfrm>
-          <a:prstGeom prst="rect">
-            <a:avLst/>
-          </a:prstGeom>
-        </p:spPr>
-        <p:txBody>
-          <a:bodyPr lIns="0" tIns="0" rIns="0" bIns="0" anchor="ctr"/>
-          <a:lstStyle/>
-          <a:p>
-            <a:pPr algn="ctr"/>
-            <a:endParaRPr lang="de-CH" sz="3200" b="0" strike="noStrike" spc="-1">
+            <a:endParaRPr b="0" lang="de-CH" sz="3200" spc="-1" strike="noStrike">
               <a:latin typeface="Arial"/>
             </a:endParaRPr>
           </a:p>
@@ -749,14 +693,11 @@
       </p:sp>
     </p:spTree>
   </p:cSld>
-  <p:clrMapOvr>
-    <a:masterClrMapping/>
-  </p:clrMapOvr>
 </p:sldLayout>
 </file>
 
-<file path=ppt/slideLayouts/slideLayout3.xml><?xml version="1.0" encoding="utf-8"?>
-<p:sldLayout xmlns:a="http://schemas.openxmlformats.org/drawingml/2006/main" xmlns:r="http://schemas.openxmlformats.org/officeDocument/2006/relationships" xmlns:p="http://schemas.openxmlformats.org/presentationml/2006/main" type="obj" preserve="1">
+<file path=ppt/slideLayouts/slideLayout15.xml><?xml version="1.0" encoding="utf-8"?>
+<p:sldLayout xmlns:a="http://schemas.openxmlformats.org/drawingml/2006/main" xmlns:p="http://schemas.openxmlformats.org/presentationml/2006/main" xmlns:r="http://schemas.openxmlformats.org/officeDocument/2006/relationships" xmlns:p14="http://schemas.microsoft.com/office/powerpoint/2010/main" xmlns:p15="http://schemas.microsoft.com/office/powerpoint/2012/main" xmlns:mc="http://schemas.openxmlformats.org/markup-compatibility/2006" type="obj" preserve="1">
   <p:cSld name="Title, Content">
     <p:spTree>
       <p:nvGrpSpPr>
@@ -774,7 +715,7 @@
       </p:grpSpPr>
       <p:sp>
         <p:nvSpPr>
-          <p:cNvPr id="7" name="PlaceHolder 1"/>
+          <p:cNvPr id="42" name="PlaceHolder 1"/>
           <p:cNvSpPr>
             <a:spLocks noGrp="1"/>
           </p:cNvSpPr>
@@ -785,26 +726,27 @@
         <p:spPr>
           <a:xfrm>
             <a:off x="504000" y="226080"/>
-            <a:ext cx="9071640" cy="946440"/>
-          </a:xfrm>
-          <a:prstGeom prst="rect">
-            <a:avLst/>
-          </a:prstGeom>
-        </p:spPr>
-        <p:txBody>
-          <a:bodyPr lIns="0" tIns="0" rIns="0" bIns="0" anchor="ctr"/>
-          <a:lstStyle/>
-          <a:p>
-            <a:pPr algn="ctr"/>
-            <a:endParaRPr lang="de-CH" sz="4400" b="0" strike="noStrike" spc="-1">
-              <a:latin typeface="Arial"/>
-            </a:endParaRPr>
-          </a:p>
-        </p:txBody>
-      </p:sp>
-      <p:sp>
-        <p:nvSpPr>
-          <p:cNvPr id="8" name="PlaceHolder 2"/>
+            <a:ext cx="9071280" cy="946080"/>
+          </a:xfrm>
+          <a:prstGeom prst="rect">
+            <a:avLst/>
+          </a:prstGeom>
+        </p:spPr>
+        <p:txBody>
+          <a:bodyPr lIns="0" rIns="0" tIns="0" bIns="0" anchor="ctr"/>
+          <a:p>
+            <a:endParaRPr b="0" lang="en-US" sz="1800" spc="-1" strike="noStrike">
+              <a:solidFill>
+                <a:srgbClr val="000000"/>
+              </a:solidFill>
+              <a:latin typeface="Arial"/>
+            </a:endParaRPr>
+          </a:p>
+        </p:txBody>
+      </p:sp>
+      <p:sp>
+        <p:nvSpPr>
+          <p:cNvPr id="43" name="PlaceHolder 2"/>
           <p:cNvSpPr>
             <a:spLocks noGrp="1"/>
           </p:cNvSpPr>
@@ -815,19 +757,21 @@
         <p:spPr>
           <a:xfrm>
             <a:off x="504000" y="1326600"/>
-            <a:ext cx="9071640" cy="3288240"/>
-          </a:xfrm>
-          <a:prstGeom prst="rect">
-            <a:avLst/>
-          </a:prstGeom>
-        </p:spPr>
-        <p:txBody>
-          <a:bodyPr lIns="0" tIns="0" rIns="0" bIns="0">
+            <a:ext cx="9071280" cy="3287880"/>
+          </a:xfrm>
+          <a:prstGeom prst="rect">
+            <a:avLst/>
+          </a:prstGeom>
+        </p:spPr>
+        <p:txBody>
+          <a:bodyPr lIns="0" rIns="0" tIns="0" bIns="0">
             <a:normAutofit/>
           </a:bodyPr>
-          <a:lstStyle/>
-          <a:p>
-            <a:endParaRPr lang="de-CH" sz="3200" b="0" strike="noStrike" spc="-1">
+          <a:p>
+            <a:endParaRPr b="0" lang="en-US" sz="1800" spc="-1" strike="noStrike">
+              <a:solidFill>
+                <a:srgbClr val="000000"/>
+              </a:solidFill>
               <a:latin typeface="Arial"/>
             </a:endParaRPr>
           </a:p>
@@ -835,14 +779,11 @@
       </p:sp>
     </p:spTree>
   </p:cSld>
-  <p:clrMapOvr>
-    <a:masterClrMapping/>
-  </p:clrMapOvr>
 </p:sldLayout>
 </file>
 
-<file path=ppt/slideLayouts/slideLayout4.xml><?xml version="1.0" encoding="utf-8"?>
-<p:sldLayout xmlns:a="http://schemas.openxmlformats.org/drawingml/2006/main" xmlns:r="http://schemas.openxmlformats.org/officeDocument/2006/relationships" xmlns:p="http://schemas.openxmlformats.org/presentationml/2006/main" type="twoObj" preserve="1">
+<file path=ppt/slideLayouts/slideLayout16.xml><?xml version="1.0" encoding="utf-8"?>
+<p:sldLayout xmlns:a="http://schemas.openxmlformats.org/drawingml/2006/main" xmlns:p="http://schemas.openxmlformats.org/presentationml/2006/main" xmlns:r="http://schemas.openxmlformats.org/officeDocument/2006/relationships" xmlns:p14="http://schemas.microsoft.com/office/powerpoint/2010/main" xmlns:p15="http://schemas.microsoft.com/office/powerpoint/2012/main" xmlns:mc="http://schemas.openxmlformats.org/markup-compatibility/2006" type="twoObj" preserve="1">
   <p:cSld name="Title, 2 Content">
     <p:spTree>
       <p:nvGrpSpPr>
@@ -860,7 +801,7 @@
       </p:grpSpPr>
       <p:sp>
         <p:nvSpPr>
-          <p:cNvPr id="9" name="PlaceHolder 1"/>
+          <p:cNvPr id="44" name="PlaceHolder 1"/>
           <p:cNvSpPr>
             <a:spLocks noGrp="1"/>
           </p:cNvSpPr>
@@ -871,26 +812,27 @@
         <p:spPr>
           <a:xfrm>
             <a:off x="504000" y="226080"/>
-            <a:ext cx="9071640" cy="946440"/>
-          </a:xfrm>
-          <a:prstGeom prst="rect">
-            <a:avLst/>
-          </a:prstGeom>
-        </p:spPr>
-        <p:txBody>
-          <a:bodyPr lIns="0" tIns="0" rIns="0" bIns="0" anchor="ctr"/>
-          <a:lstStyle/>
-          <a:p>
-            <a:pPr algn="ctr"/>
-            <a:endParaRPr lang="de-CH" sz="4400" b="0" strike="noStrike" spc="-1">
-              <a:latin typeface="Arial"/>
-            </a:endParaRPr>
-          </a:p>
-        </p:txBody>
-      </p:sp>
-      <p:sp>
-        <p:nvSpPr>
-          <p:cNvPr id="10" name="PlaceHolder 2"/>
+            <a:ext cx="9071280" cy="946080"/>
+          </a:xfrm>
+          <a:prstGeom prst="rect">
+            <a:avLst/>
+          </a:prstGeom>
+        </p:spPr>
+        <p:txBody>
+          <a:bodyPr lIns="0" rIns="0" tIns="0" bIns="0" anchor="ctr"/>
+          <a:p>
+            <a:endParaRPr b="0" lang="en-US" sz="1800" spc="-1" strike="noStrike">
+              <a:solidFill>
+                <a:srgbClr val="000000"/>
+              </a:solidFill>
+              <a:latin typeface="Arial"/>
+            </a:endParaRPr>
+          </a:p>
+        </p:txBody>
+      </p:sp>
+      <p:sp>
+        <p:nvSpPr>
+          <p:cNvPr id="45" name="PlaceHolder 2"/>
           <p:cNvSpPr>
             <a:spLocks noGrp="1"/>
           </p:cNvSpPr>
@@ -901,27 +843,29 @@
         <p:spPr>
           <a:xfrm>
             <a:off x="504000" y="1326600"/>
-            <a:ext cx="4426920" cy="3288240"/>
-          </a:xfrm>
-          <a:prstGeom prst="rect">
-            <a:avLst/>
-          </a:prstGeom>
-        </p:spPr>
-        <p:txBody>
-          <a:bodyPr lIns="0" tIns="0" rIns="0" bIns="0">
+            <a:ext cx="4426560" cy="3287880"/>
+          </a:xfrm>
+          <a:prstGeom prst="rect">
+            <a:avLst/>
+          </a:prstGeom>
+        </p:spPr>
+        <p:txBody>
+          <a:bodyPr lIns="0" rIns="0" tIns="0" bIns="0">
             <a:normAutofit/>
           </a:bodyPr>
-          <a:lstStyle/>
-          <a:p>
-            <a:endParaRPr lang="de-CH" sz="3200" b="0" strike="noStrike" spc="-1">
-              <a:latin typeface="Arial"/>
-            </a:endParaRPr>
-          </a:p>
-        </p:txBody>
-      </p:sp>
-      <p:sp>
-        <p:nvSpPr>
-          <p:cNvPr id="11" name="PlaceHolder 3"/>
+          <a:p>
+            <a:endParaRPr b="0" lang="en-US" sz="1800" spc="-1" strike="noStrike">
+              <a:solidFill>
+                <a:srgbClr val="000000"/>
+              </a:solidFill>
+              <a:latin typeface="Arial"/>
+            </a:endParaRPr>
+          </a:p>
+        </p:txBody>
+      </p:sp>
+      <p:sp>
+        <p:nvSpPr>
+          <p:cNvPr id="46" name="PlaceHolder 3"/>
           <p:cNvSpPr>
             <a:spLocks noGrp="1"/>
           </p:cNvSpPr>
@@ -931,20 +875,22 @@
         </p:nvSpPr>
         <p:spPr>
           <a:xfrm>
-            <a:off x="5152680" y="1326600"/>
-            <a:ext cx="4426920" cy="3288240"/>
-          </a:xfrm>
-          <a:prstGeom prst="rect">
-            <a:avLst/>
-          </a:prstGeom>
-        </p:spPr>
-        <p:txBody>
-          <a:bodyPr lIns="0" tIns="0" rIns="0" bIns="0">
+            <a:off x="5152320" y="1326600"/>
+            <a:ext cx="4426560" cy="3287880"/>
+          </a:xfrm>
+          <a:prstGeom prst="rect">
+            <a:avLst/>
+          </a:prstGeom>
+        </p:spPr>
+        <p:txBody>
+          <a:bodyPr lIns="0" rIns="0" tIns="0" bIns="0">
             <a:normAutofit/>
           </a:bodyPr>
-          <a:lstStyle/>
-          <a:p>
-            <a:endParaRPr lang="de-CH" sz="3200" b="0" strike="noStrike" spc="-1">
+          <a:p>
+            <a:endParaRPr b="0" lang="en-US" sz="1800" spc="-1" strike="noStrike">
+              <a:solidFill>
+                <a:srgbClr val="000000"/>
+              </a:solidFill>
               <a:latin typeface="Arial"/>
             </a:endParaRPr>
           </a:p>
@@ -952,14 +898,11 @@
       </p:sp>
     </p:spTree>
   </p:cSld>
-  <p:clrMapOvr>
-    <a:masterClrMapping/>
-  </p:clrMapOvr>
 </p:sldLayout>
 </file>
 
-<file path=ppt/slideLayouts/slideLayout5.xml><?xml version="1.0" encoding="utf-8"?>
-<p:sldLayout xmlns:a="http://schemas.openxmlformats.org/drawingml/2006/main" xmlns:r="http://schemas.openxmlformats.org/officeDocument/2006/relationships" xmlns:p="http://schemas.openxmlformats.org/presentationml/2006/main" type="titleOnly" preserve="1">
+<file path=ppt/slideLayouts/slideLayout17.xml><?xml version="1.0" encoding="utf-8"?>
+<p:sldLayout xmlns:a="http://schemas.openxmlformats.org/drawingml/2006/main" xmlns:p="http://schemas.openxmlformats.org/presentationml/2006/main" xmlns:r="http://schemas.openxmlformats.org/officeDocument/2006/relationships" xmlns:p14="http://schemas.microsoft.com/office/powerpoint/2010/main" xmlns:p15="http://schemas.microsoft.com/office/powerpoint/2012/main" xmlns:mc="http://schemas.openxmlformats.org/markup-compatibility/2006" type="titleOnly" preserve="1">
   <p:cSld name="Title Only">
     <p:spTree>
       <p:nvGrpSpPr>
@@ -977,7 +920,7 @@
       </p:grpSpPr>
       <p:sp>
         <p:nvSpPr>
-          <p:cNvPr id="12" name="PlaceHolder 1"/>
+          <p:cNvPr id="47" name="PlaceHolder 1"/>
           <p:cNvSpPr>
             <a:spLocks noGrp="1"/>
           </p:cNvSpPr>
@@ -988,18 +931,19 @@
         <p:spPr>
           <a:xfrm>
             <a:off x="504000" y="226080"/>
-            <a:ext cx="9071640" cy="946440"/>
-          </a:xfrm>
-          <a:prstGeom prst="rect">
-            <a:avLst/>
-          </a:prstGeom>
-        </p:spPr>
-        <p:txBody>
-          <a:bodyPr lIns="0" tIns="0" rIns="0" bIns="0" anchor="ctr"/>
-          <a:lstStyle/>
-          <a:p>
-            <a:pPr algn="ctr"/>
-            <a:endParaRPr lang="de-CH" sz="4400" b="0" strike="noStrike" spc="-1">
+            <a:ext cx="9071280" cy="946080"/>
+          </a:xfrm>
+          <a:prstGeom prst="rect">
+            <a:avLst/>
+          </a:prstGeom>
+        </p:spPr>
+        <p:txBody>
+          <a:bodyPr lIns="0" rIns="0" tIns="0" bIns="0" anchor="ctr"/>
+          <a:p>
+            <a:endParaRPr b="0" lang="en-US" sz="1800" spc="-1" strike="noStrike">
+              <a:solidFill>
+                <a:srgbClr val="000000"/>
+              </a:solidFill>
               <a:latin typeface="Arial"/>
             </a:endParaRPr>
           </a:p>
@@ -1007,14 +951,11 @@
       </p:sp>
     </p:spTree>
   </p:cSld>
-  <p:clrMapOvr>
-    <a:masterClrMapping/>
-  </p:clrMapOvr>
 </p:sldLayout>
 </file>
 
-<file path=ppt/slideLayouts/slideLayout6.xml><?xml version="1.0" encoding="utf-8"?>
-<p:sldLayout xmlns:a="http://schemas.openxmlformats.org/drawingml/2006/main" xmlns:r="http://schemas.openxmlformats.org/officeDocument/2006/relationships" xmlns:p="http://schemas.openxmlformats.org/presentationml/2006/main" type="objOnly" preserve="1">
+<file path=ppt/slideLayouts/slideLayout18.xml><?xml version="1.0" encoding="utf-8"?>
+<p:sldLayout xmlns:a="http://schemas.openxmlformats.org/drawingml/2006/main" xmlns:p="http://schemas.openxmlformats.org/presentationml/2006/main" xmlns:r="http://schemas.openxmlformats.org/officeDocument/2006/relationships" xmlns:p14="http://schemas.microsoft.com/office/powerpoint/2010/main" xmlns:p15="http://schemas.microsoft.com/office/powerpoint/2012/main" xmlns:mc="http://schemas.openxmlformats.org/markup-compatibility/2006" type="objOnly" preserve="1">
   <p:cSld name="Centered Text">
     <p:spTree>
       <p:nvGrpSpPr>
@@ -1032,7 +973,7 @@
       </p:grpSpPr>
       <p:sp>
         <p:nvSpPr>
-          <p:cNvPr id="13" name="PlaceHolder 1"/>
+          <p:cNvPr id="48" name="PlaceHolder 1"/>
           <p:cNvSpPr>
             <a:spLocks noGrp="1"/>
           </p:cNvSpPr>
@@ -1043,18 +984,17 @@
         <p:spPr>
           <a:xfrm>
             <a:off x="504000" y="226080"/>
-            <a:ext cx="9071640" cy="4388400"/>
-          </a:xfrm>
-          <a:prstGeom prst="rect">
-            <a:avLst/>
-          </a:prstGeom>
-        </p:spPr>
-        <p:txBody>
-          <a:bodyPr lIns="0" tIns="0" rIns="0" bIns="0" anchor="ctr"/>
-          <a:lstStyle/>
+            <a:ext cx="9071280" cy="4386600"/>
+          </a:xfrm>
+          <a:prstGeom prst="rect">
+            <a:avLst/>
+          </a:prstGeom>
+        </p:spPr>
+        <p:txBody>
+          <a:bodyPr lIns="0" rIns="0" tIns="0" bIns="0" anchor="ctr"/>
           <a:p>
             <a:pPr algn="ctr"/>
-            <a:endParaRPr lang="de-CH" sz="3200" b="0" strike="noStrike" spc="-1">
+            <a:endParaRPr b="0" lang="de-CH" sz="3200" spc="-1" strike="noStrike">
               <a:latin typeface="Arial"/>
             </a:endParaRPr>
           </a:p>
@@ -1062,14 +1002,11 @@
       </p:sp>
     </p:spTree>
   </p:cSld>
-  <p:clrMapOvr>
-    <a:masterClrMapping/>
-  </p:clrMapOvr>
 </p:sldLayout>
 </file>
 
-<file path=ppt/slideLayouts/slideLayout7.xml><?xml version="1.0" encoding="utf-8"?>
-<p:sldLayout xmlns:a="http://schemas.openxmlformats.org/drawingml/2006/main" xmlns:r="http://schemas.openxmlformats.org/officeDocument/2006/relationships" xmlns:p="http://schemas.openxmlformats.org/presentationml/2006/main" type="twoObjAndObj" preserve="1">
+<file path=ppt/slideLayouts/slideLayout19.xml><?xml version="1.0" encoding="utf-8"?>
+<p:sldLayout xmlns:a="http://schemas.openxmlformats.org/drawingml/2006/main" xmlns:p="http://schemas.openxmlformats.org/presentationml/2006/main" xmlns:r="http://schemas.openxmlformats.org/officeDocument/2006/relationships" xmlns:p14="http://schemas.microsoft.com/office/powerpoint/2010/main" xmlns:p15="http://schemas.microsoft.com/office/powerpoint/2012/main" xmlns:mc="http://schemas.openxmlformats.org/markup-compatibility/2006" type="twoObjAndObj" preserve="1">
   <p:cSld name="Title, 2 Content and Content">
     <p:spTree>
       <p:nvGrpSpPr>
@@ -1087,7 +1024,7 @@
       </p:grpSpPr>
       <p:sp>
         <p:nvSpPr>
-          <p:cNvPr id="14" name="PlaceHolder 1"/>
+          <p:cNvPr id="49" name="PlaceHolder 1"/>
           <p:cNvSpPr>
             <a:spLocks noGrp="1"/>
           </p:cNvSpPr>
@@ -1098,26 +1035,27 @@
         <p:spPr>
           <a:xfrm>
             <a:off x="504000" y="226080"/>
-            <a:ext cx="9071640" cy="946440"/>
-          </a:xfrm>
-          <a:prstGeom prst="rect">
-            <a:avLst/>
-          </a:prstGeom>
-        </p:spPr>
-        <p:txBody>
-          <a:bodyPr lIns="0" tIns="0" rIns="0" bIns="0" anchor="ctr"/>
-          <a:lstStyle/>
-          <a:p>
-            <a:pPr algn="ctr"/>
-            <a:endParaRPr lang="de-CH" sz="4400" b="0" strike="noStrike" spc="-1">
-              <a:latin typeface="Arial"/>
-            </a:endParaRPr>
-          </a:p>
-        </p:txBody>
-      </p:sp>
-      <p:sp>
-        <p:nvSpPr>
-          <p:cNvPr id="15" name="PlaceHolder 2"/>
+            <a:ext cx="9071280" cy="946080"/>
+          </a:xfrm>
+          <a:prstGeom prst="rect">
+            <a:avLst/>
+          </a:prstGeom>
+        </p:spPr>
+        <p:txBody>
+          <a:bodyPr lIns="0" rIns="0" tIns="0" bIns="0" anchor="ctr"/>
+          <a:p>
+            <a:endParaRPr b="0" lang="en-US" sz="1800" spc="-1" strike="noStrike">
+              <a:solidFill>
+                <a:srgbClr val="000000"/>
+              </a:solidFill>
+              <a:latin typeface="Arial"/>
+            </a:endParaRPr>
+          </a:p>
+        </p:txBody>
+      </p:sp>
+      <p:sp>
+        <p:nvSpPr>
+          <p:cNvPr id="50" name="PlaceHolder 2"/>
           <p:cNvSpPr>
             <a:spLocks noGrp="1"/>
           </p:cNvSpPr>
@@ -1128,27 +1066,29 @@
         <p:spPr>
           <a:xfrm>
             <a:off x="504000" y="1326600"/>
-            <a:ext cx="4426920" cy="1568160"/>
-          </a:xfrm>
-          <a:prstGeom prst="rect">
-            <a:avLst/>
-          </a:prstGeom>
-        </p:spPr>
-        <p:txBody>
-          <a:bodyPr lIns="0" tIns="0" rIns="0" bIns="0">
+            <a:ext cx="4426560" cy="1568160"/>
+          </a:xfrm>
+          <a:prstGeom prst="rect">
+            <a:avLst/>
+          </a:prstGeom>
+        </p:spPr>
+        <p:txBody>
+          <a:bodyPr lIns="0" rIns="0" tIns="0" bIns="0">
             <a:normAutofit/>
           </a:bodyPr>
-          <a:lstStyle/>
-          <a:p>
-            <a:endParaRPr lang="de-CH" sz="3200" b="0" strike="noStrike" spc="-1">
-              <a:latin typeface="Arial"/>
-            </a:endParaRPr>
-          </a:p>
-        </p:txBody>
-      </p:sp>
-      <p:sp>
-        <p:nvSpPr>
-          <p:cNvPr id="16" name="PlaceHolder 3"/>
+          <a:p>
+            <a:endParaRPr b="0" lang="en-US" sz="1800" spc="-1" strike="noStrike">
+              <a:solidFill>
+                <a:srgbClr val="000000"/>
+              </a:solidFill>
+              <a:latin typeface="Arial"/>
+            </a:endParaRPr>
+          </a:p>
+        </p:txBody>
+      </p:sp>
+      <p:sp>
+        <p:nvSpPr>
+          <p:cNvPr id="51" name="PlaceHolder 3"/>
           <p:cNvSpPr>
             <a:spLocks noGrp="1"/>
           </p:cNvSpPr>
@@ -1158,28 +1098,30 @@
         </p:nvSpPr>
         <p:spPr>
           <a:xfrm>
-            <a:off x="5152680" y="1326600"/>
-            <a:ext cx="4426920" cy="3288240"/>
-          </a:xfrm>
-          <a:prstGeom prst="rect">
-            <a:avLst/>
-          </a:prstGeom>
-        </p:spPr>
-        <p:txBody>
-          <a:bodyPr lIns="0" tIns="0" rIns="0" bIns="0">
+            <a:off x="5152320" y="1326600"/>
+            <a:ext cx="4426560" cy="3287880"/>
+          </a:xfrm>
+          <a:prstGeom prst="rect">
+            <a:avLst/>
+          </a:prstGeom>
+        </p:spPr>
+        <p:txBody>
+          <a:bodyPr lIns="0" rIns="0" tIns="0" bIns="0">
             <a:normAutofit/>
           </a:bodyPr>
-          <a:lstStyle/>
-          <a:p>
-            <a:endParaRPr lang="de-CH" sz="3200" b="0" strike="noStrike" spc="-1">
-              <a:latin typeface="Arial"/>
-            </a:endParaRPr>
-          </a:p>
-        </p:txBody>
-      </p:sp>
-      <p:sp>
-        <p:nvSpPr>
-          <p:cNvPr id="17" name="PlaceHolder 4"/>
+          <a:p>
+            <a:endParaRPr b="0" lang="en-US" sz="1800" spc="-1" strike="noStrike">
+              <a:solidFill>
+                <a:srgbClr val="000000"/>
+              </a:solidFill>
+              <a:latin typeface="Arial"/>
+            </a:endParaRPr>
+          </a:p>
+        </p:txBody>
+      </p:sp>
+      <p:sp>
+        <p:nvSpPr>
+          <p:cNvPr id="52" name="PlaceHolder 4"/>
           <p:cNvSpPr>
             <a:spLocks noGrp="1"/>
           </p:cNvSpPr>
@@ -1190,19 +1132,21 @@
         <p:spPr>
           <a:xfrm>
             <a:off x="504000" y="3044160"/>
-            <a:ext cx="4426920" cy="1568160"/>
-          </a:xfrm>
-          <a:prstGeom prst="rect">
-            <a:avLst/>
-          </a:prstGeom>
-        </p:spPr>
-        <p:txBody>
-          <a:bodyPr lIns="0" tIns="0" rIns="0" bIns="0">
+            <a:ext cx="4426560" cy="1568160"/>
+          </a:xfrm>
+          <a:prstGeom prst="rect">
+            <a:avLst/>
+          </a:prstGeom>
+        </p:spPr>
+        <p:txBody>
+          <a:bodyPr lIns="0" rIns="0" tIns="0" bIns="0">
             <a:normAutofit/>
           </a:bodyPr>
-          <a:lstStyle/>
-          <a:p>
-            <a:endParaRPr lang="de-CH" sz="3200" b="0" strike="noStrike" spc="-1">
+          <a:p>
+            <a:endParaRPr b="0" lang="en-US" sz="1800" spc="-1" strike="noStrike">
+              <a:solidFill>
+                <a:srgbClr val="000000"/>
+              </a:solidFill>
               <a:latin typeface="Arial"/>
             </a:endParaRPr>
           </a:p>
@@ -1210,14 +1154,93 @@
       </p:sp>
     </p:spTree>
   </p:cSld>
-  <p:clrMapOvr>
-    <a:masterClrMapping/>
-  </p:clrMapOvr>
 </p:sldLayout>
 </file>
 
-<file path=ppt/slideLayouts/slideLayout8.xml><?xml version="1.0" encoding="utf-8"?>
-<p:sldLayout xmlns:a="http://schemas.openxmlformats.org/drawingml/2006/main" xmlns:r="http://schemas.openxmlformats.org/officeDocument/2006/relationships" xmlns:p="http://schemas.openxmlformats.org/presentationml/2006/main" type="objAndTwoObj" preserve="1">
+<file path=ppt/slideLayouts/slideLayout2.xml><?xml version="1.0" encoding="utf-8"?>
+<p:sldLayout xmlns:a="http://schemas.openxmlformats.org/drawingml/2006/main" xmlns:p="http://schemas.openxmlformats.org/presentationml/2006/main" xmlns:r="http://schemas.openxmlformats.org/officeDocument/2006/relationships" xmlns:p14="http://schemas.microsoft.com/office/powerpoint/2010/main" xmlns:p15="http://schemas.microsoft.com/office/powerpoint/2012/main" xmlns:mc="http://schemas.openxmlformats.org/markup-compatibility/2006" type="tx" preserve="1">
+  <p:cSld name="Title Slide">
+    <p:spTree>
+      <p:nvGrpSpPr>
+        <p:cNvPr id="1" name=""/>
+        <p:cNvGrpSpPr/>
+        <p:nvPr/>
+      </p:nvGrpSpPr>
+      <p:grpSpPr>
+        <a:xfrm>
+          <a:off x="0" y="0"/>
+          <a:ext cx="0" cy="0"/>
+          <a:chOff x="0" y="0"/>
+          <a:chExt cx="0" cy="0"/>
+        </a:xfrm>
+      </p:grpSpPr>
+      <p:sp>
+        <p:nvSpPr>
+          <p:cNvPr id="2" name="PlaceHolder 1"/>
+          <p:cNvSpPr>
+            <a:spLocks noGrp="1"/>
+          </p:cNvSpPr>
+          <p:nvPr>
+            <p:ph type="title"/>
+          </p:nvPr>
+        </p:nvSpPr>
+        <p:spPr>
+          <a:xfrm>
+            <a:off x="504000" y="226080"/>
+            <a:ext cx="9071280" cy="946080"/>
+          </a:xfrm>
+          <a:prstGeom prst="rect">
+            <a:avLst/>
+          </a:prstGeom>
+        </p:spPr>
+        <p:txBody>
+          <a:bodyPr lIns="0" rIns="0" tIns="0" bIns="0" anchor="ctr"/>
+          <a:p>
+            <a:endParaRPr b="0" lang="en-US" sz="1800" spc="-1" strike="noStrike">
+              <a:solidFill>
+                <a:srgbClr val="000000"/>
+              </a:solidFill>
+              <a:latin typeface="Arial"/>
+            </a:endParaRPr>
+          </a:p>
+        </p:txBody>
+      </p:sp>
+      <p:sp>
+        <p:nvSpPr>
+          <p:cNvPr id="3" name="PlaceHolder 2"/>
+          <p:cNvSpPr>
+            <a:spLocks noGrp="1"/>
+          </p:cNvSpPr>
+          <p:nvPr>
+            <p:ph type="subTitle"/>
+          </p:nvPr>
+        </p:nvSpPr>
+        <p:spPr>
+          <a:xfrm>
+            <a:off x="504000" y="1326600"/>
+            <a:ext cx="9071280" cy="3287880"/>
+          </a:xfrm>
+          <a:prstGeom prst="rect">
+            <a:avLst/>
+          </a:prstGeom>
+        </p:spPr>
+        <p:txBody>
+          <a:bodyPr lIns="0" rIns="0" tIns="0" bIns="0" anchor="ctr"/>
+          <a:p>
+            <a:pPr algn="ctr"/>
+            <a:endParaRPr b="0" lang="de-CH" sz="3200" spc="-1" strike="noStrike">
+              <a:latin typeface="Arial"/>
+            </a:endParaRPr>
+          </a:p>
+        </p:txBody>
+      </p:sp>
+    </p:spTree>
+  </p:cSld>
+</p:sldLayout>
+</file>
+
+<file path=ppt/slideLayouts/slideLayout20.xml><?xml version="1.0" encoding="utf-8"?>
+<p:sldLayout xmlns:a="http://schemas.openxmlformats.org/drawingml/2006/main" xmlns:p="http://schemas.openxmlformats.org/presentationml/2006/main" xmlns:r="http://schemas.openxmlformats.org/officeDocument/2006/relationships" xmlns:p14="http://schemas.microsoft.com/office/powerpoint/2010/main" xmlns:p15="http://schemas.microsoft.com/office/powerpoint/2012/main" xmlns:mc="http://schemas.openxmlformats.org/markup-compatibility/2006" type="objAndTwoObj" preserve="1">
   <p:cSld name="Title Content and 2 Content">
     <p:spTree>
       <p:nvGrpSpPr>
@@ -1235,7 +1258,7 @@
       </p:grpSpPr>
       <p:sp>
         <p:nvSpPr>
-          <p:cNvPr id="18" name="PlaceHolder 1"/>
+          <p:cNvPr id="53" name="PlaceHolder 1"/>
           <p:cNvSpPr>
             <a:spLocks noGrp="1"/>
           </p:cNvSpPr>
@@ -1246,26 +1269,27 @@
         <p:spPr>
           <a:xfrm>
             <a:off x="504000" y="226080"/>
-            <a:ext cx="9071640" cy="946440"/>
-          </a:xfrm>
-          <a:prstGeom prst="rect">
-            <a:avLst/>
-          </a:prstGeom>
-        </p:spPr>
-        <p:txBody>
-          <a:bodyPr lIns="0" tIns="0" rIns="0" bIns="0" anchor="ctr"/>
-          <a:lstStyle/>
-          <a:p>
-            <a:pPr algn="ctr"/>
-            <a:endParaRPr lang="de-CH" sz="4400" b="0" strike="noStrike" spc="-1">
-              <a:latin typeface="Arial"/>
-            </a:endParaRPr>
-          </a:p>
-        </p:txBody>
-      </p:sp>
-      <p:sp>
-        <p:nvSpPr>
-          <p:cNvPr id="19" name="PlaceHolder 2"/>
+            <a:ext cx="9071280" cy="946080"/>
+          </a:xfrm>
+          <a:prstGeom prst="rect">
+            <a:avLst/>
+          </a:prstGeom>
+        </p:spPr>
+        <p:txBody>
+          <a:bodyPr lIns="0" rIns="0" tIns="0" bIns="0" anchor="ctr"/>
+          <a:p>
+            <a:endParaRPr b="0" lang="en-US" sz="1800" spc="-1" strike="noStrike">
+              <a:solidFill>
+                <a:srgbClr val="000000"/>
+              </a:solidFill>
+              <a:latin typeface="Arial"/>
+            </a:endParaRPr>
+          </a:p>
+        </p:txBody>
+      </p:sp>
+      <p:sp>
+        <p:nvSpPr>
+          <p:cNvPr id="54" name="PlaceHolder 2"/>
           <p:cNvSpPr>
             <a:spLocks noGrp="1"/>
           </p:cNvSpPr>
@@ -1276,27 +1300,29 @@
         <p:spPr>
           <a:xfrm>
             <a:off x="504000" y="1326600"/>
-            <a:ext cx="4426920" cy="3288240"/>
-          </a:xfrm>
-          <a:prstGeom prst="rect">
-            <a:avLst/>
-          </a:prstGeom>
-        </p:spPr>
-        <p:txBody>
-          <a:bodyPr lIns="0" tIns="0" rIns="0" bIns="0">
+            <a:ext cx="4426560" cy="3287880"/>
+          </a:xfrm>
+          <a:prstGeom prst="rect">
+            <a:avLst/>
+          </a:prstGeom>
+        </p:spPr>
+        <p:txBody>
+          <a:bodyPr lIns="0" rIns="0" tIns="0" bIns="0">
             <a:normAutofit/>
           </a:bodyPr>
-          <a:lstStyle/>
-          <a:p>
-            <a:endParaRPr lang="de-CH" sz="3200" b="0" strike="noStrike" spc="-1">
-              <a:latin typeface="Arial"/>
-            </a:endParaRPr>
-          </a:p>
-        </p:txBody>
-      </p:sp>
-      <p:sp>
-        <p:nvSpPr>
-          <p:cNvPr id="20" name="PlaceHolder 3"/>
+          <a:p>
+            <a:endParaRPr b="0" lang="en-US" sz="1800" spc="-1" strike="noStrike">
+              <a:solidFill>
+                <a:srgbClr val="000000"/>
+              </a:solidFill>
+              <a:latin typeface="Arial"/>
+            </a:endParaRPr>
+          </a:p>
+        </p:txBody>
+      </p:sp>
+      <p:sp>
+        <p:nvSpPr>
+          <p:cNvPr id="55" name="PlaceHolder 3"/>
           <p:cNvSpPr>
             <a:spLocks noGrp="1"/>
           </p:cNvSpPr>
@@ -1306,28 +1332,30 @@
         </p:nvSpPr>
         <p:spPr>
           <a:xfrm>
-            <a:off x="5152680" y="1326600"/>
-            <a:ext cx="4426920" cy="1568160"/>
-          </a:xfrm>
-          <a:prstGeom prst="rect">
-            <a:avLst/>
-          </a:prstGeom>
-        </p:spPr>
-        <p:txBody>
-          <a:bodyPr lIns="0" tIns="0" rIns="0" bIns="0">
+            <a:off x="5152320" y="1326600"/>
+            <a:ext cx="4426560" cy="1568160"/>
+          </a:xfrm>
+          <a:prstGeom prst="rect">
+            <a:avLst/>
+          </a:prstGeom>
+        </p:spPr>
+        <p:txBody>
+          <a:bodyPr lIns="0" rIns="0" tIns="0" bIns="0">
             <a:normAutofit/>
           </a:bodyPr>
-          <a:lstStyle/>
-          <a:p>
-            <a:endParaRPr lang="de-CH" sz="3200" b="0" strike="noStrike" spc="-1">
-              <a:latin typeface="Arial"/>
-            </a:endParaRPr>
-          </a:p>
-        </p:txBody>
-      </p:sp>
-      <p:sp>
-        <p:nvSpPr>
-          <p:cNvPr id="21" name="PlaceHolder 4"/>
+          <a:p>
+            <a:endParaRPr b="0" lang="en-US" sz="1800" spc="-1" strike="noStrike">
+              <a:solidFill>
+                <a:srgbClr val="000000"/>
+              </a:solidFill>
+              <a:latin typeface="Arial"/>
+            </a:endParaRPr>
+          </a:p>
+        </p:txBody>
+      </p:sp>
+      <p:sp>
+        <p:nvSpPr>
+          <p:cNvPr id="56" name="PlaceHolder 4"/>
           <p:cNvSpPr>
             <a:spLocks noGrp="1"/>
           </p:cNvSpPr>
@@ -1337,20 +1365,22 @@
         </p:nvSpPr>
         <p:spPr>
           <a:xfrm>
-            <a:off x="5152680" y="3044160"/>
-            <a:ext cx="4426920" cy="1568160"/>
-          </a:xfrm>
-          <a:prstGeom prst="rect">
-            <a:avLst/>
-          </a:prstGeom>
-        </p:spPr>
-        <p:txBody>
-          <a:bodyPr lIns="0" tIns="0" rIns="0" bIns="0">
+            <a:off x="5152320" y="3044160"/>
+            <a:ext cx="4426560" cy="1568160"/>
+          </a:xfrm>
+          <a:prstGeom prst="rect">
+            <a:avLst/>
+          </a:prstGeom>
+        </p:spPr>
+        <p:txBody>
+          <a:bodyPr lIns="0" rIns="0" tIns="0" bIns="0">
             <a:normAutofit/>
           </a:bodyPr>
-          <a:lstStyle/>
-          <a:p>
-            <a:endParaRPr lang="de-CH" sz="3200" b="0" strike="noStrike" spc="-1">
+          <a:p>
+            <a:endParaRPr b="0" lang="en-US" sz="1800" spc="-1" strike="noStrike">
+              <a:solidFill>
+                <a:srgbClr val="000000"/>
+              </a:solidFill>
               <a:latin typeface="Arial"/>
             </a:endParaRPr>
           </a:p>
@@ -1358,14 +1388,11 @@
       </p:sp>
     </p:spTree>
   </p:cSld>
-  <p:clrMapOvr>
-    <a:masterClrMapping/>
-  </p:clrMapOvr>
 </p:sldLayout>
 </file>
 
-<file path=ppt/slideLayouts/slideLayout9.xml><?xml version="1.0" encoding="utf-8"?>
-<p:sldLayout xmlns:a="http://schemas.openxmlformats.org/drawingml/2006/main" xmlns:r="http://schemas.openxmlformats.org/officeDocument/2006/relationships" xmlns:p="http://schemas.openxmlformats.org/presentationml/2006/main" type="twoObjOverTx" preserve="1">
+<file path=ppt/slideLayouts/slideLayout21.xml><?xml version="1.0" encoding="utf-8"?>
+<p:sldLayout xmlns:a="http://schemas.openxmlformats.org/drawingml/2006/main" xmlns:p="http://schemas.openxmlformats.org/presentationml/2006/main" xmlns:r="http://schemas.openxmlformats.org/officeDocument/2006/relationships" xmlns:p14="http://schemas.microsoft.com/office/powerpoint/2010/main" xmlns:p15="http://schemas.microsoft.com/office/powerpoint/2012/main" xmlns:mc="http://schemas.openxmlformats.org/markup-compatibility/2006" type="twoObjOverTx" preserve="1">
   <p:cSld name="Title, 2 Content over Content">
     <p:spTree>
       <p:nvGrpSpPr>
@@ -1383,7 +1410,7 @@
       </p:grpSpPr>
       <p:sp>
         <p:nvSpPr>
-          <p:cNvPr id="22" name="PlaceHolder 1"/>
+          <p:cNvPr id="57" name="PlaceHolder 1"/>
           <p:cNvSpPr>
             <a:spLocks noGrp="1"/>
           </p:cNvSpPr>
@@ -1394,26 +1421,27 @@
         <p:spPr>
           <a:xfrm>
             <a:off x="504000" y="226080"/>
-            <a:ext cx="9071640" cy="946440"/>
-          </a:xfrm>
-          <a:prstGeom prst="rect">
-            <a:avLst/>
-          </a:prstGeom>
-        </p:spPr>
-        <p:txBody>
-          <a:bodyPr lIns="0" tIns="0" rIns="0" bIns="0" anchor="ctr"/>
-          <a:lstStyle/>
-          <a:p>
-            <a:pPr algn="ctr"/>
-            <a:endParaRPr lang="de-CH" sz="4400" b="0" strike="noStrike" spc="-1">
-              <a:latin typeface="Arial"/>
-            </a:endParaRPr>
-          </a:p>
-        </p:txBody>
-      </p:sp>
-      <p:sp>
-        <p:nvSpPr>
-          <p:cNvPr id="23" name="PlaceHolder 2"/>
+            <a:ext cx="9071280" cy="946080"/>
+          </a:xfrm>
+          <a:prstGeom prst="rect">
+            <a:avLst/>
+          </a:prstGeom>
+        </p:spPr>
+        <p:txBody>
+          <a:bodyPr lIns="0" rIns="0" tIns="0" bIns="0" anchor="ctr"/>
+          <a:p>
+            <a:endParaRPr b="0" lang="en-US" sz="1800" spc="-1" strike="noStrike">
+              <a:solidFill>
+                <a:srgbClr val="000000"/>
+              </a:solidFill>
+              <a:latin typeface="Arial"/>
+            </a:endParaRPr>
+          </a:p>
+        </p:txBody>
+      </p:sp>
+      <p:sp>
+        <p:nvSpPr>
+          <p:cNvPr id="58" name="PlaceHolder 2"/>
           <p:cNvSpPr>
             <a:spLocks noGrp="1"/>
           </p:cNvSpPr>
@@ -1424,27 +1452,29 @@
         <p:spPr>
           <a:xfrm>
             <a:off x="504000" y="1326600"/>
-            <a:ext cx="4426920" cy="1568160"/>
-          </a:xfrm>
-          <a:prstGeom prst="rect">
-            <a:avLst/>
-          </a:prstGeom>
-        </p:spPr>
-        <p:txBody>
-          <a:bodyPr lIns="0" tIns="0" rIns="0" bIns="0">
+            <a:ext cx="4426560" cy="1568160"/>
+          </a:xfrm>
+          <a:prstGeom prst="rect">
+            <a:avLst/>
+          </a:prstGeom>
+        </p:spPr>
+        <p:txBody>
+          <a:bodyPr lIns="0" rIns="0" tIns="0" bIns="0">
             <a:normAutofit/>
           </a:bodyPr>
-          <a:lstStyle/>
-          <a:p>
-            <a:endParaRPr lang="de-CH" sz="3200" b="0" strike="noStrike" spc="-1">
-              <a:latin typeface="Arial"/>
-            </a:endParaRPr>
-          </a:p>
-        </p:txBody>
-      </p:sp>
-      <p:sp>
-        <p:nvSpPr>
-          <p:cNvPr id="24" name="PlaceHolder 3"/>
+          <a:p>
+            <a:endParaRPr b="0" lang="en-US" sz="1800" spc="-1" strike="noStrike">
+              <a:solidFill>
+                <a:srgbClr val="000000"/>
+              </a:solidFill>
+              <a:latin typeface="Arial"/>
+            </a:endParaRPr>
+          </a:p>
+        </p:txBody>
+      </p:sp>
+      <p:sp>
+        <p:nvSpPr>
+          <p:cNvPr id="59" name="PlaceHolder 3"/>
           <p:cNvSpPr>
             <a:spLocks noGrp="1"/>
           </p:cNvSpPr>
@@ -1454,28 +1484,30 @@
         </p:nvSpPr>
         <p:spPr>
           <a:xfrm>
-            <a:off x="5152680" y="1326600"/>
-            <a:ext cx="4426920" cy="1568160"/>
-          </a:xfrm>
-          <a:prstGeom prst="rect">
-            <a:avLst/>
-          </a:prstGeom>
-        </p:spPr>
-        <p:txBody>
-          <a:bodyPr lIns="0" tIns="0" rIns="0" bIns="0">
+            <a:off x="5152320" y="1326600"/>
+            <a:ext cx="4426560" cy="1568160"/>
+          </a:xfrm>
+          <a:prstGeom prst="rect">
+            <a:avLst/>
+          </a:prstGeom>
+        </p:spPr>
+        <p:txBody>
+          <a:bodyPr lIns="0" rIns="0" tIns="0" bIns="0">
             <a:normAutofit/>
           </a:bodyPr>
-          <a:lstStyle/>
-          <a:p>
-            <a:endParaRPr lang="de-CH" sz="3200" b="0" strike="noStrike" spc="-1">
-              <a:latin typeface="Arial"/>
-            </a:endParaRPr>
-          </a:p>
-        </p:txBody>
-      </p:sp>
-      <p:sp>
-        <p:nvSpPr>
-          <p:cNvPr id="25" name="PlaceHolder 4"/>
+          <a:p>
+            <a:endParaRPr b="0" lang="en-US" sz="1800" spc="-1" strike="noStrike">
+              <a:solidFill>
+                <a:srgbClr val="000000"/>
+              </a:solidFill>
+              <a:latin typeface="Arial"/>
+            </a:endParaRPr>
+          </a:p>
+        </p:txBody>
+      </p:sp>
+      <p:sp>
+        <p:nvSpPr>
+          <p:cNvPr id="60" name="PlaceHolder 4"/>
           <p:cNvSpPr>
             <a:spLocks noGrp="1"/>
           </p:cNvSpPr>
@@ -1486,19 +1518,21 @@
         <p:spPr>
           <a:xfrm>
             <a:off x="504000" y="3044160"/>
-            <a:ext cx="9071640" cy="1568160"/>
-          </a:xfrm>
-          <a:prstGeom prst="rect">
-            <a:avLst/>
-          </a:prstGeom>
-        </p:spPr>
-        <p:txBody>
-          <a:bodyPr lIns="0" tIns="0" rIns="0" bIns="0">
+            <a:ext cx="9071280" cy="1568160"/>
+          </a:xfrm>
+          <a:prstGeom prst="rect">
+            <a:avLst/>
+          </a:prstGeom>
+        </p:spPr>
+        <p:txBody>
+          <a:bodyPr lIns="0" rIns="0" tIns="0" bIns="0">
             <a:normAutofit/>
           </a:bodyPr>
-          <a:lstStyle/>
-          <a:p>
-            <a:endParaRPr lang="de-CH" sz="3200" b="0" strike="noStrike" spc="-1">
+          <a:p>
+            <a:endParaRPr b="0" lang="en-US" sz="1800" spc="-1" strike="noStrike">
+              <a:solidFill>
+                <a:srgbClr val="000000"/>
+              </a:solidFill>
               <a:latin typeface="Arial"/>
             </a:endParaRPr>
           </a:p>
@@ -1506,19 +1540,1338 @@
       </p:sp>
     </p:spTree>
   </p:cSld>
-  <p:clrMapOvr>
-    <a:masterClrMapping/>
-  </p:clrMapOvr>
+</p:sldLayout>
+</file>
+
+<file path=ppt/slideLayouts/slideLayout22.xml><?xml version="1.0" encoding="utf-8"?>
+<p:sldLayout xmlns:a="http://schemas.openxmlformats.org/drawingml/2006/main" xmlns:p="http://schemas.openxmlformats.org/presentationml/2006/main" xmlns:r="http://schemas.openxmlformats.org/officeDocument/2006/relationships" xmlns:p14="http://schemas.microsoft.com/office/powerpoint/2010/main" xmlns:p15="http://schemas.microsoft.com/office/powerpoint/2012/main" xmlns:mc="http://schemas.openxmlformats.org/markup-compatibility/2006" type="objOverTx" preserve="1">
+  <p:cSld name="Title, Content over Content">
+    <p:spTree>
+      <p:nvGrpSpPr>
+        <p:cNvPr id="1" name=""/>
+        <p:cNvGrpSpPr/>
+        <p:nvPr/>
+      </p:nvGrpSpPr>
+      <p:grpSpPr>
+        <a:xfrm>
+          <a:off x="0" y="0"/>
+          <a:ext cx="0" cy="0"/>
+          <a:chOff x="0" y="0"/>
+          <a:chExt cx="0" cy="0"/>
+        </a:xfrm>
+      </p:grpSpPr>
+      <p:sp>
+        <p:nvSpPr>
+          <p:cNvPr id="61" name="PlaceHolder 1"/>
+          <p:cNvSpPr>
+            <a:spLocks noGrp="1"/>
+          </p:cNvSpPr>
+          <p:nvPr>
+            <p:ph type="title"/>
+          </p:nvPr>
+        </p:nvSpPr>
+        <p:spPr>
+          <a:xfrm>
+            <a:off x="504000" y="226080"/>
+            <a:ext cx="9071280" cy="946080"/>
+          </a:xfrm>
+          <a:prstGeom prst="rect">
+            <a:avLst/>
+          </a:prstGeom>
+        </p:spPr>
+        <p:txBody>
+          <a:bodyPr lIns="0" rIns="0" tIns="0" bIns="0" anchor="ctr"/>
+          <a:p>
+            <a:endParaRPr b="0" lang="en-US" sz="1800" spc="-1" strike="noStrike">
+              <a:solidFill>
+                <a:srgbClr val="000000"/>
+              </a:solidFill>
+              <a:latin typeface="Arial"/>
+            </a:endParaRPr>
+          </a:p>
+        </p:txBody>
+      </p:sp>
+      <p:sp>
+        <p:nvSpPr>
+          <p:cNvPr id="62" name="PlaceHolder 2"/>
+          <p:cNvSpPr>
+            <a:spLocks noGrp="1"/>
+          </p:cNvSpPr>
+          <p:nvPr>
+            <p:ph type="body"/>
+          </p:nvPr>
+        </p:nvSpPr>
+        <p:spPr>
+          <a:xfrm>
+            <a:off x="504000" y="1326600"/>
+            <a:ext cx="9071280" cy="1568160"/>
+          </a:xfrm>
+          <a:prstGeom prst="rect">
+            <a:avLst/>
+          </a:prstGeom>
+        </p:spPr>
+        <p:txBody>
+          <a:bodyPr lIns="0" rIns="0" tIns="0" bIns="0">
+            <a:normAutofit/>
+          </a:bodyPr>
+          <a:p>
+            <a:endParaRPr b="0" lang="en-US" sz="1800" spc="-1" strike="noStrike">
+              <a:solidFill>
+                <a:srgbClr val="000000"/>
+              </a:solidFill>
+              <a:latin typeface="Arial"/>
+            </a:endParaRPr>
+          </a:p>
+        </p:txBody>
+      </p:sp>
+      <p:sp>
+        <p:nvSpPr>
+          <p:cNvPr id="63" name="PlaceHolder 3"/>
+          <p:cNvSpPr>
+            <a:spLocks noGrp="1"/>
+          </p:cNvSpPr>
+          <p:nvPr>
+            <p:ph type="body"/>
+          </p:nvPr>
+        </p:nvSpPr>
+        <p:spPr>
+          <a:xfrm>
+            <a:off x="504000" y="3044160"/>
+            <a:ext cx="9071280" cy="1568160"/>
+          </a:xfrm>
+          <a:prstGeom prst="rect">
+            <a:avLst/>
+          </a:prstGeom>
+        </p:spPr>
+        <p:txBody>
+          <a:bodyPr lIns="0" rIns="0" tIns="0" bIns="0">
+            <a:normAutofit/>
+          </a:bodyPr>
+          <a:p>
+            <a:endParaRPr b="0" lang="en-US" sz="1800" spc="-1" strike="noStrike">
+              <a:solidFill>
+                <a:srgbClr val="000000"/>
+              </a:solidFill>
+              <a:latin typeface="Arial"/>
+            </a:endParaRPr>
+          </a:p>
+        </p:txBody>
+      </p:sp>
+    </p:spTree>
+  </p:cSld>
+</p:sldLayout>
+</file>
+
+<file path=ppt/slideLayouts/slideLayout23.xml><?xml version="1.0" encoding="utf-8"?>
+<p:sldLayout xmlns:a="http://schemas.openxmlformats.org/drawingml/2006/main" xmlns:p="http://schemas.openxmlformats.org/presentationml/2006/main" xmlns:r="http://schemas.openxmlformats.org/officeDocument/2006/relationships" xmlns:p14="http://schemas.microsoft.com/office/powerpoint/2010/main" xmlns:p15="http://schemas.microsoft.com/office/powerpoint/2012/main" xmlns:mc="http://schemas.openxmlformats.org/markup-compatibility/2006" type="fourObj" preserve="1">
+  <p:cSld name="Title, 4 Content">
+    <p:spTree>
+      <p:nvGrpSpPr>
+        <p:cNvPr id="1" name=""/>
+        <p:cNvGrpSpPr/>
+        <p:nvPr/>
+      </p:nvGrpSpPr>
+      <p:grpSpPr>
+        <a:xfrm>
+          <a:off x="0" y="0"/>
+          <a:ext cx="0" cy="0"/>
+          <a:chOff x="0" y="0"/>
+          <a:chExt cx="0" cy="0"/>
+        </a:xfrm>
+      </p:grpSpPr>
+      <p:sp>
+        <p:nvSpPr>
+          <p:cNvPr id="64" name="PlaceHolder 1"/>
+          <p:cNvSpPr>
+            <a:spLocks noGrp="1"/>
+          </p:cNvSpPr>
+          <p:nvPr>
+            <p:ph type="title"/>
+          </p:nvPr>
+        </p:nvSpPr>
+        <p:spPr>
+          <a:xfrm>
+            <a:off x="504000" y="226080"/>
+            <a:ext cx="9071280" cy="946080"/>
+          </a:xfrm>
+          <a:prstGeom prst="rect">
+            <a:avLst/>
+          </a:prstGeom>
+        </p:spPr>
+        <p:txBody>
+          <a:bodyPr lIns="0" rIns="0" tIns="0" bIns="0" anchor="ctr"/>
+          <a:p>
+            <a:endParaRPr b="0" lang="en-US" sz="1800" spc="-1" strike="noStrike">
+              <a:solidFill>
+                <a:srgbClr val="000000"/>
+              </a:solidFill>
+              <a:latin typeface="Arial"/>
+            </a:endParaRPr>
+          </a:p>
+        </p:txBody>
+      </p:sp>
+      <p:sp>
+        <p:nvSpPr>
+          <p:cNvPr id="65" name="PlaceHolder 2"/>
+          <p:cNvSpPr>
+            <a:spLocks noGrp="1"/>
+          </p:cNvSpPr>
+          <p:nvPr>
+            <p:ph type="body"/>
+          </p:nvPr>
+        </p:nvSpPr>
+        <p:spPr>
+          <a:xfrm>
+            <a:off x="504000" y="1326600"/>
+            <a:ext cx="4426560" cy="1568160"/>
+          </a:xfrm>
+          <a:prstGeom prst="rect">
+            <a:avLst/>
+          </a:prstGeom>
+        </p:spPr>
+        <p:txBody>
+          <a:bodyPr lIns="0" rIns="0" tIns="0" bIns="0">
+            <a:normAutofit/>
+          </a:bodyPr>
+          <a:p>
+            <a:endParaRPr b="0" lang="en-US" sz="1800" spc="-1" strike="noStrike">
+              <a:solidFill>
+                <a:srgbClr val="000000"/>
+              </a:solidFill>
+              <a:latin typeface="Arial"/>
+            </a:endParaRPr>
+          </a:p>
+        </p:txBody>
+      </p:sp>
+      <p:sp>
+        <p:nvSpPr>
+          <p:cNvPr id="66" name="PlaceHolder 3"/>
+          <p:cNvSpPr>
+            <a:spLocks noGrp="1"/>
+          </p:cNvSpPr>
+          <p:nvPr>
+            <p:ph type="body"/>
+          </p:nvPr>
+        </p:nvSpPr>
+        <p:spPr>
+          <a:xfrm>
+            <a:off x="5152320" y="1326600"/>
+            <a:ext cx="4426560" cy="1568160"/>
+          </a:xfrm>
+          <a:prstGeom prst="rect">
+            <a:avLst/>
+          </a:prstGeom>
+        </p:spPr>
+        <p:txBody>
+          <a:bodyPr lIns="0" rIns="0" tIns="0" bIns="0">
+            <a:normAutofit/>
+          </a:bodyPr>
+          <a:p>
+            <a:endParaRPr b="0" lang="en-US" sz="1800" spc="-1" strike="noStrike">
+              <a:solidFill>
+                <a:srgbClr val="000000"/>
+              </a:solidFill>
+              <a:latin typeface="Arial"/>
+            </a:endParaRPr>
+          </a:p>
+        </p:txBody>
+      </p:sp>
+      <p:sp>
+        <p:nvSpPr>
+          <p:cNvPr id="67" name="PlaceHolder 4"/>
+          <p:cNvSpPr>
+            <a:spLocks noGrp="1"/>
+          </p:cNvSpPr>
+          <p:nvPr>
+            <p:ph type="body"/>
+          </p:nvPr>
+        </p:nvSpPr>
+        <p:spPr>
+          <a:xfrm>
+            <a:off x="504000" y="3044160"/>
+            <a:ext cx="4426560" cy="1568160"/>
+          </a:xfrm>
+          <a:prstGeom prst="rect">
+            <a:avLst/>
+          </a:prstGeom>
+        </p:spPr>
+        <p:txBody>
+          <a:bodyPr lIns="0" rIns="0" tIns="0" bIns="0">
+            <a:normAutofit/>
+          </a:bodyPr>
+          <a:p>
+            <a:endParaRPr b="0" lang="en-US" sz="1800" spc="-1" strike="noStrike">
+              <a:solidFill>
+                <a:srgbClr val="000000"/>
+              </a:solidFill>
+              <a:latin typeface="Arial"/>
+            </a:endParaRPr>
+          </a:p>
+        </p:txBody>
+      </p:sp>
+      <p:sp>
+        <p:nvSpPr>
+          <p:cNvPr id="68" name="PlaceHolder 5"/>
+          <p:cNvSpPr>
+            <a:spLocks noGrp="1"/>
+          </p:cNvSpPr>
+          <p:nvPr>
+            <p:ph type="body"/>
+          </p:nvPr>
+        </p:nvSpPr>
+        <p:spPr>
+          <a:xfrm>
+            <a:off x="5152320" y="3044160"/>
+            <a:ext cx="4426560" cy="1568160"/>
+          </a:xfrm>
+          <a:prstGeom prst="rect">
+            <a:avLst/>
+          </a:prstGeom>
+        </p:spPr>
+        <p:txBody>
+          <a:bodyPr lIns="0" rIns="0" tIns="0" bIns="0">
+            <a:normAutofit/>
+          </a:bodyPr>
+          <a:p>
+            <a:endParaRPr b="0" lang="en-US" sz="1800" spc="-1" strike="noStrike">
+              <a:solidFill>
+                <a:srgbClr val="000000"/>
+              </a:solidFill>
+              <a:latin typeface="Arial"/>
+            </a:endParaRPr>
+          </a:p>
+        </p:txBody>
+      </p:sp>
+    </p:spTree>
+  </p:cSld>
+</p:sldLayout>
+</file>
+
+<file path=ppt/slideLayouts/slideLayout24.xml><?xml version="1.0" encoding="utf-8"?>
+<p:sldLayout xmlns:a="http://schemas.openxmlformats.org/drawingml/2006/main" xmlns:p="http://schemas.openxmlformats.org/presentationml/2006/main" xmlns:r="http://schemas.openxmlformats.org/officeDocument/2006/relationships" xmlns:p14="http://schemas.microsoft.com/office/powerpoint/2010/main" xmlns:p15="http://schemas.microsoft.com/office/powerpoint/2012/main" xmlns:mc="http://schemas.openxmlformats.org/markup-compatibility/2006" type="blank" preserve="1">
+  <p:cSld name="Title, 6 Content">
+    <p:spTree>
+      <p:nvGrpSpPr>
+        <p:cNvPr id="1" name=""/>
+        <p:cNvGrpSpPr/>
+        <p:nvPr/>
+      </p:nvGrpSpPr>
+      <p:grpSpPr>
+        <a:xfrm>
+          <a:off x="0" y="0"/>
+          <a:ext cx="0" cy="0"/>
+          <a:chOff x="0" y="0"/>
+          <a:chExt cx="0" cy="0"/>
+        </a:xfrm>
+      </p:grpSpPr>
+      <p:sp>
+        <p:nvSpPr>
+          <p:cNvPr id="69" name="PlaceHolder 1"/>
+          <p:cNvSpPr>
+            <a:spLocks noGrp="1"/>
+          </p:cNvSpPr>
+          <p:nvPr>
+            <p:ph type="title"/>
+          </p:nvPr>
+        </p:nvSpPr>
+        <p:spPr>
+          <a:xfrm>
+            <a:off x="504000" y="226080"/>
+            <a:ext cx="9071280" cy="946080"/>
+          </a:xfrm>
+          <a:prstGeom prst="rect">
+            <a:avLst/>
+          </a:prstGeom>
+        </p:spPr>
+        <p:txBody>
+          <a:bodyPr lIns="0" rIns="0" tIns="0" bIns="0" anchor="ctr"/>
+          <a:p>
+            <a:endParaRPr b="0" lang="en-US" sz="1800" spc="-1" strike="noStrike">
+              <a:solidFill>
+                <a:srgbClr val="000000"/>
+              </a:solidFill>
+              <a:latin typeface="Arial"/>
+            </a:endParaRPr>
+          </a:p>
+        </p:txBody>
+      </p:sp>
+      <p:sp>
+        <p:nvSpPr>
+          <p:cNvPr id="70" name="PlaceHolder 2"/>
+          <p:cNvSpPr>
+            <a:spLocks noGrp="1"/>
+          </p:cNvSpPr>
+          <p:nvPr>
+            <p:ph type="body"/>
+          </p:nvPr>
+        </p:nvSpPr>
+        <p:spPr>
+          <a:xfrm>
+            <a:off x="504000" y="1326600"/>
+            <a:ext cx="2920680" cy="1568160"/>
+          </a:xfrm>
+          <a:prstGeom prst="rect">
+            <a:avLst/>
+          </a:prstGeom>
+        </p:spPr>
+        <p:txBody>
+          <a:bodyPr lIns="0" rIns="0" tIns="0" bIns="0">
+            <a:normAutofit/>
+          </a:bodyPr>
+          <a:p>
+            <a:endParaRPr b="0" lang="en-US" sz="1800" spc="-1" strike="noStrike">
+              <a:solidFill>
+                <a:srgbClr val="000000"/>
+              </a:solidFill>
+              <a:latin typeface="Arial"/>
+            </a:endParaRPr>
+          </a:p>
+        </p:txBody>
+      </p:sp>
+      <p:sp>
+        <p:nvSpPr>
+          <p:cNvPr id="71" name="PlaceHolder 3"/>
+          <p:cNvSpPr>
+            <a:spLocks noGrp="1"/>
+          </p:cNvSpPr>
+          <p:nvPr>
+            <p:ph type="body"/>
+          </p:nvPr>
+        </p:nvSpPr>
+        <p:spPr>
+          <a:xfrm>
+            <a:off x="3571200" y="1326600"/>
+            <a:ext cx="2920680" cy="1568160"/>
+          </a:xfrm>
+          <a:prstGeom prst="rect">
+            <a:avLst/>
+          </a:prstGeom>
+        </p:spPr>
+        <p:txBody>
+          <a:bodyPr lIns="0" rIns="0" tIns="0" bIns="0">
+            <a:normAutofit/>
+          </a:bodyPr>
+          <a:p>
+            <a:endParaRPr b="0" lang="en-US" sz="1800" spc="-1" strike="noStrike">
+              <a:solidFill>
+                <a:srgbClr val="000000"/>
+              </a:solidFill>
+              <a:latin typeface="Arial"/>
+            </a:endParaRPr>
+          </a:p>
+        </p:txBody>
+      </p:sp>
+      <p:sp>
+        <p:nvSpPr>
+          <p:cNvPr id="72" name="PlaceHolder 4"/>
+          <p:cNvSpPr>
+            <a:spLocks noGrp="1"/>
+          </p:cNvSpPr>
+          <p:nvPr>
+            <p:ph type="body"/>
+          </p:nvPr>
+        </p:nvSpPr>
+        <p:spPr>
+          <a:xfrm>
+            <a:off x="6638040" y="1326600"/>
+            <a:ext cx="2920680" cy="1568160"/>
+          </a:xfrm>
+          <a:prstGeom prst="rect">
+            <a:avLst/>
+          </a:prstGeom>
+        </p:spPr>
+        <p:txBody>
+          <a:bodyPr lIns="0" rIns="0" tIns="0" bIns="0">
+            <a:normAutofit/>
+          </a:bodyPr>
+          <a:p>
+            <a:endParaRPr b="0" lang="en-US" sz="1800" spc="-1" strike="noStrike">
+              <a:solidFill>
+                <a:srgbClr val="000000"/>
+              </a:solidFill>
+              <a:latin typeface="Arial"/>
+            </a:endParaRPr>
+          </a:p>
+        </p:txBody>
+      </p:sp>
+      <p:sp>
+        <p:nvSpPr>
+          <p:cNvPr id="73" name="PlaceHolder 5"/>
+          <p:cNvSpPr>
+            <a:spLocks noGrp="1"/>
+          </p:cNvSpPr>
+          <p:nvPr>
+            <p:ph type="body"/>
+          </p:nvPr>
+        </p:nvSpPr>
+        <p:spPr>
+          <a:xfrm>
+            <a:off x="504000" y="3044160"/>
+            <a:ext cx="2920680" cy="1568160"/>
+          </a:xfrm>
+          <a:prstGeom prst="rect">
+            <a:avLst/>
+          </a:prstGeom>
+        </p:spPr>
+        <p:txBody>
+          <a:bodyPr lIns="0" rIns="0" tIns="0" bIns="0">
+            <a:normAutofit/>
+          </a:bodyPr>
+          <a:p>
+            <a:endParaRPr b="0" lang="en-US" sz="1800" spc="-1" strike="noStrike">
+              <a:solidFill>
+                <a:srgbClr val="000000"/>
+              </a:solidFill>
+              <a:latin typeface="Arial"/>
+            </a:endParaRPr>
+          </a:p>
+        </p:txBody>
+      </p:sp>
+      <p:sp>
+        <p:nvSpPr>
+          <p:cNvPr id="74" name="PlaceHolder 6"/>
+          <p:cNvSpPr>
+            <a:spLocks noGrp="1"/>
+          </p:cNvSpPr>
+          <p:nvPr>
+            <p:ph type="body"/>
+          </p:nvPr>
+        </p:nvSpPr>
+        <p:spPr>
+          <a:xfrm>
+            <a:off x="3571200" y="3044160"/>
+            <a:ext cx="2920680" cy="1568160"/>
+          </a:xfrm>
+          <a:prstGeom prst="rect">
+            <a:avLst/>
+          </a:prstGeom>
+        </p:spPr>
+        <p:txBody>
+          <a:bodyPr lIns="0" rIns="0" tIns="0" bIns="0">
+            <a:normAutofit/>
+          </a:bodyPr>
+          <a:p>
+            <a:endParaRPr b="0" lang="en-US" sz="1800" spc="-1" strike="noStrike">
+              <a:solidFill>
+                <a:srgbClr val="000000"/>
+              </a:solidFill>
+              <a:latin typeface="Arial"/>
+            </a:endParaRPr>
+          </a:p>
+        </p:txBody>
+      </p:sp>
+      <p:sp>
+        <p:nvSpPr>
+          <p:cNvPr id="75" name="PlaceHolder 7"/>
+          <p:cNvSpPr>
+            <a:spLocks noGrp="1"/>
+          </p:cNvSpPr>
+          <p:nvPr>
+            <p:ph type="body"/>
+          </p:nvPr>
+        </p:nvSpPr>
+        <p:spPr>
+          <a:xfrm>
+            <a:off x="6638040" y="3044160"/>
+            <a:ext cx="2920680" cy="1568160"/>
+          </a:xfrm>
+          <a:prstGeom prst="rect">
+            <a:avLst/>
+          </a:prstGeom>
+        </p:spPr>
+        <p:txBody>
+          <a:bodyPr lIns="0" rIns="0" tIns="0" bIns="0">
+            <a:normAutofit/>
+          </a:bodyPr>
+          <a:p>
+            <a:endParaRPr b="0" lang="en-US" sz="1800" spc="-1" strike="noStrike">
+              <a:solidFill>
+                <a:srgbClr val="000000"/>
+              </a:solidFill>
+              <a:latin typeface="Arial"/>
+            </a:endParaRPr>
+          </a:p>
+        </p:txBody>
+      </p:sp>
+    </p:spTree>
+  </p:cSld>
+</p:sldLayout>
+</file>
+
+<file path=ppt/slideLayouts/slideLayout3.xml><?xml version="1.0" encoding="utf-8"?>
+<p:sldLayout xmlns:a="http://schemas.openxmlformats.org/drawingml/2006/main" xmlns:p="http://schemas.openxmlformats.org/presentationml/2006/main" xmlns:r="http://schemas.openxmlformats.org/officeDocument/2006/relationships" xmlns:p14="http://schemas.microsoft.com/office/powerpoint/2010/main" xmlns:p15="http://schemas.microsoft.com/office/powerpoint/2012/main" xmlns:mc="http://schemas.openxmlformats.org/markup-compatibility/2006" type="obj" preserve="1">
+  <p:cSld name="Title, Content">
+    <p:spTree>
+      <p:nvGrpSpPr>
+        <p:cNvPr id="1" name=""/>
+        <p:cNvGrpSpPr/>
+        <p:nvPr/>
+      </p:nvGrpSpPr>
+      <p:grpSpPr>
+        <a:xfrm>
+          <a:off x="0" y="0"/>
+          <a:ext cx="0" cy="0"/>
+          <a:chOff x="0" y="0"/>
+          <a:chExt cx="0" cy="0"/>
+        </a:xfrm>
+      </p:grpSpPr>
+      <p:sp>
+        <p:nvSpPr>
+          <p:cNvPr id="4" name="PlaceHolder 1"/>
+          <p:cNvSpPr>
+            <a:spLocks noGrp="1"/>
+          </p:cNvSpPr>
+          <p:nvPr>
+            <p:ph type="title"/>
+          </p:nvPr>
+        </p:nvSpPr>
+        <p:spPr>
+          <a:xfrm>
+            <a:off x="504000" y="226080"/>
+            <a:ext cx="9071280" cy="946080"/>
+          </a:xfrm>
+          <a:prstGeom prst="rect">
+            <a:avLst/>
+          </a:prstGeom>
+        </p:spPr>
+        <p:txBody>
+          <a:bodyPr lIns="0" rIns="0" tIns="0" bIns="0" anchor="ctr"/>
+          <a:p>
+            <a:endParaRPr b="0" lang="en-US" sz="1800" spc="-1" strike="noStrike">
+              <a:solidFill>
+                <a:srgbClr val="000000"/>
+              </a:solidFill>
+              <a:latin typeface="Arial"/>
+            </a:endParaRPr>
+          </a:p>
+        </p:txBody>
+      </p:sp>
+      <p:sp>
+        <p:nvSpPr>
+          <p:cNvPr id="5" name="PlaceHolder 2"/>
+          <p:cNvSpPr>
+            <a:spLocks noGrp="1"/>
+          </p:cNvSpPr>
+          <p:nvPr>
+            <p:ph type="body"/>
+          </p:nvPr>
+        </p:nvSpPr>
+        <p:spPr>
+          <a:xfrm>
+            <a:off x="504000" y="1326600"/>
+            <a:ext cx="9071280" cy="3287880"/>
+          </a:xfrm>
+          <a:prstGeom prst="rect">
+            <a:avLst/>
+          </a:prstGeom>
+        </p:spPr>
+        <p:txBody>
+          <a:bodyPr lIns="0" rIns="0" tIns="0" bIns="0">
+            <a:normAutofit/>
+          </a:bodyPr>
+          <a:p>
+            <a:endParaRPr b="0" lang="en-US" sz="1800" spc="-1" strike="noStrike">
+              <a:solidFill>
+                <a:srgbClr val="000000"/>
+              </a:solidFill>
+              <a:latin typeface="Arial"/>
+            </a:endParaRPr>
+          </a:p>
+        </p:txBody>
+      </p:sp>
+    </p:spTree>
+  </p:cSld>
+</p:sldLayout>
+</file>
+
+<file path=ppt/slideLayouts/slideLayout4.xml><?xml version="1.0" encoding="utf-8"?>
+<p:sldLayout xmlns:a="http://schemas.openxmlformats.org/drawingml/2006/main" xmlns:p="http://schemas.openxmlformats.org/presentationml/2006/main" xmlns:r="http://schemas.openxmlformats.org/officeDocument/2006/relationships" xmlns:p14="http://schemas.microsoft.com/office/powerpoint/2010/main" xmlns:p15="http://schemas.microsoft.com/office/powerpoint/2012/main" xmlns:mc="http://schemas.openxmlformats.org/markup-compatibility/2006" type="twoObj" preserve="1">
+  <p:cSld name="Title, 2 Content">
+    <p:spTree>
+      <p:nvGrpSpPr>
+        <p:cNvPr id="1" name=""/>
+        <p:cNvGrpSpPr/>
+        <p:nvPr/>
+      </p:nvGrpSpPr>
+      <p:grpSpPr>
+        <a:xfrm>
+          <a:off x="0" y="0"/>
+          <a:ext cx="0" cy="0"/>
+          <a:chOff x="0" y="0"/>
+          <a:chExt cx="0" cy="0"/>
+        </a:xfrm>
+      </p:grpSpPr>
+      <p:sp>
+        <p:nvSpPr>
+          <p:cNvPr id="6" name="PlaceHolder 1"/>
+          <p:cNvSpPr>
+            <a:spLocks noGrp="1"/>
+          </p:cNvSpPr>
+          <p:nvPr>
+            <p:ph type="title"/>
+          </p:nvPr>
+        </p:nvSpPr>
+        <p:spPr>
+          <a:xfrm>
+            <a:off x="504000" y="226080"/>
+            <a:ext cx="9071280" cy="946080"/>
+          </a:xfrm>
+          <a:prstGeom prst="rect">
+            <a:avLst/>
+          </a:prstGeom>
+        </p:spPr>
+        <p:txBody>
+          <a:bodyPr lIns="0" rIns="0" tIns="0" bIns="0" anchor="ctr"/>
+          <a:p>
+            <a:endParaRPr b="0" lang="en-US" sz="1800" spc="-1" strike="noStrike">
+              <a:solidFill>
+                <a:srgbClr val="000000"/>
+              </a:solidFill>
+              <a:latin typeface="Arial"/>
+            </a:endParaRPr>
+          </a:p>
+        </p:txBody>
+      </p:sp>
+      <p:sp>
+        <p:nvSpPr>
+          <p:cNvPr id="7" name="PlaceHolder 2"/>
+          <p:cNvSpPr>
+            <a:spLocks noGrp="1"/>
+          </p:cNvSpPr>
+          <p:nvPr>
+            <p:ph type="body"/>
+          </p:nvPr>
+        </p:nvSpPr>
+        <p:spPr>
+          <a:xfrm>
+            <a:off x="504000" y="1326600"/>
+            <a:ext cx="4426560" cy="3287880"/>
+          </a:xfrm>
+          <a:prstGeom prst="rect">
+            <a:avLst/>
+          </a:prstGeom>
+        </p:spPr>
+        <p:txBody>
+          <a:bodyPr lIns="0" rIns="0" tIns="0" bIns="0">
+            <a:normAutofit/>
+          </a:bodyPr>
+          <a:p>
+            <a:endParaRPr b="0" lang="en-US" sz="1800" spc="-1" strike="noStrike">
+              <a:solidFill>
+                <a:srgbClr val="000000"/>
+              </a:solidFill>
+              <a:latin typeface="Arial"/>
+            </a:endParaRPr>
+          </a:p>
+        </p:txBody>
+      </p:sp>
+      <p:sp>
+        <p:nvSpPr>
+          <p:cNvPr id="8" name="PlaceHolder 3"/>
+          <p:cNvSpPr>
+            <a:spLocks noGrp="1"/>
+          </p:cNvSpPr>
+          <p:nvPr>
+            <p:ph type="body"/>
+          </p:nvPr>
+        </p:nvSpPr>
+        <p:spPr>
+          <a:xfrm>
+            <a:off x="5152320" y="1326600"/>
+            <a:ext cx="4426560" cy="3287880"/>
+          </a:xfrm>
+          <a:prstGeom prst="rect">
+            <a:avLst/>
+          </a:prstGeom>
+        </p:spPr>
+        <p:txBody>
+          <a:bodyPr lIns="0" rIns="0" tIns="0" bIns="0">
+            <a:normAutofit/>
+          </a:bodyPr>
+          <a:p>
+            <a:endParaRPr b="0" lang="en-US" sz="1800" spc="-1" strike="noStrike">
+              <a:solidFill>
+                <a:srgbClr val="000000"/>
+              </a:solidFill>
+              <a:latin typeface="Arial"/>
+            </a:endParaRPr>
+          </a:p>
+        </p:txBody>
+      </p:sp>
+    </p:spTree>
+  </p:cSld>
+</p:sldLayout>
+</file>
+
+<file path=ppt/slideLayouts/slideLayout5.xml><?xml version="1.0" encoding="utf-8"?>
+<p:sldLayout xmlns:a="http://schemas.openxmlformats.org/drawingml/2006/main" xmlns:p="http://schemas.openxmlformats.org/presentationml/2006/main" xmlns:r="http://schemas.openxmlformats.org/officeDocument/2006/relationships" xmlns:p14="http://schemas.microsoft.com/office/powerpoint/2010/main" xmlns:p15="http://schemas.microsoft.com/office/powerpoint/2012/main" xmlns:mc="http://schemas.openxmlformats.org/markup-compatibility/2006" type="titleOnly" preserve="1">
+  <p:cSld name="Title Only">
+    <p:spTree>
+      <p:nvGrpSpPr>
+        <p:cNvPr id="1" name=""/>
+        <p:cNvGrpSpPr/>
+        <p:nvPr/>
+      </p:nvGrpSpPr>
+      <p:grpSpPr>
+        <a:xfrm>
+          <a:off x="0" y="0"/>
+          <a:ext cx="0" cy="0"/>
+          <a:chOff x="0" y="0"/>
+          <a:chExt cx="0" cy="0"/>
+        </a:xfrm>
+      </p:grpSpPr>
+      <p:sp>
+        <p:nvSpPr>
+          <p:cNvPr id="9" name="PlaceHolder 1"/>
+          <p:cNvSpPr>
+            <a:spLocks noGrp="1"/>
+          </p:cNvSpPr>
+          <p:nvPr>
+            <p:ph type="title"/>
+          </p:nvPr>
+        </p:nvSpPr>
+        <p:spPr>
+          <a:xfrm>
+            <a:off x="504000" y="226080"/>
+            <a:ext cx="9071280" cy="946080"/>
+          </a:xfrm>
+          <a:prstGeom prst="rect">
+            <a:avLst/>
+          </a:prstGeom>
+        </p:spPr>
+        <p:txBody>
+          <a:bodyPr lIns="0" rIns="0" tIns="0" bIns="0" anchor="ctr"/>
+          <a:p>
+            <a:endParaRPr b="0" lang="en-US" sz="1800" spc="-1" strike="noStrike">
+              <a:solidFill>
+                <a:srgbClr val="000000"/>
+              </a:solidFill>
+              <a:latin typeface="Arial"/>
+            </a:endParaRPr>
+          </a:p>
+        </p:txBody>
+      </p:sp>
+    </p:spTree>
+  </p:cSld>
+</p:sldLayout>
+</file>
+
+<file path=ppt/slideLayouts/slideLayout6.xml><?xml version="1.0" encoding="utf-8"?>
+<p:sldLayout xmlns:a="http://schemas.openxmlformats.org/drawingml/2006/main" xmlns:p="http://schemas.openxmlformats.org/presentationml/2006/main" xmlns:r="http://schemas.openxmlformats.org/officeDocument/2006/relationships" xmlns:p14="http://schemas.microsoft.com/office/powerpoint/2010/main" xmlns:p15="http://schemas.microsoft.com/office/powerpoint/2012/main" xmlns:mc="http://schemas.openxmlformats.org/markup-compatibility/2006" type="objOnly" preserve="1">
+  <p:cSld name="Centered Text">
+    <p:spTree>
+      <p:nvGrpSpPr>
+        <p:cNvPr id="1" name=""/>
+        <p:cNvGrpSpPr/>
+        <p:nvPr/>
+      </p:nvGrpSpPr>
+      <p:grpSpPr>
+        <a:xfrm>
+          <a:off x="0" y="0"/>
+          <a:ext cx="0" cy="0"/>
+          <a:chOff x="0" y="0"/>
+          <a:chExt cx="0" cy="0"/>
+        </a:xfrm>
+      </p:grpSpPr>
+      <p:sp>
+        <p:nvSpPr>
+          <p:cNvPr id="10" name="PlaceHolder 1"/>
+          <p:cNvSpPr>
+            <a:spLocks noGrp="1"/>
+          </p:cNvSpPr>
+          <p:nvPr>
+            <p:ph type="subTitle"/>
+          </p:nvPr>
+        </p:nvSpPr>
+        <p:spPr>
+          <a:xfrm>
+            <a:off x="504000" y="226080"/>
+            <a:ext cx="9071280" cy="4386600"/>
+          </a:xfrm>
+          <a:prstGeom prst="rect">
+            <a:avLst/>
+          </a:prstGeom>
+        </p:spPr>
+        <p:txBody>
+          <a:bodyPr lIns="0" rIns="0" tIns="0" bIns="0" anchor="ctr"/>
+          <a:p>
+            <a:pPr algn="ctr"/>
+            <a:endParaRPr b="0" lang="de-CH" sz="3200" spc="-1" strike="noStrike">
+              <a:latin typeface="Arial"/>
+            </a:endParaRPr>
+          </a:p>
+        </p:txBody>
+      </p:sp>
+    </p:spTree>
+  </p:cSld>
+</p:sldLayout>
+</file>
+
+<file path=ppt/slideLayouts/slideLayout7.xml><?xml version="1.0" encoding="utf-8"?>
+<p:sldLayout xmlns:a="http://schemas.openxmlformats.org/drawingml/2006/main" xmlns:p="http://schemas.openxmlformats.org/presentationml/2006/main" xmlns:r="http://schemas.openxmlformats.org/officeDocument/2006/relationships" xmlns:p14="http://schemas.microsoft.com/office/powerpoint/2010/main" xmlns:p15="http://schemas.microsoft.com/office/powerpoint/2012/main" xmlns:mc="http://schemas.openxmlformats.org/markup-compatibility/2006" type="twoObjAndObj" preserve="1">
+  <p:cSld name="Title, 2 Content and Content">
+    <p:spTree>
+      <p:nvGrpSpPr>
+        <p:cNvPr id="1" name=""/>
+        <p:cNvGrpSpPr/>
+        <p:nvPr/>
+      </p:nvGrpSpPr>
+      <p:grpSpPr>
+        <a:xfrm>
+          <a:off x="0" y="0"/>
+          <a:ext cx="0" cy="0"/>
+          <a:chOff x="0" y="0"/>
+          <a:chExt cx="0" cy="0"/>
+        </a:xfrm>
+      </p:grpSpPr>
+      <p:sp>
+        <p:nvSpPr>
+          <p:cNvPr id="11" name="PlaceHolder 1"/>
+          <p:cNvSpPr>
+            <a:spLocks noGrp="1"/>
+          </p:cNvSpPr>
+          <p:nvPr>
+            <p:ph type="title"/>
+          </p:nvPr>
+        </p:nvSpPr>
+        <p:spPr>
+          <a:xfrm>
+            <a:off x="504000" y="226080"/>
+            <a:ext cx="9071280" cy="946080"/>
+          </a:xfrm>
+          <a:prstGeom prst="rect">
+            <a:avLst/>
+          </a:prstGeom>
+        </p:spPr>
+        <p:txBody>
+          <a:bodyPr lIns="0" rIns="0" tIns="0" bIns="0" anchor="ctr"/>
+          <a:p>
+            <a:endParaRPr b="0" lang="en-US" sz="1800" spc="-1" strike="noStrike">
+              <a:solidFill>
+                <a:srgbClr val="000000"/>
+              </a:solidFill>
+              <a:latin typeface="Arial"/>
+            </a:endParaRPr>
+          </a:p>
+        </p:txBody>
+      </p:sp>
+      <p:sp>
+        <p:nvSpPr>
+          <p:cNvPr id="12" name="PlaceHolder 2"/>
+          <p:cNvSpPr>
+            <a:spLocks noGrp="1"/>
+          </p:cNvSpPr>
+          <p:nvPr>
+            <p:ph type="body"/>
+          </p:nvPr>
+        </p:nvSpPr>
+        <p:spPr>
+          <a:xfrm>
+            <a:off x="504000" y="1326600"/>
+            <a:ext cx="4426560" cy="1568160"/>
+          </a:xfrm>
+          <a:prstGeom prst="rect">
+            <a:avLst/>
+          </a:prstGeom>
+        </p:spPr>
+        <p:txBody>
+          <a:bodyPr lIns="0" rIns="0" tIns="0" bIns="0">
+            <a:normAutofit/>
+          </a:bodyPr>
+          <a:p>
+            <a:endParaRPr b="0" lang="en-US" sz="1800" spc="-1" strike="noStrike">
+              <a:solidFill>
+                <a:srgbClr val="000000"/>
+              </a:solidFill>
+              <a:latin typeface="Arial"/>
+            </a:endParaRPr>
+          </a:p>
+        </p:txBody>
+      </p:sp>
+      <p:sp>
+        <p:nvSpPr>
+          <p:cNvPr id="13" name="PlaceHolder 3"/>
+          <p:cNvSpPr>
+            <a:spLocks noGrp="1"/>
+          </p:cNvSpPr>
+          <p:nvPr>
+            <p:ph type="body"/>
+          </p:nvPr>
+        </p:nvSpPr>
+        <p:spPr>
+          <a:xfrm>
+            <a:off x="5152320" y="1326600"/>
+            <a:ext cx="4426560" cy="3287880"/>
+          </a:xfrm>
+          <a:prstGeom prst="rect">
+            <a:avLst/>
+          </a:prstGeom>
+        </p:spPr>
+        <p:txBody>
+          <a:bodyPr lIns="0" rIns="0" tIns="0" bIns="0">
+            <a:normAutofit/>
+          </a:bodyPr>
+          <a:p>
+            <a:endParaRPr b="0" lang="en-US" sz="1800" spc="-1" strike="noStrike">
+              <a:solidFill>
+                <a:srgbClr val="000000"/>
+              </a:solidFill>
+              <a:latin typeface="Arial"/>
+            </a:endParaRPr>
+          </a:p>
+        </p:txBody>
+      </p:sp>
+      <p:sp>
+        <p:nvSpPr>
+          <p:cNvPr id="14" name="PlaceHolder 4"/>
+          <p:cNvSpPr>
+            <a:spLocks noGrp="1"/>
+          </p:cNvSpPr>
+          <p:nvPr>
+            <p:ph type="body"/>
+          </p:nvPr>
+        </p:nvSpPr>
+        <p:spPr>
+          <a:xfrm>
+            <a:off x="504000" y="3044160"/>
+            <a:ext cx="4426560" cy="1568160"/>
+          </a:xfrm>
+          <a:prstGeom prst="rect">
+            <a:avLst/>
+          </a:prstGeom>
+        </p:spPr>
+        <p:txBody>
+          <a:bodyPr lIns="0" rIns="0" tIns="0" bIns="0">
+            <a:normAutofit/>
+          </a:bodyPr>
+          <a:p>
+            <a:endParaRPr b="0" lang="en-US" sz="1800" spc="-1" strike="noStrike">
+              <a:solidFill>
+                <a:srgbClr val="000000"/>
+              </a:solidFill>
+              <a:latin typeface="Arial"/>
+            </a:endParaRPr>
+          </a:p>
+        </p:txBody>
+      </p:sp>
+    </p:spTree>
+  </p:cSld>
+</p:sldLayout>
+</file>
+
+<file path=ppt/slideLayouts/slideLayout8.xml><?xml version="1.0" encoding="utf-8"?>
+<p:sldLayout xmlns:a="http://schemas.openxmlformats.org/drawingml/2006/main" xmlns:p="http://schemas.openxmlformats.org/presentationml/2006/main" xmlns:r="http://schemas.openxmlformats.org/officeDocument/2006/relationships" xmlns:p14="http://schemas.microsoft.com/office/powerpoint/2010/main" xmlns:p15="http://schemas.microsoft.com/office/powerpoint/2012/main" xmlns:mc="http://schemas.openxmlformats.org/markup-compatibility/2006" type="objAndTwoObj" preserve="1">
+  <p:cSld name="Title Content and 2 Content">
+    <p:spTree>
+      <p:nvGrpSpPr>
+        <p:cNvPr id="1" name=""/>
+        <p:cNvGrpSpPr/>
+        <p:nvPr/>
+      </p:nvGrpSpPr>
+      <p:grpSpPr>
+        <a:xfrm>
+          <a:off x="0" y="0"/>
+          <a:ext cx="0" cy="0"/>
+          <a:chOff x="0" y="0"/>
+          <a:chExt cx="0" cy="0"/>
+        </a:xfrm>
+      </p:grpSpPr>
+      <p:sp>
+        <p:nvSpPr>
+          <p:cNvPr id="15" name="PlaceHolder 1"/>
+          <p:cNvSpPr>
+            <a:spLocks noGrp="1"/>
+          </p:cNvSpPr>
+          <p:nvPr>
+            <p:ph type="title"/>
+          </p:nvPr>
+        </p:nvSpPr>
+        <p:spPr>
+          <a:xfrm>
+            <a:off x="504000" y="226080"/>
+            <a:ext cx="9071280" cy="946080"/>
+          </a:xfrm>
+          <a:prstGeom prst="rect">
+            <a:avLst/>
+          </a:prstGeom>
+        </p:spPr>
+        <p:txBody>
+          <a:bodyPr lIns="0" rIns="0" tIns="0" bIns="0" anchor="ctr"/>
+          <a:p>
+            <a:endParaRPr b="0" lang="en-US" sz="1800" spc="-1" strike="noStrike">
+              <a:solidFill>
+                <a:srgbClr val="000000"/>
+              </a:solidFill>
+              <a:latin typeface="Arial"/>
+            </a:endParaRPr>
+          </a:p>
+        </p:txBody>
+      </p:sp>
+      <p:sp>
+        <p:nvSpPr>
+          <p:cNvPr id="16" name="PlaceHolder 2"/>
+          <p:cNvSpPr>
+            <a:spLocks noGrp="1"/>
+          </p:cNvSpPr>
+          <p:nvPr>
+            <p:ph type="body"/>
+          </p:nvPr>
+        </p:nvSpPr>
+        <p:spPr>
+          <a:xfrm>
+            <a:off x="504000" y="1326600"/>
+            <a:ext cx="4426560" cy="3287880"/>
+          </a:xfrm>
+          <a:prstGeom prst="rect">
+            <a:avLst/>
+          </a:prstGeom>
+        </p:spPr>
+        <p:txBody>
+          <a:bodyPr lIns="0" rIns="0" tIns="0" bIns="0">
+            <a:normAutofit/>
+          </a:bodyPr>
+          <a:p>
+            <a:endParaRPr b="0" lang="en-US" sz="1800" spc="-1" strike="noStrike">
+              <a:solidFill>
+                <a:srgbClr val="000000"/>
+              </a:solidFill>
+              <a:latin typeface="Arial"/>
+            </a:endParaRPr>
+          </a:p>
+        </p:txBody>
+      </p:sp>
+      <p:sp>
+        <p:nvSpPr>
+          <p:cNvPr id="17" name="PlaceHolder 3"/>
+          <p:cNvSpPr>
+            <a:spLocks noGrp="1"/>
+          </p:cNvSpPr>
+          <p:nvPr>
+            <p:ph type="body"/>
+          </p:nvPr>
+        </p:nvSpPr>
+        <p:spPr>
+          <a:xfrm>
+            <a:off x="5152320" y="1326600"/>
+            <a:ext cx="4426560" cy="1568160"/>
+          </a:xfrm>
+          <a:prstGeom prst="rect">
+            <a:avLst/>
+          </a:prstGeom>
+        </p:spPr>
+        <p:txBody>
+          <a:bodyPr lIns="0" rIns="0" tIns="0" bIns="0">
+            <a:normAutofit/>
+          </a:bodyPr>
+          <a:p>
+            <a:endParaRPr b="0" lang="en-US" sz="1800" spc="-1" strike="noStrike">
+              <a:solidFill>
+                <a:srgbClr val="000000"/>
+              </a:solidFill>
+              <a:latin typeface="Arial"/>
+            </a:endParaRPr>
+          </a:p>
+        </p:txBody>
+      </p:sp>
+      <p:sp>
+        <p:nvSpPr>
+          <p:cNvPr id="18" name="PlaceHolder 4"/>
+          <p:cNvSpPr>
+            <a:spLocks noGrp="1"/>
+          </p:cNvSpPr>
+          <p:nvPr>
+            <p:ph type="body"/>
+          </p:nvPr>
+        </p:nvSpPr>
+        <p:spPr>
+          <a:xfrm>
+            <a:off x="5152320" y="3044160"/>
+            <a:ext cx="4426560" cy="1568160"/>
+          </a:xfrm>
+          <a:prstGeom prst="rect">
+            <a:avLst/>
+          </a:prstGeom>
+        </p:spPr>
+        <p:txBody>
+          <a:bodyPr lIns="0" rIns="0" tIns="0" bIns="0">
+            <a:normAutofit/>
+          </a:bodyPr>
+          <a:p>
+            <a:endParaRPr b="0" lang="en-US" sz="1800" spc="-1" strike="noStrike">
+              <a:solidFill>
+                <a:srgbClr val="000000"/>
+              </a:solidFill>
+              <a:latin typeface="Arial"/>
+            </a:endParaRPr>
+          </a:p>
+        </p:txBody>
+      </p:sp>
+    </p:spTree>
+  </p:cSld>
+</p:sldLayout>
+</file>
+
+<file path=ppt/slideLayouts/slideLayout9.xml><?xml version="1.0" encoding="utf-8"?>
+<p:sldLayout xmlns:a="http://schemas.openxmlformats.org/drawingml/2006/main" xmlns:p="http://schemas.openxmlformats.org/presentationml/2006/main" xmlns:r="http://schemas.openxmlformats.org/officeDocument/2006/relationships" xmlns:p14="http://schemas.microsoft.com/office/powerpoint/2010/main" xmlns:p15="http://schemas.microsoft.com/office/powerpoint/2012/main" xmlns:mc="http://schemas.openxmlformats.org/markup-compatibility/2006" type="twoObjOverTx" preserve="1">
+  <p:cSld name="Title, 2 Content over Content">
+    <p:spTree>
+      <p:nvGrpSpPr>
+        <p:cNvPr id="1" name=""/>
+        <p:cNvGrpSpPr/>
+        <p:nvPr/>
+      </p:nvGrpSpPr>
+      <p:grpSpPr>
+        <a:xfrm>
+          <a:off x="0" y="0"/>
+          <a:ext cx="0" cy="0"/>
+          <a:chOff x="0" y="0"/>
+          <a:chExt cx="0" cy="0"/>
+        </a:xfrm>
+      </p:grpSpPr>
+      <p:sp>
+        <p:nvSpPr>
+          <p:cNvPr id="19" name="PlaceHolder 1"/>
+          <p:cNvSpPr>
+            <a:spLocks noGrp="1"/>
+          </p:cNvSpPr>
+          <p:nvPr>
+            <p:ph type="title"/>
+          </p:nvPr>
+        </p:nvSpPr>
+        <p:spPr>
+          <a:xfrm>
+            <a:off x="504000" y="226080"/>
+            <a:ext cx="9071280" cy="946080"/>
+          </a:xfrm>
+          <a:prstGeom prst="rect">
+            <a:avLst/>
+          </a:prstGeom>
+        </p:spPr>
+        <p:txBody>
+          <a:bodyPr lIns="0" rIns="0" tIns="0" bIns="0" anchor="ctr"/>
+          <a:p>
+            <a:endParaRPr b="0" lang="en-US" sz="1800" spc="-1" strike="noStrike">
+              <a:solidFill>
+                <a:srgbClr val="000000"/>
+              </a:solidFill>
+              <a:latin typeface="Arial"/>
+            </a:endParaRPr>
+          </a:p>
+        </p:txBody>
+      </p:sp>
+      <p:sp>
+        <p:nvSpPr>
+          <p:cNvPr id="20" name="PlaceHolder 2"/>
+          <p:cNvSpPr>
+            <a:spLocks noGrp="1"/>
+          </p:cNvSpPr>
+          <p:nvPr>
+            <p:ph type="body"/>
+          </p:nvPr>
+        </p:nvSpPr>
+        <p:spPr>
+          <a:xfrm>
+            <a:off x="504000" y="1326600"/>
+            <a:ext cx="4426560" cy="1568160"/>
+          </a:xfrm>
+          <a:prstGeom prst="rect">
+            <a:avLst/>
+          </a:prstGeom>
+        </p:spPr>
+        <p:txBody>
+          <a:bodyPr lIns="0" rIns="0" tIns="0" bIns="0">
+            <a:normAutofit/>
+          </a:bodyPr>
+          <a:p>
+            <a:endParaRPr b="0" lang="en-US" sz="1800" spc="-1" strike="noStrike">
+              <a:solidFill>
+                <a:srgbClr val="000000"/>
+              </a:solidFill>
+              <a:latin typeface="Arial"/>
+            </a:endParaRPr>
+          </a:p>
+        </p:txBody>
+      </p:sp>
+      <p:sp>
+        <p:nvSpPr>
+          <p:cNvPr id="21" name="PlaceHolder 3"/>
+          <p:cNvSpPr>
+            <a:spLocks noGrp="1"/>
+          </p:cNvSpPr>
+          <p:nvPr>
+            <p:ph type="body"/>
+          </p:nvPr>
+        </p:nvSpPr>
+        <p:spPr>
+          <a:xfrm>
+            <a:off x="5152320" y="1326600"/>
+            <a:ext cx="4426560" cy="1568160"/>
+          </a:xfrm>
+          <a:prstGeom prst="rect">
+            <a:avLst/>
+          </a:prstGeom>
+        </p:spPr>
+        <p:txBody>
+          <a:bodyPr lIns="0" rIns="0" tIns="0" bIns="0">
+            <a:normAutofit/>
+          </a:bodyPr>
+          <a:p>
+            <a:endParaRPr b="0" lang="en-US" sz="1800" spc="-1" strike="noStrike">
+              <a:solidFill>
+                <a:srgbClr val="000000"/>
+              </a:solidFill>
+              <a:latin typeface="Arial"/>
+            </a:endParaRPr>
+          </a:p>
+        </p:txBody>
+      </p:sp>
+      <p:sp>
+        <p:nvSpPr>
+          <p:cNvPr id="22" name="PlaceHolder 4"/>
+          <p:cNvSpPr>
+            <a:spLocks noGrp="1"/>
+          </p:cNvSpPr>
+          <p:nvPr>
+            <p:ph type="body"/>
+          </p:nvPr>
+        </p:nvSpPr>
+        <p:spPr>
+          <a:xfrm>
+            <a:off x="504000" y="3044160"/>
+            <a:ext cx="9071280" cy="1568160"/>
+          </a:xfrm>
+          <a:prstGeom prst="rect">
+            <a:avLst/>
+          </a:prstGeom>
+        </p:spPr>
+        <p:txBody>
+          <a:bodyPr lIns="0" rIns="0" tIns="0" bIns="0">
+            <a:normAutofit/>
+          </a:bodyPr>
+          <a:p>
+            <a:endParaRPr b="0" lang="en-US" sz="1800" spc="-1" strike="noStrike">
+              <a:solidFill>
+                <a:srgbClr val="000000"/>
+              </a:solidFill>
+              <a:latin typeface="Arial"/>
+            </a:endParaRPr>
+          </a:p>
+        </p:txBody>
+      </p:sp>
+    </p:spTree>
+  </p:cSld>
 </p:sldLayout>
 </file>
 
 <file path=ppt/slideMasters/slideMaster1.xml><?xml version="1.0" encoding="utf-8"?>
-<p:sldMaster xmlns:a="http://schemas.openxmlformats.org/drawingml/2006/main" xmlns:r="http://schemas.openxmlformats.org/officeDocument/2006/relationships" xmlns:p="http://schemas.openxmlformats.org/presentationml/2006/main">
+<p:sldMaster xmlns:a="http://schemas.openxmlformats.org/drawingml/2006/main" xmlns:p="http://schemas.openxmlformats.org/presentationml/2006/main" xmlns:r="http://schemas.openxmlformats.org/officeDocument/2006/relationships" xmlns:p14="http://schemas.microsoft.com/office/powerpoint/2010/main" xmlns:p15="http://schemas.microsoft.com/office/powerpoint/2012/main" xmlns:mc="http://schemas.openxmlformats.org/markup-compatibility/2006">
   <p:cSld>
     <p:bg>
-      <p:bgRef idx="1001">
-        <a:schemeClr val="bg1"/>
-      </p:bgRef>
+      <p:bgPr>
+        <a:solidFill>
+          <a:srgbClr val="ffffff"/>
+        </a:solidFill>
+      </p:bgPr>
     </p:bg>
     <p:spTree>
       <p:nvGrpSpPr>
@@ -1536,7 +2889,7 @@
       </p:grpSpPr>
       <p:sp>
         <p:nvSpPr>
-          <p:cNvPr id="5" name="PlaceHolder 1"/>
+          <p:cNvPr id="0" name="PlaceHolder 1"/>
           <p:cNvSpPr>
             <a:spLocks noGrp="1"/>
           </p:cNvSpPr>
@@ -1547,29 +2900,36 @@
         <p:spPr>
           <a:xfrm>
             <a:off x="504000" y="226080"/>
-            <a:ext cx="9071640" cy="946440"/>
-          </a:xfrm>
-          <a:prstGeom prst="rect">
-            <a:avLst/>
-          </a:prstGeom>
-        </p:spPr>
-        <p:txBody>
-          <a:bodyPr lIns="0" tIns="0" rIns="0" bIns="0" anchor="ctr"/>
-          <a:lstStyle/>
-          <a:p>
-            <a:pPr algn="ctr"/>
+            <a:ext cx="9071280" cy="946080"/>
+          </a:xfrm>
+          <a:prstGeom prst="rect">
+            <a:avLst/>
+          </a:prstGeom>
+        </p:spPr>
+        <p:txBody>
+          <a:bodyPr lIns="0" rIns="0" tIns="0" bIns="0" anchor="ctr"/>
+          <a:p>
             <a:r>
-              <a:rPr lang="de-CH" sz="4400" b="0" strike="noStrike" spc="-1">
+              <a:rPr b="0" lang="en-US" sz="1800" spc="-1" strike="noStrike">
+                <a:solidFill>
+                  <a:srgbClr val="000000"/>
+                </a:solidFill>
                 <a:latin typeface="Arial"/>
               </a:rPr>
               <a:t>Format des Titeltextes durch Klicken bearbeiten</a:t>
             </a:r>
-          </a:p>
-        </p:txBody>
-      </p:sp>
-      <p:sp>
-        <p:nvSpPr>
-          <p:cNvPr id="6" name="PlaceHolder 2"/>
+            <a:endParaRPr b="0" lang="en-US" sz="1800" spc="-1" strike="noStrike">
+              <a:solidFill>
+                <a:srgbClr val="000000"/>
+              </a:solidFill>
+              <a:latin typeface="Arial"/>
+            </a:endParaRPr>
+          </a:p>
+        </p:txBody>
+      </p:sp>
+      <p:sp>
+        <p:nvSpPr>
+          <p:cNvPr id="1" name="PlaceHolder 2"/>
           <p:cNvSpPr>
             <a:spLocks noGrp="1"/>
           </p:cNvSpPr>
@@ -1580,17 +2940,16 @@
         <p:spPr>
           <a:xfrm>
             <a:off x="504000" y="1326600"/>
-            <a:ext cx="9071640" cy="3288240"/>
-          </a:xfrm>
-          <a:prstGeom prst="rect">
-            <a:avLst/>
-          </a:prstGeom>
-        </p:spPr>
-        <p:txBody>
-          <a:bodyPr lIns="0" tIns="0" rIns="0" bIns="0">
+            <a:ext cx="9072000" cy="3288600"/>
+          </a:xfrm>
+          <a:prstGeom prst="rect">
+            <a:avLst/>
+          </a:prstGeom>
+        </p:spPr>
+        <p:txBody>
+          <a:bodyPr lIns="0" rIns="0" tIns="0" bIns="0">
             <a:normAutofit/>
           </a:bodyPr>
-          <a:lstStyle/>
           <a:p>
             <a:pPr marL="432000" indent="-324000">
               <a:spcBef>
@@ -1604,14 +2963,23 @@
               <a:buChar char=""/>
             </a:pPr>
             <a:r>
-              <a:rPr lang="de-CH" sz="3200" b="0" strike="noStrike" spc="-1">
+              <a:rPr b="0" lang="en-US" sz="1800" spc="-1" strike="noStrike">
+                <a:solidFill>
+                  <a:srgbClr val="000000"/>
+                </a:solidFill>
                 <a:latin typeface="Arial"/>
               </a:rPr>
               <a:t>Format des Gliederungstextes durch Klicken bearbeiten</a:t>
             </a:r>
-          </a:p>
-          <a:p>
-            <a:pPr marL="864000" lvl="1" indent="-324000">
+            <a:endParaRPr b="0" lang="en-US" sz="1800" spc="-1" strike="noStrike">
+              <a:solidFill>
+                <a:srgbClr val="000000"/>
+              </a:solidFill>
+              <a:latin typeface="Arial"/>
+            </a:endParaRPr>
+          </a:p>
+          <a:p>
+            <a:pPr lvl="1" marL="864000" indent="-324000">
               <a:spcBef>
                 <a:spcPts val="1134"/>
               </a:spcBef>
@@ -1623,14 +2991,23 @@
               <a:buChar char=""/>
             </a:pPr>
             <a:r>
-              <a:rPr lang="de-CH" sz="2800" b="0" strike="noStrike" spc="-1">
+              <a:rPr b="0" lang="en-US" sz="1800" spc="-1" strike="noStrike">
+                <a:solidFill>
+                  <a:srgbClr val="000000"/>
+                </a:solidFill>
                 <a:latin typeface="Arial"/>
               </a:rPr>
               <a:t>Zweite Gliederungsebene</a:t>
             </a:r>
-          </a:p>
-          <a:p>
-            <a:pPr marL="1296000" lvl="2" indent="-288000">
+            <a:endParaRPr b="0" lang="en-US" sz="1800" spc="-1" strike="noStrike">
+              <a:solidFill>
+                <a:srgbClr val="000000"/>
+              </a:solidFill>
+              <a:latin typeface="Arial"/>
+            </a:endParaRPr>
+          </a:p>
+          <a:p>
+            <a:pPr lvl="2" marL="1296000" indent="-288000">
               <a:spcBef>
                 <a:spcPts val="850"/>
               </a:spcBef>
@@ -1642,14 +3019,23 @@
               <a:buChar char=""/>
             </a:pPr>
             <a:r>
-              <a:rPr lang="de-CH" sz="2400" b="0" strike="noStrike" spc="-1">
+              <a:rPr b="0" lang="en-US" sz="1800" spc="-1" strike="noStrike">
+                <a:solidFill>
+                  <a:srgbClr val="000000"/>
+                </a:solidFill>
                 <a:latin typeface="Arial"/>
               </a:rPr>
               <a:t>Dritte Gliederungsebene</a:t>
             </a:r>
-          </a:p>
-          <a:p>
-            <a:pPr marL="1728000" lvl="3" indent="-216000">
+            <a:endParaRPr b="0" lang="en-US" sz="1800" spc="-1" strike="noStrike">
+              <a:solidFill>
+                <a:srgbClr val="000000"/>
+              </a:solidFill>
+              <a:latin typeface="Arial"/>
+            </a:endParaRPr>
+          </a:p>
+          <a:p>
+            <a:pPr lvl="3" marL="1728000" indent="-216000">
               <a:spcBef>
                 <a:spcPts val="567"/>
               </a:spcBef>
@@ -1661,14 +3047,23 @@
               <a:buChar char=""/>
             </a:pPr>
             <a:r>
-              <a:rPr lang="de-CH" sz="2000" b="0" strike="noStrike" spc="-1">
+              <a:rPr b="0" lang="en-US" sz="1800" spc="-1" strike="noStrike">
+                <a:solidFill>
+                  <a:srgbClr val="000000"/>
+                </a:solidFill>
                 <a:latin typeface="Arial"/>
               </a:rPr>
               <a:t>Vierte Gliederungsebene</a:t>
             </a:r>
-          </a:p>
-          <a:p>
-            <a:pPr marL="2160000" lvl="4" indent="-216000">
+            <a:endParaRPr b="0" lang="en-US" sz="1800" spc="-1" strike="noStrike">
+              <a:solidFill>
+                <a:srgbClr val="000000"/>
+              </a:solidFill>
+              <a:latin typeface="Arial"/>
+            </a:endParaRPr>
+          </a:p>
+          <a:p>
+            <a:pPr lvl="4" marL="2160000" indent="-216000">
               <a:spcBef>
                 <a:spcPts val="283"/>
               </a:spcBef>
@@ -1680,14 +3075,23 @@
               <a:buChar char=""/>
             </a:pPr>
             <a:r>
-              <a:rPr lang="de-CH" sz="2000" b="0" strike="noStrike" spc="-1">
+              <a:rPr b="0" lang="en-US" sz="2000" spc="-1" strike="noStrike">
+                <a:solidFill>
+                  <a:srgbClr val="000000"/>
+                </a:solidFill>
                 <a:latin typeface="Arial"/>
               </a:rPr>
               <a:t>Fünfte Gliederungsebene</a:t>
             </a:r>
-          </a:p>
-          <a:p>
-            <a:pPr marL="2592000" lvl="5" indent="-216000">
+            <a:endParaRPr b="0" lang="en-US" sz="2000" spc="-1" strike="noStrike">
+              <a:solidFill>
+                <a:srgbClr val="000000"/>
+              </a:solidFill>
+              <a:latin typeface="Arial"/>
+            </a:endParaRPr>
+          </a:p>
+          <a:p>
+            <a:pPr lvl="5" marL="2592000" indent="-216000">
               <a:spcBef>
                 <a:spcPts val="283"/>
               </a:spcBef>
@@ -1699,14 +3103,23 @@
               <a:buChar char=""/>
             </a:pPr>
             <a:r>
-              <a:rPr lang="de-CH" sz="2000" b="0" strike="noStrike" spc="-1">
+              <a:rPr b="0" lang="en-US" sz="2000" spc="-1" strike="noStrike">
+                <a:solidFill>
+                  <a:srgbClr val="000000"/>
+                </a:solidFill>
                 <a:latin typeface="Arial"/>
               </a:rPr>
               <a:t>Sechste Gliederungsebene</a:t>
             </a:r>
-          </a:p>
-          <a:p>
-            <a:pPr marL="3024000" lvl="6" indent="-216000">
+            <a:endParaRPr b="0" lang="en-US" sz="2000" spc="-1" strike="noStrike">
+              <a:solidFill>
+                <a:srgbClr val="000000"/>
+              </a:solidFill>
+              <a:latin typeface="Arial"/>
+            </a:endParaRPr>
+          </a:p>
+          <a:p>
+            <a:pPr lvl="6" marL="3024000" indent="-216000">
               <a:spcBef>
                 <a:spcPts val="283"/>
               </a:spcBef>
@@ -1718,142 +3131,350 @@
               <a:buChar char=""/>
             </a:pPr>
             <a:r>
-              <a:rPr lang="de-CH" sz="2000" b="0" strike="noStrike" spc="-1">
+              <a:rPr b="0" lang="en-US" sz="2000" spc="-1" strike="noStrike">
+                <a:solidFill>
+                  <a:srgbClr val="000000"/>
+                </a:solidFill>
                 <a:latin typeface="Arial"/>
               </a:rPr>
               <a:t>Siebte Gliederungsebene</a:t>
             </a:r>
-          </a:p>
-        </p:txBody>
-      </p:sp>
-      <p:sp>
-        <p:nvSpPr>
-          <p:cNvPr id="2" name="PlaceHolder 3"/>
-          <p:cNvSpPr>
-            <a:spLocks noGrp="1"/>
-          </p:cNvSpPr>
-          <p:nvPr>
-            <p:ph type="dt"/>
-          </p:nvPr>
-        </p:nvSpPr>
-        <p:spPr>
-          <a:xfrm>
-            <a:off x="504000" y="5165280"/>
-            <a:ext cx="2348280" cy="390600"/>
-          </a:xfrm>
-          <a:prstGeom prst="rect">
-            <a:avLst/>
-          </a:prstGeom>
-        </p:spPr>
-        <p:txBody>
-          <a:bodyPr lIns="0" tIns="0" rIns="0" bIns="0"/>
-          <a:lstStyle/>
-          <a:p>
-            <a:r>
-              <a:rPr lang="de-CH" sz="1400" b="0" strike="noStrike" spc="-1">
-                <a:latin typeface="Times New Roman"/>
-              </a:rPr>
-              <a:t>&lt;Datum/Uhrzeit&gt;</a:t>
-            </a:r>
-          </a:p>
-        </p:txBody>
-      </p:sp>
-      <p:sp>
-        <p:nvSpPr>
-          <p:cNvPr id="3" name="PlaceHolder 4"/>
-          <p:cNvSpPr>
-            <a:spLocks noGrp="1"/>
-          </p:cNvSpPr>
-          <p:nvPr>
-            <p:ph type="ftr"/>
-          </p:nvPr>
-        </p:nvSpPr>
-        <p:spPr>
-          <a:xfrm>
-            <a:off x="3447360" y="5165280"/>
-            <a:ext cx="3195000" cy="390600"/>
-          </a:xfrm>
-          <a:prstGeom prst="rect">
-            <a:avLst/>
-          </a:prstGeom>
-        </p:spPr>
-        <p:txBody>
-          <a:bodyPr lIns="0" tIns="0" rIns="0" bIns="0"/>
-          <a:lstStyle/>
-          <a:p>
-            <a:pPr algn="ctr"/>
-            <a:r>
-              <a:rPr lang="de-CH" sz="1400" b="0" strike="noStrike" spc="-1">
-                <a:latin typeface="Times New Roman"/>
-              </a:rPr>
-              <a:t>&lt;Fußzeile&gt;</a:t>
-            </a:r>
-          </a:p>
-        </p:txBody>
-      </p:sp>
-      <p:sp>
-        <p:nvSpPr>
-          <p:cNvPr id="4" name="PlaceHolder 5"/>
-          <p:cNvSpPr>
-            <a:spLocks noGrp="1"/>
-          </p:cNvSpPr>
-          <p:nvPr>
-            <p:ph type="sldNum"/>
-          </p:nvPr>
-        </p:nvSpPr>
-        <p:spPr>
-          <a:xfrm>
-            <a:off x="7227360" y="5165280"/>
-            <a:ext cx="2348280" cy="390600"/>
-          </a:xfrm>
-          <a:prstGeom prst="rect">
-            <a:avLst/>
-          </a:prstGeom>
-        </p:spPr>
-        <p:txBody>
-          <a:bodyPr lIns="0" tIns="0" rIns="0" bIns="0"/>
-          <a:lstStyle/>
-          <a:p>
-            <a:pPr algn="r"/>
-            <a:fld id="{62E01371-FDBB-49AE-8050-2299BB11B87A}" type="slidenum">
-              <a:rPr lang="de-CH" sz="1400" b="0" strike="noStrike" spc="-1">
-                <a:latin typeface="Times New Roman"/>
-              </a:rPr>
-              <a:t>‹#›</a:t>
-            </a:fld>
-            <a:endParaRPr lang="de-CH" sz="1400" b="0" strike="noStrike" spc="-1">
-              <a:latin typeface="Times New Roman"/>
+            <a:endParaRPr b="0" lang="en-US" sz="2000" spc="-1" strike="noStrike">
+              <a:solidFill>
+                <a:srgbClr val="000000"/>
+              </a:solidFill>
+              <a:latin typeface="Arial"/>
             </a:endParaRPr>
           </a:p>
         </p:txBody>
       </p:sp>
     </p:spTree>
   </p:cSld>
-  <p:clrMap bg1="lt1" tx1="dk1" bg2="lt2" tx2="dk2" accent1="accent1" accent2="accent2" accent3="accent3" accent4="accent4" accent5="accent5" accent6="accent6" hlink="hlink" folHlink="folHlink"/>
+  <p:clrMap bg1="lt1" bg2="lt2" tx1="dk1" tx2="dk2" accent1="accent1" accent2="accent2" accent3="accent3" accent4="accent4" accent5="accent5" accent6="accent6" hlink="hlink" folHlink="folHlink"/>
   <p:sldLayoutIdLst>
-    <p:sldLayoutId id="2147483649" r:id="rId1"/>
-    <p:sldLayoutId id="2147483650" r:id="rId2"/>
-    <p:sldLayoutId id="2147483651" r:id="rId3"/>
-    <p:sldLayoutId id="2147483652" r:id="rId4"/>
-    <p:sldLayoutId id="2147483653" r:id="rId5"/>
-    <p:sldLayoutId id="2147483654" r:id="rId6"/>
-    <p:sldLayoutId id="2147483655" r:id="rId7"/>
-    <p:sldLayoutId id="2147483656" r:id="rId8"/>
-    <p:sldLayoutId id="2147483657" r:id="rId9"/>
-    <p:sldLayoutId id="2147483658" r:id="rId10"/>
-    <p:sldLayoutId id="2147483659" r:id="rId11"/>
-    <p:sldLayoutId id="2147483660" r:id="rId12"/>
+    <p:sldLayoutId id="2147483649" r:id="rId2"/>
+    <p:sldLayoutId id="2147483650" r:id="rId3"/>
+    <p:sldLayoutId id="2147483651" r:id="rId4"/>
+    <p:sldLayoutId id="2147483652" r:id="rId5"/>
+    <p:sldLayoutId id="2147483653" r:id="rId6"/>
+    <p:sldLayoutId id="2147483654" r:id="rId7"/>
+    <p:sldLayoutId id="2147483655" r:id="rId8"/>
+    <p:sldLayoutId id="2147483656" r:id="rId9"/>
+    <p:sldLayoutId id="2147483657" r:id="rId10"/>
+    <p:sldLayoutId id="2147483658" r:id="rId11"/>
+    <p:sldLayoutId id="2147483659" r:id="rId12"/>
+    <p:sldLayoutId id="2147483660" r:id="rId13"/>
   </p:sldLayoutIdLst>
-  <p:txStyles>
-    <p:titleStyle/>
-    <p:bodyStyle/>
-    <p:otherStyle/>
-  </p:txStyles>
+</p:sldMaster>
+</file>
+
+<file path=ppt/slideMasters/slideMaster2.xml><?xml version="1.0" encoding="utf-8"?>
+<p:sldMaster xmlns:a="http://schemas.openxmlformats.org/drawingml/2006/main" xmlns:p="http://schemas.openxmlformats.org/presentationml/2006/main" xmlns:r="http://schemas.openxmlformats.org/officeDocument/2006/relationships" xmlns:p14="http://schemas.microsoft.com/office/powerpoint/2010/main" xmlns:p15="http://schemas.microsoft.com/office/powerpoint/2012/main" xmlns:mc="http://schemas.openxmlformats.org/markup-compatibility/2006">
+  <p:cSld>
+    <p:bg>
+      <p:bgPr>
+        <a:solidFill>
+          <a:srgbClr val="ffffff"/>
+        </a:solidFill>
+      </p:bgPr>
+    </p:bg>
+    <p:spTree>
+      <p:nvGrpSpPr>
+        <p:cNvPr id="1" name=""/>
+        <p:cNvGrpSpPr/>
+        <p:nvPr/>
+      </p:nvGrpSpPr>
+      <p:grpSpPr>
+        <a:xfrm>
+          <a:off x="0" y="0"/>
+          <a:ext cx="0" cy="0"/>
+          <a:chOff x="0" y="0"/>
+          <a:chExt cx="0" cy="0"/>
+        </a:xfrm>
+      </p:grpSpPr>
+      <p:sp>
+        <p:nvSpPr>
+          <p:cNvPr id="38" name="PlaceHolder 1"/>
+          <p:cNvSpPr>
+            <a:spLocks noGrp="1"/>
+          </p:cNvSpPr>
+          <p:nvPr>
+            <p:ph type="title"/>
+          </p:nvPr>
+        </p:nvSpPr>
+        <p:spPr>
+          <a:xfrm>
+            <a:off x="504000" y="226080"/>
+            <a:ext cx="9071280" cy="946080"/>
+          </a:xfrm>
+          <a:prstGeom prst="rect">
+            <a:avLst/>
+          </a:prstGeom>
+        </p:spPr>
+        <p:txBody>
+          <a:bodyPr lIns="0" rIns="0" tIns="0" bIns="0" anchor="ctr"/>
+          <a:p>
+            <a:r>
+              <a:rPr b="0" lang="en-US" sz="1800" spc="-1" strike="noStrike">
+                <a:solidFill>
+                  <a:srgbClr val="000000"/>
+                </a:solidFill>
+                <a:latin typeface="Arial"/>
+              </a:rPr>
+              <a:t>Format des Titeltextes durch Klicken bearbeiten</a:t>
+            </a:r>
+            <a:endParaRPr b="0" lang="en-US" sz="1800" spc="-1" strike="noStrike">
+              <a:solidFill>
+                <a:srgbClr val="000000"/>
+              </a:solidFill>
+              <a:latin typeface="Arial"/>
+            </a:endParaRPr>
+          </a:p>
+        </p:txBody>
+      </p:sp>
+      <p:sp>
+        <p:nvSpPr>
+          <p:cNvPr id="39" name="PlaceHolder 2"/>
+          <p:cNvSpPr>
+            <a:spLocks noGrp="1"/>
+          </p:cNvSpPr>
+          <p:nvPr>
+            <p:ph type="body"/>
+          </p:nvPr>
+        </p:nvSpPr>
+        <p:spPr>
+          <a:xfrm>
+            <a:off x="504000" y="1326600"/>
+            <a:ext cx="9071280" cy="3287880"/>
+          </a:xfrm>
+          <a:prstGeom prst="rect">
+            <a:avLst/>
+          </a:prstGeom>
+        </p:spPr>
+        <p:txBody>
+          <a:bodyPr lIns="0" rIns="0" tIns="0" bIns="0">
+            <a:normAutofit/>
+          </a:bodyPr>
+          <a:p>
+            <a:pPr marL="432000" indent="-324000">
+              <a:spcBef>
+                <a:spcPts val="1417"/>
+              </a:spcBef>
+              <a:buClr>
+                <a:srgbClr val="000000"/>
+              </a:buClr>
+              <a:buSzPct val="45000"/>
+              <a:buFont typeface="Wingdings" charset="2"/>
+              <a:buChar char=""/>
+            </a:pPr>
+            <a:r>
+              <a:rPr b="0" lang="en-US" sz="1800" spc="-1" strike="noStrike">
+                <a:solidFill>
+                  <a:srgbClr val="000000"/>
+                </a:solidFill>
+                <a:latin typeface="Arial"/>
+              </a:rPr>
+              <a:t>Format des Gliederungstextes durch Klicken bearbeiten</a:t>
+            </a:r>
+            <a:endParaRPr b="0" lang="en-US" sz="1800" spc="-1" strike="noStrike">
+              <a:solidFill>
+                <a:srgbClr val="000000"/>
+              </a:solidFill>
+              <a:latin typeface="Arial"/>
+            </a:endParaRPr>
+          </a:p>
+          <a:p>
+            <a:pPr lvl="1" marL="864000" indent="-324000">
+              <a:spcBef>
+                <a:spcPts val="1134"/>
+              </a:spcBef>
+              <a:buClr>
+                <a:srgbClr val="000000"/>
+              </a:buClr>
+              <a:buSzPct val="75000"/>
+              <a:buFont typeface="Symbol" charset="2"/>
+              <a:buChar char=""/>
+            </a:pPr>
+            <a:r>
+              <a:rPr b="0" lang="en-US" sz="1800" spc="-1" strike="noStrike">
+                <a:solidFill>
+                  <a:srgbClr val="000000"/>
+                </a:solidFill>
+                <a:latin typeface="Arial"/>
+              </a:rPr>
+              <a:t>Zweite Gliederungsebene</a:t>
+            </a:r>
+            <a:endParaRPr b="0" lang="en-US" sz="1800" spc="-1" strike="noStrike">
+              <a:solidFill>
+                <a:srgbClr val="000000"/>
+              </a:solidFill>
+              <a:latin typeface="Arial"/>
+            </a:endParaRPr>
+          </a:p>
+          <a:p>
+            <a:pPr lvl="2" marL="1296000" indent="-288000">
+              <a:spcBef>
+                <a:spcPts val="850"/>
+              </a:spcBef>
+              <a:buClr>
+                <a:srgbClr val="000000"/>
+              </a:buClr>
+              <a:buSzPct val="45000"/>
+              <a:buFont typeface="Wingdings" charset="2"/>
+              <a:buChar char=""/>
+            </a:pPr>
+            <a:r>
+              <a:rPr b="0" lang="en-US" sz="1800" spc="-1" strike="noStrike">
+                <a:solidFill>
+                  <a:srgbClr val="000000"/>
+                </a:solidFill>
+                <a:latin typeface="Arial"/>
+              </a:rPr>
+              <a:t>Dritte Gliederungsebene</a:t>
+            </a:r>
+            <a:endParaRPr b="0" lang="en-US" sz="1800" spc="-1" strike="noStrike">
+              <a:solidFill>
+                <a:srgbClr val="000000"/>
+              </a:solidFill>
+              <a:latin typeface="Arial"/>
+            </a:endParaRPr>
+          </a:p>
+          <a:p>
+            <a:pPr lvl="3" marL="1728000" indent="-216000">
+              <a:spcBef>
+                <a:spcPts val="567"/>
+              </a:spcBef>
+              <a:buClr>
+                <a:srgbClr val="000000"/>
+              </a:buClr>
+              <a:buSzPct val="75000"/>
+              <a:buFont typeface="Symbol" charset="2"/>
+              <a:buChar char=""/>
+            </a:pPr>
+            <a:r>
+              <a:rPr b="0" lang="en-US" sz="1800" spc="-1" strike="noStrike">
+                <a:solidFill>
+                  <a:srgbClr val="000000"/>
+                </a:solidFill>
+                <a:latin typeface="Arial"/>
+              </a:rPr>
+              <a:t>Vierte Gliederungsebene</a:t>
+            </a:r>
+            <a:endParaRPr b="0" lang="en-US" sz="1800" spc="-1" strike="noStrike">
+              <a:solidFill>
+                <a:srgbClr val="000000"/>
+              </a:solidFill>
+              <a:latin typeface="Arial"/>
+            </a:endParaRPr>
+          </a:p>
+          <a:p>
+            <a:pPr lvl="4" marL="2160000" indent="-216000">
+              <a:spcBef>
+                <a:spcPts val="283"/>
+              </a:spcBef>
+              <a:buClr>
+                <a:srgbClr val="000000"/>
+              </a:buClr>
+              <a:buSzPct val="45000"/>
+              <a:buFont typeface="Wingdings" charset="2"/>
+              <a:buChar char=""/>
+            </a:pPr>
+            <a:r>
+              <a:rPr b="0" lang="en-US" sz="1800" spc="-1" strike="noStrike">
+                <a:solidFill>
+                  <a:srgbClr val="000000"/>
+                </a:solidFill>
+                <a:latin typeface="Arial"/>
+              </a:rPr>
+              <a:t>Fünfte Gliederungsebene</a:t>
+            </a:r>
+            <a:endParaRPr b="0" lang="en-US" sz="1800" spc="-1" strike="noStrike">
+              <a:solidFill>
+                <a:srgbClr val="000000"/>
+              </a:solidFill>
+              <a:latin typeface="Arial"/>
+            </a:endParaRPr>
+          </a:p>
+          <a:p>
+            <a:pPr lvl="5" marL="2592000" indent="-216000">
+              <a:spcBef>
+                <a:spcPts val="283"/>
+              </a:spcBef>
+              <a:buClr>
+                <a:srgbClr val="000000"/>
+              </a:buClr>
+              <a:buSzPct val="45000"/>
+              <a:buFont typeface="Wingdings" charset="2"/>
+              <a:buChar char=""/>
+            </a:pPr>
+            <a:r>
+              <a:rPr b="0" lang="en-US" sz="1800" spc="-1" strike="noStrike">
+                <a:solidFill>
+                  <a:srgbClr val="000000"/>
+                </a:solidFill>
+                <a:latin typeface="Arial"/>
+              </a:rPr>
+              <a:t>Sechste Gliederungsebene</a:t>
+            </a:r>
+            <a:endParaRPr b="0" lang="en-US" sz="1800" spc="-1" strike="noStrike">
+              <a:solidFill>
+                <a:srgbClr val="000000"/>
+              </a:solidFill>
+              <a:latin typeface="Arial"/>
+            </a:endParaRPr>
+          </a:p>
+          <a:p>
+            <a:pPr lvl="6" marL="3024000" indent="-216000">
+              <a:spcBef>
+                <a:spcPts val="283"/>
+              </a:spcBef>
+              <a:buClr>
+                <a:srgbClr val="000000"/>
+              </a:buClr>
+              <a:buSzPct val="45000"/>
+              <a:buFont typeface="Wingdings" charset="2"/>
+              <a:buChar char=""/>
+            </a:pPr>
+            <a:r>
+              <a:rPr b="0" lang="en-US" sz="1800" spc="-1" strike="noStrike">
+                <a:solidFill>
+                  <a:srgbClr val="000000"/>
+                </a:solidFill>
+                <a:latin typeface="Arial"/>
+              </a:rPr>
+              <a:t>Siebte Gliederungsebene</a:t>
+            </a:r>
+            <a:endParaRPr b="0" lang="en-US" sz="1800" spc="-1" strike="noStrike">
+              <a:solidFill>
+                <a:srgbClr val="000000"/>
+              </a:solidFill>
+              <a:latin typeface="Arial"/>
+            </a:endParaRPr>
+          </a:p>
+        </p:txBody>
+      </p:sp>
+    </p:spTree>
+  </p:cSld>
+  <p:clrMap bg1="lt1" bg2="lt2" tx1="dk1" tx2="dk2" accent1="accent1" accent2="accent2" accent3="accent3" accent4="accent4" accent5="accent5" accent6="accent6" hlink="hlink" folHlink="folHlink"/>
+  <p:sldLayoutIdLst>
+    <p:sldLayoutId id="2147483662" r:id="rId2"/>
+    <p:sldLayoutId id="2147483663" r:id="rId3"/>
+    <p:sldLayoutId id="2147483664" r:id="rId4"/>
+    <p:sldLayoutId id="2147483665" r:id="rId5"/>
+    <p:sldLayoutId id="2147483666" r:id="rId6"/>
+    <p:sldLayoutId id="2147483667" r:id="rId7"/>
+    <p:sldLayoutId id="2147483668" r:id="rId8"/>
+    <p:sldLayoutId id="2147483669" r:id="rId9"/>
+    <p:sldLayoutId id="2147483670" r:id="rId10"/>
+    <p:sldLayoutId id="2147483671" r:id="rId11"/>
+    <p:sldLayoutId id="2147483672" r:id="rId12"/>
+    <p:sldLayoutId id="2147483673" r:id="rId13"/>
+  </p:sldLayoutIdLst>
 </p:sldMaster>
 </file>
 
 <file path=ppt/slides/slide1.xml><?xml version="1.0" encoding="utf-8"?>
-<p:sld xmlns:a="http://schemas.openxmlformats.org/drawingml/2006/main" xmlns:r="http://schemas.openxmlformats.org/officeDocument/2006/relationships" xmlns:p="http://schemas.openxmlformats.org/presentationml/2006/main">
+<p:sld xmlns:a="http://schemas.openxmlformats.org/drawingml/2006/main" xmlns:p="http://schemas.openxmlformats.org/presentationml/2006/main" xmlns:r="http://schemas.openxmlformats.org/officeDocument/2006/relationships" xmlns:p14="http://schemas.microsoft.com/office/powerpoint/2010/main" xmlns:p15="http://schemas.microsoft.com/office/powerpoint/2012/main" xmlns:mc="http://schemas.openxmlformats.org/markup-compatibility/2006">
   <p:cSld>
     <p:spTree>
       <p:nvGrpSpPr>
@@ -1871,14 +3492,14 @@
       </p:grpSpPr>
       <p:sp>
         <p:nvSpPr>
-          <p:cNvPr id="41" name="TextShape 1"/>
-          <p:cNvSpPr txBox="1"/>
+          <p:cNvPr id="76" name="CustomShape 1"/>
+          <p:cNvSpPr/>
           <p:nvPr/>
         </p:nvSpPr>
         <p:spPr>
           <a:xfrm>
             <a:off x="504000" y="226080"/>
-            <a:ext cx="9071640" cy="946440"/>
+            <a:ext cx="9071280" cy="946080"/>
           </a:xfrm>
           <a:prstGeom prst="rect">
             <a:avLst/>
@@ -1888,42 +3509,46 @@
             <a:noFill/>
           </a:ln>
         </p:spPr>
-        <p:txBody>
-          <a:bodyPr lIns="0" tIns="0" rIns="0" bIns="0" anchor="ctr"/>
-          <a:lstStyle/>
-          <a:p>
-            <a:pPr algn="ctr"/>
+        <p:style>
+          <a:lnRef idx="0"/>
+          <a:fillRef idx="0"/>
+          <a:effectRef idx="0"/>
+          <a:fontRef idx="minor"/>
+        </p:style>
+        <p:txBody>
+          <a:bodyPr lIns="0" rIns="0" tIns="0" bIns="0" anchor="ctr"/>
+          <a:p>
+            <a:pPr algn="ctr">
+              <a:lnSpc>
+                <a:spcPct val="100000"/>
+              </a:lnSpc>
+            </a:pPr>
             <a:r>
-              <a:rPr lang="de-CH" sz="4400" b="0" strike="noStrike" spc="-1" dirty="0">
+              <a:rPr b="0" lang="de-CH" sz="4400" spc="-1" strike="noStrike">
+                <a:solidFill>
+                  <a:srgbClr val="000000"/>
+                </a:solidFill>
                 <a:latin typeface="Arial"/>
+                <a:ea typeface="DejaVu Sans"/>
               </a:rPr>
-              <a:t>Wetter und </a:t>
+              <a:t>Wetter und Luftqualität von Madrid</a:t>
             </a:r>
-            <a:r>
-              <a:rPr lang="de-CH" sz="4400" b="0" strike="noStrike" spc="-1" dirty="0" smtClean="0">
-                <a:latin typeface="Arial"/>
-              </a:rPr>
-              <a:t>Luftqualität </a:t>
-            </a:r>
-            <a:r>
-              <a:rPr lang="de-CH" sz="4400" b="0" strike="noStrike" spc="-1" dirty="0">
-                <a:latin typeface="Arial"/>
-              </a:rPr>
-              <a:t>von Madrid</a:t>
-            </a:r>
-          </a:p>
-        </p:txBody>
-      </p:sp>
-      <p:sp>
-        <p:nvSpPr>
-          <p:cNvPr id="42" name="TextShape 2"/>
-          <p:cNvSpPr txBox="1"/>
+            <a:endParaRPr b="0" lang="de-CH" sz="4400" spc="-1" strike="noStrike">
+              <a:latin typeface="Arial"/>
+            </a:endParaRPr>
+          </a:p>
+        </p:txBody>
+      </p:sp>
+      <p:sp>
+        <p:nvSpPr>
+          <p:cNvPr id="77" name="CustomShape 2"/>
+          <p:cNvSpPr/>
           <p:nvPr/>
         </p:nvSpPr>
         <p:spPr>
           <a:xfrm>
             <a:off x="6336000" y="1872000"/>
-            <a:ext cx="3672000" cy="3096000"/>
+            <a:ext cx="3671640" cy="3095640"/>
           </a:xfrm>
           <a:prstGeom prst="rect">
             <a:avLst/>
@@ -1933,120 +3558,365 @@
             <a:noFill/>
           </a:ln>
         </p:spPr>
-        <p:txBody>
-          <a:bodyPr lIns="0" tIns="0" rIns="0" bIns="0"/>
-          <a:lstStyle/>
-          <a:p>
+        <p:style>
+          <a:lnRef idx="0"/>
+          <a:fillRef idx="0"/>
+          <a:effectRef idx="0"/>
+          <a:fontRef idx="minor"/>
+        </p:style>
+        <p:txBody>
+          <a:bodyPr lIns="0" rIns="0" tIns="0" bIns="0"/>
+          <a:p>
+            <a:pPr>
+              <a:lnSpc>
+                <a:spcPct val="100000"/>
+              </a:lnSpc>
+            </a:pPr>
             <a:r>
-              <a:rPr lang="de-CH" sz="1600" b="0" strike="noStrike" spc="-1" dirty="0" err="1">
+              <a:rPr b="0" lang="de-CH" sz="1600" spc="-1" strike="noStrike">
+                <a:solidFill>
+                  <a:srgbClr val="000000"/>
+                </a:solidFill>
                 <a:latin typeface="Arial"/>
+                <a:ea typeface="DejaVu Sans"/>
               </a:rPr>
-              <a:t>stations.csv</a:t>
+              <a:t>stations.csv – 24 Messstationen</a:t>
             </a:r>
+            <a:endParaRPr b="0" lang="de-CH" sz="1600" spc="-1" strike="noStrike">
+              <a:latin typeface="Arial"/>
+            </a:endParaRPr>
+          </a:p>
+          <a:p>
+            <a:pPr>
+              <a:lnSpc>
+                <a:spcPct val="100000"/>
+              </a:lnSpc>
+            </a:pPr>
+            <a:endParaRPr b="0" lang="de-CH" sz="1600" spc="-1" strike="noStrike">
+              <a:latin typeface="Arial"/>
+            </a:endParaRPr>
+          </a:p>
+          <a:p>
+            <a:pPr>
+              <a:lnSpc>
+                <a:spcPct val="100000"/>
+              </a:lnSpc>
+            </a:pPr>
             <a:r>
-              <a:rPr lang="de-CH" sz="1600" b="0" strike="noStrike" spc="-1" dirty="0">
+              <a:rPr b="0" lang="de-CH" sz="1600" spc="-1" strike="noStrike">
+                <a:solidFill>
+                  <a:srgbClr val="000000"/>
+                </a:solidFill>
                 <a:latin typeface="Arial"/>
-              </a:rPr>
-              <a:t> – 24 Messstationen</a:t>
-            </a:r>
-          </a:p>
-          <a:p>
-            <a:endParaRPr lang="de-CH" sz="1600" b="0" strike="noStrike" spc="-1" dirty="0">
-              <a:latin typeface="Arial"/>
-            </a:endParaRPr>
-          </a:p>
-          <a:p>
-            <a:r>
-              <a:rPr lang="de-CH" sz="1600" b="0" strike="noStrike" spc="-1" dirty="0">
-                <a:latin typeface="Arial"/>
+                <a:ea typeface="DejaVu Sans"/>
               </a:rPr>
               <a:t>madrid_2001.csv</a:t>
             </a:r>
-          </a:p>
-          <a:p>
+            <a:endParaRPr b="0" lang="de-CH" sz="1600" spc="-1" strike="noStrike">
+              <a:latin typeface="Arial"/>
+            </a:endParaRPr>
+          </a:p>
+          <a:p>
+            <a:pPr>
+              <a:lnSpc>
+                <a:spcPct val="100000"/>
+              </a:lnSpc>
+            </a:pPr>
             <a:r>
-              <a:rPr lang="de-CH" sz="1600" b="0" strike="noStrike" spc="-1" dirty="0">
+              <a:rPr b="0" lang="de-CH" sz="1600" spc="-1" strike="noStrike">
+                <a:solidFill>
+                  <a:srgbClr val="000000"/>
+                </a:solidFill>
                 <a:latin typeface="Arial"/>
+                <a:ea typeface="DejaVu Sans"/>
               </a:rPr>
-              <a:t>	...</a:t>
+              <a:t>	</a:t>
             </a:r>
-          </a:p>
-          <a:p>
             <a:r>
-              <a:rPr lang="de-CH" sz="1600" b="0" strike="noStrike" spc="-1" dirty="0">
+              <a:rPr b="0" lang="de-CH" sz="1600" spc="-1" strike="noStrike">
+                <a:solidFill>
+                  <a:srgbClr val="000000"/>
+                </a:solidFill>
                 <a:latin typeface="Arial"/>
+                <a:ea typeface="DejaVu Sans"/>
+              </a:rPr>
+              <a:t>...</a:t>
+            </a:r>
+            <a:endParaRPr b="0" lang="de-CH" sz="1600" spc="-1" strike="noStrike">
+              <a:latin typeface="Arial"/>
+            </a:endParaRPr>
+          </a:p>
+          <a:p>
+            <a:pPr>
+              <a:lnSpc>
+                <a:spcPct val="100000"/>
+              </a:lnSpc>
+            </a:pPr>
+            <a:r>
+              <a:rPr b="0" lang="de-CH" sz="1600" spc="-1" strike="noStrike">
+                <a:solidFill>
+                  <a:srgbClr val="000000"/>
+                </a:solidFill>
+                <a:latin typeface="Arial"/>
+                <a:ea typeface="DejaVu Sans"/>
               </a:rPr>
               <a:t>madrid_2018.csv</a:t>
             </a:r>
-          </a:p>
-          <a:p>
-            <a:endParaRPr lang="de-CH" sz="1600" b="0" strike="noStrike" spc="-1" dirty="0">
-              <a:latin typeface="Arial"/>
-            </a:endParaRPr>
-          </a:p>
-          <a:p>
+            <a:endParaRPr b="0" lang="de-CH" sz="1600" spc="-1" strike="noStrike">
+              <a:latin typeface="Arial"/>
+            </a:endParaRPr>
+          </a:p>
+          <a:p>
+            <a:pPr>
+              <a:lnSpc>
+                <a:spcPct val="100000"/>
+              </a:lnSpc>
+            </a:pPr>
+            <a:endParaRPr b="0" lang="de-CH" sz="1600" spc="-1" strike="noStrike">
+              <a:latin typeface="Arial"/>
+            </a:endParaRPr>
+          </a:p>
+          <a:p>
+            <a:pPr>
+              <a:lnSpc>
+                <a:spcPct val="100000"/>
+              </a:lnSpc>
+            </a:pPr>
             <a:r>
-              <a:rPr lang="de-CH" sz="1600" b="0" strike="noStrike" spc="-1" dirty="0">
+              <a:rPr b="0" lang="de-CH" sz="1600" spc="-1" strike="noStrike">
+                <a:solidFill>
+                  <a:srgbClr val="000000"/>
+                </a:solidFill>
                 <a:latin typeface="Arial"/>
+                <a:ea typeface="DejaVu Sans"/>
               </a:rPr>
-              <a:t>				</a:t>
+              <a:t>	</a:t>
             </a:r>
             <a:r>
-              <a:rPr lang="de-CH" sz="1600" b="0" strike="noStrike" spc="-1" dirty="0" smtClean="0">
+              <a:rPr b="0" lang="de-CH" sz="1600" spc="-1" strike="noStrike">
+                <a:solidFill>
+                  <a:srgbClr val="000000"/>
+                </a:solidFill>
                 <a:latin typeface="Arial"/>
+                <a:ea typeface="DejaVu Sans"/>
               </a:rPr>
-              <a:t>	→ </a:t>
+              <a:t>	</a:t>
             </a:r>
             <a:r>
-              <a:rPr lang="de-CH" sz="1600" b="0" strike="noStrike" spc="-1" dirty="0">
+              <a:rPr b="0" lang="de-CH" sz="1600" spc="-1" strike="noStrike">
+                <a:solidFill>
+                  <a:srgbClr val="000000"/>
+                </a:solidFill>
                 <a:latin typeface="Arial"/>
+                <a:ea typeface="DejaVu Sans"/>
+              </a:rPr>
+              <a:t>	</a:t>
+            </a:r>
+            <a:r>
+              <a:rPr b="0" lang="de-CH" sz="1600" spc="-1" strike="noStrike">
+                <a:solidFill>
+                  <a:srgbClr val="000000"/>
+                </a:solidFill>
+                <a:latin typeface="Arial"/>
+                <a:ea typeface="DejaVu Sans"/>
+              </a:rPr>
+              <a:t>	</a:t>
+            </a:r>
+            <a:r>
+              <a:rPr b="0" lang="de-CH" sz="1600" spc="-1" strike="noStrike">
+                <a:solidFill>
+                  <a:srgbClr val="000000"/>
+                </a:solidFill>
+                <a:latin typeface="Arial"/>
+                <a:ea typeface="DejaVu Sans"/>
+              </a:rPr>
+              <a:t>	</a:t>
+            </a:r>
+            <a:r>
+              <a:rPr b="0" lang="de-CH" sz="1600" spc="-1" strike="noStrike">
+                <a:solidFill>
+                  <a:srgbClr val="000000"/>
+                </a:solidFill>
+                <a:latin typeface="Arial"/>
+                <a:ea typeface="DejaVu Sans"/>
+              </a:rPr>
+              <a:t>→ </a:t>
+            </a:r>
+            <a:r>
+              <a:rPr b="0" lang="de-CH" sz="1600" spc="-1" strike="noStrike">
+                <a:solidFill>
+                  <a:srgbClr val="000000"/>
+                </a:solidFill>
+                <a:latin typeface="Arial"/>
+                <a:ea typeface="DejaVu Sans"/>
               </a:rPr>
               <a:t>500 MB</a:t>
             </a:r>
-          </a:p>
-          <a:p>
-            <a:endParaRPr lang="de-CH" sz="1600" b="0" strike="noStrike" spc="-1" dirty="0">
-              <a:latin typeface="Arial"/>
-            </a:endParaRPr>
-          </a:p>
-          <a:p>
+            <a:endParaRPr b="0" lang="de-CH" sz="1600" spc="-1" strike="noStrike">
+              <a:latin typeface="Arial"/>
+            </a:endParaRPr>
+          </a:p>
+          <a:p>
+            <a:pPr>
+              <a:lnSpc>
+                <a:spcPct val="100000"/>
+              </a:lnSpc>
+            </a:pPr>
+            <a:endParaRPr b="0" lang="de-CH" sz="1600" spc="-1" strike="noStrike">
+              <a:latin typeface="Arial"/>
+            </a:endParaRPr>
+          </a:p>
+          <a:p>
+            <a:pPr>
+              <a:lnSpc>
+                <a:spcPct val="100000"/>
+              </a:lnSpc>
+            </a:pPr>
             <a:r>
-              <a:rPr lang="de-CH" sz="1600" b="0" strike="noStrike" spc="-1" dirty="0">
+              <a:rPr b="0" lang="de-CH" sz="1600" spc="-1" strike="noStrike">
+                <a:solidFill>
+                  <a:srgbClr val="000000"/>
+                </a:solidFill>
                 <a:latin typeface="Arial"/>
+                <a:ea typeface="DejaVu Sans"/>
               </a:rPr>
               <a:t>weather_madrid_LEMD_1997_2015.csv</a:t>
             </a:r>
-          </a:p>
-          <a:p>
-            <a:endParaRPr lang="de-CH" sz="1600" b="0" strike="noStrike" spc="-1" dirty="0">
-              <a:latin typeface="Arial"/>
-            </a:endParaRPr>
-          </a:p>
-          <a:p>
+            <a:endParaRPr b="0" lang="de-CH" sz="1600" spc="-1" strike="noStrike">
+              <a:latin typeface="Arial"/>
+            </a:endParaRPr>
+          </a:p>
+          <a:p>
+            <a:pPr>
+              <a:lnSpc>
+                <a:spcPct val="100000"/>
+              </a:lnSpc>
+            </a:pPr>
+            <a:endParaRPr b="0" lang="de-CH" sz="1600" spc="-1" strike="noStrike">
+              <a:latin typeface="Arial"/>
+            </a:endParaRPr>
+          </a:p>
+          <a:p>
+            <a:pPr>
+              <a:lnSpc>
+                <a:spcPct val="100000"/>
+              </a:lnSpc>
+            </a:pPr>
             <a:r>
-              <a:rPr lang="de-CH" sz="1600" b="0" strike="noStrike" spc="-1" dirty="0">
+              <a:rPr b="0" lang="de-CH" sz="1600" spc="-1" strike="noStrike">
+                <a:solidFill>
+                  <a:srgbClr val="000000"/>
+                </a:solidFill>
                 <a:latin typeface="Arial"/>
+                <a:ea typeface="DejaVu Sans"/>
               </a:rPr>
-              <a:t>					→ 0.5 MB</a:t>
+              <a:t>	</a:t>
             </a:r>
+            <a:r>
+              <a:rPr b="0" lang="de-CH" sz="1600" spc="-1" strike="noStrike">
+                <a:solidFill>
+                  <a:srgbClr val="000000"/>
+                </a:solidFill>
+                <a:latin typeface="Arial"/>
+                <a:ea typeface="DejaVu Sans"/>
+              </a:rPr>
+              <a:t>	</a:t>
+            </a:r>
+            <a:r>
+              <a:rPr b="0" lang="de-CH" sz="1600" spc="-1" strike="noStrike">
+                <a:solidFill>
+                  <a:srgbClr val="000000"/>
+                </a:solidFill>
+                <a:latin typeface="Arial"/>
+                <a:ea typeface="DejaVu Sans"/>
+              </a:rPr>
+              <a:t>	</a:t>
+            </a:r>
+            <a:r>
+              <a:rPr b="0" lang="de-CH" sz="1600" spc="-1" strike="noStrike">
+                <a:solidFill>
+                  <a:srgbClr val="000000"/>
+                </a:solidFill>
+                <a:latin typeface="Arial"/>
+                <a:ea typeface="DejaVu Sans"/>
+              </a:rPr>
+              <a:t>	</a:t>
+            </a:r>
+            <a:r>
+              <a:rPr b="0" lang="de-CH" sz="1600" spc="-1" strike="noStrike">
+                <a:solidFill>
+                  <a:srgbClr val="000000"/>
+                </a:solidFill>
+                <a:latin typeface="Arial"/>
+                <a:ea typeface="DejaVu Sans"/>
+              </a:rPr>
+              <a:t>	</a:t>
+            </a:r>
+            <a:r>
+              <a:rPr b="0" lang="de-CH" sz="1600" spc="-1" strike="noStrike">
+                <a:solidFill>
+                  <a:srgbClr val="000000"/>
+                </a:solidFill>
+                <a:latin typeface="Arial"/>
+                <a:ea typeface="DejaVu Sans"/>
+              </a:rPr>
+              <a:t>→ </a:t>
+            </a:r>
+            <a:r>
+              <a:rPr b="0" lang="de-CH" sz="1600" spc="-1" strike="noStrike">
+                <a:solidFill>
+                  <a:srgbClr val="000000"/>
+                </a:solidFill>
+                <a:latin typeface="Arial"/>
+                <a:ea typeface="DejaVu Sans"/>
+              </a:rPr>
+              <a:t>0.5 MB</a:t>
+            </a:r>
+            <a:endParaRPr b="0" lang="de-CH" sz="1600" spc="-1" strike="noStrike">
+              <a:latin typeface="Arial"/>
+            </a:endParaRPr>
           </a:p>
         </p:txBody>
       </p:sp>
       <p:pic>
         <p:nvPicPr>
-          <p:cNvPr id="43" name="Picture 42"/>
+          <p:cNvPr id="78" name="Picture 42" descr=""/>
+          <p:cNvPicPr/>
+          <p:nvPr/>
+        </p:nvPicPr>
+        <p:blipFill>
+          <a:blip r:embed="rId1"/>
+          <a:srcRect l="25578" t="26208" r="10855" b="48039"/>
+          <a:stretch/>
+        </p:blipFill>
+        <p:spPr>
+          <a:xfrm>
+            <a:off x="144000" y="1872000"/>
+            <a:ext cx="6155280" cy="1313640"/>
+          </a:xfrm>
+          <a:prstGeom prst="rect">
+            <a:avLst/>
+          </a:prstGeom>
+          <a:ln>
+            <a:noFill/>
+          </a:ln>
+        </p:spPr>
+      </p:pic>
+      <p:pic>
+        <p:nvPicPr>
+          <p:cNvPr id="79" name="Picture 43" descr=""/>
           <p:cNvPicPr/>
           <p:nvPr/>
         </p:nvPicPr>
         <p:blipFill>
           <a:blip r:embed="rId2"/>
-          <a:srcRect l="25573" t="26203" r="10853" b="48034"/>
+          <a:srcRect l="25578" t="26208" r="11568" b="48039"/>
           <a:stretch/>
         </p:blipFill>
         <p:spPr>
           <a:xfrm>
-            <a:off x="144000" y="1872000"/>
-            <a:ext cx="6155640" cy="1314000"/>
+            <a:off x="144000" y="3726720"/>
+            <a:ext cx="6083640" cy="1312920"/>
           </a:xfrm>
           <a:prstGeom prst="rect">
             <a:avLst/>
@@ -2056,40 +3926,16 @@
           </a:ln>
         </p:spPr>
       </p:pic>
-      <p:pic>
-        <p:nvPicPr>
-          <p:cNvPr id="44" name="Picture 43"/>
-          <p:cNvPicPr/>
+      <p:sp>
+        <p:nvSpPr>
+          <p:cNvPr id="80" name="CustomShape 3"/>
+          <p:cNvSpPr/>
           <p:nvPr/>
-        </p:nvPicPr>
-        <p:blipFill>
-          <a:blip r:embed="rId3"/>
-          <a:srcRect l="25573" t="26203" r="11565" b="48034"/>
-          <a:stretch/>
-        </p:blipFill>
-        <p:spPr>
-          <a:xfrm>
-            <a:off x="144000" y="3726720"/>
-            <a:ext cx="6084000" cy="1313280"/>
-          </a:xfrm>
-          <a:prstGeom prst="rect">
-            <a:avLst/>
-          </a:prstGeom>
-          <a:ln>
-            <a:noFill/>
-          </a:ln>
-        </p:spPr>
-      </p:pic>
-      <p:sp>
-        <p:nvSpPr>
-          <p:cNvPr id="45" name="TextShape 3"/>
-          <p:cNvSpPr txBox="1"/>
-          <p:nvPr/>
         </p:nvSpPr>
         <p:spPr>
           <a:xfrm>
             <a:off x="1008000" y="1172520"/>
-            <a:ext cx="8136000" cy="346320"/>
+            <a:ext cx="8135640" cy="345960"/>
           </a:xfrm>
           <a:prstGeom prst="rect">
             <a:avLst/>
@@ -2099,18 +3945,31 @@
             <a:noFill/>
           </a:ln>
         </p:spPr>
-        <p:txBody>
-          <a:bodyPr lIns="90000" tIns="45000" rIns="90000" bIns="45000"/>
-          <a:lstStyle/>
-          <a:p>
+        <p:style>
+          <a:lnRef idx="0"/>
+          <a:fillRef idx="0"/>
+          <a:effectRef idx="0"/>
+          <a:fontRef idx="minor"/>
+        </p:style>
+        <p:txBody>
+          <a:bodyPr lIns="90000" rIns="90000" tIns="45000" bIns="45000"/>
+          <a:p>
+            <a:pPr>
+              <a:lnSpc>
+                <a:spcPct val="100000"/>
+              </a:lnSpc>
+            </a:pPr>
             <a:r>
-              <a:rPr lang="de-CH" sz="1800" b="0" strike="noStrike" spc="-1">
+              <a:rPr b="0" lang="de-CH" sz="1800" spc="-1" strike="noStrike">
+                <a:solidFill>
+                  <a:srgbClr val="000000"/>
+                </a:solidFill>
                 <a:latin typeface="Arial"/>
                 <a:ea typeface="Microsoft YaHei"/>
               </a:rPr>
               <a:t>Andreas Fischer, Bernd Novotny, Tobias Schieferdecker                 10.01.2019 </a:t>
             </a:r>
-            <a:endParaRPr lang="de-CH" sz="1800" b="0" strike="noStrike" spc="-1">
+            <a:endParaRPr b="0" lang="de-CH" sz="1800" spc="-1" strike="noStrike">
               <a:latin typeface="Arial"/>
             </a:endParaRPr>
           </a:p>
@@ -2118,22 +3977,46 @@
       </p:sp>
     </p:spTree>
   </p:cSld>
-  <p:clrMapOvr>
-    <a:masterClrMapping/>
-  </p:clrMapOvr>
-  <mc:AlternateContent xmlns:mc="http://schemas.openxmlformats.org/markup-compatibility/2006" xmlns:p14="http://schemas.microsoft.com/office/powerpoint/2010/main">
+  <mc:AlternateContent>
     <mc:Choice Requires="p14">
       <p:transition spd="slow" p14:dur="2000"/>
     </mc:Choice>
-    <mc:Fallback xmlns:p15="http://schemas.microsoft.com/office/powerpoint/2012/main" xmlns="">
+    <mc:Fallback>
       <p:transition spd="slow"/>
     </mc:Fallback>
   </mc:AlternateContent>
+  <p:timing>
+    <p:tnLst>
+      <p:par>
+        <p:cTn id="1" dur="indefinite" restart="never" nodeType="tmRoot">
+          <p:childTnLst>
+            <p:seq>
+              <p:cTn id="2" dur="indefinite" nodeType="mainSeq"/>
+              <p:prevCondLst>
+                <p:cond delay="0" evt="onPrev">
+                  <p:tgtEl>
+                    <p:sldTgt/>
+                  </p:tgtEl>
+                </p:cond>
+              </p:prevCondLst>
+              <p:nextCondLst>
+                <p:cond delay="0" evt="onNext">
+                  <p:tgtEl>
+                    <p:sldTgt/>
+                  </p:tgtEl>
+                </p:cond>
+              </p:nextCondLst>
+            </p:seq>
+          </p:childTnLst>
+        </p:cTn>
+      </p:par>
+    </p:tnLst>
+  </p:timing>
 </p:sld>
 </file>
 
 <file path=ppt/slides/slide2.xml><?xml version="1.0" encoding="utf-8"?>
-<p:sld xmlns:a="http://schemas.openxmlformats.org/drawingml/2006/main" xmlns:r="http://schemas.openxmlformats.org/officeDocument/2006/relationships" xmlns:p="http://schemas.openxmlformats.org/presentationml/2006/main">
+<p:sld xmlns:a="http://schemas.openxmlformats.org/drawingml/2006/main" xmlns:p="http://schemas.openxmlformats.org/presentationml/2006/main" xmlns:r="http://schemas.openxmlformats.org/officeDocument/2006/relationships" xmlns:p14="http://schemas.microsoft.com/office/powerpoint/2010/main" xmlns:p15="http://schemas.microsoft.com/office/powerpoint/2012/main" xmlns:mc="http://schemas.openxmlformats.org/markup-compatibility/2006">
   <p:cSld>
     <p:spTree>
       <p:nvGrpSpPr>
@@ -2151,14 +4034,14 @@
       </p:grpSpPr>
       <p:sp>
         <p:nvSpPr>
-          <p:cNvPr id="46" name="TextShape 1"/>
-          <p:cNvSpPr txBox="1"/>
+          <p:cNvPr id="81" name="CustomShape 1"/>
+          <p:cNvSpPr/>
           <p:nvPr/>
         </p:nvSpPr>
         <p:spPr>
           <a:xfrm>
             <a:off x="504000" y="226080"/>
-            <a:ext cx="9071640" cy="946440"/>
+            <a:ext cx="9071280" cy="946080"/>
           </a:xfrm>
           <a:prstGeom prst="rect">
             <a:avLst/>
@@ -2168,27 +4051,23 @@
             <a:noFill/>
           </a:ln>
         </p:spPr>
-        <p:txBody>
-          <a:bodyPr lIns="0" tIns="0" rIns="0" bIns="0" anchor="ctr"/>
-          <a:lstStyle/>
-          <a:p>
-            <a:pPr algn="ctr"/>
-            <a:endParaRPr lang="de-CH" sz="4400" b="0" strike="noStrike" spc="-1">
-              <a:latin typeface="Arial"/>
-            </a:endParaRPr>
-          </a:p>
-        </p:txBody>
-      </p:sp>
-      <p:sp>
-        <p:nvSpPr>
-          <p:cNvPr id="47" name="TextShape 2"/>
-          <p:cNvSpPr txBox="1"/>
+        <p:style>
+          <a:lnRef idx="0"/>
+          <a:fillRef idx="0"/>
+          <a:effectRef idx="0"/>
+          <a:fontRef idx="minor"/>
+        </p:style>
+      </p:sp>
+      <p:sp>
+        <p:nvSpPr>
+          <p:cNvPr id="82" name="CustomShape 2"/>
+          <p:cNvSpPr/>
           <p:nvPr/>
         </p:nvSpPr>
         <p:spPr>
           <a:xfrm>
-            <a:off x="504000" y="1326600"/>
-            <a:ext cx="9071640" cy="3288240"/>
+            <a:off x="504000" y="1398600"/>
+            <a:ext cx="9071280" cy="3287880"/>
           </a:xfrm>
           <a:prstGeom prst="rect">
             <a:avLst/>
@@ -2198,13 +4077,276 @@
             <a:noFill/>
           </a:ln>
         </p:spPr>
-        <p:txBody>
-          <a:bodyPr lIns="0" tIns="0" rIns="0" bIns="0">
-            <a:normAutofit/>
-          </a:bodyPr>
-          <a:lstStyle/>
-          <a:p>
-            <a:endParaRPr lang="de-CH" sz="3200" b="0" strike="noStrike" spc="-1">
+        <p:style>
+          <a:lnRef idx="0"/>
+          <a:fillRef idx="0"/>
+          <a:effectRef idx="0"/>
+          <a:fontRef idx="minor"/>
+        </p:style>
+      </p:sp>
+      <p:sp>
+        <p:nvSpPr>
+          <p:cNvPr id="83" name="TextShape 3"/>
+          <p:cNvSpPr txBox="1"/>
+          <p:nvPr/>
+        </p:nvSpPr>
+        <p:spPr>
+          <a:xfrm>
+            <a:off x="453960" y="226080"/>
+            <a:ext cx="6261480" cy="346320"/>
+          </a:xfrm>
+          <a:prstGeom prst="rect">
+            <a:avLst/>
+          </a:prstGeom>
+          <a:noFill/>
+          <a:ln>
+            <a:noFill/>
+          </a:ln>
+        </p:spPr>
+        <p:txBody>
+          <a:bodyPr lIns="90000" rIns="90000" tIns="45000" bIns="45000"/>
+          <a:p>
+            <a:r>
+              <a:rPr b="0" lang="de-CH" sz="1800" spc="-1" strike="noStrike">
+                <a:latin typeface="Arial"/>
+              </a:rPr>
+              <a:t>Luftqualität Kohlenstoffmonoxid / Stickstoffdioxid / Feinstaub</a:t>
+            </a:r>
+            <a:endParaRPr b="0" lang="de-CH" sz="1800" spc="-1" strike="noStrike">
+              <a:latin typeface="Arial"/>
+            </a:endParaRPr>
+          </a:p>
+        </p:txBody>
+      </p:sp>
+      <p:pic>
+        <p:nvPicPr>
+          <p:cNvPr id="84" name="" descr=""/>
+          <p:cNvPicPr/>
+          <p:nvPr/>
+        </p:nvPicPr>
+        <p:blipFill>
+          <a:blip r:embed="rId1"/>
+          <a:stretch/>
+        </p:blipFill>
+        <p:spPr>
+          <a:xfrm>
+            <a:off x="288000" y="972000"/>
+            <a:ext cx="3650400" cy="2098800"/>
+          </a:xfrm>
+          <a:prstGeom prst="rect">
+            <a:avLst/>
+          </a:prstGeom>
+          <a:ln>
+            <a:noFill/>
+          </a:ln>
+        </p:spPr>
+      </p:pic>
+      <p:pic>
+        <p:nvPicPr>
+          <p:cNvPr id="85" name="" descr=""/>
+          <p:cNvPicPr/>
+          <p:nvPr/>
+        </p:nvPicPr>
+        <p:blipFill>
+          <a:blip r:embed="rId2"/>
+          <a:stretch/>
+        </p:blipFill>
+        <p:spPr>
+          <a:xfrm>
+            <a:off x="288000" y="2973960"/>
+            <a:ext cx="3722400" cy="2210040"/>
+          </a:xfrm>
+          <a:prstGeom prst="rect">
+            <a:avLst/>
+          </a:prstGeom>
+          <a:ln>
+            <a:noFill/>
+          </a:ln>
+        </p:spPr>
+      </p:pic>
+      <p:pic>
+        <p:nvPicPr>
+          <p:cNvPr id="86" name="" descr=""/>
+          <p:cNvPicPr/>
+          <p:nvPr/>
+        </p:nvPicPr>
+        <p:blipFill>
+          <a:blip r:embed="rId3"/>
+          <a:stretch/>
+        </p:blipFill>
+        <p:spPr>
+          <a:xfrm>
+            <a:off x="3240000" y="936000"/>
+            <a:ext cx="3585960" cy="2088000"/>
+          </a:xfrm>
+          <a:prstGeom prst="rect">
+            <a:avLst/>
+          </a:prstGeom>
+          <a:ln>
+            <a:noFill/>
+          </a:ln>
+        </p:spPr>
+      </p:pic>
+      <p:pic>
+        <p:nvPicPr>
+          <p:cNvPr id="87" name="" descr=""/>
+          <p:cNvPicPr/>
+          <p:nvPr/>
+        </p:nvPicPr>
+        <p:blipFill>
+          <a:blip r:embed="rId4"/>
+          <a:stretch/>
+        </p:blipFill>
+        <p:spPr>
+          <a:xfrm>
+            <a:off x="3312000" y="3024000"/>
+            <a:ext cx="3612240" cy="2088000"/>
+          </a:xfrm>
+          <a:prstGeom prst="rect">
+            <a:avLst/>
+          </a:prstGeom>
+          <a:ln>
+            <a:noFill/>
+          </a:ln>
+        </p:spPr>
+      </p:pic>
+      <p:pic>
+        <p:nvPicPr>
+          <p:cNvPr id="88" name="" descr=""/>
+          <p:cNvPicPr/>
+          <p:nvPr/>
+        </p:nvPicPr>
+        <p:blipFill>
+          <a:blip r:embed="rId5"/>
+          <a:stretch/>
+        </p:blipFill>
+        <p:spPr>
+          <a:xfrm>
+            <a:off x="6264000" y="864000"/>
+            <a:ext cx="3528000" cy="2113200"/>
+          </a:xfrm>
+          <a:prstGeom prst="rect">
+            <a:avLst/>
+          </a:prstGeom>
+          <a:ln>
+            <a:noFill/>
+          </a:ln>
+        </p:spPr>
+      </p:pic>
+      <p:pic>
+        <p:nvPicPr>
+          <p:cNvPr id="89" name="" descr=""/>
+          <p:cNvPicPr/>
+          <p:nvPr/>
+        </p:nvPicPr>
+        <p:blipFill>
+          <a:blip r:embed="rId6"/>
+          <a:stretch/>
+        </p:blipFill>
+        <p:spPr>
+          <a:xfrm>
+            <a:off x="6264000" y="2995200"/>
+            <a:ext cx="3660840" cy="2188800"/>
+          </a:xfrm>
+          <a:prstGeom prst="rect">
+            <a:avLst/>
+          </a:prstGeom>
+          <a:ln>
+            <a:noFill/>
+          </a:ln>
+        </p:spPr>
+      </p:pic>
+      <p:sp>
+        <p:nvSpPr>
+          <p:cNvPr id="90" name="TextShape 4"/>
+          <p:cNvSpPr txBox="1"/>
+          <p:nvPr/>
+        </p:nvSpPr>
+        <p:spPr>
+          <a:xfrm>
+            <a:off x="9216000" y="576000"/>
+            <a:ext cx="891000" cy="2905920"/>
+          </a:xfrm>
+          <a:prstGeom prst="rect">
+            <a:avLst/>
+          </a:prstGeom>
+          <a:noFill/>
+          <a:ln>
+            <a:noFill/>
+          </a:ln>
+        </p:spPr>
+        <p:txBody>
+          <a:bodyPr lIns="90000" rIns="90000" tIns="45000" bIns="45000"/>
+          <a:p>
+            <a:r>
+              <a:rPr b="0" lang="de-CH" sz="1800" spc="-1" strike="noStrike">
+                <a:latin typeface="Arial"/>
+              </a:rPr>
+              <a:t>Station</a:t>
+            </a:r>
+            <a:endParaRPr b="0" lang="de-CH" sz="1800" spc="-1" strike="noStrike">
+              <a:latin typeface="Arial"/>
+            </a:endParaRPr>
+          </a:p>
+          <a:p>
+            <a:endParaRPr b="0" lang="de-CH" sz="1800" spc="-1" strike="noStrike">
+              <a:latin typeface="Arial"/>
+            </a:endParaRPr>
+          </a:p>
+          <a:p>
+            <a:r>
+              <a:rPr b="0" lang="de-CH" sz="1800" spc="-1" strike="noStrike">
+                <a:latin typeface="Arial"/>
+              </a:rPr>
+              <a:t>07</a:t>
+            </a:r>
+            <a:endParaRPr b="0" lang="de-CH" sz="1800" spc="-1" strike="noStrike">
+              <a:latin typeface="Arial"/>
+            </a:endParaRPr>
+          </a:p>
+          <a:p>
+            <a:endParaRPr b="0" lang="de-CH" sz="1800" spc="-1" strike="noStrike">
+              <a:latin typeface="Arial"/>
+            </a:endParaRPr>
+          </a:p>
+          <a:p>
+            <a:endParaRPr b="0" lang="de-CH" sz="1800" spc="-1" strike="noStrike">
+              <a:latin typeface="Arial"/>
+            </a:endParaRPr>
+          </a:p>
+          <a:p>
+            <a:endParaRPr b="0" lang="de-CH" sz="1800" spc="-1" strike="noStrike">
+              <a:latin typeface="Arial"/>
+            </a:endParaRPr>
+          </a:p>
+          <a:p>
+            <a:endParaRPr b="0" lang="de-CH" sz="1800" spc="-1" strike="noStrike">
+              <a:latin typeface="Arial"/>
+            </a:endParaRPr>
+          </a:p>
+          <a:p>
+            <a:endParaRPr b="0" lang="de-CH" sz="1800" spc="-1" strike="noStrike">
+              <a:latin typeface="Arial"/>
+            </a:endParaRPr>
+          </a:p>
+          <a:p>
+            <a:endParaRPr b="0" lang="de-CH" sz="1800" spc="-1" strike="noStrike">
+              <a:latin typeface="Arial"/>
+            </a:endParaRPr>
+          </a:p>
+          <a:p>
+            <a:endParaRPr b="0" lang="de-CH" sz="1800" spc="-1" strike="noStrike">
+              <a:latin typeface="Arial"/>
+            </a:endParaRPr>
+          </a:p>
+          <a:p>
+            <a:r>
+              <a:rPr b="0" lang="de-CH" sz="1800" spc="-1" strike="noStrike">
+                <a:latin typeface="Arial"/>
+              </a:rPr>
+              <a:t>36</a:t>
+            </a:r>
+            <a:endParaRPr b="0" lang="de-CH" sz="1800" spc="-1" strike="noStrike">
               <a:latin typeface="Arial"/>
             </a:endParaRPr>
           </a:p>
@@ -2212,17 +4354,185 @@
       </p:sp>
     </p:spTree>
   </p:cSld>
-  <p:clrMapOvr>
-    <a:masterClrMapping/>
-  </p:clrMapOvr>
-  <mc:AlternateContent xmlns:mc="http://schemas.openxmlformats.org/markup-compatibility/2006" xmlns:p14="http://schemas.microsoft.com/office/powerpoint/2010/main">
+  <mc:AlternateContent>
     <mc:Choice Requires="p14">
       <p:transition spd="slow" p14:dur="2000"/>
     </mc:Choice>
-    <mc:Fallback xmlns:p15="http://schemas.microsoft.com/office/powerpoint/2012/main" xmlns="">
+    <mc:Fallback>
       <p:transition spd="slow"/>
     </mc:Fallback>
   </mc:AlternateContent>
+  <p:timing>
+    <p:tnLst>
+      <p:par>
+        <p:cTn id="3" dur="indefinite" restart="never" nodeType="tmRoot">
+          <p:childTnLst>
+            <p:seq>
+              <p:cTn id="4" dur="indefinite" nodeType="mainSeq"/>
+              <p:prevCondLst>
+                <p:cond delay="0" evt="onPrev">
+                  <p:tgtEl>
+                    <p:sldTgt/>
+                  </p:tgtEl>
+                </p:cond>
+              </p:prevCondLst>
+              <p:nextCondLst>
+                <p:cond delay="0" evt="onNext">
+                  <p:tgtEl>
+                    <p:sldTgt/>
+                  </p:tgtEl>
+                </p:cond>
+              </p:nextCondLst>
+            </p:seq>
+          </p:childTnLst>
+        </p:cTn>
+      </p:par>
+    </p:tnLst>
+  </p:timing>
+</p:sld>
+</file>
+
+<file path=ppt/slides/slide3.xml><?xml version="1.0" encoding="utf-8"?>
+<p:sld xmlns:a="http://schemas.openxmlformats.org/drawingml/2006/main" xmlns:p="http://schemas.openxmlformats.org/presentationml/2006/main" xmlns:r="http://schemas.openxmlformats.org/officeDocument/2006/relationships" xmlns:p14="http://schemas.microsoft.com/office/powerpoint/2010/main" xmlns:p15="http://schemas.microsoft.com/office/powerpoint/2012/main" xmlns:mc="http://schemas.openxmlformats.org/markup-compatibility/2006">
+  <p:cSld>
+    <p:spTree>
+      <p:nvGrpSpPr>
+        <p:cNvPr id="1" name=""/>
+        <p:cNvGrpSpPr/>
+        <p:nvPr/>
+      </p:nvGrpSpPr>
+      <p:grpSpPr>
+        <a:xfrm>
+          <a:off x="0" y="0"/>
+          <a:ext cx="0" cy="0"/>
+          <a:chOff x="0" y="0"/>
+          <a:chExt cx="0" cy="0"/>
+        </a:xfrm>
+      </p:grpSpPr>
+      <p:sp>
+        <p:nvSpPr>
+          <p:cNvPr id="91" name="TextShape 1"/>
+          <p:cNvSpPr txBox="1"/>
+          <p:nvPr/>
+        </p:nvSpPr>
+        <p:spPr>
+          <a:xfrm>
+            <a:off x="504000" y="226080"/>
+            <a:ext cx="9071280" cy="946080"/>
+          </a:xfrm>
+          <a:prstGeom prst="rect">
+            <a:avLst/>
+          </a:prstGeom>
+          <a:noFill/>
+          <a:ln>
+            <a:noFill/>
+          </a:ln>
+        </p:spPr>
+        <p:txBody>
+          <a:bodyPr lIns="0" rIns="0" tIns="0" bIns="0" anchor="ctr"/>
+          <a:p>
+            <a:r>
+              <a:rPr b="0" lang="en-US" sz="1800" spc="-1" strike="noStrike">
+                <a:solidFill>
+                  <a:srgbClr val="000000"/>
+                </a:solidFill>
+                <a:latin typeface="Arial"/>
+              </a:rPr>
+              <a:t>Kohlenstoffmonoxid und Feinstaub aller Stationen</a:t>
+            </a:r>
+            <a:endParaRPr b="0" lang="en-US" sz="1800" spc="-1" strike="noStrike">
+              <a:solidFill>
+                <a:srgbClr val="000000"/>
+              </a:solidFill>
+              <a:latin typeface="Arial"/>
+            </a:endParaRPr>
+          </a:p>
+        </p:txBody>
+      </p:sp>
+      <p:pic>
+        <p:nvPicPr>
+          <p:cNvPr id="92" name="" descr=""/>
+          <p:cNvPicPr/>
+          <p:nvPr/>
+        </p:nvPicPr>
+        <p:blipFill>
+          <a:blip r:embed="rId1"/>
+          <a:stretch/>
+        </p:blipFill>
+        <p:spPr>
+          <a:xfrm>
+            <a:off x="165600" y="1172160"/>
+            <a:ext cx="6386400" cy="3605400"/>
+          </a:xfrm>
+          <a:prstGeom prst="rect">
+            <a:avLst/>
+          </a:prstGeom>
+          <a:ln>
+            <a:noFill/>
+          </a:ln>
+        </p:spPr>
+      </p:pic>
+      <p:pic>
+        <p:nvPicPr>
+          <p:cNvPr id="93" name="" descr=""/>
+          <p:cNvPicPr/>
+          <p:nvPr/>
+        </p:nvPicPr>
+        <p:blipFill>
+          <a:blip r:embed="rId2"/>
+          <a:srcRect l="0" t="0" r="18832" b="0"/>
+          <a:stretch/>
+        </p:blipFill>
+        <p:spPr>
+          <a:xfrm>
+            <a:off x="4941000" y="1224000"/>
+            <a:ext cx="5090760" cy="3528000"/>
+          </a:xfrm>
+          <a:prstGeom prst="rect">
+            <a:avLst/>
+          </a:prstGeom>
+          <a:ln>
+            <a:noFill/>
+          </a:ln>
+        </p:spPr>
+      </p:pic>
+    </p:spTree>
+  </p:cSld>
+  <mc:AlternateContent>
+    <mc:Choice Requires="p14">
+      <p:transition spd="slow" p14:dur="2000"/>
+    </mc:Choice>
+    <mc:Fallback>
+      <p:transition spd="slow"/>
+    </mc:Fallback>
+  </mc:AlternateContent>
+  <p:timing>
+    <p:tnLst>
+      <p:par>
+        <p:cTn id="5" dur="indefinite" restart="never" nodeType="tmRoot">
+          <p:childTnLst>
+            <p:seq>
+              <p:cTn id="6" dur="indefinite" nodeType="mainSeq"/>
+              <p:prevCondLst>
+                <p:cond delay="0" evt="onPrev">
+                  <p:tgtEl>
+                    <p:sldTgt/>
+                  </p:tgtEl>
+                </p:cond>
+              </p:prevCondLst>
+              <p:nextCondLst>
+                <p:cond delay="0" evt="onNext">
+                  <p:tgtEl>
+                    <p:sldTgt/>
+                  </p:tgtEl>
+                </p:cond>
+              </p:nextCondLst>
+            </p:seq>
+          </p:childTnLst>
+        </p:cTn>
+      </p:par>
+    </p:tnLst>
+  </p:timing>
 </p:sld>
 </file>
 
@@ -2237,31 +4547,31 @@
         <a:sysClr val="window" lastClr="FFFFFF"/>
       </a:lt1>
       <a:dk2>
-        <a:srgbClr val="1F497D"/>
+        <a:srgbClr val="1f497d"/>
       </a:dk2>
       <a:lt2>
-        <a:srgbClr val="EEECE1"/>
+        <a:srgbClr val="eeece1"/>
       </a:lt2>
       <a:accent1>
-        <a:srgbClr val="4F81BD"/>
+        <a:srgbClr val="4f81bd"/>
       </a:accent1>
       <a:accent2>
-        <a:srgbClr val="C0504D"/>
+        <a:srgbClr val="c0504d"/>
       </a:accent2>
       <a:accent3>
-        <a:srgbClr val="9BBB59"/>
+        <a:srgbClr val="9bbb59"/>
       </a:accent3>
       <a:accent4>
-        <a:srgbClr val="8064A2"/>
+        <a:srgbClr val="8064a2"/>
       </a:accent4>
       <a:accent5>
-        <a:srgbClr val="4BACC6"/>
+        <a:srgbClr val="4bacc6"/>
       </a:accent5>
       <a:accent6>
-        <a:srgbClr val="F79646"/>
+        <a:srgbClr val="f79646"/>
       </a:accent6>
       <a:hlink>
-        <a:srgbClr val="0000FF"/>
+        <a:srgbClr val="0000ff"/>
       </a:hlink>
       <a:folHlink>
         <a:srgbClr val="800080"/>
@@ -2446,7 +4756,228 @@
       </a:bgFillStyleLst>
     </a:fmtScheme>
   </a:themeElements>
-  <a:objectDefaults/>
-  <a:extraClrSchemeLst/>
+</a:theme>
+</file>
+
+<file path=ppt/theme/theme2.xml><?xml version="1.0" encoding="utf-8"?>
+<a:theme xmlns:a="http://schemas.openxmlformats.org/drawingml/2006/main" name="Office Theme">
+  <a:themeElements>
+    <a:clrScheme name="Office">
+      <a:dk1>
+        <a:sysClr val="windowText" lastClr="000000"/>
+      </a:dk1>
+      <a:lt1>
+        <a:sysClr val="window" lastClr="FFFFFF"/>
+      </a:lt1>
+      <a:dk2>
+        <a:srgbClr val="1f497d"/>
+      </a:dk2>
+      <a:lt2>
+        <a:srgbClr val="eeece1"/>
+      </a:lt2>
+      <a:accent1>
+        <a:srgbClr val="4f81bd"/>
+      </a:accent1>
+      <a:accent2>
+        <a:srgbClr val="c0504d"/>
+      </a:accent2>
+      <a:accent3>
+        <a:srgbClr val="9bbb59"/>
+      </a:accent3>
+      <a:accent4>
+        <a:srgbClr val="8064a2"/>
+      </a:accent4>
+      <a:accent5>
+        <a:srgbClr val="4bacc6"/>
+      </a:accent5>
+      <a:accent6>
+        <a:srgbClr val="f79646"/>
+      </a:accent6>
+      <a:hlink>
+        <a:srgbClr val="0000ff"/>
+      </a:hlink>
+      <a:folHlink>
+        <a:srgbClr val="800080"/>
+      </a:folHlink>
+    </a:clrScheme>
+    <a:fontScheme name="Office">
+      <a:majorFont>
+        <a:latin typeface="Arial"/>
+        <a:ea typeface="DejaVu Sans"/>
+        <a:cs typeface="DejaVu Sans"/>
+      </a:majorFont>
+      <a:minorFont>
+        <a:latin typeface="Arial"/>
+        <a:ea typeface="DejaVu Sans"/>
+        <a:cs typeface="DejaVu Sans"/>
+      </a:minorFont>
+    </a:fontScheme>
+    <a:fmtScheme name="Office">
+      <a:fillStyleLst>
+        <a:solidFill>
+          <a:schemeClr val="phClr"/>
+        </a:solidFill>
+        <a:gradFill rotWithShape="1">
+          <a:gsLst>
+            <a:gs pos="0">
+              <a:schemeClr val="phClr">
+                <a:tint val="50000"/>
+                <a:satMod val="300000"/>
+              </a:schemeClr>
+            </a:gs>
+            <a:gs pos="35000">
+              <a:schemeClr val="phClr">
+                <a:tint val="37000"/>
+                <a:satMod val="300000"/>
+              </a:schemeClr>
+            </a:gs>
+            <a:gs pos="100000">
+              <a:schemeClr val="phClr">
+                <a:tint val="15000"/>
+                <a:satMod val="350000"/>
+              </a:schemeClr>
+            </a:gs>
+          </a:gsLst>
+          <a:lin ang="16200000" scaled="1"/>
+        </a:gradFill>
+        <a:gradFill rotWithShape="1">
+          <a:gsLst>
+            <a:gs pos="0">
+              <a:schemeClr val="phClr">
+                <a:shade val="51000"/>
+                <a:satMod val="130000"/>
+              </a:schemeClr>
+            </a:gs>
+            <a:gs pos="80000">
+              <a:schemeClr val="phClr">
+                <a:shade val="93000"/>
+                <a:satMod val="130000"/>
+              </a:schemeClr>
+            </a:gs>
+            <a:gs pos="100000">
+              <a:schemeClr val="phClr">
+                <a:shade val="94000"/>
+                <a:satMod val="135000"/>
+              </a:schemeClr>
+            </a:gs>
+          </a:gsLst>
+          <a:lin ang="16200000" scaled="0"/>
+        </a:gradFill>
+      </a:fillStyleLst>
+      <a:lnStyleLst>
+        <a:ln w="9525" cap="flat" cmpd="sng" algn="ctr">
+          <a:solidFill>
+            <a:schemeClr val="phClr">
+              <a:shade val="95000"/>
+              <a:satMod val="105000"/>
+            </a:schemeClr>
+          </a:solidFill>
+          <a:prstDash val="solid"/>
+        </a:ln>
+        <a:ln w="25400" cap="flat" cmpd="sng" algn="ctr">
+          <a:solidFill>
+            <a:schemeClr val="phClr"/>
+          </a:solidFill>
+          <a:prstDash val="solid"/>
+        </a:ln>
+        <a:ln w="38100" cap="flat" cmpd="sng" algn="ctr">
+          <a:solidFill>
+            <a:schemeClr val="phClr"/>
+          </a:solidFill>
+          <a:prstDash val="solid"/>
+        </a:ln>
+      </a:lnStyleLst>
+      <a:effectStyleLst>
+        <a:effectStyle>
+          <a:effectLst>
+            <a:outerShdw blurRad="40000" dist="20000" dir="5400000" rotWithShape="0">
+              <a:srgbClr val="000000">
+                <a:alpha val="38000"/>
+              </a:srgbClr>
+            </a:outerShdw>
+          </a:effectLst>
+        </a:effectStyle>
+        <a:effectStyle>
+          <a:effectLst>
+            <a:outerShdw blurRad="40000" dist="23000" dir="5400000" rotWithShape="0">
+              <a:srgbClr val="000000">
+                <a:alpha val="35000"/>
+              </a:srgbClr>
+            </a:outerShdw>
+          </a:effectLst>
+        </a:effectStyle>
+        <a:effectStyle>
+          <a:effectLst>
+            <a:outerShdw blurRad="40000" dist="23000" dir="5400000" rotWithShape="0">
+              <a:srgbClr val="000000">
+                <a:alpha val="35000"/>
+              </a:srgbClr>
+            </a:outerShdw>
+          </a:effectLst>
+          <a:scene3d>
+            <a:camera prst="orthographicFront">
+              <a:rot lat="0" lon="0" rev="0"/>
+            </a:camera>
+            <a:lightRig rig="threePt" dir="t">
+              <a:rot lat="0" lon="0" rev="1200000"/>
+            </a:lightRig>
+          </a:scene3d>
+          <a:sp3d>
+            <a:bevelT w="63500" h="25400"/>
+          </a:sp3d>
+        </a:effectStyle>
+      </a:effectStyleLst>
+      <a:bgFillStyleLst>
+        <a:solidFill>
+          <a:schemeClr val="phClr"/>
+        </a:solidFill>
+        <a:gradFill rotWithShape="1">
+          <a:gsLst>
+            <a:gs pos="0">
+              <a:schemeClr val="phClr">
+                <a:tint val="40000"/>
+                <a:satMod val="350000"/>
+              </a:schemeClr>
+            </a:gs>
+            <a:gs pos="40000">
+              <a:schemeClr val="phClr">
+                <a:tint val="45000"/>
+                <a:shade val="99000"/>
+                <a:satMod val="350000"/>
+              </a:schemeClr>
+            </a:gs>
+            <a:gs pos="100000">
+              <a:schemeClr val="phClr">
+                <a:shade val="20000"/>
+                <a:satMod val="255000"/>
+              </a:schemeClr>
+            </a:gs>
+          </a:gsLst>
+          <a:path path="circle">
+            <a:fillToRect l="50000" t="-80000" r="50000" b="180000"/>
+          </a:path>
+        </a:gradFill>
+        <a:gradFill rotWithShape="1">
+          <a:gsLst>
+            <a:gs pos="0">
+              <a:schemeClr val="phClr">
+                <a:tint val="80000"/>
+                <a:satMod val="300000"/>
+              </a:schemeClr>
+            </a:gs>
+            <a:gs pos="100000">
+              <a:schemeClr val="phClr">
+                <a:shade val="30000"/>
+                <a:satMod val="200000"/>
+              </a:schemeClr>
+            </a:gs>
+          </a:gsLst>
+          <a:path path="circle">
+            <a:fillToRect l="50000" t="50000" r="50000" b="50000"/>
+          </a:path>
+        </a:gradFill>
+      </a:bgFillStyleLst>
+    </a:fmtScheme>
+  </a:themeElements>
 </a:theme>
 </file>
--- a/IE_BigData_Madrid.pptx
+++ b/IE_BigData_Madrid.pptx
@@ -1,22 +1,118 @@
 
 <file path=ppt/presentation.xml><?xml version="1.0" encoding="utf-8"?>
-<p:presentation xmlns:a="http://schemas.openxmlformats.org/drawingml/2006/main" xmlns:p="http://schemas.openxmlformats.org/presentationml/2006/main" xmlns:r="http://schemas.openxmlformats.org/officeDocument/2006/relationships" xmlns:p14="http://schemas.microsoft.com/office/powerpoint/2010/main" xmlns:p15="http://schemas.microsoft.com/office/powerpoint/2012/main" xmlns:mc="http://schemas.openxmlformats.org/markup-compatibility/2006">
+<p:presentation xmlns:a="http://schemas.openxmlformats.org/drawingml/2006/main" xmlns:r="http://schemas.openxmlformats.org/officeDocument/2006/relationships" xmlns:p="http://schemas.openxmlformats.org/presentationml/2006/main">
   <p:sldMasterIdLst>
-    <p:sldMasterId id="2147483648" r:id="rId2"/>
-    <p:sldMasterId id="2147483661" r:id="rId3"/>
+    <p:sldMasterId id="2147483648" r:id="rId1"/>
+    <p:sldMasterId id="2147483661" r:id="rId2"/>
   </p:sldMasterIdLst>
   <p:sldIdLst>
-    <p:sldId id="256" r:id="rId4"/>
+    <p:sldId id="256" r:id="rId3"/>
+    <p:sldId id="259" r:id="rId4"/>
     <p:sldId id="257" r:id="rId5"/>
     <p:sldId id="258" r:id="rId6"/>
   </p:sldIdLst>
   <p:sldSz cx="10080625" cy="5670550"/>
-  <p:notesSz cx="7559675" cy="10691812"/>
+  <p:notesSz cx="7559675" cy="10691813"/>
+  <p:defaultTextStyle>
+    <a:defPPr>
+      <a:defRPr lang="de-DE"/>
+    </a:defPPr>
+    <a:lvl1pPr marL="0" algn="l" defTabSz="914400" rtl="0" eaLnBrk="1" latinLnBrk="0" hangingPunct="1">
+      <a:defRPr sz="1800" kern="1200">
+        <a:solidFill>
+          <a:schemeClr val="tx1"/>
+        </a:solidFill>
+        <a:latin typeface="+mn-lt"/>
+        <a:ea typeface="+mn-ea"/>
+        <a:cs typeface="+mn-cs"/>
+      </a:defRPr>
+    </a:lvl1pPr>
+    <a:lvl2pPr marL="457200" algn="l" defTabSz="914400" rtl="0" eaLnBrk="1" latinLnBrk="0" hangingPunct="1">
+      <a:defRPr sz="1800" kern="1200">
+        <a:solidFill>
+          <a:schemeClr val="tx1"/>
+        </a:solidFill>
+        <a:latin typeface="+mn-lt"/>
+        <a:ea typeface="+mn-ea"/>
+        <a:cs typeface="+mn-cs"/>
+      </a:defRPr>
+    </a:lvl2pPr>
+    <a:lvl3pPr marL="914400" algn="l" defTabSz="914400" rtl="0" eaLnBrk="1" latinLnBrk="0" hangingPunct="1">
+      <a:defRPr sz="1800" kern="1200">
+        <a:solidFill>
+          <a:schemeClr val="tx1"/>
+        </a:solidFill>
+        <a:latin typeface="+mn-lt"/>
+        <a:ea typeface="+mn-ea"/>
+        <a:cs typeface="+mn-cs"/>
+      </a:defRPr>
+    </a:lvl3pPr>
+    <a:lvl4pPr marL="1371600" algn="l" defTabSz="914400" rtl="0" eaLnBrk="1" latinLnBrk="0" hangingPunct="1">
+      <a:defRPr sz="1800" kern="1200">
+        <a:solidFill>
+          <a:schemeClr val="tx1"/>
+        </a:solidFill>
+        <a:latin typeface="+mn-lt"/>
+        <a:ea typeface="+mn-ea"/>
+        <a:cs typeface="+mn-cs"/>
+      </a:defRPr>
+    </a:lvl4pPr>
+    <a:lvl5pPr marL="1828800" algn="l" defTabSz="914400" rtl="0" eaLnBrk="1" latinLnBrk="0" hangingPunct="1">
+      <a:defRPr sz="1800" kern="1200">
+        <a:solidFill>
+          <a:schemeClr val="tx1"/>
+        </a:solidFill>
+        <a:latin typeface="+mn-lt"/>
+        <a:ea typeface="+mn-ea"/>
+        <a:cs typeface="+mn-cs"/>
+      </a:defRPr>
+    </a:lvl5pPr>
+    <a:lvl6pPr marL="2286000" algn="l" defTabSz="914400" rtl="0" eaLnBrk="1" latinLnBrk="0" hangingPunct="1">
+      <a:defRPr sz="1800" kern="1200">
+        <a:solidFill>
+          <a:schemeClr val="tx1"/>
+        </a:solidFill>
+        <a:latin typeface="+mn-lt"/>
+        <a:ea typeface="+mn-ea"/>
+        <a:cs typeface="+mn-cs"/>
+      </a:defRPr>
+    </a:lvl6pPr>
+    <a:lvl7pPr marL="2743200" algn="l" defTabSz="914400" rtl="0" eaLnBrk="1" latinLnBrk="0" hangingPunct="1">
+      <a:defRPr sz="1800" kern="1200">
+        <a:solidFill>
+          <a:schemeClr val="tx1"/>
+        </a:solidFill>
+        <a:latin typeface="+mn-lt"/>
+        <a:ea typeface="+mn-ea"/>
+        <a:cs typeface="+mn-cs"/>
+      </a:defRPr>
+    </a:lvl7pPr>
+    <a:lvl8pPr marL="3200400" algn="l" defTabSz="914400" rtl="0" eaLnBrk="1" latinLnBrk="0" hangingPunct="1">
+      <a:defRPr sz="1800" kern="1200">
+        <a:solidFill>
+          <a:schemeClr val="tx1"/>
+        </a:solidFill>
+        <a:latin typeface="+mn-lt"/>
+        <a:ea typeface="+mn-ea"/>
+        <a:cs typeface="+mn-cs"/>
+      </a:defRPr>
+    </a:lvl8pPr>
+    <a:lvl9pPr marL="3657600" algn="l" defTabSz="914400" rtl="0" eaLnBrk="1" latinLnBrk="0" hangingPunct="1">
+      <a:defRPr sz="1800" kern="1200">
+        <a:solidFill>
+          <a:schemeClr val="tx1"/>
+        </a:solidFill>
+        <a:latin typeface="+mn-lt"/>
+        <a:ea typeface="+mn-ea"/>
+        <a:cs typeface="+mn-cs"/>
+      </a:defRPr>
+    </a:lvl9pPr>
+  </p:defaultTextStyle>
 </p:presentation>
 </file>
 
 <file path=ppt/slideLayouts/slideLayout1.xml><?xml version="1.0" encoding="utf-8"?>
-<p:sldLayout xmlns:a="http://schemas.openxmlformats.org/drawingml/2006/main" xmlns:p="http://schemas.openxmlformats.org/presentationml/2006/main" xmlns:r="http://schemas.openxmlformats.org/officeDocument/2006/relationships" xmlns:p14="http://schemas.microsoft.com/office/powerpoint/2010/main" xmlns:p15="http://schemas.microsoft.com/office/powerpoint/2012/main" xmlns:mc="http://schemas.openxmlformats.org/markup-compatibility/2006" type="blank" preserve="1">
+<p:sldLayout xmlns:a="http://schemas.openxmlformats.org/drawingml/2006/main" xmlns:r="http://schemas.openxmlformats.org/officeDocument/2006/relationships" xmlns:p="http://schemas.openxmlformats.org/presentationml/2006/main" type="blank" preserve="1">
   <p:cSld name="Blank Slide">
     <p:spTree>
       <p:nvGrpSpPr>
@@ -34,11 +130,14 @@
       </p:grpSpPr>
     </p:spTree>
   </p:cSld>
+  <p:clrMapOvr>
+    <a:masterClrMapping/>
+  </p:clrMapOvr>
 </p:sldLayout>
 </file>
 
 <file path=ppt/slideLayouts/slideLayout10.xml><?xml version="1.0" encoding="utf-8"?>
-<p:sldLayout xmlns:a="http://schemas.openxmlformats.org/drawingml/2006/main" xmlns:p="http://schemas.openxmlformats.org/presentationml/2006/main" xmlns:r="http://schemas.openxmlformats.org/officeDocument/2006/relationships" xmlns:p14="http://schemas.microsoft.com/office/powerpoint/2010/main" xmlns:p15="http://schemas.microsoft.com/office/powerpoint/2012/main" xmlns:mc="http://schemas.openxmlformats.org/markup-compatibility/2006" type="objOverTx" preserve="1">
+<p:sldLayout xmlns:a="http://schemas.openxmlformats.org/drawingml/2006/main" xmlns:r="http://schemas.openxmlformats.org/officeDocument/2006/relationships" xmlns:p="http://schemas.openxmlformats.org/presentationml/2006/main" type="objOverTx" preserve="1">
   <p:cSld name="Title, Content over Content">
     <p:spTree>
       <p:nvGrpSpPr>
@@ -74,9 +173,10 @@
           </a:prstGeom>
         </p:spPr>
         <p:txBody>
-          <a:bodyPr lIns="0" rIns="0" tIns="0" bIns="0" anchor="ctr"/>
-          <a:p>
-            <a:endParaRPr b="0" lang="en-US" sz="1800" spc="-1" strike="noStrike">
+          <a:bodyPr lIns="0" tIns="0" rIns="0" bIns="0" anchor="ctr"/>
+          <a:lstStyle/>
+          <a:p>
+            <a:endParaRPr lang="en-US" sz="1800" b="0" strike="noStrike" spc="-1">
               <a:solidFill>
                 <a:srgbClr val="000000"/>
               </a:solidFill>
@@ -105,11 +205,12 @@
           </a:prstGeom>
         </p:spPr>
         <p:txBody>
-          <a:bodyPr lIns="0" rIns="0" tIns="0" bIns="0">
+          <a:bodyPr lIns="0" tIns="0" rIns="0" bIns="0">
             <a:normAutofit/>
           </a:bodyPr>
-          <a:p>
-            <a:endParaRPr b="0" lang="en-US" sz="1800" spc="-1" strike="noStrike">
+          <a:lstStyle/>
+          <a:p>
+            <a:endParaRPr lang="en-US" sz="1800" b="0" strike="noStrike" spc="-1">
               <a:solidFill>
                 <a:srgbClr val="000000"/>
               </a:solidFill>
@@ -138,11 +239,12 @@
           </a:prstGeom>
         </p:spPr>
         <p:txBody>
-          <a:bodyPr lIns="0" rIns="0" tIns="0" bIns="0">
+          <a:bodyPr lIns="0" tIns="0" rIns="0" bIns="0">
             <a:normAutofit/>
           </a:bodyPr>
-          <a:p>
-            <a:endParaRPr b="0" lang="en-US" sz="1800" spc="-1" strike="noStrike">
+          <a:lstStyle/>
+          <a:p>
+            <a:endParaRPr lang="en-US" sz="1800" b="0" strike="noStrike" spc="-1">
               <a:solidFill>
                 <a:srgbClr val="000000"/>
               </a:solidFill>
@@ -153,11 +255,14 @@
       </p:sp>
     </p:spTree>
   </p:cSld>
+  <p:clrMapOvr>
+    <a:masterClrMapping/>
+  </p:clrMapOvr>
 </p:sldLayout>
 </file>
 
 <file path=ppt/slideLayouts/slideLayout11.xml><?xml version="1.0" encoding="utf-8"?>
-<p:sldLayout xmlns:a="http://schemas.openxmlformats.org/drawingml/2006/main" xmlns:p="http://schemas.openxmlformats.org/presentationml/2006/main" xmlns:r="http://schemas.openxmlformats.org/officeDocument/2006/relationships" xmlns:p14="http://schemas.microsoft.com/office/powerpoint/2010/main" xmlns:p15="http://schemas.microsoft.com/office/powerpoint/2012/main" xmlns:mc="http://schemas.openxmlformats.org/markup-compatibility/2006" type="fourObj" preserve="1">
+<p:sldLayout xmlns:a="http://schemas.openxmlformats.org/drawingml/2006/main" xmlns:r="http://schemas.openxmlformats.org/officeDocument/2006/relationships" xmlns:p="http://schemas.openxmlformats.org/presentationml/2006/main" type="fourObj" preserve="1">
   <p:cSld name="Title, 4 Content">
     <p:spTree>
       <p:nvGrpSpPr>
@@ -193,9 +298,10 @@
           </a:prstGeom>
         </p:spPr>
         <p:txBody>
-          <a:bodyPr lIns="0" rIns="0" tIns="0" bIns="0" anchor="ctr"/>
-          <a:p>
-            <a:endParaRPr b="0" lang="en-US" sz="1800" spc="-1" strike="noStrike">
+          <a:bodyPr lIns="0" tIns="0" rIns="0" bIns="0" anchor="ctr"/>
+          <a:lstStyle/>
+          <a:p>
+            <a:endParaRPr lang="en-US" sz="1800" b="0" strike="noStrike" spc="-1">
               <a:solidFill>
                 <a:srgbClr val="000000"/>
               </a:solidFill>
@@ -224,11 +330,12 @@
           </a:prstGeom>
         </p:spPr>
         <p:txBody>
-          <a:bodyPr lIns="0" rIns="0" tIns="0" bIns="0">
+          <a:bodyPr lIns="0" tIns="0" rIns="0" bIns="0">
             <a:normAutofit/>
           </a:bodyPr>
-          <a:p>
-            <a:endParaRPr b="0" lang="en-US" sz="1800" spc="-1" strike="noStrike">
+          <a:lstStyle/>
+          <a:p>
+            <a:endParaRPr lang="en-US" sz="1800" b="0" strike="noStrike" spc="-1">
               <a:solidFill>
                 <a:srgbClr val="000000"/>
               </a:solidFill>
@@ -257,11 +364,12 @@
           </a:prstGeom>
         </p:spPr>
         <p:txBody>
-          <a:bodyPr lIns="0" rIns="0" tIns="0" bIns="0">
+          <a:bodyPr lIns="0" tIns="0" rIns="0" bIns="0">
             <a:normAutofit/>
           </a:bodyPr>
-          <a:p>
-            <a:endParaRPr b="0" lang="en-US" sz="1800" spc="-1" strike="noStrike">
+          <a:lstStyle/>
+          <a:p>
+            <a:endParaRPr lang="en-US" sz="1800" b="0" strike="noStrike" spc="-1">
               <a:solidFill>
                 <a:srgbClr val="000000"/>
               </a:solidFill>
@@ -290,11 +398,12 @@
           </a:prstGeom>
         </p:spPr>
         <p:txBody>
-          <a:bodyPr lIns="0" rIns="0" tIns="0" bIns="0">
+          <a:bodyPr lIns="0" tIns="0" rIns="0" bIns="0">
             <a:normAutofit/>
           </a:bodyPr>
-          <a:p>
-            <a:endParaRPr b="0" lang="en-US" sz="1800" spc="-1" strike="noStrike">
+          <a:lstStyle/>
+          <a:p>
+            <a:endParaRPr lang="en-US" sz="1800" b="0" strike="noStrike" spc="-1">
               <a:solidFill>
                 <a:srgbClr val="000000"/>
               </a:solidFill>
@@ -323,11 +432,12 @@
           </a:prstGeom>
         </p:spPr>
         <p:txBody>
-          <a:bodyPr lIns="0" rIns="0" tIns="0" bIns="0">
+          <a:bodyPr lIns="0" tIns="0" rIns="0" bIns="0">
             <a:normAutofit/>
           </a:bodyPr>
-          <a:p>
-            <a:endParaRPr b="0" lang="en-US" sz="1800" spc="-1" strike="noStrike">
+          <a:lstStyle/>
+          <a:p>
+            <a:endParaRPr lang="en-US" sz="1800" b="0" strike="noStrike" spc="-1">
               <a:solidFill>
                 <a:srgbClr val="000000"/>
               </a:solidFill>
@@ -338,11 +448,14 @@
       </p:sp>
     </p:spTree>
   </p:cSld>
+  <p:clrMapOvr>
+    <a:masterClrMapping/>
+  </p:clrMapOvr>
 </p:sldLayout>
 </file>
 
 <file path=ppt/slideLayouts/slideLayout12.xml><?xml version="1.0" encoding="utf-8"?>
-<p:sldLayout xmlns:a="http://schemas.openxmlformats.org/drawingml/2006/main" xmlns:p="http://schemas.openxmlformats.org/presentationml/2006/main" xmlns:r="http://schemas.openxmlformats.org/officeDocument/2006/relationships" xmlns:p14="http://schemas.microsoft.com/office/powerpoint/2010/main" xmlns:p15="http://schemas.microsoft.com/office/powerpoint/2012/main" xmlns:mc="http://schemas.openxmlformats.org/markup-compatibility/2006" type="blank" preserve="1">
+<p:sldLayout xmlns:a="http://schemas.openxmlformats.org/drawingml/2006/main" xmlns:r="http://schemas.openxmlformats.org/officeDocument/2006/relationships" xmlns:p="http://schemas.openxmlformats.org/presentationml/2006/main" type="blank" preserve="1">
   <p:cSld name="Title, 6 Content">
     <p:spTree>
       <p:nvGrpSpPr>
@@ -378,9 +491,10 @@
           </a:prstGeom>
         </p:spPr>
         <p:txBody>
-          <a:bodyPr lIns="0" rIns="0" tIns="0" bIns="0" anchor="ctr"/>
-          <a:p>
-            <a:endParaRPr b="0" lang="en-US" sz="1800" spc="-1" strike="noStrike">
+          <a:bodyPr lIns="0" tIns="0" rIns="0" bIns="0" anchor="ctr"/>
+          <a:lstStyle/>
+          <a:p>
+            <a:endParaRPr lang="en-US" sz="1800" b="0" strike="noStrike" spc="-1">
               <a:solidFill>
                 <a:srgbClr val="000000"/>
               </a:solidFill>
@@ -409,11 +523,12 @@
           </a:prstGeom>
         </p:spPr>
         <p:txBody>
-          <a:bodyPr lIns="0" rIns="0" tIns="0" bIns="0">
+          <a:bodyPr lIns="0" tIns="0" rIns="0" bIns="0">
             <a:normAutofit/>
           </a:bodyPr>
-          <a:p>
-            <a:endParaRPr b="0" lang="en-US" sz="1800" spc="-1" strike="noStrike">
+          <a:lstStyle/>
+          <a:p>
+            <a:endParaRPr lang="en-US" sz="1800" b="0" strike="noStrike" spc="-1">
               <a:solidFill>
                 <a:srgbClr val="000000"/>
               </a:solidFill>
@@ -442,11 +557,12 @@
           </a:prstGeom>
         </p:spPr>
         <p:txBody>
-          <a:bodyPr lIns="0" rIns="0" tIns="0" bIns="0">
+          <a:bodyPr lIns="0" tIns="0" rIns="0" bIns="0">
             <a:normAutofit/>
           </a:bodyPr>
-          <a:p>
-            <a:endParaRPr b="0" lang="en-US" sz="1800" spc="-1" strike="noStrike">
+          <a:lstStyle/>
+          <a:p>
+            <a:endParaRPr lang="en-US" sz="1800" b="0" strike="noStrike" spc="-1">
               <a:solidFill>
                 <a:srgbClr val="000000"/>
               </a:solidFill>
@@ -475,11 +591,12 @@
           </a:prstGeom>
         </p:spPr>
         <p:txBody>
-          <a:bodyPr lIns="0" rIns="0" tIns="0" bIns="0">
+          <a:bodyPr lIns="0" tIns="0" rIns="0" bIns="0">
             <a:normAutofit/>
           </a:bodyPr>
-          <a:p>
-            <a:endParaRPr b="0" lang="en-US" sz="1800" spc="-1" strike="noStrike">
+          <a:lstStyle/>
+          <a:p>
+            <a:endParaRPr lang="en-US" sz="1800" b="0" strike="noStrike" spc="-1">
               <a:solidFill>
                 <a:srgbClr val="000000"/>
               </a:solidFill>
@@ -508,11 +625,12 @@
           </a:prstGeom>
         </p:spPr>
         <p:txBody>
-          <a:bodyPr lIns="0" rIns="0" tIns="0" bIns="0">
+          <a:bodyPr lIns="0" tIns="0" rIns="0" bIns="0">
             <a:normAutofit/>
           </a:bodyPr>
-          <a:p>
-            <a:endParaRPr b="0" lang="en-US" sz="1800" spc="-1" strike="noStrike">
+          <a:lstStyle/>
+          <a:p>
+            <a:endParaRPr lang="en-US" sz="1800" b="0" strike="noStrike" spc="-1">
               <a:solidFill>
                 <a:srgbClr val="000000"/>
               </a:solidFill>
@@ -541,11 +659,12 @@
           </a:prstGeom>
         </p:spPr>
         <p:txBody>
-          <a:bodyPr lIns="0" rIns="0" tIns="0" bIns="0">
+          <a:bodyPr lIns="0" tIns="0" rIns="0" bIns="0">
             <a:normAutofit/>
           </a:bodyPr>
-          <a:p>
-            <a:endParaRPr b="0" lang="en-US" sz="1800" spc="-1" strike="noStrike">
+          <a:lstStyle/>
+          <a:p>
+            <a:endParaRPr lang="en-US" sz="1800" b="0" strike="noStrike" spc="-1">
               <a:solidFill>
                 <a:srgbClr val="000000"/>
               </a:solidFill>
@@ -574,11 +693,12 @@
           </a:prstGeom>
         </p:spPr>
         <p:txBody>
-          <a:bodyPr lIns="0" rIns="0" tIns="0" bIns="0">
+          <a:bodyPr lIns="0" tIns="0" rIns="0" bIns="0">
             <a:normAutofit/>
           </a:bodyPr>
-          <a:p>
-            <a:endParaRPr b="0" lang="en-US" sz="1800" spc="-1" strike="noStrike">
+          <a:lstStyle/>
+          <a:p>
+            <a:endParaRPr lang="en-US" sz="1800" b="0" strike="noStrike" spc="-1">
               <a:solidFill>
                 <a:srgbClr val="000000"/>
               </a:solidFill>
@@ -589,11 +709,14 @@
       </p:sp>
     </p:spTree>
   </p:cSld>
+  <p:clrMapOvr>
+    <a:masterClrMapping/>
+  </p:clrMapOvr>
 </p:sldLayout>
 </file>
 
 <file path=ppt/slideLayouts/slideLayout13.xml><?xml version="1.0" encoding="utf-8"?>
-<p:sldLayout xmlns:a="http://schemas.openxmlformats.org/drawingml/2006/main" xmlns:p="http://schemas.openxmlformats.org/presentationml/2006/main" xmlns:r="http://schemas.openxmlformats.org/officeDocument/2006/relationships" xmlns:p14="http://schemas.microsoft.com/office/powerpoint/2010/main" xmlns:p15="http://schemas.microsoft.com/office/powerpoint/2012/main" xmlns:mc="http://schemas.openxmlformats.org/markup-compatibility/2006" type="blank" preserve="1">
+<p:sldLayout xmlns:a="http://schemas.openxmlformats.org/drawingml/2006/main" xmlns:r="http://schemas.openxmlformats.org/officeDocument/2006/relationships" xmlns:p="http://schemas.openxmlformats.org/presentationml/2006/main" type="blank" preserve="1">
   <p:cSld name="Blank Slide">
     <p:spTree>
       <p:nvGrpSpPr>
@@ -611,11 +734,14 @@
       </p:grpSpPr>
     </p:spTree>
   </p:cSld>
+  <p:clrMapOvr>
+    <a:masterClrMapping/>
+  </p:clrMapOvr>
 </p:sldLayout>
 </file>
 
 <file path=ppt/slideLayouts/slideLayout14.xml><?xml version="1.0" encoding="utf-8"?>
-<p:sldLayout xmlns:a="http://schemas.openxmlformats.org/drawingml/2006/main" xmlns:p="http://schemas.openxmlformats.org/presentationml/2006/main" xmlns:r="http://schemas.openxmlformats.org/officeDocument/2006/relationships" xmlns:p14="http://schemas.microsoft.com/office/powerpoint/2010/main" xmlns:p15="http://schemas.microsoft.com/office/powerpoint/2012/main" xmlns:mc="http://schemas.openxmlformats.org/markup-compatibility/2006" type="tx" preserve="1">
+<p:sldLayout xmlns:a="http://schemas.openxmlformats.org/drawingml/2006/main" xmlns:r="http://schemas.openxmlformats.org/officeDocument/2006/relationships" xmlns:p="http://schemas.openxmlformats.org/presentationml/2006/main" type="tx" preserve="1">
   <p:cSld name="Title Slide">
     <p:spTree>
       <p:nvGrpSpPr>
@@ -651,9 +777,10 @@
           </a:prstGeom>
         </p:spPr>
         <p:txBody>
-          <a:bodyPr lIns="0" rIns="0" tIns="0" bIns="0" anchor="ctr"/>
-          <a:p>
-            <a:endParaRPr b="0" lang="en-US" sz="1800" spc="-1" strike="noStrike">
+          <a:bodyPr lIns="0" tIns="0" rIns="0" bIns="0" anchor="ctr"/>
+          <a:lstStyle/>
+          <a:p>
+            <a:endParaRPr lang="en-US" sz="1800" b="0" strike="noStrike" spc="-1">
               <a:solidFill>
                 <a:srgbClr val="000000"/>
               </a:solidFill>
@@ -682,10 +809,11 @@
           </a:prstGeom>
         </p:spPr>
         <p:txBody>
-          <a:bodyPr lIns="0" rIns="0" tIns="0" bIns="0" anchor="ctr"/>
+          <a:bodyPr lIns="0" tIns="0" rIns="0" bIns="0" anchor="ctr"/>
+          <a:lstStyle/>
           <a:p>
             <a:pPr algn="ctr"/>
-            <a:endParaRPr b="0" lang="de-CH" sz="3200" spc="-1" strike="noStrike">
+            <a:endParaRPr lang="de-CH" sz="3200" b="0" strike="noStrike" spc="-1">
               <a:latin typeface="Arial"/>
             </a:endParaRPr>
           </a:p>
@@ -693,11 +821,14 @@
       </p:sp>
     </p:spTree>
   </p:cSld>
+  <p:clrMapOvr>
+    <a:masterClrMapping/>
+  </p:clrMapOvr>
 </p:sldLayout>
 </file>
 
 <file path=ppt/slideLayouts/slideLayout15.xml><?xml version="1.0" encoding="utf-8"?>
-<p:sldLayout xmlns:a="http://schemas.openxmlformats.org/drawingml/2006/main" xmlns:p="http://schemas.openxmlformats.org/presentationml/2006/main" xmlns:r="http://schemas.openxmlformats.org/officeDocument/2006/relationships" xmlns:p14="http://schemas.microsoft.com/office/powerpoint/2010/main" xmlns:p15="http://schemas.microsoft.com/office/powerpoint/2012/main" xmlns:mc="http://schemas.openxmlformats.org/markup-compatibility/2006" type="obj" preserve="1">
+<p:sldLayout xmlns:a="http://schemas.openxmlformats.org/drawingml/2006/main" xmlns:r="http://schemas.openxmlformats.org/officeDocument/2006/relationships" xmlns:p="http://schemas.openxmlformats.org/presentationml/2006/main" type="obj" preserve="1">
   <p:cSld name="Title, Content">
     <p:spTree>
       <p:nvGrpSpPr>
@@ -733,9 +864,10 @@
           </a:prstGeom>
         </p:spPr>
         <p:txBody>
-          <a:bodyPr lIns="0" rIns="0" tIns="0" bIns="0" anchor="ctr"/>
-          <a:p>
-            <a:endParaRPr b="0" lang="en-US" sz="1800" spc="-1" strike="noStrike">
+          <a:bodyPr lIns="0" tIns="0" rIns="0" bIns="0" anchor="ctr"/>
+          <a:lstStyle/>
+          <a:p>
+            <a:endParaRPr lang="en-US" sz="1800" b="0" strike="noStrike" spc="-1">
               <a:solidFill>
                 <a:srgbClr val="000000"/>
               </a:solidFill>
@@ -764,11 +896,12 @@
           </a:prstGeom>
         </p:spPr>
         <p:txBody>
-          <a:bodyPr lIns="0" rIns="0" tIns="0" bIns="0">
+          <a:bodyPr lIns="0" tIns="0" rIns="0" bIns="0">
             <a:normAutofit/>
           </a:bodyPr>
-          <a:p>
-            <a:endParaRPr b="0" lang="en-US" sz="1800" spc="-1" strike="noStrike">
+          <a:lstStyle/>
+          <a:p>
+            <a:endParaRPr lang="en-US" sz="1800" b="0" strike="noStrike" spc="-1">
               <a:solidFill>
                 <a:srgbClr val="000000"/>
               </a:solidFill>
@@ -779,11 +912,14 @@
       </p:sp>
     </p:spTree>
   </p:cSld>
+  <p:clrMapOvr>
+    <a:masterClrMapping/>
+  </p:clrMapOvr>
 </p:sldLayout>
 </file>
 
 <file path=ppt/slideLayouts/slideLayout16.xml><?xml version="1.0" encoding="utf-8"?>
-<p:sldLayout xmlns:a="http://schemas.openxmlformats.org/drawingml/2006/main" xmlns:p="http://schemas.openxmlformats.org/presentationml/2006/main" xmlns:r="http://schemas.openxmlformats.org/officeDocument/2006/relationships" xmlns:p14="http://schemas.microsoft.com/office/powerpoint/2010/main" xmlns:p15="http://schemas.microsoft.com/office/powerpoint/2012/main" xmlns:mc="http://schemas.openxmlformats.org/markup-compatibility/2006" type="twoObj" preserve="1">
+<p:sldLayout xmlns:a="http://schemas.openxmlformats.org/drawingml/2006/main" xmlns:r="http://schemas.openxmlformats.org/officeDocument/2006/relationships" xmlns:p="http://schemas.openxmlformats.org/presentationml/2006/main" type="twoObj" preserve="1">
   <p:cSld name="Title, 2 Content">
     <p:spTree>
       <p:nvGrpSpPr>
@@ -819,9 +955,10 @@
           </a:prstGeom>
         </p:spPr>
         <p:txBody>
-          <a:bodyPr lIns="0" rIns="0" tIns="0" bIns="0" anchor="ctr"/>
-          <a:p>
-            <a:endParaRPr b="0" lang="en-US" sz="1800" spc="-1" strike="noStrike">
+          <a:bodyPr lIns="0" tIns="0" rIns="0" bIns="0" anchor="ctr"/>
+          <a:lstStyle/>
+          <a:p>
+            <a:endParaRPr lang="en-US" sz="1800" b="0" strike="noStrike" spc="-1">
               <a:solidFill>
                 <a:srgbClr val="000000"/>
               </a:solidFill>
@@ -850,11 +987,12 @@
           </a:prstGeom>
         </p:spPr>
         <p:txBody>
-          <a:bodyPr lIns="0" rIns="0" tIns="0" bIns="0">
+          <a:bodyPr lIns="0" tIns="0" rIns="0" bIns="0">
             <a:normAutofit/>
           </a:bodyPr>
-          <a:p>
-            <a:endParaRPr b="0" lang="en-US" sz="1800" spc="-1" strike="noStrike">
+          <a:lstStyle/>
+          <a:p>
+            <a:endParaRPr lang="en-US" sz="1800" b="0" strike="noStrike" spc="-1">
               <a:solidFill>
                 <a:srgbClr val="000000"/>
               </a:solidFill>
@@ -883,11 +1021,12 @@
           </a:prstGeom>
         </p:spPr>
         <p:txBody>
-          <a:bodyPr lIns="0" rIns="0" tIns="0" bIns="0">
+          <a:bodyPr lIns="0" tIns="0" rIns="0" bIns="0">
             <a:normAutofit/>
           </a:bodyPr>
-          <a:p>
-            <a:endParaRPr b="0" lang="en-US" sz="1800" spc="-1" strike="noStrike">
+          <a:lstStyle/>
+          <a:p>
+            <a:endParaRPr lang="en-US" sz="1800" b="0" strike="noStrike" spc="-1">
               <a:solidFill>
                 <a:srgbClr val="000000"/>
               </a:solidFill>
@@ -898,11 +1037,14 @@
       </p:sp>
     </p:spTree>
   </p:cSld>
+  <p:clrMapOvr>
+    <a:masterClrMapping/>
+  </p:clrMapOvr>
 </p:sldLayout>
 </file>
 
 <file path=ppt/slideLayouts/slideLayout17.xml><?xml version="1.0" encoding="utf-8"?>
-<p:sldLayout xmlns:a="http://schemas.openxmlformats.org/drawingml/2006/main" xmlns:p="http://schemas.openxmlformats.org/presentationml/2006/main" xmlns:r="http://schemas.openxmlformats.org/officeDocument/2006/relationships" xmlns:p14="http://schemas.microsoft.com/office/powerpoint/2010/main" xmlns:p15="http://schemas.microsoft.com/office/powerpoint/2012/main" xmlns:mc="http://schemas.openxmlformats.org/markup-compatibility/2006" type="titleOnly" preserve="1">
+<p:sldLayout xmlns:a="http://schemas.openxmlformats.org/drawingml/2006/main" xmlns:r="http://schemas.openxmlformats.org/officeDocument/2006/relationships" xmlns:p="http://schemas.openxmlformats.org/presentationml/2006/main" type="titleOnly" preserve="1">
   <p:cSld name="Title Only">
     <p:spTree>
       <p:nvGrpSpPr>
@@ -938,9 +1080,10 @@
           </a:prstGeom>
         </p:spPr>
         <p:txBody>
-          <a:bodyPr lIns="0" rIns="0" tIns="0" bIns="0" anchor="ctr"/>
-          <a:p>
-            <a:endParaRPr b="0" lang="en-US" sz="1800" spc="-1" strike="noStrike">
+          <a:bodyPr lIns="0" tIns="0" rIns="0" bIns="0" anchor="ctr"/>
+          <a:lstStyle/>
+          <a:p>
+            <a:endParaRPr lang="en-US" sz="1800" b="0" strike="noStrike" spc="-1">
               <a:solidFill>
                 <a:srgbClr val="000000"/>
               </a:solidFill>
@@ -951,11 +1094,14 @@
       </p:sp>
     </p:spTree>
   </p:cSld>
+  <p:clrMapOvr>
+    <a:masterClrMapping/>
+  </p:clrMapOvr>
 </p:sldLayout>
 </file>
 
 <file path=ppt/slideLayouts/slideLayout18.xml><?xml version="1.0" encoding="utf-8"?>
-<p:sldLayout xmlns:a="http://schemas.openxmlformats.org/drawingml/2006/main" xmlns:p="http://schemas.openxmlformats.org/presentationml/2006/main" xmlns:r="http://schemas.openxmlformats.org/officeDocument/2006/relationships" xmlns:p14="http://schemas.microsoft.com/office/powerpoint/2010/main" xmlns:p15="http://schemas.microsoft.com/office/powerpoint/2012/main" xmlns:mc="http://schemas.openxmlformats.org/markup-compatibility/2006" type="objOnly" preserve="1">
+<p:sldLayout xmlns:a="http://schemas.openxmlformats.org/drawingml/2006/main" xmlns:r="http://schemas.openxmlformats.org/officeDocument/2006/relationships" xmlns:p="http://schemas.openxmlformats.org/presentationml/2006/main" type="objOnly" preserve="1">
   <p:cSld name="Centered Text">
     <p:spTree>
       <p:nvGrpSpPr>
@@ -991,10 +1137,11 @@
           </a:prstGeom>
         </p:spPr>
         <p:txBody>
-          <a:bodyPr lIns="0" rIns="0" tIns="0" bIns="0" anchor="ctr"/>
+          <a:bodyPr lIns="0" tIns="0" rIns="0" bIns="0" anchor="ctr"/>
+          <a:lstStyle/>
           <a:p>
             <a:pPr algn="ctr"/>
-            <a:endParaRPr b="0" lang="de-CH" sz="3200" spc="-1" strike="noStrike">
+            <a:endParaRPr lang="de-CH" sz="3200" b="0" strike="noStrike" spc="-1">
               <a:latin typeface="Arial"/>
             </a:endParaRPr>
           </a:p>
@@ -1002,11 +1149,14 @@
       </p:sp>
     </p:spTree>
   </p:cSld>
+  <p:clrMapOvr>
+    <a:masterClrMapping/>
+  </p:clrMapOvr>
 </p:sldLayout>
 </file>
 
 <file path=ppt/slideLayouts/slideLayout19.xml><?xml version="1.0" encoding="utf-8"?>
-<p:sldLayout xmlns:a="http://schemas.openxmlformats.org/drawingml/2006/main" xmlns:p="http://schemas.openxmlformats.org/presentationml/2006/main" xmlns:r="http://schemas.openxmlformats.org/officeDocument/2006/relationships" xmlns:p14="http://schemas.microsoft.com/office/powerpoint/2010/main" xmlns:p15="http://schemas.microsoft.com/office/powerpoint/2012/main" xmlns:mc="http://schemas.openxmlformats.org/markup-compatibility/2006" type="twoObjAndObj" preserve="1">
+<p:sldLayout xmlns:a="http://schemas.openxmlformats.org/drawingml/2006/main" xmlns:r="http://schemas.openxmlformats.org/officeDocument/2006/relationships" xmlns:p="http://schemas.openxmlformats.org/presentationml/2006/main" type="twoObjAndObj" preserve="1">
   <p:cSld name="Title, 2 Content and Content">
     <p:spTree>
       <p:nvGrpSpPr>
@@ -1042,9 +1192,10 @@
           </a:prstGeom>
         </p:spPr>
         <p:txBody>
-          <a:bodyPr lIns="0" rIns="0" tIns="0" bIns="0" anchor="ctr"/>
-          <a:p>
-            <a:endParaRPr b="0" lang="en-US" sz="1800" spc="-1" strike="noStrike">
+          <a:bodyPr lIns="0" tIns="0" rIns="0" bIns="0" anchor="ctr"/>
+          <a:lstStyle/>
+          <a:p>
+            <a:endParaRPr lang="en-US" sz="1800" b="0" strike="noStrike" spc="-1">
               <a:solidFill>
                 <a:srgbClr val="000000"/>
               </a:solidFill>
@@ -1073,11 +1224,12 @@
           </a:prstGeom>
         </p:spPr>
         <p:txBody>
-          <a:bodyPr lIns="0" rIns="0" tIns="0" bIns="0">
+          <a:bodyPr lIns="0" tIns="0" rIns="0" bIns="0">
             <a:normAutofit/>
           </a:bodyPr>
-          <a:p>
-            <a:endParaRPr b="0" lang="en-US" sz="1800" spc="-1" strike="noStrike">
+          <a:lstStyle/>
+          <a:p>
+            <a:endParaRPr lang="en-US" sz="1800" b="0" strike="noStrike" spc="-1">
               <a:solidFill>
                 <a:srgbClr val="000000"/>
               </a:solidFill>
@@ -1106,11 +1258,12 @@
           </a:prstGeom>
         </p:spPr>
         <p:txBody>
-          <a:bodyPr lIns="0" rIns="0" tIns="0" bIns="0">
+          <a:bodyPr lIns="0" tIns="0" rIns="0" bIns="0">
             <a:normAutofit/>
           </a:bodyPr>
-          <a:p>
-            <a:endParaRPr b="0" lang="en-US" sz="1800" spc="-1" strike="noStrike">
+          <a:lstStyle/>
+          <a:p>
+            <a:endParaRPr lang="en-US" sz="1800" b="0" strike="noStrike" spc="-1">
               <a:solidFill>
                 <a:srgbClr val="000000"/>
               </a:solidFill>
@@ -1139,11 +1292,12 @@
           </a:prstGeom>
         </p:spPr>
         <p:txBody>
-          <a:bodyPr lIns="0" rIns="0" tIns="0" bIns="0">
+          <a:bodyPr lIns="0" tIns="0" rIns="0" bIns="0">
             <a:normAutofit/>
           </a:bodyPr>
-          <a:p>
-            <a:endParaRPr b="0" lang="en-US" sz="1800" spc="-1" strike="noStrike">
+          <a:lstStyle/>
+          <a:p>
+            <a:endParaRPr lang="en-US" sz="1800" b="0" strike="noStrike" spc="-1">
               <a:solidFill>
                 <a:srgbClr val="000000"/>
               </a:solidFill>
@@ -1154,11 +1308,14 @@
       </p:sp>
     </p:spTree>
   </p:cSld>
+  <p:clrMapOvr>
+    <a:masterClrMapping/>
+  </p:clrMapOvr>
 </p:sldLayout>
 </file>
 
 <file path=ppt/slideLayouts/slideLayout2.xml><?xml version="1.0" encoding="utf-8"?>
-<p:sldLayout xmlns:a="http://schemas.openxmlformats.org/drawingml/2006/main" xmlns:p="http://schemas.openxmlformats.org/presentationml/2006/main" xmlns:r="http://schemas.openxmlformats.org/officeDocument/2006/relationships" xmlns:p14="http://schemas.microsoft.com/office/powerpoint/2010/main" xmlns:p15="http://schemas.microsoft.com/office/powerpoint/2012/main" xmlns:mc="http://schemas.openxmlformats.org/markup-compatibility/2006" type="tx" preserve="1">
+<p:sldLayout xmlns:a="http://schemas.openxmlformats.org/drawingml/2006/main" xmlns:r="http://schemas.openxmlformats.org/officeDocument/2006/relationships" xmlns:p="http://schemas.openxmlformats.org/presentationml/2006/main" type="tx" preserve="1">
   <p:cSld name="Title Slide">
     <p:spTree>
       <p:nvGrpSpPr>
@@ -1194,9 +1351,10 @@
           </a:prstGeom>
         </p:spPr>
         <p:txBody>
-          <a:bodyPr lIns="0" rIns="0" tIns="0" bIns="0" anchor="ctr"/>
-          <a:p>
-            <a:endParaRPr b="0" lang="en-US" sz="1800" spc="-1" strike="noStrike">
+          <a:bodyPr lIns="0" tIns="0" rIns="0" bIns="0" anchor="ctr"/>
+          <a:lstStyle/>
+          <a:p>
+            <a:endParaRPr lang="en-US" sz="1800" b="0" strike="noStrike" spc="-1">
               <a:solidFill>
                 <a:srgbClr val="000000"/>
               </a:solidFill>
@@ -1225,10 +1383,11 @@
           </a:prstGeom>
         </p:spPr>
         <p:txBody>
-          <a:bodyPr lIns="0" rIns="0" tIns="0" bIns="0" anchor="ctr"/>
+          <a:bodyPr lIns="0" tIns="0" rIns="0" bIns="0" anchor="ctr"/>
+          <a:lstStyle/>
           <a:p>
             <a:pPr algn="ctr"/>
-            <a:endParaRPr b="0" lang="de-CH" sz="3200" spc="-1" strike="noStrike">
+            <a:endParaRPr lang="de-CH" sz="3200" b="0" strike="noStrike" spc="-1">
               <a:latin typeface="Arial"/>
             </a:endParaRPr>
           </a:p>
@@ -1236,11 +1395,14 @@
       </p:sp>
     </p:spTree>
   </p:cSld>
+  <p:clrMapOvr>
+    <a:masterClrMapping/>
+  </p:clrMapOvr>
 </p:sldLayout>
 </file>
 
 <file path=ppt/slideLayouts/slideLayout20.xml><?xml version="1.0" encoding="utf-8"?>
-<p:sldLayout xmlns:a="http://schemas.openxmlformats.org/drawingml/2006/main" xmlns:p="http://schemas.openxmlformats.org/presentationml/2006/main" xmlns:r="http://schemas.openxmlformats.org/officeDocument/2006/relationships" xmlns:p14="http://schemas.microsoft.com/office/powerpoint/2010/main" xmlns:p15="http://schemas.microsoft.com/office/powerpoint/2012/main" xmlns:mc="http://schemas.openxmlformats.org/markup-compatibility/2006" type="objAndTwoObj" preserve="1">
+<p:sldLayout xmlns:a="http://schemas.openxmlformats.org/drawingml/2006/main" xmlns:r="http://schemas.openxmlformats.org/officeDocument/2006/relationships" xmlns:p="http://schemas.openxmlformats.org/presentationml/2006/main" type="objAndTwoObj" preserve="1">
   <p:cSld name="Title Content and 2 Content">
     <p:spTree>
       <p:nvGrpSpPr>
@@ -1276,9 +1438,10 @@
           </a:prstGeom>
         </p:spPr>
         <p:txBody>
-          <a:bodyPr lIns="0" rIns="0" tIns="0" bIns="0" anchor="ctr"/>
-          <a:p>
-            <a:endParaRPr b="0" lang="en-US" sz="1800" spc="-1" strike="noStrike">
+          <a:bodyPr lIns="0" tIns="0" rIns="0" bIns="0" anchor="ctr"/>
+          <a:lstStyle/>
+          <a:p>
+            <a:endParaRPr lang="en-US" sz="1800" b="0" strike="noStrike" spc="-1">
               <a:solidFill>
                 <a:srgbClr val="000000"/>
               </a:solidFill>
@@ -1307,11 +1470,12 @@
           </a:prstGeom>
         </p:spPr>
         <p:txBody>
-          <a:bodyPr lIns="0" rIns="0" tIns="0" bIns="0">
+          <a:bodyPr lIns="0" tIns="0" rIns="0" bIns="0">
             <a:normAutofit/>
           </a:bodyPr>
-          <a:p>
-            <a:endParaRPr b="0" lang="en-US" sz="1800" spc="-1" strike="noStrike">
+          <a:lstStyle/>
+          <a:p>
+            <a:endParaRPr lang="en-US" sz="1800" b="0" strike="noStrike" spc="-1">
               <a:solidFill>
                 <a:srgbClr val="000000"/>
               </a:solidFill>
@@ -1340,11 +1504,12 @@
           </a:prstGeom>
         </p:spPr>
         <p:txBody>
-          <a:bodyPr lIns="0" rIns="0" tIns="0" bIns="0">
+          <a:bodyPr lIns="0" tIns="0" rIns="0" bIns="0">
             <a:normAutofit/>
           </a:bodyPr>
-          <a:p>
-            <a:endParaRPr b="0" lang="en-US" sz="1800" spc="-1" strike="noStrike">
+          <a:lstStyle/>
+          <a:p>
+            <a:endParaRPr lang="en-US" sz="1800" b="0" strike="noStrike" spc="-1">
               <a:solidFill>
                 <a:srgbClr val="000000"/>
               </a:solidFill>
@@ -1373,11 +1538,12 @@
           </a:prstGeom>
         </p:spPr>
         <p:txBody>
-          <a:bodyPr lIns="0" rIns="0" tIns="0" bIns="0">
+          <a:bodyPr lIns="0" tIns="0" rIns="0" bIns="0">
             <a:normAutofit/>
           </a:bodyPr>
-          <a:p>
-            <a:endParaRPr b="0" lang="en-US" sz="1800" spc="-1" strike="noStrike">
+          <a:lstStyle/>
+          <a:p>
+            <a:endParaRPr lang="en-US" sz="1800" b="0" strike="noStrike" spc="-1">
               <a:solidFill>
                 <a:srgbClr val="000000"/>
               </a:solidFill>
@@ -1388,11 +1554,14 @@
       </p:sp>
     </p:spTree>
   </p:cSld>
+  <p:clrMapOvr>
+    <a:masterClrMapping/>
+  </p:clrMapOvr>
 </p:sldLayout>
 </file>
 
 <file path=ppt/slideLayouts/slideLayout21.xml><?xml version="1.0" encoding="utf-8"?>
-<p:sldLayout xmlns:a="http://schemas.openxmlformats.org/drawingml/2006/main" xmlns:p="http://schemas.openxmlformats.org/presentationml/2006/main" xmlns:r="http://schemas.openxmlformats.org/officeDocument/2006/relationships" xmlns:p14="http://schemas.microsoft.com/office/powerpoint/2010/main" xmlns:p15="http://schemas.microsoft.com/office/powerpoint/2012/main" xmlns:mc="http://schemas.openxmlformats.org/markup-compatibility/2006" type="twoObjOverTx" preserve="1">
+<p:sldLayout xmlns:a="http://schemas.openxmlformats.org/drawingml/2006/main" xmlns:r="http://schemas.openxmlformats.org/officeDocument/2006/relationships" xmlns:p="http://schemas.openxmlformats.org/presentationml/2006/main" type="twoObjOverTx" preserve="1">
   <p:cSld name="Title, 2 Content over Content">
     <p:spTree>
       <p:nvGrpSpPr>
@@ -1428,9 +1597,10 @@
           </a:prstGeom>
         </p:spPr>
         <p:txBody>
-          <a:bodyPr lIns="0" rIns="0" tIns="0" bIns="0" anchor="ctr"/>
-          <a:p>
-            <a:endParaRPr b="0" lang="en-US" sz="1800" spc="-1" strike="noStrike">
+          <a:bodyPr lIns="0" tIns="0" rIns="0" bIns="0" anchor="ctr"/>
+          <a:lstStyle/>
+          <a:p>
+            <a:endParaRPr lang="en-US" sz="1800" b="0" strike="noStrike" spc="-1">
               <a:solidFill>
                 <a:srgbClr val="000000"/>
               </a:solidFill>
@@ -1459,11 +1629,12 @@
           </a:prstGeom>
         </p:spPr>
         <p:txBody>
-          <a:bodyPr lIns="0" rIns="0" tIns="0" bIns="0">
+          <a:bodyPr lIns="0" tIns="0" rIns="0" bIns="0">
             <a:normAutofit/>
           </a:bodyPr>
-          <a:p>
-            <a:endParaRPr b="0" lang="en-US" sz="1800" spc="-1" strike="noStrike">
+          <a:lstStyle/>
+          <a:p>
+            <a:endParaRPr lang="en-US" sz="1800" b="0" strike="noStrike" spc="-1">
               <a:solidFill>
                 <a:srgbClr val="000000"/>
               </a:solidFill>
@@ -1492,11 +1663,12 @@
           </a:prstGeom>
         </p:spPr>
         <p:txBody>
-          <a:bodyPr lIns="0" rIns="0" tIns="0" bIns="0">
+          <a:bodyPr lIns="0" tIns="0" rIns="0" bIns="0">
             <a:normAutofit/>
           </a:bodyPr>
-          <a:p>
-            <a:endParaRPr b="0" lang="en-US" sz="1800" spc="-1" strike="noStrike">
+          <a:lstStyle/>
+          <a:p>
+            <a:endParaRPr lang="en-US" sz="1800" b="0" strike="noStrike" spc="-1">
               <a:solidFill>
                 <a:srgbClr val="000000"/>
               </a:solidFill>
@@ -1525,11 +1697,12 @@
           </a:prstGeom>
         </p:spPr>
         <p:txBody>
-          <a:bodyPr lIns="0" rIns="0" tIns="0" bIns="0">
+          <a:bodyPr lIns="0" tIns="0" rIns="0" bIns="0">
             <a:normAutofit/>
           </a:bodyPr>
-          <a:p>
-            <a:endParaRPr b="0" lang="en-US" sz="1800" spc="-1" strike="noStrike">
+          <a:lstStyle/>
+          <a:p>
+            <a:endParaRPr lang="en-US" sz="1800" b="0" strike="noStrike" spc="-1">
               <a:solidFill>
                 <a:srgbClr val="000000"/>
               </a:solidFill>
@@ -1540,11 +1713,14 @@
       </p:sp>
     </p:spTree>
   </p:cSld>
+  <p:clrMapOvr>
+    <a:masterClrMapping/>
+  </p:clrMapOvr>
 </p:sldLayout>
 </file>
 
 <file path=ppt/slideLayouts/slideLayout22.xml><?xml version="1.0" encoding="utf-8"?>
-<p:sldLayout xmlns:a="http://schemas.openxmlformats.org/drawingml/2006/main" xmlns:p="http://schemas.openxmlformats.org/presentationml/2006/main" xmlns:r="http://schemas.openxmlformats.org/officeDocument/2006/relationships" xmlns:p14="http://schemas.microsoft.com/office/powerpoint/2010/main" xmlns:p15="http://schemas.microsoft.com/office/powerpoint/2012/main" xmlns:mc="http://schemas.openxmlformats.org/markup-compatibility/2006" type="objOverTx" preserve="1">
+<p:sldLayout xmlns:a="http://schemas.openxmlformats.org/drawingml/2006/main" xmlns:r="http://schemas.openxmlformats.org/officeDocument/2006/relationships" xmlns:p="http://schemas.openxmlformats.org/presentationml/2006/main" type="objOverTx" preserve="1">
   <p:cSld name="Title, Content over Content">
     <p:spTree>
       <p:nvGrpSpPr>
@@ -1580,9 +1756,10 @@
           </a:prstGeom>
         </p:spPr>
         <p:txBody>
-          <a:bodyPr lIns="0" rIns="0" tIns="0" bIns="0" anchor="ctr"/>
-          <a:p>
-            <a:endParaRPr b="0" lang="en-US" sz="1800" spc="-1" strike="noStrike">
+          <a:bodyPr lIns="0" tIns="0" rIns="0" bIns="0" anchor="ctr"/>
+          <a:lstStyle/>
+          <a:p>
+            <a:endParaRPr lang="en-US" sz="1800" b="0" strike="noStrike" spc="-1">
               <a:solidFill>
                 <a:srgbClr val="000000"/>
               </a:solidFill>
@@ -1611,11 +1788,12 @@
           </a:prstGeom>
         </p:spPr>
         <p:txBody>
-          <a:bodyPr lIns="0" rIns="0" tIns="0" bIns="0">
+          <a:bodyPr lIns="0" tIns="0" rIns="0" bIns="0">
             <a:normAutofit/>
           </a:bodyPr>
-          <a:p>
-            <a:endParaRPr b="0" lang="en-US" sz="1800" spc="-1" strike="noStrike">
+          <a:lstStyle/>
+          <a:p>
+            <a:endParaRPr lang="en-US" sz="1800" b="0" strike="noStrike" spc="-1">
               <a:solidFill>
                 <a:srgbClr val="000000"/>
               </a:solidFill>
@@ -1644,11 +1822,12 @@
           </a:prstGeom>
         </p:spPr>
         <p:txBody>
-          <a:bodyPr lIns="0" rIns="0" tIns="0" bIns="0">
+          <a:bodyPr lIns="0" tIns="0" rIns="0" bIns="0">
             <a:normAutofit/>
           </a:bodyPr>
-          <a:p>
-            <a:endParaRPr b="0" lang="en-US" sz="1800" spc="-1" strike="noStrike">
+          <a:lstStyle/>
+          <a:p>
+            <a:endParaRPr lang="en-US" sz="1800" b="0" strike="noStrike" spc="-1">
               <a:solidFill>
                 <a:srgbClr val="000000"/>
               </a:solidFill>
@@ -1659,11 +1838,14 @@
       </p:sp>
     </p:spTree>
   </p:cSld>
+  <p:clrMapOvr>
+    <a:masterClrMapping/>
+  </p:clrMapOvr>
 </p:sldLayout>
 </file>
 
 <file path=ppt/slideLayouts/slideLayout23.xml><?xml version="1.0" encoding="utf-8"?>
-<p:sldLayout xmlns:a="http://schemas.openxmlformats.org/drawingml/2006/main" xmlns:p="http://schemas.openxmlformats.org/presentationml/2006/main" xmlns:r="http://schemas.openxmlformats.org/officeDocument/2006/relationships" xmlns:p14="http://schemas.microsoft.com/office/powerpoint/2010/main" xmlns:p15="http://schemas.microsoft.com/office/powerpoint/2012/main" xmlns:mc="http://schemas.openxmlformats.org/markup-compatibility/2006" type="fourObj" preserve="1">
+<p:sldLayout xmlns:a="http://schemas.openxmlformats.org/drawingml/2006/main" xmlns:r="http://schemas.openxmlformats.org/officeDocument/2006/relationships" xmlns:p="http://schemas.openxmlformats.org/presentationml/2006/main" type="fourObj" preserve="1">
   <p:cSld name="Title, 4 Content">
     <p:spTree>
       <p:nvGrpSpPr>
@@ -1699,9 +1881,10 @@
           </a:prstGeom>
         </p:spPr>
         <p:txBody>
-          <a:bodyPr lIns="0" rIns="0" tIns="0" bIns="0" anchor="ctr"/>
-          <a:p>
-            <a:endParaRPr b="0" lang="en-US" sz="1800" spc="-1" strike="noStrike">
+          <a:bodyPr lIns="0" tIns="0" rIns="0" bIns="0" anchor="ctr"/>
+          <a:lstStyle/>
+          <a:p>
+            <a:endParaRPr lang="en-US" sz="1800" b="0" strike="noStrike" spc="-1">
               <a:solidFill>
                 <a:srgbClr val="000000"/>
               </a:solidFill>
@@ -1730,11 +1913,12 @@
           </a:prstGeom>
         </p:spPr>
         <p:txBody>
-          <a:bodyPr lIns="0" rIns="0" tIns="0" bIns="0">
+          <a:bodyPr lIns="0" tIns="0" rIns="0" bIns="0">
             <a:normAutofit/>
           </a:bodyPr>
-          <a:p>
-            <a:endParaRPr b="0" lang="en-US" sz="1800" spc="-1" strike="noStrike">
+          <a:lstStyle/>
+          <a:p>
+            <a:endParaRPr lang="en-US" sz="1800" b="0" strike="noStrike" spc="-1">
               <a:solidFill>
                 <a:srgbClr val="000000"/>
               </a:solidFill>
@@ -1763,11 +1947,12 @@
           </a:prstGeom>
         </p:spPr>
         <p:txBody>
-          <a:bodyPr lIns="0" rIns="0" tIns="0" bIns="0">
+          <a:bodyPr lIns="0" tIns="0" rIns="0" bIns="0">
             <a:normAutofit/>
           </a:bodyPr>
-          <a:p>
-            <a:endParaRPr b="0" lang="en-US" sz="1800" spc="-1" strike="noStrike">
+          <a:lstStyle/>
+          <a:p>
+            <a:endParaRPr lang="en-US" sz="1800" b="0" strike="noStrike" spc="-1">
               <a:solidFill>
                 <a:srgbClr val="000000"/>
               </a:solidFill>
@@ -1796,11 +1981,12 @@
           </a:prstGeom>
         </p:spPr>
         <p:txBody>
-          <a:bodyPr lIns="0" rIns="0" tIns="0" bIns="0">
+          <a:bodyPr lIns="0" tIns="0" rIns="0" bIns="0">
             <a:normAutofit/>
           </a:bodyPr>
-          <a:p>
-            <a:endParaRPr b="0" lang="en-US" sz="1800" spc="-1" strike="noStrike">
+          <a:lstStyle/>
+          <a:p>
+            <a:endParaRPr lang="en-US" sz="1800" b="0" strike="noStrike" spc="-1">
               <a:solidFill>
                 <a:srgbClr val="000000"/>
               </a:solidFill>
@@ -1829,11 +2015,12 @@
           </a:prstGeom>
         </p:spPr>
         <p:txBody>
-          <a:bodyPr lIns="0" rIns="0" tIns="0" bIns="0">
+          <a:bodyPr lIns="0" tIns="0" rIns="0" bIns="0">
             <a:normAutofit/>
           </a:bodyPr>
-          <a:p>
-            <a:endParaRPr b="0" lang="en-US" sz="1800" spc="-1" strike="noStrike">
+          <a:lstStyle/>
+          <a:p>
+            <a:endParaRPr lang="en-US" sz="1800" b="0" strike="noStrike" spc="-1">
               <a:solidFill>
                 <a:srgbClr val="000000"/>
               </a:solidFill>
@@ -1844,11 +2031,14 @@
       </p:sp>
     </p:spTree>
   </p:cSld>
+  <p:clrMapOvr>
+    <a:masterClrMapping/>
+  </p:clrMapOvr>
 </p:sldLayout>
 </file>
 
 <file path=ppt/slideLayouts/slideLayout24.xml><?xml version="1.0" encoding="utf-8"?>
-<p:sldLayout xmlns:a="http://schemas.openxmlformats.org/drawingml/2006/main" xmlns:p="http://schemas.openxmlformats.org/presentationml/2006/main" xmlns:r="http://schemas.openxmlformats.org/officeDocument/2006/relationships" xmlns:p14="http://schemas.microsoft.com/office/powerpoint/2010/main" xmlns:p15="http://schemas.microsoft.com/office/powerpoint/2012/main" xmlns:mc="http://schemas.openxmlformats.org/markup-compatibility/2006" type="blank" preserve="1">
+<p:sldLayout xmlns:a="http://schemas.openxmlformats.org/drawingml/2006/main" xmlns:r="http://schemas.openxmlformats.org/officeDocument/2006/relationships" xmlns:p="http://schemas.openxmlformats.org/presentationml/2006/main" type="blank" preserve="1">
   <p:cSld name="Title, 6 Content">
     <p:spTree>
       <p:nvGrpSpPr>
@@ -1884,9 +2074,10 @@
           </a:prstGeom>
         </p:spPr>
         <p:txBody>
-          <a:bodyPr lIns="0" rIns="0" tIns="0" bIns="0" anchor="ctr"/>
-          <a:p>
-            <a:endParaRPr b="0" lang="en-US" sz="1800" spc="-1" strike="noStrike">
+          <a:bodyPr lIns="0" tIns="0" rIns="0" bIns="0" anchor="ctr"/>
+          <a:lstStyle/>
+          <a:p>
+            <a:endParaRPr lang="en-US" sz="1800" b="0" strike="noStrike" spc="-1">
               <a:solidFill>
                 <a:srgbClr val="000000"/>
               </a:solidFill>
@@ -1915,11 +2106,12 @@
           </a:prstGeom>
         </p:spPr>
         <p:txBody>
-          <a:bodyPr lIns="0" rIns="0" tIns="0" bIns="0">
+          <a:bodyPr lIns="0" tIns="0" rIns="0" bIns="0">
             <a:normAutofit/>
           </a:bodyPr>
-          <a:p>
-            <a:endParaRPr b="0" lang="en-US" sz="1800" spc="-1" strike="noStrike">
+          <a:lstStyle/>
+          <a:p>
+            <a:endParaRPr lang="en-US" sz="1800" b="0" strike="noStrike" spc="-1">
               <a:solidFill>
                 <a:srgbClr val="000000"/>
               </a:solidFill>
@@ -1948,11 +2140,12 @@
           </a:prstGeom>
         </p:spPr>
         <p:txBody>
-          <a:bodyPr lIns="0" rIns="0" tIns="0" bIns="0">
+          <a:bodyPr lIns="0" tIns="0" rIns="0" bIns="0">
             <a:normAutofit/>
           </a:bodyPr>
-          <a:p>
-            <a:endParaRPr b="0" lang="en-US" sz="1800" spc="-1" strike="noStrike">
+          <a:lstStyle/>
+          <a:p>
+            <a:endParaRPr lang="en-US" sz="1800" b="0" strike="noStrike" spc="-1">
               <a:solidFill>
                 <a:srgbClr val="000000"/>
               </a:solidFill>
@@ -1981,11 +2174,12 @@
           </a:prstGeom>
         </p:spPr>
         <p:txBody>
-          <a:bodyPr lIns="0" rIns="0" tIns="0" bIns="0">
+          <a:bodyPr lIns="0" tIns="0" rIns="0" bIns="0">
             <a:normAutofit/>
           </a:bodyPr>
-          <a:p>
-            <a:endParaRPr b="0" lang="en-US" sz="1800" spc="-1" strike="noStrike">
+          <a:lstStyle/>
+          <a:p>
+            <a:endParaRPr lang="en-US" sz="1800" b="0" strike="noStrike" spc="-1">
               <a:solidFill>
                 <a:srgbClr val="000000"/>
               </a:solidFill>
@@ -2014,11 +2208,12 @@
           </a:prstGeom>
         </p:spPr>
         <p:txBody>
-          <a:bodyPr lIns="0" rIns="0" tIns="0" bIns="0">
+          <a:bodyPr lIns="0" tIns="0" rIns="0" bIns="0">
             <a:normAutofit/>
           </a:bodyPr>
-          <a:p>
-            <a:endParaRPr b="0" lang="en-US" sz="1800" spc="-1" strike="noStrike">
+          <a:lstStyle/>
+          <a:p>
+            <a:endParaRPr lang="en-US" sz="1800" b="0" strike="noStrike" spc="-1">
               <a:solidFill>
                 <a:srgbClr val="000000"/>
               </a:solidFill>
@@ -2047,11 +2242,12 @@
           </a:prstGeom>
         </p:spPr>
         <p:txBody>
-          <a:bodyPr lIns="0" rIns="0" tIns="0" bIns="0">
+          <a:bodyPr lIns="0" tIns="0" rIns="0" bIns="0">
             <a:normAutofit/>
           </a:bodyPr>
-          <a:p>
-            <a:endParaRPr b="0" lang="en-US" sz="1800" spc="-1" strike="noStrike">
+          <a:lstStyle/>
+          <a:p>
+            <a:endParaRPr lang="en-US" sz="1800" b="0" strike="noStrike" spc="-1">
               <a:solidFill>
                 <a:srgbClr val="000000"/>
               </a:solidFill>
@@ -2080,11 +2276,12 @@
           </a:prstGeom>
         </p:spPr>
         <p:txBody>
-          <a:bodyPr lIns="0" rIns="0" tIns="0" bIns="0">
+          <a:bodyPr lIns="0" tIns="0" rIns="0" bIns="0">
             <a:normAutofit/>
           </a:bodyPr>
-          <a:p>
-            <a:endParaRPr b="0" lang="en-US" sz="1800" spc="-1" strike="noStrike">
+          <a:lstStyle/>
+          <a:p>
+            <a:endParaRPr lang="en-US" sz="1800" b="0" strike="noStrike" spc="-1">
               <a:solidFill>
                 <a:srgbClr val="000000"/>
               </a:solidFill>
@@ -2095,11 +2292,14 @@
       </p:sp>
     </p:spTree>
   </p:cSld>
+  <p:clrMapOvr>
+    <a:masterClrMapping/>
+  </p:clrMapOvr>
 </p:sldLayout>
 </file>
 
 <file path=ppt/slideLayouts/slideLayout3.xml><?xml version="1.0" encoding="utf-8"?>
-<p:sldLayout xmlns:a="http://schemas.openxmlformats.org/drawingml/2006/main" xmlns:p="http://schemas.openxmlformats.org/presentationml/2006/main" xmlns:r="http://schemas.openxmlformats.org/officeDocument/2006/relationships" xmlns:p14="http://schemas.microsoft.com/office/powerpoint/2010/main" xmlns:p15="http://schemas.microsoft.com/office/powerpoint/2012/main" xmlns:mc="http://schemas.openxmlformats.org/markup-compatibility/2006" type="obj" preserve="1">
+<p:sldLayout xmlns:a="http://schemas.openxmlformats.org/drawingml/2006/main" xmlns:r="http://schemas.openxmlformats.org/officeDocument/2006/relationships" xmlns:p="http://schemas.openxmlformats.org/presentationml/2006/main" type="obj" preserve="1">
   <p:cSld name="Title, Content">
     <p:spTree>
       <p:nvGrpSpPr>
@@ -2135,9 +2335,10 @@
           </a:prstGeom>
         </p:spPr>
         <p:txBody>
-          <a:bodyPr lIns="0" rIns="0" tIns="0" bIns="0" anchor="ctr"/>
-          <a:p>
-            <a:endParaRPr b="0" lang="en-US" sz="1800" spc="-1" strike="noStrike">
+          <a:bodyPr lIns="0" tIns="0" rIns="0" bIns="0" anchor="ctr"/>
+          <a:lstStyle/>
+          <a:p>
+            <a:endParaRPr lang="en-US" sz="1800" b="0" strike="noStrike" spc="-1">
               <a:solidFill>
                 <a:srgbClr val="000000"/>
               </a:solidFill>
@@ -2166,11 +2367,12 @@
           </a:prstGeom>
         </p:spPr>
         <p:txBody>
-          <a:bodyPr lIns="0" rIns="0" tIns="0" bIns="0">
+          <a:bodyPr lIns="0" tIns="0" rIns="0" bIns="0">
             <a:normAutofit/>
           </a:bodyPr>
-          <a:p>
-            <a:endParaRPr b="0" lang="en-US" sz="1800" spc="-1" strike="noStrike">
+          <a:lstStyle/>
+          <a:p>
+            <a:endParaRPr lang="en-US" sz="1800" b="0" strike="noStrike" spc="-1">
               <a:solidFill>
                 <a:srgbClr val="000000"/>
               </a:solidFill>
@@ -2181,11 +2383,14 @@
       </p:sp>
     </p:spTree>
   </p:cSld>
+  <p:clrMapOvr>
+    <a:masterClrMapping/>
+  </p:clrMapOvr>
 </p:sldLayout>
 </file>
 
 <file path=ppt/slideLayouts/slideLayout4.xml><?xml version="1.0" encoding="utf-8"?>
-<p:sldLayout xmlns:a="http://schemas.openxmlformats.org/drawingml/2006/main" xmlns:p="http://schemas.openxmlformats.org/presentationml/2006/main" xmlns:r="http://schemas.openxmlformats.org/officeDocument/2006/relationships" xmlns:p14="http://schemas.microsoft.com/office/powerpoint/2010/main" xmlns:p15="http://schemas.microsoft.com/office/powerpoint/2012/main" xmlns:mc="http://schemas.openxmlformats.org/markup-compatibility/2006" type="twoObj" preserve="1">
+<p:sldLayout xmlns:a="http://schemas.openxmlformats.org/drawingml/2006/main" xmlns:r="http://schemas.openxmlformats.org/officeDocument/2006/relationships" xmlns:p="http://schemas.openxmlformats.org/presentationml/2006/main" type="twoObj" preserve="1">
   <p:cSld name="Title, 2 Content">
     <p:spTree>
       <p:nvGrpSpPr>
@@ -2221,9 +2426,10 @@
           </a:prstGeom>
         </p:spPr>
         <p:txBody>
-          <a:bodyPr lIns="0" rIns="0" tIns="0" bIns="0" anchor="ctr"/>
-          <a:p>
-            <a:endParaRPr b="0" lang="en-US" sz="1800" spc="-1" strike="noStrike">
+          <a:bodyPr lIns="0" tIns="0" rIns="0" bIns="0" anchor="ctr"/>
+          <a:lstStyle/>
+          <a:p>
+            <a:endParaRPr lang="en-US" sz="1800" b="0" strike="noStrike" spc="-1">
               <a:solidFill>
                 <a:srgbClr val="000000"/>
               </a:solidFill>
@@ -2252,11 +2458,12 @@
           </a:prstGeom>
         </p:spPr>
         <p:txBody>
-          <a:bodyPr lIns="0" rIns="0" tIns="0" bIns="0">
+          <a:bodyPr lIns="0" tIns="0" rIns="0" bIns="0">
             <a:normAutofit/>
           </a:bodyPr>
-          <a:p>
-            <a:endParaRPr b="0" lang="en-US" sz="1800" spc="-1" strike="noStrike">
+          <a:lstStyle/>
+          <a:p>
+            <a:endParaRPr lang="en-US" sz="1800" b="0" strike="noStrike" spc="-1">
               <a:solidFill>
                 <a:srgbClr val="000000"/>
               </a:solidFill>
@@ -2285,11 +2492,12 @@
           </a:prstGeom>
         </p:spPr>
         <p:txBody>
-          <a:bodyPr lIns="0" rIns="0" tIns="0" bIns="0">
+          <a:bodyPr lIns="0" tIns="0" rIns="0" bIns="0">
             <a:normAutofit/>
           </a:bodyPr>
-          <a:p>
-            <a:endParaRPr b="0" lang="en-US" sz="1800" spc="-1" strike="noStrike">
+          <a:lstStyle/>
+          <a:p>
+            <a:endParaRPr lang="en-US" sz="1800" b="0" strike="noStrike" spc="-1">
               <a:solidFill>
                 <a:srgbClr val="000000"/>
               </a:solidFill>
@@ -2300,11 +2508,14 @@
       </p:sp>
     </p:spTree>
   </p:cSld>
+  <p:clrMapOvr>
+    <a:masterClrMapping/>
+  </p:clrMapOvr>
 </p:sldLayout>
 </file>
 
 <file path=ppt/slideLayouts/slideLayout5.xml><?xml version="1.0" encoding="utf-8"?>
-<p:sldLayout xmlns:a="http://schemas.openxmlformats.org/drawingml/2006/main" xmlns:p="http://schemas.openxmlformats.org/presentationml/2006/main" xmlns:r="http://schemas.openxmlformats.org/officeDocument/2006/relationships" xmlns:p14="http://schemas.microsoft.com/office/powerpoint/2010/main" xmlns:p15="http://schemas.microsoft.com/office/powerpoint/2012/main" xmlns:mc="http://schemas.openxmlformats.org/markup-compatibility/2006" type="titleOnly" preserve="1">
+<p:sldLayout xmlns:a="http://schemas.openxmlformats.org/drawingml/2006/main" xmlns:r="http://schemas.openxmlformats.org/officeDocument/2006/relationships" xmlns:p="http://schemas.openxmlformats.org/presentationml/2006/main" type="titleOnly" preserve="1">
   <p:cSld name="Title Only">
     <p:spTree>
       <p:nvGrpSpPr>
@@ -2340,9 +2551,10 @@
           </a:prstGeom>
         </p:spPr>
         <p:txBody>
-          <a:bodyPr lIns="0" rIns="0" tIns="0" bIns="0" anchor="ctr"/>
-          <a:p>
-            <a:endParaRPr b="0" lang="en-US" sz="1800" spc="-1" strike="noStrike">
+          <a:bodyPr lIns="0" tIns="0" rIns="0" bIns="0" anchor="ctr"/>
+          <a:lstStyle/>
+          <a:p>
+            <a:endParaRPr lang="en-US" sz="1800" b="0" strike="noStrike" spc="-1">
               <a:solidFill>
                 <a:srgbClr val="000000"/>
               </a:solidFill>
@@ -2353,11 +2565,14 @@
       </p:sp>
     </p:spTree>
   </p:cSld>
+  <p:clrMapOvr>
+    <a:masterClrMapping/>
+  </p:clrMapOvr>
 </p:sldLayout>
 </file>
 
 <file path=ppt/slideLayouts/slideLayout6.xml><?xml version="1.0" encoding="utf-8"?>
-<p:sldLayout xmlns:a="http://schemas.openxmlformats.org/drawingml/2006/main" xmlns:p="http://schemas.openxmlformats.org/presentationml/2006/main" xmlns:r="http://schemas.openxmlformats.org/officeDocument/2006/relationships" xmlns:p14="http://schemas.microsoft.com/office/powerpoint/2010/main" xmlns:p15="http://schemas.microsoft.com/office/powerpoint/2012/main" xmlns:mc="http://schemas.openxmlformats.org/markup-compatibility/2006" type="objOnly" preserve="1">
+<p:sldLayout xmlns:a="http://schemas.openxmlformats.org/drawingml/2006/main" xmlns:r="http://schemas.openxmlformats.org/officeDocument/2006/relationships" xmlns:p="http://schemas.openxmlformats.org/presentationml/2006/main" type="objOnly" preserve="1">
   <p:cSld name="Centered Text">
     <p:spTree>
       <p:nvGrpSpPr>
@@ -2393,10 +2608,11 @@
           </a:prstGeom>
         </p:spPr>
         <p:txBody>
-          <a:bodyPr lIns="0" rIns="0" tIns="0" bIns="0" anchor="ctr"/>
+          <a:bodyPr lIns="0" tIns="0" rIns="0" bIns="0" anchor="ctr"/>
+          <a:lstStyle/>
           <a:p>
             <a:pPr algn="ctr"/>
-            <a:endParaRPr b="0" lang="de-CH" sz="3200" spc="-1" strike="noStrike">
+            <a:endParaRPr lang="de-CH" sz="3200" b="0" strike="noStrike" spc="-1">
               <a:latin typeface="Arial"/>
             </a:endParaRPr>
           </a:p>
@@ -2404,11 +2620,14 @@
       </p:sp>
     </p:spTree>
   </p:cSld>
+  <p:clrMapOvr>
+    <a:masterClrMapping/>
+  </p:clrMapOvr>
 </p:sldLayout>
 </file>
 
 <file path=ppt/slideLayouts/slideLayout7.xml><?xml version="1.0" encoding="utf-8"?>
-<p:sldLayout xmlns:a="http://schemas.openxmlformats.org/drawingml/2006/main" xmlns:p="http://schemas.openxmlformats.org/presentationml/2006/main" xmlns:r="http://schemas.openxmlformats.org/officeDocument/2006/relationships" xmlns:p14="http://schemas.microsoft.com/office/powerpoint/2010/main" xmlns:p15="http://schemas.microsoft.com/office/powerpoint/2012/main" xmlns:mc="http://schemas.openxmlformats.org/markup-compatibility/2006" type="twoObjAndObj" preserve="1">
+<p:sldLayout xmlns:a="http://schemas.openxmlformats.org/drawingml/2006/main" xmlns:r="http://schemas.openxmlformats.org/officeDocument/2006/relationships" xmlns:p="http://schemas.openxmlformats.org/presentationml/2006/main" type="twoObjAndObj" preserve="1">
   <p:cSld name="Title, 2 Content and Content">
     <p:spTree>
       <p:nvGrpSpPr>
@@ -2444,9 +2663,10 @@
           </a:prstGeom>
         </p:spPr>
         <p:txBody>
-          <a:bodyPr lIns="0" rIns="0" tIns="0" bIns="0" anchor="ctr"/>
-          <a:p>
-            <a:endParaRPr b="0" lang="en-US" sz="1800" spc="-1" strike="noStrike">
+          <a:bodyPr lIns="0" tIns="0" rIns="0" bIns="0" anchor="ctr"/>
+          <a:lstStyle/>
+          <a:p>
+            <a:endParaRPr lang="en-US" sz="1800" b="0" strike="noStrike" spc="-1">
               <a:solidFill>
                 <a:srgbClr val="000000"/>
               </a:solidFill>
@@ -2475,11 +2695,12 @@
           </a:prstGeom>
         </p:spPr>
         <p:txBody>
-          <a:bodyPr lIns="0" rIns="0" tIns="0" bIns="0">
+          <a:bodyPr lIns="0" tIns="0" rIns="0" bIns="0">
             <a:normAutofit/>
           </a:bodyPr>
-          <a:p>
-            <a:endParaRPr b="0" lang="en-US" sz="1800" spc="-1" strike="noStrike">
+          <a:lstStyle/>
+          <a:p>
+            <a:endParaRPr lang="en-US" sz="1800" b="0" strike="noStrike" spc="-1">
               <a:solidFill>
                 <a:srgbClr val="000000"/>
               </a:solidFill>
@@ -2508,11 +2729,12 @@
           </a:prstGeom>
         </p:spPr>
         <p:txBody>
-          <a:bodyPr lIns="0" rIns="0" tIns="0" bIns="0">
+          <a:bodyPr lIns="0" tIns="0" rIns="0" bIns="0">
             <a:normAutofit/>
           </a:bodyPr>
-          <a:p>
-            <a:endParaRPr b="0" lang="en-US" sz="1800" spc="-1" strike="noStrike">
+          <a:lstStyle/>
+          <a:p>
+            <a:endParaRPr lang="en-US" sz="1800" b="0" strike="noStrike" spc="-1">
               <a:solidFill>
                 <a:srgbClr val="000000"/>
               </a:solidFill>
@@ -2541,11 +2763,12 @@
           </a:prstGeom>
         </p:spPr>
         <p:txBody>
-          <a:bodyPr lIns="0" rIns="0" tIns="0" bIns="0">
+          <a:bodyPr lIns="0" tIns="0" rIns="0" bIns="0">
             <a:normAutofit/>
           </a:bodyPr>
-          <a:p>
-            <a:endParaRPr b="0" lang="en-US" sz="1800" spc="-1" strike="noStrike">
+          <a:lstStyle/>
+          <a:p>
+            <a:endParaRPr lang="en-US" sz="1800" b="0" strike="noStrike" spc="-1">
               <a:solidFill>
                 <a:srgbClr val="000000"/>
               </a:solidFill>
@@ -2556,11 +2779,14 @@
       </p:sp>
     </p:spTree>
   </p:cSld>
+  <p:clrMapOvr>
+    <a:masterClrMapping/>
+  </p:clrMapOvr>
 </p:sldLayout>
 </file>
 
 <file path=ppt/slideLayouts/slideLayout8.xml><?xml version="1.0" encoding="utf-8"?>
-<p:sldLayout xmlns:a="http://schemas.openxmlformats.org/drawingml/2006/main" xmlns:p="http://schemas.openxmlformats.org/presentationml/2006/main" xmlns:r="http://schemas.openxmlformats.org/officeDocument/2006/relationships" xmlns:p14="http://schemas.microsoft.com/office/powerpoint/2010/main" xmlns:p15="http://schemas.microsoft.com/office/powerpoint/2012/main" xmlns:mc="http://schemas.openxmlformats.org/markup-compatibility/2006" type="objAndTwoObj" preserve="1">
+<p:sldLayout xmlns:a="http://schemas.openxmlformats.org/drawingml/2006/main" xmlns:r="http://schemas.openxmlformats.org/officeDocument/2006/relationships" xmlns:p="http://schemas.openxmlformats.org/presentationml/2006/main" type="objAndTwoObj" preserve="1">
   <p:cSld name="Title Content and 2 Content">
     <p:spTree>
       <p:nvGrpSpPr>
@@ -2596,9 +2822,10 @@
           </a:prstGeom>
         </p:spPr>
         <p:txBody>
-          <a:bodyPr lIns="0" rIns="0" tIns="0" bIns="0" anchor="ctr"/>
-          <a:p>
-            <a:endParaRPr b="0" lang="en-US" sz="1800" spc="-1" strike="noStrike">
+          <a:bodyPr lIns="0" tIns="0" rIns="0" bIns="0" anchor="ctr"/>
+          <a:lstStyle/>
+          <a:p>
+            <a:endParaRPr lang="en-US" sz="1800" b="0" strike="noStrike" spc="-1">
               <a:solidFill>
                 <a:srgbClr val="000000"/>
               </a:solidFill>
@@ -2627,11 +2854,12 @@
           </a:prstGeom>
         </p:spPr>
         <p:txBody>
-          <a:bodyPr lIns="0" rIns="0" tIns="0" bIns="0">
+          <a:bodyPr lIns="0" tIns="0" rIns="0" bIns="0">
             <a:normAutofit/>
           </a:bodyPr>
-          <a:p>
-            <a:endParaRPr b="0" lang="en-US" sz="1800" spc="-1" strike="noStrike">
+          <a:lstStyle/>
+          <a:p>
+            <a:endParaRPr lang="en-US" sz="1800" b="0" strike="noStrike" spc="-1">
               <a:solidFill>
                 <a:srgbClr val="000000"/>
               </a:solidFill>
@@ -2660,11 +2888,12 @@
           </a:prstGeom>
         </p:spPr>
         <p:txBody>
-          <a:bodyPr lIns="0" rIns="0" tIns="0" bIns="0">
+          <a:bodyPr lIns="0" tIns="0" rIns="0" bIns="0">
             <a:normAutofit/>
           </a:bodyPr>
-          <a:p>
-            <a:endParaRPr b="0" lang="en-US" sz="1800" spc="-1" strike="noStrike">
+          <a:lstStyle/>
+          <a:p>
+            <a:endParaRPr lang="en-US" sz="1800" b="0" strike="noStrike" spc="-1">
               <a:solidFill>
                 <a:srgbClr val="000000"/>
               </a:solidFill>
@@ -2693,11 +2922,12 @@
           </a:prstGeom>
         </p:spPr>
         <p:txBody>
-          <a:bodyPr lIns="0" rIns="0" tIns="0" bIns="0">
+          <a:bodyPr lIns="0" tIns="0" rIns="0" bIns="0">
             <a:normAutofit/>
           </a:bodyPr>
-          <a:p>
-            <a:endParaRPr b="0" lang="en-US" sz="1800" spc="-1" strike="noStrike">
+          <a:lstStyle/>
+          <a:p>
+            <a:endParaRPr lang="en-US" sz="1800" b="0" strike="noStrike" spc="-1">
               <a:solidFill>
                 <a:srgbClr val="000000"/>
               </a:solidFill>
@@ -2708,11 +2938,14 @@
       </p:sp>
     </p:spTree>
   </p:cSld>
+  <p:clrMapOvr>
+    <a:masterClrMapping/>
+  </p:clrMapOvr>
 </p:sldLayout>
 </file>
 
 <file path=ppt/slideLayouts/slideLayout9.xml><?xml version="1.0" encoding="utf-8"?>
-<p:sldLayout xmlns:a="http://schemas.openxmlformats.org/drawingml/2006/main" xmlns:p="http://schemas.openxmlformats.org/presentationml/2006/main" xmlns:r="http://schemas.openxmlformats.org/officeDocument/2006/relationships" xmlns:p14="http://schemas.microsoft.com/office/powerpoint/2010/main" xmlns:p15="http://schemas.microsoft.com/office/powerpoint/2012/main" xmlns:mc="http://schemas.openxmlformats.org/markup-compatibility/2006" type="twoObjOverTx" preserve="1">
+<p:sldLayout xmlns:a="http://schemas.openxmlformats.org/drawingml/2006/main" xmlns:r="http://schemas.openxmlformats.org/officeDocument/2006/relationships" xmlns:p="http://schemas.openxmlformats.org/presentationml/2006/main" type="twoObjOverTx" preserve="1">
   <p:cSld name="Title, 2 Content over Content">
     <p:spTree>
       <p:nvGrpSpPr>
@@ -2748,9 +2981,10 @@
           </a:prstGeom>
         </p:spPr>
         <p:txBody>
-          <a:bodyPr lIns="0" rIns="0" tIns="0" bIns="0" anchor="ctr"/>
-          <a:p>
-            <a:endParaRPr b="0" lang="en-US" sz="1800" spc="-1" strike="noStrike">
+          <a:bodyPr lIns="0" tIns="0" rIns="0" bIns="0" anchor="ctr"/>
+          <a:lstStyle/>
+          <a:p>
+            <a:endParaRPr lang="en-US" sz="1800" b="0" strike="noStrike" spc="-1">
               <a:solidFill>
                 <a:srgbClr val="000000"/>
               </a:solidFill>
@@ -2779,11 +3013,12 @@
           </a:prstGeom>
         </p:spPr>
         <p:txBody>
-          <a:bodyPr lIns="0" rIns="0" tIns="0" bIns="0">
+          <a:bodyPr lIns="0" tIns="0" rIns="0" bIns="0">
             <a:normAutofit/>
           </a:bodyPr>
-          <a:p>
-            <a:endParaRPr b="0" lang="en-US" sz="1800" spc="-1" strike="noStrike">
+          <a:lstStyle/>
+          <a:p>
+            <a:endParaRPr lang="en-US" sz="1800" b="0" strike="noStrike" spc="-1">
               <a:solidFill>
                 <a:srgbClr val="000000"/>
               </a:solidFill>
@@ -2812,11 +3047,12 @@
           </a:prstGeom>
         </p:spPr>
         <p:txBody>
-          <a:bodyPr lIns="0" rIns="0" tIns="0" bIns="0">
+          <a:bodyPr lIns="0" tIns="0" rIns="0" bIns="0">
             <a:normAutofit/>
           </a:bodyPr>
-          <a:p>
-            <a:endParaRPr b="0" lang="en-US" sz="1800" spc="-1" strike="noStrike">
+          <a:lstStyle/>
+          <a:p>
+            <a:endParaRPr lang="en-US" sz="1800" b="0" strike="noStrike" spc="-1">
               <a:solidFill>
                 <a:srgbClr val="000000"/>
               </a:solidFill>
@@ -2845,11 +3081,12 @@
           </a:prstGeom>
         </p:spPr>
         <p:txBody>
-          <a:bodyPr lIns="0" rIns="0" tIns="0" bIns="0">
+          <a:bodyPr lIns="0" tIns="0" rIns="0" bIns="0">
             <a:normAutofit/>
           </a:bodyPr>
-          <a:p>
-            <a:endParaRPr b="0" lang="en-US" sz="1800" spc="-1" strike="noStrike">
+          <a:lstStyle/>
+          <a:p>
+            <a:endParaRPr lang="en-US" sz="1800" b="0" strike="noStrike" spc="-1">
               <a:solidFill>
                 <a:srgbClr val="000000"/>
               </a:solidFill>
@@ -2860,17 +3097,21 @@
       </p:sp>
     </p:spTree>
   </p:cSld>
+  <p:clrMapOvr>
+    <a:masterClrMapping/>
+  </p:clrMapOvr>
 </p:sldLayout>
 </file>
 
 <file path=ppt/slideMasters/slideMaster1.xml><?xml version="1.0" encoding="utf-8"?>
-<p:sldMaster xmlns:a="http://schemas.openxmlformats.org/drawingml/2006/main" xmlns:p="http://schemas.openxmlformats.org/presentationml/2006/main" xmlns:r="http://schemas.openxmlformats.org/officeDocument/2006/relationships" xmlns:p14="http://schemas.microsoft.com/office/powerpoint/2010/main" xmlns:p15="http://schemas.microsoft.com/office/powerpoint/2012/main" xmlns:mc="http://schemas.openxmlformats.org/markup-compatibility/2006">
+<p:sldMaster xmlns:a="http://schemas.openxmlformats.org/drawingml/2006/main" xmlns:r="http://schemas.openxmlformats.org/officeDocument/2006/relationships" xmlns:p="http://schemas.openxmlformats.org/presentationml/2006/main">
   <p:cSld>
     <p:bg>
       <p:bgPr>
         <a:solidFill>
-          <a:srgbClr val="ffffff"/>
+          <a:srgbClr val="FFFFFF"/>
         </a:solidFill>
+        <a:effectLst/>
       </p:bgPr>
     </p:bg>
     <p:spTree>
@@ -2889,7 +3130,7 @@
       </p:grpSpPr>
       <p:sp>
         <p:nvSpPr>
-          <p:cNvPr id="0" name="PlaceHolder 1"/>
+          <p:cNvPr id="2" name="PlaceHolder 1"/>
           <p:cNvSpPr>
             <a:spLocks noGrp="1"/>
           </p:cNvSpPr>
@@ -2907,10 +3148,11 @@
           </a:prstGeom>
         </p:spPr>
         <p:txBody>
-          <a:bodyPr lIns="0" rIns="0" tIns="0" bIns="0" anchor="ctr"/>
+          <a:bodyPr lIns="0" tIns="0" rIns="0" bIns="0" anchor="ctr"/>
+          <a:lstStyle/>
           <a:p>
             <a:r>
-              <a:rPr b="0" lang="en-US" sz="1800" spc="-1" strike="noStrike">
+              <a:rPr lang="en-US" sz="1800" b="0" strike="noStrike" spc="-1">
                 <a:solidFill>
                   <a:srgbClr val="000000"/>
                 </a:solidFill>
@@ -2918,18 +3160,12 @@
               </a:rPr>
               <a:t>Format des Titeltextes durch Klicken bearbeiten</a:t>
             </a:r>
-            <a:endParaRPr b="0" lang="en-US" sz="1800" spc="-1" strike="noStrike">
-              <a:solidFill>
-                <a:srgbClr val="000000"/>
-              </a:solidFill>
-              <a:latin typeface="Arial"/>
-            </a:endParaRPr>
-          </a:p>
-        </p:txBody>
-      </p:sp>
-      <p:sp>
-        <p:nvSpPr>
-          <p:cNvPr id="1" name="PlaceHolder 2"/>
+          </a:p>
+        </p:txBody>
+      </p:sp>
+      <p:sp>
+        <p:nvSpPr>
+          <p:cNvPr id="3" name="PlaceHolder 2"/>
           <p:cNvSpPr>
             <a:spLocks noGrp="1"/>
           </p:cNvSpPr>
@@ -2947,9 +3183,10 @@
           </a:prstGeom>
         </p:spPr>
         <p:txBody>
-          <a:bodyPr lIns="0" rIns="0" tIns="0" bIns="0">
+          <a:bodyPr lIns="0" tIns="0" rIns="0" bIns="0">
             <a:normAutofit/>
           </a:bodyPr>
+          <a:lstStyle/>
           <a:p>
             <a:pPr marL="432000" indent="-324000">
               <a:spcBef>
@@ -2963,7 +3200,7 @@
               <a:buChar char=""/>
             </a:pPr>
             <a:r>
-              <a:rPr b="0" lang="en-US" sz="1800" spc="-1" strike="noStrike">
+              <a:rPr lang="en-US" sz="1800" b="0" strike="noStrike" spc="-1">
                 <a:solidFill>
                   <a:srgbClr val="000000"/>
                 </a:solidFill>
@@ -2971,15 +3208,9 @@
               </a:rPr>
               <a:t>Format des Gliederungstextes durch Klicken bearbeiten</a:t>
             </a:r>
-            <a:endParaRPr b="0" lang="en-US" sz="1800" spc="-1" strike="noStrike">
-              <a:solidFill>
-                <a:srgbClr val="000000"/>
-              </a:solidFill>
-              <a:latin typeface="Arial"/>
-            </a:endParaRPr>
-          </a:p>
-          <a:p>
-            <a:pPr lvl="1" marL="864000" indent="-324000">
+          </a:p>
+          <a:p>
+            <a:pPr marL="864000" lvl="1" indent="-324000">
               <a:spcBef>
                 <a:spcPts val="1134"/>
               </a:spcBef>
@@ -2991,7 +3222,7 @@
               <a:buChar char=""/>
             </a:pPr>
             <a:r>
-              <a:rPr b="0" lang="en-US" sz="1800" spc="-1" strike="noStrike">
+              <a:rPr lang="en-US" sz="1800" b="0" strike="noStrike" spc="-1">
                 <a:solidFill>
                   <a:srgbClr val="000000"/>
                 </a:solidFill>
@@ -2999,15 +3230,9 @@
               </a:rPr>
               <a:t>Zweite Gliederungsebene</a:t>
             </a:r>
-            <a:endParaRPr b="0" lang="en-US" sz="1800" spc="-1" strike="noStrike">
-              <a:solidFill>
-                <a:srgbClr val="000000"/>
-              </a:solidFill>
-              <a:latin typeface="Arial"/>
-            </a:endParaRPr>
-          </a:p>
-          <a:p>
-            <a:pPr lvl="2" marL="1296000" indent="-288000">
+          </a:p>
+          <a:p>
+            <a:pPr marL="1296000" lvl="2" indent="-288000">
               <a:spcBef>
                 <a:spcPts val="850"/>
               </a:spcBef>
@@ -3019,7 +3244,7 @@
               <a:buChar char=""/>
             </a:pPr>
             <a:r>
-              <a:rPr b="0" lang="en-US" sz="1800" spc="-1" strike="noStrike">
+              <a:rPr lang="en-US" sz="1800" b="0" strike="noStrike" spc="-1">
                 <a:solidFill>
                   <a:srgbClr val="000000"/>
                 </a:solidFill>
@@ -3027,15 +3252,9 @@
               </a:rPr>
               <a:t>Dritte Gliederungsebene</a:t>
             </a:r>
-            <a:endParaRPr b="0" lang="en-US" sz="1800" spc="-1" strike="noStrike">
-              <a:solidFill>
-                <a:srgbClr val="000000"/>
-              </a:solidFill>
-              <a:latin typeface="Arial"/>
-            </a:endParaRPr>
-          </a:p>
-          <a:p>
-            <a:pPr lvl="3" marL="1728000" indent="-216000">
+          </a:p>
+          <a:p>
+            <a:pPr marL="1728000" lvl="3" indent="-216000">
               <a:spcBef>
                 <a:spcPts val="567"/>
               </a:spcBef>
@@ -3047,7 +3266,7 @@
               <a:buChar char=""/>
             </a:pPr>
             <a:r>
-              <a:rPr b="0" lang="en-US" sz="1800" spc="-1" strike="noStrike">
+              <a:rPr lang="en-US" sz="1800" b="0" strike="noStrike" spc="-1">
                 <a:solidFill>
                   <a:srgbClr val="000000"/>
                 </a:solidFill>
@@ -3055,15 +3274,9 @@
               </a:rPr>
               <a:t>Vierte Gliederungsebene</a:t>
             </a:r>
-            <a:endParaRPr b="0" lang="en-US" sz="1800" spc="-1" strike="noStrike">
-              <a:solidFill>
-                <a:srgbClr val="000000"/>
-              </a:solidFill>
-              <a:latin typeface="Arial"/>
-            </a:endParaRPr>
-          </a:p>
-          <a:p>
-            <a:pPr lvl="4" marL="2160000" indent="-216000">
+          </a:p>
+          <a:p>
+            <a:pPr marL="2160000" lvl="4" indent="-216000">
               <a:spcBef>
                 <a:spcPts val="283"/>
               </a:spcBef>
@@ -3075,7 +3288,7 @@
               <a:buChar char=""/>
             </a:pPr>
             <a:r>
-              <a:rPr b="0" lang="en-US" sz="2000" spc="-1" strike="noStrike">
+              <a:rPr lang="en-US" sz="2000" b="0" strike="noStrike" spc="-1">
                 <a:solidFill>
                   <a:srgbClr val="000000"/>
                 </a:solidFill>
@@ -3083,15 +3296,9 @@
               </a:rPr>
               <a:t>Fünfte Gliederungsebene</a:t>
             </a:r>
-            <a:endParaRPr b="0" lang="en-US" sz="2000" spc="-1" strike="noStrike">
-              <a:solidFill>
-                <a:srgbClr val="000000"/>
-              </a:solidFill>
-              <a:latin typeface="Arial"/>
-            </a:endParaRPr>
-          </a:p>
-          <a:p>
-            <a:pPr lvl="5" marL="2592000" indent="-216000">
+          </a:p>
+          <a:p>
+            <a:pPr marL="2592000" lvl="5" indent="-216000">
               <a:spcBef>
                 <a:spcPts val="283"/>
               </a:spcBef>
@@ -3103,7 +3310,7 @@
               <a:buChar char=""/>
             </a:pPr>
             <a:r>
-              <a:rPr b="0" lang="en-US" sz="2000" spc="-1" strike="noStrike">
+              <a:rPr lang="en-US" sz="2000" b="0" strike="noStrike" spc="-1">
                 <a:solidFill>
                   <a:srgbClr val="000000"/>
                 </a:solidFill>
@@ -3111,15 +3318,9 @@
               </a:rPr>
               <a:t>Sechste Gliederungsebene</a:t>
             </a:r>
-            <a:endParaRPr b="0" lang="en-US" sz="2000" spc="-1" strike="noStrike">
-              <a:solidFill>
-                <a:srgbClr val="000000"/>
-              </a:solidFill>
-              <a:latin typeface="Arial"/>
-            </a:endParaRPr>
-          </a:p>
-          <a:p>
-            <a:pPr lvl="6" marL="3024000" indent="-216000">
+          </a:p>
+          <a:p>
+            <a:pPr marL="3024000" lvl="6" indent="-216000">
               <a:spcBef>
                 <a:spcPts val="283"/>
               </a:spcBef>
@@ -3131,7 +3332,7 @@
               <a:buChar char=""/>
             </a:pPr>
             <a:r>
-              <a:rPr b="0" lang="en-US" sz="2000" spc="-1" strike="noStrike">
+              <a:rPr lang="en-US" sz="2000" b="0" strike="noStrike" spc="-1">
                 <a:solidFill>
                   <a:srgbClr val="000000"/>
                 </a:solidFill>
@@ -3139,43 +3340,43 @@
               </a:rPr>
               <a:t>Siebte Gliederungsebene</a:t>
             </a:r>
-            <a:endParaRPr b="0" lang="en-US" sz="2000" spc="-1" strike="noStrike">
-              <a:solidFill>
-                <a:srgbClr val="000000"/>
-              </a:solidFill>
-              <a:latin typeface="Arial"/>
-            </a:endParaRPr>
           </a:p>
         </p:txBody>
       </p:sp>
     </p:spTree>
   </p:cSld>
-  <p:clrMap bg1="lt1" bg2="lt2" tx1="dk1" tx2="dk2" accent1="accent1" accent2="accent2" accent3="accent3" accent4="accent4" accent5="accent5" accent6="accent6" hlink="hlink" folHlink="folHlink"/>
+  <p:clrMap bg1="lt1" tx1="dk1" bg2="lt2" tx2="dk2" accent1="accent1" accent2="accent2" accent3="accent3" accent4="accent4" accent5="accent5" accent6="accent6" hlink="hlink" folHlink="folHlink"/>
   <p:sldLayoutIdLst>
-    <p:sldLayoutId id="2147483649" r:id="rId2"/>
-    <p:sldLayoutId id="2147483650" r:id="rId3"/>
-    <p:sldLayoutId id="2147483651" r:id="rId4"/>
-    <p:sldLayoutId id="2147483652" r:id="rId5"/>
-    <p:sldLayoutId id="2147483653" r:id="rId6"/>
-    <p:sldLayoutId id="2147483654" r:id="rId7"/>
-    <p:sldLayoutId id="2147483655" r:id="rId8"/>
-    <p:sldLayoutId id="2147483656" r:id="rId9"/>
-    <p:sldLayoutId id="2147483657" r:id="rId10"/>
-    <p:sldLayoutId id="2147483658" r:id="rId11"/>
-    <p:sldLayoutId id="2147483659" r:id="rId12"/>
-    <p:sldLayoutId id="2147483660" r:id="rId13"/>
+    <p:sldLayoutId id="2147483649" r:id="rId1"/>
+    <p:sldLayoutId id="2147483650" r:id="rId2"/>
+    <p:sldLayoutId id="2147483651" r:id="rId3"/>
+    <p:sldLayoutId id="2147483652" r:id="rId4"/>
+    <p:sldLayoutId id="2147483653" r:id="rId5"/>
+    <p:sldLayoutId id="2147483654" r:id="rId6"/>
+    <p:sldLayoutId id="2147483655" r:id="rId7"/>
+    <p:sldLayoutId id="2147483656" r:id="rId8"/>
+    <p:sldLayoutId id="2147483657" r:id="rId9"/>
+    <p:sldLayoutId id="2147483658" r:id="rId10"/>
+    <p:sldLayoutId id="2147483659" r:id="rId11"/>
+    <p:sldLayoutId id="2147483660" r:id="rId12"/>
   </p:sldLayoutIdLst>
+  <p:txStyles>
+    <p:titleStyle/>
+    <p:bodyStyle/>
+    <p:otherStyle/>
+  </p:txStyles>
 </p:sldMaster>
 </file>
 
 <file path=ppt/slideMasters/slideMaster2.xml><?xml version="1.0" encoding="utf-8"?>
-<p:sldMaster xmlns:a="http://schemas.openxmlformats.org/drawingml/2006/main" xmlns:p="http://schemas.openxmlformats.org/presentationml/2006/main" xmlns:r="http://schemas.openxmlformats.org/officeDocument/2006/relationships" xmlns:p14="http://schemas.microsoft.com/office/powerpoint/2010/main" xmlns:p15="http://schemas.microsoft.com/office/powerpoint/2012/main" xmlns:mc="http://schemas.openxmlformats.org/markup-compatibility/2006">
+<p:sldMaster xmlns:a="http://schemas.openxmlformats.org/drawingml/2006/main" xmlns:r="http://schemas.openxmlformats.org/officeDocument/2006/relationships" xmlns:p="http://schemas.openxmlformats.org/presentationml/2006/main">
   <p:cSld>
     <p:bg>
       <p:bgPr>
         <a:solidFill>
-          <a:srgbClr val="ffffff"/>
+          <a:srgbClr val="FFFFFF"/>
         </a:solidFill>
+        <a:effectLst/>
       </p:bgPr>
     </p:bg>
     <p:spTree>
@@ -3212,10 +3413,11 @@
           </a:prstGeom>
         </p:spPr>
         <p:txBody>
-          <a:bodyPr lIns="0" rIns="0" tIns="0" bIns="0" anchor="ctr"/>
+          <a:bodyPr lIns="0" tIns="0" rIns="0" bIns="0" anchor="ctr"/>
+          <a:lstStyle/>
           <a:p>
             <a:r>
-              <a:rPr b="0" lang="en-US" sz="1800" spc="-1" strike="noStrike">
+              <a:rPr lang="en-US" sz="1800" b="0" strike="noStrike" spc="-1">
                 <a:solidFill>
                   <a:srgbClr val="000000"/>
                 </a:solidFill>
@@ -3223,12 +3425,6 @@
               </a:rPr>
               <a:t>Format des Titeltextes durch Klicken bearbeiten</a:t>
             </a:r>
-            <a:endParaRPr b="0" lang="en-US" sz="1800" spc="-1" strike="noStrike">
-              <a:solidFill>
-                <a:srgbClr val="000000"/>
-              </a:solidFill>
-              <a:latin typeface="Arial"/>
-            </a:endParaRPr>
           </a:p>
         </p:txBody>
       </p:sp>
@@ -3252,9 +3448,10 @@
           </a:prstGeom>
         </p:spPr>
         <p:txBody>
-          <a:bodyPr lIns="0" rIns="0" tIns="0" bIns="0">
+          <a:bodyPr lIns="0" tIns="0" rIns="0" bIns="0">
             <a:normAutofit/>
           </a:bodyPr>
+          <a:lstStyle/>
           <a:p>
             <a:pPr marL="432000" indent="-324000">
               <a:spcBef>
@@ -3268,7 +3465,7 @@
               <a:buChar char=""/>
             </a:pPr>
             <a:r>
-              <a:rPr b="0" lang="en-US" sz="1800" spc="-1" strike="noStrike">
+              <a:rPr lang="en-US" sz="1800" b="0" strike="noStrike" spc="-1">
                 <a:solidFill>
                   <a:srgbClr val="000000"/>
                 </a:solidFill>
@@ -3276,15 +3473,9 @@
               </a:rPr>
               <a:t>Format des Gliederungstextes durch Klicken bearbeiten</a:t>
             </a:r>
-            <a:endParaRPr b="0" lang="en-US" sz="1800" spc="-1" strike="noStrike">
-              <a:solidFill>
-                <a:srgbClr val="000000"/>
-              </a:solidFill>
-              <a:latin typeface="Arial"/>
-            </a:endParaRPr>
-          </a:p>
-          <a:p>
-            <a:pPr lvl="1" marL="864000" indent="-324000">
+          </a:p>
+          <a:p>
+            <a:pPr marL="864000" lvl="1" indent="-324000">
               <a:spcBef>
                 <a:spcPts val="1134"/>
               </a:spcBef>
@@ -3296,7 +3487,7 @@
               <a:buChar char=""/>
             </a:pPr>
             <a:r>
-              <a:rPr b="0" lang="en-US" sz="1800" spc="-1" strike="noStrike">
+              <a:rPr lang="en-US" sz="1800" b="0" strike="noStrike" spc="-1">
                 <a:solidFill>
                   <a:srgbClr val="000000"/>
                 </a:solidFill>
@@ -3304,15 +3495,9 @@
               </a:rPr>
               <a:t>Zweite Gliederungsebene</a:t>
             </a:r>
-            <a:endParaRPr b="0" lang="en-US" sz="1800" spc="-1" strike="noStrike">
-              <a:solidFill>
-                <a:srgbClr val="000000"/>
-              </a:solidFill>
-              <a:latin typeface="Arial"/>
-            </a:endParaRPr>
-          </a:p>
-          <a:p>
-            <a:pPr lvl="2" marL="1296000" indent="-288000">
+          </a:p>
+          <a:p>
+            <a:pPr marL="1296000" lvl="2" indent="-288000">
               <a:spcBef>
                 <a:spcPts val="850"/>
               </a:spcBef>
@@ -3324,7 +3509,7 @@
               <a:buChar char=""/>
             </a:pPr>
             <a:r>
-              <a:rPr b="0" lang="en-US" sz="1800" spc="-1" strike="noStrike">
+              <a:rPr lang="en-US" sz="1800" b="0" strike="noStrike" spc="-1">
                 <a:solidFill>
                   <a:srgbClr val="000000"/>
                 </a:solidFill>
@@ -3332,15 +3517,9 @@
               </a:rPr>
               <a:t>Dritte Gliederungsebene</a:t>
             </a:r>
-            <a:endParaRPr b="0" lang="en-US" sz="1800" spc="-1" strike="noStrike">
-              <a:solidFill>
-                <a:srgbClr val="000000"/>
-              </a:solidFill>
-              <a:latin typeface="Arial"/>
-            </a:endParaRPr>
-          </a:p>
-          <a:p>
-            <a:pPr lvl="3" marL="1728000" indent="-216000">
+          </a:p>
+          <a:p>
+            <a:pPr marL="1728000" lvl="3" indent="-216000">
               <a:spcBef>
                 <a:spcPts val="567"/>
               </a:spcBef>
@@ -3352,7 +3531,7 @@
               <a:buChar char=""/>
             </a:pPr>
             <a:r>
-              <a:rPr b="0" lang="en-US" sz="1800" spc="-1" strike="noStrike">
+              <a:rPr lang="en-US" sz="1800" b="0" strike="noStrike" spc="-1">
                 <a:solidFill>
                   <a:srgbClr val="000000"/>
                 </a:solidFill>
@@ -3360,15 +3539,9 @@
               </a:rPr>
               <a:t>Vierte Gliederungsebene</a:t>
             </a:r>
-            <a:endParaRPr b="0" lang="en-US" sz="1800" spc="-1" strike="noStrike">
-              <a:solidFill>
-                <a:srgbClr val="000000"/>
-              </a:solidFill>
-              <a:latin typeface="Arial"/>
-            </a:endParaRPr>
-          </a:p>
-          <a:p>
-            <a:pPr lvl="4" marL="2160000" indent="-216000">
+          </a:p>
+          <a:p>
+            <a:pPr marL="2160000" lvl="4" indent="-216000">
               <a:spcBef>
                 <a:spcPts val="283"/>
               </a:spcBef>
@@ -3380,7 +3553,7 @@
               <a:buChar char=""/>
             </a:pPr>
             <a:r>
-              <a:rPr b="0" lang="en-US" sz="1800" spc="-1" strike="noStrike">
+              <a:rPr lang="en-US" sz="1800" b="0" strike="noStrike" spc="-1">
                 <a:solidFill>
                   <a:srgbClr val="000000"/>
                 </a:solidFill>
@@ -3388,15 +3561,9 @@
               </a:rPr>
               <a:t>Fünfte Gliederungsebene</a:t>
             </a:r>
-            <a:endParaRPr b="0" lang="en-US" sz="1800" spc="-1" strike="noStrike">
-              <a:solidFill>
-                <a:srgbClr val="000000"/>
-              </a:solidFill>
-              <a:latin typeface="Arial"/>
-            </a:endParaRPr>
-          </a:p>
-          <a:p>
-            <a:pPr lvl="5" marL="2592000" indent="-216000">
+          </a:p>
+          <a:p>
+            <a:pPr marL="2592000" lvl="5" indent="-216000">
               <a:spcBef>
                 <a:spcPts val="283"/>
               </a:spcBef>
@@ -3408,7 +3575,7 @@
               <a:buChar char=""/>
             </a:pPr>
             <a:r>
-              <a:rPr b="0" lang="en-US" sz="1800" spc="-1" strike="noStrike">
+              <a:rPr lang="en-US" sz="1800" b="0" strike="noStrike" spc="-1">
                 <a:solidFill>
                   <a:srgbClr val="000000"/>
                 </a:solidFill>
@@ -3416,15 +3583,9 @@
               </a:rPr>
               <a:t>Sechste Gliederungsebene</a:t>
             </a:r>
-            <a:endParaRPr b="0" lang="en-US" sz="1800" spc="-1" strike="noStrike">
-              <a:solidFill>
-                <a:srgbClr val="000000"/>
-              </a:solidFill>
-              <a:latin typeface="Arial"/>
-            </a:endParaRPr>
-          </a:p>
-          <a:p>
-            <a:pPr lvl="6" marL="3024000" indent="-216000">
+          </a:p>
+          <a:p>
+            <a:pPr marL="3024000" lvl="6" indent="-216000">
               <a:spcBef>
                 <a:spcPts val="283"/>
               </a:spcBef>
@@ -3436,7 +3597,7 @@
               <a:buChar char=""/>
             </a:pPr>
             <a:r>
-              <a:rPr b="0" lang="en-US" sz="1800" spc="-1" strike="noStrike">
+              <a:rPr lang="en-US" sz="1800" b="0" strike="noStrike" spc="-1">
                 <a:solidFill>
                   <a:srgbClr val="000000"/>
                 </a:solidFill>
@@ -3444,37 +3605,36 @@
               </a:rPr>
               <a:t>Siebte Gliederungsebene</a:t>
             </a:r>
-            <a:endParaRPr b="0" lang="en-US" sz="1800" spc="-1" strike="noStrike">
-              <a:solidFill>
-                <a:srgbClr val="000000"/>
-              </a:solidFill>
-              <a:latin typeface="Arial"/>
-            </a:endParaRPr>
           </a:p>
         </p:txBody>
       </p:sp>
     </p:spTree>
   </p:cSld>
-  <p:clrMap bg1="lt1" bg2="lt2" tx1="dk1" tx2="dk2" accent1="accent1" accent2="accent2" accent3="accent3" accent4="accent4" accent5="accent5" accent6="accent6" hlink="hlink" folHlink="folHlink"/>
+  <p:clrMap bg1="lt1" tx1="dk1" bg2="lt2" tx2="dk2" accent1="accent1" accent2="accent2" accent3="accent3" accent4="accent4" accent5="accent5" accent6="accent6" hlink="hlink" folHlink="folHlink"/>
   <p:sldLayoutIdLst>
-    <p:sldLayoutId id="2147483662" r:id="rId2"/>
-    <p:sldLayoutId id="2147483663" r:id="rId3"/>
-    <p:sldLayoutId id="2147483664" r:id="rId4"/>
-    <p:sldLayoutId id="2147483665" r:id="rId5"/>
-    <p:sldLayoutId id="2147483666" r:id="rId6"/>
-    <p:sldLayoutId id="2147483667" r:id="rId7"/>
-    <p:sldLayoutId id="2147483668" r:id="rId8"/>
-    <p:sldLayoutId id="2147483669" r:id="rId9"/>
-    <p:sldLayoutId id="2147483670" r:id="rId10"/>
-    <p:sldLayoutId id="2147483671" r:id="rId11"/>
-    <p:sldLayoutId id="2147483672" r:id="rId12"/>
-    <p:sldLayoutId id="2147483673" r:id="rId13"/>
+    <p:sldLayoutId id="2147483662" r:id="rId1"/>
+    <p:sldLayoutId id="2147483663" r:id="rId2"/>
+    <p:sldLayoutId id="2147483664" r:id="rId3"/>
+    <p:sldLayoutId id="2147483665" r:id="rId4"/>
+    <p:sldLayoutId id="2147483666" r:id="rId5"/>
+    <p:sldLayoutId id="2147483667" r:id="rId6"/>
+    <p:sldLayoutId id="2147483668" r:id="rId7"/>
+    <p:sldLayoutId id="2147483669" r:id="rId8"/>
+    <p:sldLayoutId id="2147483670" r:id="rId9"/>
+    <p:sldLayoutId id="2147483671" r:id="rId10"/>
+    <p:sldLayoutId id="2147483672" r:id="rId11"/>
+    <p:sldLayoutId id="2147483673" r:id="rId12"/>
   </p:sldLayoutIdLst>
+  <p:txStyles>
+    <p:titleStyle/>
+    <p:bodyStyle/>
+    <p:otherStyle/>
+  </p:txStyles>
 </p:sldMaster>
 </file>
 
 <file path=ppt/slides/slide1.xml><?xml version="1.0" encoding="utf-8"?>
-<p:sld xmlns:a="http://schemas.openxmlformats.org/drawingml/2006/main" xmlns:p="http://schemas.openxmlformats.org/presentationml/2006/main" xmlns:r="http://schemas.openxmlformats.org/officeDocument/2006/relationships" xmlns:p14="http://schemas.microsoft.com/office/powerpoint/2010/main" xmlns:p15="http://schemas.microsoft.com/office/powerpoint/2012/main" xmlns:mc="http://schemas.openxmlformats.org/markup-compatibility/2006">
+<p:sld xmlns:a="http://schemas.openxmlformats.org/drawingml/2006/main" xmlns:r="http://schemas.openxmlformats.org/officeDocument/2006/relationships" xmlns:p="http://schemas.openxmlformats.org/presentationml/2006/main">
   <p:cSld>
     <p:spTree>
       <p:nvGrpSpPr>
@@ -3510,13 +3670,20 @@
           </a:ln>
         </p:spPr>
         <p:style>
-          <a:lnRef idx="0"/>
-          <a:fillRef idx="0"/>
-          <a:effectRef idx="0"/>
+          <a:lnRef idx="0">
+            <a:scrgbClr r="0" g="0" b="0"/>
+          </a:lnRef>
+          <a:fillRef idx="0">
+            <a:scrgbClr r="0" g="0" b="0"/>
+          </a:fillRef>
+          <a:effectRef idx="0">
+            <a:scrgbClr r="0" g="0" b="0"/>
+          </a:effectRef>
           <a:fontRef idx="minor"/>
         </p:style>
         <p:txBody>
-          <a:bodyPr lIns="0" rIns="0" tIns="0" bIns="0" anchor="ctr"/>
+          <a:bodyPr lIns="0" tIns="0" rIns="0" bIns="0" anchor="ctr"/>
+          <a:lstStyle/>
           <a:p>
             <a:pPr algn="ctr">
               <a:lnSpc>
@@ -3524,7 +3691,7 @@
               </a:lnSpc>
             </a:pPr>
             <a:r>
-              <a:rPr b="0" lang="de-CH" sz="4400" spc="-1" strike="noStrike">
+              <a:rPr lang="de-CH" sz="4400" b="0" strike="noStrike" spc="-1">
                 <a:solidFill>
                   <a:srgbClr val="000000"/>
                 </a:solidFill>
@@ -3533,7 +3700,7 @@
               </a:rPr>
               <a:t>Wetter und Luftqualität von Madrid</a:t>
             </a:r>
-            <a:endParaRPr b="0" lang="de-CH" sz="4400" spc="-1" strike="noStrike">
+            <a:endParaRPr lang="de-CH" sz="4400" b="0" strike="noStrike" spc="-1">
               <a:latin typeface="Arial"/>
             </a:endParaRPr>
           </a:p>
@@ -3559,13 +3726,20 @@
           </a:ln>
         </p:spPr>
         <p:style>
-          <a:lnRef idx="0"/>
-          <a:fillRef idx="0"/>
-          <a:effectRef idx="0"/>
+          <a:lnRef idx="0">
+            <a:scrgbClr r="0" g="0" b="0"/>
+          </a:lnRef>
+          <a:fillRef idx="0">
+            <a:scrgbClr r="0" g="0" b="0"/>
+          </a:fillRef>
+          <a:effectRef idx="0">
+            <a:scrgbClr r="0" g="0" b="0"/>
+          </a:effectRef>
           <a:fontRef idx="minor"/>
         </p:style>
         <p:txBody>
-          <a:bodyPr lIns="0" rIns="0" tIns="0" bIns="0"/>
+          <a:bodyPr lIns="0" tIns="0" rIns="0" bIns="0"/>
+          <a:lstStyle/>
           <a:p>
             <a:pPr>
               <a:lnSpc>
@@ -3573,7 +3747,7 @@
               </a:lnSpc>
             </a:pPr>
             <a:r>
-              <a:rPr b="0" lang="de-CH" sz="1600" spc="-1" strike="noStrike">
+              <a:rPr lang="de-CH" sz="1600" b="0" strike="noStrike" spc="-1">
                 <a:solidFill>
                   <a:srgbClr val="000000"/>
                 </a:solidFill>
@@ -3582,7 +3756,7 @@
               </a:rPr>
               <a:t>stations.csv – 24 Messstationen</a:t>
             </a:r>
-            <a:endParaRPr b="0" lang="de-CH" sz="1600" spc="-1" strike="noStrike">
+            <a:endParaRPr lang="de-CH" sz="1600" b="0" strike="noStrike" spc="-1">
               <a:latin typeface="Arial"/>
             </a:endParaRPr>
           </a:p>
@@ -3592,7 +3766,7 @@
                 <a:spcPct val="100000"/>
               </a:lnSpc>
             </a:pPr>
-            <a:endParaRPr b="0" lang="de-CH" sz="1600" spc="-1" strike="noStrike">
+            <a:endParaRPr lang="de-CH" sz="1600" b="0" strike="noStrike" spc="-1">
               <a:latin typeface="Arial"/>
             </a:endParaRPr>
           </a:p>
@@ -3603,7 +3777,7 @@
               </a:lnSpc>
             </a:pPr>
             <a:r>
-              <a:rPr b="0" lang="de-CH" sz="1600" spc="-1" strike="noStrike">
+              <a:rPr lang="de-CH" sz="1600" b="0" strike="noStrike" spc="-1">
                 <a:solidFill>
                   <a:srgbClr val="000000"/>
                 </a:solidFill>
@@ -3612,7 +3786,7 @@
               </a:rPr>
               <a:t>madrid_2001.csv</a:t>
             </a:r>
-            <a:endParaRPr b="0" lang="de-CH" sz="1600" spc="-1" strike="noStrike">
+            <a:endParaRPr lang="de-CH" sz="1600" b="0" strike="noStrike" spc="-1">
               <a:latin typeface="Arial"/>
             </a:endParaRPr>
           </a:p>
@@ -3623,26 +3797,16 @@
               </a:lnSpc>
             </a:pPr>
             <a:r>
-              <a:rPr b="0" lang="de-CH" sz="1600" spc="-1" strike="noStrike">
+              <a:rPr lang="de-CH" sz="1600" b="0" strike="noStrike" spc="-1">
                 <a:solidFill>
                   <a:srgbClr val="000000"/>
                 </a:solidFill>
                 <a:latin typeface="Arial"/>
                 <a:ea typeface="DejaVu Sans"/>
               </a:rPr>
-              <a:t>	</a:t>
+              <a:t>	...</a:t>
             </a:r>
-            <a:r>
-              <a:rPr b="0" lang="de-CH" sz="1600" spc="-1" strike="noStrike">
-                <a:solidFill>
-                  <a:srgbClr val="000000"/>
-                </a:solidFill>
-                <a:latin typeface="Arial"/>
-                <a:ea typeface="DejaVu Sans"/>
-              </a:rPr>
-              <a:t>...</a:t>
-            </a:r>
-            <a:endParaRPr b="0" lang="de-CH" sz="1600" spc="-1" strike="noStrike">
+            <a:endParaRPr lang="de-CH" sz="1600" b="0" strike="noStrike" spc="-1">
               <a:latin typeface="Arial"/>
             </a:endParaRPr>
           </a:p>
@@ -3653,7 +3817,7 @@
               </a:lnSpc>
             </a:pPr>
             <a:r>
-              <a:rPr b="0" lang="de-CH" sz="1600" spc="-1" strike="noStrike">
+              <a:rPr lang="de-CH" sz="1600" b="0" strike="noStrike" spc="-1">
                 <a:solidFill>
                   <a:srgbClr val="000000"/>
                 </a:solidFill>
@@ -3662,7 +3826,7 @@
               </a:rPr>
               <a:t>madrid_2018.csv</a:t>
             </a:r>
-            <a:endParaRPr b="0" lang="de-CH" sz="1600" spc="-1" strike="noStrike">
+            <a:endParaRPr lang="de-CH" sz="1600" b="0" strike="noStrike" spc="-1">
               <a:latin typeface="Arial"/>
             </a:endParaRPr>
           </a:p>
@@ -3672,7 +3836,7 @@
                 <a:spcPct val="100000"/>
               </a:lnSpc>
             </a:pPr>
-            <a:endParaRPr b="0" lang="de-CH" sz="1600" spc="-1" strike="noStrike">
+            <a:endParaRPr lang="de-CH" sz="1600" b="0" strike="noStrike" spc="-1">
               <a:latin typeface="Arial"/>
             </a:endParaRPr>
           </a:p>
@@ -3683,76 +3847,16 @@
               </a:lnSpc>
             </a:pPr>
             <a:r>
-              <a:rPr b="0" lang="de-CH" sz="1600" spc="-1" strike="noStrike">
+              <a:rPr lang="de-CH" sz="1600" b="0" strike="noStrike" spc="-1">
                 <a:solidFill>
                   <a:srgbClr val="000000"/>
                 </a:solidFill>
                 <a:latin typeface="Arial"/>
                 <a:ea typeface="DejaVu Sans"/>
               </a:rPr>
-              <a:t>	</a:t>
+              <a:t>					→ 500 MB</a:t>
             </a:r>
-            <a:r>
-              <a:rPr b="0" lang="de-CH" sz="1600" spc="-1" strike="noStrike">
-                <a:solidFill>
-                  <a:srgbClr val="000000"/>
-                </a:solidFill>
-                <a:latin typeface="Arial"/>
-                <a:ea typeface="DejaVu Sans"/>
-              </a:rPr>
-              <a:t>	</a:t>
-            </a:r>
-            <a:r>
-              <a:rPr b="0" lang="de-CH" sz="1600" spc="-1" strike="noStrike">
-                <a:solidFill>
-                  <a:srgbClr val="000000"/>
-                </a:solidFill>
-                <a:latin typeface="Arial"/>
-                <a:ea typeface="DejaVu Sans"/>
-              </a:rPr>
-              <a:t>	</a:t>
-            </a:r>
-            <a:r>
-              <a:rPr b="0" lang="de-CH" sz="1600" spc="-1" strike="noStrike">
-                <a:solidFill>
-                  <a:srgbClr val="000000"/>
-                </a:solidFill>
-                <a:latin typeface="Arial"/>
-                <a:ea typeface="DejaVu Sans"/>
-              </a:rPr>
-              <a:t>	</a:t>
-            </a:r>
-            <a:r>
-              <a:rPr b="0" lang="de-CH" sz="1600" spc="-1" strike="noStrike">
-                <a:solidFill>
-                  <a:srgbClr val="000000"/>
-                </a:solidFill>
-                <a:latin typeface="Arial"/>
-                <a:ea typeface="DejaVu Sans"/>
-              </a:rPr>
-              <a:t>	</a:t>
-            </a:r>
-            <a:r>
-              <a:rPr b="0" lang="de-CH" sz="1600" spc="-1" strike="noStrike">
-                <a:solidFill>
-                  <a:srgbClr val="000000"/>
-                </a:solidFill>
-                <a:latin typeface="Arial"/>
-                <a:ea typeface="DejaVu Sans"/>
-              </a:rPr>
-              <a:t>→ </a:t>
-            </a:r>
-            <a:r>
-              <a:rPr b="0" lang="de-CH" sz="1600" spc="-1" strike="noStrike">
-                <a:solidFill>
-                  <a:srgbClr val="000000"/>
-                </a:solidFill>
-                <a:latin typeface="Arial"/>
-                <a:ea typeface="DejaVu Sans"/>
-              </a:rPr>
-              <a:t>500 MB</a:t>
-            </a:r>
-            <a:endParaRPr b="0" lang="de-CH" sz="1600" spc="-1" strike="noStrike">
+            <a:endParaRPr lang="de-CH" sz="1600" b="0" strike="noStrike" spc="-1">
               <a:latin typeface="Arial"/>
             </a:endParaRPr>
           </a:p>
@@ -3762,7 +3866,7 @@
                 <a:spcPct val="100000"/>
               </a:lnSpc>
             </a:pPr>
-            <a:endParaRPr b="0" lang="de-CH" sz="1600" spc="-1" strike="noStrike">
+            <a:endParaRPr lang="de-CH" sz="1600" b="0" strike="noStrike" spc="-1">
               <a:latin typeface="Arial"/>
             </a:endParaRPr>
           </a:p>
@@ -3773,7 +3877,7 @@
               </a:lnSpc>
             </a:pPr>
             <a:r>
-              <a:rPr b="0" lang="de-CH" sz="1600" spc="-1" strike="noStrike">
+              <a:rPr lang="de-CH" sz="1600" b="0" strike="noStrike" spc="-1">
                 <a:solidFill>
                   <a:srgbClr val="000000"/>
                 </a:solidFill>
@@ -3782,7 +3886,7 @@
               </a:rPr>
               <a:t>weather_madrid_LEMD_1997_2015.csv</a:t>
             </a:r>
-            <a:endParaRPr b="0" lang="de-CH" sz="1600" spc="-1" strike="noStrike">
+            <a:endParaRPr lang="de-CH" sz="1600" b="0" strike="noStrike" spc="-1">
               <a:latin typeface="Arial"/>
             </a:endParaRPr>
           </a:p>
@@ -3792,7 +3896,7 @@
                 <a:spcPct val="100000"/>
               </a:lnSpc>
             </a:pPr>
-            <a:endParaRPr b="0" lang="de-CH" sz="1600" spc="-1" strike="noStrike">
+            <a:endParaRPr lang="de-CH" sz="1600" b="0" strike="noStrike" spc="-1">
               <a:latin typeface="Arial"/>
             </a:endParaRPr>
           </a:p>
@@ -3803,76 +3907,16 @@
               </a:lnSpc>
             </a:pPr>
             <a:r>
-              <a:rPr b="0" lang="de-CH" sz="1600" spc="-1" strike="noStrike">
+              <a:rPr lang="de-CH" sz="1600" b="0" strike="noStrike" spc="-1">
                 <a:solidFill>
                   <a:srgbClr val="000000"/>
                 </a:solidFill>
                 <a:latin typeface="Arial"/>
                 <a:ea typeface="DejaVu Sans"/>
               </a:rPr>
-              <a:t>	</a:t>
+              <a:t>					→ 0.5 MB</a:t>
             </a:r>
-            <a:r>
-              <a:rPr b="0" lang="de-CH" sz="1600" spc="-1" strike="noStrike">
-                <a:solidFill>
-                  <a:srgbClr val="000000"/>
-                </a:solidFill>
-                <a:latin typeface="Arial"/>
-                <a:ea typeface="DejaVu Sans"/>
-              </a:rPr>
-              <a:t>	</a:t>
-            </a:r>
-            <a:r>
-              <a:rPr b="0" lang="de-CH" sz="1600" spc="-1" strike="noStrike">
-                <a:solidFill>
-                  <a:srgbClr val="000000"/>
-                </a:solidFill>
-                <a:latin typeface="Arial"/>
-                <a:ea typeface="DejaVu Sans"/>
-              </a:rPr>
-              <a:t>	</a:t>
-            </a:r>
-            <a:r>
-              <a:rPr b="0" lang="de-CH" sz="1600" spc="-1" strike="noStrike">
-                <a:solidFill>
-                  <a:srgbClr val="000000"/>
-                </a:solidFill>
-                <a:latin typeface="Arial"/>
-                <a:ea typeface="DejaVu Sans"/>
-              </a:rPr>
-              <a:t>	</a:t>
-            </a:r>
-            <a:r>
-              <a:rPr b="0" lang="de-CH" sz="1600" spc="-1" strike="noStrike">
-                <a:solidFill>
-                  <a:srgbClr val="000000"/>
-                </a:solidFill>
-                <a:latin typeface="Arial"/>
-                <a:ea typeface="DejaVu Sans"/>
-              </a:rPr>
-              <a:t>	</a:t>
-            </a:r>
-            <a:r>
-              <a:rPr b="0" lang="de-CH" sz="1600" spc="-1" strike="noStrike">
-                <a:solidFill>
-                  <a:srgbClr val="000000"/>
-                </a:solidFill>
-                <a:latin typeface="Arial"/>
-                <a:ea typeface="DejaVu Sans"/>
-              </a:rPr>
-              <a:t>→ </a:t>
-            </a:r>
-            <a:r>
-              <a:rPr b="0" lang="de-CH" sz="1600" spc="-1" strike="noStrike">
-                <a:solidFill>
-                  <a:srgbClr val="000000"/>
-                </a:solidFill>
-                <a:latin typeface="Arial"/>
-                <a:ea typeface="DejaVu Sans"/>
-              </a:rPr>
-              <a:t>0.5 MB</a:t>
-            </a:r>
-            <a:endParaRPr b="0" lang="de-CH" sz="1600" spc="-1" strike="noStrike">
+            <a:endParaRPr lang="de-CH" sz="1600" b="0" strike="noStrike" spc="-1">
               <a:latin typeface="Arial"/>
             </a:endParaRPr>
           </a:p>
@@ -3880,36 +3924,36 @@
       </p:sp>
       <p:pic>
         <p:nvPicPr>
-          <p:cNvPr id="78" name="Picture 42" descr=""/>
-          <p:cNvPicPr/>
-          <p:nvPr/>
-        </p:nvPicPr>
-        <p:blipFill>
-          <a:blip r:embed="rId1"/>
-          <a:srcRect l="25578" t="26208" r="10855" b="48039"/>
-          <a:stretch/>
-        </p:blipFill>
-        <p:spPr>
-          <a:xfrm>
-            <a:off x="144000" y="1872000"/>
-            <a:ext cx="6155280" cy="1313640"/>
-          </a:xfrm>
-          <a:prstGeom prst="rect">
-            <a:avLst/>
-          </a:prstGeom>
-          <a:ln>
-            <a:noFill/>
-          </a:ln>
-        </p:spPr>
-      </p:pic>
-      <p:pic>
-        <p:nvPicPr>
-          <p:cNvPr id="79" name="Picture 43" descr=""/>
+          <p:cNvPr id="78" name="Picture 42"/>
           <p:cNvPicPr/>
           <p:nvPr/>
         </p:nvPicPr>
         <p:blipFill>
           <a:blip r:embed="rId2"/>
+          <a:srcRect l="25578" t="26208" r="10855" b="48039"/>
+          <a:stretch/>
+        </p:blipFill>
+        <p:spPr>
+          <a:xfrm>
+            <a:off x="144000" y="1872000"/>
+            <a:ext cx="6155280" cy="1313640"/>
+          </a:xfrm>
+          <a:prstGeom prst="rect">
+            <a:avLst/>
+          </a:prstGeom>
+          <a:ln>
+            <a:noFill/>
+          </a:ln>
+        </p:spPr>
+      </p:pic>
+      <p:pic>
+        <p:nvPicPr>
+          <p:cNvPr id="79" name="Picture 43"/>
+          <p:cNvPicPr/>
+          <p:nvPr/>
+        </p:nvPicPr>
+        <p:blipFill>
+          <a:blip r:embed="rId3"/>
           <a:srcRect l="25578" t="26208" r="11568" b="48039"/>
           <a:stretch/>
         </p:blipFill>
@@ -3946,13 +3990,20 @@
           </a:ln>
         </p:spPr>
         <p:style>
-          <a:lnRef idx="0"/>
-          <a:fillRef idx="0"/>
-          <a:effectRef idx="0"/>
+          <a:lnRef idx="0">
+            <a:scrgbClr r="0" g="0" b="0"/>
+          </a:lnRef>
+          <a:fillRef idx="0">
+            <a:scrgbClr r="0" g="0" b="0"/>
+          </a:fillRef>
+          <a:effectRef idx="0">
+            <a:scrgbClr r="0" g="0" b="0"/>
+          </a:effectRef>
           <a:fontRef idx="minor"/>
         </p:style>
         <p:txBody>
-          <a:bodyPr lIns="90000" rIns="90000" tIns="45000" bIns="45000"/>
+          <a:bodyPr lIns="90000" tIns="45000" rIns="90000" bIns="45000"/>
+          <a:lstStyle/>
           <a:p>
             <a:pPr>
               <a:lnSpc>
@@ -3960,7 +4011,7 @@
               </a:lnSpc>
             </a:pPr>
             <a:r>
-              <a:rPr b="0" lang="de-CH" sz="1800" spc="-1" strike="noStrike">
+              <a:rPr lang="de-CH" sz="1800" b="0" strike="noStrike" spc="-1">
                 <a:solidFill>
                   <a:srgbClr val="000000"/>
                 </a:solidFill>
@@ -3969,7 +4020,7 @@
               </a:rPr>
               <a:t>Andreas Fischer, Bernd Novotny, Tobias Schieferdecker                 10.01.2019 </a:t>
             </a:r>
-            <a:endParaRPr b="0" lang="de-CH" sz="1800" spc="-1" strike="noStrike">
+            <a:endParaRPr lang="de-CH" sz="1800" b="0" strike="noStrike" spc="-1">
               <a:latin typeface="Arial"/>
             </a:endParaRPr>
           </a:p>
@@ -3977,11 +4028,14 @@
       </p:sp>
     </p:spTree>
   </p:cSld>
-  <mc:AlternateContent>
+  <p:clrMapOvr>
+    <a:masterClrMapping/>
+  </p:clrMapOvr>
+  <mc:AlternateContent xmlns:mc="http://schemas.openxmlformats.org/markup-compatibility/2006" xmlns:p14="http://schemas.microsoft.com/office/powerpoint/2010/main">
     <mc:Choice Requires="p14">
       <p:transition spd="slow" p14:dur="2000"/>
     </mc:Choice>
-    <mc:Fallback>
+    <mc:Fallback xmlns:p15="http://schemas.microsoft.com/office/powerpoint/2012/main" xmlns="">
       <p:transition spd="slow"/>
     </mc:Fallback>
   </mc:AlternateContent>
@@ -3993,14 +4047,14 @@
             <p:seq>
               <p:cTn id="2" dur="indefinite" nodeType="mainSeq"/>
               <p:prevCondLst>
-                <p:cond delay="0" evt="onPrev">
+                <p:cond evt="onPrev" delay="0">
                   <p:tgtEl>
                     <p:sldTgt/>
                   </p:tgtEl>
                 </p:cond>
               </p:prevCondLst>
               <p:nextCondLst>
-                <p:cond delay="0" evt="onNext">
+                <p:cond evt="onNext" delay="0">
                   <p:tgtEl>
                     <p:sldTgt/>
                   </p:tgtEl>
@@ -4016,7 +4070,7 @@
 </file>
 
 <file path=ppt/slides/slide2.xml><?xml version="1.0" encoding="utf-8"?>
-<p:sld xmlns:a="http://schemas.openxmlformats.org/drawingml/2006/main" xmlns:p="http://schemas.openxmlformats.org/presentationml/2006/main" xmlns:r="http://schemas.openxmlformats.org/officeDocument/2006/relationships" xmlns:p14="http://schemas.microsoft.com/office/powerpoint/2010/main" xmlns:p15="http://schemas.microsoft.com/office/powerpoint/2012/main" xmlns:mc="http://schemas.openxmlformats.org/markup-compatibility/2006">
+<p:sld xmlns:a="http://schemas.openxmlformats.org/drawingml/2006/main" xmlns:r="http://schemas.openxmlformats.org/officeDocument/2006/relationships" xmlns:p="http://schemas.openxmlformats.org/presentationml/2006/main">
   <p:cSld>
     <p:spTree>
       <p:nvGrpSpPr>
@@ -4034,358 +4088,136 @@
       </p:grpSpPr>
       <p:sp>
         <p:nvSpPr>
-          <p:cNvPr id="81" name="CustomShape 1"/>
-          <p:cNvSpPr/>
-          <p:nvPr/>
-        </p:nvSpPr>
-        <p:spPr>
-          <a:xfrm>
-            <a:off x="504000" y="226080"/>
-            <a:ext cx="9071280" cy="946080"/>
-          </a:xfrm>
-          <a:prstGeom prst="rect">
-            <a:avLst/>
-          </a:prstGeom>
-          <a:noFill/>
-          <a:ln>
-            <a:noFill/>
-          </a:ln>
-        </p:spPr>
-        <p:style>
-          <a:lnRef idx="0"/>
-          <a:fillRef idx="0"/>
-          <a:effectRef idx="0"/>
-          <a:fontRef idx="minor"/>
-        </p:style>
-      </p:sp>
-      <p:sp>
-        <p:nvSpPr>
-          <p:cNvPr id="82" name="CustomShape 2"/>
-          <p:cNvSpPr/>
-          <p:nvPr/>
-        </p:nvSpPr>
-        <p:spPr>
-          <a:xfrm>
-            <a:off x="504000" y="1398600"/>
-            <a:ext cx="9071280" cy="3287880"/>
-          </a:xfrm>
-          <a:prstGeom prst="rect">
-            <a:avLst/>
-          </a:prstGeom>
-          <a:noFill/>
-          <a:ln>
-            <a:noFill/>
-          </a:ln>
-        </p:spPr>
-        <p:style>
-          <a:lnRef idx="0"/>
-          <a:fillRef idx="0"/>
-          <a:effectRef idx="0"/>
-          <a:fontRef idx="minor"/>
-        </p:style>
-      </p:sp>
-      <p:sp>
-        <p:nvSpPr>
-          <p:cNvPr id="83" name="TextShape 3"/>
-          <p:cNvSpPr txBox="1"/>
-          <p:nvPr/>
-        </p:nvSpPr>
-        <p:spPr>
-          <a:xfrm>
-            <a:off x="453960" y="226080"/>
-            <a:ext cx="6261480" cy="346320"/>
-          </a:xfrm>
-          <a:prstGeom prst="rect">
-            <a:avLst/>
-          </a:prstGeom>
-          <a:noFill/>
-          <a:ln>
-            <a:noFill/>
-          </a:ln>
-        </p:spPr>
-        <p:txBody>
-          <a:bodyPr lIns="90000" rIns="90000" tIns="45000" bIns="45000"/>
+          <p:cNvPr id="2" name="Titel 1"/>
+          <p:cNvSpPr>
+            <a:spLocks noGrp="1"/>
+          </p:cNvSpPr>
+          <p:nvPr>
+            <p:ph type="title"/>
+          </p:nvPr>
+        </p:nvSpPr>
+        <p:spPr/>
+        <p:txBody>
+          <a:bodyPr/>
+          <a:lstStyle/>
           <a:p>
             <a:r>
-              <a:rPr b="0" lang="de-CH" sz="1800" spc="-1" strike="noStrike">
-                <a:latin typeface="Arial"/>
-              </a:rPr>
-              <a:t>Luftqualität Kohlenstoffmonoxid / Stickstoffdioxid / Feinstaub</a:t>
+              <a:rPr lang="de-CH" dirty="0" smtClean="0"/>
+              <a:t>Inhalt</a:t>
             </a:r>
-            <a:endParaRPr b="0" lang="de-CH" sz="1800" spc="-1" strike="noStrike">
-              <a:latin typeface="Arial"/>
-            </a:endParaRPr>
-          </a:p>
-        </p:txBody>
-      </p:sp>
-      <p:pic>
-        <p:nvPicPr>
-          <p:cNvPr id="84" name="" descr=""/>
-          <p:cNvPicPr/>
-          <p:nvPr/>
-        </p:nvPicPr>
-        <p:blipFill>
-          <a:blip r:embed="rId1"/>
-          <a:stretch/>
-        </p:blipFill>
-        <p:spPr>
-          <a:xfrm>
-            <a:off x="288000" y="972000"/>
-            <a:ext cx="3650400" cy="2098800"/>
-          </a:xfrm>
-          <a:prstGeom prst="rect">
-            <a:avLst/>
-          </a:prstGeom>
-          <a:ln>
-            <a:noFill/>
-          </a:ln>
-        </p:spPr>
-      </p:pic>
-      <p:pic>
-        <p:nvPicPr>
-          <p:cNvPr id="85" name="" descr=""/>
-          <p:cNvPicPr/>
-          <p:nvPr/>
-        </p:nvPicPr>
-        <p:blipFill>
-          <a:blip r:embed="rId2"/>
-          <a:stretch/>
-        </p:blipFill>
-        <p:spPr>
-          <a:xfrm>
-            <a:off x="288000" y="2973960"/>
-            <a:ext cx="3722400" cy="2210040"/>
-          </a:xfrm>
-          <a:prstGeom prst="rect">
-            <a:avLst/>
-          </a:prstGeom>
-          <a:ln>
-            <a:noFill/>
-          </a:ln>
-        </p:spPr>
-      </p:pic>
-      <p:pic>
-        <p:nvPicPr>
-          <p:cNvPr id="86" name="" descr=""/>
-          <p:cNvPicPr/>
-          <p:nvPr/>
-        </p:nvPicPr>
-        <p:blipFill>
-          <a:blip r:embed="rId3"/>
-          <a:stretch/>
-        </p:blipFill>
-        <p:spPr>
-          <a:xfrm>
-            <a:off x="3240000" y="936000"/>
-            <a:ext cx="3585960" cy="2088000"/>
-          </a:xfrm>
-          <a:prstGeom prst="rect">
-            <a:avLst/>
-          </a:prstGeom>
-          <a:ln>
-            <a:noFill/>
-          </a:ln>
-        </p:spPr>
-      </p:pic>
-      <p:pic>
-        <p:nvPicPr>
-          <p:cNvPr id="87" name="" descr=""/>
-          <p:cNvPicPr/>
-          <p:nvPr/>
-        </p:nvPicPr>
-        <p:blipFill>
-          <a:blip r:embed="rId4"/>
-          <a:stretch/>
-        </p:blipFill>
-        <p:spPr>
-          <a:xfrm>
-            <a:off x="3312000" y="3024000"/>
-            <a:ext cx="3612240" cy="2088000"/>
-          </a:xfrm>
-          <a:prstGeom prst="rect">
-            <a:avLst/>
-          </a:prstGeom>
-          <a:ln>
-            <a:noFill/>
-          </a:ln>
-        </p:spPr>
-      </p:pic>
-      <p:pic>
-        <p:nvPicPr>
-          <p:cNvPr id="88" name="" descr=""/>
-          <p:cNvPicPr/>
-          <p:nvPr/>
-        </p:nvPicPr>
-        <p:blipFill>
-          <a:blip r:embed="rId5"/>
-          <a:stretch/>
-        </p:blipFill>
-        <p:spPr>
-          <a:xfrm>
-            <a:off x="6264000" y="864000"/>
-            <a:ext cx="3528000" cy="2113200"/>
-          </a:xfrm>
-          <a:prstGeom prst="rect">
-            <a:avLst/>
-          </a:prstGeom>
-          <a:ln>
-            <a:noFill/>
-          </a:ln>
-        </p:spPr>
-      </p:pic>
-      <p:pic>
-        <p:nvPicPr>
-          <p:cNvPr id="89" name="" descr=""/>
-          <p:cNvPicPr/>
-          <p:nvPr/>
-        </p:nvPicPr>
-        <p:blipFill>
-          <a:blip r:embed="rId6"/>
-          <a:stretch/>
-        </p:blipFill>
-        <p:spPr>
-          <a:xfrm>
-            <a:off x="6264000" y="2995200"/>
-            <a:ext cx="3660840" cy="2188800"/>
-          </a:xfrm>
-          <a:prstGeom prst="rect">
-            <a:avLst/>
-          </a:prstGeom>
-          <a:ln>
-            <a:noFill/>
-          </a:ln>
-        </p:spPr>
-      </p:pic>
-      <p:sp>
-        <p:nvSpPr>
-          <p:cNvPr id="90" name="TextShape 4"/>
-          <p:cNvSpPr txBox="1"/>
-          <p:nvPr/>
-        </p:nvSpPr>
-        <p:spPr>
-          <a:xfrm>
-            <a:off x="9216000" y="576000"/>
-            <a:ext cx="891000" cy="2905920"/>
-          </a:xfrm>
-          <a:prstGeom prst="rect">
-            <a:avLst/>
-          </a:prstGeom>
-          <a:noFill/>
-          <a:ln>
-            <a:noFill/>
-          </a:ln>
-        </p:spPr>
-        <p:txBody>
-          <a:bodyPr lIns="90000" rIns="90000" tIns="45000" bIns="45000"/>
-          <a:p>
+            <a:endParaRPr lang="de-CH" dirty="0"/>
+          </a:p>
+        </p:txBody>
+      </p:sp>
+      <p:sp>
+        <p:nvSpPr>
+          <p:cNvPr id="3" name="Textplatzhalter 2"/>
+          <p:cNvSpPr>
+            <a:spLocks noGrp="1"/>
+          </p:cNvSpPr>
+          <p:nvPr>
+            <p:ph type="body"/>
+          </p:nvPr>
+        </p:nvSpPr>
+        <p:spPr/>
+        <p:txBody>
+          <a:bodyPr/>
+          <a:lstStyle/>
+          <a:p>
+            <a:pPr marL="342900" indent="-342900">
+              <a:buFont typeface="Arial" panose="020B0604020202020204" pitchFamily="34" charset="0"/>
+              <a:buChar char="•"/>
+            </a:pPr>
             <a:r>
-              <a:rPr b="0" lang="de-CH" sz="1800" spc="-1" strike="noStrike">
-                <a:latin typeface="Arial"/>
-              </a:rPr>
-              <a:t>Station</a:t>
+              <a:rPr lang="de-CH" dirty="0" smtClean="0"/>
+              <a:t>Beschreibung der Daten</a:t>
             </a:r>
-            <a:endParaRPr b="0" lang="de-CH" sz="1800" spc="-1" strike="noStrike">
-              <a:latin typeface="Arial"/>
-            </a:endParaRPr>
-          </a:p>
-          <a:p>
-            <a:endParaRPr b="0" lang="de-CH" sz="1800" spc="-1" strike="noStrike">
-              <a:latin typeface="Arial"/>
-            </a:endParaRPr>
-          </a:p>
-          <a:p>
+          </a:p>
+          <a:p>
+            <a:pPr marL="342900" indent="-342900">
+              <a:buFont typeface="Arial" panose="020B0604020202020204" pitchFamily="34" charset="0"/>
+              <a:buChar char="•"/>
+            </a:pPr>
             <a:r>
-              <a:rPr b="0" lang="de-CH" sz="1800" spc="-1" strike="noStrike">
-                <a:latin typeface="Arial"/>
-              </a:rPr>
-              <a:t>07</a:t>
+              <a:rPr lang="de-CH" dirty="0" smtClean="0"/>
+              <a:t>Spark Befehlsabfolge</a:t>
             </a:r>
-            <a:endParaRPr b="0" lang="de-CH" sz="1800" spc="-1" strike="noStrike">
-              <a:latin typeface="Arial"/>
-            </a:endParaRPr>
-          </a:p>
-          <a:p>
-            <a:endParaRPr b="0" lang="de-CH" sz="1800" spc="-1" strike="noStrike">
-              <a:latin typeface="Arial"/>
-            </a:endParaRPr>
-          </a:p>
-          <a:p>
-            <a:endParaRPr b="0" lang="de-CH" sz="1800" spc="-1" strike="noStrike">
-              <a:latin typeface="Arial"/>
-            </a:endParaRPr>
-          </a:p>
-          <a:p>
-            <a:endParaRPr b="0" lang="de-CH" sz="1800" spc="-1" strike="noStrike">
-              <a:latin typeface="Arial"/>
-            </a:endParaRPr>
-          </a:p>
-          <a:p>
-            <a:endParaRPr b="0" lang="de-CH" sz="1800" spc="-1" strike="noStrike">
-              <a:latin typeface="Arial"/>
-            </a:endParaRPr>
-          </a:p>
-          <a:p>
-            <a:endParaRPr b="0" lang="de-CH" sz="1800" spc="-1" strike="noStrike">
-              <a:latin typeface="Arial"/>
-            </a:endParaRPr>
-          </a:p>
-          <a:p>
-            <a:endParaRPr b="0" lang="de-CH" sz="1800" spc="-1" strike="noStrike">
-              <a:latin typeface="Arial"/>
-            </a:endParaRPr>
-          </a:p>
-          <a:p>
-            <a:endParaRPr b="0" lang="de-CH" sz="1800" spc="-1" strike="noStrike">
-              <a:latin typeface="Arial"/>
-            </a:endParaRPr>
-          </a:p>
-          <a:p>
+          </a:p>
+          <a:p>
+            <a:pPr marL="342900" indent="-342900">
+              <a:buFont typeface="Arial" panose="020B0604020202020204" pitchFamily="34" charset="0"/>
+              <a:buChar char="•"/>
+            </a:pPr>
             <a:r>
-              <a:rPr b="0" lang="de-CH" sz="1800" spc="-1" strike="noStrike">
-                <a:latin typeface="Arial"/>
-              </a:rPr>
-              <a:t>36</a:t>
+              <a:rPr lang="de-CH" dirty="0" smtClean="0"/>
+              <a:t>Vergleich CSV und </a:t>
             </a:r>
-            <a:endParaRPr b="0" lang="de-CH" sz="1800" spc="-1" strike="noStrike">
-              <a:latin typeface="Arial"/>
-            </a:endParaRPr>
+            <a:r>
+              <a:rPr lang="de-CH" dirty="0" err="1" smtClean="0"/>
+              <a:t>Parquet</a:t>
+            </a:r>
+            <a:endParaRPr lang="de-CH" dirty="0" smtClean="0"/>
+          </a:p>
+          <a:p>
+            <a:pPr marL="342900" indent="-342900">
+              <a:buFont typeface="Arial" panose="020B0604020202020204" pitchFamily="34" charset="0"/>
+              <a:buChar char="•"/>
+            </a:pPr>
+            <a:r>
+              <a:rPr lang="de-CH" dirty="0" err="1" smtClean="0"/>
+              <a:t>MapReduce</a:t>
+            </a:r>
+            <a:r>
+              <a:rPr lang="de-CH" dirty="0" smtClean="0"/>
+              <a:t> Verfahren</a:t>
+            </a:r>
+          </a:p>
+          <a:p>
+            <a:pPr marL="342900" indent="-342900">
+              <a:buFont typeface="Arial" panose="020B0604020202020204" pitchFamily="34" charset="0"/>
+              <a:buChar char="•"/>
+            </a:pPr>
+            <a:r>
+              <a:rPr lang="de-CH" dirty="0" err="1" smtClean="0"/>
+              <a:t>Lessons</a:t>
+            </a:r>
+            <a:r>
+              <a:rPr lang="de-CH" dirty="0" smtClean="0"/>
+              <a:t> </a:t>
+            </a:r>
+            <a:r>
+              <a:rPr lang="de-CH" dirty="0" err="1" smtClean="0"/>
+              <a:t>Learned</a:t>
+            </a:r>
+            <a:endParaRPr lang="de-CH" dirty="0" smtClean="0"/>
+          </a:p>
+          <a:p>
+            <a:pPr marL="342900" indent="-342900">
+              <a:buFont typeface="Arial" panose="020B0604020202020204" pitchFamily="34" charset="0"/>
+              <a:buChar char="•"/>
+            </a:pPr>
+            <a:r>
+              <a:rPr lang="de-CH" dirty="0" smtClean="0"/>
+              <a:t>Fazit</a:t>
+            </a:r>
+            <a:endParaRPr lang="de-CH" dirty="0"/>
           </a:p>
         </p:txBody>
       </p:sp>
     </p:spTree>
+    <p:extLst>
+      <p:ext uri="{BB962C8B-B14F-4D97-AF65-F5344CB8AC3E}">
+        <p14:creationId xmlns:p14="http://schemas.microsoft.com/office/powerpoint/2010/main" val="3653735564"/>
+      </p:ext>
+    </p:extLst>
   </p:cSld>
-  <mc:AlternateContent>
-    <mc:Choice Requires="p14">
-      <p:transition spd="slow" p14:dur="2000"/>
-    </mc:Choice>
-    <mc:Fallback>
-      <p:transition spd="slow"/>
-    </mc:Fallback>
-  </mc:AlternateContent>
+  <p:clrMapOvr>
+    <a:masterClrMapping/>
+  </p:clrMapOvr>
   <p:timing>
     <p:tnLst>
       <p:par>
-        <p:cTn id="3" dur="indefinite" restart="never" nodeType="tmRoot">
-          <p:childTnLst>
-            <p:seq>
-              <p:cTn id="4" dur="indefinite" nodeType="mainSeq"/>
-              <p:prevCondLst>
-                <p:cond delay="0" evt="onPrev">
-                  <p:tgtEl>
-                    <p:sldTgt/>
-                  </p:tgtEl>
-                </p:cond>
-              </p:prevCondLst>
-              <p:nextCondLst>
-                <p:cond delay="0" evt="onNext">
-                  <p:tgtEl>
-                    <p:sldTgt/>
-                  </p:tgtEl>
-                </p:cond>
-              </p:nextCondLst>
-            </p:seq>
-          </p:childTnLst>
-        </p:cTn>
+        <p:cTn id="1" dur="indefinite" restart="never" nodeType="tmRoot"/>
       </p:par>
     </p:tnLst>
   </p:timing>
@@ -4393,7 +4225,7 @@
 </file>
 
 <file path=ppt/slides/slide3.xml><?xml version="1.0" encoding="utf-8"?>
-<p:sld xmlns:a="http://schemas.openxmlformats.org/drawingml/2006/main" xmlns:p="http://schemas.openxmlformats.org/presentationml/2006/main" xmlns:r="http://schemas.openxmlformats.org/officeDocument/2006/relationships" xmlns:p14="http://schemas.microsoft.com/office/powerpoint/2010/main" xmlns:p15="http://schemas.microsoft.com/office/powerpoint/2012/main" xmlns:mc="http://schemas.openxmlformats.org/markup-compatibility/2006">
+<p:sld xmlns:a="http://schemas.openxmlformats.org/drawingml/2006/main" xmlns:r="http://schemas.openxmlformats.org/officeDocument/2006/relationships" xmlns:p="http://schemas.openxmlformats.org/presentationml/2006/main">
   <p:cSld>
     <p:spTree>
       <p:nvGrpSpPr>
@@ -4411,8 +4243,8 @@
       </p:grpSpPr>
       <p:sp>
         <p:nvSpPr>
-          <p:cNvPr id="91" name="TextShape 1"/>
-          <p:cNvSpPr txBox="1"/>
+          <p:cNvPr id="81" name="CustomShape 1"/>
+          <p:cNvSpPr/>
           <p:nvPr/>
         </p:nvSpPr>
         <p:spPr>
@@ -4428,11 +4260,397 @@
             <a:noFill/>
           </a:ln>
         </p:spPr>
-        <p:txBody>
-          <a:bodyPr lIns="0" rIns="0" tIns="0" bIns="0" anchor="ctr"/>
+        <p:style>
+          <a:lnRef idx="0">
+            <a:scrgbClr r="0" g="0" b="0"/>
+          </a:lnRef>
+          <a:fillRef idx="0">
+            <a:scrgbClr r="0" g="0" b="0"/>
+          </a:fillRef>
+          <a:effectRef idx="0">
+            <a:scrgbClr r="0" g="0" b="0"/>
+          </a:effectRef>
+          <a:fontRef idx="minor"/>
+        </p:style>
+      </p:sp>
+      <p:sp>
+        <p:nvSpPr>
+          <p:cNvPr id="82" name="CustomShape 2"/>
+          <p:cNvSpPr/>
+          <p:nvPr/>
+        </p:nvSpPr>
+        <p:spPr>
+          <a:xfrm>
+            <a:off x="504000" y="1398600"/>
+            <a:ext cx="9071280" cy="3287880"/>
+          </a:xfrm>
+          <a:prstGeom prst="rect">
+            <a:avLst/>
+          </a:prstGeom>
+          <a:noFill/>
+          <a:ln>
+            <a:noFill/>
+          </a:ln>
+        </p:spPr>
+        <p:style>
+          <a:lnRef idx="0">
+            <a:scrgbClr r="0" g="0" b="0"/>
+          </a:lnRef>
+          <a:fillRef idx="0">
+            <a:scrgbClr r="0" g="0" b="0"/>
+          </a:fillRef>
+          <a:effectRef idx="0">
+            <a:scrgbClr r="0" g="0" b="0"/>
+          </a:effectRef>
+          <a:fontRef idx="minor"/>
+        </p:style>
+      </p:sp>
+      <p:sp>
+        <p:nvSpPr>
+          <p:cNvPr id="83" name="TextShape 3"/>
+          <p:cNvSpPr txBox="1"/>
+          <p:nvPr/>
+        </p:nvSpPr>
+        <p:spPr>
+          <a:xfrm>
+            <a:off x="453960" y="226080"/>
+            <a:ext cx="6261480" cy="346320"/>
+          </a:xfrm>
+          <a:prstGeom prst="rect">
+            <a:avLst/>
+          </a:prstGeom>
+          <a:noFill/>
+          <a:ln>
+            <a:noFill/>
+          </a:ln>
+        </p:spPr>
+        <p:txBody>
+          <a:bodyPr lIns="90000" tIns="45000" rIns="90000" bIns="45000"/>
+          <a:lstStyle/>
           <a:p>
             <a:r>
-              <a:rPr b="0" lang="en-US" sz="1800" spc="-1" strike="noStrike">
+              <a:rPr lang="de-CH" sz="1800" b="0" strike="noStrike" spc="-1">
+                <a:latin typeface="Arial"/>
+              </a:rPr>
+              <a:t>Luftqualität Kohlenstoffmonoxid / Stickstoffdioxid / Feinstaub</a:t>
+            </a:r>
+          </a:p>
+        </p:txBody>
+      </p:sp>
+      <p:pic>
+        <p:nvPicPr>
+          <p:cNvPr id="84" name="Grafik 83"/>
+          <p:cNvPicPr/>
+          <p:nvPr/>
+        </p:nvPicPr>
+        <p:blipFill>
+          <a:blip r:embed="rId2"/>
+          <a:stretch/>
+        </p:blipFill>
+        <p:spPr>
+          <a:xfrm>
+            <a:off x="288000" y="972000"/>
+            <a:ext cx="3650400" cy="2098800"/>
+          </a:xfrm>
+          <a:prstGeom prst="rect">
+            <a:avLst/>
+          </a:prstGeom>
+          <a:ln>
+            <a:noFill/>
+          </a:ln>
+        </p:spPr>
+      </p:pic>
+      <p:pic>
+        <p:nvPicPr>
+          <p:cNvPr id="85" name="Grafik 84"/>
+          <p:cNvPicPr/>
+          <p:nvPr/>
+        </p:nvPicPr>
+        <p:blipFill>
+          <a:blip r:embed="rId3"/>
+          <a:stretch/>
+        </p:blipFill>
+        <p:spPr>
+          <a:xfrm>
+            <a:off x="288000" y="2973960"/>
+            <a:ext cx="3722400" cy="2210040"/>
+          </a:xfrm>
+          <a:prstGeom prst="rect">
+            <a:avLst/>
+          </a:prstGeom>
+          <a:ln>
+            <a:noFill/>
+          </a:ln>
+        </p:spPr>
+      </p:pic>
+      <p:pic>
+        <p:nvPicPr>
+          <p:cNvPr id="86" name="Grafik 85"/>
+          <p:cNvPicPr/>
+          <p:nvPr/>
+        </p:nvPicPr>
+        <p:blipFill>
+          <a:blip r:embed="rId4"/>
+          <a:stretch/>
+        </p:blipFill>
+        <p:spPr>
+          <a:xfrm>
+            <a:off x="3240000" y="936000"/>
+            <a:ext cx="3585960" cy="2088000"/>
+          </a:xfrm>
+          <a:prstGeom prst="rect">
+            <a:avLst/>
+          </a:prstGeom>
+          <a:ln>
+            <a:noFill/>
+          </a:ln>
+        </p:spPr>
+      </p:pic>
+      <p:pic>
+        <p:nvPicPr>
+          <p:cNvPr id="87" name="Grafik 86"/>
+          <p:cNvPicPr/>
+          <p:nvPr/>
+        </p:nvPicPr>
+        <p:blipFill>
+          <a:blip r:embed="rId5"/>
+          <a:stretch/>
+        </p:blipFill>
+        <p:spPr>
+          <a:xfrm>
+            <a:off x="3312000" y="3024000"/>
+            <a:ext cx="3612240" cy="2088000"/>
+          </a:xfrm>
+          <a:prstGeom prst="rect">
+            <a:avLst/>
+          </a:prstGeom>
+          <a:ln>
+            <a:noFill/>
+          </a:ln>
+        </p:spPr>
+      </p:pic>
+      <p:pic>
+        <p:nvPicPr>
+          <p:cNvPr id="88" name="Grafik 87"/>
+          <p:cNvPicPr/>
+          <p:nvPr/>
+        </p:nvPicPr>
+        <p:blipFill>
+          <a:blip r:embed="rId6"/>
+          <a:stretch/>
+        </p:blipFill>
+        <p:spPr>
+          <a:xfrm>
+            <a:off x="6264000" y="864000"/>
+            <a:ext cx="3528000" cy="2113200"/>
+          </a:xfrm>
+          <a:prstGeom prst="rect">
+            <a:avLst/>
+          </a:prstGeom>
+          <a:ln>
+            <a:noFill/>
+          </a:ln>
+        </p:spPr>
+      </p:pic>
+      <p:pic>
+        <p:nvPicPr>
+          <p:cNvPr id="89" name="Grafik 88"/>
+          <p:cNvPicPr/>
+          <p:nvPr/>
+        </p:nvPicPr>
+        <p:blipFill>
+          <a:blip r:embed="rId7"/>
+          <a:stretch/>
+        </p:blipFill>
+        <p:spPr>
+          <a:xfrm>
+            <a:off x="6264000" y="2995200"/>
+            <a:ext cx="3660840" cy="2188800"/>
+          </a:xfrm>
+          <a:prstGeom prst="rect">
+            <a:avLst/>
+          </a:prstGeom>
+          <a:ln>
+            <a:noFill/>
+          </a:ln>
+        </p:spPr>
+      </p:pic>
+      <p:sp>
+        <p:nvSpPr>
+          <p:cNvPr id="90" name="TextShape 4"/>
+          <p:cNvSpPr txBox="1"/>
+          <p:nvPr/>
+        </p:nvSpPr>
+        <p:spPr>
+          <a:xfrm>
+            <a:off x="9000752" y="575999"/>
+            <a:ext cx="1007865" cy="3267387"/>
+          </a:xfrm>
+          <a:prstGeom prst="rect">
+            <a:avLst/>
+          </a:prstGeom>
+          <a:noFill/>
+          <a:ln>
+            <a:noFill/>
+          </a:ln>
+        </p:spPr>
+        <p:txBody>
+          <a:bodyPr lIns="90000" tIns="45000" rIns="90000" bIns="45000"/>
+          <a:lstStyle/>
+          <a:p>
+            <a:r>
+              <a:rPr lang="de-CH" sz="1800" b="0" strike="noStrike" spc="-1" dirty="0" smtClean="0">
+                <a:latin typeface="Arial"/>
+              </a:rPr>
+              <a:t>Station:</a:t>
+            </a:r>
+            <a:endParaRPr lang="de-CH" sz="1800" b="0" strike="noStrike" spc="-1" dirty="0">
+              <a:latin typeface="Arial"/>
+            </a:endParaRPr>
+          </a:p>
+          <a:p>
+            <a:endParaRPr lang="de-CH" sz="1800" b="0" strike="noStrike" spc="-1" dirty="0">
+              <a:latin typeface="Arial"/>
+            </a:endParaRPr>
+          </a:p>
+          <a:p>
+            <a:r>
+              <a:rPr lang="de-CH" sz="1800" b="0" strike="noStrike" spc="-1" dirty="0">
+                <a:latin typeface="Arial"/>
+              </a:rPr>
+              <a:t>07</a:t>
+            </a:r>
+          </a:p>
+          <a:p>
+            <a:endParaRPr lang="de-CH" sz="1800" b="0" strike="noStrike" spc="-1" dirty="0">
+              <a:latin typeface="Arial"/>
+            </a:endParaRPr>
+          </a:p>
+          <a:p>
+            <a:endParaRPr lang="de-CH" sz="1800" b="0" strike="noStrike" spc="-1" dirty="0">
+              <a:latin typeface="Arial"/>
+            </a:endParaRPr>
+          </a:p>
+          <a:p>
+            <a:endParaRPr lang="de-CH" sz="1800" b="0" strike="noStrike" spc="-1" dirty="0">
+              <a:latin typeface="Arial"/>
+            </a:endParaRPr>
+          </a:p>
+          <a:p>
+            <a:endParaRPr lang="de-CH" sz="1800" b="0" strike="noStrike" spc="-1" dirty="0">
+              <a:latin typeface="Arial"/>
+            </a:endParaRPr>
+          </a:p>
+          <a:p>
+            <a:endParaRPr lang="de-CH" sz="1800" b="0" strike="noStrike" spc="-1" dirty="0">
+              <a:latin typeface="Arial"/>
+            </a:endParaRPr>
+          </a:p>
+          <a:p>
+            <a:endParaRPr lang="de-CH" sz="1800" b="0" strike="noStrike" spc="-1" dirty="0">
+              <a:latin typeface="Arial"/>
+            </a:endParaRPr>
+          </a:p>
+          <a:p>
+            <a:endParaRPr lang="de-CH" sz="1800" b="0" strike="noStrike" spc="-1" dirty="0">
+              <a:latin typeface="Arial"/>
+            </a:endParaRPr>
+          </a:p>
+          <a:p>
+            <a:r>
+              <a:rPr lang="de-CH" sz="1800" b="0" strike="noStrike" spc="-1" dirty="0">
+                <a:latin typeface="Arial"/>
+              </a:rPr>
+              <a:t>36</a:t>
+            </a:r>
+          </a:p>
+        </p:txBody>
+      </p:sp>
+    </p:spTree>
+  </p:cSld>
+  <p:clrMapOvr>
+    <a:masterClrMapping/>
+  </p:clrMapOvr>
+  <mc:AlternateContent xmlns:mc="http://schemas.openxmlformats.org/markup-compatibility/2006" xmlns:p14="http://schemas.microsoft.com/office/powerpoint/2010/main">
+    <mc:Choice Requires="p14">
+      <p:transition spd="slow" p14:dur="2000"/>
+    </mc:Choice>
+    <mc:Fallback xmlns:p15="http://schemas.microsoft.com/office/powerpoint/2012/main" xmlns="">
+      <p:transition spd="slow"/>
+    </mc:Fallback>
+  </mc:AlternateContent>
+  <p:timing>
+    <p:tnLst>
+      <p:par>
+        <p:cTn id="1" dur="indefinite" restart="never" nodeType="tmRoot">
+          <p:childTnLst>
+            <p:seq>
+              <p:cTn id="2" dur="indefinite" nodeType="mainSeq"/>
+              <p:prevCondLst>
+                <p:cond evt="onPrev" delay="0">
+                  <p:tgtEl>
+                    <p:sldTgt/>
+                  </p:tgtEl>
+                </p:cond>
+              </p:prevCondLst>
+              <p:nextCondLst>
+                <p:cond evt="onNext" delay="0">
+                  <p:tgtEl>
+                    <p:sldTgt/>
+                  </p:tgtEl>
+                </p:cond>
+              </p:nextCondLst>
+            </p:seq>
+          </p:childTnLst>
+        </p:cTn>
+      </p:par>
+    </p:tnLst>
+  </p:timing>
+</p:sld>
+</file>
+
+<file path=ppt/slides/slide4.xml><?xml version="1.0" encoding="utf-8"?>
+<p:sld xmlns:a="http://schemas.openxmlformats.org/drawingml/2006/main" xmlns:r="http://schemas.openxmlformats.org/officeDocument/2006/relationships" xmlns:p="http://schemas.openxmlformats.org/presentationml/2006/main">
+  <p:cSld>
+    <p:spTree>
+      <p:nvGrpSpPr>
+        <p:cNvPr id="1" name=""/>
+        <p:cNvGrpSpPr/>
+        <p:nvPr/>
+      </p:nvGrpSpPr>
+      <p:grpSpPr>
+        <a:xfrm>
+          <a:off x="0" y="0"/>
+          <a:ext cx="0" cy="0"/>
+          <a:chOff x="0" y="0"/>
+          <a:chExt cx="0" cy="0"/>
+        </a:xfrm>
+      </p:grpSpPr>
+      <p:sp>
+        <p:nvSpPr>
+          <p:cNvPr id="91" name="TextShape 1"/>
+          <p:cNvSpPr txBox="1"/>
+          <p:nvPr/>
+        </p:nvSpPr>
+        <p:spPr>
+          <a:xfrm>
+            <a:off x="504000" y="226080"/>
+            <a:ext cx="9071280" cy="946080"/>
+          </a:xfrm>
+          <a:prstGeom prst="rect">
+            <a:avLst/>
+          </a:prstGeom>
+          <a:noFill/>
+          <a:ln>
+            <a:noFill/>
+          </a:ln>
+        </p:spPr>
+        <p:txBody>
+          <a:bodyPr lIns="0" tIns="0" rIns="0" bIns="0" anchor="ctr"/>
+          <a:lstStyle/>
+          <a:p>
+            <a:r>
+              <a:rPr lang="en-US" sz="1800" b="0" strike="noStrike" spc="-1">
                 <a:solidFill>
                   <a:srgbClr val="000000"/>
                 </a:solidFill>
@@ -4440,53 +4658,23 @@
               </a:rPr>
               <a:t>Kohlenstoffmonoxid und Feinstaub aller Stationen</a:t>
             </a:r>
-            <a:endParaRPr b="0" lang="en-US" sz="1800" spc="-1" strike="noStrike">
-              <a:solidFill>
-                <a:srgbClr val="000000"/>
-              </a:solidFill>
-              <a:latin typeface="Arial"/>
-            </a:endParaRPr>
           </a:p>
         </p:txBody>
       </p:sp>
       <p:pic>
         <p:nvPicPr>
-          <p:cNvPr id="92" name="" descr=""/>
-          <p:cNvPicPr/>
-          <p:nvPr/>
-        </p:nvPicPr>
-        <p:blipFill>
-          <a:blip r:embed="rId1"/>
-          <a:stretch/>
-        </p:blipFill>
-        <p:spPr>
-          <a:xfrm>
-            <a:off x="165600" y="1172160"/>
-            <a:ext cx="6386400" cy="3605400"/>
-          </a:xfrm>
-          <a:prstGeom prst="rect">
-            <a:avLst/>
-          </a:prstGeom>
-          <a:ln>
-            <a:noFill/>
-          </a:ln>
-        </p:spPr>
-      </p:pic>
-      <p:pic>
-        <p:nvPicPr>
-          <p:cNvPr id="93" name="" descr=""/>
+          <p:cNvPr id="92" name="Grafik 91"/>
           <p:cNvPicPr/>
           <p:nvPr/>
         </p:nvPicPr>
         <p:blipFill>
           <a:blip r:embed="rId2"/>
-          <a:srcRect l="0" t="0" r="18832" b="0"/>
           <a:stretch/>
         </p:blipFill>
         <p:spPr>
           <a:xfrm>
-            <a:off x="4941000" y="1224000"/>
-            <a:ext cx="5090760" cy="3528000"/>
+            <a:off x="165600" y="1172160"/>
+            <a:ext cx="6386400" cy="3605400"/>
           </a:xfrm>
           <a:prstGeom prst="rect">
             <a:avLst/>
@@ -4496,32 +4684,59 @@
           </a:ln>
         </p:spPr>
       </p:pic>
+      <p:pic>
+        <p:nvPicPr>
+          <p:cNvPr id="93" name="Grafik 92"/>
+          <p:cNvPicPr/>
+          <p:nvPr/>
+        </p:nvPicPr>
+        <p:blipFill>
+          <a:blip r:embed="rId3"/>
+          <a:srcRect r="18832"/>
+          <a:stretch/>
+        </p:blipFill>
+        <p:spPr>
+          <a:xfrm>
+            <a:off x="4941000" y="1224000"/>
+            <a:ext cx="5090760" cy="3528000"/>
+          </a:xfrm>
+          <a:prstGeom prst="rect">
+            <a:avLst/>
+          </a:prstGeom>
+          <a:ln>
+            <a:noFill/>
+          </a:ln>
+        </p:spPr>
+      </p:pic>
     </p:spTree>
   </p:cSld>
-  <mc:AlternateContent>
+  <p:clrMapOvr>
+    <a:masterClrMapping/>
+  </p:clrMapOvr>
+  <mc:AlternateContent xmlns:mc="http://schemas.openxmlformats.org/markup-compatibility/2006" xmlns:p14="http://schemas.microsoft.com/office/powerpoint/2010/main">
     <mc:Choice Requires="p14">
       <p:transition spd="slow" p14:dur="2000"/>
     </mc:Choice>
-    <mc:Fallback>
+    <mc:Fallback xmlns:p15="http://schemas.microsoft.com/office/powerpoint/2012/main" xmlns="">
       <p:transition spd="slow"/>
     </mc:Fallback>
   </mc:AlternateContent>
   <p:timing>
     <p:tnLst>
       <p:par>
-        <p:cTn id="5" dur="indefinite" restart="never" nodeType="tmRoot">
+        <p:cTn id="1" dur="indefinite" restart="never" nodeType="tmRoot">
           <p:childTnLst>
             <p:seq>
-              <p:cTn id="6" dur="indefinite" nodeType="mainSeq"/>
+              <p:cTn id="2" dur="indefinite" nodeType="mainSeq"/>
               <p:prevCondLst>
-                <p:cond delay="0" evt="onPrev">
+                <p:cond evt="onPrev" delay="0">
                   <p:tgtEl>
                     <p:sldTgt/>
                   </p:tgtEl>
                 </p:cond>
               </p:prevCondLst>
               <p:nextCondLst>
-                <p:cond delay="0" evt="onNext">
+                <p:cond evt="onNext" delay="0">
                   <p:tgtEl>
                     <p:sldTgt/>
                   </p:tgtEl>
@@ -4547,31 +4762,31 @@
         <a:sysClr val="window" lastClr="FFFFFF"/>
       </a:lt1>
       <a:dk2>
-        <a:srgbClr val="1f497d"/>
+        <a:srgbClr val="1F497D"/>
       </a:dk2>
       <a:lt2>
-        <a:srgbClr val="eeece1"/>
+        <a:srgbClr val="EEECE1"/>
       </a:lt2>
       <a:accent1>
-        <a:srgbClr val="4f81bd"/>
+        <a:srgbClr val="4F81BD"/>
       </a:accent1>
       <a:accent2>
-        <a:srgbClr val="c0504d"/>
+        <a:srgbClr val="C0504D"/>
       </a:accent2>
       <a:accent3>
-        <a:srgbClr val="9bbb59"/>
+        <a:srgbClr val="9BBB59"/>
       </a:accent3>
       <a:accent4>
-        <a:srgbClr val="8064a2"/>
+        <a:srgbClr val="8064A2"/>
       </a:accent4>
       <a:accent5>
-        <a:srgbClr val="4bacc6"/>
+        <a:srgbClr val="4BACC6"/>
       </a:accent5>
       <a:accent6>
-        <a:srgbClr val="f79646"/>
+        <a:srgbClr val="F79646"/>
       </a:accent6>
       <a:hlink>
-        <a:srgbClr val="0000ff"/>
+        <a:srgbClr val="0000FF"/>
       </a:hlink>
       <a:folHlink>
         <a:srgbClr val="800080"/>
@@ -4756,6 +4971,8 @@
       </a:bgFillStyleLst>
     </a:fmtScheme>
   </a:themeElements>
+  <a:objectDefaults/>
+  <a:extraClrSchemeLst/>
 </a:theme>
 </file>
 
@@ -4770,31 +4987,31 @@
         <a:sysClr val="window" lastClr="FFFFFF"/>
       </a:lt1>
       <a:dk2>
-        <a:srgbClr val="1f497d"/>
+        <a:srgbClr val="1F497D"/>
       </a:dk2>
       <a:lt2>
-        <a:srgbClr val="eeece1"/>
+        <a:srgbClr val="EEECE1"/>
       </a:lt2>
       <a:accent1>
-        <a:srgbClr val="4f81bd"/>
+        <a:srgbClr val="4F81BD"/>
       </a:accent1>
       <a:accent2>
-        <a:srgbClr val="c0504d"/>
+        <a:srgbClr val="C0504D"/>
       </a:accent2>
       <a:accent3>
-        <a:srgbClr val="9bbb59"/>
+        <a:srgbClr val="9BBB59"/>
       </a:accent3>
       <a:accent4>
-        <a:srgbClr val="8064a2"/>
+        <a:srgbClr val="8064A2"/>
       </a:accent4>
       <a:accent5>
-        <a:srgbClr val="4bacc6"/>
+        <a:srgbClr val="4BACC6"/>
       </a:accent5>
       <a:accent6>
-        <a:srgbClr val="f79646"/>
+        <a:srgbClr val="F79646"/>
       </a:accent6>
       <a:hlink>
-        <a:srgbClr val="0000ff"/>
+        <a:srgbClr val="0000FF"/>
       </a:hlink>
       <a:folHlink>
         <a:srgbClr val="800080"/>
@@ -4979,5 +5196,7 @@
       </a:bgFillStyleLst>
     </a:fmtScheme>
   </a:themeElements>
+  <a:objectDefaults/>
+  <a:extraClrSchemeLst/>
 </a:theme>
 </file>
--- a/IE_BigData_Madrid.pptx
+++ b/IE_BigData_Madrid.pptx
@@ -1,118 +1,26 @@
 
 <file path=ppt/presentation.xml><?xml version="1.0" encoding="utf-8"?>
-<p:presentation xmlns:a="http://schemas.openxmlformats.org/drawingml/2006/main" xmlns:r="http://schemas.openxmlformats.org/officeDocument/2006/relationships" xmlns:p="http://schemas.openxmlformats.org/presentationml/2006/main">
+<p:presentation xmlns:a="http://schemas.openxmlformats.org/drawingml/2006/main" xmlns:p="http://schemas.openxmlformats.org/presentationml/2006/main" xmlns:r="http://schemas.openxmlformats.org/officeDocument/2006/relationships" xmlns:p14="http://schemas.microsoft.com/office/powerpoint/2010/main" xmlns:p15="http://schemas.microsoft.com/office/powerpoint/2012/main" xmlns:mc="http://schemas.openxmlformats.org/markup-compatibility/2006">
   <p:sldMasterIdLst>
-    <p:sldMasterId id="2147483648" r:id="rId1"/>
-    <p:sldMasterId id="2147483661" r:id="rId2"/>
+    <p:sldMasterId id="2147483648" r:id="rId2"/>
+    <p:sldMasterId id="2147483661" r:id="rId3"/>
   </p:sldMasterIdLst>
   <p:sldIdLst>
-    <p:sldId id="256" r:id="rId3"/>
-    <p:sldId id="259" r:id="rId4"/>
+    <p:sldId id="256" r:id="rId4"/>
     <p:sldId id="257" r:id="rId5"/>
     <p:sldId id="258" r:id="rId6"/>
+    <p:sldId id="259" r:id="rId7"/>
+    <p:sldId id="260" r:id="rId8"/>
+    <p:sldId id="261" r:id="rId9"/>
+    <p:sldId id="262" r:id="rId10"/>
   </p:sldIdLst>
   <p:sldSz cx="10080625" cy="5670550"/>
-  <p:notesSz cx="7559675" cy="10691813"/>
-  <p:defaultTextStyle>
-    <a:defPPr>
-      <a:defRPr lang="de-DE"/>
-    </a:defPPr>
-    <a:lvl1pPr marL="0" algn="l" defTabSz="914400" rtl="0" eaLnBrk="1" latinLnBrk="0" hangingPunct="1">
-      <a:defRPr sz="1800" kern="1200">
-        <a:solidFill>
-          <a:schemeClr val="tx1"/>
-        </a:solidFill>
-        <a:latin typeface="+mn-lt"/>
-        <a:ea typeface="+mn-ea"/>
-        <a:cs typeface="+mn-cs"/>
-      </a:defRPr>
-    </a:lvl1pPr>
-    <a:lvl2pPr marL="457200" algn="l" defTabSz="914400" rtl="0" eaLnBrk="1" latinLnBrk="0" hangingPunct="1">
-      <a:defRPr sz="1800" kern="1200">
-        <a:solidFill>
-          <a:schemeClr val="tx1"/>
-        </a:solidFill>
-        <a:latin typeface="+mn-lt"/>
-        <a:ea typeface="+mn-ea"/>
-        <a:cs typeface="+mn-cs"/>
-      </a:defRPr>
-    </a:lvl2pPr>
-    <a:lvl3pPr marL="914400" algn="l" defTabSz="914400" rtl="0" eaLnBrk="1" latinLnBrk="0" hangingPunct="1">
-      <a:defRPr sz="1800" kern="1200">
-        <a:solidFill>
-          <a:schemeClr val="tx1"/>
-        </a:solidFill>
-        <a:latin typeface="+mn-lt"/>
-        <a:ea typeface="+mn-ea"/>
-        <a:cs typeface="+mn-cs"/>
-      </a:defRPr>
-    </a:lvl3pPr>
-    <a:lvl4pPr marL="1371600" algn="l" defTabSz="914400" rtl="0" eaLnBrk="1" latinLnBrk="0" hangingPunct="1">
-      <a:defRPr sz="1800" kern="1200">
-        <a:solidFill>
-          <a:schemeClr val="tx1"/>
-        </a:solidFill>
-        <a:latin typeface="+mn-lt"/>
-        <a:ea typeface="+mn-ea"/>
-        <a:cs typeface="+mn-cs"/>
-      </a:defRPr>
-    </a:lvl4pPr>
-    <a:lvl5pPr marL="1828800" algn="l" defTabSz="914400" rtl="0" eaLnBrk="1" latinLnBrk="0" hangingPunct="1">
-      <a:defRPr sz="1800" kern="1200">
-        <a:solidFill>
-          <a:schemeClr val="tx1"/>
-        </a:solidFill>
-        <a:latin typeface="+mn-lt"/>
-        <a:ea typeface="+mn-ea"/>
-        <a:cs typeface="+mn-cs"/>
-      </a:defRPr>
-    </a:lvl5pPr>
-    <a:lvl6pPr marL="2286000" algn="l" defTabSz="914400" rtl="0" eaLnBrk="1" latinLnBrk="0" hangingPunct="1">
-      <a:defRPr sz="1800" kern="1200">
-        <a:solidFill>
-          <a:schemeClr val="tx1"/>
-        </a:solidFill>
-        <a:latin typeface="+mn-lt"/>
-        <a:ea typeface="+mn-ea"/>
-        <a:cs typeface="+mn-cs"/>
-      </a:defRPr>
-    </a:lvl6pPr>
-    <a:lvl7pPr marL="2743200" algn="l" defTabSz="914400" rtl="0" eaLnBrk="1" latinLnBrk="0" hangingPunct="1">
-      <a:defRPr sz="1800" kern="1200">
-        <a:solidFill>
-          <a:schemeClr val="tx1"/>
-        </a:solidFill>
-        <a:latin typeface="+mn-lt"/>
-        <a:ea typeface="+mn-ea"/>
-        <a:cs typeface="+mn-cs"/>
-      </a:defRPr>
-    </a:lvl7pPr>
-    <a:lvl8pPr marL="3200400" algn="l" defTabSz="914400" rtl="0" eaLnBrk="1" latinLnBrk="0" hangingPunct="1">
-      <a:defRPr sz="1800" kern="1200">
-        <a:solidFill>
-          <a:schemeClr val="tx1"/>
-        </a:solidFill>
-        <a:latin typeface="+mn-lt"/>
-        <a:ea typeface="+mn-ea"/>
-        <a:cs typeface="+mn-cs"/>
-      </a:defRPr>
-    </a:lvl8pPr>
-    <a:lvl9pPr marL="3657600" algn="l" defTabSz="914400" rtl="0" eaLnBrk="1" latinLnBrk="0" hangingPunct="1">
-      <a:defRPr sz="1800" kern="1200">
-        <a:solidFill>
-          <a:schemeClr val="tx1"/>
-        </a:solidFill>
-        <a:latin typeface="+mn-lt"/>
-        <a:ea typeface="+mn-ea"/>
-        <a:cs typeface="+mn-cs"/>
-      </a:defRPr>
-    </a:lvl9pPr>
-  </p:defaultTextStyle>
+  <p:notesSz cx="7559675" cy="10691812"/>
 </p:presentation>
 </file>
 
 <file path=ppt/slideLayouts/slideLayout1.xml><?xml version="1.0" encoding="utf-8"?>
-<p:sldLayout xmlns:a="http://schemas.openxmlformats.org/drawingml/2006/main" xmlns:r="http://schemas.openxmlformats.org/officeDocument/2006/relationships" xmlns:p="http://schemas.openxmlformats.org/presentationml/2006/main" type="blank" preserve="1">
+<p:sldLayout xmlns:a="http://schemas.openxmlformats.org/drawingml/2006/main" xmlns:p="http://schemas.openxmlformats.org/presentationml/2006/main" xmlns:r="http://schemas.openxmlformats.org/officeDocument/2006/relationships" xmlns:p14="http://schemas.microsoft.com/office/powerpoint/2010/main" xmlns:p15="http://schemas.microsoft.com/office/powerpoint/2012/main" xmlns:mc="http://schemas.openxmlformats.org/markup-compatibility/2006" type="blank" preserve="1">
   <p:cSld name="Blank Slide">
     <p:spTree>
       <p:nvGrpSpPr>
@@ -130,14 +38,11 @@
       </p:grpSpPr>
     </p:spTree>
   </p:cSld>
-  <p:clrMapOvr>
-    <a:masterClrMapping/>
-  </p:clrMapOvr>
 </p:sldLayout>
 </file>
 
 <file path=ppt/slideLayouts/slideLayout10.xml><?xml version="1.0" encoding="utf-8"?>
-<p:sldLayout xmlns:a="http://schemas.openxmlformats.org/drawingml/2006/main" xmlns:r="http://schemas.openxmlformats.org/officeDocument/2006/relationships" xmlns:p="http://schemas.openxmlformats.org/presentationml/2006/main" type="objOverTx" preserve="1">
+<p:sldLayout xmlns:a="http://schemas.openxmlformats.org/drawingml/2006/main" xmlns:p="http://schemas.openxmlformats.org/presentationml/2006/main" xmlns:r="http://schemas.openxmlformats.org/officeDocument/2006/relationships" xmlns:p14="http://schemas.microsoft.com/office/powerpoint/2010/main" xmlns:p15="http://schemas.microsoft.com/office/powerpoint/2012/main" xmlns:mc="http://schemas.openxmlformats.org/markup-compatibility/2006" type="objOverTx" preserve="1">
   <p:cSld name="Title, Content over Content">
     <p:spTree>
       <p:nvGrpSpPr>
@@ -166,17 +71,16 @@
         <p:spPr>
           <a:xfrm>
             <a:off x="504000" y="226080"/>
-            <a:ext cx="9071280" cy="946080"/>
-          </a:xfrm>
-          <a:prstGeom prst="rect">
-            <a:avLst/>
-          </a:prstGeom>
-        </p:spPr>
-        <p:txBody>
-          <a:bodyPr lIns="0" tIns="0" rIns="0" bIns="0" anchor="ctr"/>
-          <a:lstStyle/>
-          <a:p>
-            <a:endParaRPr lang="en-US" sz="1800" b="0" strike="noStrike" spc="-1">
+            <a:ext cx="9072000" cy="946440"/>
+          </a:xfrm>
+          <a:prstGeom prst="rect">
+            <a:avLst/>
+          </a:prstGeom>
+        </p:spPr>
+        <p:txBody>
+          <a:bodyPr lIns="0" rIns="0" tIns="0" bIns="0" anchor="ctr"/>
+          <a:p>
+            <a:endParaRPr b="0" lang="de-DE" sz="1800" spc="-1" strike="noStrike">
               <a:solidFill>
                 <a:srgbClr val="000000"/>
               </a:solidFill>
@@ -198,19 +102,18 @@
         <p:spPr>
           <a:xfrm>
             <a:off x="504000" y="1326600"/>
-            <a:ext cx="9071280" cy="1568160"/>
-          </a:xfrm>
-          <a:prstGeom prst="rect">
-            <a:avLst/>
-          </a:prstGeom>
-        </p:spPr>
-        <p:txBody>
-          <a:bodyPr lIns="0" tIns="0" rIns="0" bIns="0">
+            <a:ext cx="9072000" cy="1568520"/>
+          </a:xfrm>
+          <a:prstGeom prst="rect">
+            <a:avLst/>
+          </a:prstGeom>
+        </p:spPr>
+        <p:txBody>
+          <a:bodyPr lIns="0" rIns="0" tIns="0" bIns="0">
             <a:normAutofit/>
           </a:bodyPr>
-          <a:lstStyle/>
-          <a:p>
-            <a:endParaRPr lang="en-US" sz="1800" b="0" strike="noStrike" spc="-1">
+          <a:p>
+            <a:endParaRPr b="0" lang="de-DE" sz="1800" spc="-1" strike="noStrike">
               <a:solidFill>
                 <a:srgbClr val="000000"/>
               </a:solidFill>
@@ -231,20 +134,19 @@
         </p:nvSpPr>
         <p:spPr>
           <a:xfrm>
-            <a:off x="504000" y="3044160"/>
-            <a:ext cx="9071280" cy="1568160"/>
-          </a:xfrm>
-          <a:prstGeom prst="rect">
-            <a:avLst/>
-          </a:prstGeom>
-        </p:spPr>
-        <p:txBody>
-          <a:bodyPr lIns="0" tIns="0" rIns="0" bIns="0">
+            <a:off x="504000" y="3044520"/>
+            <a:ext cx="9072000" cy="1568520"/>
+          </a:xfrm>
+          <a:prstGeom prst="rect">
+            <a:avLst/>
+          </a:prstGeom>
+        </p:spPr>
+        <p:txBody>
+          <a:bodyPr lIns="0" rIns="0" tIns="0" bIns="0">
             <a:normAutofit/>
           </a:bodyPr>
-          <a:lstStyle/>
-          <a:p>
-            <a:endParaRPr lang="en-US" sz="1800" b="0" strike="noStrike" spc="-1">
+          <a:p>
+            <a:endParaRPr b="0" lang="de-DE" sz="1800" spc="-1" strike="noStrike">
               <a:solidFill>
                 <a:srgbClr val="000000"/>
               </a:solidFill>
@@ -255,14 +157,11 @@
       </p:sp>
     </p:spTree>
   </p:cSld>
-  <p:clrMapOvr>
-    <a:masterClrMapping/>
-  </p:clrMapOvr>
 </p:sldLayout>
 </file>
 
 <file path=ppt/slideLayouts/slideLayout11.xml><?xml version="1.0" encoding="utf-8"?>
-<p:sldLayout xmlns:a="http://schemas.openxmlformats.org/drawingml/2006/main" xmlns:r="http://schemas.openxmlformats.org/officeDocument/2006/relationships" xmlns:p="http://schemas.openxmlformats.org/presentationml/2006/main" type="fourObj" preserve="1">
+<p:sldLayout xmlns:a="http://schemas.openxmlformats.org/drawingml/2006/main" xmlns:p="http://schemas.openxmlformats.org/presentationml/2006/main" xmlns:r="http://schemas.openxmlformats.org/officeDocument/2006/relationships" xmlns:p14="http://schemas.microsoft.com/office/powerpoint/2010/main" xmlns:p15="http://schemas.microsoft.com/office/powerpoint/2012/main" xmlns:mc="http://schemas.openxmlformats.org/markup-compatibility/2006" type="fourObj" preserve="1">
   <p:cSld name="Title, 4 Content">
     <p:spTree>
       <p:nvGrpSpPr>
@@ -291,17 +190,16 @@
         <p:spPr>
           <a:xfrm>
             <a:off x="504000" y="226080"/>
-            <a:ext cx="9071280" cy="946080"/>
-          </a:xfrm>
-          <a:prstGeom prst="rect">
-            <a:avLst/>
-          </a:prstGeom>
-        </p:spPr>
-        <p:txBody>
-          <a:bodyPr lIns="0" tIns="0" rIns="0" bIns="0" anchor="ctr"/>
-          <a:lstStyle/>
-          <a:p>
-            <a:endParaRPr lang="en-US" sz="1800" b="0" strike="noStrike" spc="-1">
+            <a:ext cx="9072000" cy="946440"/>
+          </a:xfrm>
+          <a:prstGeom prst="rect">
+            <a:avLst/>
+          </a:prstGeom>
+        </p:spPr>
+        <p:txBody>
+          <a:bodyPr lIns="0" rIns="0" tIns="0" bIns="0" anchor="ctr"/>
+          <a:p>
+            <a:endParaRPr b="0" lang="de-DE" sz="1800" spc="-1" strike="noStrike">
               <a:solidFill>
                 <a:srgbClr val="000000"/>
               </a:solidFill>
@@ -323,19 +221,18 @@
         <p:spPr>
           <a:xfrm>
             <a:off x="504000" y="1326600"/>
-            <a:ext cx="4426560" cy="1568160"/>
-          </a:xfrm>
-          <a:prstGeom prst="rect">
-            <a:avLst/>
-          </a:prstGeom>
-        </p:spPr>
-        <p:txBody>
-          <a:bodyPr lIns="0" tIns="0" rIns="0" bIns="0">
+            <a:ext cx="4426920" cy="1568520"/>
+          </a:xfrm>
+          <a:prstGeom prst="rect">
+            <a:avLst/>
+          </a:prstGeom>
+        </p:spPr>
+        <p:txBody>
+          <a:bodyPr lIns="0" rIns="0" tIns="0" bIns="0">
             <a:normAutofit/>
           </a:bodyPr>
-          <a:lstStyle/>
-          <a:p>
-            <a:endParaRPr lang="en-US" sz="1800" b="0" strike="noStrike" spc="-1">
+          <a:p>
+            <a:endParaRPr b="0" lang="de-DE" sz="1800" spc="-1" strike="noStrike">
               <a:solidFill>
                 <a:srgbClr val="000000"/>
               </a:solidFill>
@@ -356,20 +253,19 @@
         </p:nvSpPr>
         <p:spPr>
           <a:xfrm>
-            <a:off x="5152320" y="1326600"/>
-            <a:ext cx="4426560" cy="1568160"/>
-          </a:xfrm>
-          <a:prstGeom prst="rect">
-            <a:avLst/>
-          </a:prstGeom>
-        </p:spPr>
-        <p:txBody>
-          <a:bodyPr lIns="0" tIns="0" rIns="0" bIns="0">
+            <a:off x="5152680" y="1326600"/>
+            <a:ext cx="4426920" cy="1568520"/>
+          </a:xfrm>
+          <a:prstGeom prst="rect">
+            <a:avLst/>
+          </a:prstGeom>
+        </p:spPr>
+        <p:txBody>
+          <a:bodyPr lIns="0" rIns="0" tIns="0" bIns="0">
             <a:normAutofit/>
           </a:bodyPr>
-          <a:lstStyle/>
-          <a:p>
-            <a:endParaRPr lang="en-US" sz="1800" b="0" strike="noStrike" spc="-1">
+          <a:p>
+            <a:endParaRPr b="0" lang="de-DE" sz="1800" spc="-1" strike="noStrike">
               <a:solidFill>
                 <a:srgbClr val="000000"/>
               </a:solidFill>
@@ -390,20 +286,19 @@
         </p:nvSpPr>
         <p:spPr>
           <a:xfrm>
-            <a:off x="504000" y="3044160"/>
-            <a:ext cx="4426560" cy="1568160"/>
-          </a:xfrm>
-          <a:prstGeom prst="rect">
-            <a:avLst/>
-          </a:prstGeom>
-        </p:spPr>
-        <p:txBody>
-          <a:bodyPr lIns="0" tIns="0" rIns="0" bIns="0">
+            <a:off x="504000" y="3044520"/>
+            <a:ext cx="4426920" cy="1568520"/>
+          </a:xfrm>
+          <a:prstGeom prst="rect">
+            <a:avLst/>
+          </a:prstGeom>
+        </p:spPr>
+        <p:txBody>
+          <a:bodyPr lIns="0" rIns="0" tIns="0" bIns="0">
             <a:normAutofit/>
           </a:bodyPr>
-          <a:lstStyle/>
-          <a:p>
-            <a:endParaRPr lang="en-US" sz="1800" b="0" strike="noStrike" spc="-1">
+          <a:p>
+            <a:endParaRPr b="0" lang="de-DE" sz="1800" spc="-1" strike="noStrike">
               <a:solidFill>
                 <a:srgbClr val="000000"/>
               </a:solidFill>
@@ -424,20 +319,19 @@
         </p:nvSpPr>
         <p:spPr>
           <a:xfrm>
-            <a:off x="5152320" y="3044160"/>
-            <a:ext cx="4426560" cy="1568160"/>
-          </a:xfrm>
-          <a:prstGeom prst="rect">
-            <a:avLst/>
-          </a:prstGeom>
-        </p:spPr>
-        <p:txBody>
-          <a:bodyPr lIns="0" tIns="0" rIns="0" bIns="0">
+            <a:off x="5152680" y="3044520"/>
+            <a:ext cx="4426920" cy="1568520"/>
+          </a:xfrm>
+          <a:prstGeom prst="rect">
+            <a:avLst/>
+          </a:prstGeom>
+        </p:spPr>
+        <p:txBody>
+          <a:bodyPr lIns="0" rIns="0" tIns="0" bIns="0">
             <a:normAutofit/>
           </a:bodyPr>
-          <a:lstStyle/>
-          <a:p>
-            <a:endParaRPr lang="en-US" sz="1800" b="0" strike="noStrike" spc="-1">
+          <a:p>
+            <a:endParaRPr b="0" lang="de-DE" sz="1800" spc="-1" strike="noStrike">
               <a:solidFill>
                 <a:srgbClr val="000000"/>
               </a:solidFill>
@@ -448,14 +342,11 @@
       </p:sp>
     </p:spTree>
   </p:cSld>
-  <p:clrMapOvr>
-    <a:masterClrMapping/>
-  </p:clrMapOvr>
 </p:sldLayout>
 </file>
 
 <file path=ppt/slideLayouts/slideLayout12.xml><?xml version="1.0" encoding="utf-8"?>
-<p:sldLayout xmlns:a="http://schemas.openxmlformats.org/drawingml/2006/main" xmlns:r="http://schemas.openxmlformats.org/officeDocument/2006/relationships" xmlns:p="http://schemas.openxmlformats.org/presentationml/2006/main" type="blank" preserve="1">
+<p:sldLayout xmlns:a="http://schemas.openxmlformats.org/drawingml/2006/main" xmlns:p="http://schemas.openxmlformats.org/presentationml/2006/main" xmlns:r="http://schemas.openxmlformats.org/officeDocument/2006/relationships" xmlns:p14="http://schemas.microsoft.com/office/powerpoint/2010/main" xmlns:p15="http://schemas.microsoft.com/office/powerpoint/2012/main" xmlns:mc="http://schemas.openxmlformats.org/markup-compatibility/2006" type="blank" preserve="1">
   <p:cSld name="Title, 6 Content">
     <p:spTree>
       <p:nvGrpSpPr>
@@ -484,17 +375,16 @@
         <p:spPr>
           <a:xfrm>
             <a:off x="504000" y="226080"/>
-            <a:ext cx="9071280" cy="946080"/>
-          </a:xfrm>
-          <a:prstGeom prst="rect">
-            <a:avLst/>
-          </a:prstGeom>
-        </p:spPr>
-        <p:txBody>
-          <a:bodyPr lIns="0" tIns="0" rIns="0" bIns="0" anchor="ctr"/>
-          <a:lstStyle/>
-          <a:p>
-            <a:endParaRPr lang="en-US" sz="1800" b="0" strike="noStrike" spc="-1">
+            <a:ext cx="9072000" cy="946440"/>
+          </a:xfrm>
+          <a:prstGeom prst="rect">
+            <a:avLst/>
+          </a:prstGeom>
+        </p:spPr>
+        <p:txBody>
+          <a:bodyPr lIns="0" rIns="0" tIns="0" bIns="0" anchor="ctr"/>
+          <a:p>
+            <a:endParaRPr b="0" lang="de-DE" sz="1800" spc="-1" strike="noStrike">
               <a:solidFill>
                 <a:srgbClr val="000000"/>
               </a:solidFill>
@@ -516,19 +406,18 @@
         <p:spPr>
           <a:xfrm>
             <a:off x="504000" y="1326600"/>
-            <a:ext cx="2920680" cy="1568160"/>
-          </a:xfrm>
-          <a:prstGeom prst="rect">
-            <a:avLst/>
-          </a:prstGeom>
-        </p:spPr>
-        <p:txBody>
-          <a:bodyPr lIns="0" tIns="0" rIns="0" bIns="0">
+            <a:ext cx="2921040" cy="1568520"/>
+          </a:xfrm>
+          <a:prstGeom prst="rect">
+            <a:avLst/>
+          </a:prstGeom>
+        </p:spPr>
+        <p:txBody>
+          <a:bodyPr lIns="0" rIns="0" tIns="0" bIns="0">
             <a:normAutofit/>
           </a:bodyPr>
-          <a:lstStyle/>
-          <a:p>
-            <a:endParaRPr lang="en-US" sz="1800" b="0" strike="noStrike" spc="-1">
+          <a:p>
+            <a:endParaRPr b="0" lang="de-DE" sz="1800" spc="-1" strike="noStrike">
               <a:solidFill>
                 <a:srgbClr val="000000"/>
               </a:solidFill>
@@ -549,20 +438,19 @@
         </p:nvSpPr>
         <p:spPr>
           <a:xfrm>
-            <a:off x="3571200" y="1326600"/>
-            <a:ext cx="2920680" cy="1568160"/>
-          </a:xfrm>
-          <a:prstGeom prst="rect">
-            <a:avLst/>
-          </a:prstGeom>
-        </p:spPr>
-        <p:txBody>
-          <a:bodyPr lIns="0" tIns="0" rIns="0" bIns="0">
+            <a:off x="3571560" y="1326600"/>
+            <a:ext cx="2921040" cy="1568520"/>
+          </a:xfrm>
+          <a:prstGeom prst="rect">
+            <a:avLst/>
+          </a:prstGeom>
+        </p:spPr>
+        <p:txBody>
+          <a:bodyPr lIns="0" rIns="0" tIns="0" bIns="0">
             <a:normAutofit/>
           </a:bodyPr>
-          <a:lstStyle/>
-          <a:p>
-            <a:endParaRPr lang="en-US" sz="1800" b="0" strike="noStrike" spc="-1">
+          <a:p>
+            <a:endParaRPr b="0" lang="de-DE" sz="1800" spc="-1" strike="noStrike">
               <a:solidFill>
                 <a:srgbClr val="000000"/>
               </a:solidFill>
@@ -583,20 +471,19 @@
         </p:nvSpPr>
         <p:spPr>
           <a:xfrm>
-            <a:off x="6638040" y="1326600"/>
-            <a:ext cx="2920680" cy="1568160"/>
-          </a:xfrm>
-          <a:prstGeom prst="rect">
-            <a:avLst/>
-          </a:prstGeom>
-        </p:spPr>
-        <p:txBody>
-          <a:bodyPr lIns="0" tIns="0" rIns="0" bIns="0">
+            <a:off x="6639120" y="1326600"/>
+            <a:ext cx="2921040" cy="1568520"/>
+          </a:xfrm>
+          <a:prstGeom prst="rect">
+            <a:avLst/>
+          </a:prstGeom>
+        </p:spPr>
+        <p:txBody>
+          <a:bodyPr lIns="0" rIns="0" tIns="0" bIns="0">
             <a:normAutofit/>
           </a:bodyPr>
-          <a:lstStyle/>
-          <a:p>
-            <a:endParaRPr lang="en-US" sz="1800" b="0" strike="noStrike" spc="-1">
+          <a:p>
+            <a:endParaRPr b="0" lang="de-DE" sz="1800" spc="-1" strike="noStrike">
               <a:solidFill>
                 <a:srgbClr val="000000"/>
               </a:solidFill>
@@ -617,20 +504,19 @@
         </p:nvSpPr>
         <p:spPr>
           <a:xfrm>
-            <a:off x="504000" y="3044160"/>
-            <a:ext cx="2920680" cy="1568160"/>
-          </a:xfrm>
-          <a:prstGeom prst="rect">
-            <a:avLst/>
-          </a:prstGeom>
-        </p:spPr>
-        <p:txBody>
-          <a:bodyPr lIns="0" tIns="0" rIns="0" bIns="0">
+            <a:off x="504000" y="3044520"/>
+            <a:ext cx="2921040" cy="1568520"/>
+          </a:xfrm>
+          <a:prstGeom prst="rect">
+            <a:avLst/>
+          </a:prstGeom>
+        </p:spPr>
+        <p:txBody>
+          <a:bodyPr lIns="0" rIns="0" tIns="0" bIns="0">
             <a:normAutofit/>
           </a:bodyPr>
-          <a:lstStyle/>
-          <a:p>
-            <a:endParaRPr lang="en-US" sz="1800" b="0" strike="noStrike" spc="-1">
+          <a:p>
+            <a:endParaRPr b="0" lang="de-DE" sz="1800" spc="-1" strike="noStrike">
               <a:solidFill>
                 <a:srgbClr val="000000"/>
               </a:solidFill>
@@ -651,20 +537,19 @@
         </p:nvSpPr>
         <p:spPr>
           <a:xfrm>
-            <a:off x="3571200" y="3044160"/>
-            <a:ext cx="2920680" cy="1568160"/>
-          </a:xfrm>
-          <a:prstGeom prst="rect">
-            <a:avLst/>
-          </a:prstGeom>
-        </p:spPr>
-        <p:txBody>
-          <a:bodyPr lIns="0" tIns="0" rIns="0" bIns="0">
+            <a:off x="3571560" y="3044520"/>
+            <a:ext cx="2921040" cy="1568520"/>
+          </a:xfrm>
+          <a:prstGeom prst="rect">
+            <a:avLst/>
+          </a:prstGeom>
+        </p:spPr>
+        <p:txBody>
+          <a:bodyPr lIns="0" rIns="0" tIns="0" bIns="0">
             <a:normAutofit/>
           </a:bodyPr>
-          <a:lstStyle/>
-          <a:p>
-            <a:endParaRPr lang="en-US" sz="1800" b="0" strike="noStrike" spc="-1">
+          <a:p>
+            <a:endParaRPr b="0" lang="de-DE" sz="1800" spc="-1" strike="noStrike">
               <a:solidFill>
                 <a:srgbClr val="000000"/>
               </a:solidFill>
@@ -685,20 +570,19 @@
         </p:nvSpPr>
         <p:spPr>
           <a:xfrm>
-            <a:off x="6638040" y="3044160"/>
-            <a:ext cx="2920680" cy="1568160"/>
-          </a:xfrm>
-          <a:prstGeom prst="rect">
-            <a:avLst/>
-          </a:prstGeom>
-        </p:spPr>
-        <p:txBody>
-          <a:bodyPr lIns="0" tIns="0" rIns="0" bIns="0">
+            <a:off x="6639120" y="3044520"/>
+            <a:ext cx="2921040" cy="1568520"/>
+          </a:xfrm>
+          <a:prstGeom prst="rect">
+            <a:avLst/>
+          </a:prstGeom>
+        </p:spPr>
+        <p:txBody>
+          <a:bodyPr lIns="0" rIns="0" tIns="0" bIns="0">
             <a:normAutofit/>
           </a:bodyPr>
-          <a:lstStyle/>
-          <a:p>
-            <a:endParaRPr lang="en-US" sz="1800" b="0" strike="noStrike" spc="-1">
+          <a:p>
+            <a:endParaRPr b="0" lang="de-DE" sz="1800" spc="-1" strike="noStrike">
               <a:solidFill>
                 <a:srgbClr val="000000"/>
               </a:solidFill>
@@ -709,14 +593,11 @@
       </p:sp>
     </p:spTree>
   </p:cSld>
-  <p:clrMapOvr>
-    <a:masterClrMapping/>
-  </p:clrMapOvr>
 </p:sldLayout>
 </file>
 
 <file path=ppt/slideLayouts/slideLayout13.xml><?xml version="1.0" encoding="utf-8"?>
-<p:sldLayout xmlns:a="http://schemas.openxmlformats.org/drawingml/2006/main" xmlns:r="http://schemas.openxmlformats.org/officeDocument/2006/relationships" xmlns:p="http://schemas.openxmlformats.org/presentationml/2006/main" type="blank" preserve="1">
+<p:sldLayout xmlns:a="http://schemas.openxmlformats.org/drawingml/2006/main" xmlns:p="http://schemas.openxmlformats.org/presentationml/2006/main" xmlns:r="http://schemas.openxmlformats.org/officeDocument/2006/relationships" xmlns:p14="http://schemas.microsoft.com/office/powerpoint/2010/main" xmlns:p15="http://schemas.microsoft.com/office/powerpoint/2012/main" xmlns:mc="http://schemas.openxmlformats.org/markup-compatibility/2006" type="blank" preserve="1">
   <p:cSld name="Blank Slide">
     <p:spTree>
       <p:nvGrpSpPr>
@@ -734,14 +615,11 @@
       </p:grpSpPr>
     </p:spTree>
   </p:cSld>
-  <p:clrMapOvr>
-    <a:masterClrMapping/>
-  </p:clrMapOvr>
 </p:sldLayout>
 </file>
 
 <file path=ppt/slideLayouts/slideLayout14.xml><?xml version="1.0" encoding="utf-8"?>
-<p:sldLayout xmlns:a="http://schemas.openxmlformats.org/drawingml/2006/main" xmlns:r="http://schemas.openxmlformats.org/officeDocument/2006/relationships" xmlns:p="http://schemas.openxmlformats.org/presentationml/2006/main" type="tx" preserve="1">
+<p:sldLayout xmlns:a="http://schemas.openxmlformats.org/drawingml/2006/main" xmlns:p="http://schemas.openxmlformats.org/presentationml/2006/main" xmlns:r="http://schemas.openxmlformats.org/officeDocument/2006/relationships" xmlns:p14="http://schemas.microsoft.com/office/powerpoint/2010/main" xmlns:p15="http://schemas.microsoft.com/office/powerpoint/2012/main" xmlns:mc="http://schemas.openxmlformats.org/markup-compatibility/2006" type="tx" preserve="1">
   <p:cSld name="Title Slide">
     <p:spTree>
       <p:nvGrpSpPr>
@@ -770,17 +648,16 @@
         <p:spPr>
           <a:xfrm>
             <a:off x="504000" y="226080"/>
-            <a:ext cx="9071280" cy="946080"/>
-          </a:xfrm>
-          <a:prstGeom prst="rect">
-            <a:avLst/>
-          </a:prstGeom>
-        </p:spPr>
-        <p:txBody>
-          <a:bodyPr lIns="0" tIns="0" rIns="0" bIns="0" anchor="ctr"/>
-          <a:lstStyle/>
-          <a:p>
-            <a:endParaRPr lang="en-US" sz="1800" b="0" strike="noStrike" spc="-1">
+            <a:ext cx="9072000" cy="946440"/>
+          </a:xfrm>
+          <a:prstGeom prst="rect">
+            <a:avLst/>
+          </a:prstGeom>
+        </p:spPr>
+        <p:txBody>
+          <a:bodyPr lIns="0" rIns="0" tIns="0" bIns="0" anchor="ctr"/>
+          <a:p>
+            <a:endParaRPr b="0" lang="de-DE" sz="1800" spc="-1" strike="noStrike">
               <a:solidFill>
                 <a:srgbClr val="000000"/>
               </a:solidFill>
@@ -802,18 +679,17 @@
         <p:spPr>
           <a:xfrm>
             <a:off x="504000" y="1326600"/>
-            <a:ext cx="9071280" cy="3287880"/>
-          </a:xfrm>
-          <a:prstGeom prst="rect">
-            <a:avLst/>
-          </a:prstGeom>
-        </p:spPr>
-        <p:txBody>
-          <a:bodyPr lIns="0" tIns="0" rIns="0" bIns="0" anchor="ctr"/>
-          <a:lstStyle/>
+            <a:ext cx="9072000" cy="3288600"/>
+          </a:xfrm>
+          <a:prstGeom prst="rect">
+            <a:avLst/>
+          </a:prstGeom>
+        </p:spPr>
+        <p:txBody>
+          <a:bodyPr lIns="0" rIns="0" tIns="0" bIns="0" anchor="ctr"/>
           <a:p>
             <a:pPr algn="ctr"/>
-            <a:endParaRPr lang="de-CH" sz="3200" b="0" strike="noStrike" spc="-1">
+            <a:endParaRPr b="0" lang="de-CH" sz="3200" spc="-1" strike="noStrike">
               <a:latin typeface="Arial"/>
             </a:endParaRPr>
           </a:p>
@@ -821,14 +697,11 @@
       </p:sp>
     </p:spTree>
   </p:cSld>
-  <p:clrMapOvr>
-    <a:masterClrMapping/>
-  </p:clrMapOvr>
 </p:sldLayout>
 </file>
 
 <file path=ppt/slideLayouts/slideLayout15.xml><?xml version="1.0" encoding="utf-8"?>
-<p:sldLayout xmlns:a="http://schemas.openxmlformats.org/drawingml/2006/main" xmlns:r="http://schemas.openxmlformats.org/officeDocument/2006/relationships" xmlns:p="http://schemas.openxmlformats.org/presentationml/2006/main" type="obj" preserve="1">
+<p:sldLayout xmlns:a="http://schemas.openxmlformats.org/drawingml/2006/main" xmlns:p="http://schemas.openxmlformats.org/presentationml/2006/main" xmlns:r="http://schemas.openxmlformats.org/officeDocument/2006/relationships" xmlns:p14="http://schemas.microsoft.com/office/powerpoint/2010/main" xmlns:p15="http://schemas.microsoft.com/office/powerpoint/2012/main" xmlns:mc="http://schemas.openxmlformats.org/markup-compatibility/2006" type="obj" preserve="1">
   <p:cSld name="Title, Content">
     <p:spTree>
       <p:nvGrpSpPr>
@@ -857,17 +730,16 @@
         <p:spPr>
           <a:xfrm>
             <a:off x="504000" y="226080"/>
-            <a:ext cx="9071280" cy="946080"/>
-          </a:xfrm>
-          <a:prstGeom prst="rect">
-            <a:avLst/>
-          </a:prstGeom>
-        </p:spPr>
-        <p:txBody>
-          <a:bodyPr lIns="0" tIns="0" rIns="0" bIns="0" anchor="ctr"/>
-          <a:lstStyle/>
-          <a:p>
-            <a:endParaRPr lang="en-US" sz="1800" b="0" strike="noStrike" spc="-1">
+            <a:ext cx="9072000" cy="946440"/>
+          </a:xfrm>
+          <a:prstGeom prst="rect">
+            <a:avLst/>
+          </a:prstGeom>
+        </p:spPr>
+        <p:txBody>
+          <a:bodyPr lIns="0" rIns="0" tIns="0" bIns="0" anchor="ctr"/>
+          <a:p>
+            <a:endParaRPr b="0" lang="de-DE" sz="1800" spc="-1" strike="noStrike">
               <a:solidFill>
                 <a:srgbClr val="000000"/>
               </a:solidFill>
@@ -889,19 +761,18 @@
         <p:spPr>
           <a:xfrm>
             <a:off x="504000" y="1326600"/>
-            <a:ext cx="9071280" cy="3287880"/>
-          </a:xfrm>
-          <a:prstGeom prst="rect">
-            <a:avLst/>
-          </a:prstGeom>
-        </p:spPr>
-        <p:txBody>
-          <a:bodyPr lIns="0" tIns="0" rIns="0" bIns="0">
+            <a:ext cx="9072000" cy="3288600"/>
+          </a:xfrm>
+          <a:prstGeom prst="rect">
+            <a:avLst/>
+          </a:prstGeom>
+        </p:spPr>
+        <p:txBody>
+          <a:bodyPr lIns="0" rIns="0" tIns="0" bIns="0">
             <a:normAutofit/>
           </a:bodyPr>
-          <a:lstStyle/>
-          <a:p>
-            <a:endParaRPr lang="en-US" sz="1800" b="0" strike="noStrike" spc="-1">
+          <a:p>
+            <a:endParaRPr b="0" lang="de-DE" sz="1800" spc="-1" strike="noStrike">
               <a:solidFill>
                 <a:srgbClr val="000000"/>
               </a:solidFill>
@@ -912,14 +783,11 @@
       </p:sp>
     </p:spTree>
   </p:cSld>
-  <p:clrMapOvr>
-    <a:masterClrMapping/>
-  </p:clrMapOvr>
 </p:sldLayout>
 </file>
 
 <file path=ppt/slideLayouts/slideLayout16.xml><?xml version="1.0" encoding="utf-8"?>
-<p:sldLayout xmlns:a="http://schemas.openxmlformats.org/drawingml/2006/main" xmlns:r="http://schemas.openxmlformats.org/officeDocument/2006/relationships" xmlns:p="http://schemas.openxmlformats.org/presentationml/2006/main" type="twoObj" preserve="1">
+<p:sldLayout xmlns:a="http://schemas.openxmlformats.org/drawingml/2006/main" xmlns:p="http://schemas.openxmlformats.org/presentationml/2006/main" xmlns:r="http://schemas.openxmlformats.org/officeDocument/2006/relationships" xmlns:p14="http://schemas.microsoft.com/office/powerpoint/2010/main" xmlns:p15="http://schemas.microsoft.com/office/powerpoint/2012/main" xmlns:mc="http://schemas.openxmlformats.org/markup-compatibility/2006" type="twoObj" preserve="1">
   <p:cSld name="Title, 2 Content">
     <p:spTree>
       <p:nvGrpSpPr>
@@ -948,17 +816,16 @@
         <p:spPr>
           <a:xfrm>
             <a:off x="504000" y="226080"/>
-            <a:ext cx="9071280" cy="946080"/>
-          </a:xfrm>
-          <a:prstGeom prst="rect">
-            <a:avLst/>
-          </a:prstGeom>
-        </p:spPr>
-        <p:txBody>
-          <a:bodyPr lIns="0" tIns="0" rIns="0" bIns="0" anchor="ctr"/>
-          <a:lstStyle/>
-          <a:p>
-            <a:endParaRPr lang="en-US" sz="1800" b="0" strike="noStrike" spc="-1">
+            <a:ext cx="9072000" cy="946440"/>
+          </a:xfrm>
+          <a:prstGeom prst="rect">
+            <a:avLst/>
+          </a:prstGeom>
+        </p:spPr>
+        <p:txBody>
+          <a:bodyPr lIns="0" rIns="0" tIns="0" bIns="0" anchor="ctr"/>
+          <a:p>
+            <a:endParaRPr b="0" lang="de-DE" sz="1800" spc="-1" strike="noStrike">
               <a:solidFill>
                 <a:srgbClr val="000000"/>
               </a:solidFill>
@@ -980,19 +847,18 @@
         <p:spPr>
           <a:xfrm>
             <a:off x="504000" y="1326600"/>
-            <a:ext cx="4426560" cy="3287880"/>
-          </a:xfrm>
-          <a:prstGeom prst="rect">
-            <a:avLst/>
-          </a:prstGeom>
-        </p:spPr>
-        <p:txBody>
-          <a:bodyPr lIns="0" tIns="0" rIns="0" bIns="0">
+            <a:ext cx="4426920" cy="3288600"/>
+          </a:xfrm>
+          <a:prstGeom prst="rect">
+            <a:avLst/>
+          </a:prstGeom>
+        </p:spPr>
+        <p:txBody>
+          <a:bodyPr lIns="0" rIns="0" tIns="0" bIns="0">
             <a:normAutofit/>
           </a:bodyPr>
-          <a:lstStyle/>
-          <a:p>
-            <a:endParaRPr lang="en-US" sz="1800" b="0" strike="noStrike" spc="-1">
+          <a:p>
+            <a:endParaRPr b="0" lang="de-DE" sz="1800" spc="-1" strike="noStrike">
               <a:solidFill>
                 <a:srgbClr val="000000"/>
               </a:solidFill>
@@ -1013,20 +879,19 @@
         </p:nvSpPr>
         <p:spPr>
           <a:xfrm>
-            <a:off x="5152320" y="1326600"/>
-            <a:ext cx="4426560" cy="3287880"/>
-          </a:xfrm>
-          <a:prstGeom prst="rect">
-            <a:avLst/>
-          </a:prstGeom>
-        </p:spPr>
-        <p:txBody>
-          <a:bodyPr lIns="0" tIns="0" rIns="0" bIns="0">
+            <a:off x="5152680" y="1326600"/>
+            <a:ext cx="4426920" cy="3288600"/>
+          </a:xfrm>
+          <a:prstGeom prst="rect">
+            <a:avLst/>
+          </a:prstGeom>
+        </p:spPr>
+        <p:txBody>
+          <a:bodyPr lIns="0" rIns="0" tIns="0" bIns="0">
             <a:normAutofit/>
           </a:bodyPr>
-          <a:lstStyle/>
-          <a:p>
-            <a:endParaRPr lang="en-US" sz="1800" b="0" strike="noStrike" spc="-1">
+          <a:p>
+            <a:endParaRPr b="0" lang="de-DE" sz="1800" spc="-1" strike="noStrike">
               <a:solidFill>
                 <a:srgbClr val="000000"/>
               </a:solidFill>
@@ -1037,14 +902,11 @@
       </p:sp>
     </p:spTree>
   </p:cSld>
-  <p:clrMapOvr>
-    <a:masterClrMapping/>
-  </p:clrMapOvr>
 </p:sldLayout>
 </file>
 
 <file path=ppt/slideLayouts/slideLayout17.xml><?xml version="1.0" encoding="utf-8"?>
-<p:sldLayout xmlns:a="http://schemas.openxmlformats.org/drawingml/2006/main" xmlns:r="http://schemas.openxmlformats.org/officeDocument/2006/relationships" xmlns:p="http://schemas.openxmlformats.org/presentationml/2006/main" type="titleOnly" preserve="1">
+<p:sldLayout xmlns:a="http://schemas.openxmlformats.org/drawingml/2006/main" xmlns:p="http://schemas.openxmlformats.org/presentationml/2006/main" xmlns:r="http://schemas.openxmlformats.org/officeDocument/2006/relationships" xmlns:p14="http://schemas.microsoft.com/office/powerpoint/2010/main" xmlns:p15="http://schemas.microsoft.com/office/powerpoint/2012/main" xmlns:mc="http://schemas.openxmlformats.org/markup-compatibility/2006" type="titleOnly" preserve="1">
   <p:cSld name="Title Only">
     <p:spTree>
       <p:nvGrpSpPr>
@@ -1073,17 +935,16 @@
         <p:spPr>
           <a:xfrm>
             <a:off x="504000" y="226080"/>
-            <a:ext cx="9071280" cy="946080"/>
-          </a:xfrm>
-          <a:prstGeom prst="rect">
-            <a:avLst/>
-          </a:prstGeom>
-        </p:spPr>
-        <p:txBody>
-          <a:bodyPr lIns="0" tIns="0" rIns="0" bIns="0" anchor="ctr"/>
-          <a:lstStyle/>
-          <a:p>
-            <a:endParaRPr lang="en-US" sz="1800" b="0" strike="noStrike" spc="-1">
+            <a:ext cx="9072000" cy="946440"/>
+          </a:xfrm>
+          <a:prstGeom prst="rect">
+            <a:avLst/>
+          </a:prstGeom>
+        </p:spPr>
+        <p:txBody>
+          <a:bodyPr lIns="0" rIns="0" tIns="0" bIns="0" anchor="ctr"/>
+          <a:p>
+            <a:endParaRPr b="0" lang="de-DE" sz="1800" spc="-1" strike="noStrike">
               <a:solidFill>
                 <a:srgbClr val="000000"/>
               </a:solidFill>
@@ -1094,14 +955,11 @@
       </p:sp>
     </p:spTree>
   </p:cSld>
-  <p:clrMapOvr>
-    <a:masterClrMapping/>
-  </p:clrMapOvr>
 </p:sldLayout>
 </file>
 
 <file path=ppt/slideLayouts/slideLayout18.xml><?xml version="1.0" encoding="utf-8"?>
-<p:sldLayout xmlns:a="http://schemas.openxmlformats.org/drawingml/2006/main" xmlns:r="http://schemas.openxmlformats.org/officeDocument/2006/relationships" xmlns:p="http://schemas.openxmlformats.org/presentationml/2006/main" type="objOnly" preserve="1">
+<p:sldLayout xmlns:a="http://schemas.openxmlformats.org/drawingml/2006/main" xmlns:p="http://schemas.openxmlformats.org/presentationml/2006/main" xmlns:r="http://schemas.openxmlformats.org/officeDocument/2006/relationships" xmlns:p14="http://schemas.microsoft.com/office/powerpoint/2010/main" xmlns:p15="http://schemas.microsoft.com/office/powerpoint/2012/main" xmlns:mc="http://schemas.openxmlformats.org/markup-compatibility/2006" type="objOnly" preserve="1">
   <p:cSld name="Centered Text">
     <p:spTree>
       <p:nvGrpSpPr>
@@ -1130,18 +988,17 @@
         <p:spPr>
           <a:xfrm>
             <a:off x="504000" y="226080"/>
-            <a:ext cx="9071280" cy="4386600"/>
-          </a:xfrm>
-          <a:prstGeom prst="rect">
-            <a:avLst/>
-          </a:prstGeom>
-        </p:spPr>
-        <p:txBody>
-          <a:bodyPr lIns="0" tIns="0" rIns="0" bIns="0" anchor="ctr"/>
-          <a:lstStyle/>
+            <a:ext cx="9072000" cy="4388400"/>
+          </a:xfrm>
+          <a:prstGeom prst="rect">
+            <a:avLst/>
+          </a:prstGeom>
+        </p:spPr>
+        <p:txBody>
+          <a:bodyPr lIns="0" rIns="0" tIns="0" bIns="0" anchor="ctr"/>
           <a:p>
             <a:pPr algn="ctr"/>
-            <a:endParaRPr lang="de-CH" sz="3200" b="0" strike="noStrike" spc="-1">
+            <a:endParaRPr b="0" lang="de-CH" sz="3200" spc="-1" strike="noStrike">
               <a:latin typeface="Arial"/>
             </a:endParaRPr>
           </a:p>
@@ -1149,14 +1006,11 @@
       </p:sp>
     </p:spTree>
   </p:cSld>
-  <p:clrMapOvr>
-    <a:masterClrMapping/>
-  </p:clrMapOvr>
 </p:sldLayout>
 </file>
 
 <file path=ppt/slideLayouts/slideLayout19.xml><?xml version="1.0" encoding="utf-8"?>
-<p:sldLayout xmlns:a="http://schemas.openxmlformats.org/drawingml/2006/main" xmlns:r="http://schemas.openxmlformats.org/officeDocument/2006/relationships" xmlns:p="http://schemas.openxmlformats.org/presentationml/2006/main" type="twoObjAndObj" preserve="1">
+<p:sldLayout xmlns:a="http://schemas.openxmlformats.org/drawingml/2006/main" xmlns:p="http://schemas.openxmlformats.org/presentationml/2006/main" xmlns:r="http://schemas.openxmlformats.org/officeDocument/2006/relationships" xmlns:p14="http://schemas.microsoft.com/office/powerpoint/2010/main" xmlns:p15="http://schemas.microsoft.com/office/powerpoint/2012/main" xmlns:mc="http://schemas.openxmlformats.org/markup-compatibility/2006" type="twoObjAndObj" preserve="1">
   <p:cSld name="Title, 2 Content and Content">
     <p:spTree>
       <p:nvGrpSpPr>
@@ -1185,17 +1039,16 @@
         <p:spPr>
           <a:xfrm>
             <a:off x="504000" y="226080"/>
-            <a:ext cx="9071280" cy="946080"/>
-          </a:xfrm>
-          <a:prstGeom prst="rect">
-            <a:avLst/>
-          </a:prstGeom>
-        </p:spPr>
-        <p:txBody>
-          <a:bodyPr lIns="0" tIns="0" rIns="0" bIns="0" anchor="ctr"/>
-          <a:lstStyle/>
-          <a:p>
-            <a:endParaRPr lang="en-US" sz="1800" b="0" strike="noStrike" spc="-1">
+            <a:ext cx="9072000" cy="946440"/>
+          </a:xfrm>
+          <a:prstGeom prst="rect">
+            <a:avLst/>
+          </a:prstGeom>
+        </p:spPr>
+        <p:txBody>
+          <a:bodyPr lIns="0" rIns="0" tIns="0" bIns="0" anchor="ctr"/>
+          <a:p>
+            <a:endParaRPr b="0" lang="de-DE" sz="1800" spc="-1" strike="noStrike">
               <a:solidFill>
                 <a:srgbClr val="000000"/>
               </a:solidFill>
@@ -1217,19 +1070,18 @@
         <p:spPr>
           <a:xfrm>
             <a:off x="504000" y="1326600"/>
-            <a:ext cx="4426560" cy="1568160"/>
-          </a:xfrm>
-          <a:prstGeom prst="rect">
-            <a:avLst/>
-          </a:prstGeom>
-        </p:spPr>
-        <p:txBody>
-          <a:bodyPr lIns="0" tIns="0" rIns="0" bIns="0">
+            <a:ext cx="4426920" cy="1568520"/>
+          </a:xfrm>
+          <a:prstGeom prst="rect">
+            <a:avLst/>
+          </a:prstGeom>
+        </p:spPr>
+        <p:txBody>
+          <a:bodyPr lIns="0" rIns="0" tIns="0" bIns="0">
             <a:normAutofit/>
           </a:bodyPr>
-          <a:lstStyle/>
-          <a:p>
-            <a:endParaRPr lang="en-US" sz="1800" b="0" strike="noStrike" spc="-1">
+          <a:p>
+            <a:endParaRPr b="0" lang="de-DE" sz="1800" spc="-1" strike="noStrike">
               <a:solidFill>
                 <a:srgbClr val="000000"/>
               </a:solidFill>
@@ -1250,20 +1102,19 @@
         </p:nvSpPr>
         <p:spPr>
           <a:xfrm>
-            <a:off x="5152320" y="1326600"/>
-            <a:ext cx="4426560" cy="3287880"/>
-          </a:xfrm>
-          <a:prstGeom prst="rect">
-            <a:avLst/>
-          </a:prstGeom>
-        </p:spPr>
-        <p:txBody>
-          <a:bodyPr lIns="0" tIns="0" rIns="0" bIns="0">
+            <a:off x="5152680" y="1326600"/>
+            <a:ext cx="4426920" cy="3288600"/>
+          </a:xfrm>
+          <a:prstGeom prst="rect">
+            <a:avLst/>
+          </a:prstGeom>
+        </p:spPr>
+        <p:txBody>
+          <a:bodyPr lIns="0" rIns="0" tIns="0" bIns="0">
             <a:normAutofit/>
           </a:bodyPr>
-          <a:lstStyle/>
-          <a:p>
-            <a:endParaRPr lang="en-US" sz="1800" b="0" strike="noStrike" spc="-1">
+          <a:p>
+            <a:endParaRPr b="0" lang="de-DE" sz="1800" spc="-1" strike="noStrike">
               <a:solidFill>
                 <a:srgbClr val="000000"/>
               </a:solidFill>
@@ -1284,20 +1135,19 @@
         </p:nvSpPr>
         <p:spPr>
           <a:xfrm>
-            <a:off x="504000" y="3044160"/>
-            <a:ext cx="4426560" cy="1568160"/>
-          </a:xfrm>
-          <a:prstGeom prst="rect">
-            <a:avLst/>
-          </a:prstGeom>
-        </p:spPr>
-        <p:txBody>
-          <a:bodyPr lIns="0" tIns="0" rIns="0" bIns="0">
+            <a:off x="504000" y="3044520"/>
+            <a:ext cx="4426920" cy="1568520"/>
+          </a:xfrm>
+          <a:prstGeom prst="rect">
+            <a:avLst/>
+          </a:prstGeom>
+        </p:spPr>
+        <p:txBody>
+          <a:bodyPr lIns="0" rIns="0" tIns="0" bIns="0">
             <a:normAutofit/>
           </a:bodyPr>
-          <a:lstStyle/>
-          <a:p>
-            <a:endParaRPr lang="en-US" sz="1800" b="0" strike="noStrike" spc="-1">
+          <a:p>
+            <a:endParaRPr b="0" lang="de-DE" sz="1800" spc="-1" strike="noStrike">
               <a:solidFill>
                 <a:srgbClr val="000000"/>
               </a:solidFill>
@@ -1308,14 +1158,11 @@
       </p:sp>
     </p:spTree>
   </p:cSld>
-  <p:clrMapOvr>
-    <a:masterClrMapping/>
-  </p:clrMapOvr>
 </p:sldLayout>
 </file>
 
 <file path=ppt/slideLayouts/slideLayout2.xml><?xml version="1.0" encoding="utf-8"?>
-<p:sldLayout xmlns:a="http://schemas.openxmlformats.org/drawingml/2006/main" xmlns:r="http://schemas.openxmlformats.org/officeDocument/2006/relationships" xmlns:p="http://schemas.openxmlformats.org/presentationml/2006/main" type="tx" preserve="1">
+<p:sldLayout xmlns:a="http://schemas.openxmlformats.org/drawingml/2006/main" xmlns:p="http://schemas.openxmlformats.org/presentationml/2006/main" xmlns:r="http://schemas.openxmlformats.org/officeDocument/2006/relationships" xmlns:p14="http://schemas.microsoft.com/office/powerpoint/2010/main" xmlns:p15="http://schemas.microsoft.com/office/powerpoint/2012/main" xmlns:mc="http://schemas.openxmlformats.org/markup-compatibility/2006" type="tx" preserve="1">
   <p:cSld name="Title Slide">
     <p:spTree>
       <p:nvGrpSpPr>
@@ -1344,17 +1191,16 @@
         <p:spPr>
           <a:xfrm>
             <a:off x="504000" y="226080"/>
-            <a:ext cx="9071280" cy="946080"/>
-          </a:xfrm>
-          <a:prstGeom prst="rect">
-            <a:avLst/>
-          </a:prstGeom>
-        </p:spPr>
-        <p:txBody>
-          <a:bodyPr lIns="0" tIns="0" rIns="0" bIns="0" anchor="ctr"/>
-          <a:lstStyle/>
-          <a:p>
-            <a:endParaRPr lang="en-US" sz="1800" b="0" strike="noStrike" spc="-1">
+            <a:ext cx="9072000" cy="946440"/>
+          </a:xfrm>
+          <a:prstGeom prst="rect">
+            <a:avLst/>
+          </a:prstGeom>
+        </p:spPr>
+        <p:txBody>
+          <a:bodyPr lIns="0" rIns="0" tIns="0" bIns="0" anchor="ctr"/>
+          <a:p>
+            <a:endParaRPr b="0" lang="de-DE" sz="1800" spc="-1" strike="noStrike">
               <a:solidFill>
                 <a:srgbClr val="000000"/>
               </a:solidFill>
@@ -1376,18 +1222,17 @@
         <p:spPr>
           <a:xfrm>
             <a:off x="504000" y="1326600"/>
-            <a:ext cx="9071280" cy="3287880"/>
-          </a:xfrm>
-          <a:prstGeom prst="rect">
-            <a:avLst/>
-          </a:prstGeom>
-        </p:spPr>
-        <p:txBody>
-          <a:bodyPr lIns="0" tIns="0" rIns="0" bIns="0" anchor="ctr"/>
-          <a:lstStyle/>
+            <a:ext cx="9072000" cy="3288600"/>
+          </a:xfrm>
+          <a:prstGeom prst="rect">
+            <a:avLst/>
+          </a:prstGeom>
+        </p:spPr>
+        <p:txBody>
+          <a:bodyPr lIns="0" rIns="0" tIns="0" bIns="0" anchor="ctr"/>
           <a:p>
             <a:pPr algn="ctr"/>
-            <a:endParaRPr lang="de-CH" sz="3200" b="0" strike="noStrike" spc="-1">
+            <a:endParaRPr b="0" lang="de-CH" sz="3200" spc="-1" strike="noStrike">
               <a:latin typeface="Arial"/>
             </a:endParaRPr>
           </a:p>
@@ -1395,14 +1240,11 @@
       </p:sp>
     </p:spTree>
   </p:cSld>
-  <p:clrMapOvr>
-    <a:masterClrMapping/>
-  </p:clrMapOvr>
 </p:sldLayout>
 </file>
 
 <file path=ppt/slideLayouts/slideLayout20.xml><?xml version="1.0" encoding="utf-8"?>
-<p:sldLayout xmlns:a="http://schemas.openxmlformats.org/drawingml/2006/main" xmlns:r="http://schemas.openxmlformats.org/officeDocument/2006/relationships" xmlns:p="http://schemas.openxmlformats.org/presentationml/2006/main" type="objAndTwoObj" preserve="1">
+<p:sldLayout xmlns:a="http://schemas.openxmlformats.org/drawingml/2006/main" xmlns:p="http://schemas.openxmlformats.org/presentationml/2006/main" xmlns:r="http://schemas.openxmlformats.org/officeDocument/2006/relationships" xmlns:p14="http://schemas.microsoft.com/office/powerpoint/2010/main" xmlns:p15="http://schemas.microsoft.com/office/powerpoint/2012/main" xmlns:mc="http://schemas.openxmlformats.org/markup-compatibility/2006" type="objAndTwoObj" preserve="1">
   <p:cSld name="Title Content and 2 Content">
     <p:spTree>
       <p:nvGrpSpPr>
@@ -1431,17 +1273,16 @@
         <p:spPr>
           <a:xfrm>
             <a:off x="504000" y="226080"/>
-            <a:ext cx="9071280" cy="946080"/>
-          </a:xfrm>
-          <a:prstGeom prst="rect">
-            <a:avLst/>
-          </a:prstGeom>
-        </p:spPr>
-        <p:txBody>
-          <a:bodyPr lIns="0" tIns="0" rIns="0" bIns="0" anchor="ctr"/>
-          <a:lstStyle/>
-          <a:p>
-            <a:endParaRPr lang="en-US" sz="1800" b="0" strike="noStrike" spc="-1">
+            <a:ext cx="9072000" cy="946440"/>
+          </a:xfrm>
+          <a:prstGeom prst="rect">
+            <a:avLst/>
+          </a:prstGeom>
+        </p:spPr>
+        <p:txBody>
+          <a:bodyPr lIns="0" rIns="0" tIns="0" bIns="0" anchor="ctr"/>
+          <a:p>
+            <a:endParaRPr b="0" lang="de-DE" sz="1800" spc="-1" strike="noStrike">
               <a:solidFill>
                 <a:srgbClr val="000000"/>
               </a:solidFill>
@@ -1463,19 +1304,18 @@
         <p:spPr>
           <a:xfrm>
             <a:off x="504000" y="1326600"/>
-            <a:ext cx="4426560" cy="3287880"/>
-          </a:xfrm>
-          <a:prstGeom prst="rect">
-            <a:avLst/>
-          </a:prstGeom>
-        </p:spPr>
-        <p:txBody>
-          <a:bodyPr lIns="0" tIns="0" rIns="0" bIns="0">
+            <a:ext cx="4426920" cy="3288600"/>
+          </a:xfrm>
+          <a:prstGeom prst="rect">
+            <a:avLst/>
+          </a:prstGeom>
+        </p:spPr>
+        <p:txBody>
+          <a:bodyPr lIns="0" rIns="0" tIns="0" bIns="0">
             <a:normAutofit/>
           </a:bodyPr>
-          <a:lstStyle/>
-          <a:p>
-            <a:endParaRPr lang="en-US" sz="1800" b="0" strike="noStrike" spc="-1">
+          <a:p>
+            <a:endParaRPr b="0" lang="de-DE" sz="1800" spc="-1" strike="noStrike">
               <a:solidFill>
                 <a:srgbClr val="000000"/>
               </a:solidFill>
@@ -1496,20 +1336,19 @@
         </p:nvSpPr>
         <p:spPr>
           <a:xfrm>
-            <a:off x="5152320" y="1326600"/>
-            <a:ext cx="4426560" cy="1568160"/>
-          </a:xfrm>
-          <a:prstGeom prst="rect">
-            <a:avLst/>
-          </a:prstGeom>
-        </p:spPr>
-        <p:txBody>
-          <a:bodyPr lIns="0" tIns="0" rIns="0" bIns="0">
+            <a:off x="5152680" y="1326600"/>
+            <a:ext cx="4426920" cy="1568520"/>
+          </a:xfrm>
+          <a:prstGeom prst="rect">
+            <a:avLst/>
+          </a:prstGeom>
+        </p:spPr>
+        <p:txBody>
+          <a:bodyPr lIns="0" rIns="0" tIns="0" bIns="0">
             <a:normAutofit/>
           </a:bodyPr>
-          <a:lstStyle/>
-          <a:p>
-            <a:endParaRPr lang="en-US" sz="1800" b="0" strike="noStrike" spc="-1">
+          <a:p>
+            <a:endParaRPr b="0" lang="de-DE" sz="1800" spc="-1" strike="noStrike">
               <a:solidFill>
                 <a:srgbClr val="000000"/>
               </a:solidFill>
@@ -1530,20 +1369,19 @@
         </p:nvSpPr>
         <p:spPr>
           <a:xfrm>
-            <a:off x="5152320" y="3044160"/>
-            <a:ext cx="4426560" cy="1568160"/>
-          </a:xfrm>
-          <a:prstGeom prst="rect">
-            <a:avLst/>
-          </a:prstGeom>
-        </p:spPr>
-        <p:txBody>
-          <a:bodyPr lIns="0" tIns="0" rIns="0" bIns="0">
+            <a:off x="5152680" y="3044520"/>
+            <a:ext cx="4426920" cy="1568520"/>
+          </a:xfrm>
+          <a:prstGeom prst="rect">
+            <a:avLst/>
+          </a:prstGeom>
+        </p:spPr>
+        <p:txBody>
+          <a:bodyPr lIns="0" rIns="0" tIns="0" bIns="0">
             <a:normAutofit/>
           </a:bodyPr>
-          <a:lstStyle/>
-          <a:p>
-            <a:endParaRPr lang="en-US" sz="1800" b="0" strike="noStrike" spc="-1">
+          <a:p>
+            <a:endParaRPr b="0" lang="de-DE" sz="1800" spc="-1" strike="noStrike">
               <a:solidFill>
                 <a:srgbClr val="000000"/>
               </a:solidFill>
@@ -1554,14 +1392,11 @@
       </p:sp>
     </p:spTree>
   </p:cSld>
-  <p:clrMapOvr>
-    <a:masterClrMapping/>
-  </p:clrMapOvr>
 </p:sldLayout>
 </file>
 
 <file path=ppt/slideLayouts/slideLayout21.xml><?xml version="1.0" encoding="utf-8"?>
-<p:sldLayout xmlns:a="http://schemas.openxmlformats.org/drawingml/2006/main" xmlns:r="http://schemas.openxmlformats.org/officeDocument/2006/relationships" xmlns:p="http://schemas.openxmlformats.org/presentationml/2006/main" type="twoObjOverTx" preserve="1">
+<p:sldLayout xmlns:a="http://schemas.openxmlformats.org/drawingml/2006/main" xmlns:p="http://schemas.openxmlformats.org/presentationml/2006/main" xmlns:r="http://schemas.openxmlformats.org/officeDocument/2006/relationships" xmlns:p14="http://schemas.microsoft.com/office/powerpoint/2010/main" xmlns:p15="http://schemas.microsoft.com/office/powerpoint/2012/main" xmlns:mc="http://schemas.openxmlformats.org/markup-compatibility/2006" type="twoObjOverTx" preserve="1">
   <p:cSld name="Title, 2 Content over Content">
     <p:spTree>
       <p:nvGrpSpPr>
@@ -1590,17 +1425,16 @@
         <p:spPr>
           <a:xfrm>
             <a:off x="504000" y="226080"/>
-            <a:ext cx="9071280" cy="946080"/>
-          </a:xfrm>
-          <a:prstGeom prst="rect">
-            <a:avLst/>
-          </a:prstGeom>
-        </p:spPr>
-        <p:txBody>
-          <a:bodyPr lIns="0" tIns="0" rIns="0" bIns="0" anchor="ctr"/>
-          <a:lstStyle/>
-          <a:p>
-            <a:endParaRPr lang="en-US" sz="1800" b="0" strike="noStrike" spc="-1">
+            <a:ext cx="9072000" cy="946440"/>
+          </a:xfrm>
+          <a:prstGeom prst="rect">
+            <a:avLst/>
+          </a:prstGeom>
+        </p:spPr>
+        <p:txBody>
+          <a:bodyPr lIns="0" rIns="0" tIns="0" bIns="0" anchor="ctr"/>
+          <a:p>
+            <a:endParaRPr b="0" lang="de-DE" sz="1800" spc="-1" strike="noStrike">
               <a:solidFill>
                 <a:srgbClr val="000000"/>
               </a:solidFill>
@@ -1622,19 +1456,18 @@
         <p:spPr>
           <a:xfrm>
             <a:off x="504000" y="1326600"/>
-            <a:ext cx="4426560" cy="1568160"/>
-          </a:xfrm>
-          <a:prstGeom prst="rect">
-            <a:avLst/>
-          </a:prstGeom>
-        </p:spPr>
-        <p:txBody>
-          <a:bodyPr lIns="0" tIns="0" rIns="0" bIns="0">
+            <a:ext cx="4426920" cy="1568520"/>
+          </a:xfrm>
+          <a:prstGeom prst="rect">
+            <a:avLst/>
+          </a:prstGeom>
+        </p:spPr>
+        <p:txBody>
+          <a:bodyPr lIns="0" rIns="0" tIns="0" bIns="0">
             <a:normAutofit/>
           </a:bodyPr>
-          <a:lstStyle/>
-          <a:p>
-            <a:endParaRPr lang="en-US" sz="1800" b="0" strike="noStrike" spc="-1">
+          <a:p>
+            <a:endParaRPr b="0" lang="de-DE" sz="1800" spc="-1" strike="noStrike">
               <a:solidFill>
                 <a:srgbClr val="000000"/>
               </a:solidFill>
@@ -1655,20 +1488,19 @@
         </p:nvSpPr>
         <p:spPr>
           <a:xfrm>
-            <a:off x="5152320" y="1326600"/>
-            <a:ext cx="4426560" cy="1568160"/>
-          </a:xfrm>
-          <a:prstGeom prst="rect">
-            <a:avLst/>
-          </a:prstGeom>
-        </p:spPr>
-        <p:txBody>
-          <a:bodyPr lIns="0" tIns="0" rIns="0" bIns="0">
+            <a:off x="5152680" y="1326600"/>
+            <a:ext cx="4426920" cy="1568520"/>
+          </a:xfrm>
+          <a:prstGeom prst="rect">
+            <a:avLst/>
+          </a:prstGeom>
+        </p:spPr>
+        <p:txBody>
+          <a:bodyPr lIns="0" rIns="0" tIns="0" bIns="0">
             <a:normAutofit/>
           </a:bodyPr>
-          <a:lstStyle/>
-          <a:p>
-            <a:endParaRPr lang="en-US" sz="1800" b="0" strike="noStrike" spc="-1">
+          <a:p>
+            <a:endParaRPr b="0" lang="de-DE" sz="1800" spc="-1" strike="noStrike">
               <a:solidFill>
                 <a:srgbClr val="000000"/>
               </a:solidFill>
@@ -1689,20 +1521,19 @@
         </p:nvSpPr>
         <p:spPr>
           <a:xfrm>
-            <a:off x="504000" y="3044160"/>
-            <a:ext cx="9071280" cy="1568160"/>
-          </a:xfrm>
-          <a:prstGeom prst="rect">
-            <a:avLst/>
-          </a:prstGeom>
-        </p:spPr>
-        <p:txBody>
-          <a:bodyPr lIns="0" tIns="0" rIns="0" bIns="0">
+            <a:off x="504000" y="3044520"/>
+            <a:ext cx="9072000" cy="1568520"/>
+          </a:xfrm>
+          <a:prstGeom prst="rect">
+            <a:avLst/>
+          </a:prstGeom>
+        </p:spPr>
+        <p:txBody>
+          <a:bodyPr lIns="0" rIns="0" tIns="0" bIns="0">
             <a:normAutofit/>
           </a:bodyPr>
-          <a:lstStyle/>
-          <a:p>
-            <a:endParaRPr lang="en-US" sz="1800" b="0" strike="noStrike" spc="-1">
+          <a:p>
+            <a:endParaRPr b="0" lang="de-DE" sz="1800" spc="-1" strike="noStrike">
               <a:solidFill>
                 <a:srgbClr val="000000"/>
               </a:solidFill>
@@ -1713,14 +1544,11 @@
       </p:sp>
     </p:spTree>
   </p:cSld>
-  <p:clrMapOvr>
-    <a:masterClrMapping/>
-  </p:clrMapOvr>
 </p:sldLayout>
 </file>
 
 <file path=ppt/slideLayouts/slideLayout22.xml><?xml version="1.0" encoding="utf-8"?>
-<p:sldLayout xmlns:a="http://schemas.openxmlformats.org/drawingml/2006/main" xmlns:r="http://schemas.openxmlformats.org/officeDocument/2006/relationships" xmlns:p="http://schemas.openxmlformats.org/presentationml/2006/main" type="objOverTx" preserve="1">
+<p:sldLayout xmlns:a="http://schemas.openxmlformats.org/drawingml/2006/main" xmlns:p="http://schemas.openxmlformats.org/presentationml/2006/main" xmlns:r="http://schemas.openxmlformats.org/officeDocument/2006/relationships" xmlns:p14="http://schemas.microsoft.com/office/powerpoint/2010/main" xmlns:p15="http://schemas.microsoft.com/office/powerpoint/2012/main" xmlns:mc="http://schemas.openxmlformats.org/markup-compatibility/2006" type="objOverTx" preserve="1">
   <p:cSld name="Title, Content over Content">
     <p:spTree>
       <p:nvGrpSpPr>
@@ -1749,17 +1577,16 @@
         <p:spPr>
           <a:xfrm>
             <a:off x="504000" y="226080"/>
-            <a:ext cx="9071280" cy="946080"/>
-          </a:xfrm>
-          <a:prstGeom prst="rect">
-            <a:avLst/>
-          </a:prstGeom>
-        </p:spPr>
-        <p:txBody>
-          <a:bodyPr lIns="0" tIns="0" rIns="0" bIns="0" anchor="ctr"/>
-          <a:lstStyle/>
-          <a:p>
-            <a:endParaRPr lang="en-US" sz="1800" b="0" strike="noStrike" spc="-1">
+            <a:ext cx="9072000" cy="946440"/>
+          </a:xfrm>
+          <a:prstGeom prst="rect">
+            <a:avLst/>
+          </a:prstGeom>
+        </p:spPr>
+        <p:txBody>
+          <a:bodyPr lIns="0" rIns="0" tIns="0" bIns="0" anchor="ctr"/>
+          <a:p>
+            <a:endParaRPr b="0" lang="de-DE" sz="1800" spc="-1" strike="noStrike">
               <a:solidFill>
                 <a:srgbClr val="000000"/>
               </a:solidFill>
@@ -1781,19 +1608,18 @@
         <p:spPr>
           <a:xfrm>
             <a:off x="504000" y="1326600"/>
-            <a:ext cx="9071280" cy="1568160"/>
-          </a:xfrm>
-          <a:prstGeom prst="rect">
-            <a:avLst/>
-          </a:prstGeom>
-        </p:spPr>
-        <p:txBody>
-          <a:bodyPr lIns="0" tIns="0" rIns="0" bIns="0">
+            <a:ext cx="9072000" cy="1568520"/>
+          </a:xfrm>
+          <a:prstGeom prst="rect">
+            <a:avLst/>
+          </a:prstGeom>
+        </p:spPr>
+        <p:txBody>
+          <a:bodyPr lIns="0" rIns="0" tIns="0" bIns="0">
             <a:normAutofit/>
           </a:bodyPr>
-          <a:lstStyle/>
-          <a:p>
-            <a:endParaRPr lang="en-US" sz="1800" b="0" strike="noStrike" spc="-1">
+          <a:p>
+            <a:endParaRPr b="0" lang="de-DE" sz="1800" spc="-1" strike="noStrike">
               <a:solidFill>
                 <a:srgbClr val="000000"/>
               </a:solidFill>
@@ -1814,20 +1640,19 @@
         </p:nvSpPr>
         <p:spPr>
           <a:xfrm>
-            <a:off x="504000" y="3044160"/>
-            <a:ext cx="9071280" cy="1568160"/>
-          </a:xfrm>
-          <a:prstGeom prst="rect">
-            <a:avLst/>
-          </a:prstGeom>
-        </p:spPr>
-        <p:txBody>
-          <a:bodyPr lIns="0" tIns="0" rIns="0" bIns="0">
+            <a:off x="504000" y="3044520"/>
+            <a:ext cx="9072000" cy="1568520"/>
+          </a:xfrm>
+          <a:prstGeom prst="rect">
+            <a:avLst/>
+          </a:prstGeom>
+        </p:spPr>
+        <p:txBody>
+          <a:bodyPr lIns="0" rIns="0" tIns="0" bIns="0">
             <a:normAutofit/>
           </a:bodyPr>
-          <a:lstStyle/>
-          <a:p>
-            <a:endParaRPr lang="en-US" sz="1800" b="0" strike="noStrike" spc="-1">
+          <a:p>
+            <a:endParaRPr b="0" lang="de-DE" sz="1800" spc="-1" strike="noStrike">
               <a:solidFill>
                 <a:srgbClr val="000000"/>
               </a:solidFill>
@@ -1838,14 +1663,11 @@
       </p:sp>
     </p:spTree>
   </p:cSld>
-  <p:clrMapOvr>
-    <a:masterClrMapping/>
-  </p:clrMapOvr>
 </p:sldLayout>
 </file>
 
 <file path=ppt/slideLayouts/slideLayout23.xml><?xml version="1.0" encoding="utf-8"?>
-<p:sldLayout xmlns:a="http://schemas.openxmlformats.org/drawingml/2006/main" xmlns:r="http://schemas.openxmlformats.org/officeDocument/2006/relationships" xmlns:p="http://schemas.openxmlformats.org/presentationml/2006/main" type="fourObj" preserve="1">
+<p:sldLayout xmlns:a="http://schemas.openxmlformats.org/drawingml/2006/main" xmlns:p="http://schemas.openxmlformats.org/presentationml/2006/main" xmlns:r="http://schemas.openxmlformats.org/officeDocument/2006/relationships" xmlns:p14="http://schemas.microsoft.com/office/powerpoint/2010/main" xmlns:p15="http://schemas.microsoft.com/office/powerpoint/2012/main" xmlns:mc="http://schemas.openxmlformats.org/markup-compatibility/2006" type="fourObj" preserve="1">
   <p:cSld name="Title, 4 Content">
     <p:spTree>
       <p:nvGrpSpPr>
@@ -1874,17 +1696,16 @@
         <p:spPr>
           <a:xfrm>
             <a:off x="504000" y="226080"/>
-            <a:ext cx="9071280" cy="946080"/>
-          </a:xfrm>
-          <a:prstGeom prst="rect">
-            <a:avLst/>
-          </a:prstGeom>
-        </p:spPr>
-        <p:txBody>
-          <a:bodyPr lIns="0" tIns="0" rIns="0" bIns="0" anchor="ctr"/>
-          <a:lstStyle/>
-          <a:p>
-            <a:endParaRPr lang="en-US" sz="1800" b="0" strike="noStrike" spc="-1">
+            <a:ext cx="9072000" cy="946440"/>
+          </a:xfrm>
+          <a:prstGeom prst="rect">
+            <a:avLst/>
+          </a:prstGeom>
+        </p:spPr>
+        <p:txBody>
+          <a:bodyPr lIns="0" rIns="0" tIns="0" bIns="0" anchor="ctr"/>
+          <a:p>
+            <a:endParaRPr b="0" lang="de-DE" sz="1800" spc="-1" strike="noStrike">
               <a:solidFill>
                 <a:srgbClr val="000000"/>
               </a:solidFill>
@@ -1906,19 +1727,18 @@
         <p:spPr>
           <a:xfrm>
             <a:off x="504000" y="1326600"/>
-            <a:ext cx="4426560" cy="1568160"/>
-          </a:xfrm>
-          <a:prstGeom prst="rect">
-            <a:avLst/>
-          </a:prstGeom>
-        </p:spPr>
-        <p:txBody>
-          <a:bodyPr lIns="0" tIns="0" rIns="0" bIns="0">
+            <a:ext cx="4426920" cy="1568520"/>
+          </a:xfrm>
+          <a:prstGeom prst="rect">
+            <a:avLst/>
+          </a:prstGeom>
+        </p:spPr>
+        <p:txBody>
+          <a:bodyPr lIns="0" rIns="0" tIns="0" bIns="0">
             <a:normAutofit/>
           </a:bodyPr>
-          <a:lstStyle/>
-          <a:p>
-            <a:endParaRPr lang="en-US" sz="1800" b="0" strike="noStrike" spc="-1">
+          <a:p>
+            <a:endParaRPr b="0" lang="de-DE" sz="1800" spc="-1" strike="noStrike">
               <a:solidFill>
                 <a:srgbClr val="000000"/>
               </a:solidFill>
@@ -1939,20 +1759,19 @@
         </p:nvSpPr>
         <p:spPr>
           <a:xfrm>
-            <a:off x="5152320" y="1326600"/>
-            <a:ext cx="4426560" cy="1568160"/>
-          </a:xfrm>
-          <a:prstGeom prst="rect">
-            <a:avLst/>
-          </a:prstGeom>
-        </p:spPr>
-        <p:txBody>
-          <a:bodyPr lIns="0" tIns="0" rIns="0" bIns="0">
+            <a:off x="5152680" y="1326600"/>
+            <a:ext cx="4426920" cy="1568520"/>
+          </a:xfrm>
+          <a:prstGeom prst="rect">
+            <a:avLst/>
+          </a:prstGeom>
+        </p:spPr>
+        <p:txBody>
+          <a:bodyPr lIns="0" rIns="0" tIns="0" bIns="0">
             <a:normAutofit/>
           </a:bodyPr>
-          <a:lstStyle/>
-          <a:p>
-            <a:endParaRPr lang="en-US" sz="1800" b="0" strike="noStrike" spc="-1">
+          <a:p>
+            <a:endParaRPr b="0" lang="de-DE" sz="1800" spc="-1" strike="noStrike">
               <a:solidFill>
                 <a:srgbClr val="000000"/>
               </a:solidFill>
@@ -1973,20 +1792,19 @@
         </p:nvSpPr>
         <p:spPr>
           <a:xfrm>
-            <a:off x="504000" y="3044160"/>
-            <a:ext cx="4426560" cy="1568160"/>
-          </a:xfrm>
-          <a:prstGeom prst="rect">
-            <a:avLst/>
-          </a:prstGeom>
-        </p:spPr>
-        <p:txBody>
-          <a:bodyPr lIns="0" tIns="0" rIns="0" bIns="0">
+            <a:off x="504000" y="3044520"/>
+            <a:ext cx="4426920" cy="1568520"/>
+          </a:xfrm>
+          <a:prstGeom prst="rect">
+            <a:avLst/>
+          </a:prstGeom>
+        </p:spPr>
+        <p:txBody>
+          <a:bodyPr lIns="0" rIns="0" tIns="0" bIns="0">
             <a:normAutofit/>
           </a:bodyPr>
-          <a:lstStyle/>
-          <a:p>
-            <a:endParaRPr lang="en-US" sz="1800" b="0" strike="noStrike" spc="-1">
+          <a:p>
+            <a:endParaRPr b="0" lang="de-DE" sz="1800" spc="-1" strike="noStrike">
               <a:solidFill>
                 <a:srgbClr val="000000"/>
               </a:solidFill>
@@ -2007,20 +1825,19 @@
         </p:nvSpPr>
         <p:spPr>
           <a:xfrm>
-            <a:off x="5152320" y="3044160"/>
-            <a:ext cx="4426560" cy="1568160"/>
-          </a:xfrm>
-          <a:prstGeom prst="rect">
-            <a:avLst/>
-          </a:prstGeom>
-        </p:spPr>
-        <p:txBody>
-          <a:bodyPr lIns="0" tIns="0" rIns="0" bIns="0">
+            <a:off x="5152680" y="3044520"/>
+            <a:ext cx="4426920" cy="1568520"/>
+          </a:xfrm>
+          <a:prstGeom prst="rect">
+            <a:avLst/>
+          </a:prstGeom>
+        </p:spPr>
+        <p:txBody>
+          <a:bodyPr lIns="0" rIns="0" tIns="0" bIns="0">
             <a:normAutofit/>
           </a:bodyPr>
-          <a:lstStyle/>
-          <a:p>
-            <a:endParaRPr lang="en-US" sz="1800" b="0" strike="noStrike" spc="-1">
+          <a:p>
+            <a:endParaRPr b="0" lang="de-DE" sz="1800" spc="-1" strike="noStrike">
               <a:solidFill>
                 <a:srgbClr val="000000"/>
               </a:solidFill>
@@ -2031,14 +1848,11 @@
       </p:sp>
     </p:spTree>
   </p:cSld>
-  <p:clrMapOvr>
-    <a:masterClrMapping/>
-  </p:clrMapOvr>
 </p:sldLayout>
 </file>
 
 <file path=ppt/slideLayouts/slideLayout24.xml><?xml version="1.0" encoding="utf-8"?>
-<p:sldLayout xmlns:a="http://schemas.openxmlformats.org/drawingml/2006/main" xmlns:r="http://schemas.openxmlformats.org/officeDocument/2006/relationships" xmlns:p="http://schemas.openxmlformats.org/presentationml/2006/main" type="blank" preserve="1">
+<p:sldLayout xmlns:a="http://schemas.openxmlformats.org/drawingml/2006/main" xmlns:p="http://schemas.openxmlformats.org/presentationml/2006/main" xmlns:r="http://schemas.openxmlformats.org/officeDocument/2006/relationships" xmlns:p14="http://schemas.microsoft.com/office/powerpoint/2010/main" xmlns:p15="http://schemas.microsoft.com/office/powerpoint/2012/main" xmlns:mc="http://schemas.openxmlformats.org/markup-compatibility/2006" type="blank" preserve="1">
   <p:cSld name="Title, 6 Content">
     <p:spTree>
       <p:nvGrpSpPr>
@@ -2067,17 +1881,16 @@
         <p:spPr>
           <a:xfrm>
             <a:off x="504000" y="226080"/>
-            <a:ext cx="9071280" cy="946080"/>
-          </a:xfrm>
-          <a:prstGeom prst="rect">
-            <a:avLst/>
-          </a:prstGeom>
-        </p:spPr>
-        <p:txBody>
-          <a:bodyPr lIns="0" tIns="0" rIns="0" bIns="0" anchor="ctr"/>
-          <a:lstStyle/>
-          <a:p>
-            <a:endParaRPr lang="en-US" sz="1800" b="0" strike="noStrike" spc="-1">
+            <a:ext cx="9072000" cy="946440"/>
+          </a:xfrm>
+          <a:prstGeom prst="rect">
+            <a:avLst/>
+          </a:prstGeom>
+        </p:spPr>
+        <p:txBody>
+          <a:bodyPr lIns="0" rIns="0" tIns="0" bIns="0" anchor="ctr"/>
+          <a:p>
+            <a:endParaRPr b="0" lang="de-DE" sz="1800" spc="-1" strike="noStrike">
               <a:solidFill>
                 <a:srgbClr val="000000"/>
               </a:solidFill>
@@ -2099,19 +1912,18 @@
         <p:spPr>
           <a:xfrm>
             <a:off x="504000" y="1326600"/>
-            <a:ext cx="2920680" cy="1568160"/>
-          </a:xfrm>
-          <a:prstGeom prst="rect">
-            <a:avLst/>
-          </a:prstGeom>
-        </p:spPr>
-        <p:txBody>
-          <a:bodyPr lIns="0" tIns="0" rIns="0" bIns="0">
+            <a:ext cx="2921040" cy="1568520"/>
+          </a:xfrm>
+          <a:prstGeom prst="rect">
+            <a:avLst/>
+          </a:prstGeom>
+        </p:spPr>
+        <p:txBody>
+          <a:bodyPr lIns="0" rIns="0" tIns="0" bIns="0">
             <a:normAutofit/>
           </a:bodyPr>
-          <a:lstStyle/>
-          <a:p>
-            <a:endParaRPr lang="en-US" sz="1800" b="0" strike="noStrike" spc="-1">
+          <a:p>
+            <a:endParaRPr b="0" lang="de-DE" sz="1800" spc="-1" strike="noStrike">
               <a:solidFill>
                 <a:srgbClr val="000000"/>
               </a:solidFill>
@@ -2132,20 +1944,19 @@
         </p:nvSpPr>
         <p:spPr>
           <a:xfrm>
-            <a:off x="3571200" y="1326600"/>
-            <a:ext cx="2920680" cy="1568160"/>
-          </a:xfrm>
-          <a:prstGeom prst="rect">
-            <a:avLst/>
-          </a:prstGeom>
-        </p:spPr>
-        <p:txBody>
-          <a:bodyPr lIns="0" tIns="0" rIns="0" bIns="0">
+            <a:off x="3571560" y="1326600"/>
+            <a:ext cx="2921040" cy="1568520"/>
+          </a:xfrm>
+          <a:prstGeom prst="rect">
+            <a:avLst/>
+          </a:prstGeom>
+        </p:spPr>
+        <p:txBody>
+          <a:bodyPr lIns="0" rIns="0" tIns="0" bIns="0">
             <a:normAutofit/>
           </a:bodyPr>
-          <a:lstStyle/>
-          <a:p>
-            <a:endParaRPr lang="en-US" sz="1800" b="0" strike="noStrike" spc="-1">
+          <a:p>
+            <a:endParaRPr b="0" lang="de-DE" sz="1800" spc="-1" strike="noStrike">
               <a:solidFill>
                 <a:srgbClr val="000000"/>
               </a:solidFill>
@@ -2166,20 +1977,19 @@
         </p:nvSpPr>
         <p:spPr>
           <a:xfrm>
-            <a:off x="6638040" y="1326600"/>
-            <a:ext cx="2920680" cy="1568160"/>
-          </a:xfrm>
-          <a:prstGeom prst="rect">
-            <a:avLst/>
-          </a:prstGeom>
-        </p:spPr>
-        <p:txBody>
-          <a:bodyPr lIns="0" tIns="0" rIns="0" bIns="0">
+            <a:off x="6639120" y="1326600"/>
+            <a:ext cx="2921040" cy="1568520"/>
+          </a:xfrm>
+          <a:prstGeom prst="rect">
+            <a:avLst/>
+          </a:prstGeom>
+        </p:spPr>
+        <p:txBody>
+          <a:bodyPr lIns="0" rIns="0" tIns="0" bIns="0">
             <a:normAutofit/>
           </a:bodyPr>
-          <a:lstStyle/>
-          <a:p>
-            <a:endParaRPr lang="en-US" sz="1800" b="0" strike="noStrike" spc="-1">
+          <a:p>
+            <a:endParaRPr b="0" lang="de-DE" sz="1800" spc="-1" strike="noStrike">
               <a:solidFill>
                 <a:srgbClr val="000000"/>
               </a:solidFill>
@@ -2200,20 +2010,19 @@
         </p:nvSpPr>
         <p:spPr>
           <a:xfrm>
-            <a:off x="504000" y="3044160"/>
-            <a:ext cx="2920680" cy="1568160"/>
-          </a:xfrm>
-          <a:prstGeom prst="rect">
-            <a:avLst/>
-          </a:prstGeom>
-        </p:spPr>
-        <p:txBody>
-          <a:bodyPr lIns="0" tIns="0" rIns="0" bIns="0">
+            <a:off x="504000" y="3044520"/>
+            <a:ext cx="2921040" cy="1568520"/>
+          </a:xfrm>
+          <a:prstGeom prst="rect">
+            <a:avLst/>
+          </a:prstGeom>
+        </p:spPr>
+        <p:txBody>
+          <a:bodyPr lIns="0" rIns="0" tIns="0" bIns="0">
             <a:normAutofit/>
           </a:bodyPr>
-          <a:lstStyle/>
-          <a:p>
-            <a:endParaRPr lang="en-US" sz="1800" b="0" strike="noStrike" spc="-1">
+          <a:p>
+            <a:endParaRPr b="0" lang="de-DE" sz="1800" spc="-1" strike="noStrike">
               <a:solidFill>
                 <a:srgbClr val="000000"/>
               </a:solidFill>
@@ -2234,20 +2043,19 @@
         </p:nvSpPr>
         <p:spPr>
           <a:xfrm>
-            <a:off x="3571200" y="3044160"/>
-            <a:ext cx="2920680" cy="1568160"/>
-          </a:xfrm>
-          <a:prstGeom prst="rect">
-            <a:avLst/>
-          </a:prstGeom>
-        </p:spPr>
-        <p:txBody>
-          <a:bodyPr lIns="0" tIns="0" rIns="0" bIns="0">
+            <a:off x="3571560" y="3044520"/>
+            <a:ext cx="2921040" cy="1568520"/>
+          </a:xfrm>
+          <a:prstGeom prst="rect">
+            <a:avLst/>
+          </a:prstGeom>
+        </p:spPr>
+        <p:txBody>
+          <a:bodyPr lIns="0" rIns="0" tIns="0" bIns="0">
             <a:normAutofit/>
           </a:bodyPr>
-          <a:lstStyle/>
-          <a:p>
-            <a:endParaRPr lang="en-US" sz="1800" b="0" strike="noStrike" spc="-1">
+          <a:p>
+            <a:endParaRPr b="0" lang="de-DE" sz="1800" spc="-1" strike="noStrike">
               <a:solidFill>
                 <a:srgbClr val="000000"/>
               </a:solidFill>
@@ -2268,20 +2076,19 @@
         </p:nvSpPr>
         <p:spPr>
           <a:xfrm>
-            <a:off x="6638040" y="3044160"/>
-            <a:ext cx="2920680" cy="1568160"/>
-          </a:xfrm>
-          <a:prstGeom prst="rect">
-            <a:avLst/>
-          </a:prstGeom>
-        </p:spPr>
-        <p:txBody>
-          <a:bodyPr lIns="0" tIns="0" rIns="0" bIns="0">
+            <a:off x="6639120" y="3044520"/>
+            <a:ext cx="2921040" cy="1568520"/>
+          </a:xfrm>
+          <a:prstGeom prst="rect">
+            <a:avLst/>
+          </a:prstGeom>
+        </p:spPr>
+        <p:txBody>
+          <a:bodyPr lIns="0" rIns="0" tIns="0" bIns="0">
             <a:normAutofit/>
           </a:bodyPr>
-          <a:lstStyle/>
-          <a:p>
-            <a:endParaRPr lang="en-US" sz="1800" b="0" strike="noStrike" spc="-1">
+          <a:p>
+            <a:endParaRPr b="0" lang="de-DE" sz="1800" spc="-1" strike="noStrike">
               <a:solidFill>
                 <a:srgbClr val="000000"/>
               </a:solidFill>
@@ -2292,14 +2099,11 @@
       </p:sp>
     </p:spTree>
   </p:cSld>
-  <p:clrMapOvr>
-    <a:masterClrMapping/>
-  </p:clrMapOvr>
 </p:sldLayout>
 </file>
 
 <file path=ppt/slideLayouts/slideLayout3.xml><?xml version="1.0" encoding="utf-8"?>
-<p:sldLayout xmlns:a="http://schemas.openxmlformats.org/drawingml/2006/main" xmlns:r="http://schemas.openxmlformats.org/officeDocument/2006/relationships" xmlns:p="http://schemas.openxmlformats.org/presentationml/2006/main" type="obj" preserve="1">
+<p:sldLayout xmlns:a="http://schemas.openxmlformats.org/drawingml/2006/main" xmlns:p="http://schemas.openxmlformats.org/presentationml/2006/main" xmlns:r="http://schemas.openxmlformats.org/officeDocument/2006/relationships" xmlns:p14="http://schemas.microsoft.com/office/powerpoint/2010/main" xmlns:p15="http://schemas.microsoft.com/office/powerpoint/2012/main" xmlns:mc="http://schemas.openxmlformats.org/markup-compatibility/2006" type="obj" preserve="1">
   <p:cSld name="Title, Content">
     <p:spTree>
       <p:nvGrpSpPr>
@@ -2328,17 +2132,16 @@
         <p:spPr>
           <a:xfrm>
             <a:off x="504000" y="226080"/>
-            <a:ext cx="9071280" cy="946080"/>
-          </a:xfrm>
-          <a:prstGeom prst="rect">
-            <a:avLst/>
-          </a:prstGeom>
-        </p:spPr>
-        <p:txBody>
-          <a:bodyPr lIns="0" tIns="0" rIns="0" bIns="0" anchor="ctr"/>
-          <a:lstStyle/>
-          <a:p>
-            <a:endParaRPr lang="en-US" sz="1800" b="0" strike="noStrike" spc="-1">
+            <a:ext cx="9072000" cy="946440"/>
+          </a:xfrm>
+          <a:prstGeom prst="rect">
+            <a:avLst/>
+          </a:prstGeom>
+        </p:spPr>
+        <p:txBody>
+          <a:bodyPr lIns="0" rIns="0" tIns="0" bIns="0" anchor="ctr"/>
+          <a:p>
+            <a:endParaRPr b="0" lang="de-DE" sz="1800" spc="-1" strike="noStrike">
               <a:solidFill>
                 <a:srgbClr val="000000"/>
               </a:solidFill>
@@ -2360,19 +2163,18 @@
         <p:spPr>
           <a:xfrm>
             <a:off x="504000" y="1326600"/>
-            <a:ext cx="9071280" cy="3287880"/>
-          </a:xfrm>
-          <a:prstGeom prst="rect">
-            <a:avLst/>
-          </a:prstGeom>
-        </p:spPr>
-        <p:txBody>
-          <a:bodyPr lIns="0" tIns="0" rIns="0" bIns="0">
+            <a:ext cx="9072000" cy="3288600"/>
+          </a:xfrm>
+          <a:prstGeom prst="rect">
+            <a:avLst/>
+          </a:prstGeom>
+        </p:spPr>
+        <p:txBody>
+          <a:bodyPr lIns="0" rIns="0" tIns="0" bIns="0">
             <a:normAutofit/>
           </a:bodyPr>
-          <a:lstStyle/>
-          <a:p>
-            <a:endParaRPr lang="en-US" sz="1800" b="0" strike="noStrike" spc="-1">
+          <a:p>
+            <a:endParaRPr b="0" lang="de-DE" sz="1800" spc="-1" strike="noStrike">
               <a:solidFill>
                 <a:srgbClr val="000000"/>
               </a:solidFill>
@@ -2383,14 +2185,11 @@
       </p:sp>
     </p:spTree>
   </p:cSld>
-  <p:clrMapOvr>
-    <a:masterClrMapping/>
-  </p:clrMapOvr>
 </p:sldLayout>
 </file>
 
 <file path=ppt/slideLayouts/slideLayout4.xml><?xml version="1.0" encoding="utf-8"?>
-<p:sldLayout xmlns:a="http://schemas.openxmlformats.org/drawingml/2006/main" xmlns:r="http://schemas.openxmlformats.org/officeDocument/2006/relationships" xmlns:p="http://schemas.openxmlformats.org/presentationml/2006/main" type="twoObj" preserve="1">
+<p:sldLayout xmlns:a="http://schemas.openxmlformats.org/drawingml/2006/main" xmlns:p="http://schemas.openxmlformats.org/presentationml/2006/main" xmlns:r="http://schemas.openxmlformats.org/officeDocument/2006/relationships" xmlns:p14="http://schemas.microsoft.com/office/powerpoint/2010/main" xmlns:p15="http://schemas.microsoft.com/office/powerpoint/2012/main" xmlns:mc="http://schemas.openxmlformats.org/markup-compatibility/2006" type="twoObj" preserve="1">
   <p:cSld name="Title, 2 Content">
     <p:spTree>
       <p:nvGrpSpPr>
@@ -2419,17 +2218,16 @@
         <p:spPr>
           <a:xfrm>
             <a:off x="504000" y="226080"/>
-            <a:ext cx="9071280" cy="946080"/>
-          </a:xfrm>
-          <a:prstGeom prst="rect">
-            <a:avLst/>
-          </a:prstGeom>
-        </p:spPr>
-        <p:txBody>
-          <a:bodyPr lIns="0" tIns="0" rIns="0" bIns="0" anchor="ctr"/>
-          <a:lstStyle/>
-          <a:p>
-            <a:endParaRPr lang="en-US" sz="1800" b="0" strike="noStrike" spc="-1">
+            <a:ext cx="9072000" cy="946440"/>
+          </a:xfrm>
+          <a:prstGeom prst="rect">
+            <a:avLst/>
+          </a:prstGeom>
+        </p:spPr>
+        <p:txBody>
+          <a:bodyPr lIns="0" rIns="0" tIns="0" bIns="0" anchor="ctr"/>
+          <a:p>
+            <a:endParaRPr b="0" lang="de-DE" sz="1800" spc="-1" strike="noStrike">
               <a:solidFill>
                 <a:srgbClr val="000000"/>
               </a:solidFill>
@@ -2451,19 +2249,18 @@
         <p:spPr>
           <a:xfrm>
             <a:off x="504000" y="1326600"/>
-            <a:ext cx="4426560" cy="3287880"/>
-          </a:xfrm>
-          <a:prstGeom prst="rect">
-            <a:avLst/>
-          </a:prstGeom>
-        </p:spPr>
-        <p:txBody>
-          <a:bodyPr lIns="0" tIns="0" rIns="0" bIns="0">
+            <a:ext cx="4426920" cy="3288600"/>
+          </a:xfrm>
+          <a:prstGeom prst="rect">
+            <a:avLst/>
+          </a:prstGeom>
+        </p:spPr>
+        <p:txBody>
+          <a:bodyPr lIns="0" rIns="0" tIns="0" bIns="0">
             <a:normAutofit/>
           </a:bodyPr>
-          <a:lstStyle/>
-          <a:p>
-            <a:endParaRPr lang="en-US" sz="1800" b="0" strike="noStrike" spc="-1">
+          <a:p>
+            <a:endParaRPr b="0" lang="de-DE" sz="1800" spc="-1" strike="noStrike">
               <a:solidFill>
                 <a:srgbClr val="000000"/>
               </a:solidFill>
@@ -2484,20 +2281,19 @@
         </p:nvSpPr>
         <p:spPr>
           <a:xfrm>
-            <a:off x="5152320" y="1326600"/>
-            <a:ext cx="4426560" cy="3287880"/>
-          </a:xfrm>
-          <a:prstGeom prst="rect">
-            <a:avLst/>
-          </a:prstGeom>
-        </p:spPr>
-        <p:txBody>
-          <a:bodyPr lIns="0" tIns="0" rIns="0" bIns="0">
+            <a:off x="5152680" y="1326600"/>
+            <a:ext cx="4426920" cy="3288600"/>
+          </a:xfrm>
+          <a:prstGeom prst="rect">
+            <a:avLst/>
+          </a:prstGeom>
+        </p:spPr>
+        <p:txBody>
+          <a:bodyPr lIns="0" rIns="0" tIns="0" bIns="0">
             <a:normAutofit/>
           </a:bodyPr>
-          <a:lstStyle/>
-          <a:p>
-            <a:endParaRPr lang="en-US" sz="1800" b="0" strike="noStrike" spc="-1">
+          <a:p>
+            <a:endParaRPr b="0" lang="de-DE" sz="1800" spc="-1" strike="noStrike">
               <a:solidFill>
                 <a:srgbClr val="000000"/>
               </a:solidFill>
@@ -2508,14 +2304,11 @@
       </p:sp>
     </p:spTree>
   </p:cSld>
-  <p:clrMapOvr>
-    <a:masterClrMapping/>
-  </p:clrMapOvr>
 </p:sldLayout>
 </file>
 
 <file path=ppt/slideLayouts/slideLayout5.xml><?xml version="1.0" encoding="utf-8"?>
-<p:sldLayout xmlns:a="http://schemas.openxmlformats.org/drawingml/2006/main" xmlns:r="http://schemas.openxmlformats.org/officeDocument/2006/relationships" xmlns:p="http://schemas.openxmlformats.org/presentationml/2006/main" type="titleOnly" preserve="1">
+<p:sldLayout xmlns:a="http://schemas.openxmlformats.org/drawingml/2006/main" xmlns:p="http://schemas.openxmlformats.org/presentationml/2006/main" xmlns:r="http://schemas.openxmlformats.org/officeDocument/2006/relationships" xmlns:p14="http://schemas.microsoft.com/office/powerpoint/2010/main" xmlns:p15="http://schemas.microsoft.com/office/powerpoint/2012/main" xmlns:mc="http://schemas.openxmlformats.org/markup-compatibility/2006" type="titleOnly" preserve="1">
   <p:cSld name="Title Only">
     <p:spTree>
       <p:nvGrpSpPr>
@@ -2544,17 +2337,16 @@
         <p:spPr>
           <a:xfrm>
             <a:off x="504000" y="226080"/>
-            <a:ext cx="9071280" cy="946080"/>
-          </a:xfrm>
-          <a:prstGeom prst="rect">
-            <a:avLst/>
-          </a:prstGeom>
-        </p:spPr>
-        <p:txBody>
-          <a:bodyPr lIns="0" tIns="0" rIns="0" bIns="0" anchor="ctr"/>
-          <a:lstStyle/>
-          <a:p>
-            <a:endParaRPr lang="en-US" sz="1800" b="0" strike="noStrike" spc="-1">
+            <a:ext cx="9072000" cy="946440"/>
+          </a:xfrm>
+          <a:prstGeom prst="rect">
+            <a:avLst/>
+          </a:prstGeom>
+        </p:spPr>
+        <p:txBody>
+          <a:bodyPr lIns="0" rIns="0" tIns="0" bIns="0" anchor="ctr"/>
+          <a:p>
+            <a:endParaRPr b="0" lang="de-DE" sz="1800" spc="-1" strike="noStrike">
               <a:solidFill>
                 <a:srgbClr val="000000"/>
               </a:solidFill>
@@ -2565,14 +2357,11 @@
       </p:sp>
     </p:spTree>
   </p:cSld>
-  <p:clrMapOvr>
-    <a:masterClrMapping/>
-  </p:clrMapOvr>
 </p:sldLayout>
 </file>
 
 <file path=ppt/slideLayouts/slideLayout6.xml><?xml version="1.0" encoding="utf-8"?>
-<p:sldLayout xmlns:a="http://schemas.openxmlformats.org/drawingml/2006/main" xmlns:r="http://schemas.openxmlformats.org/officeDocument/2006/relationships" xmlns:p="http://schemas.openxmlformats.org/presentationml/2006/main" type="objOnly" preserve="1">
+<p:sldLayout xmlns:a="http://schemas.openxmlformats.org/drawingml/2006/main" xmlns:p="http://schemas.openxmlformats.org/presentationml/2006/main" xmlns:r="http://schemas.openxmlformats.org/officeDocument/2006/relationships" xmlns:p14="http://schemas.microsoft.com/office/powerpoint/2010/main" xmlns:p15="http://schemas.microsoft.com/office/powerpoint/2012/main" xmlns:mc="http://schemas.openxmlformats.org/markup-compatibility/2006" type="objOnly" preserve="1">
   <p:cSld name="Centered Text">
     <p:spTree>
       <p:nvGrpSpPr>
@@ -2601,18 +2390,17 @@
         <p:spPr>
           <a:xfrm>
             <a:off x="504000" y="226080"/>
-            <a:ext cx="9071280" cy="4386600"/>
-          </a:xfrm>
-          <a:prstGeom prst="rect">
-            <a:avLst/>
-          </a:prstGeom>
-        </p:spPr>
-        <p:txBody>
-          <a:bodyPr lIns="0" tIns="0" rIns="0" bIns="0" anchor="ctr"/>
-          <a:lstStyle/>
+            <a:ext cx="9072000" cy="4388400"/>
+          </a:xfrm>
+          <a:prstGeom prst="rect">
+            <a:avLst/>
+          </a:prstGeom>
+        </p:spPr>
+        <p:txBody>
+          <a:bodyPr lIns="0" rIns="0" tIns="0" bIns="0" anchor="ctr"/>
           <a:p>
             <a:pPr algn="ctr"/>
-            <a:endParaRPr lang="de-CH" sz="3200" b="0" strike="noStrike" spc="-1">
+            <a:endParaRPr b="0" lang="de-CH" sz="3200" spc="-1" strike="noStrike">
               <a:latin typeface="Arial"/>
             </a:endParaRPr>
           </a:p>
@@ -2620,14 +2408,11 @@
       </p:sp>
     </p:spTree>
   </p:cSld>
-  <p:clrMapOvr>
-    <a:masterClrMapping/>
-  </p:clrMapOvr>
 </p:sldLayout>
 </file>
 
 <file path=ppt/slideLayouts/slideLayout7.xml><?xml version="1.0" encoding="utf-8"?>
-<p:sldLayout xmlns:a="http://schemas.openxmlformats.org/drawingml/2006/main" xmlns:r="http://schemas.openxmlformats.org/officeDocument/2006/relationships" xmlns:p="http://schemas.openxmlformats.org/presentationml/2006/main" type="twoObjAndObj" preserve="1">
+<p:sldLayout xmlns:a="http://schemas.openxmlformats.org/drawingml/2006/main" xmlns:p="http://schemas.openxmlformats.org/presentationml/2006/main" xmlns:r="http://schemas.openxmlformats.org/officeDocument/2006/relationships" xmlns:p14="http://schemas.microsoft.com/office/powerpoint/2010/main" xmlns:p15="http://schemas.microsoft.com/office/powerpoint/2012/main" xmlns:mc="http://schemas.openxmlformats.org/markup-compatibility/2006" type="twoObjAndObj" preserve="1">
   <p:cSld name="Title, 2 Content and Content">
     <p:spTree>
       <p:nvGrpSpPr>
@@ -2656,17 +2441,16 @@
         <p:spPr>
           <a:xfrm>
             <a:off x="504000" y="226080"/>
-            <a:ext cx="9071280" cy="946080"/>
-          </a:xfrm>
-          <a:prstGeom prst="rect">
-            <a:avLst/>
-          </a:prstGeom>
-        </p:spPr>
-        <p:txBody>
-          <a:bodyPr lIns="0" tIns="0" rIns="0" bIns="0" anchor="ctr"/>
-          <a:lstStyle/>
-          <a:p>
-            <a:endParaRPr lang="en-US" sz="1800" b="0" strike="noStrike" spc="-1">
+            <a:ext cx="9072000" cy="946440"/>
+          </a:xfrm>
+          <a:prstGeom prst="rect">
+            <a:avLst/>
+          </a:prstGeom>
+        </p:spPr>
+        <p:txBody>
+          <a:bodyPr lIns="0" rIns="0" tIns="0" bIns="0" anchor="ctr"/>
+          <a:p>
+            <a:endParaRPr b="0" lang="de-DE" sz="1800" spc="-1" strike="noStrike">
               <a:solidFill>
                 <a:srgbClr val="000000"/>
               </a:solidFill>
@@ -2688,19 +2472,18 @@
         <p:spPr>
           <a:xfrm>
             <a:off x="504000" y="1326600"/>
-            <a:ext cx="4426560" cy="1568160"/>
-          </a:xfrm>
-          <a:prstGeom prst="rect">
-            <a:avLst/>
-          </a:prstGeom>
-        </p:spPr>
-        <p:txBody>
-          <a:bodyPr lIns="0" tIns="0" rIns="0" bIns="0">
+            <a:ext cx="4426920" cy="1568520"/>
+          </a:xfrm>
+          <a:prstGeom prst="rect">
+            <a:avLst/>
+          </a:prstGeom>
+        </p:spPr>
+        <p:txBody>
+          <a:bodyPr lIns="0" rIns="0" tIns="0" bIns="0">
             <a:normAutofit/>
           </a:bodyPr>
-          <a:lstStyle/>
-          <a:p>
-            <a:endParaRPr lang="en-US" sz="1800" b="0" strike="noStrike" spc="-1">
+          <a:p>
+            <a:endParaRPr b="0" lang="de-DE" sz="1800" spc="-1" strike="noStrike">
               <a:solidFill>
                 <a:srgbClr val="000000"/>
               </a:solidFill>
@@ -2721,20 +2504,19 @@
         </p:nvSpPr>
         <p:spPr>
           <a:xfrm>
-            <a:off x="5152320" y="1326600"/>
-            <a:ext cx="4426560" cy="3287880"/>
-          </a:xfrm>
-          <a:prstGeom prst="rect">
-            <a:avLst/>
-          </a:prstGeom>
-        </p:spPr>
-        <p:txBody>
-          <a:bodyPr lIns="0" tIns="0" rIns="0" bIns="0">
+            <a:off x="5152680" y="1326600"/>
+            <a:ext cx="4426920" cy="3288600"/>
+          </a:xfrm>
+          <a:prstGeom prst="rect">
+            <a:avLst/>
+          </a:prstGeom>
+        </p:spPr>
+        <p:txBody>
+          <a:bodyPr lIns="0" rIns="0" tIns="0" bIns="0">
             <a:normAutofit/>
           </a:bodyPr>
-          <a:lstStyle/>
-          <a:p>
-            <a:endParaRPr lang="en-US" sz="1800" b="0" strike="noStrike" spc="-1">
+          <a:p>
+            <a:endParaRPr b="0" lang="de-DE" sz="1800" spc="-1" strike="noStrike">
               <a:solidFill>
                 <a:srgbClr val="000000"/>
               </a:solidFill>
@@ -2755,20 +2537,19 @@
         </p:nvSpPr>
         <p:spPr>
           <a:xfrm>
-            <a:off x="504000" y="3044160"/>
-            <a:ext cx="4426560" cy="1568160"/>
-          </a:xfrm>
-          <a:prstGeom prst="rect">
-            <a:avLst/>
-          </a:prstGeom>
-        </p:spPr>
-        <p:txBody>
-          <a:bodyPr lIns="0" tIns="0" rIns="0" bIns="0">
+            <a:off x="504000" y="3044520"/>
+            <a:ext cx="4426920" cy="1568520"/>
+          </a:xfrm>
+          <a:prstGeom prst="rect">
+            <a:avLst/>
+          </a:prstGeom>
+        </p:spPr>
+        <p:txBody>
+          <a:bodyPr lIns="0" rIns="0" tIns="0" bIns="0">
             <a:normAutofit/>
           </a:bodyPr>
-          <a:lstStyle/>
-          <a:p>
-            <a:endParaRPr lang="en-US" sz="1800" b="0" strike="noStrike" spc="-1">
+          <a:p>
+            <a:endParaRPr b="0" lang="de-DE" sz="1800" spc="-1" strike="noStrike">
               <a:solidFill>
                 <a:srgbClr val="000000"/>
               </a:solidFill>
@@ -2779,14 +2560,11 @@
       </p:sp>
     </p:spTree>
   </p:cSld>
-  <p:clrMapOvr>
-    <a:masterClrMapping/>
-  </p:clrMapOvr>
 </p:sldLayout>
 </file>
 
 <file path=ppt/slideLayouts/slideLayout8.xml><?xml version="1.0" encoding="utf-8"?>
-<p:sldLayout xmlns:a="http://schemas.openxmlformats.org/drawingml/2006/main" xmlns:r="http://schemas.openxmlformats.org/officeDocument/2006/relationships" xmlns:p="http://schemas.openxmlformats.org/presentationml/2006/main" type="objAndTwoObj" preserve="1">
+<p:sldLayout xmlns:a="http://schemas.openxmlformats.org/drawingml/2006/main" xmlns:p="http://schemas.openxmlformats.org/presentationml/2006/main" xmlns:r="http://schemas.openxmlformats.org/officeDocument/2006/relationships" xmlns:p14="http://schemas.microsoft.com/office/powerpoint/2010/main" xmlns:p15="http://schemas.microsoft.com/office/powerpoint/2012/main" xmlns:mc="http://schemas.openxmlformats.org/markup-compatibility/2006" type="objAndTwoObj" preserve="1">
   <p:cSld name="Title Content and 2 Content">
     <p:spTree>
       <p:nvGrpSpPr>
@@ -2815,17 +2593,16 @@
         <p:spPr>
           <a:xfrm>
             <a:off x="504000" y="226080"/>
-            <a:ext cx="9071280" cy="946080"/>
-          </a:xfrm>
-          <a:prstGeom prst="rect">
-            <a:avLst/>
-          </a:prstGeom>
-        </p:spPr>
-        <p:txBody>
-          <a:bodyPr lIns="0" tIns="0" rIns="0" bIns="0" anchor="ctr"/>
-          <a:lstStyle/>
-          <a:p>
-            <a:endParaRPr lang="en-US" sz="1800" b="0" strike="noStrike" spc="-1">
+            <a:ext cx="9072000" cy="946440"/>
+          </a:xfrm>
+          <a:prstGeom prst="rect">
+            <a:avLst/>
+          </a:prstGeom>
+        </p:spPr>
+        <p:txBody>
+          <a:bodyPr lIns="0" rIns="0" tIns="0" bIns="0" anchor="ctr"/>
+          <a:p>
+            <a:endParaRPr b="0" lang="de-DE" sz="1800" spc="-1" strike="noStrike">
               <a:solidFill>
                 <a:srgbClr val="000000"/>
               </a:solidFill>
@@ -2847,19 +2624,18 @@
         <p:spPr>
           <a:xfrm>
             <a:off x="504000" y="1326600"/>
-            <a:ext cx="4426560" cy="3287880"/>
-          </a:xfrm>
-          <a:prstGeom prst="rect">
-            <a:avLst/>
-          </a:prstGeom>
-        </p:spPr>
-        <p:txBody>
-          <a:bodyPr lIns="0" tIns="0" rIns="0" bIns="0">
+            <a:ext cx="4426920" cy="3288600"/>
+          </a:xfrm>
+          <a:prstGeom prst="rect">
+            <a:avLst/>
+          </a:prstGeom>
+        </p:spPr>
+        <p:txBody>
+          <a:bodyPr lIns="0" rIns="0" tIns="0" bIns="0">
             <a:normAutofit/>
           </a:bodyPr>
-          <a:lstStyle/>
-          <a:p>
-            <a:endParaRPr lang="en-US" sz="1800" b="0" strike="noStrike" spc="-1">
+          <a:p>
+            <a:endParaRPr b="0" lang="de-DE" sz="1800" spc="-1" strike="noStrike">
               <a:solidFill>
                 <a:srgbClr val="000000"/>
               </a:solidFill>
@@ -2880,20 +2656,19 @@
         </p:nvSpPr>
         <p:spPr>
           <a:xfrm>
-            <a:off x="5152320" y="1326600"/>
-            <a:ext cx="4426560" cy="1568160"/>
-          </a:xfrm>
-          <a:prstGeom prst="rect">
-            <a:avLst/>
-          </a:prstGeom>
-        </p:spPr>
-        <p:txBody>
-          <a:bodyPr lIns="0" tIns="0" rIns="0" bIns="0">
+            <a:off x="5152680" y="1326600"/>
+            <a:ext cx="4426920" cy="1568520"/>
+          </a:xfrm>
+          <a:prstGeom prst="rect">
+            <a:avLst/>
+          </a:prstGeom>
+        </p:spPr>
+        <p:txBody>
+          <a:bodyPr lIns="0" rIns="0" tIns="0" bIns="0">
             <a:normAutofit/>
           </a:bodyPr>
-          <a:lstStyle/>
-          <a:p>
-            <a:endParaRPr lang="en-US" sz="1800" b="0" strike="noStrike" spc="-1">
+          <a:p>
+            <a:endParaRPr b="0" lang="de-DE" sz="1800" spc="-1" strike="noStrike">
               <a:solidFill>
                 <a:srgbClr val="000000"/>
               </a:solidFill>
@@ -2914,20 +2689,19 @@
         </p:nvSpPr>
         <p:spPr>
           <a:xfrm>
-            <a:off x="5152320" y="3044160"/>
-            <a:ext cx="4426560" cy="1568160"/>
-          </a:xfrm>
-          <a:prstGeom prst="rect">
-            <a:avLst/>
-          </a:prstGeom>
-        </p:spPr>
-        <p:txBody>
-          <a:bodyPr lIns="0" tIns="0" rIns="0" bIns="0">
+            <a:off x="5152680" y="3044520"/>
+            <a:ext cx="4426920" cy="1568520"/>
+          </a:xfrm>
+          <a:prstGeom prst="rect">
+            <a:avLst/>
+          </a:prstGeom>
+        </p:spPr>
+        <p:txBody>
+          <a:bodyPr lIns="0" rIns="0" tIns="0" bIns="0">
             <a:normAutofit/>
           </a:bodyPr>
-          <a:lstStyle/>
-          <a:p>
-            <a:endParaRPr lang="en-US" sz="1800" b="0" strike="noStrike" spc="-1">
+          <a:p>
+            <a:endParaRPr b="0" lang="de-DE" sz="1800" spc="-1" strike="noStrike">
               <a:solidFill>
                 <a:srgbClr val="000000"/>
               </a:solidFill>
@@ -2938,14 +2712,11 @@
       </p:sp>
     </p:spTree>
   </p:cSld>
-  <p:clrMapOvr>
-    <a:masterClrMapping/>
-  </p:clrMapOvr>
 </p:sldLayout>
 </file>
 
 <file path=ppt/slideLayouts/slideLayout9.xml><?xml version="1.0" encoding="utf-8"?>
-<p:sldLayout xmlns:a="http://schemas.openxmlformats.org/drawingml/2006/main" xmlns:r="http://schemas.openxmlformats.org/officeDocument/2006/relationships" xmlns:p="http://schemas.openxmlformats.org/presentationml/2006/main" type="twoObjOverTx" preserve="1">
+<p:sldLayout xmlns:a="http://schemas.openxmlformats.org/drawingml/2006/main" xmlns:p="http://schemas.openxmlformats.org/presentationml/2006/main" xmlns:r="http://schemas.openxmlformats.org/officeDocument/2006/relationships" xmlns:p14="http://schemas.microsoft.com/office/powerpoint/2010/main" xmlns:p15="http://schemas.microsoft.com/office/powerpoint/2012/main" xmlns:mc="http://schemas.openxmlformats.org/markup-compatibility/2006" type="twoObjOverTx" preserve="1">
   <p:cSld name="Title, 2 Content over Content">
     <p:spTree>
       <p:nvGrpSpPr>
@@ -2974,17 +2745,16 @@
         <p:spPr>
           <a:xfrm>
             <a:off x="504000" y="226080"/>
-            <a:ext cx="9071280" cy="946080"/>
-          </a:xfrm>
-          <a:prstGeom prst="rect">
-            <a:avLst/>
-          </a:prstGeom>
-        </p:spPr>
-        <p:txBody>
-          <a:bodyPr lIns="0" tIns="0" rIns="0" bIns="0" anchor="ctr"/>
-          <a:lstStyle/>
-          <a:p>
-            <a:endParaRPr lang="en-US" sz="1800" b="0" strike="noStrike" spc="-1">
+            <a:ext cx="9072000" cy="946440"/>
+          </a:xfrm>
+          <a:prstGeom prst="rect">
+            <a:avLst/>
+          </a:prstGeom>
+        </p:spPr>
+        <p:txBody>
+          <a:bodyPr lIns="0" rIns="0" tIns="0" bIns="0" anchor="ctr"/>
+          <a:p>
+            <a:endParaRPr b="0" lang="de-DE" sz="1800" spc="-1" strike="noStrike">
               <a:solidFill>
                 <a:srgbClr val="000000"/>
               </a:solidFill>
@@ -3006,19 +2776,18 @@
         <p:spPr>
           <a:xfrm>
             <a:off x="504000" y="1326600"/>
-            <a:ext cx="4426560" cy="1568160"/>
-          </a:xfrm>
-          <a:prstGeom prst="rect">
-            <a:avLst/>
-          </a:prstGeom>
-        </p:spPr>
-        <p:txBody>
-          <a:bodyPr lIns="0" tIns="0" rIns="0" bIns="0">
+            <a:ext cx="4426920" cy="1568520"/>
+          </a:xfrm>
+          <a:prstGeom prst="rect">
+            <a:avLst/>
+          </a:prstGeom>
+        </p:spPr>
+        <p:txBody>
+          <a:bodyPr lIns="0" rIns="0" tIns="0" bIns="0">
             <a:normAutofit/>
           </a:bodyPr>
-          <a:lstStyle/>
-          <a:p>
-            <a:endParaRPr lang="en-US" sz="1800" b="0" strike="noStrike" spc="-1">
+          <a:p>
+            <a:endParaRPr b="0" lang="de-DE" sz="1800" spc="-1" strike="noStrike">
               <a:solidFill>
                 <a:srgbClr val="000000"/>
               </a:solidFill>
@@ -3039,20 +2808,19 @@
         </p:nvSpPr>
         <p:spPr>
           <a:xfrm>
-            <a:off x="5152320" y="1326600"/>
-            <a:ext cx="4426560" cy="1568160"/>
-          </a:xfrm>
-          <a:prstGeom prst="rect">
-            <a:avLst/>
-          </a:prstGeom>
-        </p:spPr>
-        <p:txBody>
-          <a:bodyPr lIns="0" tIns="0" rIns="0" bIns="0">
+            <a:off x="5152680" y="1326600"/>
+            <a:ext cx="4426920" cy="1568520"/>
+          </a:xfrm>
+          <a:prstGeom prst="rect">
+            <a:avLst/>
+          </a:prstGeom>
+        </p:spPr>
+        <p:txBody>
+          <a:bodyPr lIns="0" rIns="0" tIns="0" bIns="0">
             <a:normAutofit/>
           </a:bodyPr>
-          <a:lstStyle/>
-          <a:p>
-            <a:endParaRPr lang="en-US" sz="1800" b="0" strike="noStrike" spc="-1">
+          <a:p>
+            <a:endParaRPr b="0" lang="de-DE" sz="1800" spc="-1" strike="noStrike">
               <a:solidFill>
                 <a:srgbClr val="000000"/>
               </a:solidFill>
@@ -3073,20 +2841,19 @@
         </p:nvSpPr>
         <p:spPr>
           <a:xfrm>
-            <a:off x="504000" y="3044160"/>
-            <a:ext cx="9071280" cy="1568160"/>
-          </a:xfrm>
-          <a:prstGeom prst="rect">
-            <a:avLst/>
-          </a:prstGeom>
-        </p:spPr>
-        <p:txBody>
-          <a:bodyPr lIns="0" tIns="0" rIns="0" bIns="0">
+            <a:off x="504000" y="3044520"/>
+            <a:ext cx="9072000" cy="1568520"/>
+          </a:xfrm>
+          <a:prstGeom prst="rect">
+            <a:avLst/>
+          </a:prstGeom>
+        </p:spPr>
+        <p:txBody>
+          <a:bodyPr lIns="0" rIns="0" tIns="0" bIns="0">
             <a:normAutofit/>
           </a:bodyPr>
-          <a:lstStyle/>
-          <a:p>
-            <a:endParaRPr lang="en-US" sz="1800" b="0" strike="noStrike" spc="-1">
+          <a:p>
+            <a:endParaRPr b="0" lang="de-DE" sz="1800" spc="-1" strike="noStrike">
               <a:solidFill>
                 <a:srgbClr val="000000"/>
               </a:solidFill>
@@ -3097,21 +2864,17 @@
       </p:sp>
     </p:spTree>
   </p:cSld>
-  <p:clrMapOvr>
-    <a:masterClrMapping/>
-  </p:clrMapOvr>
 </p:sldLayout>
 </file>
 
 <file path=ppt/slideMasters/slideMaster1.xml><?xml version="1.0" encoding="utf-8"?>
-<p:sldMaster xmlns:a="http://schemas.openxmlformats.org/drawingml/2006/main" xmlns:r="http://schemas.openxmlformats.org/officeDocument/2006/relationships" xmlns:p="http://schemas.openxmlformats.org/presentationml/2006/main">
+<p:sldMaster xmlns:a="http://schemas.openxmlformats.org/drawingml/2006/main" xmlns:p="http://schemas.openxmlformats.org/presentationml/2006/main" xmlns:r="http://schemas.openxmlformats.org/officeDocument/2006/relationships" xmlns:p14="http://schemas.microsoft.com/office/powerpoint/2010/main" xmlns:p15="http://schemas.microsoft.com/office/powerpoint/2012/main" xmlns:mc="http://schemas.openxmlformats.org/markup-compatibility/2006">
   <p:cSld>
     <p:bg>
       <p:bgPr>
         <a:solidFill>
-          <a:srgbClr val="FFFFFF"/>
+          <a:srgbClr val="ffffff"/>
         </a:solidFill>
-        <a:effectLst/>
       </p:bgPr>
     </p:bg>
     <p:spTree>
@@ -3130,7 +2893,7 @@
       </p:grpSpPr>
       <p:sp>
         <p:nvSpPr>
-          <p:cNvPr id="2" name="PlaceHolder 1"/>
+          <p:cNvPr id="0" name="PlaceHolder 1"/>
           <p:cNvSpPr>
             <a:spLocks noGrp="1"/>
           </p:cNvSpPr>
@@ -3141,18 +2904,17 @@
         <p:spPr>
           <a:xfrm>
             <a:off x="504000" y="226080"/>
-            <a:ext cx="9071280" cy="946080"/>
-          </a:xfrm>
-          <a:prstGeom prst="rect">
-            <a:avLst/>
-          </a:prstGeom>
-        </p:spPr>
-        <p:txBody>
-          <a:bodyPr lIns="0" tIns="0" rIns="0" bIns="0" anchor="ctr"/>
-          <a:lstStyle/>
+            <a:ext cx="9070920" cy="945720"/>
+          </a:xfrm>
+          <a:prstGeom prst="rect">
+            <a:avLst/>
+          </a:prstGeom>
+        </p:spPr>
+        <p:txBody>
+          <a:bodyPr lIns="0" rIns="0" tIns="0" bIns="0" anchor="ctr"/>
           <a:p>
             <a:r>
-              <a:rPr lang="en-US" sz="1800" b="0" strike="noStrike" spc="-1">
+              <a:rPr b="0" lang="de-DE" sz="1800" spc="-1" strike="noStrike">
                 <a:solidFill>
                   <a:srgbClr val="000000"/>
                 </a:solidFill>
@@ -3160,12 +2922,18 @@
               </a:rPr>
               <a:t>Format des Titeltextes durch Klicken bearbeiten</a:t>
             </a:r>
-          </a:p>
-        </p:txBody>
-      </p:sp>
-      <p:sp>
-        <p:nvSpPr>
-          <p:cNvPr id="3" name="PlaceHolder 2"/>
+            <a:endParaRPr b="0" lang="de-DE" sz="1800" spc="-1" strike="noStrike">
+              <a:solidFill>
+                <a:srgbClr val="000000"/>
+              </a:solidFill>
+              <a:latin typeface="Arial"/>
+            </a:endParaRPr>
+          </a:p>
+        </p:txBody>
+      </p:sp>
+      <p:sp>
+        <p:nvSpPr>
+          <p:cNvPr id="1" name="PlaceHolder 2"/>
           <p:cNvSpPr>
             <a:spLocks noGrp="1"/>
           </p:cNvSpPr>
@@ -3176,17 +2944,16 @@
         <p:spPr>
           <a:xfrm>
             <a:off x="504000" y="1326600"/>
-            <a:ext cx="9072000" cy="3288600"/>
-          </a:xfrm>
-          <a:prstGeom prst="rect">
-            <a:avLst/>
-          </a:prstGeom>
-        </p:spPr>
-        <p:txBody>
-          <a:bodyPr lIns="0" tIns="0" rIns="0" bIns="0">
+            <a:ext cx="9070920" cy="3287520"/>
+          </a:xfrm>
+          <a:prstGeom prst="rect">
+            <a:avLst/>
+          </a:prstGeom>
+        </p:spPr>
+        <p:txBody>
+          <a:bodyPr lIns="0" rIns="0" tIns="0" bIns="0">
             <a:normAutofit/>
           </a:bodyPr>
-          <a:lstStyle/>
           <a:p>
             <a:pPr marL="432000" indent="-324000">
               <a:spcBef>
@@ -3200,7 +2967,7 @@
               <a:buChar char=""/>
             </a:pPr>
             <a:r>
-              <a:rPr lang="en-US" sz="1800" b="0" strike="noStrike" spc="-1">
+              <a:rPr b="0" lang="de-DE" sz="1800" spc="-1" strike="noStrike">
                 <a:solidFill>
                   <a:srgbClr val="000000"/>
                 </a:solidFill>
@@ -3208,9 +2975,15 @@
               </a:rPr>
               <a:t>Format des Gliederungstextes durch Klicken bearbeiten</a:t>
             </a:r>
-          </a:p>
-          <a:p>
-            <a:pPr marL="864000" lvl="1" indent="-324000">
+            <a:endParaRPr b="0" lang="de-DE" sz="1800" spc="-1" strike="noStrike">
+              <a:solidFill>
+                <a:srgbClr val="000000"/>
+              </a:solidFill>
+              <a:latin typeface="Arial"/>
+            </a:endParaRPr>
+          </a:p>
+          <a:p>
+            <a:pPr lvl="1" marL="864000" indent="-324000">
               <a:spcBef>
                 <a:spcPts val="1134"/>
               </a:spcBef>
@@ -3222,7 +2995,7 @@
               <a:buChar char=""/>
             </a:pPr>
             <a:r>
-              <a:rPr lang="en-US" sz="1800" b="0" strike="noStrike" spc="-1">
+              <a:rPr b="0" lang="de-DE" sz="1800" spc="-1" strike="noStrike">
                 <a:solidFill>
                   <a:srgbClr val="000000"/>
                 </a:solidFill>
@@ -3230,9 +3003,15 @@
               </a:rPr>
               <a:t>Zweite Gliederungsebene</a:t>
             </a:r>
-          </a:p>
-          <a:p>
-            <a:pPr marL="1296000" lvl="2" indent="-288000">
+            <a:endParaRPr b="0" lang="de-DE" sz="1800" spc="-1" strike="noStrike">
+              <a:solidFill>
+                <a:srgbClr val="000000"/>
+              </a:solidFill>
+              <a:latin typeface="Arial"/>
+            </a:endParaRPr>
+          </a:p>
+          <a:p>
+            <a:pPr lvl="2" marL="1296000" indent="-288000">
               <a:spcBef>
                 <a:spcPts val="850"/>
               </a:spcBef>
@@ -3244,7 +3023,7 @@
               <a:buChar char=""/>
             </a:pPr>
             <a:r>
-              <a:rPr lang="en-US" sz="1800" b="0" strike="noStrike" spc="-1">
+              <a:rPr b="0" lang="de-DE" sz="1800" spc="-1" strike="noStrike">
                 <a:solidFill>
                   <a:srgbClr val="000000"/>
                 </a:solidFill>
@@ -3252,9 +3031,15 @@
               </a:rPr>
               <a:t>Dritte Gliederungsebene</a:t>
             </a:r>
-          </a:p>
-          <a:p>
-            <a:pPr marL="1728000" lvl="3" indent="-216000">
+            <a:endParaRPr b="0" lang="de-DE" sz="1800" spc="-1" strike="noStrike">
+              <a:solidFill>
+                <a:srgbClr val="000000"/>
+              </a:solidFill>
+              <a:latin typeface="Arial"/>
+            </a:endParaRPr>
+          </a:p>
+          <a:p>
+            <a:pPr lvl="3" marL="1728000" indent="-216000">
               <a:spcBef>
                 <a:spcPts val="567"/>
               </a:spcBef>
@@ -3266,7 +3051,7 @@
               <a:buChar char=""/>
             </a:pPr>
             <a:r>
-              <a:rPr lang="en-US" sz="1800" b="0" strike="noStrike" spc="-1">
+              <a:rPr b="0" lang="de-DE" sz="1800" spc="-1" strike="noStrike">
                 <a:solidFill>
                   <a:srgbClr val="000000"/>
                 </a:solidFill>
@@ -3274,9 +3059,15 @@
               </a:rPr>
               <a:t>Vierte Gliederungsebene</a:t>
             </a:r>
-          </a:p>
-          <a:p>
-            <a:pPr marL="2160000" lvl="4" indent="-216000">
+            <a:endParaRPr b="0" lang="de-DE" sz="1800" spc="-1" strike="noStrike">
+              <a:solidFill>
+                <a:srgbClr val="000000"/>
+              </a:solidFill>
+              <a:latin typeface="Arial"/>
+            </a:endParaRPr>
+          </a:p>
+          <a:p>
+            <a:pPr lvl="4" marL="2160000" indent="-216000">
               <a:spcBef>
                 <a:spcPts val="283"/>
               </a:spcBef>
@@ -3288,7 +3079,7 @@
               <a:buChar char=""/>
             </a:pPr>
             <a:r>
-              <a:rPr lang="en-US" sz="2000" b="0" strike="noStrike" spc="-1">
+              <a:rPr b="0" lang="de-DE" sz="1800" spc="-1" strike="noStrike">
                 <a:solidFill>
                   <a:srgbClr val="000000"/>
                 </a:solidFill>
@@ -3296,9 +3087,15 @@
               </a:rPr>
               <a:t>Fünfte Gliederungsebene</a:t>
             </a:r>
-          </a:p>
-          <a:p>
-            <a:pPr marL="2592000" lvl="5" indent="-216000">
+            <a:endParaRPr b="0" lang="de-DE" sz="1800" spc="-1" strike="noStrike">
+              <a:solidFill>
+                <a:srgbClr val="000000"/>
+              </a:solidFill>
+              <a:latin typeface="Arial"/>
+            </a:endParaRPr>
+          </a:p>
+          <a:p>
+            <a:pPr lvl="5" marL="2592000" indent="-216000">
               <a:spcBef>
                 <a:spcPts val="283"/>
               </a:spcBef>
@@ -3310,7 +3107,7 @@
               <a:buChar char=""/>
             </a:pPr>
             <a:r>
-              <a:rPr lang="en-US" sz="2000" b="0" strike="noStrike" spc="-1">
+              <a:rPr b="0" lang="de-DE" sz="1800" spc="-1" strike="noStrike">
                 <a:solidFill>
                   <a:srgbClr val="000000"/>
                 </a:solidFill>
@@ -3318,9 +3115,15 @@
               </a:rPr>
               <a:t>Sechste Gliederungsebene</a:t>
             </a:r>
-          </a:p>
-          <a:p>
-            <a:pPr marL="3024000" lvl="6" indent="-216000">
+            <a:endParaRPr b="0" lang="de-DE" sz="1800" spc="-1" strike="noStrike">
+              <a:solidFill>
+                <a:srgbClr val="000000"/>
+              </a:solidFill>
+              <a:latin typeface="Arial"/>
+            </a:endParaRPr>
+          </a:p>
+          <a:p>
+            <a:pPr lvl="6" marL="3024000" indent="-216000">
               <a:spcBef>
                 <a:spcPts val="283"/>
               </a:spcBef>
@@ -3332,7 +3135,7 @@
               <a:buChar char=""/>
             </a:pPr>
             <a:r>
-              <a:rPr lang="en-US" sz="2000" b="0" strike="noStrike" spc="-1">
+              <a:rPr b="0" lang="de-DE" sz="1800" spc="-1" strike="noStrike">
                 <a:solidFill>
                   <a:srgbClr val="000000"/>
                 </a:solidFill>
@@ -3340,43 +3143,43 @@
               </a:rPr>
               <a:t>Siebte Gliederungsebene</a:t>
             </a:r>
+            <a:endParaRPr b="0" lang="de-DE" sz="1800" spc="-1" strike="noStrike">
+              <a:solidFill>
+                <a:srgbClr val="000000"/>
+              </a:solidFill>
+              <a:latin typeface="Arial"/>
+            </a:endParaRPr>
           </a:p>
         </p:txBody>
       </p:sp>
     </p:spTree>
   </p:cSld>
-  <p:clrMap bg1="lt1" tx1="dk1" bg2="lt2" tx2="dk2" accent1="accent1" accent2="accent2" accent3="accent3" accent4="accent4" accent5="accent5" accent6="accent6" hlink="hlink" folHlink="folHlink"/>
+  <p:clrMap bg1="lt1" bg2="lt2" tx1="dk1" tx2="dk2" accent1="accent1" accent2="accent2" accent3="accent3" accent4="accent4" accent5="accent5" accent6="accent6" hlink="hlink" folHlink="folHlink"/>
   <p:sldLayoutIdLst>
-    <p:sldLayoutId id="2147483649" r:id="rId1"/>
-    <p:sldLayoutId id="2147483650" r:id="rId2"/>
-    <p:sldLayoutId id="2147483651" r:id="rId3"/>
-    <p:sldLayoutId id="2147483652" r:id="rId4"/>
-    <p:sldLayoutId id="2147483653" r:id="rId5"/>
-    <p:sldLayoutId id="2147483654" r:id="rId6"/>
-    <p:sldLayoutId id="2147483655" r:id="rId7"/>
-    <p:sldLayoutId id="2147483656" r:id="rId8"/>
-    <p:sldLayoutId id="2147483657" r:id="rId9"/>
-    <p:sldLayoutId id="2147483658" r:id="rId10"/>
-    <p:sldLayoutId id="2147483659" r:id="rId11"/>
-    <p:sldLayoutId id="2147483660" r:id="rId12"/>
+    <p:sldLayoutId id="2147483649" r:id="rId2"/>
+    <p:sldLayoutId id="2147483650" r:id="rId3"/>
+    <p:sldLayoutId id="2147483651" r:id="rId4"/>
+    <p:sldLayoutId id="2147483652" r:id="rId5"/>
+    <p:sldLayoutId id="2147483653" r:id="rId6"/>
+    <p:sldLayoutId id="2147483654" r:id="rId7"/>
+    <p:sldLayoutId id="2147483655" r:id="rId8"/>
+    <p:sldLayoutId id="2147483656" r:id="rId9"/>
+    <p:sldLayoutId id="2147483657" r:id="rId10"/>
+    <p:sldLayoutId id="2147483658" r:id="rId11"/>
+    <p:sldLayoutId id="2147483659" r:id="rId12"/>
+    <p:sldLayoutId id="2147483660" r:id="rId13"/>
   </p:sldLayoutIdLst>
-  <p:txStyles>
-    <p:titleStyle/>
-    <p:bodyStyle/>
-    <p:otherStyle/>
-  </p:txStyles>
 </p:sldMaster>
 </file>
 
 <file path=ppt/slideMasters/slideMaster2.xml><?xml version="1.0" encoding="utf-8"?>
-<p:sldMaster xmlns:a="http://schemas.openxmlformats.org/drawingml/2006/main" xmlns:r="http://schemas.openxmlformats.org/officeDocument/2006/relationships" xmlns:p="http://schemas.openxmlformats.org/presentationml/2006/main">
+<p:sldMaster xmlns:a="http://schemas.openxmlformats.org/drawingml/2006/main" xmlns:p="http://schemas.openxmlformats.org/presentationml/2006/main" xmlns:r="http://schemas.openxmlformats.org/officeDocument/2006/relationships" xmlns:p14="http://schemas.microsoft.com/office/powerpoint/2010/main" xmlns:p15="http://schemas.microsoft.com/office/powerpoint/2012/main" xmlns:mc="http://schemas.openxmlformats.org/markup-compatibility/2006">
   <p:cSld>
     <p:bg>
       <p:bgPr>
         <a:solidFill>
-          <a:srgbClr val="FFFFFF"/>
+          <a:srgbClr val="ffffff"/>
         </a:solidFill>
-        <a:effectLst/>
       </p:bgPr>
     </p:bg>
     <p:spTree>
@@ -3406,18 +3209,17 @@
         <p:spPr>
           <a:xfrm>
             <a:off x="504000" y="226080"/>
-            <a:ext cx="9071280" cy="946080"/>
-          </a:xfrm>
-          <a:prstGeom prst="rect">
-            <a:avLst/>
-          </a:prstGeom>
-        </p:spPr>
-        <p:txBody>
-          <a:bodyPr lIns="0" tIns="0" rIns="0" bIns="0" anchor="ctr"/>
-          <a:lstStyle/>
+            <a:ext cx="9072000" cy="946440"/>
+          </a:xfrm>
+          <a:prstGeom prst="rect">
+            <a:avLst/>
+          </a:prstGeom>
+        </p:spPr>
+        <p:txBody>
+          <a:bodyPr lIns="0" rIns="0" tIns="0" bIns="0" anchor="ctr"/>
           <a:p>
             <a:r>
-              <a:rPr lang="en-US" sz="1800" b="0" strike="noStrike" spc="-1">
+              <a:rPr b="0" lang="de-DE" sz="1800" spc="-1" strike="noStrike">
                 <a:solidFill>
                   <a:srgbClr val="000000"/>
                 </a:solidFill>
@@ -3425,6 +3227,12 @@
               </a:rPr>
               <a:t>Format des Titeltextes durch Klicken bearbeiten</a:t>
             </a:r>
+            <a:endParaRPr b="0" lang="de-DE" sz="1800" spc="-1" strike="noStrike">
+              <a:solidFill>
+                <a:srgbClr val="000000"/>
+              </a:solidFill>
+              <a:latin typeface="Arial"/>
+            </a:endParaRPr>
           </a:p>
         </p:txBody>
       </p:sp>
@@ -3441,17 +3249,16 @@
         <p:spPr>
           <a:xfrm>
             <a:off x="504000" y="1326600"/>
-            <a:ext cx="9071280" cy="3287880"/>
-          </a:xfrm>
-          <a:prstGeom prst="rect">
-            <a:avLst/>
-          </a:prstGeom>
-        </p:spPr>
-        <p:txBody>
-          <a:bodyPr lIns="0" tIns="0" rIns="0" bIns="0">
+            <a:ext cx="9072000" cy="3288600"/>
+          </a:xfrm>
+          <a:prstGeom prst="rect">
+            <a:avLst/>
+          </a:prstGeom>
+        </p:spPr>
+        <p:txBody>
+          <a:bodyPr lIns="0" rIns="0" tIns="0" bIns="0">
             <a:normAutofit/>
           </a:bodyPr>
-          <a:lstStyle/>
           <a:p>
             <a:pPr marL="432000" indent="-324000">
               <a:spcBef>
@@ -3465,7 +3272,7 @@
               <a:buChar char=""/>
             </a:pPr>
             <a:r>
-              <a:rPr lang="en-US" sz="1800" b="0" strike="noStrike" spc="-1">
+              <a:rPr b="0" lang="de-DE" sz="1800" spc="-1" strike="noStrike">
                 <a:solidFill>
                   <a:srgbClr val="000000"/>
                 </a:solidFill>
@@ -3473,9 +3280,15 @@
               </a:rPr>
               <a:t>Format des Gliederungstextes durch Klicken bearbeiten</a:t>
             </a:r>
-          </a:p>
-          <a:p>
-            <a:pPr marL="864000" lvl="1" indent="-324000">
+            <a:endParaRPr b="0" lang="de-DE" sz="1800" spc="-1" strike="noStrike">
+              <a:solidFill>
+                <a:srgbClr val="000000"/>
+              </a:solidFill>
+              <a:latin typeface="Arial"/>
+            </a:endParaRPr>
+          </a:p>
+          <a:p>
+            <a:pPr lvl="1" marL="864000" indent="-324000">
               <a:spcBef>
                 <a:spcPts val="1134"/>
               </a:spcBef>
@@ -3487,7 +3300,7 @@
               <a:buChar char=""/>
             </a:pPr>
             <a:r>
-              <a:rPr lang="en-US" sz="1800" b="0" strike="noStrike" spc="-1">
+              <a:rPr b="0" lang="de-DE" sz="1800" spc="-1" strike="noStrike">
                 <a:solidFill>
                   <a:srgbClr val="000000"/>
                 </a:solidFill>
@@ -3495,9 +3308,15 @@
               </a:rPr>
               <a:t>Zweite Gliederungsebene</a:t>
             </a:r>
-          </a:p>
-          <a:p>
-            <a:pPr marL="1296000" lvl="2" indent="-288000">
+            <a:endParaRPr b="0" lang="de-DE" sz="1800" spc="-1" strike="noStrike">
+              <a:solidFill>
+                <a:srgbClr val="000000"/>
+              </a:solidFill>
+              <a:latin typeface="Arial"/>
+            </a:endParaRPr>
+          </a:p>
+          <a:p>
+            <a:pPr lvl="2" marL="1296000" indent="-288000">
               <a:spcBef>
                 <a:spcPts val="850"/>
               </a:spcBef>
@@ -3509,7 +3328,7 @@
               <a:buChar char=""/>
             </a:pPr>
             <a:r>
-              <a:rPr lang="en-US" sz="1800" b="0" strike="noStrike" spc="-1">
+              <a:rPr b="0" lang="de-DE" sz="1800" spc="-1" strike="noStrike">
                 <a:solidFill>
                   <a:srgbClr val="000000"/>
                 </a:solidFill>
@@ -3517,9 +3336,15 @@
               </a:rPr>
               <a:t>Dritte Gliederungsebene</a:t>
             </a:r>
-          </a:p>
-          <a:p>
-            <a:pPr marL="1728000" lvl="3" indent="-216000">
+            <a:endParaRPr b="0" lang="de-DE" sz="1800" spc="-1" strike="noStrike">
+              <a:solidFill>
+                <a:srgbClr val="000000"/>
+              </a:solidFill>
+              <a:latin typeface="Arial"/>
+            </a:endParaRPr>
+          </a:p>
+          <a:p>
+            <a:pPr lvl="3" marL="1728000" indent="-216000">
               <a:spcBef>
                 <a:spcPts val="567"/>
               </a:spcBef>
@@ -3531,7 +3356,7 @@
               <a:buChar char=""/>
             </a:pPr>
             <a:r>
-              <a:rPr lang="en-US" sz="1800" b="0" strike="noStrike" spc="-1">
+              <a:rPr b="0" lang="de-DE" sz="1800" spc="-1" strike="noStrike">
                 <a:solidFill>
                   <a:srgbClr val="000000"/>
                 </a:solidFill>
@@ -3539,9 +3364,15 @@
               </a:rPr>
               <a:t>Vierte Gliederungsebene</a:t>
             </a:r>
-          </a:p>
-          <a:p>
-            <a:pPr marL="2160000" lvl="4" indent="-216000">
+            <a:endParaRPr b="0" lang="de-DE" sz="1800" spc="-1" strike="noStrike">
+              <a:solidFill>
+                <a:srgbClr val="000000"/>
+              </a:solidFill>
+              <a:latin typeface="Arial"/>
+            </a:endParaRPr>
+          </a:p>
+          <a:p>
+            <a:pPr lvl="4" marL="2160000" indent="-216000">
               <a:spcBef>
                 <a:spcPts val="283"/>
               </a:spcBef>
@@ -3553,7 +3384,7 @@
               <a:buChar char=""/>
             </a:pPr>
             <a:r>
-              <a:rPr lang="en-US" sz="1800" b="0" strike="noStrike" spc="-1">
+              <a:rPr b="0" lang="de-DE" sz="2000" spc="-1" strike="noStrike">
                 <a:solidFill>
                   <a:srgbClr val="000000"/>
                 </a:solidFill>
@@ -3561,9 +3392,15 @@
               </a:rPr>
               <a:t>Fünfte Gliederungsebene</a:t>
             </a:r>
-          </a:p>
-          <a:p>
-            <a:pPr marL="2592000" lvl="5" indent="-216000">
+            <a:endParaRPr b="0" lang="de-DE" sz="2000" spc="-1" strike="noStrike">
+              <a:solidFill>
+                <a:srgbClr val="000000"/>
+              </a:solidFill>
+              <a:latin typeface="Arial"/>
+            </a:endParaRPr>
+          </a:p>
+          <a:p>
+            <a:pPr lvl="5" marL="2592000" indent="-216000">
               <a:spcBef>
                 <a:spcPts val="283"/>
               </a:spcBef>
@@ -3575,7 +3412,7 @@
               <a:buChar char=""/>
             </a:pPr>
             <a:r>
-              <a:rPr lang="en-US" sz="1800" b="0" strike="noStrike" spc="-1">
+              <a:rPr b="0" lang="de-DE" sz="2000" spc="-1" strike="noStrike">
                 <a:solidFill>
                   <a:srgbClr val="000000"/>
                 </a:solidFill>
@@ -3583,9 +3420,15 @@
               </a:rPr>
               <a:t>Sechste Gliederungsebene</a:t>
             </a:r>
-          </a:p>
-          <a:p>
-            <a:pPr marL="3024000" lvl="6" indent="-216000">
+            <a:endParaRPr b="0" lang="de-DE" sz="2000" spc="-1" strike="noStrike">
+              <a:solidFill>
+                <a:srgbClr val="000000"/>
+              </a:solidFill>
+              <a:latin typeface="Arial"/>
+            </a:endParaRPr>
+          </a:p>
+          <a:p>
+            <a:pPr lvl="6" marL="3024000" indent="-216000">
               <a:spcBef>
                 <a:spcPts val="283"/>
               </a:spcBef>
@@ -3597,7 +3440,7 @@
               <a:buChar char=""/>
             </a:pPr>
             <a:r>
-              <a:rPr lang="en-US" sz="1800" b="0" strike="noStrike" spc="-1">
+              <a:rPr b="0" lang="de-DE" sz="2000" spc="-1" strike="noStrike">
                 <a:solidFill>
                   <a:srgbClr val="000000"/>
                 </a:solidFill>
@@ -3605,36 +3448,37 @@
               </a:rPr>
               <a:t>Siebte Gliederungsebene</a:t>
             </a:r>
+            <a:endParaRPr b="0" lang="de-DE" sz="2000" spc="-1" strike="noStrike">
+              <a:solidFill>
+                <a:srgbClr val="000000"/>
+              </a:solidFill>
+              <a:latin typeface="Arial"/>
+            </a:endParaRPr>
           </a:p>
         </p:txBody>
       </p:sp>
     </p:spTree>
   </p:cSld>
-  <p:clrMap bg1="lt1" tx1="dk1" bg2="lt2" tx2="dk2" accent1="accent1" accent2="accent2" accent3="accent3" accent4="accent4" accent5="accent5" accent6="accent6" hlink="hlink" folHlink="folHlink"/>
+  <p:clrMap bg1="lt1" bg2="lt2" tx1="dk1" tx2="dk2" accent1="accent1" accent2="accent2" accent3="accent3" accent4="accent4" accent5="accent5" accent6="accent6" hlink="hlink" folHlink="folHlink"/>
   <p:sldLayoutIdLst>
-    <p:sldLayoutId id="2147483662" r:id="rId1"/>
-    <p:sldLayoutId id="2147483663" r:id="rId2"/>
-    <p:sldLayoutId id="2147483664" r:id="rId3"/>
-    <p:sldLayoutId id="2147483665" r:id="rId4"/>
-    <p:sldLayoutId id="2147483666" r:id="rId5"/>
-    <p:sldLayoutId id="2147483667" r:id="rId6"/>
-    <p:sldLayoutId id="2147483668" r:id="rId7"/>
-    <p:sldLayoutId id="2147483669" r:id="rId8"/>
-    <p:sldLayoutId id="2147483670" r:id="rId9"/>
-    <p:sldLayoutId id="2147483671" r:id="rId10"/>
-    <p:sldLayoutId id="2147483672" r:id="rId11"/>
-    <p:sldLayoutId id="2147483673" r:id="rId12"/>
+    <p:sldLayoutId id="2147483662" r:id="rId2"/>
+    <p:sldLayoutId id="2147483663" r:id="rId3"/>
+    <p:sldLayoutId id="2147483664" r:id="rId4"/>
+    <p:sldLayoutId id="2147483665" r:id="rId5"/>
+    <p:sldLayoutId id="2147483666" r:id="rId6"/>
+    <p:sldLayoutId id="2147483667" r:id="rId7"/>
+    <p:sldLayoutId id="2147483668" r:id="rId8"/>
+    <p:sldLayoutId id="2147483669" r:id="rId9"/>
+    <p:sldLayoutId id="2147483670" r:id="rId10"/>
+    <p:sldLayoutId id="2147483671" r:id="rId11"/>
+    <p:sldLayoutId id="2147483672" r:id="rId12"/>
+    <p:sldLayoutId id="2147483673" r:id="rId13"/>
   </p:sldLayoutIdLst>
-  <p:txStyles>
-    <p:titleStyle/>
-    <p:bodyStyle/>
-    <p:otherStyle/>
-  </p:txStyles>
 </p:sldMaster>
 </file>
 
 <file path=ppt/slides/slide1.xml><?xml version="1.0" encoding="utf-8"?>
-<p:sld xmlns:a="http://schemas.openxmlformats.org/drawingml/2006/main" xmlns:r="http://schemas.openxmlformats.org/officeDocument/2006/relationships" xmlns:p="http://schemas.openxmlformats.org/presentationml/2006/main">
+<p:sld xmlns:a="http://schemas.openxmlformats.org/drawingml/2006/main" xmlns:p="http://schemas.openxmlformats.org/presentationml/2006/main" xmlns:r="http://schemas.openxmlformats.org/officeDocument/2006/relationships" xmlns:p14="http://schemas.microsoft.com/office/powerpoint/2010/main" xmlns:p15="http://schemas.microsoft.com/office/powerpoint/2012/main" xmlns:mc="http://schemas.openxmlformats.org/markup-compatibility/2006">
   <p:cSld>
     <p:spTree>
       <p:nvGrpSpPr>
@@ -3659,7 +3503,7 @@
         <p:spPr>
           <a:xfrm>
             <a:off x="504000" y="226080"/>
-            <a:ext cx="9071280" cy="946080"/>
+            <a:ext cx="9070920" cy="945720"/>
           </a:xfrm>
           <a:prstGeom prst="rect">
             <a:avLst/>
@@ -3670,20 +3514,13 @@
           </a:ln>
         </p:spPr>
         <p:style>
-          <a:lnRef idx="0">
-            <a:scrgbClr r="0" g="0" b="0"/>
-          </a:lnRef>
-          <a:fillRef idx="0">
-            <a:scrgbClr r="0" g="0" b="0"/>
-          </a:fillRef>
-          <a:effectRef idx="0">
-            <a:scrgbClr r="0" g="0" b="0"/>
-          </a:effectRef>
+          <a:lnRef idx="0"/>
+          <a:fillRef idx="0"/>
+          <a:effectRef idx="0"/>
           <a:fontRef idx="minor"/>
         </p:style>
         <p:txBody>
-          <a:bodyPr lIns="0" tIns="0" rIns="0" bIns="0" anchor="ctr"/>
-          <a:lstStyle/>
+          <a:bodyPr lIns="0" rIns="0" tIns="0" bIns="0" anchor="ctr"/>
           <a:p>
             <a:pPr algn="ctr">
               <a:lnSpc>
@@ -3691,7 +3528,7 @@
               </a:lnSpc>
             </a:pPr>
             <a:r>
-              <a:rPr lang="de-CH" sz="4400" b="0" strike="noStrike" spc="-1">
+              <a:rPr b="0" lang="de-CH" sz="4400" spc="-1" strike="noStrike">
                 <a:solidFill>
                   <a:srgbClr val="000000"/>
                 </a:solidFill>
@@ -3700,7 +3537,7 @@
               </a:rPr>
               <a:t>Wetter und Luftqualität von Madrid</a:t>
             </a:r>
-            <a:endParaRPr lang="de-CH" sz="4400" b="0" strike="noStrike" spc="-1">
+            <a:endParaRPr b="0" lang="de-CH" sz="4400" spc="-1" strike="noStrike">
               <a:latin typeface="Arial"/>
             </a:endParaRPr>
           </a:p>
@@ -3715,7 +3552,7 @@
         <p:spPr>
           <a:xfrm>
             <a:off x="6336000" y="1872000"/>
-            <a:ext cx="3671640" cy="3095640"/>
+            <a:ext cx="3671280" cy="3095280"/>
           </a:xfrm>
           <a:prstGeom prst="rect">
             <a:avLst/>
@@ -3726,20 +3563,13 @@
           </a:ln>
         </p:spPr>
         <p:style>
-          <a:lnRef idx="0">
-            <a:scrgbClr r="0" g="0" b="0"/>
-          </a:lnRef>
-          <a:fillRef idx="0">
-            <a:scrgbClr r="0" g="0" b="0"/>
-          </a:fillRef>
-          <a:effectRef idx="0">
-            <a:scrgbClr r="0" g="0" b="0"/>
-          </a:effectRef>
+          <a:lnRef idx="0"/>
+          <a:fillRef idx="0"/>
+          <a:effectRef idx="0"/>
           <a:fontRef idx="minor"/>
         </p:style>
         <p:txBody>
-          <a:bodyPr lIns="0" tIns="0" rIns="0" bIns="0"/>
-          <a:lstStyle/>
+          <a:bodyPr lIns="0" rIns="0" tIns="0" bIns="0"/>
           <a:p>
             <a:pPr>
               <a:lnSpc>
@@ -3747,7 +3577,7 @@
               </a:lnSpc>
             </a:pPr>
             <a:r>
-              <a:rPr lang="de-CH" sz="1600" b="0" strike="noStrike" spc="-1">
+              <a:rPr b="0" lang="de-CH" sz="1600" spc="-1" strike="noStrike">
                 <a:solidFill>
                   <a:srgbClr val="000000"/>
                 </a:solidFill>
@@ -3756,7 +3586,7 @@
               </a:rPr>
               <a:t>stations.csv – 24 Messstationen</a:t>
             </a:r>
-            <a:endParaRPr lang="de-CH" sz="1600" b="0" strike="noStrike" spc="-1">
+            <a:endParaRPr b="0" lang="de-CH" sz="1600" spc="-1" strike="noStrike">
               <a:latin typeface="Arial"/>
             </a:endParaRPr>
           </a:p>
@@ -3766,7 +3596,7 @@
                 <a:spcPct val="100000"/>
               </a:lnSpc>
             </a:pPr>
-            <a:endParaRPr lang="de-CH" sz="1600" b="0" strike="noStrike" spc="-1">
+            <a:endParaRPr b="0" lang="de-CH" sz="1600" spc="-1" strike="noStrike">
               <a:latin typeface="Arial"/>
             </a:endParaRPr>
           </a:p>
@@ -3777,7 +3607,7 @@
               </a:lnSpc>
             </a:pPr>
             <a:r>
-              <a:rPr lang="de-CH" sz="1600" b="0" strike="noStrike" spc="-1">
+              <a:rPr b="0" lang="de-CH" sz="1600" spc="-1" strike="noStrike">
                 <a:solidFill>
                   <a:srgbClr val="000000"/>
                 </a:solidFill>
@@ -3786,7 +3616,7 @@
               </a:rPr>
               <a:t>madrid_2001.csv</a:t>
             </a:r>
-            <a:endParaRPr lang="de-CH" sz="1600" b="0" strike="noStrike" spc="-1">
+            <a:endParaRPr b="0" lang="de-CH" sz="1600" spc="-1" strike="noStrike">
               <a:latin typeface="Arial"/>
             </a:endParaRPr>
           </a:p>
@@ -3797,16 +3627,26 @@
               </a:lnSpc>
             </a:pPr>
             <a:r>
-              <a:rPr lang="de-CH" sz="1600" b="0" strike="noStrike" spc="-1">
+              <a:rPr b="0" lang="de-CH" sz="1600" spc="-1" strike="noStrike">
                 <a:solidFill>
                   <a:srgbClr val="000000"/>
                 </a:solidFill>
                 <a:latin typeface="Arial"/>
                 <a:ea typeface="DejaVu Sans"/>
               </a:rPr>
-              <a:t>	...</a:t>
+              <a:t>	</a:t>
             </a:r>
-            <a:endParaRPr lang="de-CH" sz="1600" b="0" strike="noStrike" spc="-1">
+            <a:r>
+              <a:rPr b="0" lang="de-CH" sz="1600" spc="-1" strike="noStrike">
+                <a:solidFill>
+                  <a:srgbClr val="000000"/>
+                </a:solidFill>
+                <a:latin typeface="Arial"/>
+                <a:ea typeface="DejaVu Sans"/>
+              </a:rPr>
+              <a:t>...</a:t>
+            </a:r>
+            <a:endParaRPr b="0" lang="de-CH" sz="1600" spc="-1" strike="noStrike">
               <a:latin typeface="Arial"/>
             </a:endParaRPr>
           </a:p>
@@ -3817,7 +3657,7 @@
               </a:lnSpc>
             </a:pPr>
             <a:r>
-              <a:rPr lang="de-CH" sz="1600" b="0" strike="noStrike" spc="-1">
+              <a:rPr b="0" lang="de-CH" sz="1600" spc="-1" strike="noStrike">
                 <a:solidFill>
                   <a:srgbClr val="000000"/>
                 </a:solidFill>
@@ -3826,7 +3666,7 @@
               </a:rPr>
               <a:t>madrid_2018.csv</a:t>
             </a:r>
-            <a:endParaRPr lang="de-CH" sz="1600" b="0" strike="noStrike" spc="-1">
+            <a:endParaRPr b="0" lang="de-CH" sz="1600" spc="-1" strike="noStrike">
               <a:latin typeface="Arial"/>
             </a:endParaRPr>
           </a:p>
@@ -3836,7 +3676,7 @@
                 <a:spcPct val="100000"/>
               </a:lnSpc>
             </a:pPr>
-            <a:endParaRPr lang="de-CH" sz="1600" b="0" strike="noStrike" spc="-1">
+            <a:endParaRPr b="0" lang="de-CH" sz="1600" spc="-1" strike="noStrike">
               <a:latin typeface="Arial"/>
             </a:endParaRPr>
           </a:p>
@@ -3847,16 +3687,76 @@
               </a:lnSpc>
             </a:pPr>
             <a:r>
-              <a:rPr lang="de-CH" sz="1600" b="0" strike="noStrike" spc="-1">
+              <a:rPr b="0" lang="de-CH" sz="1600" spc="-1" strike="noStrike">
                 <a:solidFill>
                   <a:srgbClr val="000000"/>
                 </a:solidFill>
                 <a:latin typeface="Arial"/>
                 <a:ea typeface="DejaVu Sans"/>
               </a:rPr>
-              <a:t>					→ 500 MB</a:t>
+              <a:t>	</a:t>
             </a:r>
-            <a:endParaRPr lang="de-CH" sz="1600" b="0" strike="noStrike" spc="-1">
+            <a:r>
+              <a:rPr b="0" lang="de-CH" sz="1600" spc="-1" strike="noStrike">
+                <a:solidFill>
+                  <a:srgbClr val="000000"/>
+                </a:solidFill>
+                <a:latin typeface="Arial"/>
+                <a:ea typeface="DejaVu Sans"/>
+              </a:rPr>
+              <a:t>	</a:t>
+            </a:r>
+            <a:r>
+              <a:rPr b="0" lang="de-CH" sz="1600" spc="-1" strike="noStrike">
+                <a:solidFill>
+                  <a:srgbClr val="000000"/>
+                </a:solidFill>
+                <a:latin typeface="Arial"/>
+                <a:ea typeface="DejaVu Sans"/>
+              </a:rPr>
+              <a:t>	</a:t>
+            </a:r>
+            <a:r>
+              <a:rPr b="0" lang="de-CH" sz="1600" spc="-1" strike="noStrike">
+                <a:solidFill>
+                  <a:srgbClr val="000000"/>
+                </a:solidFill>
+                <a:latin typeface="Arial"/>
+                <a:ea typeface="DejaVu Sans"/>
+              </a:rPr>
+              <a:t>	</a:t>
+            </a:r>
+            <a:r>
+              <a:rPr b="0" lang="de-CH" sz="1600" spc="-1" strike="noStrike">
+                <a:solidFill>
+                  <a:srgbClr val="000000"/>
+                </a:solidFill>
+                <a:latin typeface="Arial"/>
+                <a:ea typeface="DejaVu Sans"/>
+              </a:rPr>
+              <a:t>	</a:t>
+            </a:r>
+            <a:r>
+              <a:rPr b="0" lang="de-CH" sz="1600" spc="-1" strike="noStrike">
+                <a:solidFill>
+                  <a:srgbClr val="000000"/>
+                </a:solidFill>
+                <a:latin typeface="Arial"/>
+                <a:ea typeface="DejaVu Sans"/>
+              </a:rPr>
+              <a:t>→ </a:t>
+            </a:r>
+            <a:r>
+              <a:rPr b="0" lang="de-CH" sz="1600" spc="-1" strike="noStrike">
+                <a:solidFill>
+                  <a:srgbClr val="000000"/>
+                </a:solidFill>
+                <a:latin typeface="Arial"/>
+                <a:ea typeface="DejaVu Sans"/>
+              </a:rPr>
+              <a:t>500 MB</a:t>
+            </a:r>
+            <a:endParaRPr b="0" lang="de-CH" sz="1600" spc="-1" strike="noStrike">
               <a:latin typeface="Arial"/>
             </a:endParaRPr>
           </a:p>
@@ -3866,7 +3766,7 @@
                 <a:spcPct val="100000"/>
               </a:lnSpc>
             </a:pPr>
-            <a:endParaRPr lang="de-CH" sz="1600" b="0" strike="noStrike" spc="-1">
+            <a:endParaRPr b="0" lang="de-CH" sz="1600" spc="-1" strike="noStrike">
               <a:latin typeface="Arial"/>
             </a:endParaRPr>
           </a:p>
@@ -3877,7 +3777,7 @@
               </a:lnSpc>
             </a:pPr>
             <a:r>
-              <a:rPr lang="de-CH" sz="1600" b="0" strike="noStrike" spc="-1">
+              <a:rPr b="0" lang="de-CH" sz="1600" spc="-1" strike="noStrike">
                 <a:solidFill>
                   <a:srgbClr val="000000"/>
                 </a:solidFill>
@@ -3886,7 +3786,7 @@
               </a:rPr>
               <a:t>weather_madrid_LEMD_1997_2015.csv</a:t>
             </a:r>
-            <a:endParaRPr lang="de-CH" sz="1600" b="0" strike="noStrike" spc="-1">
+            <a:endParaRPr b="0" lang="de-CH" sz="1600" spc="-1" strike="noStrike">
               <a:latin typeface="Arial"/>
             </a:endParaRPr>
           </a:p>
@@ -3896,7 +3796,7 @@
                 <a:spcPct val="100000"/>
               </a:lnSpc>
             </a:pPr>
-            <a:endParaRPr lang="de-CH" sz="1600" b="0" strike="noStrike" spc="-1">
+            <a:endParaRPr b="0" lang="de-CH" sz="1600" spc="-1" strike="noStrike">
               <a:latin typeface="Arial"/>
             </a:endParaRPr>
           </a:p>
@@ -3907,16 +3807,76 @@
               </a:lnSpc>
             </a:pPr>
             <a:r>
-              <a:rPr lang="de-CH" sz="1600" b="0" strike="noStrike" spc="-1">
+              <a:rPr b="0" lang="de-CH" sz="1600" spc="-1" strike="noStrike">
                 <a:solidFill>
                   <a:srgbClr val="000000"/>
                 </a:solidFill>
                 <a:latin typeface="Arial"/>
                 <a:ea typeface="DejaVu Sans"/>
               </a:rPr>
-              <a:t>					→ 0.5 MB</a:t>
+              <a:t>	</a:t>
             </a:r>
-            <a:endParaRPr lang="de-CH" sz="1600" b="0" strike="noStrike" spc="-1">
+            <a:r>
+              <a:rPr b="0" lang="de-CH" sz="1600" spc="-1" strike="noStrike">
+                <a:solidFill>
+                  <a:srgbClr val="000000"/>
+                </a:solidFill>
+                <a:latin typeface="Arial"/>
+                <a:ea typeface="DejaVu Sans"/>
+              </a:rPr>
+              <a:t>	</a:t>
+            </a:r>
+            <a:r>
+              <a:rPr b="0" lang="de-CH" sz="1600" spc="-1" strike="noStrike">
+                <a:solidFill>
+                  <a:srgbClr val="000000"/>
+                </a:solidFill>
+                <a:latin typeface="Arial"/>
+                <a:ea typeface="DejaVu Sans"/>
+              </a:rPr>
+              <a:t>	</a:t>
+            </a:r>
+            <a:r>
+              <a:rPr b="0" lang="de-CH" sz="1600" spc="-1" strike="noStrike">
+                <a:solidFill>
+                  <a:srgbClr val="000000"/>
+                </a:solidFill>
+                <a:latin typeface="Arial"/>
+                <a:ea typeface="DejaVu Sans"/>
+              </a:rPr>
+              <a:t>	</a:t>
+            </a:r>
+            <a:r>
+              <a:rPr b="0" lang="de-CH" sz="1600" spc="-1" strike="noStrike">
+                <a:solidFill>
+                  <a:srgbClr val="000000"/>
+                </a:solidFill>
+                <a:latin typeface="Arial"/>
+                <a:ea typeface="DejaVu Sans"/>
+              </a:rPr>
+              <a:t>	</a:t>
+            </a:r>
+            <a:r>
+              <a:rPr b="0" lang="de-CH" sz="1600" spc="-1" strike="noStrike">
+                <a:solidFill>
+                  <a:srgbClr val="000000"/>
+                </a:solidFill>
+                <a:latin typeface="Arial"/>
+                <a:ea typeface="DejaVu Sans"/>
+              </a:rPr>
+              <a:t>→ </a:t>
+            </a:r>
+            <a:r>
+              <a:rPr b="0" lang="de-CH" sz="1600" spc="-1" strike="noStrike">
+                <a:solidFill>
+                  <a:srgbClr val="000000"/>
+                </a:solidFill>
+                <a:latin typeface="Arial"/>
+                <a:ea typeface="DejaVu Sans"/>
+              </a:rPr>
+              <a:t>0.5 MB</a:t>
+            </a:r>
+            <a:endParaRPr b="0" lang="de-CH" sz="1600" spc="-1" strike="noStrike">
               <a:latin typeface="Arial"/>
             </a:endParaRPr>
           </a:p>
@@ -3924,19 +3884,43 @@
       </p:sp>
       <p:pic>
         <p:nvPicPr>
-          <p:cNvPr id="78" name="Picture 42"/>
+          <p:cNvPr id="78" name="Picture 42" descr=""/>
+          <p:cNvPicPr/>
+          <p:nvPr/>
+        </p:nvPicPr>
+        <p:blipFill>
+          <a:blip r:embed="rId1"/>
+          <a:srcRect l="25583" t="26212" r="10858" b="48043"/>
+          <a:stretch/>
+        </p:blipFill>
+        <p:spPr>
+          <a:xfrm>
+            <a:off x="144000" y="1872000"/>
+            <a:ext cx="6154920" cy="1313280"/>
+          </a:xfrm>
+          <a:prstGeom prst="rect">
+            <a:avLst/>
+          </a:prstGeom>
+          <a:ln>
+            <a:noFill/>
+          </a:ln>
+        </p:spPr>
+      </p:pic>
+      <p:pic>
+        <p:nvPicPr>
+          <p:cNvPr id="79" name="Picture 43" descr=""/>
           <p:cNvPicPr/>
           <p:nvPr/>
         </p:nvPicPr>
         <p:blipFill>
           <a:blip r:embed="rId2"/>
-          <a:srcRect l="25578" t="26208" r="10855" b="48039"/>
+          <a:srcRect l="25583" t="26212" r="11570" b="48043"/>
           <a:stretch/>
         </p:blipFill>
         <p:spPr>
           <a:xfrm>
-            <a:off x="144000" y="1872000"/>
-            <a:ext cx="6155280" cy="1313640"/>
+            <a:off x="144000" y="3726720"/>
+            <a:ext cx="6083280" cy="1312560"/>
           </a:xfrm>
           <a:prstGeom prst="rect">
             <a:avLst/>
@@ -3946,30 +3930,6 @@
           </a:ln>
         </p:spPr>
       </p:pic>
-      <p:pic>
-        <p:nvPicPr>
-          <p:cNvPr id="79" name="Picture 43"/>
-          <p:cNvPicPr/>
-          <p:nvPr/>
-        </p:nvPicPr>
-        <p:blipFill>
-          <a:blip r:embed="rId3"/>
-          <a:srcRect l="25578" t="26208" r="11568" b="48039"/>
-          <a:stretch/>
-        </p:blipFill>
-        <p:spPr>
-          <a:xfrm>
-            <a:off x="144000" y="3726720"/>
-            <a:ext cx="6083640" cy="1312920"/>
-          </a:xfrm>
-          <a:prstGeom prst="rect">
-            <a:avLst/>
-          </a:prstGeom>
-          <a:ln>
-            <a:noFill/>
-          </a:ln>
-        </p:spPr>
-      </p:pic>
       <p:sp>
         <p:nvSpPr>
           <p:cNvPr id="80" name="CustomShape 3"/>
@@ -3979,7 +3939,7 @@
         <p:spPr>
           <a:xfrm>
             <a:off x="1008000" y="1172520"/>
-            <a:ext cx="8135640" cy="345960"/>
+            <a:ext cx="8135280" cy="345600"/>
           </a:xfrm>
           <a:prstGeom prst="rect">
             <a:avLst/>
@@ -3990,20 +3950,13 @@
           </a:ln>
         </p:spPr>
         <p:style>
-          <a:lnRef idx="0">
-            <a:scrgbClr r="0" g="0" b="0"/>
-          </a:lnRef>
-          <a:fillRef idx="0">
-            <a:scrgbClr r="0" g="0" b="0"/>
-          </a:fillRef>
-          <a:effectRef idx="0">
-            <a:scrgbClr r="0" g="0" b="0"/>
-          </a:effectRef>
+          <a:lnRef idx="0"/>
+          <a:fillRef idx="0"/>
+          <a:effectRef idx="0"/>
           <a:fontRef idx="minor"/>
         </p:style>
         <p:txBody>
-          <a:bodyPr lIns="90000" tIns="45000" rIns="90000" bIns="45000"/>
-          <a:lstStyle/>
+          <a:bodyPr lIns="90000" rIns="90000" tIns="45000" bIns="45000"/>
           <a:p>
             <a:pPr>
               <a:lnSpc>
@@ -4011,7 +3964,7 @@
               </a:lnSpc>
             </a:pPr>
             <a:r>
-              <a:rPr lang="de-CH" sz="1800" b="0" strike="noStrike" spc="-1">
+              <a:rPr b="0" lang="de-CH" sz="1800" spc="-1" strike="noStrike">
                 <a:solidFill>
                   <a:srgbClr val="000000"/>
                 </a:solidFill>
@@ -4020,7 +3973,7 @@
               </a:rPr>
               <a:t>Andreas Fischer, Bernd Novotny, Tobias Schieferdecker                 10.01.2019 </a:t>
             </a:r>
-            <a:endParaRPr lang="de-CH" sz="1800" b="0" strike="noStrike" spc="-1">
+            <a:endParaRPr b="0" lang="de-CH" sz="1800" spc="-1" strike="noStrike">
               <a:latin typeface="Arial"/>
             </a:endParaRPr>
           </a:p>
@@ -4028,14 +3981,11 @@
       </p:sp>
     </p:spTree>
   </p:cSld>
-  <p:clrMapOvr>
-    <a:masterClrMapping/>
-  </p:clrMapOvr>
-  <mc:AlternateContent xmlns:mc="http://schemas.openxmlformats.org/markup-compatibility/2006" xmlns:p14="http://schemas.microsoft.com/office/powerpoint/2010/main">
+  <mc:AlternateContent>
     <mc:Choice Requires="p14">
       <p:transition spd="slow" p14:dur="2000"/>
     </mc:Choice>
-    <mc:Fallback xmlns:p15="http://schemas.microsoft.com/office/powerpoint/2012/main" xmlns="">
+    <mc:Fallback>
       <p:transition spd="slow"/>
     </mc:Fallback>
   </mc:AlternateContent>
@@ -4047,14 +3997,14 @@
             <p:seq>
               <p:cTn id="2" dur="indefinite" nodeType="mainSeq"/>
               <p:prevCondLst>
-                <p:cond evt="onPrev" delay="0">
+                <p:cond delay="0" evt="onPrev">
                   <p:tgtEl>
                     <p:sldTgt/>
                   </p:tgtEl>
                 </p:cond>
               </p:prevCondLst>
               <p:nextCondLst>
-                <p:cond evt="onNext" delay="0">
+                <p:cond delay="0" evt="onNext">
                   <p:tgtEl>
                     <p:sldTgt/>
                   </p:tgtEl>
@@ -4070,7 +4020,7 @@
 </file>
 
 <file path=ppt/slides/slide2.xml><?xml version="1.0" encoding="utf-8"?>
-<p:sld xmlns:a="http://schemas.openxmlformats.org/drawingml/2006/main" xmlns:r="http://schemas.openxmlformats.org/officeDocument/2006/relationships" xmlns:p="http://schemas.openxmlformats.org/presentationml/2006/main">
+<p:sld xmlns:a="http://schemas.openxmlformats.org/drawingml/2006/main" xmlns:p="http://schemas.openxmlformats.org/presentationml/2006/main" xmlns:r="http://schemas.openxmlformats.org/officeDocument/2006/relationships" xmlns:p14="http://schemas.microsoft.com/office/powerpoint/2010/main" xmlns:p15="http://schemas.microsoft.com/office/powerpoint/2012/main" xmlns:mc="http://schemas.openxmlformats.org/markup-compatibility/2006">
   <p:cSld>
     <p:spTree>
       <p:nvGrpSpPr>
@@ -4088,136 +4038,268 @@
       </p:grpSpPr>
       <p:sp>
         <p:nvSpPr>
-          <p:cNvPr id="2" name="Titel 1"/>
-          <p:cNvSpPr>
-            <a:spLocks noGrp="1"/>
-          </p:cNvSpPr>
-          <p:nvPr>
-            <p:ph type="title"/>
-          </p:nvPr>
-        </p:nvSpPr>
-        <p:spPr/>
-        <p:txBody>
-          <a:bodyPr/>
-          <a:lstStyle/>
-          <a:p>
+          <p:cNvPr id="81" name="TextShape 1"/>
+          <p:cNvSpPr txBox="1"/>
+          <p:nvPr/>
+        </p:nvSpPr>
+        <p:spPr>
+          <a:xfrm>
+            <a:off x="504000" y="226080"/>
+            <a:ext cx="9070920" cy="945720"/>
+          </a:xfrm>
+          <a:prstGeom prst="rect">
+            <a:avLst/>
+          </a:prstGeom>
+          <a:noFill/>
+          <a:ln>
+            <a:noFill/>
+          </a:ln>
+        </p:spPr>
+        <p:txBody>
+          <a:bodyPr lIns="0" rIns="0" tIns="0" bIns="0" anchor="ctr"/>
+          <a:p>
+            <a:pPr>
+              <a:lnSpc>
+                <a:spcPct val="100000"/>
+              </a:lnSpc>
+            </a:pPr>
             <a:r>
-              <a:rPr lang="de-CH" dirty="0" smtClean="0"/>
+              <a:rPr b="0" lang="de-DE" sz="1800" spc="-1" strike="noStrike">
+                <a:solidFill>
+                  <a:srgbClr val="000000"/>
+                </a:solidFill>
+                <a:latin typeface="Arial"/>
+              </a:rPr>
               <a:t>Inhalt</a:t>
             </a:r>
-            <a:endParaRPr lang="de-CH" dirty="0"/>
-          </a:p>
-        </p:txBody>
-      </p:sp>
-      <p:sp>
-        <p:nvSpPr>
-          <p:cNvPr id="3" name="Textplatzhalter 2"/>
-          <p:cNvSpPr>
-            <a:spLocks noGrp="1"/>
-          </p:cNvSpPr>
-          <p:nvPr>
-            <p:ph type="body"/>
-          </p:nvPr>
-        </p:nvSpPr>
-        <p:spPr/>
-        <p:txBody>
-          <a:bodyPr/>
-          <a:lstStyle/>
-          <a:p>
-            <a:pPr marL="342900" indent="-342900">
-              <a:buFont typeface="Arial" panose="020B0604020202020204" pitchFamily="34" charset="0"/>
+            <a:endParaRPr b="0" lang="de-DE" sz="1800" spc="-1" strike="noStrike">
+              <a:solidFill>
+                <a:srgbClr val="000000"/>
+              </a:solidFill>
+              <a:latin typeface="Arial"/>
+            </a:endParaRPr>
+          </a:p>
+        </p:txBody>
+      </p:sp>
+      <p:sp>
+        <p:nvSpPr>
+          <p:cNvPr id="82" name="TextShape 2"/>
+          <p:cNvSpPr txBox="1"/>
+          <p:nvPr/>
+        </p:nvSpPr>
+        <p:spPr>
+          <a:xfrm>
+            <a:off x="504000" y="1326600"/>
+            <a:ext cx="9070920" cy="3287520"/>
+          </a:xfrm>
+          <a:prstGeom prst="rect">
+            <a:avLst/>
+          </a:prstGeom>
+          <a:noFill/>
+          <a:ln>
+            <a:noFill/>
+          </a:ln>
+        </p:spPr>
+        <p:txBody>
+          <a:bodyPr lIns="0" rIns="0" tIns="0" bIns="0"/>
+          <a:p>
+            <a:pPr marL="343080" indent="-342720">
+              <a:lnSpc>
+                <a:spcPct val="100000"/>
+              </a:lnSpc>
+              <a:buClr>
+                <a:srgbClr val="000000"/>
+              </a:buClr>
+              <a:buFont typeface="Arial"/>
               <a:buChar char="•"/>
             </a:pPr>
             <a:r>
-              <a:rPr lang="de-CH" dirty="0" smtClean="0"/>
+              <a:rPr b="0" lang="de-DE" sz="1800" spc="-1" strike="noStrike">
+                <a:solidFill>
+                  <a:srgbClr val="000000"/>
+                </a:solidFill>
+                <a:latin typeface="Arial"/>
+              </a:rPr>
               <a:t>Beschreibung der Daten</a:t>
             </a:r>
-          </a:p>
-          <a:p>
-            <a:pPr marL="342900" indent="-342900">
-              <a:buFont typeface="Arial" panose="020B0604020202020204" pitchFamily="34" charset="0"/>
+            <a:endParaRPr b="0" lang="de-DE" sz="1800" spc="-1" strike="noStrike">
+              <a:solidFill>
+                <a:srgbClr val="000000"/>
+              </a:solidFill>
+              <a:latin typeface="Arial"/>
+            </a:endParaRPr>
+          </a:p>
+          <a:p>
+            <a:pPr marL="343080" indent="-342720">
+              <a:lnSpc>
+                <a:spcPct val="100000"/>
+              </a:lnSpc>
+              <a:buClr>
+                <a:srgbClr val="000000"/>
+              </a:buClr>
+              <a:buFont typeface="Arial"/>
               <a:buChar char="•"/>
             </a:pPr>
             <a:r>
-              <a:rPr lang="de-CH" dirty="0" smtClean="0"/>
+              <a:rPr b="0" lang="de-DE" sz="1800" spc="-1" strike="noStrike">
+                <a:solidFill>
+                  <a:srgbClr val="000000"/>
+                </a:solidFill>
+                <a:latin typeface="Arial"/>
+              </a:rPr>
               <a:t>Spark Befehlsabfolge</a:t>
             </a:r>
-          </a:p>
-          <a:p>
-            <a:pPr marL="342900" indent="-342900">
-              <a:buFont typeface="Arial" panose="020B0604020202020204" pitchFamily="34" charset="0"/>
+            <a:endParaRPr b="0" lang="de-DE" sz="1800" spc="-1" strike="noStrike">
+              <a:solidFill>
+                <a:srgbClr val="000000"/>
+              </a:solidFill>
+              <a:latin typeface="Arial"/>
+            </a:endParaRPr>
+          </a:p>
+          <a:p>
+            <a:pPr marL="343080" indent="-342720">
+              <a:lnSpc>
+                <a:spcPct val="100000"/>
+              </a:lnSpc>
+              <a:buClr>
+                <a:srgbClr val="000000"/>
+              </a:buClr>
+              <a:buFont typeface="Arial"/>
               <a:buChar char="•"/>
             </a:pPr>
             <a:r>
-              <a:rPr lang="de-CH" dirty="0" smtClean="0"/>
-              <a:t>Vergleich CSV und </a:t>
+              <a:rPr b="0" lang="de-DE" sz="1800" spc="-1" strike="noStrike">
+                <a:solidFill>
+                  <a:srgbClr val="000000"/>
+                </a:solidFill>
+                <a:latin typeface="Arial"/>
+              </a:rPr>
+              <a:t>Vergleich CSV und Parquet</a:t>
             </a:r>
-            <a:r>
-              <a:rPr lang="de-CH" dirty="0" err="1" smtClean="0"/>
-              <a:t>Parquet</a:t>
-            </a:r>
-            <a:endParaRPr lang="de-CH" dirty="0" smtClean="0"/>
-          </a:p>
-          <a:p>
-            <a:pPr marL="342900" indent="-342900">
-              <a:buFont typeface="Arial" panose="020B0604020202020204" pitchFamily="34" charset="0"/>
+            <a:endParaRPr b="0" lang="de-DE" sz="1800" spc="-1" strike="noStrike">
+              <a:solidFill>
+                <a:srgbClr val="000000"/>
+              </a:solidFill>
+              <a:latin typeface="Arial"/>
+            </a:endParaRPr>
+          </a:p>
+          <a:p>
+            <a:pPr marL="343080" indent="-342720">
+              <a:lnSpc>
+                <a:spcPct val="100000"/>
+              </a:lnSpc>
+              <a:buClr>
+                <a:srgbClr val="000000"/>
+              </a:buClr>
+              <a:buFont typeface="Arial"/>
               <a:buChar char="•"/>
             </a:pPr>
             <a:r>
-              <a:rPr lang="de-CH" dirty="0" err="1" smtClean="0"/>
-              <a:t>MapReduce</a:t>
+              <a:rPr b="0" lang="de-DE" sz="1800" spc="-1" strike="noStrike">
+                <a:solidFill>
+                  <a:srgbClr val="000000"/>
+                </a:solidFill>
+                <a:latin typeface="Arial"/>
+              </a:rPr>
+              <a:t>MapReduce Verfahren</a:t>
             </a:r>
-            <a:r>
-              <a:rPr lang="de-CH" dirty="0" smtClean="0"/>
-              <a:t> Verfahren</a:t>
-            </a:r>
-          </a:p>
-          <a:p>
-            <a:pPr marL="342900" indent="-342900">
-              <a:buFont typeface="Arial" panose="020B0604020202020204" pitchFamily="34" charset="0"/>
+            <a:endParaRPr b="0" lang="de-DE" sz="1800" spc="-1" strike="noStrike">
+              <a:solidFill>
+                <a:srgbClr val="000000"/>
+              </a:solidFill>
+              <a:latin typeface="Arial"/>
+            </a:endParaRPr>
+          </a:p>
+          <a:p>
+            <a:pPr marL="343080" indent="-342720">
+              <a:lnSpc>
+                <a:spcPct val="100000"/>
+              </a:lnSpc>
+              <a:buClr>
+                <a:srgbClr val="000000"/>
+              </a:buClr>
+              <a:buFont typeface="Arial"/>
               <a:buChar char="•"/>
             </a:pPr>
             <a:r>
-              <a:rPr lang="de-CH" dirty="0" err="1" smtClean="0"/>
-              <a:t>Lessons</a:t>
+              <a:rPr b="0" lang="de-DE" sz="1800" spc="-1" strike="noStrike">
+                <a:solidFill>
+                  <a:srgbClr val="000000"/>
+                </a:solidFill>
+                <a:latin typeface="Arial"/>
+              </a:rPr>
+              <a:t>Lessons Learned</a:t>
             </a:r>
-            <a:r>
-              <a:rPr lang="de-CH" dirty="0" smtClean="0"/>
-              <a:t> </a:t>
-            </a:r>
-            <a:r>
-              <a:rPr lang="de-CH" dirty="0" err="1" smtClean="0"/>
-              <a:t>Learned</a:t>
-            </a:r>
-            <a:endParaRPr lang="de-CH" dirty="0" smtClean="0"/>
-          </a:p>
-          <a:p>
-            <a:pPr marL="342900" indent="-342900">
-              <a:buFont typeface="Arial" panose="020B0604020202020204" pitchFamily="34" charset="0"/>
+            <a:endParaRPr b="0" lang="de-DE" sz="1800" spc="-1" strike="noStrike">
+              <a:solidFill>
+                <a:srgbClr val="000000"/>
+              </a:solidFill>
+              <a:latin typeface="Arial"/>
+            </a:endParaRPr>
+          </a:p>
+          <a:p>
+            <a:pPr marL="343080" indent="-342720">
+              <a:lnSpc>
+                <a:spcPct val="100000"/>
+              </a:lnSpc>
+              <a:buClr>
+                <a:srgbClr val="000000"/>
+              </a:buClr>
+              <a:buFont typeface="Arial"/>
               <a:buChar char="•"/>
             </a:pPr>
             <a:r>
-              <a:rPr lang="de-CH" dirty="0" smtClean="0"/>
+              <a:rPr b="0" lang="de-DE" sz="1800" spc="-1" strike="noStrike">
+                <a:solidFill>
+                  <a:srgbClr val="000000"/>
+                </a:solidFill>
+                <a:latin typeface="Arial"/>
+              </a:rPr>
               <a:t>Fazit</a:t>
             </a:r>
-            <a:endParaRPr lang="de-CH" dirty="0"/>
+            <a:endParaRPr b="0" lang="de-DE" sz="1800" spc="-1" strike="noStrike">
+              <a:solidFill>
+                <a:srgbClr val="000000"/>
+              </a:solidFill>
+              <a:latin typeface="Arial"/>
+            </a:endParaRPr>
           </a:p>
         </p:txBody>
       </p:sp>
     </p:spTree>
-    <p:extLst>
-      <p:ext uri="{BB962C8B-B14F-4D97-AF65-F5344CB8AC3E}">
-        <p14:creationId xmlns:p14="http://schemas.microsoft.com/office/powerpoint/2010/main" val="3653735564"/>
-      </p:ext>
-    </p:extLst>
   </p:cSld>
-  <p:clrMapOvr>
-    <a:masterClrMapping/>
-  </p:clrMapOvr>
+  <mc:AlternateContent>
+    <mc:Choice Requires="p14">
+      <p:transition spd="slow" p14:dur="2000"/>
+    </mc:Choice>
+    <mc:Fallback>
+      <p:transition spd="slow"/>
+    </mc:Fallback>
+  </mc:AlternateContent>
   <p:timing>
     <p:tnLst>
       <p:par>
-        <p:cTn id="1" dur="indefinite" restart="never" nodeType="tmRoot"/>
+        <p:cTn id="3" dur="indefinite" restart="never" nodeType="tmRoot">
+          <p:childTnLst>
+            <p:seq>
+              <p:cTn id="4" dur="indefinite" nodeType="mainSeq"/>
+              <p:prevCondLst>
+                <p:cond delay="0" evt="onPrev">
+                  <p:tgtEl>
+                    <p:sldTgt/>
+                  </p:tgtEl>
+                </p:cond>
+              </p:prevCondLst>
+              <p:nextCondLst>
+                <p:cond delay="0" evt="onNext">
+                  <p:tgtEl>
+                    <p:sldTgt/>
+                  </p:tgtEl>
+                </p:cond>
+              </p:nextCondLst>
+            </p:seq>
+          </p:childTnLst>
+        </p:cTn>
       </p:par>
     </p:tnLst>
   </p:timing>
@@ -4225,7 +4307,7 @@
 </file>
 
 <file path=ppt/slides/slide3.xml><?xml version="1.0" encoding="utf-8"?>
-<p:sld xmlns:a="http://schemas.openxmlformats.org/drawingml/2006/main" xmlns:r="http://schemas.openxmlformats.org/officeDocument/2006/relationships" xmlns:p="http://schemas.openxmlformats.org/presentationml/2006/main">
+<p:sld xmlns:a="http://schemas.openxmlformats.org/drawingml/2006/main" xmlns:p="http://schemas.openxmlformats.org/presentationml/2006/main" xmlns:r="http://schemas.openxmlformats.org/officeDocument/2006/relationships" xmlns:p14="http://schemas.microsoft.com/office/powerpoint/2010/main" xmlns:p15="http://schemas.microsoft.com/office/powerpoint/2012/main" xmlns:mc="http://schemas.openxmlformats.org/markup-compatibility/2006">
   <p:cSld>
     <p:spTree>
       <p:nvGrpSpPr>
@@ -4243,14 +4325,14 @@
       </p:grpSpPr>
       <p:sp>
         <p:nvSpPr>
-          <p:cNvPr id="81" name="CustomShape 1"/>
+          <p:cNvPr id="83" name="CustomShape 1"/>
           <p:cNvSpPr/>
           <p:nvPr/>
         </p:nvSpPr>
         <p:spPr>
           <a:xfrm>
             <a:off x="504000" y="226080"/>
-            <a:ext cx="9071280" cy="946080"/>
+            <a:ext cx="9070920" cy="945720"/>
           </a:xfrm>
           <a:prstGeom prst="rect">
             <a:avLst/>
@@ -4261,28 +4343,22 @@
           </a:ln>
         </p:spPr>
         <p:style>
-          <a:lnRef idx="0">
-            <a:scrgbClr r="0" g="0" b="0"/>
-          </a:lnRef>
-          <a:fillRef idx="0">
-            <a:scrgbClr r="0" g="0" b="0"/>
-          </a:fillRef>
-          <a:effectRef idx="0">
-            <a:scrgbClr r="0" g="0" b="0"/>
-          </a:effectRef>
+          <a:lnRef idx="0"/>
+          <a:fillRef idx="0"/>
+          <a:effectRef idx="0"/>
           <a:fontRef idx="minor"/>
         </p:style>
       </p:sp>
       <p:sp>
         <p:nvSpPr>
-          <p:cNvPr id="82" name="CustomShape 2"/>
+          <p:cNvPr id="84" name="CustomShape 2"/>
           <p:cNvSpPr/>
           <p:nvPr/>
         </p:nvSpPr>
         <p:spPr>
           <a:xfrm>
             <a:off x="504000" y="1398600"/>
-            <a:ext cx="9071280" cy="3287880"/>
+            <a:ext cx="9070920" cy="3287520"/>
           </a:xfrm>
           <a:prstGeom prst="rect">
             <a:avLst/>
@@ -4293,28 +4369,22 @@
           </a:ln>
         </p:spPr>
         <p:style>
-          <a:lnRef idx="0">
-            <a:scrgbClr r="0" g="0" b="0"/>
-          </a:lnRef>
-          <a:fillRef idx="0">
-            <a:scrgbClr r="0" g="0" b="0"/>
-          </a:fillRef>
-          <a:effectRef idx="0">
-            <a:scrgbClr r="0" g="0" b="0"/>
-          </a:effectRef>
+          <a:lnRef idx="0"/>
+          <a:fillRef idx="0"/>
+          <a:effectRef idx="0"/>
           <a:fontRef idx="minor"/>
         </p:style>
       </p:sp>
       <p:sp>
         <p:nvSpPr>
-          <p:cNvPr id="83" name="TextShape 3"/>
-          <p:cNvSpPr txBox="1"/>
+          <p:cNvPr id="85" name="CustomShape 3"/>
+          <p:cNvSpPr/>
           <p:nvPr/>
         </p:nvSpPr>
         <p:spPr>
           <a:xfrm>
             <a:off x="453960" y="226080"/>
-            <a:ext cx="6261480" cy="346320"/>
+            <a:ext cx="6261120" cy="345960"/>
           </a:xfrm>
           <a:prstGeom prst="rect">
             <a:avLst/>
@@ -4324,22 +4394,62 @@
             <a:noFill/>
           </a:ln>
         </p:spPr>
-        <p:txBody>
-          <a:bodyPr lIns="90000" tIns="45000" rIns="90000" bIns="45000"/>
-          <a:lstStyle/>
-          <a:p>
+        <p:style>
+          <a:lnRef idx="0"/>
+          <a:fillRef idx="0"/>
+          <a:effectRef idx="0"/>
+          <a:fontRef idx="minor"/>
+        </p:style>
+        <p:txBody>
+          <a:bodyPr lIns="90000" rIns="90000" tIns="45000" bIns="45000"/>
+          <a:p>
+            <a:pPr>
+              <a:lnSpc>
+                <a:spcPct val="100000"/>
+              </a:lnSpc>
+            </a:pPr>
             <a:r>
-              <a:rPr lang="de-CH" sz="1800" b="0" strike="noStrike" spc="-1">
+              <a:rPr b="0" lang="de-CH" sz="1800" spc="-1" strike="noStrike">
+                <a:solidFill>
+                  <a:srgbClr val="000000"/>
+                </a:solidFill>
                 <a:latin typeface="Arial"/>
+                <a:ea typeface="DejaVu Sans"/>
               </a:rPr>
               <a:t>Luftqualität Kohlenstoffmonoxid / Stickstoffdioxid / Feinstaub</a:t>
             </a:r>
+            <a:endParaRPr b="0" lang="de-CH" sz="1800" spc="-1" strike="noStrike">
+              <a:latin typeface="Arial"/>
+            </a:endParaRPr>
           </a:p>
         </p:txBody>
       </p:sp>
       <p:pic>
         <p:nvPicPr>
-          <p:cNvPr id="84" name="Grafik 83"/>
+          <p:cNvPr id="86" name="Grafik 83" descr=""/>
+          <p:cNvPicPr/>
+          <p:nvPr/>
+        </p:nvPicPr>
+        <p:blipFill>
+          <a:blip r:embed="rId1"/>
+          <a:stretch/>
+        </p:blipFill>
+        <p:spPr>
+          <a:xfrm>
+            <a:off x="288000" y="972000"/>
+            <a:ext cx="3650040" cy="2098440"/>
+          </a:xfrm>
+          <a:prstGeom prst="rect">
+            <a:avLst/>
+          </a:prstGeom>
+          <a:ln>
+            <a:noFill/>
+          </a:ln>
+        </p:spPr>
+      </p:pic>
+      <p:pic>
+        <p:nvPicPr>
+          <p:cNvPr id="87" name="Grafik 84" descr=""/>
           <p:cNvPicPr/>
           <p:nvPr/>
         </p:nvPicPr>
@@ -4349,8 +4459,8 @@
         </p:blipFill>
         <p:spPr>
           <a:xfrm>
-            <a:off x="288000" y="972000"/>
-            <a:ext cx="3650400" cy="2098800"/>
+            <a:off x="288000" y="2973960"/>
+            <a:ext cx="3722040" cy="2209680"/>
           </a:xfrm>
           <a:prstGeom prst="rect">
             <a:avLst/>
@@ -4362,7 +4472,7 @@
       </p:pic>
       <p:pic>
         <p:nvPicPr>
-          <p:cNvPr id="85" name="Grafik 84"/>
+          <p:cNvPr id="88" name="Grafik 85" descr=""/>
           <p:cNvPicPr/>
           <p:nvPr/>
         </p:nvPicPr>
@@ -4372,8 +4482,8 @@
         </p:blipFill>
         <p:spPr>
           <a:xfrm>
-            <a:off x="288000" y="2973960"/>
-            <a:ext cx="3722400" cy="2210040"/>
+            <a:off x="3240000" y="936000"/>
+            <a:ext cx="3585600" cy="2087640"/>
           </a:xfrm>
           <a:prstGeom prst="rect">
             <a:avLst/>
@@ -4385,7 +4495,7 @@
       </p:pic>
       <p:pic>
         <p:nvPicPr>
-          <p:cNvPr id="86" name="Grafik 85"/>
+          <p:cNvPr id="89" name="Grafik 86" descr=""/>
           <p:cNvPicPr/>
           <p:nvPr/>
         </p:nvPicPr>
@@ -4395,8 +4505,8 @@
         </p:blipFill>
         <p:spPr>
           <a:xfrm>
-            <a:off x="3240000" y="936000"/>
-            <a:ext cx="3585960" cy="2088000"/>
+            <a:off x="3312000" y="3024000"/>
+            <a:ext cx="3611880" cy="2087640"/>
           </a:xfrm>
           <a:prstGeom prst="rect">
             <a:avLst/>
@@ -4408,7 +4518,7 @@
       </p:pic>
       <p:pic>
         <p:nvPicPr>
-          <p:cNvPr id="87" name="Grafik 86"/>
+          <p:cNvPr id="90" name="Grafik 87" descr=""/>
           <p:cNvPicPr/>
           <p:nvPr/>
         </p:nvPicPr>
@@ -4418,8 +4528,8 @@
         </p:blipFill>
         <p:spPr>
           <a:xfrm>
-            <a:off x="3312000" y="3024000"/>
-            <a:ext cx="3612240" cy="2088000"/>
+            <a:off x="6264000" y="864000"/>
+            <a:ext cx="3527640" cy="2112840"/>
           </a:xfrm>
           <a:prstGeom prst="rect">
             <a:avLst/>
@@ -4431,7 +4541,7 @@
       </p:pic>
       <p:pic>
         <p:nvPicPr>
-          <p:cNvPr id="88" name="Grafik 87"/>
+          <p:cNvPr id="91" name="Grafik 88" descr=""/>
           <p:cNvPicPr/>
           <p:nvPr/>
         </p:nvPicPr>
@@ -4441,8 +4551,8 @@
         </p:blipFill>
         <p:spPr>
           <a:xfrm>
-            <a:off x="6264000" y="864000"/>
-            <a:ext cx="3528000" cy="2113200"/>
+            <a:off x="6264000" y="2995200"/>
+            <a:ext cx="3660480" cy="2188440"/>
           </a:xfrm>
           <a:prstGeom prst="rect">
             <a:avLst/>
@@ -4452,39 +4562,16 @@
           </a:ln>
         </p:spPr>
       </p:pic>
-      <p:pic>
-        <p:nvPicPr>
-          <p:cNvPr id="89" name="Grafik 88"/>
-          <p:cNvPicPr/>
+      <p:sp>
+        <p:nvSpPr>
+          <p:cNvPr id="92" name="CustomShape 4"/>
+          <p:cNvSpPr/>
           <p:nvPr/>
-        </p:nvPicPr>
-        <p:blipFill>
-          <a:blip r:embed="rId7"/>
-          <a:stretch/>
-        </p:blipFill>
-        <p:spPr>
-          <a:xfrm>
-            <a:off x="6264000" y="2995200"/>
-            <a:ext cx="3660840" cy="2188800"/>
-          </a:xfrm>
-          <a:prstGeom prst="rect">
-            <a:avLst/>
-          </a:prstGeom>
-          <a:ln>
-            <a:noFill/>
-          </a:ln>
-        </p:spPr>
-      </p:pic>
-      <p:sp>
-        <p:nvSpPr>
-          <p:cNvPr id="90" name="TextShape 4"/>
-          <p:cNvSpPr txBox="1"/>
-          <p:nvPr/>
-        </p:nvSpPr>
-        <p:spPr>
-          <a:xfrm>
-            <a:off x="9000752" y="575999"/>
-            <a:ext cx="1007865" cy="3267387"/>
+        </p:nvSpPr>
+        <p:spPr>
+          <a:xfrm>
+            <a:off x="9000720" y="576000"/>
+            <a:ext cx="1007640" cy="3267000"/>
           </a:xfrm>
           <a:prstGeom prst="rect">
             <a:avLst/>
@@ -4494,107 +4581,182 @@
             <a:noFill/>
           </a:ln>
         </p:spPr>
-        <p:txBody>
-          <a:bodyPr lIns="90000" tIns="45000" rIns="90000" bIns="45000"/>
-          <a:lstStyle/>
-          <a:p>
+        <p:style>
+          <a:lnRef idx="0"/>
+          <a:fillRef idx="0"/>
+          <a:effectRef idx="0"/>
+          <a:fontRef idx="minor"/>
+        </p:style>
+        <p:txBody>
+          <a:bodyPr lIns="90000" rIns="90000" tIns="45000" bIns="45000"/>
+          <a:p>
+            <a:pPr>
+              <a:lnSpc>
+                <a:spcPct val="100000"/>
+              </a:lnSpc>
+            </a:pPr>
             <a:r>
-              <a:rPr lang="de-CH" sz="1800" b="0" strike="noStrike" spc="-1" dirty="0" smtClean="0">
+              <a:rPr b="0" lang="de-CH" sz="1800" spc="-1" strike="noStrike">
+                <a:solidFill>
+                  <a:srgbClr val="000000"/>
+                </a:solidFill>
                 <a:latin typeface="Arial"/>
+                <a:ea typeface="DejaVu Sans"/>
               </a:rPr>
               <a:t>Station:</a:t>
             </a:r>
-            <a:endParaRPr lang="de-CH" sz="1800" b="0" strike="noStrike" spc="-1" dirty="0">
-              <a:latin typeface="Arial"/>
-            </a:endParaRPr>
-          </a:p>
-          <a:p>
-            <a:endParaRPr lang="de-CH" sz="1800" b="0" strike="noStrike" spc="-1" dirty="0">
-              <a:latin typeface="Arial"/>
-            </a:endParaRPr>
-          </a:p>
-          <a:p>
+            <a:endParaRPr b="0" lang="de-CH" sz="1800" spc="-1" strike="noStrike">
+              <a:latin typeface="Arial"/>
+            </a:endParaRPr>
+          </a:p>
+          <a:p>
+            <a:pPr>
+              <a:lnSpc>
+                <a:spcPct val="100000"/>
+              </a:lnSpc>
+            </a:pPr>
+            <a:endParaRPr b="0" lang="de-CH" sz="1800" spc="-1" strike="noStrike">
+              <a:latin typeface="Arial"/>
+            </a:endParaRPr>
+          </a:p>
+          <a:p>
+            <a:pPr>
+              <a:lnSpc>
+                <a:spcPct val="100000"/>
+              </a:lnSpc>
+            </a:pPr>
             <a:r>
-              <a:rPr lang="de-CH" sz="1800" b="0" strike="noStrike" spc="-1" dirty="0">
+              <a:rPr b="0" lang="de-CH" sz="1800" spc="-1" strike="noStrike">
+                <a:solidFill>
+                  <a:srgbClr val="000000"/>
+                </a:solidFill>
                 <a:latin typeface="Arial"/>
+                <a:ea typeface="DejaVu Sans"/>
               </a:rPr>
               <a:t>07</a:t>
             </a:r>
-          </a:p>
-          <a:p>
-            <a:endParaRPr lang="de-CH" sz="1800" b="0" strike="noStrike" spc="-1" dirty="0">
-              <a:latin typeface="Arial"/>
-            </a:endParaRPr>
-          </a:p>
-          <a:p>
-            <a:endParaRPr lang="de-CH" sz="1800" b="0" strike="noStrike" spc="-1" dirty="0">
-              <a:latin typeface="Arial"/>
-            </a:endParaRPr>
-          </a:p>
-          <a:p>
-            <a:endParaRPr lang="de-CH" sz="1800" b="0" strike="noStrike" spc="-1" dirty="0">
-              <a:latin typeface="Arial"/>
-            </a:endParaRPr>
-          </a:p>
-          <a:p>
-            <a:endParaRPr lang="de-CH" sz="1800" b="0" strike="noStrike" spc="-1" dirty="0">
-              <a:latin typeface="Arial"/>
-            </a:endParaRPr>
-          </a:p>
-          <a:p>
-            <a:endParaRPr lang="de-CH" sz="1800" b="0" strike="noStrike" spc="-1" dirty="0">
-              <a:latin typeface="Arial"/>
-            </a:endParaRPr>
-          </a:p>
-          <a:p>
-            <a:endParaRPr lang="de-CH" sz="1800" b="0" strike="noStrike" spc="-1" dirty="0">
-              <a:latin typeface="Arial"/>
-            </a:endParaRPr>
-          </a:p>
-          <a:p>
-            <a:endParaRPr lang="de-CH" sz="1800" b="0" strike="noStrike" spc="-1" dirty="0">
-              <a:latin typeface="Arial"/>
-            </a:endParaRPr>
-          </a:p>
-          <a:p>
+            <a:endParaRPr b="0" lang="de-CH" sz="1800" spc="-1" strike="noStrike">
+              <a:latin typeface="Arial"/>
+            </a:endParaRPr>
+          </a:p>
+          <a:p>
+            <a:pPr>
+              <a:lnSpc>
+                <a:spcPct val="100000"/>
+              </a:lnSpc>
+            </a:pPr>
+            <a:endParaRPr b="0" lang="de-CH" sz="1800" spc="-1" strike="noStrike">
+              <a:latin typeface="Arial"/>
+            </a:endParaRPr>
+          </a:p>
+          <a:p>
+            <a:pPr>
+              <a:lnSpc>
+                <a:spcPct val="100000"/>
+              </a:lnSpc>
+            </a:pPr>
+            <a:endParaRPr b="0" lang="de-CH" sz="1800" spc="-1" strike="noStrike">
+              <a:latin typeface="Arial"/>
+            </a:endParaRPr>
+          </a:p>
+          <a:p>
+            <a:pPr>
+              <a:lnSpc>
+                <a:spcPct val="100000"/>
+              </a:lnSpc>
+            </a:pPr>
+            <a:endParaRPr b="0" lang="de-CH" sz="1800" spc="-1" strike="noStrike">
+              <a:latin typeface="Arial"/>
+            </a:endParaRPr>
+          </a:p>
+          <a:p>
+            <a:pPr>
+              <a:lnSpc>
+                <a:spcPct val="100000"/>
+              </a:lnSpc>
+            </a:pPr>
+            <a:endParaRPr b="0" lang="de-CH" sz="1800" spc="-1" strike="noStrike">
+              <a:latin typeface="Arial"/>
+            </a:endParaRPr>
+          </a:p>
+          <a:p>
+            <a:pPr>
+              <a:lnSpc>
+                <a:spcPct val="100000"/>
+              </a:lnSpc>
+            </a:pPr>
+            <a:endParaRPr b="0" lang="de-CH" sz="1800" spc="-1" strike="noStrike">
+              <a:latin typeface="Arial"/>
+            </a:endParaRPr>
+          </a:p>
+          <a:p>
+            <a:pPr>
+              <a:lnSpc>
+                <a:spcPct val="100000"/>
+              </a:lnSpc>
+            </a:pPr>
+            <a:endParaRPr b="0" lang="de-CH" sz="1800" spc="-1" strike="noStrike">
+              <a:latin typeface="Arial"/>
+            </a:endParaRPr>
+          </a:p>
+          <a:p>
+            <a:pPr>
+              <a:lnSpc>
+                <a:spcPct val="100000"/>
+              </a:lnSpc>
+            </a:pPr>
+            <a:endParaRPr b="0" lang="de-CH" sz="1800" spc="-1" strike="noStrike">
+              <a:latin typeface="Arial"/>
+            </a:endParaRPr>
+          </a:p>
+          <a:p>
+            <a:pPr>
+              <a:lnSpc>
+                <a:spcPct val="100000"/>
+              </a:lnSpc>
+            </a:pPr>
             <a:r>
-              <a:rPr lang="de-CH" sz="1800" b="0" strike="noStrike" spc="-1" dirty="0">
+              <a:rPr b="0" lang="de-CH" sz="1800" spc="-1" strike="noStrike">
+                <a:solidFill>
+                  <a:srgbClr val="000000"/>
+                </a:solidFill>
                 <a:latin typeface="Arial"/>
+                <a:ea typeface="DejaVu Sans"/>
               </a:rPr>
               <a:t>36</a:t>
             </a:r>
+            <a:endParaRPr b="0" lang="de-CH" sz="1800" spc="-1" strike="noStrike">
+              <a:latin typeface="Arial"/>
+            </a:endParaRPr>
           </a:p>
         </p:txBody>
       </p:sp>
     </p:spTree>
   </p:cSld>
-  <p:clrMapOvr>
-    <a:masterClrMapping/>
-  </p:clrMapOvr>
-  <mc:AlternateContent xmlns:mc="http://schemas.openxmlformats.org/markup-compatibility/2006" xmlns:p14="http://schemas.microsoft.com/office/powerpoint/2010/main">
+  <mc:AlternateContent>
     <mc:Choice Requires="p14">
       <p:transition spd="slow" p14:dur="2000"/>
     </mc:Choice>
-    <mc:Fallback xmlns:p15="http://schemas.microsoft.com/office/powerpoint/2012/main" xmlns="">
+    <mc:Fallback>
       <p:transition spd="slow"/>
     </mc:Fallback>
   </mc:AlternateContent>
   <p:timing>
     <p:tnLst>
       <p:par>
-        <p:cTn id="1" dur="indefinite" restart="never" nodeType="tmRoot">
+        <p:cTn id="5" dur="indefinite" restart="never" nodeType="tmRoot">
           <p:childTnLst>
             <p:seq>
-              <p:cTn id="2" dur="indefinite" nodeType="mainSeq"/>
+              <p:cTn id="6" dur="indefinite" nodeType="mainSeq"/>
               <p:prevCondLst>
-                <p:cond evt="onPrev" delay="0">
+                <p:cond delay="0" evt="onPrev">
                   <p:tgtEl>
                     <p:sldTgt/>
                   </p:tgtEl>
                 </p:cond>
               </p:prevCondLst>
               <p:nextCondLst>
-                <p:cond evt="onNext" delay="0">
+                <p:cond delay="0" evt="onNext">
                   <p:tgtEl>
                     <p:sldTgt/>
                   </p:tgtEl>
@@ -4610,7 +4772,7 @@
 </file>
 
 <file path=ppt/slides/slide4.xml><?xml version="1.0" encoding="utf-8"?>
-<p:sld xmlns:a="http://schemas.openxmlformats.org/drawingml/2006/main" xmlns:r="http://schemas.openxmlformats.org/officeDocument/2006/relationships" xmlns:p="http://schemas.openxmlformats.org/presentationml/2006/main">
+<p:sld xmlns:a="http://schemas.openxmlformats.org/drawingml/2006/main" xmlns:p="http://schemas.openxmlformats.org/presentationml/2006/main" xmlns:r="http://schemas.openxmlformats.org/officeDocument/2006/relationships" xmlns:p14="http://schemas.microsoft.com/office/powerpoint/2010/main" xmlns:p15="http://schemas.microsoft.com/office/powerpoint/2012/main" xmlns:mc="http://schemas.openxmlformats.org/markup-compatibility/2006">
   <p:cSld>
     <p:spTree>
       <p:nvGrpSpPr>
@@ -4628,14 +4790,14 @@
       </p:grpSpPr>
       <p:sp>
         <p:nvSpPr>
-          <p:cNvPr id="91" name="TextShape 1"/>
-          <p:cNvSpPr txBox="1"/>
+          <p:cNvPr id="93" name="CustomShape 1"/>
+          <p:cNvSpPr/>
           <p:nvPr/>
         </p:nvSpPr>
         <p:spPr>
           <a:xfrm>
             <a:off x="504000" y="226080"/>
-            <a:ext cx="9071280" cy="946080"/>
+            <a:ext cx="9070920" cy="945720"/>
           </a:xfrm>
           <a:prstGeom prst="rect">
             <a:avLst/>
@@ -4645,36 +4807,74 @@
             <a:noFill/>
           </a:ln>
         </p:spPr>
-        <p:txBody>
-          <a:bodyPr lIns="0" tIns="0" rIns="0" bIns="0" anchor="ctr"/>
-          <a:lstStyle/>
-          <a:p>
+        <p:style>
+          <a:lnRef idx="0"/>
+          <a:fillRef idx="0"/>
+          <a:effectRef idx="0"/>
+          <a:fontRef idx="minor"/>
+        </p:style>
+        <p:txBody>
+          <a:bodyPr lIns="0" rIns="0" tIns="0" bIns="0" anchor="ctr"/>
+          <a:p>
+            <a:pPr>
+              <a:lnSpc>
+                <a:spcPct val="100000"/>
+              </a:lnSpc>
+            </a:pPr>
             <a:r>
-              <a:rPr lang="en-US" sz="1800" b="0" strike="noStrike" spc="-1">
+              <a:rPr b="0" lang="de-CH" sz="1800" spc="-1" strike="noStrike">
                 <a:solidFill>
                   <a:srgbClr val="000000"/>
                 </a:solidFill>
                 <a:latin typeface="Arial"/>
+                <a:ea typeface="DejaVu Sans"/>
               </a:rPr>
               <a:t>Kohlenstoffmonoxid und Feinstaub aller Stationen</a:t>
             </a:r>
+            <a:endParaRPr b="0" lang="de-CH" sz="1800" spc="-1" strike="noStrike">
+              <a:latin typeface="Arial"/>
+            </a:endParaRPr>
           </a:p>
         </p:txBody>
       </p:sp>
       <p:pic>
         <p:nvPicPr>
-          <p:cNvPr id="92" name="Grafik 91"/>
+          <p:cNvPr id="94" name="Grafik 91" descr=""/>
+          <p:cNvPicPr/>
+          <p:nvPr/>
+        </p:nvPicPr>
+        <p:blipFill>
+          <a:blip r:embed="rId1"/>
+          <a:stretch/>
+        </p:blipFill>
+        <p:spPr>
+          <a:xfrm>
+            <a:off x="165600" y="1172160"/>
+            <a:ext cx="6386040" cy="3605040"/>
+          </a:xfrm>
+          <a:prstGeom prst="rect">
+            <a:avLst/>
+          </a:prstGeom>
+          <a:ln>
+            <a:noFill/>
+          </a:ln>
+        </p:spPr>
+      </p:pic>
+      <p:pic>
+        <p:nvPicPr>
+          <p:cNvPr id="95" name="Grafik 92" descr=""/>
           <p:cNvPicPr/>
           <p:nvPr/>
         </p:nvPicPr>
         <p:blipFill>
           <a:blip r:embed="rId2"/>
+          <a:srcRect l="0" t="0" r="18832" b="0"/>
           <a:stretch/>
         </p:blipFill>
         <p:spPr>
           <a:xfrm>
-            <a:off x="165600" y="1172160"/>
-            <a:ext cx="6386400" cy="3605400"/>
+            <a:off x="4941000" y="1224000"/>
+            <a:ext cx="5090400" cy="3527640"/>
           </a:xfrm>
           <a:prstGeom prst="rect">
             <a:avLst/>
@@ -4684,59 +4884,32 @@
           </a:ln>
         </p:spPr>
       </p:pic>
-      <p:pic>
-        <p:nvPicPr>
-          <p:cNvPr id="93" name="Grafik 92"/>
-          <p:cNvPicPr/>
-          <p:nvPr/>
-        </p:nvPicPr>
-        <p:blipFill>
-          <a:blip r:embed="rId3"/>
-          <a:srcRect r="18832"/>
-          <a:stretch/>
-        </p:blipFill>
-        <p:spPr>
-          <a:xfrm>
-            <a:off x="4941000" y="1224000"/>
-            <a:ext cx="5090760" cy="3528000"/>
-          </a:xfrm>
-          <a:prstGeom prst="rect">
-            <a:avLst/>
-          </a:prstGeom>
-          <a:ln>
-            <a:noFill/>
-          </a:ln>
-        </p:spPr>
-      </p:pic>
     </p:spTree>
   </p:cSld>
-  <p:clrMapOvr>
-    <a:masterClrMapping/>
-  </p:clrMapOvr>
-  <mc:AlternateContent xmlns:mc="http://schemas.openxmlformats.org/markup-compatibility/2006" xmlns:p14="http://schemas.microsoft.com/office/powerpoint/2010/main">
+  <mc:AlternateContent>
     <mc:Choice Requires="p14">
       <p:transition spd="slow" p14:dur="2000"/>
     </mc:Choice>
-    <mc:Fallback xmlns:p15="http://schemas.microsoft.com/office/powerpoint/2012/main" xmlns="">
+    <mc:Fallback>
       <p:transition spd="slow"/>
     </mc:Fallback>
   </mc:AlternateContent>
   <p:timing>
     <p:tnLst>
       <p:par>
-        <p:cTn id="1" dur="indefinite" restart="never" nodeType="tmRoot">
+        <p:cTn id="7" dur="indefinite" restart="never" nodeType="tmRoot">
           <p:childTnLst>
             <p:seq>
-              <p:cTn id="2" dur="indefinite" nodeType="mainSeq"/>
+              <p:cTn id="8" dur="indefinite" nodeType="mainSeq"/>
               <p:prevCondLst>
-                <p:cond evt="onPrev" delay="0">
+                <p:cond delay="0" evt="onPrev">
                   <p:tgtEl>
                     <p:sldTgt/>
                   </p:tgtEl>
                 </p:cond>
               </p:prevCondLst>
               <p:nextCondLst>
-                <p:cond evt="onNext" delay="0">
+                <p:cond delay="0" evt="onNext">
                   <p:tgtEl>
                     <p:sldTgt/>
                   </p:tgtEl>
@@ -4751,6 +4924,294 @@
 </p:sld>
 </file>
 
+<file path=ppt/slides/slide5.xml><?xml version="1.0" encoding="utf-8"?>
+<p:sld xmlns:a="http://schemas.openxmlformats.org/drawingml/2006/main" xmlns:p="http://schemas.openxmlformats.org/presentationml/2006/main" xmlns:r="http://schemas.openxmlformats.org/officeDocument/2006/relationships" xmlns:p14="http://schemas.microsoft.com/office/powerpoint/2010/main" xmlns:p15="http://schemas.microsoft.com/office/powerpoint/2012/main" xmlns:mc="http://schemas.openxmlformats.org/markup-compatibility/2006">
+  <p:cSld>
+    <p:spTree>
+      <p:nvGrpSpPr>
+        <p:cNvPr id="1" name=""/>
+        <p:cNvGrpSpPr/>
+        <p:nvPr/>
+      </p:nvGrpSpPr>
+      <p:grpSpPr>
+        <a:xfrm>
+          <a:off x="0" y="0"/>
+          <a:ext cx="0" cy="0"/>
+          <a:chOff x="0" y="0"/>
+          <a:chExt cx="0" cy="0"/>
+        </a:xfrm>
+      </p:grpSpPr>
+      <p:pic>
+        <p:nvPicPr>
+          <p:cNvPr id="96" name="" descr=""/>
+          <p:cNvPicPr/>
+          <p:nvPr/>
+        </p:nvPicPr>
+        <p:blipFill>
+          <a:blip r:embed="rId1"/>
+          <a:srcRect l="24140" t="26285" r="25147" b="7262"/>
+          <a:stretch/>
+        </p:blipFill>
+        <p:spPr>
+          <a:xfrm>
+            <a:off x="72000" y="828360"/>
+            <a:ext cx="5111640" cy="3743640"/>
+          </a:xfrm>
+          <a:prstGeom prst="rect">
+            <a:avLst/>
+          </a:prstGeom>
+          <a:ln>
+            <a:noFill/>
+          </a:ln>
+        </p:spPr>
+      </p:pic>
+      <p:pic>
+        <p:nvPicPr>
+          <p:cNvPr id="97" name="" descr=""/>
+          <p:cNvPicPr/>
+          <p:nvPr/>
+        </p:nvPicPr>
+        <p:blipFill>
+          <a:blip r:embed="rId2"/>
+          <a:srcRect l="24140" t="19897" r="25147" b="13649"/>
+          <a:stretch/>
+        </p:blipFill>
+        <p:spPr>
+          <a:xfrm>
+            <a:off x="4860000" y="936000"/>
+            <a:ext cx="5111640" cy="3743640"/>
+          </a:xfrm>
+          <a:prstGeom prst="rect">
+            <a:avLst/>
+          </a:prstGeom>
+          <a:ln>
+            <a:noFill/>
+          </a:ln>
+        </p:spPr>
+      </p:pic>
+    </p:spTree>
+  </p:cSld>
+  <mc:AlternateContent>
+    <mc:Choice Requires="p14">
+      <p:transition spd="slow" p14:dur="2000"/>
+    </mc:Choice>
+    <mc:Fallback>
+      <p:transition spd="slow"/>
+    </mc:Fallback>
+  </mc:AlternateContent>
+  <p:timing>
+    <p:tnLst>
+      <p:par>
+        <p:cTn id="9" dur="indefinite" restart="never" nodeType="tmRoot">
+          <p:childTnLst>
+            <p:seq>
+              <p:cTn id="10" dur="indefinite" nodeType="mainSeq"/>
+              <p:prevCondLst>
+                <p:cond delay="0" evt="onPrev">
+                  <p:tgtEl>
+                    <p:sldTgt/>
+                  </p:tgtEl>
+                </p:cond>
+              </p:prevCondLst>
+              <p:nextCondLst>
+                <p:cond delay="0" evt="onNext">
+                  <p:tgtEl>
+                    <p:sldTgt/>
+                  </p:tgtEl>
+                </p:cond>
+              </p:nextCondLst>
+            </p:seq>
+          </p:childTnLst>
+        </p:cTn>
+      </p:par>
+    </p:tnLst>
+  </p:timing>
+</p:sld>
+</file>
+
+<file path=ppt/slides/slide6.xml><?xml version="1.0" encoding="utf-8"?>
+<p:sld xmlns:a="http://schemas.openxmlformats.org/drawingml/2006/main" xmlns:p="http://schemas.openxmlformats.org/presentationml/2006/main" xmlns:r="http://schemas.openxmlformats.org/officeDocument/2006/relationships" xmlns:p14="http://schemas.microsoft.com/office/powerpoint/2010/main" xmlns:p15="http://schemas.microsoft.com/office/powerpoint/2012/main" xmlns:mc="http://schemas.openxmlformats.org/markup-compatibility/2006">
+  <p:cSld>
+    <p:spTree>
+      <p:nvGrpSpPr>
+        <p:cNvPr id="1" name=""/>
+        <p:cNvGrpSpPr/>
+        <p:nvPr/>
+      </p:nvGrpSpPr>
+      <p:grpSpPr>
+        <a:xfrm>
+          <a:off x="0" y="0"/>
+          <a:ext cx="0" cy="0"/>
+          <a:chOff x="0" y="0"/>
+          <a:chExt cx="0" cy="0"/>
+        </a:xfrm>
+      </p:grpSpPr>
+      <p:pic>
+        <p:nvPicPr>
+          <p:cNvPr id="98" name="" descr=""/>
+          <p:cNvPicPr/>
+          <p:nvPr/>
+        </p:nvPicPr>
+        <p:blipFill>
+          <a:blip r:embed="rId1"/>
+          <a:srcRect l="24140" t="21354" r="27288" b="17692"/>
+          <a:stretch/>
+        </p:blipFill>
+        <p:spPr>
+          <a:xfrm>
+            <a:off x="216000" y="1152360"/>
+            <a:ext cx="4895640" cy="3455640"/>
+          </a:xfrm>
+          <a:prstGeom prst="rect">
+            <a:avLst/>
+          </a:prstGeom>
+          <a:ln>
+            <a:noFill/>
+          </a:ln>
+        </p:spPr>
+      </p:pic>
+      <p:pic>
+        <p:nvPicPr>
+          <p:cNvPr id="99" name="" descr=""/>
+          <p:cNvPicPr/>
+          <p:nvPr/>
+        </p:nvPicPr>
+        <p:blipFill>
+          <a:blip r:embed="rId2"/>
+          <a:srcRect l="24853" t="20090" r="26575" b="18960"/>
+          <a:stretch/>
+        </p:blipFill>
+        <p:spPr>
+          <a:xfrm>
+            <a:off x="4896000" y="1152000"/>
+            <a:ext cx="4895640" cy="3455280"/>
+          </a:xfrm>
+          <a:prstGeom prst="rect">
+            <a:avLst/>
+          </a:prstGeom>
+          <a:ln>
+            <a:noFill/>
+          </a:ln>
+        </p:spPr>
+      </p:pic>
+    </p:spTree>
+  </p:cSld>
+  <mc:AlternateContent>
+    <mc:Choice Requires="p14">
+      <p:transition spd="slow" p14:dur="2000"/>
+    </mc:Choice>
+    <mc:Fallback>
+      <p:transition spd="slow"/>
+    </mc:Fallback>
+  </mc:AlternateContent>
+  <p:timing>
+    <p:tnLst>
+      <p:par>
+        <p:cTn id="11" dur="indefinite" restart="never" nodeType="tmRoot">
+          <p:childTnLst>
+            <p:seq>
+              <p:cTn id="12" dur="indefinite" nodeType="mainSeq"/>
+              <p:prevCondLst>
+                <p:cond delay="0" evt="onPrev">
+                  <p:tgtEl>
+                    <p:sldTgt/>
+                  </p:tgtEl>
+                </p:cond>
+              </p:prevCondLst>
+              <p:nextCondLst>
+                <p:cond delay="0" evt="onNext">
+                  <p:tgtEl>
+                    <p:sldTgt/>
+                  </p:tgtEl>
+                </p:cond>
+              </p:nextCondLst>
+            </p:seq>
+          </p:childTnLst>
+        </p:cTn>
+      </p:par>
+    </p:tnLst>
+  </p:timing>
+</p:sld>
+</file>
+
+<file path=ppt/slides/slide7.xml><?xml version="1.0" encoding="utf-8"?>
+<p:sld xmlns:a="http://schemas.openxmlformats.org/drawingml/2006/main" xmlns:p="http://schemas.openxmlformats.org/presentationml/2006/main" xmlns:r="http://schemas.openxmlformats.org/officeDocument/2006/relationships" xmlns:p14="http://schemas.microsoft.com/office/powerpoint/2010/main" xmlns:p15="http://schemas.microsoft.com/office/powerpoint/2012/main" xmlns:mc="http://schemas.openxmlformats.org/markup-compatibility/2006">
+  <p:cSld>
+    <p:spTree>
+      <p:nvGrpSpPr>
+        <p:cNvPr id="1" name=""/>
+        <p:cNvGrpSpPr/>
+        <p:nvPr/>
+      </p:nvGrpSpPr>
+      <p:grpSpPr>
+        <a:xfrm>
+          <a:off x="0" y="0"/>
+          <a:ext cx="0" cy="0"/>
+          <a:chOff x="0" y="0"/>
+          <a:chExt cx="0" cy="0"/>
+        </a:xfrm>
+      </p:grpSpPr>
+      <p:pic>
+        <p:nvPicPr>
+          <p:cNvPr id="100" name="" descr=""/>
+          <p:cNvPicPr/>
+          <p:nvPr/>
+        </p:nvPicPr>
+        <p:blipFill>
+          <a:blip r:embed="rId1"/>
+          <a:srcRect l="24853" t="25163" r="26575" b="13883"/>
+          <a:stretch/>
+        </p:blipFill>
+        <p:spPr>
+          <a:xfrm>
+            <a:off x="216360" y="1224360"/>
+            <a:ext cx="4997520" cy="3527640"/>
+          </a:xfrm>
+          <a:prstGeom prst="rect">
+            <a:avLst/>
+          </a:prstGeom>
+          <a:ln>
+            <a:noFill/>
+          </a:ln>
+        </p:spPr>
+      </p:pic>
+      <p:pic>
+        <p:nvPicPr>
+          <p:cNvPr id="101" name="" descr=""/>
+          <p:cNvPicPr/>
+          <p:nvPr/>
+        </p:nvPicPr>
+        <p:blipFill>
+          <a:blip r:embed="rId2"/>
+          <a:srcRect l="24140" t="28844" r="23717" b="5982"/>
+          <a:stretch/>
+        </p:blipFill>
+        <p:spPr>
+          <a:xfrm>
+            <a:off x="4860000" y="1224000"/>
+            <a:ext cx="5255640" cy="3671640"/>
+          </a:xfrm>
+          <a:prstGeom prst="rect">
+            <a:avLst/>
+          </a:prstGeom>
+          <a:ln>
+            <a:noFill/>
+          </a:ln>
+        </p:spPr>
+      </p:pic>
+    </p:spTree>
+  </p:cSld>
+  <mc:AlternateContent>
+    <mc:Choice Requires="p14">
+      <p:transition spd="slow" p14:dur="2000"/>
+    </mc:Choice>
+    <mc:Fallback>
+      <p:transition spd="slow"/>
+    </mc:Fallback>
+  </mc:AlternateContent>
+</p:sld>
+</file>
+
 <file path=ppt/theme/theme1.xml><?xml version="1.0" encoding="utf-8"?>
 <a:theme xmlns:a="http://schemas.openxmlformats.org/drawingml/2006/main" name="Office Theme">
   <a:themeElements>
@@ -4762,31 +5223,31 @@
         <a:sysClr val="window" lastClr="FFFFFF"/>
       </a:lt1>
       <a:dk2>
-        <a:srgbClr val="1F497D"/>
+        <a:srgbClr val="1f497d"/>
       </a:dk2>
       <a:lt2>
-        <a:srgbClr val="EEECE1"/>
+        <a:srgbClr val="eeece1"/>
       </a:lt2>
       <a:accent1>
-        <a:srgbClr val="4F81BD"/>
+        <a:srgbClr val="4f81bd"/>
       </a:accent1>
       <a:accent2>
-        <a:srgbClr val="C0504D"/>
+        <a:srgbClr val="c0504d"/>
       </a:accent2>
       <a:accent3>
-        <a:srgbClr val="9BBB59"/>
+        <a:srgbClr val="9bbb59"/>
       </a:accent3>
       <a:accent4>
-        <a:srgbClr val="8064A2"/>
+        <a:srgbClr val="8064a2"/>
       </a:accent4>
       <a:accent5>
-        <a:srgbClr val="4BACC6"/>
+        <a:srgbClr val="4bacc6"/>
       </a:accent5>
       <a:accent6>
-        <a:srgbClr val="F79646"/>
+        <a:srgbClr val="f79646"/>
       </a:accent6>
       <a:hlink>
-        <a:srgbClr val="0000FF"/>
+        <a:srgbClr val="0000ff"/>
       </a:hlink>
       <a:folHlink>
         <a:srgbClr val="800080"/>
@@ -4971,8 +5432,6 @@
       </a:bgFillStyleLst>
     </a:fmtScheme>
   </a:themeElements>
-  <a:objectDefaults/>
-  <a:extraClrSchemeLst/>
 </a:theme>
 </file>
 
@@ -4987,31 +5446,31 @@
         <a:sysClr val="window" lastClr="FFFFFF"/>
       </a:lt1>
       <a:dk2>
-        <a:srgbClr val="1F497D"/>
+        <a:srgbClr val="1f497d"/>
       </a:dk2>
       <a:lt2>
-        <a:srgbClr val="EEECE1"/>
+        <a:srgbClr val="eeece1"/>
       </a:lt2>
       <a:accent1>
-        <a:srgbClr val="4F81BD"/>
+        <a:srgbClr val="4f81bd"/>
       </a:accent1>
       <a:accent2>
-        <a:srgbClr val="C0504D"/>
+        <a:srgbClr val="c0504d"/>
       </a:accent2>
       <a:accent3>
-        <a:srgbClr val="9BBB59"/>
+        <a:srgbClr val="9bbb59"/>
       </a:accent3>
       <a:accent4>
-        <a:srgbClr val="8064A2"/>
+        <a:srgbClr val="8064a2"/>
       </a:accent4>
       <a:accent5>
-        <a:srgbClr val="4BACC6"/>
+        <a:srgbClr val="4bacc6"/>
       </a:accent5>
       <a:accent6>
-        <a:srgbClr val="F79646"/>
+        <a:srgbClr val="f79646"/>
       </a:accent6>
       <a:hlink>
-        <a:srgbClr val="0000FF"/>
+        <a:srgbClr val="0000ff"/>
       </a:hlink>
       <a:folHlink>
         <a:srgbClr val="800080"/>
@@ -5196,7 +5655,5 @@
       </a:bgFillStyleLst>
     </a:fmtScheme>
   </a:themeElements>
-  <a:objectDefaults/>
-  <a:extraClrSchemeLst/>
 </a:theme>
 </file>
--- a/IE_BigData_Madrid.pptx
+++ b/IE_BigData_Madrid.pptx
@@ -1,26 +1,124 @@
 
 <file path=ppt/presentation.xml><?xml version="1.0" encoding="utf-8"?>
-<p:presentation xmlns:a="http://schemas.openxmlformats.org/drawingml/2006/main" xmlns:p="http://schemas.openxmlformats.org/presentationml/2006/main" xmlns:r="http://schemas.openxmlformats.org/officeDocument/2006/relationships" xmlns:p14="http://schemas.microsoft.com/office/powerpoint/2010/main" xmlns:p15="http://schemas.microsoft.com/office/powerpoint/2012/main" xmlns:mc="http://schemas.openxmlformats.org/markup-compatibility/2006">
+<p:presentation xmlns:a="http://schemas.openxmlformats.org/drawingml/2006/main" xmlns:r="http://schemas.openxmlformats.org/officeDocument/2006/relationships" xmlns:p="http://schemas.openxmlformats.org/presentationml/2006/main">
   <p:sldMasterIdLst>
-    <p:sldMasterId id="2147483648" r:id="rId2"/>
-    <p:sldMasterId id="2147483661" r:id="rId3"/>
+    <p:sldMasterId id="2147483648" r:id="rId1"/>
+    <p:sldMasterId id="2147483661" r:id="rId2"/>
   </p:sldMasterIdLst>
   <p:sldIdLst>
-    <p:sldId id="256" r:id="rId4"/>
-    <p:sldId id="257" r:id="rId5"/>
+    <p:sldId id="256" r:id="rId3"/>
+    <p:sldId id="263" r:id="rId4"/>
+    <p:sldId id="264" r:id="rId5"/>
     <p:sldId id="258" r:id="rId6"/>
-    <p:sldId id="259" r:id="rId7"/>
-    <p:sldId id="260" r:id="rId8"/>
-    <p:sldId id="261" r:id="rId9"/>
-    <p:sldId id="262" r:id="rId10"/>
+    <p:sldId id="265" r:id="rId7"/>
+    <p:sldId id="259" r:id="rId8"/>
+    <p:sldId id="269" r:id="rId9"/>
+    <p:sldId id="266" r:id="rId10"/>
+    <p:sldId id="267" r:id="rId11"/>
+    <p:sldId id="268" r:id="rId12"/>
   </p:sldIdLst>
   <p:sldSz cx="10080625" cy="5670550"/>
-  <p:notesSz cx="7559675" cy="10691812"/>
+  <p:notesSz cx="7559675" cy="10691813"/>
+  <p:defaultTextStyle>
+    <a:defPPr>
+      <a:defRPr lang="de-DE"/>
+    </a:defPPr>
+    <a:lvl1pPr marL="0" algn="l" defTabSz="914400" rtl="0" eaLnBrk="1" latinLnBrk="0" hangingPunct="1">
+      <a:defRPr sz="1800" kern="1200">
+        <a:solidFill>
+          <a:schemeClr val="tx1"/>
+        </a:solidFill>
+        <a:latin typeface="+mn-lt"/>
+        <a:ea typeface="+mn-ea"/>
+        <a:cs typeface="+mn-cs"/>
+      </a:defRPr>
+    </a:lvl1pPr>
+    <a:lvl2pPr marL="457200" algn="l" defTabSz="914400" rtl="0" eaLnBrk="1" latinLnBrk="0" hangingPunct="1">
+      <a:defRPr sz="1800" kern="1200">
+        <a:solidFill>
+          <a:schemeClr val="tx1"/>
+        </a:solidFill>
+        <a:latin typeface="+mn-lt"/>
+        <a:ea typeface="+mn-ea"/>
+        <a:cs typeface="+mn-cs"/>
+      </a:defRPr>
+    </a:lvl2pPr>
+    <a:lvl3pPr marL="914400" algn="l" defTabSz="914400" rtl="0" eaLnBrk="1" latinLnBrk="0" hangingPunct="1">
+      <a:defRPr sz="1800" kern="1200">
+        <a:solidFill>
+          <a:schemeClr val="tx1"/>
+        </a:solidFill>
+        <a:latin typeface="+mn-lt"/>
+        <a:ea typeface="+mn-ea"/>
+        <a:cs typeface="+mn-cs"/>
+      </a:defRPr>
+    </a:lvl3pPr>
+    <a:lvl4pPr marL="1371600" algn="l" defTabSz="914400" rtl="0" eaLnBrk="1" latinLnBrk="0" hangingPunct="1">
+      <a:defRPr sz="1800" kern="1200">
+        <a:solidFill>
+          <a:schemeClr val="tx1"/>
+        </a:solidFill>
+        <a:latin typeface="+mn-lt"/>
+        <a:ea typeface="+mn-ea"/>
+        <a:cs typeface="+mn-cs"/>
+      </a:defRPr>
+    </a:lvl4pPr>
+    <a:lvl5pPr marL="1828800" algn="l" defTabSz="914400" rtl="0" eaLnBrk="1" latinLnBrk="0" hangingPunct="1">
+      <a:defRPr sz="1800" kern="1200">
+        <a:solidFill>
+          <a:schemeClr val="tx1"/>
+        </a:solidFill>
+        <a:latin typeface="+mn-lt"/>
+        <a:ea typeface="+mn-ea"/>
+        <a:cs typeface="+mn-cs"/>
+      </a:defRPr>
+    </a:lvl5pPr>
+    <a:lvl6pPr marL="2286000" algn="l" defTabSz="914400" rtl="0" eaLnBrk="1" latinLnBrk="0" hangingPunct="1">
+      <a:defRPr sz="1800" kern="1200">
+        <a:solidFill>
+          <a:schemeClr val="tx1"/>
+        </a:solidFill>
+        <a:latin typeface="+mn-lt"/>
+        <a:ea typeface="+mn-ea"/>
+        <a:cs typeface="+mn-cs"/>
+      </a:defRPr>
+    </a:lvl6pPr>
+    <a:lvl7pPr marL="2743200" algn="l" defTabSz="914400" rtl="0" eaLnBrk="1" latinLnBrk="0" hangingPunct="1">
+      <a:defRPr sz="1800" kern="1200">
+        <a:solidFill>
+          <a:schemeClr val="tx1"/>
+        </a:solidFill>
+        <a:latin typeface="+mn-lt"/>
+        <a:ea typeface="+mn-ea"/>
+        <a:cs typeface="+mn-cs"/>
+      </a:defRPr>
+    </a:lvl7pPr>
+    <a:lvl8pPr marL="3200400" algn="l" defTabSz="914400" rtl="0" eaLnBrk="1" latinLnBrk="0" hangingPunct="1">
+      <a:defRPr sz="1800" kern="1200">
+        <a:solidFill>
+          <a:schemeClr val="tx1"/>
+        </a:solidFill>
+        <a:latin typeface="+mn-lt"/>
+        <a:ea typeface="+mn-ea"/>
+        <a:cs typeface="+mn-cs"/>
+      </a:defRPr>
+    </a:lvl8pPr>
+    <a:lvl9pPr marL="3657600" algn="l" defTabSz="914400" rtl="0" eaLnBrk="1" latinLnBrk="0" hangingPunct="1">
+      <a:defRPr sz="1800" kern="1200">
+        <a:solidFill>
+          <a:schemeClr val="tx1"/>
+        </a:solidFill>
+        <a:latin typeface="+mn-lt"/>
+        <a:ea typeface="+mn-ea"/>
+        <a:cs typeface="+mn-cs"/>
+      </a:defRPr>
+    </a:lvl9pPr>
+  </p:defaultTextStyle>
 </p:presentation>
 </file>
 
 <file path=ppt/slideLayouts/slideLayout1.xml><?xml version="1.0" encoding="utf-8"?>
-<p:sldLayout xmlns:a="http://schemas.openxmlformats.org/drawingml/2006/main" xmlns:p="http://schemas.openxmlformats.org/presentationml/2006/main" xmlns:r="http://schemas.openxmlformats.org/officeDocument/2006/relationships" xmlns:p14="http://schemas.microsoft.com/office/powerpoint/2010/main" xmlns:p15="http://schemas.microsoft.com/office/powerpoint/2012/main" xmlns:mc="http://schemas.openxmlformats.org/markup-compatibility/2006" type="blank" preserve="1">
+<p:sldLayout xmlns:a="http://schemas.openxmlformats.org/drawingml/2006/main" xmlns:r="http://schemas.openxmlformats.org/officeDocument/2006/relationships" xmlns:p="http://schemas.openxmlformats.org/presentationml/2006/main" type="blank" preserve="1">
   <p:cSld name="Blank Slide">
     <p:spTree>
       <p:nvGrpSpPr>
@@ -38,11 +136,14 @@
       </p:grpSpPr>
     </p:spTree>
   </p:cSld>
+  <p:clrMapOvr>
+    <a:masterClrMapping/>
+  </p:clrMapOvr>
 </p:sldLayout>
 </file>
 
 <file path=ppt/slideLayouts/slideLayout10.xml><?xml version="1.0" encoding="utf-8"?>
-<p:sldLayout xmlns:a="http://schemas.openxmlformats.org/drawingml/2006/main" xmlns:p="http://schemas.openxmlformats.org/presentationml/2006/main" xmlns:r="http://schemas.openxmlformats.org/officeDocument/2006/relationships" xmlns:p14="http://schemas.microsoft.com/office/powerpoint/2010/main" xmlns:p15="http://schemas.microsoft.com/office/powerpoint/2012/main" xmlns:mc="http://schemas.openxmlformats.org/markup-compatibility/2006" type="objOverTx" preserve="1">
+<p:sldLayout xmlns:a="http://schemas.openxmlformats.org/drawingml/2006/main" xmlns:r="http://schemas.openxmlformats.org/officeDocument/2006/relationships" xmlns:p="http://schemas.openxmlformats.org/presentationml/2006/main" type="objOverTx" preserve="1">
   <p:cSld name="Title, Content over Content">
     <p:spTree>
       <p:nvGrpSpPr>
@@ -78,9 +179,10 @@
           </a:prstGeom>
         </p:spPr>
         <p:txBody>
-          <a:bodyPr lIns="0" rIns="0" tIns="0" bIns="0" anchor="ctr"/>
-          <a:p>
-            <a:endParaRPr b="0" lang="de-DE" sz="1800" spc="-1" strike="noStrike">
+          <a:bodyPr lIns="0" tIns="0" rIns="0" bIns="0" anchor="ctr"/>
+          <a:lstStyle/>
+          <a:p>
+            <a:endParaRPr lang="de-DE" sz="1800" b="0" strike="noStrike" spc="-1">
               <a:solidFill>
                 <a:srgbClr val="000000"/>
               </a:solidFill>
@@ -109,11 +211,12 @@
           </a:prstGeom>
         </p:spPr>
         <p:txBody>
-          <a:bodyPr lIns="0" rIns="0" tIns="0" bIns="0">
+          <a:bodyPr lIns="0" tIns="0" rIns="0" bIns="0">
             <a:normAutofit/>
           </a:bodyPr>
-          <a:p>
-            <a:endParaRPr b="0" lang="de-DE" sz="1800" spc="-1" strike="noStrike">
+          <a:lstStyle/>
+          <a:p>
+            <a:endParaRPr lang="de-DE" sz="1800" b="0" strike="noStrike" spc="-1">
               <a:solidFill>
                 <a:srgbClr val="000000"/>
               </a:solidFill>
@@ -142,11 +245,12 @@
           </a:prstGeom>
         </p:spPr>
         <p:txBody>
-          <a:bodyPr lIns="0" rIns="0" tIns="0" bIns="0">
+          <a:bodyPr lIns="0" tIns="0" rIns="0" bIns="0">
             <a:normAutofit/>
           </a:bodyPr>
-          <a:p>
-            <a:endParaRPr b="0" lang="de-DE" sz="1800" spc="-1" strike="noStrike">
+          <a:lstStyle/>
+          <a:p>
+            <a:endParaRPr lang="de-DE" sz="1800" b="0" strike="noStrike" spc="-1">
               <a:solidFill>
                 <a:srgbClr val="000000"/>
               </a:solidFill>
@@ -157,11 +261,14 @@
       </p:sp>
     </p:spTree>
   </p:cSld>
+  <p:clrMapOvr>
+    <a:masterClrMapping/>
+  </p:clrMapOvr>
 </p:sldLayout>
 </file>
 
 <file path=ppt/slideLayouts/slideLayout11.xml><?xml version="1.0" encoding="utf-8"?>
-<p:sldLayout xmlns:a="http://schemas.openxmlformats.org/drawingml/2006/main" xmlns:p="http://schemas.openxmlformats.org/presentationml/2006/main" xmlns:r="http://schemas.openxmlformats.org/officeDocument/2006/relationships" xmlns:p14="http://schemas.microsoft.com/office/powerpoint/2010/main" xmlns:p15="http://schemas.microsoft.com/office/powerpoint/2012/main" xmlns:mc="http://schemas.openxmlformats.org/markup-compatibility/2006" type="fourObj" preserve="1">
+<p:sldLayout xmlns:a="http://schemas.openxmlformats.org/drawingml/2006/main" xmlns:r="http://schemas.openxmlformats.org/officeDocument/2006/relationships" xmlns:p="http://schemas.openxmlformats.org/presentationml/2006/main" type="fourObj" preserve="1">
   <p:cSld name="Title, 4 Content">
     <p:spTree>
       <p:nvGrpSpPr>
@@ -197,9 +304,10 @@
           </a:prstGeom>
         </p:spPr>
         <p:txBody>
-          <a:bodyPr lIns="0" rIns="0" tIns="0" bIns="0" anchor="ctr"/>
-          <a:p>
-            <a:endParaRPr b="0" lang="de-DE" sz="1800" spc="-1" strike="noStrike">
+          <a:bodyPr lIns="0" tIns="0" rIns="0" bIns="0" anchor="ctr"/>
+          <a:lstStyle/>
+          <a:p>
+            <a:endParaRPr lang="de-DE" sz="1800" b="0" strike="noStrike" spc="-1">
               <a:solidFill>
                 <a:srgbClr val="000000"/>
               </a:solidFill>
@@ -228,11 +336,12 @@
           </a:prstGeom>
         </p:spPr>
         <p:txBody>
-          <a:bodyPr lIns="0" rIns="0" tIns="0" bIns="0">
+          <a:bodyPr lIns="0" tIns="0" rIns="0" bIns="0">
             <a:normAutofit/>
           </a:bodyPr>
-          <a:p>
-            <a:endParaRPr b="0" lang="de-DE" sz="1800" spc="-1" strike="noStrike">
+          <a:lstStyle/>
+          <a:p>
+            <a:endParaRPr lang="de-DE" sz="1800" b="0" strike="noStrike" spc="-1">
               <a:solidFill>
                 <a:srgbClr val="000000"/>
               </a:solidFill>
@@ -261,11 +370,12 @@
           </a:prstGeom>
         </p:spPr>
         <p:txBody>
-          <a:bodyPr lIns="0" rIns="0" tIns="0" bIns="0">
+          <a:bodyPr lIns="0" tIns="0" rIns="0" bIns="0">
             <a:normAutofit/>
           </a:bodyPr>
-          <a:p>
-            <a:endParaRPr b="0" lang="de-DE" sz="1800" spc="-1" strike="noStrike">
+          <a:lstStyle/>
+          <a:p>
+            <a:endParaRPr lang="de-DE" sz="1800" b="0" strike="noStrike" spc="-1">
               <a:solidFill>
                 <a:srgbClr val="000000"/>
               </a:solidFill>
@@ -294,11 +404,12 @@
           </a:prstGeom>
         </p:spPr>
         <p:txBody>
-          <a:bodyPr lIns="0" rIns="0" tIns="0" bIns="0">
+          <a:bodyPr lIns="0" tIns="0" rIns="0" bIns="0">
             <a:normAutofit/>
           </a:bodyPr>
-          <a:p>
-            <a:endParaRPr b="0" lang="de-DE" sz="1800" spc="-1" strike="noStrike">
+          <a:lstStyle/>
+          <a:p>
+            <a:endParaRPr lang="de-DE" sz="1800" b="0" strike="noStrike" spc="-1">
               <a:solidFill>
                 <a:srgbClr val="000000"/>
               </a:solidFill>
@@ -327,11 +438,12 @@
           </a:prstGeom>
         </p:spPr>
         <p:txBody>
-          <a:bodyPr lIns="0" rIns="0" tIns="0" bIns="0">
+          <a:bodyPr lIns="0" tIns="0" rIns="0" bIns="0">
             <a:normAutofit/>
           </a:bodyPr>
-          <a:p>
-            <a:endParaRPr b="0" lang="de-DE" sz="1800" spc="-1" strike="noStrike">
+          <a:lstStyle/>
+          <a:p>
+            <a:endParaRPr lang="de-DE" sz="1800" b="0" strike="noStrike" spc="-1">
               <a:solidFill>
                 <a:srgbClr val="000000"/>
               </a:solidFill>
@@ -342,11 +454,14 @@
       </p:sp>
     </p:spTree>
   </p:cSld>
+  <p:clrMapOvr>
+    <a:masterClrMapping/>
+  </p:clrMapOvr>
 </p:sldLayout>
 </file>
 
 <file path=ppt/slideLayouts/slideLayout12.xml><?xml version="1.0" encoding="utf-8"?>
-<p:sldLayout xmlns:a="http://schemas.openxmlformats.org/drawingml/2006/main" xmlns:p="http://schemas.openxmlformats.org/presentationml/2006/main" xmlns:r="http://schemas.openxmlformats.org/officeDocument/2006/relationships" xmlns:p14="http://schemas.microsoft.com/office/powerpoint/2010/main" xmlns:p15="http://schemas.microsoft.com/office/powerpoint/2012/main" xmlns:mc="http://schemas.openxmlformats.org/markup-compatibility/2006" type="blank" preserve="1">
+<p:sldLayout xmlns:a="http://schemas.openxmlformats.org/drawingml/2006/main" xmlns:r="http://schemas.openxmlformats.org/officeDocument/2006/relationships" xmlns:p="http://schemas.openxmlformats.org/presentationml/2006/main" type="blank" preserve="1">
   <p:cSld name="Title, 6 Content">
     <p:spTree>
       <p:nvGrpSpPr>
@@ -382,9 +497,10 @@
           </a:prstGeom>
         </p:spPr>
         <p:txBody>
-          <a:bodyPr lIns="0" rIns="0" tIns="0" bIns="0" anchor="ctr"/>
-          <a:p>
-            <a:endParaRPr b="0" lang="de-DE" sz="1800" spc="-1" strike="noStrike">
+          <a:bodyPr lIns="0" tIns="0" rIns="0" bIns="0" anchor="ctr"/>
+          <a:lstStyle/>
+          <a:p>
+            <a:endParaRPr lang="de-DE" sz="1800" b="0" strike="noStrike" spc="-1">
               <a:solidFill>
                 <a:srgbClr val="000000"/>
               </a:solidFill>
@@ -413,11 +529,12 @@
           </a:prstGeom>
         </p:spPr>
         <p:txBody>
-          <a:bodyPr lIns="0" rIns="0" tIns="0" bIns="0">
+          <a:bodyPr lIns="0" tIns="0" rIns="0" bIns="0">
             <a:normAutofit/>
           </a:bodyPr>
-          <a:p>
-            <a:endParaRPr b="0" lang="de-DE" sz="1800" spc="-1" strike="noStrike">
+          <a:lstStyle/>
+          <a:p>
+            <a:endParaRPr lang="de-DE" sz="1800" b="0" strike="noStrike" spc="-1">
               <a:solidFill>
                 <a:srgbClr val="000000"/>
               </a:solidFill>
@@ -446,11 +563,12 @@
           </a:prstGeom>
         </p:spPr>
         <p:txBody>
-          <a:bodyPr lIns="0" rIns="0" tIns="0" bIns="0">
+          <a:bodyPr lIns="0" tIns="0" rIns="0" bIns="0">
             <a:normAutofit/>
           </a:bodyPr>
-          <a:p>
-            <a:endParaRPr b="0" lang="de-DE" sz="1800" spc="-1" strike="noStrike">
+          <a:lstStyle/>
+          <a:p>
+            <a:endParaRPr lang="de-DE" sz="1800" b="0" strike="noStrike" spc="-1">
               <a:solidFill>
                 <a:srgbClr val="000000"/>
               </a:solidFill>
@@ -479,11 +597,12 @@
           </a:prstGeom>
         </p:spPr>
         <p:txBody>
-          <a:bodyPr lIns="0" rIns="0" tIns="0" bIns="0">
+          <a:bodyPr lIns="0" tIns="0" rIns="0" bIns="0">
             <a:normAutofit/>
           </a:bodyPr>
-          <a:p>
-            <a:endParaRPr b="0" lang="de-DE" sz="1800" spc="-1" strike="noStrike">
+          <a:lstStyle/>
+          <a:p>
+            <a:endParaRPr lang="de-DE" sz="1800" b="0" strike="noStrike" spc="-1">
               <a:solidFill>
                 <a:srgbClr val="000000"/>
               </a:solidFill>
@@ -512,11 +631,12 @@
           </a:prstGeom>
         </p:spPr>
         <p:txBody>
-          <a:bodyPr lIns="0" rIns="0" tIns="0" bIns="0">
+          <a:bodyPr lIns="0" tIns="0" rIns="0" bIns="0">
             <a:normAutofit/>
           </a:bodyPr>
-          <a:p>
-            <a:endParaRPr b="0" lang="de-DE" sz="1800" spc="-1" strike="noStrike">
+          <a:lstStyle/>
+          <a:p>
+            <a:endParaRPr lang="de-DE" sz="1800" b="0" strike="noStrike" spc="-1">
               <a:solidFill>
                 <a:srgbClr val="000000"/>
               </a:solidFill>
@@ -545,11 +665,12 @@
           </a:prstGeom>
         </p:spPr>
         <p:txBody>
-          <a:bodyPr lIns="0" rIns="0" tIns="0" bIns="0">
+          <a:bodyPr lIns="0" tIns="0" rIns="0" bIns="0">
             <a:normAutofit/>
           </a:bodyPr>
-          <a:p>
-            <a:endParaRPr b="0" lang="de-DE" sz="1800" spc="-1" strike="noStrike">
+          <a:lstStyle/>
+          <a:p>
+            <a:endParaRPr lang="de-DE" sz="1800" b="0" strike="noStrike" spc="-1">
               <a:solidFill>
                 <a:srgbClr val="000000"/>
               </a:solidFill>
@@ -578,11 +699,12 @@
           </a:prstGeom>
         </p:spPr>
         <p:txBody>
-          <a:bodyPr lIns="0" rIns="0" tIns="0" bIns="0">
+          <a:bodyPr lIns="0" tIns="0" rIns="0" bIns="0">
             <a:normAutofit/>
           </a:bodyPr>
-          <a:p>
-            <a:endParaRPr b="0" lang="de-DE" sz="1800" spc="-1" strike="noStrike">
+          <a:lstStyle/>
+          <a:p>
+            <a:endParaRPr lang="de-DE" sz="1800" b="0" strike="noStrike" spc="-1">
               <a:solidFill>
                 <a:srgbClr val="000000"/>
               </a:solidFill>
@@ -593,11 +715,14 @@
       </p:sp>
     </p:spTree>
   </p:cSld>
+  <p:clrMapOvr>
+    <a:masterClrMapping/>
+  </p:clrMapOvr>
 </p:sldLayout>
 </file>
 
 <file path=ppt/slideLayouts/slideLayout13.xml><?xml version="1.0" encoding="utf-8"?>
-<p:sldLayout xmlns:a="http://schemas.openxmlformats.org/drawingml/2006/main" xmlns:p="http://schemas.openxmlformats.org/presentationml/2006/main" xmlns:r="http://schemas.openxmlformats.org/officeDocument/2006/relationships" xmlns:p14="http://schemas.microsoft.com/office/powerpoint/2010/main" xmlns:p15="http://schemas.microsoft.com/office/powerpoint/2012/main" xmlns:mc="http://schemas.openxmlformats.org/markup-compatibility/2006" type="blank" preserve="1">
+<p:sldLayout xmlns:a="http://schemas.openxmlformats.org/drawingml/2006/main" xmlns:r="http://schemas.openxmlformats.org/officeDocument/2006/relationships" xmlns:p="http://schemas.openxmlformats.org/presentationml/2006/main" type="blank" preserve="1">
   <p:cSld name="Blank Slide">
     <p:spTree>
       <p:nvGrpSpPr>
@@ -615,11 +740,14 @@
       </p:grpSpPr>
     </p:spTree>
   </p:cSld>
+  <p:clrMapOvr>
+    <a:masterClrMapping/>
+  </p:clrMapOvr>
 </p:sldLayout>
 </file>
 
 <file path=ppt/slideLayouts/slideLayout14.xml><?xml version="1.0" encoding="utf-8"?>
-<p:sldLayout xmlns:a="http://schemas.openxmlformats.org/drawingml/2006/main" xmlns:p="http://schemas.openxmlformats.org/presentationml/2006/main" xmlns:r="http://schemas.openxmlformats.org/officeDocument/2006/relationships" xmlns:p14="http://schemas.microsoft.com/office/powerpoint/2010/main" xmlns:p15="http://schemas.microsoft.com/office/powerpoint/2012/main" xmlns:mc="http://schemas.openxmlformats.org/markup-compatibility/2006" type="tx" preserve="1">
+<p:sldLayout xmlns:a="http://schemas.openxmlformats.org/drawingml/2006/main" xmlns:r="http://schemas.openxmlformats.org/officeDocument/2006/relationships" xmlns:p="http://schemas.openxmlformats.org/presentationml/2006/main" type="tx" preserve="1">
   <p:cSld name="Title Slide">
     <p:spTree>
       <p:nvGrpSpPr>
@@ -655,9 +783,10 @@
           </a:prstGeom>
         </p:spPr>
         <p:txBody>
-          <a:bodyPr lIns="0" rIns="0" tIns="0" bIns="0" anchor="ctr"/>
-          <a:p>
-            <a:endParaRPr b="0" lang="de-DE" sz="1800" spc="-1" strike="noStrike">
+          <a:bodyPr lIns="0" tIns="0" rIns="0" bIns="0" anchor="ctr"/>
+          <a:lstStyle/>
+          <a:p>
+            <a:endParaRPr lang="de-DE" sz="1800" b="0" strike="noStrike" spc="-1">
               <a:solidFill>
                 <a:srgbClr val="000000"/>
               </a:solidFill>
@@ -686,10 +815,11 @@
           </a:prstGeom>
         </p:spPr>
         <p:txBody>
-          <a:bodyPr lIns="0" rIns="0" tIns="0" bIns="0" anchor="ctr"/>
+          <a:bodyPr lIns="0" tIns="0" rIns="0" bIns="0" anchor="ctr"/>
+          <a:lstStyle/>
           <a:p>
             <a:pPr algn="ctr"/>
-            <a:endParaRPr b="0" lang="de-CH" sz="3200" spc="-1" strike="noStrike">
+            <a:endParaRPr lang="de-CH" sz="3200" b="0" strike="noStrike" spc="-1">
               <a:latin typeface="Arial"/>
             </a:endParaRPr>
           </a:p>
@@ -697,11 +827,14 @@
       </p:sp>
     </p:spTree>
   </p:cSld>
+  <p:clrMapOvr>
+    <a:masterClrMapping/>
+  </p:clrMapOvr>
 </p:sldLayout>
 </file>
 
 <file path=ppt/slideLayouts/slideLayout15.xml><?xml version="1.0" encoding="utf-8"?>
-<p:sldLayout xmlns:a="http://schemas.openxmlformats.org/drawingml/2006/main" xmlns:p="http://schemas.openxmlformats.org/presentationml/2006/main" xmlns:r="http://schemas.openxmlformats.org/officeDocument/2006/relationships" xmlns:p14="http://schemas.microsoft.com/office/powerpoint/2010/main" xmlns:p15="http://schemas.microsoft.com/office/powerpoint/2012/main" xmlns:mc="http://schemas.openxmlformats.org/markup-compatibility/2006" type="obj" preserve="1">
+<p:sldLayout xmlns:a="http://schemas.openxmlformats.org/drawingml/2006/main" xmlns:r="http://schemas.openxmlformats.org/officeDocument/2006/relationships" xmlns:p="http://schemas.openxmlformats.org/presentationml/2006/main" type="obj" preserve="1">
   <p:cSld name="Title, Content">
     <p:spTree>
       <p:nvGrpSpPr>
@@ -737,9 +870,10 @@
           </a:prstGeom>
         </p:spPr>
         <p:txBody>
-          <a:bodyPr lIns="0" rIns="0" tIns="0" bIns="0" anchor="ctr"/>
-          <a:p>
-            <a:endParaRPr b="0" lang="de-DE" sz="1800" spc="-1" strike="noStrike">
+          <a:bodyPr lIns="0" tIns="0" rIns="0" bIns="0" anchor="ctr"/>
+          <a:lstStyle/>
+          <a:p>
+            <a:endParaRPr lang="de-DE" sz="1800" b="0" strike="noStrike" spc="-1">
               <a:solidFill>
                 <a:srgbClr val="000000"/>
               </a:solidFill>
@@ -768,11 +902,12 @@
           </a:prstGeom>
         </p:spPr>
         <p:txBody>
-          <a:bodyPr lIns="0" rIns="0" tIns="0" bIns="0">
+          <a:bodyPr lIns="0" tIns="0" rIns="0" bIns="0">
             <a:normAutofit/>
           </a:bodyPr>
-          <a:p>
-            <a:endParaRPr b="0" lang="de-DE" sz="1800" spc="-1" strike="noStrike">
+          <a:lstStyle/>
+          <a:p>
+            <a:endParaRPr lang="de-DE" sz="1800" b="0" strike="noStrike" spc="-1">
               <a:solidFill>
                 <a:srgbClr val="000000"/>
               </a:solidFill>
@@ -783,11 +918,14 @@
       </p:sp>
     </p:spTree>
   </p:cSld>
+  <p:clrMapOvr>
+    <a:masterClrMapping/>
+  </p:clrMapOvr>
 </p:sldLayout>
 </file>
 
 <file path=ppt/slideLayouts/slideLayout16.xml><?xml version="1.0" encoding="utf-8"?>
-<p:sldLayout xmlns:a="http://schemas.openxmlformats.org/drawingml/2006/main" xmlns:p="http://schemas.openxmlformats.org/presentationml/2006/main" xmlns:r="http://schemas.openxmlformats.org/officeDocument/2006/relationships" xmlns:p14="http://schemas.microsoft.com/office/powerpoint/2010/main" xmlns:p15="http://schemas.microsoft.com/office/powerpoint/2012/main" xmlns:mc="http://schemas.openxmlformats.org/markup-compatibility/2006" type="twoObj" preserve="1">
+<p:sldLayout xmlns:a="http://schemas.openxmlformats.org/drawingml/2006/main" xmlns:r="http://schemas.openxmlformats.org/officeDocument/2006/relationships" xmlns:p="http://schemas.openxmlformats.org/presentationml/2006/main" type="twoObj" preserve="1">
   <p:cSld name="Title, 2 Content">
     <p:spTree>
       <p:nvGrpSpPr>
@@ -823,9 +961,10 @@
           </a:prstGeom>
         </p:spPr>
         <p:txBody>
-          <a:bodyPr lIns="0" rIns="0" tIns="0" bIns="0" anchor="ctr"/>
-          <a:p>
-            <a:endParaRPr b="0" lang="de-DE" sz="1800" spc="-1" strike="noStrike">
+          <a:bodyPr lIns="0" tIns="0" rIns="0" bIns="0" anchor="ctr"/>
+          <a:lstStyle/>
+          <a:p>
+            <a:endParaRPr lang="de-DE" sz="1800" b="0" strike="noStrike" spc="-1">
               <a:solidFill>
                 <a:srgbClr val="000000"/>
               </a:solidFill>
@@ -854,11 +993,12 @@
           </a:prstGeom>
         </p:spPr>
         <p:txBody>
-          <a:bodyPr lIns="0" rIns="0" tIns="0" bIns="0">
+          <a:bodyPr lIns="0" tIns="0" rIns="0" bIns="0">
             <a:normAutofit/>
           </a:bodyPr>
-          <a:p>
-            <a:endParaRPr b="0" lang="de-DE" sz="1800" spc="-1" strike="noStrike">
+          <a:lstStyle/>
+          <a:p>
+            <a:endParaRPr lang="de-DE" sz="1800" b="0" strike="noStrike" spc="-1">
               <a:solidFill>
                 <a:srgbClr val="000000"/>
               </a:solidFill>
@@ -887,11 +1027,12 @@
           </a:prstGeom>
         </p:spPr>
         <p:txBody>
-          <a:bodyPr lIns="0" rIns="0" tIns="0" bIns="0">
+          <a:bodyPr lIns="0" tIns="0" rIns="0" bIns="0">
             <a:normAutofit/>
           </a:bodyPr>
-          <a:p>
-            <a:endParaRPr b="0" lang="de-DE" sz="1800" spc="-1" strike="noStrike">
+          <a:lstStyle/>
+          <a:p>
+            <a:endParaRPr lang="de-DE" sz="1800" b="0" strike="noStrike" spc="-1">
               <a:solidFill>
                 <a:srgbClr val="000000"/>
               </a:solidFill>
@@ -902,11 +1043,14 @@
       </p:sp>
     </p:spTree>
   </p:cSld>
+  <p:clrMapOvr>
+    <a:masterClrMapping/>
+  </p:clrMapOvr>
 </p:sldLayout>
 </file>
 
 <file path=ppt/slideLayouts/slideLayout17.xml><?xml version="1.0" encoding="utf-8"?>
-<p:sldLayout xmlns:a="http://schemas.openxmlformats.org/drawingml/2006/main" xmlns:p="http://schemas.openxmlformats.org/presentationml/2006/main" xmlns:r="http://schemas.openxmlformats.org/officeDocument/2006/relationships" xmlns:p14="http://schemas.microsoft.com/office/powerpoint/2010/main" xmlns:p15="http://schemas.microsoft.com/office/powerpoint/2012/main" xmlns:mc="http://schemas.openxmlformats.org/markup-compatibility/2006" type="titleOnly" preserve="1">
+<p:sldLayout xmlns:a="http://schemas.openxmlformats.org/drawingml/2006/main" xmlns:r="http://schemas.openxmlformats.org/officeDocument/2006/relationships" xmlns:p="http://schemas.openxmlformats.org/presentationml/2006/main" type="titleOnly" preserve="1">
   <p:cSld name="Title Only">
     <p:spTree>
       <p:nvGrpSpPr>
@@ -942,9 +1086,10 @@
           </a:prstGeom>
         </p:spPr>
         <p:txBody>
-          <a:bodyPr lIns="0" rIns="0" tIns="0" bIns="0" anchor="ctr"/>
-          <a:p>
-            <a:endParaRPr b="0" lang="de-DE" sz="1800" spc="-1" strike="noStrike">
+          <a:bodyPr lIns="0" tIns="0" rIns="0" bIns="0" anchor="ctr"/>
+          <a:lstStyle/>
+          <a:p>
+            <a:endParaRPr lang="de-DE" sz="1800" b="0" strike="noStrike" spc="-1">
               <a:solidFill>
                 <a:srgbClr val="000000"/>
               </a:solidFill>
@@ -955,11 +1100,14 @@
       </p:sp>
     </p:spTree>
   </p:cSld>
+  <p:clrMapOvr>
+    <a:masterClrMapping/>
+  </p:clrMapOvr>
 </p:sldLayout>
 </file>
 
 <file path=ppt/slideLayouts/slideLayout18.xml><?xml version="1.0" encoding="utf-8"?>
-<p:sldLayout xmlns:a="http://schemas.openxmlformats.org/drawingml/2006/main" xmlns:p="http://schemas.openxmlformats.org/presentationml/2006/main" xmlns:r="http://schemas.openxmlformats.org/officeDocument/2006/relationships" xmlns:p14="http://schemas.microsoft.com/office/powerpoint/2010/main" xmlns:p15="http://schemas.microsoft.com/office/powerpoint/2012/main" xmlns:mc="http://schemas.openxmlformats.org/markup-compatibility/2006" type="objOnly" preserve="1">
+<p:sldLayout xmlns:a="http://schemas.openxmlformats.org/drawingml/2006/main" xmlns:r="http://schemas.openxmlformats.org/officeDocument/2006/relationships" xmlns:p="http://schemas.openxmlformats.org/presentationml/2006/main" type="objOnly" preserve="1">
   <p:cSld name="Centered Text">
     <p:spTree>
       <p:nvGrpSpPr>
@@ -995,10 +1143,11 @@
           </a:prstGeom>
         </p:spPr>
         <p:txBody>
-          <a:bodyPr lIns="0" rIns="0" tIns="0" bIns="0" anchor="ctr"/>
+          <a:bodyPr lIns="0" tIns="0" rIns="0" bIns="0" anchor="ctr"/>
+          <a:lstStyle/>
           <a:p>
             <a:pPr algn="ctr"/>
-            <a:endParaRPr b="0" lang="de-CH" sz="3200" spc="-1" strike="noStrike">
+            <a:endParaRPr lang="de-CH" sz="3200" b="0" strike="noStrike" spc="-1">
               <a:latin typeface="Arial"/>
             </a:endParaRPr>
           </a:p>
@@ -1006,11 +1155,14 @@
       </p:sp>
     </p:spTree>
   </p:cSld>
+  <p:clrMapOvr>
+    <a:masterClrMapping/>
+  </p:clrMapOvr>
 </p:sldLayout>
 </file>
 
 <file path=ppt/slideLayouts/slideLayout19.xml><?xml version="1.0" encoding="utf-8"?>
-<p:sldLayout xmlns:a="http://schemas.openxmlformats.org/drawingml/2006/main" xmlns:p="http://schemas.openxmlformats.org/presentationml/2006/main" xmlns:r="http://schemas.openxmlformats.org/officeDocument/2006/relationships" xmlns:p14="http://schemas.microsoft.com/office/powerpoint/2010/main" xmlns:p15="http://schemas.microsoft.com/office/powerpoint/2012/main" xmlns:mc="http://schemas.openxmlformats.org/markup-compatibility/2006" type="twoObjAndObj" preserve="1">
+<p:sldLayout xmlns:a="http://schemas.openxmlformats.org/drawingml/2006/main" xmlns:r="http://schemas.openxmlformats.org/officeDocument/2006/relationships" xmlns:p="http://schemas.openxmlformats.org/presentationml/2006/main" type="twoObjAndObj" preserve="1">
   <p:cSld name="Title, 2 Content and Content">
     <p:spTree>
       <p:nvGrpSpPr>
@@ -1046,9 +1198,10 @@
           </a:prstGeom>
         </p:spPr>
         <p:txBody>
-          <a:bodyPr lIns="0" rIns="0" tIns="0" bIns="0" anchor="ctr"/>
-          <a:p>
-            <a:endParaRPr b="0" lang="de-DE" sz="1800" spc="-1" strike="noStrike">
+          <a:bodyPr lIns="0" tIns="0" rIns="0" bIns="0" anchor="ctr"/>
+          <a:lstStyle/>
+          <a:p>
+            <a:endParaRPr lang="de-DE" sz="1800" b="0" strike="noStrike" spc="-1">
               <a:solidFill>
                 <a:srgbClr val="000000"/>
               </a:solidFill>
@@ -1077,11 +1230,12 @@
           </a:prstGeom>
         </p:spPr>
         <p:txBody>
-          <a:bodyPr lIns="0" rIns="0" tIns="0" bIns="0">
+          <a:bodyPr lIns="0" tIns="0" rIns="0" bIns="0">
             <a:normAutofit/>
           </a:bodyPr>
-          <a:p>
-            <a:endParaRPr b="0" lang="de-DE" sz="1800" spc="-1" strike="noStrike">
+          <a:lstStyle/>
+          <a:p>
+            <a:endParaRPr lang="de-DE" sz="1800" b="0" strike="noStrike" spc="-1">
               <a:solidFill>
                 <a:srgbClr val="000000"/>
               </a:solidFill>
@@ -1110,11 +1264,12 @@
           </a:prstGeom>
         </p:spPr>
         <p:txBody>
-          <a:bodyPr lIns="0" rIns="0" tIns="0" bIns="0">
+          <a:bodyPr lIns="0" tIns="0" rIns="0" bIns="0">
             <a:normAutofit/>
           </a:bodyPr>
-          <a:p>
-            <a:endParaRPr b="0" lang="de-DE" sz="1800" spc="-1" strike="noStrike">
+          <a:lstStyle/>
+          <a:p>
+            <a:endParaRPr lang="de-DE" sz="1800" b="0" strike="noStrike" spc="-1">
               <a:solidFill>
                 <a:srgbClr val="000000"/>
               </a:solidFill>
@@ -1143,11 +1298,12 @@
           </a:prstGeom>
         </p:spPr>
         <p:txBody>
-          <a:bodyPr lIns="0" rIns="0" tIns="0" bIns="0">
+          <a:bodyPr lIns="0" tIns="0" rIns="0" bIns="0">
             <a:normAutofit/>
           </a:bodyPr>
-          <a:p>
-            <a:endParaRPr b="0" lang="de-DE" sz="1800" spc="-1" strike="noStrike">
+          <a:lstStyle/>
+          <a:p>
+            <a:endParaRPr lang="de-DE" sz="1800" b="0" strike="noStrike" spc="-1">
               <a:solidFill>
                 <a:srgbClr val="000000"/>
               </a:solidFill>
@@ -1158,11 +1314,14 @@
       </p:sp>
     </p:spTree>
   </p:cSld>
+  <p:clrMapOvr>
+    <a:masterClrMapping/>
+  </p:clrMapOvr>
 </p:sldLayout>
 </file>
 
 <file path=ppt/slideLayouts/slideLayout2.xml><?xml version="1.0" encoding="utf-8"?>
-<p:sldLayout xmlns:a="http://schemas.openxmlformats.org/drawingml/2006/main" xmlns:p="http://schemas.openxmlformats.org/presentationml/2006/main" xmlns:r="http://schemas.openxmlformats.org/officeDocument/2006/relationships" xmlns:p14="http://schemas.microsoft.com/office/powerpoint/2010/main" xmlns:p15="http://schemas.microsoft.com/office/powerpoint/2012/main" xmlns:mc="http://schemas.openxmlformats.org/markup-compatibility/2006" type="tx" preserve="1">
+<p:sldLayout xmlns:a="http://schemas.openxmlformats.org/drawingml/2006/main" xmlns:r="http://schemas.openxmlformats.org/officeDocument/2006/relationships" xmlns:p="http://schemas.openxmlformats.org/presentationml/2006/main" type="tx" preserve="1">
   <p:cSld name="Title Slide">
     <p:spTree>
       <p:nvGrpSpPr>
@@ -1198,9 +1357,10 @@
           </a:prstGeom>
         </p:spPr>
         <p:txBody>
-          <a:bodyPr lIns="0" rIns="0" tIns="0" bIns="0" anchor="ctr"/>
-          <a:p>
-            <a:endParaRPr b="0" lang="de-DE" sz="1800" spc="-1" strike="noStrike">
+          <a:bodyPr lIns="0" tIns="0" rIns="0" bIns="0" anchor="ctr"/>
+          <a:lstStyle/>
+          <a:p>
+            <a:endParaRPr lang="de-DE" sz="1800" b="0" strike="noStrike" spc="-1">
               <a:solidFill>
                 <a:srgbClr val="000000"/>
               </a:solidFill>
@@ -1229,10 +1389,11 @@
           </a:prstGeom>
         </p:spPr>
         <p:txBody>
-          <a:bodyPr lIns="0" rIns="0" tIns="0" bIns="0" anchor="ctr"/>
+          <a:bodyPr lIns="0" tIns="0" rIns="0" bIns="0" anchor="ctr"/>
+          <a:lstStyle/>
           <a:p>
             <a:pPr algn="ctr"/>
-            <a:endParaRPr b="0" lang="de-CH" sz="3200" spc="-1" strike="noStrike">
+            <a:endParaRPr lang="de-CH" sz="3200" b="0" strike="noStrike" spc="-1">
               <a:latin typeface="Arial"/>
             </a:endParaRPr>
           </a:p>
@@ -1240,11 +1401,14 @@
       </p:sp>
     </p:spTree>
   </p:cSld>
+  <p:clrMapOvr>
+    <a:masterClrMapping/>
+  </p:clrMapOvr>
 </p:sldLayout>
 </file>
 
 <file path=ppt/slideLayouts/slideLayout20.xml><?xml version="1.0" encoding="utf-8"?>
-<p:sldLayout xmlns:a="http://schemas.openxmlformats.org/drawingml/2006/main" xmlns:p="http://schemas.openxmlformats.org/presentationml/2006/main" xmlns:r="http://schemas.openxmlformats.org/officeDocument/2006/relationships" xmlns:p14="http://schemas.microsoft.com/office/powerpoint/2010/main" xmlns:p15="http://schemas.microsoft.com/office/powerpoint/2012/main" xmlns:mc="http://schemas.openxmlformats.org/markup-compatibility/2006" type="objAndTwoObj" preserve="1">
+<p:sldLayout xmlns:a="http://schemas.openxmlformats.org/drawingml/2006/main" xmlns:r="http://schemas.openxmlformats.org/officeDocument/2006/relationships" xmlns:p="http://schemas.openxmlformats.org/presentationml/2006/main" type="objAndTwoObj" preserve="1">
   <p:cSld name="Title Content and 2 Content">
     <p:spTree>
       <p:nvGrpSpPr>
@@ -1280,9 +1444,10 @@
           </a:prstGeom>
         </p:spPr>
         <p:txBody>
-          <a:bodyPr lIns="0" rIns="0" tIns="0" bIns="0" anchor="ctr"/>
-          <a:p>
-            <a:endParaRPr b="0" lang="de-DE" sz="1800" spc="-1" strike="noStrike">
+          <a:bodyPr lIns="0" tIns="0" rIns="0" bIns="0" anchor="ctr"/>
+          <a:lstStyle/>
+          <a:p>
+            <a:endParaRPr lang="de-DE" sz="1800" b="0" strike="noStrike" spc="-1">
               <a:solidFill>
                 <a:srgbClr val="000000"/>
               </a:solidFill>
@@ -1311,11 +1476,12 @@
           </a:prstGeom>
         </p:spPr>
         <p:txBody>
-          <a:bodyPr lIns="0" rIns="0" tIns="0" bIns="0">
+          <a:bodyPr lIns="0" tIns="0" rIns="0" bIns="0">
             <a:normAutofit/>
           </a:bodyPr>
-          <a:p>
-            <a:endParaRPr b="0" lang="de-DE" sz="1800" spc="-1" strike="noStrike">
+          <a:lstStyle/>
+          <a:p>
+            <a:endParaRPr lang="de-DE" sz="1800" b="0" strike="noStrike" spc="-1">
               <a:solidFill>
                 <a:srgbClr val="000000"/>
               </a:solidFill>
@@ -1344,11 +1510,12 @@
           </a:prstGeom>
         </p:spPr>
         <p:txBody>
-          <a:bodyPr lIns="0" rIns="0" tIns="0" bIns="0">
+          <a:bodyPr lIns="0" tIns="0" rIns="0" bIns="0">
             <a:normAutofit/>
           </a:bodyPr>
-          <a:p>
-            <a:endParaRPr b="0" lang="de-DE" sz="1800" spc="-1" strike="noStrike">
+          <a:lstStyle/>
+          <a:p>
+            <a:endParaRPr lang="de-DE" sz="1800" b="0" strike="noStrike" spc="-1">
               <a:solidFill>
                 <a:srgbClr val="000000"/>
               </a:solidFill>
@@ -1377,11 +1544,12 @@
           </a:prstGeom>
         </p:spPr>
         <p:txBody>
-          <a:bodyPr lIns="0" rIns="0" tIns="0" bIns="0">
+          <a:bodyPr lIns="0" tIns="0" rIns="0" bIns="0">
             <a:normAutofit/>
           </a:bodyPr>
-          <a:p>
-            <a:endParaRPr b="0" lang="de-DE" sz="1800" spc="-1" strike="noStrike">
+          <a:lstStyle/>
+          <a:p>
+            <a:endParaRPr lang="de-DE" sz="1800" b="0" strike="noStrike" spc="-1">
               <a:solidFill>
                 <a:srgbClr val="000000"/>
               </a:solidFill>
@@ -1392,11 +1560,14 @@
       </p:sp>
     </p:spTree>
   </p:cSld>
+  <p:clrMapOvr>
+    <a:masterClrMapping/>
+  </p:clrMapOvr>
 </p:sldLayout>
 </file>
 
 <file path=ppt/slideLayouts/slideLayout21.xml><?xml version="1.0" encoding="utf-8"?>
-<p:sldLayout xmlns:a="http://schemas.openxmlformats.org/drawingml/2006/main" xmlns:p="http://schemas.openxmlformats.org/presentationml/2006/main" xmlns:r="http://schemas.openxmlformats.org/officeDocument/2006/relationships" xmlns:p14="http://schemas.microsoft.com/office/powerpoint/2010/main" xmlns:p15="http://schemas.microsoft.com/office/powerpoint/2012/main" xmlns:mc="http://schemas.openxmlformats.org/markup-compatibility/2006" type="twoObjOverTx" preserve="1">
+<p:sldLayout xmlns:a="http://schemas.openxmlformats.org/drawingml/2006/main" xmlns:r="http://schemas.openxmlformats.org/officeDocument/2006/relationships" xmlns:p="http://schemas.openxmlformats.org/presentationml/2006/main" type="twoObjOverTx" preserve="1">
   <p:cSld name="Title, 2 Content over Content">
     <p:spTree>
       <p:nvGrpSpPr>
@@ -1432,9 +1603,10 @@
           </a:prstGeom>
         </p:spPr>
         <p:txBody>
-          <a:bodyPr lIns="0" rIns="0" tIns="0" bIns="0" anchor="ctr"/>
-          <a:p>
-            <a:endParaRPr b="0" lang="de-DE" sz="1800" spc="-1" strike="noStrike">
+          <a:bodyPr lIns="0" tIns="0" rIns="0" bIns="0" anchor="ctr"/>
+          <a:lstStyle/>
+          <a:p>
+            <a:endParaRPr lang="de-DE" sz="1800" b="0" strike="noStrike" spc="-1">
               <a:solidFill>
                 <a:srgbClr val="000000"/>
               </a:solidFill>
@@ -1463,11 +1635,12 @@
           </a:prstGeom>
         </p:spPr>
         <p:txBody>
-          <a:bodyPr lIns="0" rIns="0" tIns="0" bIns="0">
+          <a:bodyPr lIns="0" tIns="0" rIns="0" bIns="0">
             <a:normAutofit/>
           </a:bodyPr>
-          <a:p>
-            <a:endParaRPr b="0" lang="de-DE" sz="1800" spc="-1" strike="noStrike">
+          <a:lstStyle/>
+          <a:p>
+            <a:endParaRPr lang="de-DE" sz="1800" b="0" strike="noStrike" spc="-1">
               <a:solidFill>
                 <a:srgbClr val="000000"/>
               </a:solidFill>
@@ -1496,11 +1669,12 @@
           </a:prstGeom>
         </p:spPr>
         <p:txBody>
-          <a:bodyPr lIns="0" rIns="0" tIns="0" bIns="0">
+          <a:bodyPr lIns="0" tIns="0" rIns="0" bIns="0">
             <a:normAutofit/>
           </a:bodyPr>
-          <a:p>
-            <a:endParaRPr b="0" lang="de-DE" sz="1800" spc="-1" strike="noStrike">
+          <a:lstStyle/>
+          <a:p>
+            <a:endParaRPr lang="de-DE" sz="1800" b="0" strike="noStrike" spc="-1">
               <a:solidFill>
                 <a:srgbClr val="000000"/>
               </a:solidFill>
@@ -1529,11 +1703,12 @@
           </a:prstGeom>
         </p:spPr>
         <p:txBody>
-          <a:bodyPr lIns="0" rIns="0" tIns="0" bIns="0">
+          <a:bodyPr lIns="0" tIns="0" rIns="0" bIns="0">
             <a:normAutofit/>
           </a:bodyPr>
-          <a:p>
-            <a:endParaRPr b="0" lang="de-DE" sz="1800" spc="-1" strike="noStrike">
+          <a:lstStyle/>
+          <a:p>
+            <a:endParaRPr lang="de-DE" sz="1800" b="0" strike="noStrike" spc="-1">
               <a:solidFill>
                 <a:srgbClr val="000000"/>
               </a:solidFill>
@@ -1544,11 +1719,14 @@
       </p:sp>
     </p:spTree>
   </p:cSld>
+  <p:clrMapOvr>
+    <a:masterClrMapping/>
+  </p:clrMapOvr>
 </p:sldLayout>
 </file>
 
 <file path=ppt/slideLayouts/slideLayout22.xml><?xml version="1.0" encoding="utf-8"?>
-<p:sldLayout xmlns:a="http://schemas.openxmlformats.org/drawingml/2006/main" xmlns:p="http://schemas.openxmlformats.org/presentationml/2006/main" xmlns:r="http://schemas.openxmlformats.org/officeDocument/2006/relationships" xmlns:p14="http://schemas.microsoft.com/office/powerpoint/2010/main" xmlns:p15="http://schemas.microsoft.com/office/powerpoint/2012/main" xmlns:mc="http://schemas.openxmlformats.org/markup-compatibility/2006" type="objOverTx" preserve="1">
+<p:sldLayout xmlns:a="http://schemas.openxmlformats.org/drawingml/2006/main" xmlns:r="http://schemas.openxmlformats.org/officeDocument/2006/relationships" xmlns:p="http://schemas.openxmlformats.org/presentationml/2006/main" type="objOverTx" preserve="1">
   <p:cSld name="Title, Content over Content">
     <p:spTree>
       <p:nvGrpSpPr>
@@ -1584,9 +1762,10 @@
           </a:prstGeom>
         </p:spPr>
         <p:txBody>
-          <a:bodyPr lIns="0" rIns="0" tIns="0" bIns="0" anchor="ctr"/>
-          <a:p>
-            <a:endParaRPr b="0" lang="de-DE" sz="1800" spc="-1" strike="noStrike">
+          <a:bodyPr lIns="0" tIns="0" rIns="0" bIns="0" anchor="ctr"/>
+          <a:lstStyle/>
+          <a:p>
+            <a:endParaRPr lang="de-DE" sz="1800" b="0" strike="noStrike" spc="-1">
               <a:solidFill>
                 <a:srgbClr val="000000"/>
               </a:solidFill>
@@ -1615,11 +1794,12 @@
           </a:prstGeom>
         </p:spPr>
         <p:txBody>
-          <a:bodyPr lIns="0" rIns="0" tIns="0" bIns="0">
+          <a:bodyPr lIns="0" tIns="0" rIns="0" bIns="0">
             <a:normAutofit/>
           </a:bodyPr>
-          <a:p>
-            <a:endParaRPr b="0" lang="de-DE" sz="1800" spc="-1" strike="noStrike">
+          <a:lstStyle/>
+          <a:p>
+            <a:endParaRPr lang="de-DE" sz="1800" b="0" strike="noStrike" spc="-1">
               <a:solidFill>
                 <a:srgbClr val="000000"/>
               </a:solidFill>
@@ -1648,11 +1828,12 @@
           </a:prstGeom>
         </p:spPr>
         <p:txBody>
-          <a:bodyPr lIns="0" rIns="0" tIns="0" bIns="0">
+          <a:bodyPr lIns="0" tIns="0" rIns="0" bIns="0">
             <a:normAutofit/>
           </a:bodyPr>
-          <a:p>
-            <a:endParaRPr b="0" lang="de-DE" sz="1800" spc="-1" strike="noStrike">
+          <a:lstStyle/>
+          <a:p>
+            <a:endParaRPr lang="de-DE" sz="1800" b="0" strike="noStrike" spc="-1">
               <a:solidFill>
                 <a:srgbClr val="000000"/>
               </a:solidFill>
@@ -1663,11 +1844,14 @@
       </p:sp>
     </p:spTree>
   </p:cSld>
+  <p:clrMapOvr>
+    <a:masterClrMapping/>
+  </p:clrMapOvr>
 </p:sldLayout>
 </file>
 
 <file path=ppt/slideLayouts/slideLayout23.xml><?xml version="1.0" encoding="utf-8"?>
-<p:sldLayout xmlns:a="http://schemas.openxmlformats.org/drawingml/2006/main" xmlns:p="http://schemas.openxmlformats.org/presentationml/2006/main" xmlns:r="http://schemas.openxmlformats.org/officeDocument/2006/relationships" xmlns:p14="http://schemas.microsoft.com/office/powerpoint/2010/main" xmlns:p15="http://schemas.microsoft.com/office/powerpoint/2012/main" xmlns:mc="http://schemas.openxmlformats.org/markup-compatibility/2006" type="fourObj" preserve="1">
+<p:sldLayout xmlns:a="http://schemas.openxmlformats.org/drawingml/2006/main" xmlns:r="http://schemas.openxmlformats.org/officeDocument/2006/relationships" xmlns:p="http://schemas.openxmlformats.org/presentationml/2006/main" type="fourObj" preserve="1">
   <p:cSld name="Title, 4 Content">
     <p:spTree>
       <p:nvGrpSpPr>
@@ -1703,9 +1887,10 @@
           </a:prstGeom>
         </p:spPr>
         <p:txBody>
-          <a:bodyPr lIns="0" rIns="0" tIns="0" bIns="0" anchor="ctr"/>
-          <a:p>
-            <a:endParaRPr b="0" lang="de-DE" sz="1800" spc="-1" strike="noStrike">
+          <a:bodyPr lIns="0" tIns="0" rIns="0" bIns="0" anchor="ctr"/>
+          <a:lstStyle/>
+          <a:p>
+            <a:endParaRPr lang="de-DE" sz="1800" b="0" strike="noStrike" spc="-1">
               <a:solidFill>
                 <a:srgbClr val="000000"/>
               </a:solidFill>
@@ -1734,11 +1919,12 @@
           </a:prstGeom>
         </p:spPr>
         <p:txBody>
-          <a:bodyPr lIns="0" rIns="0" tIns="0" bIns="0">
+          <a:bodyPr lIns="0" tIns="0" rIns="0" bIns="0">
             <a:normAutofit/>
           </a:bodyPr>
-          <a:p>
-            <a:endParaRPr b="0" lang="de-DE" sz="1800" spc="-1" strike="noStrike">
+          <a:lstStyle/>
+          <a:p>
+            <a:endParaRPr lang="de-DE" sz="1800" b="0" strike="noStrike" spc="-1">
               <a:solidFill>
                 <a:srgbClr val="000000"/>
               </a:solidFill>
@@ -1767,11 +1953,12 @@
           </a:prstGeom>
         </p:spPr>
         <p:txBody>
-          <a:bodyPr lIns="0" rIns="0" tIns="0" bIns="0">
+          <a:bodyPr lIns="0" tIns="0" rIns="0" bIns="0">
             <a:normAutofit/>
           </a:bodyPr>
-          <a:p>
-            <a:endParaRPr b="0" lang="de-DE" sz="1800" spc="-1" strike="noStrike">
+          <a:lstStyle/>
+          <a:p>
+            <a:endParaRPr lang="de-DE" sz="1800" b="0" strike="noStrike" spc="-1">
               <a:solidFill>
                 <a:srgbClr val="000000"/>
               </a:solidFill>
@@ -1800,11 +1987,12 @@
           </a:prstGeom>
         </p:spPr>
         <p:txBody>
-          <a:bodyPr lIns="0" rIns="0" tIns="0" bIns="0">
+          <a:bodyPr lIns="0" tIns="0" rIns="0" bIns="0">
             <a:normAutofit/>
           </a:bodyPr>
-          <a:p>
-            <a:endParaRPr b="0" lang="de-DE" sz="1800" spc="-1" strike="noStrike">
+          <a:lstStyle/>
+          <a:p>
+            <a:endParaRPr lang="de-DE" sz="1800" b="0" strike="noStrike" spc="-1">
               <a:solidFill>
                 <a:srgbClr val="000000"/>
               </a:solidFill>
@@ -1833,11 +2021,12 @@
           </a:prstGeom>
         </p:spPr>
         <p:txBody>
-          <a:bodyPr lIns="0" rIns="0" tIns="0" bIns="0">
+          <a:bodyPr lIns="0" tIns="0" rIns="0" bIns="0">
             <a:normAutofit/>
           </a:bodyPr>
-          <a:p>
-            <a:endParaRPr b="0" lang="de-DE" sz="1800" spc="-1" strike="noStrike">
+          <a:lstStyle/>
+          <a:p>
+            <a:endParaRPr lang="de-DE" sz="1800" b="0" strike="noStrike" spc="-1">
               <a:solidFill>
                 <a:srgbClr val="000000"/>
               </a:solidFill>
@@ -1848,11 +2037,14 @@
       </p:sp>
     </p:spTree>
   </p:cSld>
+  <p:clrMapOvr>
+    <a:masterClrMapping/>
+  </p:clrMapOvr>
 </p:sldLayout>
 </file>
 
 <file path=ppt/slideLayouts/slideLayout24.xml><?xml version="1.0" encoding="utf-8"?>
-<p:sldLayout xmlns:a="http://schemas.openxmlformats.org/drawingml/2006/main" xmlns:p="http://schemas.openxmlformats.org/presentationml/2006/main" xmlns:r="http://schemas.openxmlformats.org/officeDocument/2006/relationships" xmlns:p14="http://schemas.microsoft.com/office/powerpoint/2010/main" xmlns:p15="http://schemas.microsoft.com/office/powerpoint/2012/main" xmlns:mc="http://schemas.openxmlformats.org/markup-compatibility/2006" type="blank" preserve="1">
+<p:sldLayout xmlns:a="http://schemas.openxmlformats.org/drawingml/2006/main" xmlns:r="http://schemas.openxmlformats.org/officeDocument/2006/relationships" xmlns:p="http://schemas.openxmlformats.org/presentationml/2006/main" type="blank" preserve="1">
   <p:cSld name="Title, 6 Content">
     <p:spTree>
       <p:nvGrpSpPr>
@@ -1888,9 +2080,10 @@
           </a:prstGeom>
         </p:spPr>
         <p:txBody>
-          <a:bodyPr lIns="0" rIns="0" tIns="0" bIns="0" anchor="ctr"/>
-          <a:p>
-            <a:endParaRPr b="0" lang="de-DE" sz="1800" spc="-1" strike="noStrike">
+          <a:bodyPr lIns="0" tIns="0" rIns="0" bIns="0" anchor="ctr"/>
+          <a:lstStyle/>
+          <a:p>
+            <a:endParaRPr lang="de-DE" sz="1800" b="0" strike="noStrike" spc="-1">
               <a:solidFill>
                 <a:srgbClr val="000000"/>
               </a:solidFill>
@@ -1919,11 +2112,12 @@
           </a:prstGeom>
         </p:spPr>
         <p:txBody>
-          <a:bodyPr lIns="0" rIns="0" tIns="0" bIns="0">
+          <a:bodyPr lIns="0" tIns="0" rIns="0" bIns="0">
             <a:normAutofit/>
           </a:bodyPr>
-          <a:p>
-            <a:endParaRPr b="0" lang="de-DE" sz="1800" spc="-1" strike="noStrike">
+          <a:lstStyle/>
+          <a:p>
+            <a:endParaRPr lang="de-DE" sz="1800" b="0" strike="noStrike" spc="-1">
               <a:solidFill>
                 <a:srgbClr val="000000"/>
               </a:solidFill>
@@ -1952,11 +2146,12 @@
           </a:prstGeom>
         </p:spPr>
         <p:txBody>
-          <a:bodyPr lIns="0" rIns="0" tIns="0" bIns="0">
+          <a:bodyPr lIns="0" tIns="0" rIns="0" bIns="0">
             <a:normAutofit/>
           </a:bodyPr>
-          <a:p>
-            <a:endParaRPr b="0" lang="de-DE" sz="1800" spc="-1" strike="noStrike">
+          <a:lstStyle/>
+          <a:p>
+            <a:endParaRPr lang="de-DE" sz="1800" b="0" strike="noStrike" spc="-1">
               <a:solidFill>
                 <a:srgbClr val="000000"/>
               </a:solidFill>
@@ -1985,11 +2180,12 @@
           </a:prstGeom>
         </p:spPr>
         <p:txBody>
-          <a:bodyPr lIns="0" rIns="0" tIns="0" bIns="0">
+          <a:bodyPr lIns="0" tIns="0" rIns="0" bIns="0">
             <a:normAutofit/>
           </a:bodyPr>
-          <a:p>
-            <a:endParaRPr b="0" lang="de-DE" sz="1800" spc="-1" strike="noStrike">
+          <a:lstStyle/>
+          <a:p>
+            <a:endParaRPr lang="de-DE" sz="1800" b="0" strike="noStrike" spc="-1">
               <a:solidFill>
                 <a:srgbClr val="000000"/>
               </a:solidFill>
@@ -2018,11 +2214,12 @@
           </a:prstGeom>
         </p:spPr>
         <p:txBody>
-          <a:bodyPr lIns="0" rIns="0" tIns="0" bIns="0">
+          <a:bodyPr lIns="0" tIns="0" rIns="0" bIns="0">
             <a:normAutofit/>
           </a:bodyPr>
-          <a:p>
-            <a:endParaRPr b="0" lang="de-DE" sz="1800" spc="-1" strike="noStrike">
+          <a:lstStyle/>
+          <a:p>
+            <a:endParaRPr lang="de-DE" sz="1800" b="0" strike="noStrike" spc="-1">
               <a:solidFill>
                 <a:srgbClr val="000000"/>
               </a:solidFill>
@@ -2051,11 +2248,12 @@
           </a:prstGeom>
         </p:spPr>
         <p:txBody>
-          <a:bodyPr lIns="0" rIns="0" tIns="0" bIns="0">
+          <a:bodyPr lIns="0" tIns="0" rIns="0" bIns="0">
             <a:normAutofit/>
           </a:bodyPr>
-          <a:p>
-            <a:endParaRPr b="0" lang="de-DE" sz="1800" spc="-1" strike="noStrike">
+          <a:lstStyle/>
+          <a:p>
+            <a:endParaRPr lang="de-DE" sz="1800" b="0" strike="noStrike" spc="-1">
               <a:solidFill>
                 <a:srgbClr val="000000"/>
               </a:solidFill>
@@ -2084,11 +2282,12 @@
           </a:prstGeom>
         </p:spPr>
         <p:txBody>
-          <a:bodyPr lIns="0" rIns="0" tIns="0" bIns="0">
+          <a:bodyPr lIns="0" tIns="0" rIns="0" bIns="0">
             <a:normAutofit/>
           </a:bodyPr>
-          <a:p>
-            <a:endParaRPr b="0" lang="de-DE" sz="1800" spc="-1" strike="noStrike">
+          <a:lstStyle/>
+          <a:p>
+            <a:endParaRPr lang="de-DE" sz="1800" b="0" strike="noStrike" spc="-1">
               <a:solidFill>
                 <a:srgbClr val="000000"/>
               </a:solidFill>
@@ -2099,11 +2298,14 @@
       </p:sp>
     </p:spTree>
   </p:cSld>
+  <p:clrMapOvr>
+    <a:masterClrMapping/>
+  </p:clrMapOvr>
 </p:sldLayout>
 </file>
 
 <file path=ppt/slideLayouts/slideLayout3.xml><?xml version="1.0" encoding="utf-8"?>
-<p:sldLayout xmlns:a="http://schemas.openxmlformats.org/drawingml/2006/main" xmlns:p="http://schemas.openxmlformats.org/presentationml/2006/main" xmlns:r="http://schemas.openxmlformats.org/officeDocument/2006/relationships" xmlns:p14="http://schemas.microsoft.com/office/powerpoint/2010/main" xmlns:p15="http://schemas.microsoft.com/office/powerpoint/2012/main" xmlns:mc="http://schemas.openxmlformats.org/markup-compatibility/2006" type="obj" preserve="1">
+<p:sldLayout xmlns:a="http://schemas.openxmlformats.org/drawingml/2006/main" xmlns:r="http://schemas.openxmlformats.org/officeDocument/2006/relationships" xmlns:p="http://schemas.openxmlformats.org/presentationml/2006/main" type="obj" preserve="1">
   <p:cSld name="Title, Content">
     <p:spTree>
       <p:nvGrpSpPr>
@@ -2139,9 +2341,10 @@
           </a:prstGeom>
         </p:spPr>
         <p:txBody>
-          <a:bodyPr lIns="0" rIns="0" tIns="0" bIns="0" anchor="ctr"/>
-          <a:p>
-            <a:endParaRPr b="0" lang="de-DE" sz="1800" spc="-1" strike="noStrike">
+          <a:bodyPr lIns="0" tIns="0" rIns="0" bIns="0" anchor="ctr"/>
+          <a:lstStyle/>
+          <a:p>
+            <a:endParaRPr lang="de-DE" sz="1800" b="0" strike="noStrike" spc="-1">
               <a:solidFill>
                 <a:srgbClr val="000000"/>
               </a:solidFill>
@@ -2170,11 +2373,12 @@
           </a:prstGeom>
         </p:spPr>
         <p:txBody>
-          <a:bodyPr lIns="0" rIns="0" tIns="0" bIns="0">
+          <a:bodyPr lIns="0" tIns="0" rIns="0" bIns="0">
             <a:normAutofit/>
           </a:bodyPr>
-          <a:p>
-            <a:endParaRPr b="0" lang="de-DE" sz="1800" spc="-1" strike="noStrike">
+          <a:lstStyle/>
+          <a:p>
+            <a:endParaRPr lang="de-DE" sz="1800" b="0" strike="noStrike" spc="-1">
               <a:solidFill>
                 <a:srgbClr val="000000"/>
               </a:solidFill>
@@ -2185,11 +2389,14 @@
       </p:sp>
     </p:spTree>
   </p:cSld>
+  <p:clrMapOvr>
+    <a:masterClrMapping/>
+  </p:clrMapOvr>
 </p:sldLayout>
 </file>
 
 <file path=ppt/slideLayouts/slideLayout4.xml><?xml version="1.0" encoding="utf-8"?>
-<p:sldLayout xmlns:a="http://schemas.openxmlformats.org/drawingml/2006/main" xmlns:p="http://schemas.openxmlformats.org/presentationml/2006/main" xmlns:r="http://schemas.openxmlformats.org/officeDocument/2006/relationships" xmlns:p14="http://schemas.microsoft.com/office/powerpoint/2010/main" xmlns:p15="http://schemas.microsoft.com/office/powerpoint/2012/main" xmlns:mc="http://schemas.openxmlformats.org/markup-compatibility/2006" type="twoObj" preserve="1">
+<p:sldLayout xmlns:a="http://schemas.openxmlformats.org/drawingml/2006/main" xmlns:r="http://schemas.openxmlformats.org/officeDocument/2006/relationships" xmlns:p="http://schemas.openxmlformats.org/presentationml/2006/main" type="twoObj" preserve="1">
   <p:cSld name="Title, 2 Content">
     <p:spTree>
       <p:nvGrpSpPr>
@@ -2225,9 +2432,10 @@
           </a:prstGeom>
         </p:spPr>
         <p:txBody>
-          <a:bodyPr lIns="0" rIns="0" tIns="0" bIns="0" anchor="ctr"/>
-          <a:p>
-            <a:endParaRPr b="0" lang="de-DE" sz="1800" spc="-1" strike="noStrike">
+          <a:bodyPr lIns="0" tIns="0" rIns="0" bIns="0" anchor="ctr"/>
+          <a:lstStyle/>
+          <a:p>
+            <a:endParaRPr lang="de-DE" sz="1800" b="0" strike="noStrike" spc="-1">
               <a:solidFill>
                 <a:srgbClr val="000000"/>
               </a:solidFill>
@@ -2256,11 +2464,12 @@
           </a:prstGeom>
         </p:spPr>
         <p:txBody>
-          <a:bodyPr lIns="0" rIns="0" tIns="0" bIns="0">
+          <a:bodyPr lIns="0" tIns="0" rIns="0" bIns="0">
             <a:normAutofit/>
           </a:bodyPr>
-          <a:p>
-            <a:endParaRPr b="0" lang="de-DE" sz="1800" spc="-1" strike="noStrike">
+          <a:lstStyle/>
+          <a:p>
+            <a:endParaRPr lang="de-DE" sz="1800" b="0" strike="noStrike" spc="-1">
               <a:solidFill>
                 <a:srgbClr val="000000"/>
               </a:solidFill>
@@ -2289,11 +2498,12 @@
           </a:prstGeom>
         </p:spPr>
         <p:txBody>
-          <a:bodyPr lIns="0" rIns="0" tIns="0" bIns="0">
+          <a:bodyPr lIns="0" tIns="0" rIns="0" bIns="0">
             <a:normAutofit/>
           </a:bodyPr>
-          <a:p>
-            <a:endParaRPr b="0" lang="de-DE" sz="1800" spc="-1" strike="noStrike">
+          <a:lstStyle/>
+          <a:p>
+            <a:endParaRPr lang="de-DE" sz="1800" b="0" strike="noStrike" spc="-1">
               <a:solidFill>
                 <a:srgbClr val="000000"/>
               </a:solidFill>
@@ -2304,11 +2514,14 @@
       </p:sp>
     </p:spTree>
   </p:cSld>
+  <p:clrMapOvr>
+    <a:masterClrMapping/>
+  </p:clrMapOvr>
 </p:sldLayout>
 </file>
 
 <file path=ppt/slideLayouts/slideLayout5.xml><?xml version="1.0" encoding="utf-8"?>
-<p:sldLayout xmlns:a="http://schemas.openxmlformats.org/drawingml/2006/main" xmlns:p="http://schemas.openxmlformats.org/presentationml/2006/main" xmlns:r="http://schemas.openxmlformats.org/officeDocument/2006/relationships" xmlns:p14="http://schemas.microsoft.com/office/powerpoint/2010/main" xmlns:p15="http://schemas.microsoft.com/office/powerpoint/2012/main" xmlns:mc="http://schemas.openxmlformats.org/markup-compatibility/2006" type="titleOnly" preserve="1">
+<p:sldLayout xmlns:a="http://schemas.openxmlformats.org/drawingml/2006/main" xmlns:r="http://schemas.openxmlformats.org/officeDocument/2006/relationships" xmlns:p="http://schemas.openxmlformats.org/presentationml/2006/main" type="titleOnly" preserve="1">
   <p:cSld name="Title Only">
     <p:spTree>
       <p:nvGrpSpPr>
@@ -2344,9 +2557,10 @@
           </a:prstGeom>
         </p:spPr>
         <p:txBody>
-          <a:bodyPr lIns="0" rIns="0" tIns="0" bIns="0" anchor="ctr"/>
-          <a:p>
-            <a:endParaRPr b="0" lang="de-DE" sz="1800" spc="-1" strike="noStrike">
+          <a:bodyPr lIns="0" tIns="0" rIns="0" bIns="0" anchor="ctr"/>
+          <a:lstStyle/>
+          <a:p>
+            <a:endParaRPr lang="de-DE" sz="1800" b="0" strike="noStrike" spc="-1">
               <a:solidFill>
                 <a:srgbClr val="000000"/>
               </a:solidFill>
@@ -2357,11 +2571,14 @@
       </p:sp>
     </p:spTree>
   </p:cSld>
+  <p:clrMapOvr>
+    <a:masterClrMapping/>
+  </p:clrMapOvr>
 </p:sldLayout>
 </file>
 
 <file path=ppt/slideLayouts/slideLayout6.xml><?xml version="1.0" encoding="utf-8"?>
-<p:sldLayout xmlns:a="http://schemas.openxmlformats.org/drawingml/2006/main" xmlns:p="http://schemas.openxmlformats.org/presentationml/2006/main" xmlns:r="http://schemas.openxmlformats.org/officeDocument/2006/relationships" xmlns:p14="http://schemas.microsoft.com/office/powerpoint/2010/main" xmlns:p15="http://schemas.microsoft.com/office/powerpoint/2012/main" xmlns:mc="http://schemas.openxmlformats.org/markup-compatibility/2006" type="objOnly" preserve="1">
+<p:sldLayout xmlns:a="http://schemas.openxmlformats.org/drawingml/2006/main" xmlns:r="http://schemas.openxmlformats.org/officeDocument/2006/relationships" xmlns:p="http://schemas.openxmlformats.org/presentationml/2006/main" type="objOnly" preserve="1">
   <p:cSld name="Centered Text">
     <p:spTree>
       <p:nvGrpSpPr>
@@ -2397,10 +2614,11 @@
           </a:prstGeom>
         </p:spPr>
         <p:txBody>
-          <a:bodyPr lIns="0" rIns="0" tIns="0" bIns="0" anchor="ctr"/>
+          <a:bodyPr lIns="0" tIns="0" rIns="0" bIns="0" anchor="ctr"/>
+          <a:lstStyle/>
           <a:p>
             <a:pPr algn="ctr"/>
-            <a:endParaRPr b="0" lang="de-CH" sz="3200" spc="-1" strike="noStrike">
+            <a:endParaRPr lang="de-CH" sz="3200" b="0" strike="noStrike" spc="-1">
               <a:latin typeface="Arial"/>
             </a:endParaRPr>
           </a:p>
@@ -2408,11 +2626,14 @@
       </p:sp>
     </p:spTree>
   </p:cSld>
+  <p:clrMapOvr>
+    <a:masterClrMapping/>
+  </p:clrMapOvr>
 </p:sldLayout>
 </file>
 
 <file path=ppt/slideLayouts/slideLayout7.xml><?xml version="1.0" encoding="utf-8"?>
-<p:sldLayout xmlns:a="http://schemas.openxmlformats.org/drawingml/2006/main" xmlns:p="http://schemas.openxmlformats.org/presentationml/2006/main" xmlns:r="http://schemas.openxmlformats.org/officeDocument/2006/relationships" xmlns:p14="http://schemas.microsoft.com/office/powerpoint/2010/main" xmlns:p15="http://schemas.microsoft.com/office/powerpoint/2012/main" xmlns:mc="http://schemas.openxmlformats.org/markup-compatibility/2006" type="twoObjAndObj" preserve="1">
+<p:sldLayout xmlns:a="http://schemas.openxmlformats.org/drawingml/2006/main" xmlns:r="http://schemas.openxmlformats.org/officeDocument/2006/relationships" xmlns:p="http://schemas.openxmlformats.org/presentationml/2006/main" type="twoObjAndObj" preserve="1">
   <p:cSld name="Title, 2 Content and Content">
     <p:spTree>
       <p:nvGrpSpPr>
@@ -2448,9 +2669,10 @@
           </a:prstGeom>
         </p:spPr>
         <p:txBody>
-          <a:bodyPr lIns="0" rIns="0" tIns="0" bIns="0" anchor="ctr"/>
-          <a:p>
-            <a:endParaRPr b="0" lang="de-DE" sz="1800" spc="-1" strike="noStrike">
+          <a:bodyPr lIns="0" tIns="0" rIns="0" bIns="0" anchor="ctr"/>
+          <a:lstStyle/>
+          <a:p>
+            <a:endParaRPr lang="de-DE" sz="1800" b="0" strike="noStrike" spc="-1">
               <a:solidFill>
                 <a:srgbClr val="000000"/>
               </a:solidFill>
@@ -2479,11 +2701,12 @@
           </a:prstGeom>
         </p:spPr>
         <p:txBody>
-          <a:bodyPr lIns="0" rIns="0" tIns="0" bIns="0">
+          <a:bodyPr lIns="0" tIns="0" rIns="0" bIns="0">
             <a:normAutofit/>
           </a:bodyPr>
-          <a:p>
-            <a:endParaRPr b="0" lang="de-DE" sz="1800" spc="-1" strike="noStrike">
+          <a:lstStyle/>
+          <a:p>
+            <a:endParaRPr lang="de-DE" sz="1800" b="0" strike="noStrike" spc="-1">
               <a:solidFill>
                 <a:srgbClr val="000000"/>
               </a:solidFill>
@@ -2512,11 +2735,12 @@
           </a:prstGeom>
         </p:spPr>
         <p:txBody>
-          <a:bodyPr lIns="0" rIns="0" tIns="0" bIns="0">
+          <a:bodyPr lIns="0" tIns="0" rIns="0" bIns="0">
             <a:normAutofit/>
           </a:bodyPr>
-          <a:p>
-            <a:endParaRPr b="0" lang="de-DE" sz="1800" spc="-1" strike="noStrike">
+          <a:lstStyle/>
+          <a:p>
+            <a:endParaRPr lang="de-DE" sz="1800" b="0" strike="noStrike" spc="-1">
               <a:solidFill>
                 <a:srgbClr val="000000"/>
               </a:solidFill>
@@ -2545,11 +2769,12 @@
           </a:prstGeom>
         </p:spPr>
         <p:txBody>
-          <a:bodyPr lIns="0" rIns="0" tIns="0" bIns="0">
+          <a:bodyPr lIns="0" tIns="0" rIns="0" bIns="0">
             <a:normAutofit/>
           </a:bodyPr>
-          <a:p>
-            <a:endParaRPr b="0" lang="de-DE" sz="1800" spc="-1" strike="noStrike">
+          <a:lstStyle/>
+          <a:p>
+            <a:endParaRPr lang="de-DE" sz="1800" b="0" strike="noStrike" spc="-1">
               <a:solidFill>
                 <a:srgbClr val="000000"/>
               </a:solidFill>
@@ -2560,11 +2785,14 @@
       </p:sp>
     </p:spTree>
   </p:cSld>
+  <p:clrMapOvr>
+    <a:masterClrMapping/>
+  </p:clrMapOvr>
 </p:sldLayout>
 </file>
 
 <file path=ppt/slideLayouts/slideLayout8.xml><?xml version="1.0" encoding="utf-8"?>
-<p:sldLayout xmlns:a="http://schemas.openxmlformats.org/drawingml/2006/main" xmlns:p="http://schemas.openxmlformats.org/presentationml/2006/main" xmlns:r="http://schemas.openxmlformats.org/officeDocument/2006/relationships" xmlns:p14="http://schemas.microsoft.com/office/powerpoint/2010/main" xmlns:p15="http://schemas.microsoft.com/office/powerpoint/2012/main" xmlns:mc="http://schemas.openxmlformats.org/markup-compatibility/2006" type="objAndTwoObj" preserve="1">
+<p:sldLayout xmlns:a="http://schemas.openxmlformats.org/drawingml/2006/main" xmlns:r="http://schemas.openxmlformats.org/officeDocument/2006/relationships" xmlns:p="http://schemas.openxmlformats.org/presentationml/2006/main" type="objAndTwoObj" preserve="1">
   <p:cSld name="Title Content and 2 Content">
     <p:spTree>
       <p:nvGrpSpPr>
@@ -2600,9 +2828,10 @@
           </a:prstGeom>
         </p:spPr>
         <p:txBody>
-          <a:bodyPr lIns="0" rIns="0" tIns="0" bIns="0" anchor="ctr"/>
-          <a:p>
-            <a:endParaRPr b="0" lang="de-DE" sz="1800" spc="-1" strike="noStrike">
+          <a:bodyPr lIns="0" tIns="0" rIns="0" bIns="0" anchor="ctr"/>
+          <a:lstStyle/>
+          <a:p>
+            <a:endParaRPr lang="de-DE" sz="1800" b="0" strike="noStrike" spc="-1">
               <a:solidFill>
                 <a:srgbClr val="000000"/>
               </a:solidFill>
@@ -2631,11 +2860,12 @@
           </a:prstGeom>
         </p:spPr>
         <p:txBody>
-          <a:bodyPr lIns="0" rIns="0" tIns="0" bIns="0">
+          <a:bodyPr lIns="0" tIns="0" rIns="0" bIns="0">
             <a:normAutofit/>
           </a:bodyPr>
-          <a:p>
-            <a:endParaRPr b="0" lang="de-DE" sz="1800" spc="-1" strike="noStrike">
+          <a:lstStyle/>
+          <a:p>
+            <a:endParaRPr lang="de-DE" sz="1800" b="0" strike="noStrike" spc="-1">
               <a:solidFill>
                 <a:srgbClr val="000000"/>
               </a:solidFill>
@@ -2664,11 +2894,12 @@
           </a:prstGeom>
         </p:spPr>
         <p:txBody>
-          <a:bodyPr lIns="0" rIns="0" tIns="0" bIns="0">
+          <a:bodyPr lIns="0" tIns="0" rIns="0" bIns="0">
             <a:normAutofit/>
           </a:bodyPr>
-          <a:p>
-            <a:endParaRPr b="0" lang="de-DE" sz="1800" spc="-1" strike="noStrike">
+          <a:lstStyle/>
+          <a:p>
+            <a:endParaRPr lang="de-DE" sz="1800" b="0" strike="noStrike" spc="-1">
               <a:solidFill>
                 <a:srgbClr val="000000"/>
               </a:solidFill>
@@ -2697,11 +2928,12 @@
           </a:prstGeom>
         </p:spPr>
         <p:txBody>
-          <a:bodyPr lIns="0" rIns="0" tIns="0" bIns="0">
+          <a:bodyPr lIns="0" tIns="0" rIns="0" bIns="0">
             <a:normAutofit/>
           </a:bodyPr>
-          <a:p>
-            <a:endParaRPr b="0" lang="de-DE" sz="1800" spc="-1" strike="noStrike">
+          <a:lstStyle/>
+          <a:p>
+            <a:endParaRPr lang="de-DE" sz="1800" b="0" strike="noStrike" spc="-1">
               <a:solidFill>
                 <a:srgbClr val="000000"/>
               </a:solidFill>
@@ -2712,11 +2944,14 @@
       </p:sp>
     </p:spTree>
   </p:cSld>
+  <p:clrMapOvr>
+    <a:masterClrMapping/>
+  </p:clrMapOvr>
 </p:sldLayout>
 </file>
 
 <file path=ppt/slideLayouts/slideLayout9.xml><?xml version="1.0" encoding="utf-8"?>
-<p:sldLayout xmlns:a="http://schemas.openxmlformats.org/drawingml/2006/main" xmlns:p="http://schemas.openxmlformats.org/presentationml/2006/main" xmlns:r="http://schemas.openxmlformats.org/officeDocument/2006/relationships" xmlns:p14="http://schemas.microsoft.com/office/powerpoint/2010/main" xmlns:p15="http://schemas.microsoft.com/office/powerpoint/2012/main" xmlns:mc="http://schemas.openxmlformats.org/markup-compatibility/2006" type="twoObjOverTx" preserve="1">
+<p:sldLayout xmlns:a="http://schemas.openxmlformats.org/drawingml/2006/main" xmlns:r="http://schemas.openxmlformats.org/officeDocument/2006/relationships" xmlns:p="http://schemas.openxmlformats.org/presentationml/2006/main" type="twoObjOverTx" preserve="1">
   <p:cSld name="Title, 2 Content over Content">
     <p:spTree>
       <p:nvGrpSpPr>
@@ -2752,9 +2987,10 @@
           </a:prstGeom>
         </p:spPr>
         <p:txBody>
-          <a:bodyPr lIns="0" rIns="0" tIns="0" bIns="0" anchor="ctr"/>
-          <a:p>
-            <a:endParaRPr b="0" lang="de-DE" sz="1800" spc="-1" strike="noStrike">
+          <a:bodyPr lIns="0" tIns="0" rIns="0" bIns="0" anchor="ctr"/>
+          <a:lstStyle/>
+          <a:p>
+            <a:endParaRPr lang="de-DE" sz="1800" b="0" strike="noStrike" spc="-1">
               <a:solidFill>
                 <a:srgbClr val="000000"/>
               </a:solidFill>
@@ -2783,11 +3019,12 @@
           </a:prstGeom>
         </p:spPr>
         <p:txBody>
-          <a:bodyPr lIns="0" rIns="0" tIns="0" bIns="0">
+          <a:bodyPr lIns="0" tIns="0" rIns="0" bIns="0">
             <a:normAutofit/>
           </a:bodyPr>
-          <a:p>
-            <a:endParaRPr b="0" lang="de-DE" sz="1800" spc="-1" strike="noStrike">
+          <a:lstStyle/>
+          <a:p>
+            <a:endParaRPr lang="de-DE" sz="1800" b="0" strike="noStrike" spc="-1">
               <a:solidFill>
                 <a:srgbClr val="000000"/>
               </a:solidFill>
@@ -2816,11 +3053,12 @@
           </a:prstGeom>
         </p:spPr>
         <p:txBody>
-          <a:bodyPr lIns="0" rIns="0" tIns="0" bIns="0">
+          <a:bodyPr lIns="0" tIns="0" rIns="0" bIns="0">
             <a:normAutofit/>
           </a:bodyPr>
-          <a:p>
-            <a:endParaRPr b="0" lang="de-DE" sz="1800" spc="-1" strike="noStrike">
+          <a:lstStyle/>
+          <a:p>
+            <a:endParaRPr lang="de-DE" sz="1800" b="0" strike="noStrike" spc="-1">
               <a:solidFill>
                 <a:srgbClr val="000000"/>
               </a:solidFill>
@@ -2849,11 +3087,12 @@
           </a:prstGeom>
         </p:spPr>
         <p:txBody>
-          <a:bodyPr lIns="0" rIns="0" tIns="0" bIns="0">
+          <a:bodyPr lIns="0" tIns="0" rIns="0" bIns="0">
             <a:normAutofit/>
           </a:bodyPr>
-          <a:p>
-            <a:endParaRPr b="0" lang="de-DE" sz="1800" spc="-1" strike="noStrike">
+          <a:lstStyle/>
+          <a:p>
+            <a:endParaRPr lang="de-DE" sz="1800" b="0" strike="noStrike" spc="-1">
               <a:solidFill>
                 <a:srgbClr val="000000"/>
               </a:solidFill>
@@ -2864,17 +3103,21 @@
       </p:sp>
     </p:spTree>
   </p:cSld>
+  <p:clrMapOvr>
+    <a:masterClrMapping/>
+  </p:clrMapOvr>
 </p:sldLayout>
 </file>
 
 <file path=ppt/slideMasters/slideMaster1.xml><?xml version="1.0" encoding="utf-8"?>
-<p:sldMaster xmlns:a="http://schemas.openxmlformats.org/drawingml/2006/main" xmlns:p="http://schemas.openxmlformats.org/presentationml/2006/main" xmlns:r="http://schemas.openxmlformats.org/officeDocument/2006/relationships" xmlns:p14="http://schemas.microsoft.com/office/powerpoint/2010/main" xmlns:p15="http://schemas.microsoft.com/office/powerpoint/2012/main" xmlns:mc="http://schemas.openxmlformats.org/markup-compatibility/2006">
+<p:sldMaster xmlns:a="http://schemas.openxmlformats.org/drawingml/2006/main" xmlns:r="http://schemas.openxmlformats.org/officeDocument/2006/relationships" xmlns:p="http://schemas.openxmlformats.org/presentationml/2006/main">
   <p:cSld>
     <p:bg>
       <p:bgPr>
         <a:solidFill>
-          <a:srgbClr val="ffffff"/>
+          <a:srgbClr val="FFFFFF"/>
         </a:solidFill>
+        <a:effectLst/>
       </p:bgPr>
     </p:bg>
     <p:spTree>
@@ -2893,7 +3136,7 @@
       </p:grpSpPr>
       <p:sp>
         <p:nvSpPr>
-          <p:cNvPr id="0" name="PlaceHolder 1"/>
+          <p:cNvPr id="2" name="PlaceHolder 1"/>
           <p:cNvSpPr>
             <a:spLocks noGrp="1"/>
           </p:cNvSpPr>
@@ -2911,10 +3154,11 @@
           </a:prstGeom>
         </p:spPr>
         <p:txBody>
-          <a:bodyPr lIns="0" rIns="0" tIns="0" bIns="0" anchor="ctr"/>
-          <a:p>
-            <a:r>
-              <a:rPr b="0" lang="de-DE" sz="1800" spc="-1" strike="noStrike">
+          <a:bodyPr lIns="0" tIns="0" rIns="0" bIns="0" anchor="ctr"/>
+          <a:lstStyle/>
+          <a:p>
+            <a:r>
+              <a:rPr lang="de-DE" sz="1800" b="0" strike="noStrike" spc="-1">
                 <a:solidFill>
                   <a:srgbClr val="000000"/>
                 </a:solidFill>
@@ -2922,18 +3166,12 @@
               </a:rPr>
               <a:t>Format des Titeltextes durch Klicken bearbeiten</a:t>
             </a:r>
-            <a:endParaRPr b="0" lang="de-DE" sz="1800" spc="-1" strike="noStrike">
-              <a:solidFill>
-                <a:srgbClr val="000000"/>
-              </a:solidFill>
-              <a:latin typeface="Arial"/>
-            </a:endParaRPr>
-          </a:p>
-        </p:txBody>
-      </p:sp>
-      <p:sp>
-        <p:nvSpPr>
-          <p:cNvPr id="1" name="PlaceHolder 2"/>
+          </a:p>
+        </p:txBody>
+      </p:sp>
+      <p:sp>
+        <p:nvSpPr>
+          <p:cNvPr id="3" name="PlaceHolder 2"/>
           <p:cNvSpPr>
             <a:spLocks noGrp="1"/>
           </p:cNvSpPr>
@@ -2951,9 +3189,10 @@
           </a:prstGeom>
         </p:spPr>
         <p:txBody>
-          <a:bodyPr lIns="0" rIns="0" tIns="0" bIns="0">
+          <a:bodyPr lIns="0" tIns="0" rIns="0" bIns="0">
             <a:normAutofit/>
           </a:bodyPr>
+          <a:lstStyle/>
           <a:p>
             <a:pPr marL="432000" indent="-324000">
               <a:spcBef>
@@ -2967,7 +3206,7 @@
               <a:buChar char=""/>
             </a:pPr>
             <a:r>
-              <a:rPr b="0" lang="de-DE" sz="1800" spc="-1" strike="noStrike">
+              <a:rPr lang="de-DE" sz="1800" b="0" strike="noStrike" spc="-1">
                 <a:solidFill>
                   <a:srgbClr val="000000"/>
                 </a:solidFill>
@@ -2975,15 +3214,9 @@
               </a:rPr>
               <a:t>Format des Gliederungstextes durch Klicken bearbeiten</a:t>
             </a:r>
-            <a:endParaRPr b="0" lang="de-DE" sz="1800" spc="-1" strike="noStrike">
-              <a:solidFill>
-                <a:srgbClr val="000000"/>
-              </a:solidFill>
-              <a:latin typeface="Arial"/>
-            </a:endParaRPr>
-          </a:p>
-          <a:p>
-            <a:pPr lvl="1" marL="864000" indent="-324000">
+          </a:p>
+          <a:p>
+            <a:pPr marL="864000" lvl="1" indent="-324000">
               <a:spcBef>
                 <a:spcPts val="1134"/>
               </a:spcBef>
@@ -2995,7 +3228,7 @@
               <a:buChar char=""/>
             </a:pPr>
             <a:r>
-              <a:rPr b="0" lang="de-DE" sz="1800" spc="-1" strike="noStrike">
+              <a:rPr lang="de-DE" sz="1800" b="0" strike="noStrike" spc="-1">
                 <a:solidFill>
                   <a:srgbClr val="000000"/>
                 </a:solidFill>
@@ -3003,15 +3236,9 @@
               </a:rPr>
               <a:t>Zweite Gliederungsebene</a:t>
             </a:r>
-            <a:endParaRPr b="0" lang="de-DE" sz="1800" spc="-1" strike="noStrike">
-              <a:solidFill>
-                <a:srgbClr val="000000"/>
-              </a:solidFill>
-              <a:latin typeface="Arial"/>
-            </a:endParaRPr>
-          </a:p>
-          <a:p>
-            <a:pPr lvl="2" marL="1296000" indent="-288000">
+          </a:p>
+          <a:p>
+            <a:pPr marL="1296000" lvl="2" indent="-288000">
               <a:spcBef>
                 <a:spcPts val="850"/>
               </a:spcBef>
@@ -3023,7 +3250,7 @@
               <a:buChar char=""/>
             </a:pPr>
             <a:r>
-              <a:rPr b="0" lang="de-DE" sz="1800" spc="-1" strike="noStrike">
+              <a:rPr lang="de-DE" sz="1800" b="0" strike="noStrike" spc="-1">
                 <a:solidFill>
                   <a:srgbClr val="000000"/>
                 </a:solidFill>
@@ -3031,15 +3258,9 @@
               </a:rPr>
               <a:t>Dritte Gliederungsebene</a:t>
             </a:r>
-            <a:endParaRPr b="0" lang="de-DE" sz="1800" spc="-1" strike="noStrike">
-              <a:solidFill>
-                <a:srgbClr val="000000"/>
-              </a:solidFill>
-              <a:latin typeface="Arial"/>
-            </a:endParaRPr>
-          </a:p>
-          <a:p>
-            <a:pPr lvl="3" marL="1728000" indent="-216000">
+          </a:p>
+          <a:p>
+            <a:pPr marL="1728000" lvl="3" indent="-216000">
               <a:spcBef>
                 <a:spcPts val="567"/>
               </a:spcBef>
@@ -3051,7 +3272,7 @@
               <a:buChar char=""/>
             </a:pPr>
             <a:r>
-              <a:rPr b="0" lang="de-DE" sz="1800" spc="-1" strike="noStrike">
+              <a:rPr lang="de-DE" sz="1800" b="0" strike="noStrike" spc="-1">
                 <a:solidFill>
                   <a:srgbClr val="000000"/>
                 </a:solidFill>
@@ -3059,15 +3280,9 @@
               </a:rPr>
               <a:t>Vierte Gliederungsebene</a:t>
             </a:r>
-            <a:endParaRPr b="0" lang="de-DE" sz="1800" spc="-1" strike="noStrike">
-              <a:solidFill>
-                <a:srgbClr val="000000"/>
-              </a:solidFill>
-              <a:latin typeface="Arial"/>
-            </a:endParaRPr>
-          </a:p>
-          <a:p>
-            <a:pPr lvl="4" marL="2160000" indent="-216000">
+          </a:p>
+          <a:p>
+            <a:pPr marL="2160000" lvl="4" indent="-216000">
               <a:spcBef>
                 <a:spcPts val="283"/>
               </a:spcBef>
@@ -3079,7 +3294,7 @@
               <a:buChar char=""/>
             </a:pPr>
             <a:r>
-              <a:rPr b="0" lang="de-DE" sz="1800" spc="-1" strike="noStrike">
+              <a:rPr lang="de-DE" sz="1800" b="0" strike="noStrike" spc="-1">
                 <a:solidFill>
                   <a:srgbClr val="000000"/>
                 </a:solidFill>
@@ -3087,15 +3302,9 @@
               </a:rPr>
               <a:t>Fünfte Gliederungsebene</a:t>
             </a:r>
-            <a:endParaRPr b="0" lang="de-DE" sz="1800" spc="-1" strike="noStrike">
-              <a:solidFill>
-                <a:srgbClr val="000000"/>
-              </a:solidFill>
-              <a:latin typeface="Arial"/>
-            </a:endParaRPr>
-          </a:p>
-          <a:p>
-            <a:pPr lvl="5" marL="2592000" indent="-216000">
+          </a:p>
+          <a:p>
+            <a:pPr marL="2592000" lvl="5" indent="-216000">
               <a:spcBef>
                 <a:spcPts val="283"/>
               </a:spcBef>
@@ -3107,7 +3316,7 @@
               <a:buChar char=""/>
             </a:pPr>
             <a:r>
-              <a:rPr b="0" lang="de-DE" sz="1800" spc="-1" strike="noStrike">
+              <a:rPr lang="de-DE" sz="1800" b="0" strike="noStrike" spc="-1">
                 <a:solidFill>
                   <a:srgbClr val="000000"/>
                 </a:solidFill>
@@ -3115,15 +3324,9 @@
               </a:rPr>
               <a:t>Sechste Gliederungsebene</a:t>
             </a:r>
-            <a:endParaRPr b="0" lang="de-DE" sz="1800" spc="-1" strike="noStrike">
-              <a:solidFill>
-                <a:srgbClr val="000000"/>
-              </a:solidFill>
-              <a:latin typeface="Arial"/>
-            </a:endParaRPr>
-          </a:p>
-          <a:p>
-            <a:pPr lvl="6" marL="3024000" indent="-216000">
+          </a:p>
+          <a:p>
+            <a:pPr marL="3024000" lvl="6" indent="-216000">
               <a:spcBef>
                 <a:spcPts val="283"/>
               </a:spcBef>
@@ -3135,7 +3338,7 @@
               <a:buChar char=""/>
             </a:pPr>
             <a:r>
-              <a:rPr b="0" lang="de-DE" sz="1800" spc="-1" strike="noStrike">
+              <a:rPr lang="de-DE" sz="1800" b="0" strike="noStrike" spc="-1">
                 <a:solidFill>
                   <a:srgbClr val="000000"/>
                 </a:solidFill>
@@ -3143,43 +3346,43 @@
               </a:rPr>
               <a:t>Siebte Gliederungsebene</a:t>
             </a:r>
-            <a:endParaRPr b="0" lang="de-DE" sz="1800" spc="-1" strike="noStrike">
-              <a:solidFill>
-                <a:srgbClr val="000000"/>
-              </a:solidFill>
-              <a:latin typeface="Arial"/>
-            </a:endParaRPr>
           </a:p>
         </p:txBody>
       </p:sp>
     </p:spTree>
   </p:cSld>
-  <p:clrMap bg1="lt1" bg2="lt2" tx1="dk1" tx2="dk2" accent1="accent1" accent2="accent2" accent3="accent3" accent4="accent4" accent5="accent5" accent6="accent6" hlink="hlink" folHlink="folHlink"/>
+  <p:clrMap bg1="lt1" tx1="dk1" bg2="lt2" tx2="dk2" accent1="accent1" accent2="accent2" accent3="accent3" accent4="accent4" accent5="accent5" accent6="accent6" hlink="hlink" folHlink="folHlink"/>
   <p:sldLayoutIdLst>
-    <p:sldLayoutId id="2147483649" r:id="rId2"/>
-    <p:sldLayoutId id="2147483650" r:id="rId3"/>
-    <p:sldLayoutId id="2147483651" r:id="rId4"/>
-    <p:sldLayoutId id="2147483652" r:id="rId5"/>
-    <p:sldLayoutId id="2147483653" r:id="rId6"/>
-    <p:sldLayoutId id="2147483654" r:id="rId7"/>
-    <p:sldLayoutId id="2147483655" r:id="rId8"/>
-    <p:sldLayoutId id="2147483656" r:id="rId9"/>
-    <p:sldLayoutId id="2147483657" r:id="rId10"/>
-    <p:sldLayoutId id="2147483658" r:id="rId11"/>
-    <p:sldLayoutId id="2147483659" r:id="rId12"/>
-    <p:sldLayoutId id="2147483660" r:id="rId13"/>
+    <p:sldLayoutId id="2147483649" r:id="rId1"/>
+    <p:sldLayoutId id="2147483650" r:id="rId2"/>
+    <p:sldLayoutId id="2147483651" r:id="rId3"/>
+    <p:sldLayoutId id="2147483652" r:id="rId4"/>
+    <p:sldLayoutId id="2147483653" r:id="rId5"/>
+    <p:sldLayoutId id="2147483654" r:id="rId6"/>
+    <p:sldLayoutId id="2147483655" r:id="rId7"/>
+    <p:sldLayoutId id="2147483656" r:id="rId8"/>
+    <p:sldLayoutId id="2147483657" r:id="rId9"/>
+    <p:sldLayoutId id="2147483658" r:id="rId10"/>
+    <p:sldLayoutId id="2147483659" r:id="rId11"/>
+    <p:sldLayoutId id="2147483660" r:id="rId12"/>
   </p:sldLayoutIdLst>
+  <p:txStyles>
+    <p:titleStyle/>
+    <p:bodyStyle/>
+    <p:otherStyle/>
+  </p:txStyles>
 </p:sldMaster>
 </file>
 
 <file path=ppt/slideMasters/slideMaster2.xml><?xml version="1.0" encoding="utf-8"?>
-<p:sldMaster xmlns:a="http://schemas.openxmlformats.org/drawingml/2006/main" xmlns:p="http://schemas.openxmlformats.org/presentationml/2006/main" xmlns:r="http://schemas.openxmlformats.org/officeDocument/2006/relationships" xmlns:p14="http://schemas.microsoft.com/office/powerpoint/2010/main" xmlns:p15="http://schemas.microsoft.com/office/powerpoint/2012/main" xmlns:mc="http://schemas.openxmlformats.org/markup-compatibility/2006">
+<p:sldMaster xmlns:a="http://schemas.openxmlformats.org/drawingml/2006/main" xmlns:r="http://schemas.openxmlformats.org/officeDocument/2006/relationships" xmlns:p="http://schemas.openxmlformats.org/presentationml/2006/main">
   <p:cSld>
     <p:bg>
       <p:bgPr>
         <a:solidFill>
-          <a:srgbClr val="ffffff"/>
+          <a:srgbClr val="FFFFFF"/>
         </a:solidFill>
+        <a:effectLst/>
       </p:bgPr>
     </p:bg>
     <p:spTree>
@@ -3216,10 +3419,11 @@
           </a:prstGeom>
         </p:spPr>
         <p:txBody>
-          <a:bodyPr lIns="0" rIns="0" tIns="0" bIns="0" anchor="ctr"/>
-          <a:p>
-            <a:r>
-              <a:rPr b="0" lang="de-DE" sz="1800" spc="-1" strike="noStrike">
+          <a:bodyPr lIns="0" tIns="0" rIns="0" bIns="0" anchor="ctr"/>
+          <a:lstStyle/>
+          <a:p>
+            <a:r>
+              <a:rPr lang="de-DE" sz="1800" b="0" strike="noStrike" spc="-1">
                 <a:solidFill>
                   <a:srgbClr val="000000"/>
                 </a:solidFill>
@@ -3227,12 +3431,6 @@
               </a:rPr>
               <a:t>Format des Titeltextes durch Klicken bearbeiten</a:t>
             </a:r>
-            <a:endParaRPr b="0" lang="de-DE" sz="1800" spc="-1" strike="noStrike">
-              <a:solidFill>
-                <a:srgbClr val="000000"/>
-              </a:solidFill>
-              <a:latin typeface="Arial"/>
-            </a:endParaRPr>
           </a:p>
         </p:txBody>
       </p:sp>
@@ -3256,9 +3454,10 @@
           </a:prstGeom>
         </p:spPr>
         <p:txBody>
-          <a:bodyPr lIns="0" rIns="0" tIns="0" bIns="0">
+          <a:bodyPr lIns="0" tIns="0" rIns="0" bIns="0">
             <a:normAutofit/>
           </a:bodyPr>
+          <a:lstStyle/>
           <a:p>
             <a:pPr marL="432000" indent="-324000">
               <a:spcBef>
@@ -3272,7 +3471,7 @@
               <a:buChar char=""/>
             </a:pPr>
             <a:r>
-              <a:rPr b="0" lang="de-DE" sz="1800" spc="-1" strike="noStrike">
+              <a:rPr lang="de-DE" sz="1800" b="0" strike="noStrike" spc="-1">
                 <a:solidFill>
                   <a:srgbClr val="000000"/>
                 </a:solidFill>
@@ -3280,15 +3479,9 @@
               </a:rPr>
               <a:t>Format des Gliederungstextes durch Klicken bearbeiten</a:t>
             </a:r>
-            <a:endParaRPr b="0" lang="de-DE" sz="1800" spc="-1" strike="noStrike">
-              <a:solidFill>
-                <a:srgbClr val="000000"/>
-              </a:solidFill>
-              <a:latin typeface="Arial"/>
-            </a:endParaRPr>
-          </a:p>
-          <a:p>
-            <a:pPr lvl="1" marL="864000" indent="-324000">
+          </a:p>
+          <a:p>
+            <a:pPr marL="864000" lvl="1" indent="-324000">
               <a:spcBef>
                 <a:spcPts val="1134"/>
               </a:spcBef>
@@ -3300,7 +3493,7 @@
               <a:buChar char=""/>
             </a:pPr>
             <a:r>
-              <a:rPr b="0" lang="de-DE" sz="1800" spc="-1" strike="noStrike">
+              <a:rPr lang="de-DE" sz="1800" b="0" strike="noStrike" spc="-1">
                 <a:solidFill>
                   <a:srgbClr val="000000"/>
                 </a:solidFill>
@@ -3308,15 +3501,9 @@
               </a:rPr>
               <a:t>Zweite Gliederungsebene</a:t>
             </a:r>
-            <a:endParaRPr b="0" lang="de-DE" sz="1800" spc="-1" strike="noStrike">
-              <a:solidFill>
-                <a:srgbClr val="000000"/>
-              </a:solidFill>
-              <a:latin typeface="Arial"/>
-            </a:endParaRPr>
-          </a:p>
-          <a:p>
-            <a:pPr lvl="2" marL="1296000" indent="-288000">
+          </a:p>
+          <a:p>
+            <a:pPr marL="1296000" lvl="2" indent="-288000">
               <a:spcBef>
                 <a:spcPts val="850"/>
               </a:spcBef>
@@ -3328,7 +3515,7 @@
               <a:buChar char=""/>
             </a:pPr>
             <a:r>
-              <a:rPr b="0" lang="de-DE" sz="1800" spc="-1" strike="noStrike">
+              <a:rPr lang="de-DE" sz="1800" b="0" strike="noStrike" spc="-1">
                 <a:solidFill>
                   <a:srgbClr val="000000"/>
                 </a:solidFill>
@@ -3336,15 +3523,9 @@
               </a:rPr>
               <a:t>Dritte Gliederungsebene</a:t>
             </a:r>
-            <a:endParaRPr b="0" lang="de-DE" sz="1800" spc="-1" strike="noStrike">
-              <a:solidFill>
-                <a:srgbClr val="000000"/>
-              </a:solidFill>
-              <a:latin typeface="Arial"/>
-            </a:endParaRPr>
-          </a:p>
-          <a:p>
-            <a:pPr lvl="3" marL="1728000" indent="-216000">
+          </a:p>
+          <a:p>
+            <a:pPr marL="1728000" lvl="3" indent="-216000">
               <a:spcBef>
                 <a:spcPts val="567"/>
               </a:spcBef>
@@ -3356,7 +3537,7 @@
               <a:buChar char=""/>
             </a:pPr>
             <a:r>
-              <a:rPr b="0" lang="de-DE" sz="1800" spc="-1" strike="noStrike">
+              <a:rPr lang="de-DE" sz="1800" b="0" strike="noStrike" spc="-1">
                 <a:solidFill>
                   <a:srgbClr val="000000"/>
                 </a:solidFill>
@@ -3364,15 +3545,9 @@
               </a:rPr>
               <a:t>Vierte Gliederungsebene</a:t>
             </a:r>
-            <a:endParaRPr b="0" lang="de-DE" sz="1800" spc="-1" strike="noStrike">
-              <a:solidFill>
-                <a:srgbClr val="000000"/>
-              </a:solidFill>
-              <a:latin typeface="Arial"/>
-            </a:endParaRPr>
-          </a:p>
-          <a:p>
-            <a:pPr lvl="4" marL="2160000" indent="-216000">
+          </a:p>
+          <a:p>
+            <a:pPr marL="2160000" lvl="4" indent="-216000">
               <a:spcBef>
                 <a:spcPts val="283"/>
               </a:spcBef>
@@ -3384,7 +3559,7 @@
               <a:buChar char=""/>
             </a:pPr>
             <a:r>
-              <a:rPr b="0" lang="de-DE" sz="2000" spc="-1" strike="noStrike">
+              <a:rPr lang="de-DE" sz="2000" b="0" strike="noStrike" spc="-1">
                 <a:solidFill>
                   <a:srgbClr val="000000"/>
                 </a:solidFill>
@@ -3392,15 +3567,9 @@
               </a:rPr>
               <a:t>Fünfte Gliederungsebene</a:t>
             </a:r>
-            <a:endParaRPr b="0" lang="de-DE" sz="2000" spc="-1" strike="noStrike">
-              <a:solidFill>
-                <a:srgbClr val="000000"/>
-              </a:solidFill>
-              <a:latin typeface="Arial"/>
-            </a:endParaRPr>
-          </a:p>
-          <a:p>
-            <a:pPr lvl="5" marL="2592000" indent="-216000">
+          </a:p>
+          <a:p>
+            <a:pPr marL="2592000" lvl="5" indent="-216000">
               <a:spcBef>
                 <a:spcPts val="283"/>
               </a:spcBef>
@@ -3412,7 +3581,7 @@
               <a:buChar char=""/>
             </a:pPr>
             <a:r>
-              <a:rPr b="0" lang="de-DE" sz="2000" spc="-1" strike="noStrike">
+              <a:rPr lang="de-DE" sz="2000" b="0" strike="noStrike" spc="-1">
                 <a:solidFill>
                   <a:srgbClr val="000000"/>
                 </a:solidFill>
@@ -3420,15 +3589,9 @@
               </a:rPr>
               <a:t>Sechste Gliederungsebene</a:t>
             </a:r>
-            <a:endParaRPr b="0" lang="de-DE" sz="2000" spc="-1" strike="noStrike">
-              <a:solidFill>
-                <a:srgbClr val="000000"/>
-              </a:solidFill>
-              <a:latin typeface="Arial"/>
-            </a:endParaRPr>
-          </a:p>
-          <a:p>
-            <a:pPr lvl="6" marL="3024000" indent="-216000">
+          </a:p>
+          <a:p>
+            <a:pPr marL="3024000" lvl="6" indent="-216000">
               <a:spcBef>
                 <a:spcPts val="283"/>
               </a:spcBef>
@@ -3440,7 +3603,7 @@
               <a:buChar char=""/>
             </a:pPr>
             <a:r>
-              <a:rPr b="0" lang="de-DE" sz="2000" spc="-1" strike="noStrike">
+              <a:rPr lang="de-DE" sz="2000" b="0" strike="noStrike" spc="-1">
                 <a:solidFill>
                   <a:srgbClr val="000000"/>
                 </a:solidFill>
@@ -3448,37 +3611,36 @@
               </a:rPr>
               <a:t>Siebte Gliederungsebene</a:t>
             </a:r>
-            <a:endParaRPr b="0" lang="de-DE" sz="2000" spc="-1" strike="noStrike">
-              <a:solidFill>
-                <a:srgbClr val="000000"/>
-              </a:solidFill>
-              <a:latin typeface="Arial"/>
-            </a:endParaRPr>
           </a:p>
         </p:txBody>
       </p:sp>
     </p:spTree>
   </p:cSld>
-  <p:clrMap bg1="lt1" bg2="lt2" tx1="dk1" tx2="dk2" accent1="accent1" accent2="accent2" accent3="accent3" accent4="accent4" accent5="accent5" accent6="accent6" hlink="hlink" folHlink="folHlink"/>
+  <p:clrMap bg1="lt1" tx1="dk1" bg2="lt2" tx2="dk2" accent1="accent1" accent2="accent2" accent3="accent3" accent4="accent4" accent5="accent5" accent6="accent6" hlink="hlink" folHlink="folHlink"/>
   <p:sldLayoutIdLst>
-    <p:sldLayoutId id="2147483662" r:id="rId2"/>
-    <p:sldLayoutId id="2147483663" r:id="rId3"/>
-    <p:sldLayoutId id="2147483664" r:id="rId4"/>
-    <p:sldLayoutId id="2147483665" r:id="rId5"/>
-    <p:sldLayoutId id="2147483666" r:id="rId6"/>
-    <p:sldLayoutId id="2147483667" r:id="rId7"/>
-    <p:sldLayoutId id="2147483668" r:id="rId8"/>
-    <p:sldLayoutId id="2147483669" r:id="rId9"/>
-    <p:sldLayoutId id="2147483670" r:id="rId10"/>
-    <p:sldLayoutId id="2147483671" r:id="rId11"/>
-    <p:sldLayoutId id="2147483672" r:id="rId12"/>
-    <p:sldLayoutId id="2147483673" r:id="rId13"/>
+    <p:sldLayoutId id="2147483662" r:id="rId1"/>
+    <p:sldLayoutId id="2147483663" r:id="rId2"/>
+    <p:sldLayoutId id="2147483664" r:id="rId3"/>
+    <p:sldLayoutId id="2147483665" r:id="rId4"/>
+    <p:sldLayoutId id="2147483666" r:id="rId5"/>
+    <p:sldLayoutId id="2147483667" r:id="rId6"/>
+    <p:sldLayoutId id="2147483668" r:id="rId7"/>
+    <p:sldLayoutId id="2147483669" r:id="rId8"/>
+    <p:sldLayoutId id="2147483670" r:id="rId9"/>
+    <p:sldLayoutId id="2147483671" r:id="rId10"/>
+    <p:sldLayoutId id="2147483672" r:id="rId11"/>
+    <p:sldLayoutId id="2147483673" r:id="rId12"/>
   </p:sldLayoutIdLst>
+  <p:txStyles>
+    <p:titleStyle/>
+    <p:bodyStyle/>
+    <p:otherStyle/>
+  </p:txStyles>
 </p:sldMaster>
 </file>
 
 <file path=ppt/slides/slide1.xml><?xml version="1.0" encoding="utf-8"?>
-<p:sld xmlns:a="http://schemas.openxmlformats.org/drawingml/2006/main" xmlns:p="http://schemas.openxmlformats.org/presentationml/2006/main" xmlns:r="http://schemas.openxmlformats.org/officeDocument/2006/relationships" xmlns:p14="http://schemas.microsoft.com/office/powerpoint/2010/main" xmlns:p15="http://schemas.microsoft.com/office/powerpoint/2012/main" xmlns:mc="http://schemas.openxmlformats.org/markup-compatibility/2006">
+<p:sld xmlns:a="http://schemas.openxmlformats.org/drawingml/2006/main" xmlns:r="http://schemas.openxmlformats.org/officeDocument/2006/relationships" xmlns:p="http://schemas.openxmlformats.org/presentationml/2006/main">
   <p:cSld>
     <p:spTree>
       <p:nvGrpSpPr>
@@ -3514,13 +3676,20 @@
           </a:ln>
         </p:spPr>
         <p:style>
-          <a:lnRef idx="0"/>
-          <a:fillRef idx="0"/>
-          <a:effectRef idx="0"/>
+          <a:lnRef idx="0">
+            <a:scrgbClr r="0" g="0" b="0"/>
+          </a:lnRef>
+          <a:fillRef idx="0">
+            <a:scrgbClr r="0" g="0" b="0"/>
+          </a:fillRef>
+          <a:effectRef idx="0">
+            <a:scrgbClr r="0" g="0" b="0"/>
+          </a:effectRef>
           <a:fontRef idx="minor"/>
         </p:style>
         <p:txBody>
-          <a:bodyPr lIns="0" rIns="0" tIns="0" bIns="0" anchor="ctr"/>
+          <a:bodyPr lIns="0" tIns="0" rIns="0" bIns="0" anchor="ctr"/>
+          <a:lstStyle/>
           <a:p>
             <a:pPr algn="ctr">
               <a:lnSpc>
@@ -3528,7 +3697,7 @@
               </a:lnSpc>
             </a:pPr>
             <a:r>
-              <a:rPr b="0" lang="de-CH" sz="4400" spc="-1" strike="noStrike">
+              <a:rPr lang="de-CH" sz="4400" b="0" strike="noStrike" spc="-1" dirty="0">
                 <a:solidFill>
                   <a:srgbClr val="000000"/>
                 </a:solidFill>
@@ -3537,22 +3706,70 @@
               </a:rPr>
               <a:t>Wetter und Luftqualität von Madrid</a:t>
             </a:r>
-            <a:endParaRPr b="0" lang="de-CH" sz="4400" spc="-1" strike="noStrike">
-              <a:latin typeface="Arial"/>
-            </a:endParaRPr>
-          </a:p>
-        </p:txBody>
-      </p:sp>
-      <p:sp>
-        <p:nvSpPr>
-          <p:cNvPr id="77" name="CustomShape 2"/>
+            <a:endParaRPr lang="de-CH" sz="4400" b="0" strike="noStrike" spc="-1" dirty="0">
+              <a:latin typeface="Arial"/>
+            </a:endParaRPr>
+          </a:p>
+        </p:txBody>
+      </p:sp>
+      <p:pic>
+        <p:nvPicPr>
+          <p:cNvPr id="78" name="Picture 42"/>
+          <p:cNvPicPr/>
+          <p:nvPr/>
+        </p:nvPicPr>
+        <p:blipFill>
+          <a:blip r:embed="rId2"/>
+          <a:srcRect l="25583" t="26212" r="10858" b="48043"/>
+          <a:stretch/>
+        </p:blipFill>
+        <p:spPr>
+          <a:xfrm>
+            <a:off x="3613836" y="1812680"/>
+            <a:ext cx="6395028" cy="1658783"/>
+          </a:xfrm>
+          <a:prstGeom prst="rect">
+            <a:avLst/>
+          </a:prstGeom>
+          <a:ln>
+            <a:noFill/>
+          </a:ln>
+        </p:spPr>
+      </p:pic>
+      <p:pic>
+        <p:nvPicPr>
+          <p:cNvPr id="79" name="Picture 43"/>
+          <p:cNvPicPr/>
+          <p:nvPr/>
+        </p:nvPicPr>
+        <p:blipFill>
+          <a:blip r:embed="rId3"/>
+          <a:srcRect l="25583" t="26212" r="11570" b="48043"/>
+          <a:stretch/>
+        </p:blipFill>
+        <p:spPr>
+          <a:xfrm>
+            <a:off x="3621172" y="3654131"/>
+            <a:ext cx="6336704" cy="1557408"/>
+          </a:xfrm>
+          <a:prstGeom prst="rect">
+            <a:avLst/>
+          </a:prstGeom>
+          <a:ln>
+            <a:noFill/>
+          </a:ln>
+        </p:spPr>
+      </p:pic>
+      <p:sp>
+        <p:nvSpPr>
+          <p:cNvPr id="80" name="CustomShape 3"/>
           <p:cNvSpPr/>
           <p:nvPr/>
         </p:nvSpPr>
         <p:spPr>
           <a:xfrm>
-            <a:off x="6336000" y="1872000"/>
-            <a:ext cx="3671280" cy="3095280"/>
+            <a:off x="1008000" y="1172520"/>
+            <a:ext cx="8135280" cy="345600"/>
           </a:xfrm>
           <a:prstGeom prst="rect">
             <a:avLst/>
@@ -3563,13 +3780,20 @@
           </a:ln>
         </p:spPr>
         <p:style>
-          <a:lnRef idx="0"/>
-          <a:fillRef idx="0"/>
-          <a:effectRef idx="0"/>
+          <a:lnRef idx="0">
+            <a:scrgbClr r="0" g="0" b="0"/>
+          </a:lnRef>
+          <a:fillRef idx="0">
+            <a:scrgbClr r="0" g="0" b="0"/>
+          </a:fillRef>
+          <a:effectRef idx="0">
+            <a:scrgbClr r="0" g="0" b="0"/>
+          </a:effectRef>
           <a:fontRef idx="minor"/>
         </p:style>
         <p:txBody>
-          <a:bodyPr lIns="0" rIns="0" tIns="0" bIns="0"/>
+          <a:bodyPr lIns="90000" tIns="45000" rIns="90000" bIns="45000"/>
+          <a:lstStyle/>
           <a:p>
             <a:pPr>
               <a:lnSpc>
@@ -3577,403 +3801,264 @@
               </a:lnSpc>
             </a:pPr>
             <a:r>
-              <a:rPr b="0" lang="de-CH" sz="1600" spc="-1" strike="noStrike">
-                <a:solidFill>
-                  <a:srgbClr val="000000"/>
-                </a:solidFill>
-                <a:latin typeface="Arial"/>
-                <a:ea typeface="DejaVu Sans"/>
-              </a:rPr>
-              <a:t>stations.csv – 24 Messstationen</a:t>
-            </a:r>
-            <a:endParaRPr b="0" lang="de-CH" sz="1600" spc="-1" strike="noStrike">
-              <a:latin typeface="Arial"/>
-            </a:endParaRPr>
-          </a:p>
-          <a:p>
-            <a:pPr>
-              <a:lnSpc>
-                <a:spcPct val="100000"/>
-              </a:lnSpc>
-            </a:pPr>
-            <a:endParaRPr b="0" lang="de-CH" sz="1600" spc="-1" strike="noStrike">
-              <a:latin typeface="Arial"/>
-            </a:endParaRPr>
-          </a:p>
-          <a:p>
-            <a:pPr>
-              <a:lnSpc>
-                <a:spcPct val="100000"/>
-              </a:lnSpc>
-            </a:pPr>
-            <a:r>
-              <a:rPr b="0" lang="de-CH" sz="1600" spc="-1" strike="noStrike">
-                <a:solidFill>
-                  <a:srgbClr val="000000"/>
-                </a:solidFill>
-                <a:latin typeface="Arial"/>
-                <a:ea typeface="DejaVu Sans"/>
-              </a:rPr>
-              <a:t>madrid_2001.csv</a:t>
-            </a:r>
-            <a:endParaRPr b="0" lang="de-CH" sz="1600" spc="-1" strike="noStrike">
-              <a:latin typeface="Arial"/>
-            </a:endParaRPr>
-          </a:p>
-          <a:p>
-            <a:pPr>
-              <a:lnSpc>
-                <a:spcPct val="100000"/>
-              </a:lnSpc>
-            </a:pPr>
-            <a:r>
-              <a:rPr b="0" lang="de-CH" sz="1600" spc="-1" strike="noStrike">
-                <a:solidFill>
-                  <a:srgbClr val="000000"/>
-                </a:solidFill>
-                <a:latin typeface="Arial"/>
-                <a:ea typeface="DejaVu Sans"/>
-              </a:rPr>
-              <a:t>	</a:t>
-            </a:r>
-            <a:r>
-              <a:rPr b="0" lang="de-CH" sz="1600" spc="-1" strike="noStrike">
-                <a:solidFill>
-                  <a:srgbClr val="000000"/>
-                </a:solidFill>
-                <a:latin typeface="Arial"/>
-                <a:ea typeface="DejaVu Sans"/>
-              </a:rPr>
-              <a:t>...</a:t>
-            </a:r>
-            <a:endParaRPr b="0" lang="de-CH" sz="1600" spc="-1" strike="noStrike">
-              <a:latin typeface="Arial"/>
-            </a:endParaRPr>
-          </a:p>
-          <a:p>
-            <a:pPr>
-              <a:lnSpc>
-                <a:spcPct val="100000"/>
-              </a:lnSpc>
-            </a:pPr>
-            <a:r>
-              <a:rPr b="0" lang="de-CH" sz="1600" spc="-1" strike="noStrike">
-                <a:solidFill>
-                  <a:srgbClr val="000000"/>
-                </a:solidFill>
-                <a:latin typeface="Arial"/>
-                <a:ea typeface="DejaVu Sans"/>
-              </a:rPr>
-              <a:t>madrid_2018.csv</a:t>
-            </a:r>
-            <a:endParaRPr b="0" lang="de-CH" sz="1600" spc="-1" strike="noStrike">
-              <a:latin typeface="Arial"/>
-            </a:endParaRPr>
-          </a:p>
-          <a:p>
-            <a:pPr>
-              <a:lnSpc>
-                <a:spcPct val="100000"/>
-              </a:lnSpc>
-            </a:pPr>
-            <a:endParaRPr b="0" lang="de-CH" sz="1600" spc="-1" strike="noStrike">
-              <a:latin typeface="Arial"/>
-            </a:endParaRPr>
-          </a:p>
-          <a:p>
-            <a:pPr>
-              <a:lnSpc>
-                <a:spcPct val="100000"/>
-              </a:lnSpc>
-            </a:pPr>
-            <a:r>
-              <a:rPr b="0" lang="de-CH" sz="1600" spc="-1" strike="noStrike">
-                <a:solidFill>
-                  <a:srgbClr val="000000"/>
-                </a:solidFill>
-                <a:latin typeface="Arial"/>
-                <a:ea typeface="DejaVu Sans"/>
-              </a:rPr>
-              <a:t>	</a:t>
-            </a:r>
-            <a:r>
-              <a:rPr b="0" lang="de-CH" sz="1600" spc="-1" strike="noStrike">
-                <a:solidFill>
-                  <a:srgbClr val="000000"/>
-                </a:solidFill>
-                <a:latin typeface="Arial"/>
-                <a:ea typeface="DejaVu Sans"/>
-              </a:rPr>
-              <a:t>	</a:t>
-            </a:r>
-            <a:r>
-              <a:rPr b="0" lang="de-CH" sz="1600" spc="-1" strike="noStrike">
-                <a:solidFill>
-                  <a:srgbClr val="000000"/>
-                </a:solidFill>
-                <a:latin typeface="Arial"/>
-                <a:ea typeface="DejaVu Sans"/>
-              </a:rPr>
-              <a:t>	</a:t>
-            </a:r>
-            <a:r>
-              <a:rPr b="0" lang="de-CH" sz="1600" spc="-1" strike="noStrike">
-                <a:solidFill>
-                  <a:srgbClr val="000000"/>
-                </a:solidFill>
-                <a:latin typeface="Arial"/>
-                <a:ea typeface="DejaVu Sans"/>
-              </a:rPr>
-              <a:t>	</a:t>
-            </a:r>
-            <a:r>
-              <a:rPr b="0" lang="de-CH" sz="1600" spc="-1" strike="noStrike">
-                <a:solidFill>
-                  <a:srgbClr val="000000"/>
-                </a:solidFill>
-                <a:latin typeface="Arial"/>
-                <a:ea typeface="DejaVu Sans"/>
-              </a:rPr>
-              <a:t>	</a:t>
-            </a:r>
-            <a:r>
-              <a:rPr b="0" lang="de-CH" sz="1600" spc="-1" strike="noStrike">
-                <a:solidFill>
-                  <a:srgbClr val="000000"/>
-                </a:solidFill>
-                <a:latin typeface="Arial"/>
-                <a:ea typeface="DejaVu Sans"/>
-              </a:rPr>
-              <a:t>→ </a:t>
-            </a:r>
-            <a:r>
-              <a:rPr b="0" lang="de-CH" sz="1600" spc="-1" strike="noStrike">
-                <a:solidFill>
-                  <a:srgbClr val="000000"/>
-                </a:solidFill>
-                <a:latin typeface="Arial"/>
-                <a:ea typeface="DejaVu Sans"/>
-              </a:rPr>
-              <a:t>500 MB</a:t>
-            </a:r>
-            <a:endParaRPr b="0" lang="de-CH" sz="1600" spc="-1" strike="noStrike">
-              <a:latin typeface="Arial"/>
-            </a:endParaRPr>
-          </a:p>
-          <a:p>
-            <a:pPr>
-              <a:lnSpc>
-                <a:spcPct val="100000"/>
-              </a:lnSpc>
-            </a:pPr>
-            <a:endParaRPr b="0" lang="de-CH" sz="1600" spc="-1" strike="noStrike">
-              <a:latin typeface="Arial"/>
-            </a:endParaRPr>
-          </a:p>
-          <a:p>
-            <a:pPr>
-              <a:lnSpc>
-                <a:spcPct val="100000"/>
-              </a:lnSpc>
-            </a:pPr>
-            <a:r>
-              <a:rPr b="0" lang="de-CH" sz="1600" spc="-1" strike="noStrike">
-                <a:solidFill>
-                  <a:srgbClr val="000000"/>
-                </a:solidFill>
-                <a:latin typeface="Arial"/>
-                <a:ea typeface="DejaVu Sans"/>
-              </a:rPr>
-              <a:t>weather_madrid_LEMD_1997_2015.csv</a:t>
-            </a:r>
-            <a:endParaRPr b="0" lang="de-CH" sz="1600" spc="-1" strike="noStrike">
-              <a:latin typeface="Arial"/>
-            </a:endParaRPr>
-          </a:p>
-          <a:p>
-            <a:pPr>
-              <a:lnSpc>
-                <a:spcPct val="100000"/>
-              </a:lnSpc>
-            </a:pPr>
-            <a:endParaRPr b="0" lang="de-CH" sz="1600" spc="-1" strike="noStrike">
-              <a:latin typeface="Arial"/>
-            </a:endParaRPr>
-          </a:p>
-          <a:p>
-            <a:pPr>
-              <a:lnSpc>
-                <a:spcPct val="100000"/>
-              </a:lnSpc>
-            </a:pPr>
-            <a:r>
-              <a:rPr b="0" lang="de-CH" sz="1600" spc="-1" strike="noStrike">
-                <a:solidFill>
-                  <a:srgbClr val="000000"/>
-                </a:solidFill>
-                <a:latin typeface="Arial"/>
-                <a:ea typeface="DejaVu Sans"/>
-              </a:rPr>
-              <a:t>	</a:t>
-            </a:r>
-            <a:r>
-              <a:rPr b="0" lang="de-CH" sz="1600" spc="-1" strike="noStrike">
-                <a:solidFill>
-                  <a:srgbClr val="000000"/>
-                </a:solidFill>
-                <a:latin typeface="Arial"/>
-                <a:ea typeface="DejaVu Sans"/>
-              </a:rPr>
-              <a:t>	</a:t>
-            </a:r>
-            <a:r>
-              <a:rPr b="0" lang="de-CH" sz="1600" spc="-1" strike="noStrike">
-                <a:solidFill>
-                  <a:srgbClr val="000000"/>
-                </a:solidFill>
-                <a:latin typeface="Arial"/>
-                <a:ea typeface="DejaVu Sans"/>
-              </a:rPr>
-              <a:t>	</a:t>
-            </a:r>
-            <a:r>
-              <a:rPr b="0" lang="de-CH" sz="1600" spc="-1" strike="noStrike">
-                <a:solidFill>
-                  <a:srgbClr val="000000"/>
-                </a:solidFill>
-                <a:latin typeface="Arial"/>
-                <a:ea typeface="DejaVu Sans"/>
-              </a:rPr>
-              <a:t>	</a:t>
-            </a:r>
-            <a:r>
-              <a:rPr b="0" lang="de-CH" sz="1600" spc="-1" strike="noStrike">
-                <a:solidFill>
-                  <a:srgbClr val="000000"/>
-                </a:solidFill>
-                <a:latin typeface="Arial"/>
-                <a:ea typeface="DejaVu Sans"/>
-              </a:rPr>
-              <a:t>	</a:t>
-            </a:r>
-            <a:r>
-              <a:rPr b="0" lang="de-CH" sz="1600" spc="-1" strike="noStrike">
-                <a:solidFill>
-                  <a:srgbClr val="000000"/>
-                </a:solidFill>
-                <a:latin typeface="Arial"/>
-                <a:ea typeface="DejaVu Sans"/>
-              </a:rPr>
-              <a:t>→ </a:t>
-            </a:r>
-            <a:r>
-              <a:rPr b="0" lang="de-CH" sz="1600" spc="-1" strike="noStrike">
-                <a:solidFill>
-                  <a:srgbClr val="000000"/>
-                </a:solidFill>
-                <a:latin typeface="Arial"/>
-                <a:ea typeface="DejaVu Sans"/>
-              </a:rPr>
-              <a:t>0.5 MB</a:t>
-            </a:r>
-            <a:endParaRPr b="0" lang="de-CH" sz="1600" spc="-1" strike="noStrike">
-              <a:latin typeface="Arial"/>
-            </a:endParaRPr>
-          </a:p>
-        </p:txBody>
-      </p:sp>
-      <p:pic>
-        <p:nvPicPr>
-          <p:cNvPr id="78" name="Picture 42" descr=""/>
-          <p:cNvPicPr/>
-          <p:nvPr/>
-        </p:nvPicPr>
-        <p:blipFill>
-          <a:blip r:embed="rId1"/>
-          <a:srcRect l="25583" t="26212" r="10858" b="48043"/>
-          <a:stretch/>
-        </p:blipFill>
-        <p:spPr>
-          <a:xfrm>
-            <a:off x="144000" y="1872000"/>
-            <a:ext cx="6154920" cy="1313280"/>
-          </a:xfrm>
-          <a:prstGeom prst="rect">
-            <a:avLst/>
-          </a:prstGeom>
-          <a:ln>
-            <a:noFill/>
-          </a:ln>
-        </p:spPr>
-      </p:pic>
-      <p:pic>
-        <p:nvPicPr>
-          <p:cNvPr id="79" name="Picture 43" descr=""/>
-          <p:cNvPicPr/>
-          <p:nvPr/>
-        </p:nvPicPr>
-        <p:blipFill>
-          <a:blip r:embed="rId2"/>
-          <a:srcRect l="25583" t="26212" r="11570" b="48043"/>
-          <a:stretch/>
-        </p:blipFill>
-        <p:spPr>
-          <a:xfrm>
-            <a:off x="144000" y="3726720"/>
-            <a:ext cx="6083280" cy="1312560"/>
-          </a:xfrm>
-          <a:prstGeom prst="rect">
-            <a:avLst/>
-          </a:prstGeom>
-          <a:ln>
-            <a:noFill/>
-          </a:ln>
-        </p:spPr>
-      </p:pic>
-      <p:sp>
-        <p:nvSpPr>
-          <p:cNvPr id="80" name="CustomShape 3"/>
-          <p:cNvSpPr/>
-          <p:nvPr/>
-        </p:nvSpPr>
-        <p:spPr>
-          <a:xfrm>
-            <a:off x="1008000" y="1172520"/>
-            <a:ext cx="8135280" cy="345600"/>
-          </a:xfrm>
-          <a:prstGeom prst="rect">
-            <a:avLst/>
-          </a:prstGeom>
-          <a:noFill/>
-          <a:ln>
-            <a:noFill/>
-          </a:ln>
-        </p:spPr>
-        <p:style>
-          <a:lnRef idx="0"/>
-          <a:fillRef idx="0"/>
-          <a:effectRef idx="0"/>
-          <a:fontRef idx="minor"/>
-        </p:style>
-        <p:txBody>
-          <a:bodyPr lIns="90000" rIns="90000" tIns="45000" bIns="45000"/>
-          <a:p>
-            <a:pPr>
-              <a:lnSpc>
-                <a:spcPct val="100000"/>
-              </a:lnSpc>
-            </a:pPr>
-            <a:r>
-              <a:rPr b="0" lang="de-CH" sz="1800" spc="-1" strike="noStrike">
+              <a:rPr lang="de-CH" sz="1800" b="0" strike="noStrike" spc="-1" dirty="0">
                 <a:solidFill>
                   <a:srgbClr val="000000"/>
                 </a:solidFill>
                 <a:latin typeface="Arial"/>
                 <a:ea typeface="Microsoft YaHei"/>
               </a:rPr>
-              <a:t>Andreas Fischer, Bernd Novotny, Tobias Schieferdecker                 10.01.2019 </a:t>
-            </a:r>
-            <a:endParaRPr b="0" lang="de-CH" sz="1800" spc="-1" strike="noStrike">
+              <a:t>Andreas Fischer, Bernd Novotny, Tobias Schieferdecker                 </a:t>
+            </a:r>
+            <a:r>
+              <a:rPr lang="de-CH" sz="1800" b="0" strike="noStrike" spc="-1" dirty="0" smtClean="0">
+                <a:solidFill>
+                  <a:srgbClr val="000000"/>
+                </a:solidFill>
+                <a:latin typeface="Arial"/>
+                <a:ea typeface="Microsoft YaHei"/>
+              </a:rPr>
+              <a:t>13.01.2019 </a:t>
+            </a:r>
+            <a:endParaRPr lang="de-CH" sz="1800" b="0" strike="noStrike" spc="-1" dirty="0">
+              <a:latin typeface="Arial"/>
+            </a:endParaRPr>
+          </a:p>
+        </p:txBody>
+      </p:sp>
+      <p:sp>
+        <p:nvSpPr>
+          <p:cNvPr id="7" name="TextShape 2"/>
+          <p:cNvSpPr txBox="1"/>
+          <p:nvPr/>
+        </p:nvSpPr>
+        <p:spPr>
+          <a:xfrm>
+            <a:off x="287784" y="2140043"/>
+            <a:ext cx="3384184" cy="3071496"/>
+          </a:xfrm>
+          <a:prstGeom prst="rect">
+            <a:avLst/>
+          </a:prstGeom>
+          <a:noFill/>
+          <a:ln>
+            <a:noFill/>
+          </a:ln>
+        </p:spPr>
+        <p:txBody>
+          <a:bodyPr lIns="0" tIns="0" rIns="0" bIns="0"/>
+          <a:lstStyle/>
+          <a:p>
+            <a:pPr marL="360">
+              <a:lnSpc>
+                <a:spcPct val="100000"/>
+              </a:lnSpc>
+              <a:buClr>
+                <a:srgbClr val="000000"/>
+              </a:buClr>
+            </a:pPr>
+            <a:r>
+              <a:rPr lang="de-DE" sz="2400" b="1" strike="noStrike" spc="-1" dirty="0" smtClean="0">
+                <a:solidFill>
+                  <a:srgbClr val="000000"/>
+                </a:solidFill>
+                <a:latin typeface="Arial"/>
+              </a:rPr>
+              <a:t>Inhalt</a:t>
+            </a:r>
+            <a:endParaRPr lang="de-DE" sz="1800" b="1" strike="noStrike" spc="-1" dirty="0" smtClean="0">
+              <a:solidFill>
+                <a:srgbClr val="000000"/>
+              </a:solidFill>
+              <a:latin typeface="Arial"/>
+            </a:endParaRPr>
+          </a:p>
+          <a:p>
+            <a:pPr marL="343080" indent="-342720">
+              <a:lnSpc>
+                <a:spcPct val="100000"/>
+              </a:lnSpc>
+              <a:buClr>
+                <a:srgbClr val="000000"/>
+              </a:buClr>
+              <a:buFont typeface="Arial"/>
+              <a:buChar char="•"/>
+            </a:pPr>
+            <a:endParaRPr lang="de-DE" sz="1800" b="0" strike="noStrike" spc="-1" dirty="0" smtClean="0">
+              <a:solidFill>
+                <a:srgbClr val="000000"/>
+              </a:solidFill>
+              <a:latin typeface="Arial"/>
+            </a:endParaRPr>
+          </a:p>
+          <a:p>
+            <a:pPr marL="343080" indent="-342720">
+              <a:lnSpc>
+                <a:spcPct val="100000"/>
+              </a:lnSpc>
+              <a:buClr>
+                <a:srgbClr val="000000"/>
+              </a:buClr>
+              <a:buFont typeface="Arial"/>
+              <a:buChar char="•"/>
+            </a:pPr>
+            <a:r>
+              <a:rPr lang="de-DE" sz="1800" b="0" strike="noStrike" spc="-1" dirty="0" smtClean="0">
+                <a:solidFill>
+                  <a:srgbClr val="000000"/>
+                </a:solidFill>
+                <a:latin typeface="Arial"/>
+              </a:rPr>
+              <a:t>Beschreibung </a:t>
+            </a:r>
+            <a:r>
+              <a:rPr lang="de-DE" sz="1800" b="0" strike="noStrike" spc="-1" dirty="0">
+                <a:solidFill>
+                  <a:srgbClr val="000000"/>
+                </a:solidFill>
+                <a:latin typeface="Arial"/>
+              </a:rPr>
+              <a:t>der Daten</a:t>
+            </a:r>
+          </a:p>
+          <a:p>
+            <a:pPr marL="343080" indent="-342720">
+              <a:lnSpc>
+                <a:spcPct val="100000"/>
+              </a:lnSpc>
+              <a:buClr>
+                <a:srgbClr val="000000"/>
+              </a:buClr>
+              <a:buFont typeface="Arial"/>
+              <a:buChar char="•"/>
+            </a:pPr>
+            <a:r>
+              <a:rPr lang="de-DE" sz="1800" b="0" strike="noStrike" spc="-1" dirty="0">
+                <a:solidFill>
+                  <a:srgbClr val="000000"/>
+                </a:solidFill>
+                <a:latin typeface="Arial"/>
+              </a:rPr>
+              <a:t>Spark Befehlsabfolge</a:t>
+            </a:r>
+          </a:p>
+          <a:p>
+            <a:pPr marL="343080" indent="-342720">
+              <a:lnSpc>
+                <a:spcPct val="100000"/>
+              </a:lnSpc>
+              <a:buClr>
+                <a:srgbClr val="000000"/>
+              </a:buClr>
+              <a:buFont typeface="Arial"/>
+              <a:buChar char="•"/>
+            </a:pPr>
+            <a:r>
+              <a:rPr lang="de-DE" sz="1800" b="0" strike="noStrike" spc="-1" dirty="0">
+                <a:solidFill>
+                  <a:srgbClr val="000000"/>
+                </a:solidFill>
+                <a:latin typeface="Arial"/>
+              </a:rPr>
+              <a:t>Vergleich CSV und </a:t>
+            </a:r>
+            <a:r>
+              <a:rPr lang="de-DE" sz="1800" b="0" strike="noStrike" spc="-1" dirty="0" err="1">
+                <a:solidFill>
+                  <a:srgbClr val="000000"/>
+                </a:solidFill>
+                <a:latin typeface="Arial"/>
+              </a:rPr>
+              <a:t>Parquet</a:t>
+            </a:r>
+            <a:endParaRPr lang="de-DE" sz="1800" b="0" strike="noStrike" spc="-1" dirty="0">
+              <a:solidFill>
+                <a:srgbClr val="000000"/>
+              </a:solidFill>
+              <a:latin typeface="Arial"/>
+            </a:endParaRPr>
+          </a:p>
+          <a:p>
+            <a:pPr marL="343080" indent="-342720">
+              <a:lnSpc>
+                <a:spcPct val="100000"/>
+              </a:lnSpc>
+              <a:buClr>
+                <a:srgbClr val="000000"/>
+              </a:buClr>
+              <a:buFont typeface="Arial"/>
+              <a:buChar char="•"/>
+            </a:pPr>
+            <a:r>
+              <a:rPr lang="de-DE" sz="1800" b="0" strike="noStrike" spc="-1" dirty="0" err="1">
+                <a:solidFill>
+                  <a:srgbClr val="000000"/>
+                </a:solidFill>
+                <a:latin typeface="Arial"/>
+              </a:rPr>
+              <a:t>MapReduce</a:t>
+            </a:r>
+            <a:r>
+              <a:rPr lang="de-DE" sz="1800" b="0" strike="noStrike" spc="-1" dirty="0">
+                <a:solidFill>
+                  <a:srgbClr val="000000"/>
+                </a:solidFill>
+                <a:latin typeface="Arial"/>
+              </a:rPr>
+              <a:t> Verfahren</a:t>
+            </a:r>
+          </a:p>
+          <a:p>
+            <a:pPr marL="343080" indent="-342720">
+              <a:lnSpc>
+                <a:spcPct val="100000"/>
+              </a:lnSpc>
+              <a:buClr>
+                <a:srgbClr val="000000"/>
+              </a:buClr>
+              <a:buFont typeface="Arial"/>
+              <a:buChar char="•"/>
+            </a:pPr>
+            <a:r>
+              <a:rPr lang="de-DE" sz="1800" b="0" strike="noStrike" spc="-1" dirty="0" err="1">
+                <a:solidFill>
+                  <a:srgbClr val="000000"/>
+                </a:solidFill>
+                <a:latin typeface="Arial"/>
+              </a:rPr>
+              <a:t>Lessons</a:t>
+            </a:r>
+            <a:r>
+              <a:rPr lang="de-DE" sz="1800" b="0" strike="noStrike" spc="-1" dirty="0">
+                <a:solidFill>
+                  <a:srgbClr val="000000"/>
+                </a:solidFill>
+                <a:latin typeface="Arial"/>
+              </a:rPr>
+              <a:t> </a:t>
+            </a:r>
+            <a:r>
+              <a:rPr lang="de-DE" sz="1800" b="0" strike="noStrike" spc="-1" dirty="0" err="1" smtClean="0">
+                <a:solidFill>
+                  <a:srgbClr val="000000"/>
+                </a:solidFill>
+                <a:latin typeface="Arial"/>
+              </a:rPr>
+              <a:t>Learned</a:t>
+            </a:r>
+            <a:r>
+              <a:rPr lang="de-DE" sz="1800" b="0" strike="noStrike" spc="-1" dirty="0" smtClean="0">
+                <a:solidFill>
+                  <a:srgbClr val="000000"/>
+                </a:solidFill>
+                <a:latin typeface="Arial"/>
+              </a:rPr>
+              <a:t> - Fazit</a:t>
+            </a:r>
+            <a:endParaRPr lang="de-DE" sz="1800" b="0" strike="noStrike" spc="-1" dirty="0">
+              <a:solidFill>
+                <a:srgbClr val="000000"/>
+              </a:solidFill>
               <a:latin typeface="Arial"/>
             </a:endParaRPr>
           </a:p>
@@ -3981,11 +4066,14 @@
       </p:sp>
     </p:spTree>
   </p:cSld>
-  <mc:AlternateContent>
+  <p:clrMapOvr>
+    <a:masterClrMapping/>
+  </p:clrMapOvr>
+  <mc:AlternateContent xmlns:mc="http://schemas.openxmlformats.org/markup-compatibility/2006" xmlns:p14="http://schemas.microsoft.com/office/powerpoint/2010/main">
     <mc:Choice Requires="p14">
       <p:transition spd="slow" p14:dur="2000"/>
     </mc:Choice>
-    <mc:Fallback>
+    <mc:Fallback xmlns:p15="http://schemas.microsoft.com/office/powerpoint/2012/main" xmlns="">
       <p:transition spd="slow"/>
     </mc:Fallback>
   </mc:AlternateContent>
@@ -3997,14 +4085,14 @@
             <p:seq>
               <p:cTn id="2" dur="indefinite" nodeType="mainSeq"/>
               <p:prevCondLst>
-                <p:cond delay="0" evt="onPrev">
+                <p:cond evt="onPrev" delay="0">
                   <p:tgtEl>
                     <p:sldTgt/>
                   </p:tgtEl>
                 </p:cond>
               </p:prevCondLst>
               <p:nextCondLst>
-                <p:cond delay="0" evt="onNext">
+                <p:cond evt="onNext" delay="0">
                   <p:tgtEl>
                     <p:sldTgt/>
                   </p:tgtEl>
@@ -4019,8 +4107,8 @@
 </p:sld>
 </file>
 
-<file path=ppt/slides/slide2.xml><?xml version="1.0" encoding="utf-8"?>
-<p:sld xmlns:a="http://schemas.openxmlformats.org/drawingml/2006/main" xmlns:p="http://schemas.openxmlformats.org/presentationml/2006/main" xmlns:r="http://schemas.openxmlformats.org/officeDocument/2006/relationships" xmlns:p14="http://schemas.microsoft.com/office/powerpoint/2010/main" xmlns:p15="http://schemas.microsoft.com/office/powerpoint/2012/main" xmlns:mc="http://schemas.openxmlformats.org/markup-compatibility/2006">
+<file path=ppt/slides/slide10.xml><?xml version="1.0" encoding="utf-8"?>
+<p:sld xmlns:a="http://schemas.openxmlformats.org/drawingml/2006/main" xmlns:r="http://schemas.openxmlformats.org/officeDocument/2006/relationships" xmlns:p="http://schemas.openxmlformats.org/presentationml/2006/main">
   <p:cSld>
     <p:spTree>
       <p:nvGrpSpPr>
@@ -4038,276 +4126,80 @@
       </p:grpSpPr>
       <p:sp>
         <p:nvSpPr>
-          <p:cNvPr id="81" name="TextShape 1"/>
-          <p:cNvSpPr txBox="1"/>
-          <p:nvPr/>
-        </p:nvSpPr>
-        <p:spPr>
-          <a:xfrm>
-            <a:off x="504000" y="226080"/>
-            <a:ext cx="9070920" cy="945720"/>
-          </a:xfrm>
-          <a:prstGeom prst="rect">
-            <a:avLst/>
-          </a:prstGeom>
-          <a:noFill/>
-          <a:ln>
-            <a:noFill/>
-          </a:ln>
-        </p:spPr>
-        <p:txBody>
-          <a:bodyPr lIns="0" rIns="0" tIns="0" bIns="0" anchor="ctr"/>
-          <a:p>
-            <a:pPr>
-              <a:lnSpc>
-                <a:spcPct val="100000"/>
-              </a:lnSpc>
-            </a:pPr>
-            <a:r>
-              <a:rPr b="0" lang="de-DE" sz="1800" spc="-1" strike="noStrike">
-                <a:solidFill>
-                  <a:srgbClr val="000000"/>
-                </a:solidFill>
-                <a:latin typeface="Arial"/>
-              </a:rPr>
-              <a:t>Inhalt</a:t>
-            </a:r>
-            <a:endParaRPr b="0" lang="de-DE" sz="1800" spc="-1" strike="noStrike">
-              <a:solidFill>
-                <a:srgbClr val="000000"/>
-              </a:solidFill>
-              <a:latin typeface="Arial"/>
-            </a:endParaRPr>
-          </a:p>
-        </p:txBody>
-      </p:sp>
-      <p:sp>
-        <p:nvSpPr>
-          <p:cNvPr id="82" name="TextShape 2"/>
-          <p:cNvSpPr txBox="1"/>
-          <p:nvPr/>
-        </p:nvSpPr>
-        <p:spPr>
-          <a:xfrm>
-            <a:off x="504000" y="1326600"/>
-            <a:ext cx="9070920" cy="3287520"/>
-          </a:xfrm>
-          <a:prstGeom prst="rect">
-            <a:avLst/>
-          </a:prstGeom>
-          <a:noFill/>
-          <a:ln>
-            <a:noFill/>
-          </a:ln>
-        </p:spPr>
-        <p:txBody>
-          <a:bodyPr lIns="0" rIns="0" tIns="0" bIns="0"/>
-          <a:p>
-            <a:pPr marL="343080" indent="-342720">
-              <a:lnSpc>
-                <a:spcPct val="100000"/>
-              </a:lnSpc>
-              <a:buClr>
-                <a:srgbClr val="000000"/>
-              </a:buClr>
-              <a:buFont typeface="Arial"/>
-              <a:buChar char="•"/>
-            </a:pPr>
-            <a:r>
-              <a:rPr b="0" lang="de-DE" sz="1800" spc="-1" strike="noStrike">
-                <a:solidFill>
-                  <a:srgbClr val="000000"/>
-                </a:solidFill>
-                <a:latin typeface="Arial"/>
-              </a:rPr>
-              <a:t>Beschreibung der Daten</a:t>
-            </a:r>
-            <a:endParaRPr b="0" lang="de-DE" sz="1800" spc="-1" strike="noStrike">
-              <a:solidFill>
-                <a:srgbClr val="000000"/>
-              </a:solidFill>
-              <a:latin typeface="Arial"/>
-            </a:endParaRPr>
-          </a:p>
-          <a:p>
-            <a:pPr marL="343080" indent="-342720">
-              <a:lnSpc>
-                <a:spcPct val="100000"/>
-              </a:lnSpc>
-              <a:buClr>
-                <a:srgbClr val="000000"/>
-              </a:buClr>
-              <a:buFont typeface="Arial"/>
-              <a:buChar char="•"/>
-            </a:pPr>
-            <a:r>
-              <a:rPr b="0" lang="de-DE" sz="1800" spc="-1" strike="noStrike">
-                <a:solidFill>
-                  <a:srgbClr val="000000"/>
-                </a:solidFill>
-                <a:latin typeface="Arial"/>
-              </a:rPr>
-              <a:t>Spark Befehlsabfolge</a:t>
-            </a:r>
-            <a:endParaRPr b="0" lang="de-DE" sz="1800" spc="-1" strike="noStrike">
-              <a:solidFill>
-                <a:srgbClr val="000000"/>
-              </a:solidFill>
-              <a:latin typeface="Arial"/>
-            </a:endParaRPr>
-          </a:p>
-          <a:p>
-            <a:pPr marL="343080" indent="-342720">
-              <a:lnSpc>
-                <a:spcPct val="100000"/>
-              </a:lnSpc>
-              <a:buClr>
-                <a:srgbClr val="000000"/>
-              </a:buClr>
-              <a:buFont typeface="Arial"/>
-              <a:buChar char="•"/>
-            </a:pPr>
-            <a:r>
-              <a:rPr b="0" lang="de-DE" sz="1800" spc="-1" strike="noStrike">
-                <a:solidFill>
-                  <a:srgbClr val="000000"/>
-                </a:solidFill>
-                <a:latin typeface="Arial"/>
-              </a:rPr>
-              <a:t>Vergleich CSV und Parquet</a:t>
-            </a:r>
-            <a:endParaRPr b="0" lang="de-DE" sz="1800" spc="-1" strike="noStrike">
-              <a:solidFill>
-                <a:srgbClr val="000000"/>
-              </a:solidFill>
-              <a:latin typeface="Arial"/>
-            </a:endParaRPr>
-          </a:p>
-          <a:p>
-            <a:pPr marL="343080" indent="-342720">
-              <a:lnSpc>
-                <a:spcPct val="100000"/>
-              </a:lnSpc>
-              <a:buClr>
-                <a:srgbClr val="000000"/>
-              </a:buClr>
-              <a:buFont typeface="Arial"/>
-              <a:buChar char="•"/>
-            </a:pPr>
-            <a:r>
-              <a:rPr b="0" lang="de-DE" sz="1800" spc="-1" strike="noStrike">
-                <a:solidFill>
-                  <a:srgbClr val="000000"/>
-                </a:solidFill>
-                <a:latin typeface="Arial"/>
-              </a:rPr>
-              <a:t>MapReduce Verfahren</a:t>
-            </a:r>
-            <a:endParaRPr b="0" lang="de-DE" sz="1800" spc="-1" strike="noStrike">
-              <a:solidFill>
-                <a:srgbClr val="000000"/>
-              </a:solidFill>
-              <a:latin typeface="Arial"/>
-            </a:endParaRPr>
-          </a:p>
-          <a:p>
-            <a:pPr marL="343080" indent="-342720">
-              <a:lnSpc>
-                <a:spcPct val="100000"/>
-              </a:lnSpc>
-              <a:buClr>
-                <a:srgbClr val="000000"/>
-              </a:buClr>
-              <a:buFont typeface="Arial"/>
-              <a:buChar char="•"/>
-            </a:pPr>
-            <a:r>
-              <a:rPr b="0" lang="de-DE" sz="1800" spc="-1" strike="noStrike">
-                <a:solidFill>
-                  <a:srgbClr val="000000"/>
-                </a:solidFill>
-                <a:latin typeface="Arial"/>
-              </a:rPr>
-              <a:t>Lessons Learned</a:t>
-            </a:r>
-            <a:endParaRPr b="0" lang="de-DE" sz="1800" spc="-1" strike="noStrike">
-              <a:solidFill>
-                <a:srgbClr val="000000"/>
-              </a:solidFill>
-              <a:latin typeface="Arial"/>
-            </a:endParaRPr>
-          </a:p>
-          <a:p>
-            <a:pPr marL="343080" indent="-342720">
-              <a:lnSpc>
-                <a:spcPct val="100000"/>
-              </a:lnSpc>
-              <a:buClr>
-                <a:srgbClr val="000000"/>
-              </a:buClr>
-              <a:buFont typeface="Arial"/>
-              <a:buChar char="•"/>
-            </a:pPr>
-            <a:r>
-              <a:rPr b="0" lang="de-DE" sz="1800" spc="-1" strike="noStrike">
-                <a:solidFill>
-                  <a:srgbClr val="000000"/>
-                </a:solidFill>
-                <a:latin typeface="Arial"/>
-              </a:rPr>
-              <a:t>Fazit</a:t>
-            </a:r>
-            <a:endParaRPr b="0" lang="de-DE" sz="1800" spc="-1" strike="noStrike">
-              <a:solidFill>
-                <a:srgbClr val="000000"/>
-              </a:solidFill>
-              <a:latin typeface="Arial"/>
-            </a:endParaRPr>
+          <p:cNvPr id="2" name="Titel 1"/>
+          <p:cNvSpPr>
+            <a:spLocks noGrp="1"/>
+          </p:cNvSpPr>
+          <p:nvPr>
+            <p:ph type="title"/>
+          </p:nvPr>
+        </p:nvSpPr>
+        <p:spPr/>
+        <p:txBody>
+          <a:bodyPr/>
+          <a:lstStyle/>
+          <a:p>
+            <a:r>
+              <a:rPr lang="de-CH" sz="2800" dirty="0" err="1" smtClean="0"/>
+              <a:t>Lessons</a:t>
+            </a:r>
+            <a:r>
+              <a:rPr lang="de-CH" sz="2800" dirty="0" smtClean="0"/>
+              <a:t> </a:t>
+            </a:r>
+            <a:r>
+              <a:rPr lang="de-CH" sz="2800" dirty="0" err="1" smtClean="0"/>
+              <a:t>Learn</a:t>
+            </a:r>
+            <a:r>
+              <a:rPr lang="de-CH" sz="2800" dirty="0" smtClean="0"/>
+              <a:t> - Fazit</a:t>
+            </a:r>
+            <a:endParaRPr lang="de-CH" sz="2800" dirty="0"/>
+          </a:p>
+        </p:txBody>
+      </p:sp>
+      <p:sp>
+        <p:nvSpPr>
+          <p:cNvPr id="3" name="Untertitel 2"/>
+          <p:cNvSpPr>
+            <a:spLocks noGrp="1"/>
+          </p:cNvSpPr>
+          <p:nvPr>
+            <p:ph type="subTitle"/>
+          </p:nvPr>
+        </p:nvSpPr>
+        <p:spPr/>
+        <p:txBody>
+          <a:bodyPr/>
+          <a:lstStyle/>
+          <a:p>
+            <a:endParaRPr lang="de-CH"/>
           </a:p>
         </p:txBody>
       </p:sp>
     </p:spTree>
+    <p:extLst>
+      <p:ext uri="{BB962C8B-B14F-4D97-AF65-F5344CB8AC3E}">
+        <p14:creationId xmlns:p14="http://schemas.microsoft.com/office/powerpoint/2010/main" val="3822129052"/>
+      </p:ext>
+    </p:extLst>
   </p:cSld>
-  <mc:AlternateContent>
-    <mc:Choice Requires="p14">
-      <p:transition spd="slow" p14:dur="2000"/>
-    </mc:Choice>
-    <mc:Fallback>
-      <p:transition spd="slow"/>
-    </mc:Fallback>
-  </mc:AlternateContent>
+  <p:clrMapOvr>
+    <a:masterClrMapping/>
+  </p:clrMapOvr>
   <p:timing>
     <p:tnLst>
       <p:par>
-        <p:cTn id="3" dur="indefinite" restart="never" nodeType="tmRoot">
-          <p:childTnLst>
-            <p:seq>
-              <p:cTn id="4" dur="indefinite" nodeType="mainSeq"/>
-              <p:prevCondLst>
-                <p:cond delay="0" evt="onPrev">
-                  <p:tgtEl>
-                    <p:sldTgt/>
-                  </p:tgtEl>
-                </p:cond>
-              </p:prevCondLst>
-              <p:nextCondLst>
-                <p:cond delay="0" evt="onNext">
-                  <p:tgtEl>
-                    <p:sldTgt/>
-                  </p:tgtEl>
-                </p:cond>
-              </p:nextCondLst>
-            </p:seq>
-          </p:childTnLst>
-        </p:cTn>
+        <p:cTn id="1" dur="indefinite" restart="never" nodeType="tmRoot"/>
       </p:par>
     </p:tnLst>
   </p:timing>
 </p:sld>
 </file>
 
-<file path=ppt/slides/slide3.xml><?xml version="1.0" encoding="utf-8"?>
-<p:sld xmlns:a="http://schemas.openxmlformats.org/drawingml/2006/main" xmlns:p="http://schemas.openxmlformats.org/presentationml/2006/main" xmlns:r="http://schemas.openxmlformats.org/officeDocument/2006/relationships" xmlns:p14="http://schemas.microsoft.com/office/powerpoint/2010/main" xmlns:p15="http://schemas.microsoft.com/office/powerpoint/2012/main" xmlns:mc="http://schemas.openxmlformats.org/markup-compatibility/2006">
+<file path=ppt/slides/slide2.xml><?xml version="1.0" encoding="utf-8"?>
+<p:sld xmlns:a="http://schemas.openxmlformats.org/drawingml/2006/main" xmlns:r="http://schemas.openxmlformats.org/officeDocument/2006/relationships" xmlns:p="http://schemas.openxmlformats.org/presentationml/2006/main">
   <p:cSld>
     <p:spTree>
       <p:nvGrpSpPr>
@@ -4325,83 +4217,97 @@
       </p:grpSpPr>
       <p:sp>
         <p:nvSpPr>
-          <p:cNvPr id="83" name="CustomShape 1"/>
-          <p:cNvSpPr/>
-          <p:nvPr/>
-        </p:nvSpPr>
-        <p:spPr>
-          <a:xfrm>
-            <a:off x="504000" y="226080"/>
-            <a:ext cx="9070920" cy="945720"/>
-          </a:xfrm>
-          <a:prstGeom prst="rect">
-            <a:avLst/>
-          </a:prstGeom>
-          <a:noFill/>
-          <a:ln>
-            <a:noFill/>
-          </a:ln>
-        </p:spPr>
-        <p:style>
-          <a:lnRef idx="0"/>
-          <a:fillRef idx="0"/>
-          <a:effectRef idx="0"/>
-          <a:fontRef idx="minor"/>
-        </p:style>
-      </p:sp>
-      <p:sp>
-        <p:nvSpPr>
-          <p:cNvPr id="84" name="CustomShape 2"/>
-          <p:cNvSpPr/>
-          <p:nvPr/>
-        </p:nvSpPr>
-        <p:spPr>
-          <a:xfrm>
-            <a:off x="504000" y="1398600"/>
-            <a:ext cx="9070920" cy="3287520"/>
-          </a:xfrm>
-          <a:prstGeom prst="rect">
-            <a:avLst/>
-          </a:prstGeom>
-          <a:noFill/>
-          <a:ln>
-            <a:noFill/>
-          </a:ln>
-        </p:spPr>
-        <p:style>
-          <a:lnRef idx="0"/>
-          <a:fillRef idx="0"/>
-          <a:effectRef idx="0"/>
-          <a:fontRef idx="minor"/>
-        </p:style>
-      </p:sp>
-      <p:sp>
-        <p:nvSpPr>
-          <p:cNvPr id="85" name="CustomShape 3"/>
-          <p:cNvSpPr/>
-          <p:nvPr/>
-        </p:nvSpPr>
-        <p:spPr>
-          <a:xfrm>
-            <a:off x="453960" y="226080"/>
-            <a:ext cx="6261120" cy="345960"/>
-          </a:xfrm>
-          <a:prstGeom prst="rect">
-            <a:avLst/>
-          </a:prstGeom>
-          <a:noFill/>
-          <a:ln>
-            <a:noFill/>
-          </a:ln>
-        </p:spPr>
-        <p:style>
-          <a:lnRef idx="0"/>
-          <a:fillRef idx="0"/>
-          <a:effectRef idx="0"/>
-          <a:fontRef idx="minor"/>
-        </p:style>
-        <p:txBody>
-          <a:bodyPr lIns="90000" rIns="90000" tIns="45000" bIns="45000"/>
+          <p:cNvPr id="2" name="Titel 1"/>
+          <p:cNvSpPr>
+            <a:spLocks noGrp="1"/>
+          </p:cNvSpPr>
+          <p:nvPr>
+            <p:ph type="title"/>
+          </p:nvPr>
+        </p:nvSpPr>
+        <p:spPr/>
+        <p:txBody>
+          <a:bodyPr/>
+          <a:lstStyle/>
+          <a:p>
+            <a:r>
+              <a:rPr lang="de-CH" sz="2800" dirty="0" smtClean="0"/>
+              <a:t>Beschreibung der Daten «Wetter»</a:t>
+            </a:r>
+            <a:endParaRPr lang="de-CH" sz="2800" dirty="0"/>
+          </a:p>
+        </p:txBody>
+      </p:sp>
+      <p:sp>
+        <p:nvSpPr>
+          <p:cNvPr id="3" name="Untertitel 2"/>
+          <p:cNvSpPr>
+            <a:spLocks noGrp="1"/>
+          </p:cNvSpPr>
+          <p:nvPr>
+            <p:ph type="subTitle"/>
+          </p:nvPr>
+        </p:nvSpPr>
+        <p:spPr>
+          <a:xfrm>
+            <a:off x="504000" y="1326599"/>
+            <a:ext cx="9072000" cy="3740923"/>
+          </a:xfrm>
+        </p:spPr>
+        <p:txBody>
+          <a:bodyPr>
+            <a:normAutofit/>
+          </a:bodyPr>
+          <a:lstStyle/>
+          <a:p>
+            <a:endParaRPr lang="de-CH" b="1" dirty="0" smtClean="0"/>
+          </a:p>
+          <a:p>
+            <a:endParaRPr lang="de-CH" b="1" dirty="0"/>
+          </a:p>
+          <a:p>
+            <a:r>
+              <a:rPr lang="de-CH" b="1" dirty="0" err="1" smtClean="0"/>
+              <a:t>Weather</a:t>
+            </a:r>
+            <a:r>
+              <a:rPr lang="de-CH" b="1" dirty="0" smtClean="0"/>
+              <a:t> Madrid 1997 – 2015</a:t>
+            </a:r>
+          </a:p>
+          <a:p>
+            <a:endParaRPr lang="de-CH" b="1" dirty="0" smtClean="0"/>
+          </a:p>
+          <a:p>
+            <a:pPr marL="285750" indent="-285750">
+              <a:buFont typeface="Arial" panose="020B0604020202020204" pitchFamily="34" charset="0"/>
+              <a:buChar char="•"/>
+            </a:pPr>
+            <a:r>
+              <a:rPr lang="de-CH" dirty="0" smtClean="0">
+                <a:hlinkClick r:id="rId2"/>
+              </a:rPr>
+              <a:t>https://www.kaggle.com/juliansimon/weather_madrid_lemd_1997_2015.csv</a:t>
+            </a:r>
+            <a:endParaRPr lang="de-CH" dirty="0" smtClean="0"/>
+          </a:p>
+          <a:p>
+            <a:pPr marL="285750" indent="-285750">
+              <a:buFont typeface="Arial" panose="020B0604020202020204" pitchFamily="34" charset="0"/>
+              <a:buChar char="•"/>
+            </a:pPr>
+            <a:endParaRPr lang="de-CH" dirty="0" smtClean="0"/>
+          </a:p>
+          <a:p>
+            <a:pPr marL="285750" indent="-285750">
+              <a:buFont typeface="Arial" panose="020B0604020202020204" pitchFamily="34" charset="0"/>
+              <a:buChar char="•"/>
+            </a:pPr>
+            <a:r>
+              <a:rPr lang="de-CH" dirty="0" smtClean="0"/>
+              <a:t>Files</a:t>
+            </a:r>
+          </a:p>
           <a:p>
             <a:pPr>
               <a:lnSpc>
@@ -4409,370 +4315,194 @@
               </a:lnSpc>
             </a:pPr>
             <a:r>
-              <a:rPr b="0" lang="de-CH" sz="1800" spc="-1" strike="noStrike">
+              <a:rPr lang="de-CH" b="0" strike="noStrike" spc="-1" dirty="0" smtClean="0">
                 <a:solidFill>
                   <a:srgbClr val="000000"/>
                 </a:solidFill>
                 <a:latin typeface="Arial"/>
                 <a:ea typeface="DejaVu Sans"/>
               </a:rPr>
-              <a:t>Luftqualität Kohlenstoffmonoxid / Stickstoffdioxid / Feinstaub</a:t>
-            </a:r>
-            <a:endParaRPr b="0" lang="de-CH" sz="1800" spc="-1" strike="noStrike">
-              <a:latin typeface="Arial"/>
-            </a:endParaRPr>
-          </a:p>
-        </p:txBody>
-      </p:sp>
-      <p:pic>
-        <p:nvPicPr>
-          <p:cNvPr id="86" name="Grafik 83" descr=""/>
-          <p:cNvPicPr/>
-          <p:nvPr/>
-        </p:nvPicPr>
-        <p:blipFill>
-          <a:blip r:embed="rId1"/>
-          <a:stretch/>
-        </p:blipFill>
-        <p:spPr>
-          <a:xfrm>
-            <a:off x="288000" y="972000"/>
-            <a:ext cx="3650040" cy="2098440"/>
-          </a:xfrm>
-          <a:prstGeom prst="rect">
-            <a:avLst/>
-          </a:prstGeom>
-          <a:ln>
-            <a:noFill/>
-          </a:ln>
-        </p:spPr>
-      </p:pic>
-      <p:pic>
-        <p:nvPicPr>
-          <p:cNvPr id="87" name="Grafik 84" descr=""/>
-          <p:cNvPicPr/>
-          <p:nvPr/>
-        </p:nvPicPr>
-        <p:blipFill>
-          <a:blip r:embed="rId2"/>
-          <a:stretch/>
-        </p:blipFill>
-        <p:spPr>
-          <a:xfrm>
-            <a:off x="288000" y="2973960"/>
-            <a:ext cx="3722040" cy="2209680"/>
-          </a:xfrm>
-          <a:prstGeom prst="rect">
-            <a:avLst/>
-          </a:prstGeom>
-          <a:ln>
-            <a:noFill/>
-          </a:ln>
-        </p:spPr>
-      </p:pic>
-      <p:pic>
-        <p:nvPicPr>
-          <p:cNvPr id="88" name="Grafik 85" descr=""/>
-          <p:cNvPicPr/>
-          <p:nvPr/>
-        </p:nvPicPr>
-        <p:blipFill>
-          <a:blip r:embed="rId3"/>
-          <a:stretch/>
-        </p:blipFill>
-        <p:spPr>
-          <a:xfrm>
-            <a:off x="3240000" y="936000"/>
-            <a:ext cx="3585600" cy="2087640"/>
-          </a:xfrm>
-          <a:prstGeom prst="rect">
-            <a:avLst/>
-          </a:prstGeom>
-          <a:ln>
-            <a:noFill/>
-          </a:ln>
-        </p:spPr>
-      </p:pic>
-      <p:pic>
-        <p:nvPicPr>
-          <p:cNvPr id="89" name="Grafik 86" descr=""/>
-          <p:cNvPicPr/>
-          <p:nvPr/>
-        </p:nvPicPr>
-        <p:blipFill>
-          <a:blip r:embed="rId4"/>
-          <a:stretch/>
-        </p:blipFill>
-        <p:spPr>
-          <a:xfrm>
-            <a:off x="3312000" y="3024000"/>
-            <a:ext cx="3611880" cy="2087640"/>
-          </a:xfrm>
-          <a:prstGeom prst="rect">
-            <a:avLst/>
-          </a:prstGeom>
-          <a:ln>
-            <a:noFill/>
-          </a:ln>
-        </p:spPr>
-      </p:pic>
-      <p:pic>
-        <p:nvPicPr>
-          <p:cNvPr id="90" name="Grafik 87" descr=""/>
-          <p:cNvPicPr/>
-          <p:nvPr/>
-        </p:nvPicPr>
-        <p:blipFill>
-          <a:blip r:embed="rId5"/>
-          <a:stretch/>
-        </p:blipFill>
-        <p:spPr>
-          <a:xfrm>
-            <a:off x="6264000" y="864000"/>
-            <a:ext cx="3527640" cy="2112840"/>
-          </a:xfrm>
-          <a:prstGeom prst="rect">
-            <a:avLst/>
-          </a:prstGeom>
-          <a:ln>
-            <a:noFill/>
-          </a:ln>
-        </p:spPr>
-      </p:pic>
-      <p:pic>
-        <p:nvPicPr>
-          <p:cNvPr id="91" name="Grafik 88" descr=""/>
-          <p:cNvPicPr/>
-          <p:nvPr/>
-        </p:nvPicPr>
-        <p:blipFill>
-          <a:blip r:embed="rId6"/>
-          <a:stretch/>
-        </p:blipFill>
-        <p:spPr>
-          <a:xfrm>
-            <a:off x="6264000" y="2995200"/>
-            <a:ext cx="3660480" cy="2188440"/>
-          </a:xfrm>
-          <a:prstGeom prst="rect">
-            <a:avLst/>
-          </a:prstGeom>
-          <a:ln>
-            <a:noFill/>
-          </a:ln>
-        </p:spPr>
-      </p:pic>
-      <p:sp>
-        <p:nvSpPr>
-          <p:cNvPr id="92" name="CustomShape 4"/>
-          <p:cNvSpPr/>
-          <p:nvPr/>
-        </p:nvSpPr>
-        <p:spPr>
-          <a:xfrm>
-            <a:off x="9000720" y="576000"/>
-            <a:ext cx="1007640" cy="3267000"/>
-          </a:xfrm>
-          <a:prstGeom prst="rect">
-            <a:avLst/>
-          </a:prstGeom>
-          <a:noFill/>
-          <a:ln>
-            <a:noFill/>
-          </a:ln>
-        </p:spPr>
-        <p:style>
-          <a:lnRef idx="0"/>
-          <a:fillRef idx="0"/>
-          <a:effectRef idx="0"/>
-          <a:fontRef idx="minor"/>
-        </p:style>
-        <p:txBody>
-          <a:bodyPr lIns="90000" rIns="90000" tIns="45000" bIns="45000"/>
+              <a:t>	</a:t>
+            </a:r>
+            <a:r>
+              <a:rPr lang="de-CH" sz="1600" spc="-1" dirty="0">
+                <a:solidFill>
+                  <a:srgbClr val="000000"/>
+                </a:solidFill>
+                <a:latin typeface="Arial"/>
+                <a:ea typeface="DejaVu Sans"/>
+              </a:rPr>
+              <a:t>weather_madrid_LEMD_1997_2015.csv	</a:t>
+            </a:r>
+            <a:r>
+              <a:rPr lang="de-CH" sz="1600" spc="-1" dirty="0" smtClean="0">
+                <a:solidFill>
+                  <a:srgbClr val="000000"/>
+                </a:solidFill>
+                <a:latin typeface="Arial"/>
+                <a:ea typeface="DejaVu Sans"/>
+              </a:rPr>
+              <a:t>	</a:t>
+            </a:r>
+            <a:r>
+              <a:rPr lang="de-CH" sz="1600" spc="-1" dirty="0">
+                <a:solidFill>
+                  <a:srgbClr val="000000"/>
+                </a:solidFill>
+                <a:latin typeface="Arial"/>
+                <a:ea typeface="DejaVu Sans"/>
+              </a:rPr>
+              <a:t>	→ 0.5 </a:t>
+            </a:r>
+            <a:r>
+              <a:rPr lang="de-CH" sz="1600" spc="-1" dirty="0" smtClean="0">
+                <a:solidFill>
+                  <a:srgbClr val="000000"/>
+                </a:solidFill>
+                <a:latin typeface="Arial"/>
+                <a:ea typeface="DejaVu Sans"/>
+              </a:rPr>
+              <a:t>MB</a:t>
+            </a:r>
+          </a:p>
           <a:p>
             <a:pPr>
               <a:lnSpc>
                 <a:spcPct val="100000"/>
               </a:lnSpc>
             </a:pPr>
-            <a:r>
-              <a:rPr b="0" lang="de-CH" sz="1800" spc="-1" strike="noStrike">
+            <a:endParaRPr lang="de-CH" sz="1600" spc="-1" dirty="0">
+              <a:solidFill>
+                <a:srgbClr val="000000"/>
+              </a:solidFill>
+              <a:latin typeface="Arial"/>
+              <a:ea typeface="DejaVu Sans"/>
+            </a:endParaRPr>
+          </a:p>
+          <a:p>
+            <a:pPr marL="285750" indent="-285750">
+              <a:buFont typeface="Arial" panose="020B0604020202020204" pitchFamily="34" charset="0"/>
+              <a:buChar char="•"/>
+            </a:pPr>
+            <a:r>
+              <a:rPr lang="de-CH" dirty="0" smtClean="0"/>
+              <a:t>6812 Zeilen</a:t>
+            </a:r>
+            <a:endParaRPr lang="de-CH" dirty="0"/>
+          </a:p>
+          <a:p>
+            <a:pPr marL="285750" indent="-285750">
+              <a:buFont typeface="Arial" panose="020B0604020202020204" pitchFamily="34" charset="0"/>
+              <a:buChar char="•"/>
+            </a:pPr>
+            <a:r>
+              <a:rPr lang="de-CH" dirty="0"/>
+              <a:t>p</a:t>
+            </a:r>
+            <a:r>
+              <a:rPr lang="de-CH" dirty="0" smtClean="0"/>
+              <a:t>ro Tag eine Angabe über</a:t>
+            </a:r>
+            <a:br>
+              <a:rPr lang="de-CH" dirty="0" smtClean="0"/>
+            </a:br>
+            <a:r>
+              <a:rPr lang="de-CH" sz="1400" dirty="0" smtClean="0"/>
+              <a:t>Temperatur, Feuchtigkeit, Luftdruck, </a:t>
+            </a:r>
+            <a:r>
+              <a:rPr lang="de-CH" sz="1400" dirty="0" err="1" smtClean="0"/>
+              <a:t>Visibility</a:t>
+            </a:r>
+            <a:r>
+              <a:rPr lang="de-CH" sz="1400" dirty="0" smtClean="0"/>
+              <a:t>, Windgeschwindigkeit und -richtung, Niederschlag, Bedeckung, Vorkommnisse, Wolkendecke</a:t>
+            </a:r>
+            <a:endParaRPr lang="de-CH" dirty="0" smtClean="0"/>
+          </a:p>
+          <a:p>
+            <a:pPr marL="285750" indent="-285750">
+              <a:buFont typeface="Arial" panose="020B0604020202020204" pitchFamily="34" charset="0"/>
+              <a:buChar char="•"/>
+            </a:pPr>
+            <a:endParaRPr lang="de-CH" dirty="0" smtClean="0"/>
+          </a:p>
+        </p:txBody>
+      </p:sp>
+      <p:pic>
+        <p:nvPicPr>
+          <p:cNvPr id="1026" name="Picture 2"/>
+          <p:cNvPicPr>
+            <a:picLocks noChangeAspect="1" noChangeArrowheads="1"/>
+          </p:cNvPicPr>
+          <p:nvPr/>
+        </p:nvPicPr>
+        <p:blipFill rotWithShape="1">
+          <a:blip r:embed="rId3" cstate="print">
+            <a:extLst>
+              <a:ext uri="{28A0092B-C50C-407E-A947-70E740481C1C}">
+                <a14:useLocalDpi xmlns:a14="http://schemas.microsoft.com/office/drawing/2010/main" val="0"/>
+              </a:ext>
+            </a:extLst>
+          </a:blip>
+          <a:srcRect l="24224" t="34911" r="33293" b="8561"/>
+          <a:stretch/>
+        </p:blipFill>
+        <p:spPr bwMode="auto">
+          <a:xfrm>
+            <a:off x="6696496" y="170979"/>
+            <a:ext cx="3031966" cy="2145632"/>
+          </a:xfrm>
+          <a:prstGeom prst="rect">
+            <a:avLst/>
+          </a:prstGeom>
+          <a:noFill/>
+          <a:ln>
+            <a:noFill/>
+          </a:ln>
+          <a:extLst>
+            <a:ext uri="{909E8E84-426E-40DD-AFC4-6F175D3DCCD1}">
+              <a14:hiddenFill xmlns:a14="http://schemas.microsoft.com/office/drawing/2010/main">
                 <a:solidFill>
-                  <a:srgbClr val="000000"/>
+                  <a:schemeClr val="accent1"/>
                 </a:solidFill>
-                <a:latin typeface="Arial"/>
-                <a:ea typeface="DejaVu Sans"/>
-              </a:rPr>
-              <a:t>Station:</a:t>
-            </a:r>
-            <a:endParaRPr b="0" lang="de-CH" sz="1800" spc="-1" strike="noStrike">
-              <a:latin typeface="Arial"/>
-            </a:endParaRPr>
-          </a:p>
-          <a:p>
-            <a:pPr>
-              <a:lnSpc>
-                <a:spcPct val="100000"/>
-              </a:lnSpc>
-            </a:pPr>
-            <a:endParaRPr b="0" lang="de-CH" sz="1800" spc="-1" strike="noStrike">
-              <a:latin typeface="Arial"/>
-            </a:endParaRPr>
-          </a:p>
-          <a:p>
-            <a:pPr>
-              <a:lnSpc>
-                <a:spcPct val="100000"/>
-              </a:lnSpc>
-            </a:pPr>
-            <a:r>
-              <a:rPr b="0" lang="de-CH" sz="1800" spc="-1" strike="noStrike">
+              </a14:hiddenFill>
+            </a:ext>
+            <a:ext uri="{91240B29-F687-4F45-9708-019B960494DF}">
+              <a14:hiddenLine xmlns:a14="http://schemas.microsoft.com/office/drawing/2010/main" w="9525">
                 <a:solidFill>
-                  <a:srgbClr val="000000"/>
+                  <a:schemeClr val="tx1"/>
                 </a:solidFill>
-                <a:latin typeface="Arial"/>
-                <a:ea typeface="DejaVu Sans"/>
-              </a:rPr>
-              <a:t>07</a:t>
-            </a:r>
-            <a:endParaRPr b="0" lang="de-CH" sz="1800" spc="-1" strike="noStrike">
-              <a:latin typeface="Arial"/>
-            </a:endParaRPr>
-          </a:p>
-          <a:p>
-            <a:pPr>
-              <a:lnSpc>
-                <a:spcPct val="100000"/>
-              </a:lnSpc>
-            </a:pPr>
-            <a:endParaRPr b="0" lang="de-CH" sz="1800" spc="-1" strike="noStrike">
-              <a:latin typeface="Arial"/>
-            </a:endParaRPr>
-          </a:p>
-          <a:p>
-            <a:pPr>
-              <a:lnSpc>
-                <a:spcPct val="100000"/>
-              </a:lnSpc>
-            </a:pPr>
-            <a:endParaRPr b="0" lang="de-CH" sz="1800" spc="-1" strike="noStrike">
-              <a:latin typeface="Arial"/>
-            </a:endParaRPr>
-          </a:p>
-          <a:p>
-            <a:pPr>
-              <a:lnSpc>
-                <a:spcPct val="100000"/>
-              </a:lnSpc>
-            </a:pPr>
-            <a:endParaRPr b="0" lang="de-CH" sz="1800" spc="-1" strike="noStrike">
-              <a:latin typeface="Arial"/>
-            </a:endParaRPr>
-          </a:p>
-          <a:p>
-            <a:pPr>
-              <a:lnSpc>
-                <a:spcPct val="100000"/>
-              </a:lnSpc>
-            </a:pPr>
-            <a:endParaRPr b="0" lang="de-CH" sz="1800" spc="-1" strike="noStrike">
-              <a:latin typeface="Arial"/>
-            </a:endParaRPr>
-          </a:p>
-          <a:p>
-            <a:pPr>
-              <a:lnSpc>
-                <a:spcPct val="100000"/>
-              </a:lnSpc>
-            </a:pPr>
-            <a:endParaRPr b="0" lang="de-CH" sz="1800" spc="-1" strike="noStrike">
-              <a:latin typeface="Arial"/>
-            </a:endParaRPr>
-          </a:p>
-          <a:p>
-            <a:pPr>
-              <a:lnSpc>
-                <a:spcPct val="100000"/>
-              </a:lnSpc>
-            </a:pPr>
-            <a:endParaRPr b="0" lang="de-CH" sz="1800" spc="-1" strike="noStrike">
-              <a:latin typeface="Arial"/>
-            </a:endParaRPr>
-          </a:p>
-          <a:p>
-            <a:pPr>
-              <a:lnSpc>
-                <a:spcPct val="100000"/>
-              </a:lnSpc>
-            </a:pPr>
-            <a:endParaRPr b="0" lang="de-CH" sz="1800" spc="-1" strike="noStrike">
-              <a:latin typeface="Arial"/>
-            </a:endParaRPr>
-          </a:p>
-          <a:p>
-            <a:pPr>
-              <a:lnSpc>
-                <a:spcPct val="100000"/>
-              </a:lnSpc>
-            </a:pPr>
-            <a:r>
-              <a:rPr b="0" lang="de-CH" sz="1800" spc="-1" strike="noStrike">
-                <a:solidFill>
-                  <a:srgbClr val="000000"/>
-                </a:solidFill>
-                <a:latin typeface="Arial"/>
-                <a:ea typeface="DejaVu Sans"/>
-              </a:rPr>
-              <a:t>36</a:t>
-            </a:r>
-            <a:endParaRPr b="0" lang="de-CH" sz="1800" spc="-1" strike="noStrike">
-              <a:latin typeface="Arial"/>
-            </a:endParaRPr>
-          </a:p>
-        </p:txBody>
-      </p:sp>
+                <a:miter lim="800000"/>
+                <a:headEnd/>
+                <a:tailEnd/>
+              </a14:hiddenLine>
+            </a:ext>
+          </a:extLst>
+        </p:spPr>
+      </p:pic>
     </p:spTree>
+    <p:extLst>
+      <p:ext uri="{BB962C8B-B14F-4D97-AF65-F5344CB8AC3E}">
+        <p14:creationId xmlns:p14="http://schemas.microsoft.com/office/powerpoint/2010/main" val="3492329436"/>
+      </p:ext>
+    </p:extLst>
   </p:cSld>
-  <mc:AlternateContent>
-    <mc:Choice Requires="p14">
-      <p:transition spd="slow" p14:dur="2000"/>
-    </mc:Choice>
-    <mc:Fallback>
-      <p:transition spd="slow"/>
-    </mc:Fallback>
-  </mc:AlternateContent>
+  <p:clrMapOvr>
+    <a:masterClrMapping/>
+  </p:clrMapOvr>
   <p:timing>
     <p:tnLst>
       <p:par>
-        <p:cTn id="5" dur="indefinite" restart="never" nodeType="tmRoot">
-          <p:childTnLst>
-            <p:seq>
-              <p:cTn id="6" dur="indefinite" nodeType="mainSeq"/>
-              <p:prevCondLst>
-                <p:cond delay="0" evt="onPrev">
-                  <p:tgtEl>
-                    <p:sldTgt/>
-                  </p:tgtEl>
-                </p:cond>
-              </p:prevCondLst>
-              <p:nextCondLst>
-                <p:cond delay="0" evt="onNext">
-                  <p:tgtEl>
-                    <p:sldTgt/>
-                  </p:tgtEl>
-                </p:cond>
-              </p:nextCondLst>
-            </p:seq>
-          </p:childTnLst>
-        </p:cTn>
+        <p:cTn id="1" dur="indefinite" restart="never" nodeType="tmRoot"/>
       </p:par>
     </p:tnLst>
   </p:timing>
 </p:sld>
 </file>
 
-<file path=ppt/slides/slide4.xml><?xml version="1.0" encoding="utf-8"?>
-<p:sld xmlns:a="http://schemas.openxmlformats.org/drawingml/2006/main" xmlns:p="http://schemas.openxmlformats.org/presentationml/2006/main" xmlns:r="http://schemas.openxmlformats.org/officeDocument/2006/relationships" xmlns:p14="http://schemas.microsoft.com/office/powerpoint/2010/main" xmlns:p15="http://schemas.microsoft.com/office/powerpoint/2012/main" xmlns:mc="http://schemas.openxmlformats.org/markup-compatibility/2006">
+<file path=ppt/slides/slide3.xml><?xml version="1.0" encoding="utf-8"?>
+<p:sld xmlns:a="http://schemas.openxmlformats.org/drawingml/2006/main" xmlns:r="http://schemas.openxmlformats.org/officeDocument/2006/relationships" xmlns:p="http://schemas.openxmlformats.org/presentationml/2006/main">
   <p:cSld>
     <p:spTree>
       <p:nvGrpSpPr>
@@ -4790,31 +4520,80 @@
       </p:grpSpPr>
       <p:sp>
         <p:nvSpPr>
-          <p:cNvPr id="93" name="CustomShape 1"/>
-          <p:cNvSpPr/>
-          <p:nvPr/>
-        </p:nvSpPr>
-        <p:spPr>
-          <a:xfrm>
-            <a:off x="504000" y="226080"/>
-            <a:ext cx="9070920" cy="945720"/>
-          </a:xfrm>
-          <a:prstGeom prst="rect">
-            <a:avLst/>
-          </a:prstGeom>
-          <a:noFill/>
-          <a:ln>
-            <a:noFill/>
-          </a:ln>
-        </p:spPr>
-        <p:style>
-          <a:lnRef idx="0"/>
-          <a:fillRef idx="0"/>
-          <a:effectRef idx="0"/>
-          <a:fontRef idx="minor"/>
-        </p:style>
-        <p:txBody>
-          <a:bodyPr lIns="0" rIns="0" tIns="0" bIns="0" anchor="ctr"/>
+          <p:cNvPr id="2" name="Titel 1"/>
+          <p:cNvSpPr>
+            <a:spLocks noGrp="1"/>
+          </p:cNvSpPr>
+          <p:nvPr>
+            <p:ph type="title"/>
+          </p:nvPr>
+        </p:nvSpPr>
+        <p:spPr/>
+        <p:txBody>
+          <a:bodyPr/>
+          <a:lstStyle/>
+          <a:p>
+            <a:r>
+              <a:rPr lang="de-CH" sz="2800" dirty="0" smtClean="0"/>
+              <a:t>Beschreibung der Daten «Luftqualität»</a:t>
+            </a:r>
+            <a:endParaRPr lang="de-CH" sz="2800" dirty="0"/>
+          </a:p>
+        </p:txBody>
+      </p:sp>
+      <p:sp>
+        <p:nvSpPr>
+          <p:cNvPr id="3" name="Untertitel 2"/>
+          <p:cNvSpPr>
+            <a:spLocks noGrp="1"/>
+          </p:cNvSpPr>
+          <p:nvPr>
+            <p:ph type="subTitle"/>
+          </p:nvPr>
+        </p:nvSpPr>
+        <p:spPr/>
+        <p:txBody>
+          <a:bodyPr/>
+          <a:lstStyle/>
+          <a:p>
+            <a:r>
+              <a:rPr lang="de-CH" b="1" dirty="0" smtClean="0"/>
+              <a:t>Air Quality in Madrid (2001 - 2018)</a:t>
+            </a:r>
+          </a:p>
+          <a:p>
+            <a:endParaRPr lang="de-CH" b="1" dirty="0" smtClean="0"/>
+          </a:p>
+          <a:p>
+            <a:pPr marL="285750" lvl="2" indent="-285750">
+              <a:buFont typeface="Arial" panose="020B0604020202020204" pitchFamily="34" charset="0"/>
+              <a:buChar char="•"/>
+            </a:pPr>
+            <a:r>
+              <a:rPr lang="de-CH" dirty="0" smtClean="0">
+                <a:hlinkClick r:id="rId2"/>
+              </a:rPr>
+              <a:t>https://www.kaggle.com/decide-soluciones/air-quality-madrid</a:t>
+            </a:r>
+            <a:endParaRPr lang="de-CH" dirty="0" smtClean="0"/>
+          </a:p>
+          <a:p>
+            <a:pPr marL="285750" lvl="2" indent="-285750">
+              <a:buFont typeface="Arial" panose="020B0604020202020204" pitchFamily="34" charset="0"/>
+              <a:buChar char="•"/>
+            </a:pPr>
+            <a:endParaRPr lang="de-CH" dirty="0" smtClean="0"/>
+          </a:p>
+          <a:p>
+            <a:pPr marL="285750" lvl="2" indent="-285750">
+              <a:buFont typeface="Arial" panose="020B0604020202020204" pitchFamily="34" charset="0"/>
+              <a:buChar char="•"/>
+            </a:pPr>
+            <a:r>
+              <a:rPr lang="de-CH" dirty="0" smtClean="0"/>
+              <a:t>Files: </a:t>
+            </a:r>
+          </a:p>
           <a:p>
             <a:pPr>
               <a:lnSpc>
@@ -4822,16 +4601,273 @@
               </a:lnSpc>
             </a:pPr>
             <a:r>
-              <a:rPr b="0" lang="de-CH" sz="1800" spc="-1" strike="noStrike">
+              <a:rPr lang="de-CH" sz="1600" b="0" strike="noStrike" spc="-1" dirty="0" smtClean="0">
                 <a:solidFill>
                   <a:srgbClr val="000000"/>
                 </a:solidFill>
                 <a:latin typeface="Arial"/>
                 <a:ea typeface="DejaVu Sans"/>
               </a:rPr>
-              <a:t>Kohlenstoffmonoxid und Feinstaub aller Stationen</a:t>
-            </a:r>
-            <a:endParaRPr b="0" lang="de-CH" sz="1800" spc="-1" strike="noStrike">
+              <a:t>	stations.csv – 24 Messstationen</a:t>
+            </a:r>
+            <a:endParaRPr lang="de-CH" sz="1600" b="0" strike="noStrike" spc="-1" dirty="0" smtClean="0">
+              <a:latin typeface="Arial"/>
+            </a:endParaRPr>
+          </a:p>
+          <a:p>
+            <a:pPr>
+              <a:lnSpc>
+                <a:spcPct val="100000"/>
+              </a:lnSpc>
+            </a:pPr>
+            <a:r>
+              <a:rPr lang="de-CH" sz="1600" b="0" strike="noStrike" spc="-1" dirty="0" smtClean="0">
+                <a:solidFill>
+                  <a:srgbClr val="000000"/>
+                </a:solidFill>
+                <a:latin typeface="Arial"/>
+                <a:ea typeface="DejaVu Sans"/>
+              </a:rPr>
+              <a:t>	madrid_2001.csv ... madrid_2018.csv 			→ 500 MB</a:t>
+            </a:r>
+          </a:p>
+          <a:p>
+            <a:pPr>
+              <a:lnSpc>
+                <a:spcPct val="100000"/>
+              </a:lnSpc>
+            </a:pPr>
+            <a:endParaRPr lang="de-CH" sz="1600" b="0" strike="noStrike" spc="-1" dirty="0" smtClean="0">
+              <a:latin typeface="Arial"/>
+            </a:endParaRPr>
+          </a:p>
+          <a:p>
+            <a:pPr marL="285750" lvl="2" indent="-285750">
+              <a:buFont typeface="Arial" panose="020B0604020202020204" pitchFamily="34" charset="0"/>
+              <a:buChar char="•"/>
+            </a:pPr>
+            <a:r>
+              <a:rPr lang="de-CH" dirty="0" smtClean="0"/>
+              <a:t>Total 3.8 Millionen </a:t>
+            </a:r>
+            <a:r>
+              <a:rPr lang="de-CH" dirty="0" err="1" smtClean="0"/>
+              <a:t>Tuples</a:t>
+            </a:r>
+            <a:endParaRPr lang="de-CH" dirty="0" smtClean="0"/>
+          </a:p>
+          <a:p>
+            <a:pPr marL="285750" lvl="2" indent="-285750">
+              <a:buFont typeface="Arial" panose="020B0604020202020204" pitchFamily="34" charset="0"/>
+              <a:buChar char="•"/>
+            </a:pPr>
+            <a:r>
+              <a:rPr lang="de-CH" dirty="0"/>
+              <a:t>p</a:t>
+            </a:r>
+            <a:r>
+              <a:rPr lang="de-CH" dirty="0" smtClean="0"/>
+              <a:t>ro Messstation jede Stunde eine Messreihe über</a:t>
+            </a:r>
+            <a:br>
+              <a:rPr lang="de-CH" dirty="0" smtClean="0"/>
+            </a:br>
+            <a:r>
+              <a:rPr lang="de-CH" sz="1400" dirty="0" smtClean="0"/>
+              <a:t>Kohlenstoffmonoxid CO, Feinstaub PM10, Stickstoffdioxid NO</a:t>
+            </a:r>
+            <a:r>
+              <a:rPr lang="de-CH" sz="1400" baseline="-25000" dirty="0" smtClean="0"/>
+              <a:t>2</a:t>
+            </a:r>
+            <a:r>
+              <a:rPr lang="de-CH" sz="1400" dirty="0" smtClean="0"/>
+              <a:t>, Ozon O</a:t>
+            </a:r>
+            <a:r>
+              <a:rPr lang="de-CH" sz="1400" baseline="-25000" dirty="0" smtClean="0"/>
+              <a:t>3</a:t>
+            </a:r>
+            <a:r>
+              <a:rPr lang="de-CH" sz="1400" dirty="0" smtClean="0"/>
+              <a:t>, Nicht-Methan Kohlenwasserstoff NMHC, </a:t>
+            </a:r>
+            <a:r>
+              <a:rPr lang="de-CH" sz="1400" dirty="0" err="1" smtClean="0"/>
+              <a:t>Benzene</a:t>
+            </a:r>
+            <a:r>
+              <a:rPr lang="de-CH" sz="1400" dirty="0" smtClean="0"/>
+              <a:t> BEN und einige weitere</a:t>
+            </a:r>
+          </a:p>
+          <a:p>
+            <a:endParaRPr lang="de-CH" dirty="0"/>
+          </a:p>
+        </p:txBody>
+      </p:sp>
+    </p:spTree>
+    <p:extLst>
+      <p:ext uri="{BB962C8B-B14F-4D97-AF65-F5344CB8AC3E}">
+        <p14:creationId xmlns:p14="http://schemas.microsoft.com/office/powerpoint/2010/main" val="4159893757"/>
+      </p:ext>
+    </p:extLst>
+  </p:cSld>
+  <p:clrMapOvr>
+    <a:masterClrMapping/>
+  </p:clrMapOvr>
+  <p:timing>
+    <p:tnLst>
+      <p:par>
+        <p:cTn id="1" dur="indefinite" restart="never" nodeType="tmRoot"/>
+      </p:par>
+    </p:tnLst>
+  </p:timing>
+</p:sld>
+</file>
+
+<file path=ppt/slides/slide4.xml><?xml version="1.0" encoding="utf-8"?>
+<p:sld xmlns:a="http://schemas.openxmlformats.org/drawingml/2006/main" xmlns:r="http://schemas.openxmlformats.org/officeDocument/2006/relationships" xmlns:p="http://schemas.openxmlformats.org/presentationml/2006/main">
+  <p:cSld>
+    <p:spTree>
+      <p:nvGrpSpPr>
+        <p:cNvPr id="1" name=""/>
+        <p:cNvGrpSpPr/>
+        <p:nvPr/>
+      </p:nvGrpSpPr>
+      <p:grpSpPr>
+        <a:xfrm>
+          <a:off x="0" y="0"/>
+          <a:ext cx="0" cy="0"/>
+          <a:chOff x="0" y="0"/>
+          <a:chExt cx="0" cy="0"/>
+        </a:xfrm>
+      </p:grpSpPr>
+      <p:sp>
+        <p:nvSpPr>
+          <p:cNvPr id="83" name="CustomShape 1"/>
+          <p:cNvSpPr/>
+          <p:nvPr/>
+        </p:nvSpPr>
+        <p:spPr>
+          <a:xfrm>
+            <a:off x="504000" y="226080"/>
+            <a:ext cx="9070920" cy="945720"/>
+          </a:xfrm>
+          <a:prstGeom prst="rect">
+            <a:avLst/>
+          </a:prstGeom>
+          <a:noFill/>
+          <a:ln>
+            <a:noFill/>
+          </a:ln>
+        </p:spPr>
+        <p:style>
+          <a:lnRef idx="0">
+            <a:scrgbClr r="0" g="0" b="0"/>
+          </a:lnRef>
+          <a:fillRef idx="0">
+            <a:scrgbClr r="0" g="0" b="0"/>
+          </a:fillRef>
+          <a:effectRef idx="0">
+            <a:scrgbClr r="0" g="0" b="0"/>
+          </a:effectRef>
+          <a:fontRef idx="minor"/>
+        </p:style>
+      </p:sp>
+      <p:sp>
+        <p:nvSpPr>
+          <p:cNvPr id="84" name="CustomShape 2"/>
+          <p:cNvSpPr/>
+          <p:nvPr/>
+        </p:nvSpPr>
+        <p:spPr>
+          <a:xfrm>
+            <a:off x="504000" y="1398600"/>
+            <a:ext cx="9070920" cy="3287520"/>
+          </a:xfrm>
+          <a:prstGeom prst="rect">
+            <a:avLst/>
+          </a:prstGeom>
+          <a:noFill/>
+          <a:ln>
+            <a:noFill/>
+          </a:ln>
+        </p:spPr>
+        <p:style>
+          <a:lnRef idx="0">
+            <a:scrgbClr r="0" g="0" b="0"/>
+          </a:lnRef>
+          <a:fillRef idx="0">
+            <a:scrgbClr r="0" g="0" b="0"/>
+          </a:fillRef>
+          <a:effectRef idx="0">
+            <a:scrgbClr r="0" g="0" b="0"/>
+          </a:effectRef>
+          <a:fontRef idx="minor"/>
+        </p:style>
+      </p:sp>
+      <p:sp>
+        <p:nvSpPr>
+          <p:cNvPr id="85" name="CustomShape 3"/>
+          <p:cNvSpPr/>
+          <p:nvPr/>
+        </p:nvSpPr>
+        <p:spPr>
+          <a:xfrm>
+            <a:off x="453960" y="226080"/>
+            <a:ext cx="8330768" cy="345960"/>
+          </a:xfrm>
+          <a:prstGeom prst="rect">
+            <a:avLst/>
+          </a:prstGeom>
+          <a:noFill/>
+          <a:ln>
+            <a:noFill/>
+          </a:ln>
+        </p:spPr>
+        <p:style>
+          <a:lnRef idx="0">
+            <a:scrgbClr r="0" g="0" b="0"/>
+          </a:lnRef>
+          <a:fillRef idx="0">
+            <a:scrgbClr r="0" g="0" b="0"/>
+          </a:fillRef>
+          <a:effectRef idx="0">
+            <a:scrgbClr r="0" g="0" b="0"/>
+          </a:effectRef>
+          <a:fontRef idx="minor"/>
+        </p:style>
+        <p:txBody>
+          <a:bodyPr lIns="90000" tIns="45000" rIns="90000" bIns="45000"/>
+          <a:lstStyle/>
+          <a:p>
+            <a:pPr>
+              <a:lnSpc>
+                <a:spcPct val="100000"/>
+              </a:lnSpc>
+            </a:pPr>
+            <a:r>
+              <a:rPr lang="de-CH" b="0" strike="noStrike" spc="-1" dirty="0">
+                <a:solidFill>
+                  <a:srgbClr val="000000"/>
+                </a:solidFill>
+                <a:latin typeface="Arial"/>
+                <a:ea typeface="DejaVu Sans"/>
+              </a:rPr>
+              <a:t>Luftqualität Kohlenstoffmonoxid / Stickstoffdioxid / </a:t>
+            </a:r>
+            <a:r>
+              <a:rPr lang="de-CH" b="0" strike="noStrike" spc="-1" dirty="0" smtClean="0">
+                <a:solidFill>
+                  <a:srgbClr val="000000"/>
+                </a:solidFill>
+                <a:latin typeface="Arial"/>
+                <a:ea typeface="DejaVu Sans"/>
+              </a:rPr>
+              <a:t>Feinstaub von zwei Stationen</a:t>
+            </a:r>
+            <a:endParaRPr lang="de-CH" b="0" strike="noStrike" spc="-1" dirty="0">
               <a:latin typeface="Arial"/>
             </a:endParaRPr>
           </a:p>
@@ -4839,18 +4875,19 @@
       </p:sp>
       <p:pic>
         <p:nvPicPr>
-          <p:cNvPr id="94" name="Grafik 91" descr=""/>
+          <p:cNvPr id="86" name="Grafik 83"/>
           <p:cNvPicPr/>
           <p:nvPr/>
         </p:nvPicPr>
-        <p:blipFill>
-          <a:blip r:embed="rId1"/>
+        <p:blipFill rotWithShape="1">
+          <a:blip r:embed="rId2"/>
+          <a:srcRect r="17151"/>
           <a:stretch/>
         </p:blipFill>
         <p:spPr>
           <a:xfrm>
-            <a:off x="165600" y="1172160"/>
-            <a:ext cx="6386040" cy="3605040"/>
+            <a:off x="71760" y="943609"/>
+            <a:ext cx="3024000" cy="2098440"/>
           </a:xfrm>
           <a:prstGeom prst="rect">
             <a:avLst/>
@@ -4862,19 +4899,19 @@
       </p:pic>
       <p:pic>
         <p:nvPicPr>
-          <p:cNvPr id="95" name="Grafik 92" descr=""/>
+          <p:cNvPr id="87" name="Grafik 84"/>
           <p:cNvPicPr/>
           <p:nvPr/>
         </p:nvPicPr>
-        <p:blipFill>
-          <a:blip r:embed="rId2"/>
-          <a:srcRect l="0" t="0" r="18832" b="0"/>
+        <p:blipFill rotWithShape="1">
+          <a:blip r:embed="rId3"/>
+          <a:srcRect r="18754"/>
           <a:stretch/>
         </p:blipFill>
         <p:spPr>
           <a:xfrm>
-            <a:off x="4941000" y="1224000"/>
-            <a:ext cx="5090400" cy="3527640"/>
+            <a:off x="71760" y="2973960"/>
+            <a:ext cx="3024000" cy="2209680"/>
           </a:xfrm>
           <a:prstGeom prst="rect">
             <a:avLst/>
@@ -4884,32 +4921,335 @@
           </a:ln>
         </p:spPr>
       </p:pic>
+      <p:pic>
+        <p:nvPicPr>
+          <p:cNvPr id="88" name="Grafik 85"/>
+          <p:cNvPicPr/>
+          <p:nvPr/>
+        </p:nvPicPr>
+        <p:blipFill rotWithShape="1">
+          <a:blip r:embed="rId4"/>
+          <a:srcRect r="15663"/>
+          <a:stretch/>
+        </p:blipFill>
+        <p:spPr>
+          <a:xfrm>
+            <a:off x="3023760" y="936000"/>
+            <a:ext cx="3024000" cy="2087640"/>
+          </a:xfrm>
+          <a:prstGeom prst="rect">
+            <a:avLst/>
+          </a:prstGeom>
+          <a:ln>
+            <a:noFill/>
+          </a:ln>
+        </p:spPr>
+      </p:pic>
+      <p:pic>
+        <p:nvPicPr>
+          <p:cNvPr id="89" name="Grafik 86"/>
+          <p:cNvPicPr/>
+          <p:nvPr/>
+        </p:nvPicPr>
+        <p:blipFill rotWithShape="1">
+          <a:blip r:embed="rId5"/>
+          <a:srcRect r="18270"/>
+          <a:stretch/>
+        </p:blipFill>
+        <p:spPr>
+          <a:xfrm>
+            <a:off x="3095760" y="3024000"/>
+            <a:ext cx="2952000" cy="2087640"/>
+          </a:xfrm>
+          <a:prstGeom prst="rect">
+            <a:avLst/>
+          </a:prstGeom>
+          <a:ln>
+            <a:noFill/>
+          </a:ln>
+        </p:spPr>
+      </p:pic>
+      <p:pic>
+        <p:nvPicPr>
+          <p:cNvPr id="90" name="Grafik 87"/>
+          <p:cNvPicPr/>
+          <p:nvPr/>
+        </p:nvPicPr>
+        <p:blipFill rotWithShape="1">
+          <a:blip r:embed="rId6"/>
+          <a:srcRect r="19082"/>
+          <a:stretch/>
+        </p:blipFill>
+        <p:spPr>
+          <a:xfrm>
+            <a:off x="6047760" y="938459"/>
+            <a:ext cx="2854502" cy="2112840"/>
+          </a:xfrm>
+          <a:prstGeom prst="rect">
+            <a:avLst/>
+          </a:prstGeom>
+          <a:ln>
+            <a:noFill/>
+          </a:ln>
+        </p:spPr>
+      </p:pic>
+      <p:pic>
+        <p:nvPicPr>
+          <p:cNvPr id="91" name="Grafik 88"/>
+          <p:cNvPicPr/>
+          <p:nvPr/>
+        </p:nvPicPr>
+        <p:blipFill rotWithShape="1">
+          <a:blip r:embed="rId7"/>
+          <a:srcRect r="13857"/>
+          <a:stretch/>
+        </p:blipFill>
+        <p:spPr>
+          <a:xfrm>
+            <a:off x="6047760" y="2995200"/>
+            <a:ext cx="3153269" cy="2188440"/>
+          </a:xfrm>
+          <a:prstGeom prst="rect">
+            <a:avLst/>
+          </a:prstGeom>
+          <a:ln>
+            <a:noFill/>
+          </a:ln>
+        </p:spPr>
+      </p:pic>
+      <p:sp>
+        <p:nvSpPr>
+          <p:cNvPr id="92" name="CustomShape 4"/>
+          <p:cNvSpPr/>
+          <p:nvPr/>
+        </p:nvSpPr>
+        <p:spPr>
+          <a:xfrm>
+            <a:off x="8784728" y="575999"/>
+            <a:ext cx="1223632" cy="4851563"/>
+          </a:xfrm>
+          <a:prstGeom prst="rect">
+            <a:avLst/>
+          </a:prstGeom>
+          <a:noFill/>
+          <a:ln>
+            <a:noFill/>
+          </a:ln>
+        </p:spPr>
+        <p:style>
+          <a:lnRef idx="0">
+            <a:scrgbClr r="0" g="0" b="0"/>
+          </a:lnRef>
+          <a:fillRef idx="0">
+            <a:scrgbClr r="0" g="0" b="0"/>
+          </a:fillRef>
+          <a:effectRef idx="0">
+            <a:scrgbClr r="0" g="0" b="0"/>
+          </a:effectRef>
+          <a:fontRef idx="minor"/>
+        </p:style>
+        <p:txBody>
+          <a:bodyPr lIns="90000" tIns="45000" rIns="90000" bIns="45000"/>
+          <a:lstStyle/>
+          <a:p>
+            <a:pPr>
+              <a:lnSpc>
+                <a:spcPct val="100000"/>
+              </a:lnSpc>
+            </a:pPr>
+            <a:r>
+              <a:rPr lang="de-CH" sz="1800" b="0" strike="noStrike" spc="-1" dirty="0">
+                <a:solidFill>
+                  <a:srgbClr val="000000"/>
+                </a:solidFill>
+                <a:latin typeface="Arial"/>
+                <a:ea typeface="DejaVu Sans"/>
+              </a:rPr>
+              <a:t>Station:</a:t>
+            </a:r>
+            <a:endParaRPr lang="de-CH" sz="1800" b="0" strike="noStrike" spc="-1" dirty="0">
+              <a:latin typeface="Arial"/>
+            </a:endParaRPr>
+          </a:p>
+          <a:p>
+            <a:pPr>
+              <a:lnSpc>
+                <a:spcPct val="100000"/>
+              </a:lnSpc>
+            </a:pPr>
+            <a:endParaRPr lang="de-CH" sz="1800" b="0" strike="noStrike" spc="-1" dirty="0">
+              <a:latin typeface="Arial"/>
+            </a:endParaRPr>
+          </a:p>
+          <a:p>
+            <a:pPr>
+              <a:lnSpc>
+                <a:spcPct val="100000"/>
+              </a:lnSpc>
+            </a:pPr>
+            <a:r>
+              <a:rPr lang="de-CH" spc="-1" dirty="0">
+                <a:solidFill>
+                  <a:srgbClr val="000000"/>
+                </a:solidFill>
+                <a:latin typeface="Arial"/>
+                <a:ea typeface="DejaVu Sans"/>
+              </a:rPr>
+              <a:t> </a:t>
+            </a:r>
+            <a:r>
+              <a:rPr lang="de-CH" spc="-1" dirty="0" smtClean="0">
+                <a:solidFill>
+                  <a:srgbClr val="000000"/>
+                </a:solidFill>
+                <a:latin typeface="Arial"/>
+                <a:ea typeface="DejaVu Sans"/>
+              </a:rPr>
+              <a:t>   </a:t>
+            </a:r>
+            <a:r>
+              <a:rPr lang="de-CH" dirty="0" smtClean="0"/>
+              <a:t>280790</a:t>
+            </a:r>
+            <a:r>
+              <a:rPr lang="de-CH" sz="1800" b="0" strike="noStrike" spc="-1" dirty="0" smtClean="0">
+                <a:solidFill>
+                  <a:srgbClr val="000000"/>
+                </a:solidFill>
+                <a:latin typeface="Arial"/>
+                <a:ea typeface="DejaVu Sans"/>
+              </a:rPr>
+              <a:t>07</a:t>
+            </a:r>
+            <a:endParaRPr lang="de-CH" sz="1800" b="0" strike="noStrike" spc="-1" dirty="0">
+              <a:latin typeface="Arial"/>
+            </a:endParaRPr>
+          </a:p>
+          <a:p>
+            <a:pPr>
+              <a:lnSpc>
+                <a:spcPct val="100000"/>
+              </a:lnSpc>
+            </a:pPr>
+            <a:endParaRPr lang="de-CH" sz="1800" b="0" strike="noStrike" spc="-1" dirty="0">
+              <a:latin typeface="Arial"/>
+            </a:endParaRPr>
+          </a:p>
+          <a:p>
+            <a:pPr>
+              <a:lnSpc>
+                <a:spcPct val="100000"/>
+              </a:lnSpc>
+            </a:pPr>
+            <a:endParaRPr lang="de-CH" sz="1800" b="0" strike="noStrike" spc="-1" dirty="0">
+              <a:latin typeface="Arial"/>
+            </a:endParaRPr>
+          </a:p>
+          <a:p>
+            <a:pPr>
+              <a:lnSpc>
+                <a:spcPct val="100000"/>
+              </a:lnSpc>
+            </a:pPr>
+            <a:endParaRPr lang="de-CH" sz="1800" b="0" strike="noStrike" spc="-1" dirty="0">
+              <a:latin typeface="Arial"/>
+            </a:endParaRPr>
+          </a:p>
+          <a:p>
+            <a:pPr>
+              <a:lnSpc>
+                <a:spcPct val="100000"/>
+              </a:lnSpc>
+            </a:pPr>
+            <a:endParaRPr lang="de-CH" sz="1800" b="0" strike="noStrike" spc="-1" dirty="0">
+              <a:latin typeface="Arial"/>
+            </a:endParaRPr>
+          </a:p>
+          <a:p>
+            <a:pPr>
+              <a:lnSpc>
+                <a:spcPct val="100000"/>
+              </a:lnSpc>
+            </a:pPr>
+            <a:endParaRPr lang="de-CH" sz="1800" b="0" strike="noStrike" spc="-1" dirty="0">
+              <a:latin typeface="Arial"/>
+            </a:endParaRPr>
+          </a:p>
+          <a:p>
+            <a:pPr>
+              <a:lnSpc>
+                <a:spcPct val="100000"/>
+              </a:lnSpc>
+            </a:pPr>
+            <a:endParaRPr lang="de-CH" sz="1800" b="0" strike="noStrike" spc="-1" dirty="0">
+              <a:latin typeface="Arial"/>
+            </a:endParaRPr>
+          </a:p>
+          <a:p>
+            <a:pPr>
+              <a:lnSpc>
+                <a:spcPct val="100000"/>
+              </a:lnSpc>
+            </a:pPr>
+            <a:r>
+              <a:rPr lang="de-CH" sz="1800" b="0" strike="noStrike" spc="-1" dirty="0" smtClean="0">
+                <a:solidFill>
+                  <a:srgbClr val="000000"/>
+                </a:solidFill>
+                <a:latin typeface="Arial"/>
+                <a:ea typeface="DejaVu Sans"/>
+              </a:rPr>
+              <a:t>    </a:t>
+            </a:r>
+            <a:r>
+              <a:rPr lang="de-CH" dirty="0" smtClean="0"/>
+              <a:t>280790</a:t>
+            </a:r>
+            <a:r>
+              <a:rPr lang="de-CH" sz="1800" b="0" strike="noStrike" spc="-1" dirty="0" smtClean="0">
+                <a:solidFill>
+                  <a:srgbClr val="000000"/>
+                </a:solidFill>
+                <a:latin typeface="Arial"/>
+                <a:ea typeface="DejaVu Sans"/>
+              </a:rPr>
+              <a:t>36</a:t>
+            </a:r>
+            <a:endParaRPr lang="de-CH" sz="1800" b="0" strike="noStrike" spc="-1" dirty="0">
+              <a:latin typeface="Arial"/>
+            </a:endParaRPr>
+          </a:p>
+        </p:txBody>
+      </p:sp>
     </p:spTree>
   </p:cSld>
-  <mc:AlternateContent>
+  <p:clrMapOvr>
+    <a:masterClrMapping/>
+  </p:clrMapOvr>
+  <mc:AlternateContent xmlns:mc="http://schemas.openxmlformats.org/markup-compatibility/2006" xmlns:p14="http://schemas.microsoft.com/office/powerpoint/2010/main">
     <mc:Choice Requires="p14">
       <p:transition spd="slow" p14:dur="2000"/>
     </mc:Choice>
-    <mc:Fallback>
+    <mc:Fallback xmlns:p15="http://schemas.microsoft.com/office/powerpoint/2012/main" xmlns="">
       <p:transition spd="slow"/>
     </mc:Fallback>
   </mc:AlternateContent>
   <p:timing>
     <p:tnLst>
       <p:par>
-        <p:cTn id="7" dur="indefinite" restart="never" nodeType="tmRoot">
+        <p:cTn id="1" dur="indefinite" restart="never" nodeType="tmRoot">
           <p:childTnLst>
             <p:seq>
-              <p:cTn id="8" dur="indefinite" nodeType="mainSeq"/>
+              <p:cTn id="2" dur="indefinite" nodeType="mainSeq"/>
               <p:prevCondLst>
-                <p:cond delay="0" evt="onPrev">
+                <p:cond evt="onPrev" delay="0">
                   <p:tgtEl>
                     <p:sldTgt/>
                   </p:tgtEl>
                 </p:cond>
               </p:prevCondLst>
               <p:nextCondLst>
-                <p:cond delay="0" evt="onNext">
+                <p:cond evt="onNext" delay="0">
                   <p:tgtEl>
                     <p:sldTgt/>
                   </p:tgtEl>
@@ -4925,7 +5265,7 @@
 </file>
 
 <file path=ppt/slides/slide5.xml><?xml version="1.0" encoding="utf-8"?>
-<p:sld xmlns:a="http://schemas.openxmlformats.org/drawingml/2006/main" xmlns:p="http://schemas.openxmlformats.org/presentationml/2006/main" xmlns:r="http://schemas.openxmlformats.org/officeDocument/2006/relationships" xmlns:p14="http://schemas.microsoft.com/office/powerpoint/2010/main" xmlns:p15="http://schemas.microsoft.com/office/powerpoint/2012/main" xmlns:mc="http://schemas.openxmlformats.org/markup-compatibility/2006">
+<p:sld xmlns:a="http://schemas.openxmlformats.org/drawingml/2006/main" xmlns:r="http://schemas.openxmlformats.org/officeDocument/2006/relationships" xmlns:p="http://schemas.openxmlformats.org/presentationml/2006/main">
   <p:cSld>
     <p:spTree>
       <p:nvGrpSpPr>
@@ -4941,88 +5281,436 @@
           <a:chExt cx="0" cy="0"/>
         </a:xfrm>
       </p:grpSpPr>
-      <p:pic>
-        <p:nvPicPr>
-          <p:cNvPr id="96" name="" descr=""/>
-          <p:cNvPicPr/>
-          <p:nvPr/>
-        </p:nvPicPr>
-        <p:blipFill>
-          <a:blip r:embed="rId1"/>
-          <a:srcRect l="24140" t="26285" r="25147" b="7262"/>
-          <a:stretch/>
-        </p:blipFill>
-        <p:spPr>
-          <a:xfrm>
-            <a:off x="72000" y="828360"/>
-            <a:ext cx="5111640" cy="3743640"/>
-          </a:xfrm>
-          <a:prstGeom prst="rect">
-            <a:avLst/>
-          </a:prstGeom>
-          <a:ln>
-            <a:noFill/>
-          </a:ln>
-        </p:spPr>
-      </p:pic>
-      <p:pic>
-        <p:nvPicPr>
-          <p:cNvPr id="97" name="" descr=""/>
-          <p:cNvPicPr/>
-          <p:nvPr/>
-        </p:nvPicPr>
-        <p:blipFill>
-          <a:blip r:embed="rId2"/>
-          <a:srcRect l="24140" t="19897" r="25147" b="13649"/>
-          <a:stretch/>
-        </p:blipFill>
-        <p:spPr>
-          <a:xfrm>
-            <a:off x="4860000" y="936000"/>
-            <a:ext cx="5111640" cy="3743640"/>
-          </a:xfrm>
-          <a:prstGeom prst="rect">
-            <a:avLst/>
-          </a:prstGeom>
-          <a:ln>
-            <a:noFill/>
-          </a:ln>
-        </p:spPr>
-      </p:pic>
+      <p:sp>
+        <p:nvSpPr>
+          <p:cNvPr id="2" name="Titel 1"/>
+          <p:cNvSpPr>
+            <a:spLocks noGrp="1"/>
+          </p:cNvSpPr>
+          <p:nvPr>
+            <p:ph type="title"/>
+          </p:nvPr>
+        </p:nvSpPr>
+        <p:spPr/>
+        <p:txBody>
+          <a:bodyPr/>
+          <a:lstStyle/>
+          <a:p>
+            <a:r>
+              <a:rPr lang="de-CH" sz="2800" dirty="0" smtClean="0"/>
+              <a:t>Vorgehen Spark - </a:t>
+            </a:r>
+            <a:r>
+              <a:rPr lang="de-CH" sz="2800" dirty="0" err="1" smtClean="0"/>
+              <a:t>databricks</a:t>
+            </a:r>
+            <a:endParaRPr lang="de-CH" sz="2800" dirty="0"/>
+          </a:p>
+        </p:txBody>
+      </p:sp>
+      <p:sp>
+        <p:nvSpPr>
+          <p:cNvPr id="3" name="Untertitel 2"/>
+          <p:cNvSpPr>
+            <a:spLocks noGrp="1"/>
+          </p:cNvSpPr>
+          <p:nvPr>
+            <p:ph type="subTitle"/>
+          </p:nvPr>
+        </p:nvSpPr>
+        <p:spPr/>
+        <p:txBody>
+          <a:bodyPr/>
+          <a:lstStyle/>
+          <a:p>
+            <a:pPr marL="285750" indent="-285750">
+              <a:buFont typeface="Arial" panose="020B0604020202020204" pitchFamily="34" charset="0"/>
+              <a:buChar char="•"/>
+            </a:pPr>
+            <a:r>
+              <a:rPr lang="de-CH" dirty="0" smtClean="0"/>
+              <a:t>Einlesen der CSV Daten: 		</a:t>
+            </a:r>
+            <a:r>
+              <a:rPr lang="de-CH" dirty="0" err="1" smtClean="0">
+                <a:latin typeface="Courier New" panose="02070309020205020404" pitchFamily="49" charset="0"/>
+                <a:cs typeface="Courier New" panose="02070309020205020404" pitchFamily="49" charset="0"/>
+              </a:rPr>
+              <a:t>sqlContext.read</a:t>
+            </a:r>
+            <a:r>
+              <a:rPr lang="de-CH" dirty="0" smtClean="0">
+                <a:latin typeface="Courier New" panose="02070309020205020404" pitchFamily="49" charset="0"/>
+                <a:cs typeface="Courier New" panose="02070309020205020404" pitchFamily="49" charset="0"/>
+              </a:rPr>
+              <a:t>…</a:t>
+            </a:r>
+          </a:p>
+          <a:p>
+            <a:pPr marL="285750" indent="-285750">
+              <a:buFont typeface="Arial" panose="020B0604020202020204" pitchFamily="34" charset="0"/>
+              <a:buChar char="•"/>
+            </a:pPr>
+            <a:r>
+              <a:rPr lang="de-CH" dirty="0" smtClean="0"/>
+              <a:t>SQL-Abfrage: 				</a:t>
+            </a:r>
+            <a:r>
+              <a:rPr lang="de-CH" dirty="0" err="1" smtClean="0">
+                <a:latin typeface="Courier New" panose="02070309020205020404" pitchFamily="49" charset="0"/>
+                <a:cs typeface="Courier New" panose="02070309020205020404" pitchFamily="49" charset="0"/>
+              </a:rPr>
+              <a:t>sqlContext.sql</a:t>
+            </a:r>
+            <a:r>
+              <a:rPr lang="de-CH" dirty="0" smtClean="0">
+                <a:latin typeface="Courier New" panose="02070309020205020404" pitchFamily="49" charset="0"/>
+                <a:cs typeface="Courier New" panose="02070309020205020404" pitchFamily="49" charset="0"/>
+              </a:rPr>
+              <a:t>(‘SELECT … ‘)</a:t>
+            </a:r>
+            <a:endParaRPr lang="de-CH" dirty="0" smtClean="0"/>
+          </a:p>
+          <a:p>
+            <a:pPr marL="285750" indent="-285750">
+              <a:buFont typeface="Arial" panose="020B0604020202020204" pitchFamily="34" charset="0"/>
+              <a:buChar char="•"/>
+            </a:pPr>
+            <a:r>
+              <a:rPr lang="de-CH" dirty="0" smtClean="0"/>
+              <a:t>Daten ansehen: 			</a:t>
+            </a:r>
+            <a:r>
+              <a:rPr lang="de-CH" dirty="0" err="1" smtClean="0">
+                <a:latin typeface="Courier New" panose="02070309020205020404" pitchFamily="49" charset="0"/>
+                <a:cs typeface="Courier New" panose="02070309020205020404" pitchFamily="49" charset="0"/>
+              </a:rPr>
+              <a:t>show</a:t>
+            </a:r>
+            <a:r>
+              <a:rPr lang="de-CH" dirty="0" smtClean="0">
+                <a:latin typeface="Courier New" panose="02070309020205020404" pitchFamily="49" charset="0"/>
+                <a:cs typeface="Courier New" panose="02070309020205020404" pitchFamily="49" charset="0"/>
+              </a:rPr>
+              <a:t>() / </a:t>
+            </a:r>
+            <a:r>
+              <a:rPr lang="de-CH" dirty="0" err="1" smtClean="0">
+                <a:latin typeface="Courier New" panose="02070309020205020404" pitchFamily="49" charset="0"/>
+                <a:cs typeface="Courier New" panose="02070309020205020404" pitchFamily="49" charset="0"/>
+              </a:rPr>
+              <a:t>count</a:t>
+            </a:r>
+            <a:r>
+              <a:rPr lang="de-CH" dirty="0" smtClean="0">
+                <a:latin typeface="Courier New" panose="02070309020205020404" pitchFamily="49" charset="0"/>
+                <a:cs typeface="Courier New" panose="02070309020205020404" pitchFamily="49" charset="0"/>
+              </a:rPr>
+              <a:t>() / </a:t>
+            </a:r>
+            <a:r>
+              <a:rPr lang="de-CH" dirty="0" err="1" smtClean="0">
+                <a:latin typeface="Courier New" panose="02070309020205020404" pitchFamily="49" charset="0"/>
+                <a:cs typeface="Courier New" panose="02070309020205020404" pitchFamily="49" charset="0"/>
+              </a:rPr>
+              <a:t>printSchema</a:t>
+            </a:r>
+            <a:r>
+              <a:rPr lang="de-CH" dirty="0" smtClean="0">
+                <a:latin typeface="Courier New" panose="02070309020205020404" pitchFamily="49" charset="0"/>
+                <a:cs typeface="Courier New" panose="02070309020205020404" pitchFamily="49" charset="0"/>
+              </a:rPr>
+              <a:t>()</a:t>
+            </a:r>
+          </a:p>
+          <a:p>
+            <a:pPr marL="285750" indent="-285750">
+              <a:buFont typeface="Arial" panose="020B0604020202020204" pitchFamily="34" charset="0"/>
+              <a:buChar char="•"/>
+            </a:pPr>
+            <a:r>
+              <a:rPr lang="de-CH" dirty="0"/>
+              <a:t>Grafisch Darstellung </a:t>
+            </a:r>
+            <a:r>
+              <a:rPr lang="de-CH" dirty="0" smtClean="0"/>
+              <a:t>			</a:t>
+            </a:r>
+            <a:r>
+              <a:rPr lang="de-CH" dirty="0" err="1" smtClean="0">
+                <a:latin typeface="Courier New" panose="02070309020205020404" pitchFamily="49" charset="0"/>
+                <a:cs typeface="Courier New" panose="02070309020205020404" pitchFamily="49" charset="0"/>
+              </a:rPr>
+              <a:t>toPandas</a:t>
+            </a:r>
+            <a:r>
+              <a:rPr lang="de-CH" dirty="0" smtClean="0">
+                <a:latin typeface="Courier New" panose="02070309020205020404" pitchFamily="49" charset="0"/>
+                <a:cs typeface="Courier New" panose="02070309020205020404" pitchFamily="49" charset="0"/>
+              </a:rPr>
+              <a:t>() / </a:t>
+            </a:r>
+            <a:r>
+              <a:rPr lang="de-CH" dirty="0" err="1" smtClean="0">
+                <a:latin typeface="Courier New" panose="02070309020205020404" pitchFamily="49" charset="0"/>
+                <a:cs typeface="Courier New" panose="02070309020205020404" pitchFamily="49" charset="0"/>
+              </a:rPr>
+              <a:t>plot</a:t>
+            </a:r>
+            <a:r>
+              <a:rPr lang="de-CH" dirty="0" smtClean="0">
+                <a:latin typeface="Courier New" panose="02070309020205020404" pitchFamily="49" charset="0"/>
+                <a:cs typeface="Courier New" panose="02070309020205020404" pitchFamily="49" charset="0"/>
+              </a:rPr>
+              <a:t>(…) / </a:t>
+            </a:r>
+            <a:r>
+              <a:rPr lang="de-CH" dirty="0" err="1" smtClean="0">
+                <a:latin typeface="Courier New" panose="02070309020205020404" pitchFamily="49" charset="0"/>
+                <a:cs typeface="Courier New" panose="02070309020205020404" pitchFamily="49" charset="0"/>
+              </a:rPr>
+              <a:t>display</a:t>
+            </a:r>
+            <a:r>
+              <a:rPr lang="de-CH" dirty="0" smtClean="0">
+                <a:latin typeface="Courier New" panose="02070309020205020404" pitchFamily="49" charset="0"/>
+                <a:cs typeface="Courier New" panose="02070309020205020404" pitchFamily="49" charset="0"/>
+              </a:rPr>
+              <a:t>()</a:t>
+            </a:r>
+          </a:p>
+          <a:p>
+            <a:pPr marL="285750" indent="-285750">
+              <a:buFont typeface="Arial" panose="020B0604020202020204" pitchFamily="34" charset="0"/>
+              <a:buChar char="•"/>
+            </a:pPr>
+            <a:r>
+              <a:rPr lang="de-CH" dirty="0"/>
+              <a:t>Daten </a:t>
+            </a:r>
+            <a:r>
+              <a:rPr lang="de-CH" dirty="0" smtClean="0"/>
+              <a:t>zusammenführen: 		</a:t>
+            </a:r>
+            <a:r>
+              <a:rPr lang="de-CH" dirty="0" err="1" smtClean="0">
+                <a:latin typeface="Courier New" panose="02070309020205020404" pitchFamily="49" charset="0"/>
+                <a:cs typeface="Courier New" panose="02070309020205020404" pitchFamily="49" charset="0"/>
+              </a:rPr>
+              <a:t>unionByName</a:t>
+            </a:r>
+            <a:r>
+              <a:rPr lang="de-CH" dirty="0" smtClean="0">
+                <a:latin typeface="Courier New" panose="02070309020205020404" pitchFamily="49" charset="0"/>
+                <a:cs typeface="Courier New" panose="02070309020205020404" pitchFamily="49" charset="0"/>
+              </a:rPr>
+              <a:t>() / </a:t>
+            </a:r>
+            <a:r>
+              <a:rPr lang="de-CH" dirty="0" err="1" smtClean="0">
+                <a:latin typeface="Courier New" panose="02070309020205020404" pitchFamily="49" charset="0"/>
+                <a:cs typeface="Courier New" panose="02070309020205020404" pitchFamily="49" charset="0"/>
+              </a:rPr>
+              <a:t>unionAll</a:t>
+            </a:r>
+            <a:r>
+              <a:rPr lang="de-CH" dirty="0" smtClean="0">
+                <a:latin typeface="Courier New" panose="02070309020205020404" pitchFamily="49" charset="0"/>
+                <a:cs typeface="Courier New" panose="02070309020205020404" pitchFamily="49" charset="0"/>
+              </a:rPr>
+              <a:t>()</a:t>
+            </a:r>
+            <a:endParaRPr lang="de-CH" dirty="0">
+              <a:latin typeface="Courier New" panose="02070309020205020404" pitchFamily="49" charset="0"/>
+              <a:cs typeface="Courier New" panose="02070309020205020404" pitchFamily="49" charset="0"/>
+            </a:endParaRPr>
+          </a:p>
+          <a:p>
+            <a:pPr marL="285750" indent="-285750">
+              <a:buFont typeface="Arial" panose="020B0604020202020204" pitchFamily="34" charset="0"/>
+              <a:buChar char="•"/>
+            </a:pPr>
+            <a:r>
+              <a:rPr lang="de-CH" dirty="0"/>
+              <a:t>Reduktion auf gemeinsame Attribute: </a:t>
+            </a:r>
+            <a:r>
+              <a:rPr lang="de-CH" dirty="0" smtClean="0"/>
+              <a:t>	</a:t>
+            </a:r>
+            <a:r>
+              <a:rPr lang="de-CH" dirty="0" err="1" smtClean="0">
+                <a:latin typeface="Courier New" panose="02070309020205020404" pitchFamily="49" charset="0"/>
+                <a:cs typeface="Courier New" panose="02070309020205020404" pitchFamily="49" charset="0"/>
+              </a:rPr>
+              <a:t>drop</a:t>
+            </a:r>
+            <a:r>
+              <a:rPr lang="de-CH" dirty="0" smtClean="0">
+                <a:latin typeface="Courier New" panose="02070309020205020404" pitchFamily="49" charset="0"/>
+                <a:cs typeface="Courier New" panose="02070309020205020404" pitchFamily="49" charset="0"/>
+              </a:rPr>
+              <a:t>()</a:t>
+            </a:r>
+          </a:p>
+          <a:p>
+            <a:pPr marL="285750" indent="-285750">
+              <a:buFont typeface="Arial" panose="020B0604020202020204" pitchFamily="34" charset="0"/>
+              <a:buChar char="•"/>
+            </a:pPr>
+            <a:r>
+              <a:rPr lang="de-CH" dirty="0"/>
+              <a:t>Abspeichern in einem CSV-File:	</a:t>
+            </a:r>
+            <a:r>
+              <a:rPr lang="de-CH" dirty="0" smtClean="0"/>
+              <a:t>	</a:t>
+            </a:r>
+            <a:r>
+              <a:rPr lang="de-CH" dirty="0" smtClean="0">
+                <a:latin typeface="Courier New" panose="02070309020205020404" pitchFamily="49" charset="0"/>
+                <a:cs typeface="Courier New" panose="02070309020205020404" pitchFamily="49" charset="0"/>
+              </a:rPr>
+              <a:t>df.write.csv(…)</a:t>
+            </a:r>
+          </a:p>
+          <a:p>
+            <a:pPr marL="285750" indent="-285750">
+              <a:buFont typeface="Arial" panose="020B0604020202020204" pitchFamily="34" charset="0"/>
+              <a:buChar char="•"/>
+            </a:pPr>
+            <a:r>
+              <a:rPr lang="de-CH" dirty="0"/>
+              <a:t>Abspeichern in </a:t>
+            </a:r>
+            <a:r>
+              <a:rPr lang="de-CH" dirty="0" err="1"/>
+              <a:t>Parquet</a:t>
+            </a:r>
+            <a:r>
+              <a:rPr lang="de-CH" dirty="0"/>
+              <a:t>-File: 	</a:t>
+            </a:r>
+            <a:r>
+              <a:rPr lang="de-CH" dirty="0" smtClean="0"/>
+              <a:t>	</a:t>
+            </a:r>
+            <a:r>
+              <a:rPr lang="de-CH" dirty="0" err="1" smtClean="0">
+                <a:latin typeface="Courier New" panose="02070309020205020404" pitchFamily="49" charset="0"/>
+                <a:cs typeface="Courier New" panose="02070309020205020404" pitchFamily="49" charset="0"/>
+              </a:rPr>
+              <a:t>df.write.parquet</a:t>
+            </a:r>
+            <a:r>
+              <a:rPr lang="de-CH" dirty="0" smtClean="0">
+                <a:latin typeface="Courier New" panose="02070309020205020404" pitchFamily="49" charset="0"/>
+                <a:cs typeface="Courier New" panose="02070309020205020404" pitchFamily="49" charset="0"/>
+              </a:rPr>
+              <a:t>(..)</a:t>
+            </a:r>
+          </a:p>
+          <a:p>
+            <a:pPr marL="285750" indent="-285750">
+              <a:buFont typeface="Arial" panose="020B0604020202020204" pitchFamily="34" charset="0"/>
+              <a:buChar char="•"/>
+            </a:pPr>
+            <a:r>
+              <a:rPr lang="de-CH" dirty="0"/>
+              <a:t>Format Zeitstempel anpassen:	</a:t>
+            </a:r>
+            <a:r>
+              <a:rPr lang="de-CH" dirty="0" smtClean="0"/>
+              <a:t>	</a:t>
+            </a:r>
+            <a:r>
+              <a:rPr lang="de-CH" dirty="0" smtClean="0">
+                <a:latin typeface="Courier New" panose="02070309020205020404" pitchFamily="49" charset="0"/>
+                <a:cs typeface="Courier New" panose="02070309020205020404" pitchFamily="49" charset="0"/>
+              </a:rPr>
+              <a:t>AVG()</a:t>
+            </a:r>
+          </a:p>
+          <a:p>
+            <a:pPr marL="285750" indent="-285750">
+              <a:buFont typeface="Arial" panose="020B0604020202020204" pitchFamily="34" charset="0"/>
+              <a:buChar char="•"/>
+            </a:pPr>
+            <a:r>
+              <a:rPr lang="de-CH" dirty="0"/>
+              <a:t>Grafiken mit gemittelten Daten:		</a:t>
+            </a:r>
+            <a:r>
+              <a:rPr lang="de-CH" dirty="0" err="1" smtClean="0">
+                <a:latin typeface="Courier New" panose="02070309020205020404" pitchFamily="49" charset="0"/>
+                <a:cs typeface="Courier New" panose="02070309020205020404" pitchFamily="49" charset="0"/>
+              </a:rPr>
+              <a:t>plot</a:t>
+            </a:r>
+            <a:r>
+              <a:rPr lang="de-CH" dirty="0" smtClean="0">
+                <a:latin typeface="Courier New" panose="02070309020205020404" pitchFamily="49" charset="0"/>
+                <a:cs typeface="Courier New" panose="02070309020205020404" pitchFamily="49" charset="0"/>
+              </a:rPr>
+              <a:t>(…)</a:t>
+            </a:r>
+          </a:p>
+          <a:p>
+            <a:pPr marL="285750" indent="-285750">
+              <a:buFont typeface="Arial" panose="020B0604020202020204" pitchFamily="34" charset="0"/>
+              <a:buChar char="•"/>
+            </a:pPr>
+            <a:r>
+              <a:rPr lang="de-CH" dirty="0" err="1"/>
+              <a:t>Join</a:t>
+            </a:r>
+            <a:r>
+              <a:rPr lang="de-CH" dirty="0"/>
+              <a:t> mit Wetterdaten:		</a:t>
+            </a:r>
+            <a:r>
+              <a:rPr lang="de-CH" dirty="0" smtClean="0"/>
+              <a:t>	</a:t>
+            </a:r>
+            <a:r>
+              <a:rPr lang="de-CH" dirty="0" err="1" smtClean="0">
+                <a:latin typeface="Courier New" panose="02070309020205020404" pitchFamily="49" charset="0"/>
+                <a:cs typeface="Courier New" panose="02070309020205020404" pitchFamily="49" charset="0"/>
+              </a:rPr>
+              <a:t>join</a:t>
+            </a:r>
+            <a:r>
+              <a:rPr lang="de-CH" dirty="0" smtClean="0">
+                <a:latin typeface="Courier New" panose="02070309020205020404" pitchFamily="49" charset="0"/>
+                <a:cs typeface="Courier New" panose="02070309020205020404" pitchFamily="49" charset="0"/>
+              </a:rPr>
+              <a:t>()</a:t>
+            </a:r>
+            <a:endParaRPr lang="de-CH" dirty="0" smtClean="0"/>
+          </a:p>
+          <a:p>
+            <a:pPr marL="285750" indent="-285750">
+              <a:buFont typeface="Arial" panose="020B0604020202020204" pitchFamily="34" charset="0"/>
+              <a:buChar char="•"/>
+            </a:pPr>
+            <a:endParaRPr lang="de-CH" dirty="0"/>
+          </a:p>
+        </p:txBody>
+      </p:sp>
     </p:spTree>
+    <p:extLst>
+      <p:ext uri="{BB962C8B-B14F-4D97-AF65-F5344CB8AC3E}">
+        <p14:creationId xmlns:p14="http://schemas.microsoft.com/office/powerpoint/2010/main" val="3327578420"/>
+      </p:ext>
+    </p:extLst>
   </p:cSld>
-  <mc:AlternateContent>
-    <mc:Choice Requires="p14">
-      <p:transition spd="slow" p14:dur="2000"/>
-    </mc:Choice>
-    <mc:Fallback>
-      <p:transition spd="slow"/>
-    </mc:Fallback>
-  </mc:AlternateContent>
+  <p:clrMapOvr>
+    <a:masterClrMapping/>
+  </p:clrMapOvr>
   <p:timing>
     <p:tnLst>
       <p:par>
-        <p:cTn id="9" dur="indefinite" restart="never" nodeType="tmRoot">
-          <p:childTnLst>
-            <p:seq>
-              <p:cTn id="10" dur="indefinite" nodeType="mainSeq"/>
-              <p:prevCondLst>
-                <p:cond delay="0" evt="onPrev">
-                  <p:tgtEl>
-                    <p:sldTgt/>
-                  </p:tgtEl>
-                </p:cond>
-              </p:prevCondLst>
-              <p:nextCondLst>
-                <p:cond delay="0" evt="onNext">
-                  <p:tgtEl>
-                    <p:sldTgt/>
-                  </p:tgtEl>
-                </p:cond>
-              </p:nextCondLst>
-            </p:seq>
-          </p:childTnLst>
-        </p:cTn>
+        <p:cTn id="1" dur="indefinite" restart="never" nodeType="tmRoot"/>
       </p:par>
     </p:tnLst>
   </p:timing>
@@ -5030,7 +5718,7 @@
 </file>
 
 <file path=ppt/slides/slide6.xml><?xml version="1.0" encoding="utf-8"?>
-<p:sld xmlns:a="http://schemas.openxmlformats.org/drawingml/2006/main" xmlns:p="http://schemas.openxmlformats.org/presentationml/2006/main" xmlns:r="http://schemas.openxmlformats.org/officeDocument/2006/relationships" xmlns:p14="http://schemas.microsoft.com/office/powerpoint/2010/main" xmlns:p15="http://schemas.microsoft.com/office/powerpoint/2012/main" xmlns:mc="http://schemas.openxmlformats.org/markup-compatibility/2006">
+<p:sld xmlns:a="http://schemas.openxmlformats.org/drawingml/2006/main" xmlns:r="http://schemas.openxmlformats.org/officeDocument/2006/relationships" xmlns:p="http://schemas.openxmlformats.org/presentationml/2006/main">
   <p:cSld>
     <p:spTree>
       <p:nvGrpSpPr>
@@ -5046,45 +5734,76 @@
           <a:chExt cx="0" cy="0"/>
         </a:xfrm>
       </p:grpSpPr>
-      <p:pic>
-        <p:nvPicPr>
-          <p:cNvPr id="98" name="" descr=""/>
-          <p:cNvPicPr/>
+      <p:sp>
+        <p:nvSpPr>
+          <p:cNvPr id="93" name="CustomShape 1"/>
+          <p:cNvSpPr/>
           <p:nvPr/>
-        </p:nvPicPr>
-        <p:blipFill>
-          <a:blip r:embed="rId1"/>
-          <a:srcRect l="24140" t="21354" r="27288" b="17692"/>
-          <a:stretch/>
-        </p:blipFill>
-        <p:spPr>
-          <a:xfrm>
-            <a:off x="216000" y="1152360"/>
-            <a:ext cx="4895640" cy="3455640"/>
-          </a:xfrm>
-          <a:prstGeom prst="rect">
-            <a:avLst/>
-          </a:prstGeom>
+        </p:nvSpPr>
+        <p:spPr>
+          <a:xfrm>
+            <a:off x="504000" y="226080"/>
+            <a:ext cx="9070920" cy="945720"/>
+          </a:xfrm>
+          <a:prstGeom prst="rect">
+            <a:avLst/>
+          </a:prstGeom>
+          <a:noFill/>
           <a:ln>
             <a:noFill/>
           </a:ln>
         </p:spPr>
-      </p:pic>
+        <p:style>
+          <a:lnRef idx="0">
+            <a:scrgbClr r="0" g="0" b="0"/>
+          </a:lnRef>
+          <a:fillRef idx="0">
+            <a:scrgbClr r="0" g="0" b="0"/>
+          </a:fillRef>
+          <a:effectRef idx="0">
+            <a:scrgbClr r="0" g="0" b="0"/>
+          </a:effectRef>
+          <a:fontRef idx="minor"/>
+        </p:style>
+        <p:txBody>
+          <a:bodyPr lIns="0" tIns="0" rIns="0" bIns="0" anchor="ctr"/>
+          <a:lstStyle/>
+          <a:p>
+            <a:pPr>
+              <a:lnSpc>
+                <a:spcPct val="100000"/>
+              </a:lnSpc>
+            </a:pPr>
+            <a:r>
+              <a:rPr lang="de-CH" sz="2800" b="0" strike="noStrike" spc="-1" dirty="0">
+                <a:solidFill>
+                  <a:srgbClr val="000000"/>
+                </a:solidFill>
+                <a:latin typeface="Arial"/>
+                <a:ea typeface="DejaVu Sans"/>
+              </a:rPr>
+              <a:t>Kohlenstoffmonoxid und Feinstaub aller Stationen</a:t>
+            </a:r>
+            <a:endParaRPr lang="de-CH" sz="2800" b="0" strike="noStrike" spc="-1" dirty="0">
+              <a:latin typeface="Arial"/>
+            </a:endParaRPr>
+          </a:p>
+        </p:txBody>
+      </p:sp>
       <p:pic>
         <p:nvPicPr>
-          <p:cNvPr id="99" name="" descr=""/>
+          <p:cNvPr id="94" name="Grafik 91"/>
           <p:cNvPicPr/>
           <p:nvPr/>
         </p:nvPicPr>
         <p:blipFill>
           <a:blip r:embed="rId2"/>
-          <a:srcRect l="24853" t="20090" r="26575" b="18960"/>
           <a:stretch/>
         </p:blipFill>
         <p:spPr>
           <a:xfrm>
-            <a:off x="4896000" y="1152000"/>
-            <a:ext cx="4895640" cy="3455280"/>
+            <a:off x="165600" y="1172160"/>
+            <a:ext cx="6386040" cy="3605040"/>
           </a:xfrm>
           <a:prstGeom prst="rect">
             <a:avLst/>
@@ -5094,32 +5813,59 @@
           </a:ln>
         </p:spPr>
       </p:pic>
+      <p:pic>
+        <p:nvPicPr>
+          <p:cNvPr id="95" name="Grafik 92"/>
+          <p:cNvPicPr/>
+          <p:nvPr/>
+        </p:nvPicPr>
+        <p:blipFill>
+          <a:blip r:embed="rId3"/>
+          <a:srcRect r="18832"/>
+          <a:stretch/>
+        </p:blipFill>
+        <p:spPr>
+          <a:xfrm>
+            <a:off x="4941000" y="1224000"/>
+            <a:ext cx="5090400" cy="3527640"/>
+          </a:xfrm>
+          <a:prstGeom prst="rect">
+            <a:avLst/>
+          </a:prstGeom>
+          <a:ln>
+            <a:noFill/>
+          </a:ln>
+        </p:spPr>
+      </p:pic>
     </p:spTree>
   </p:cSld>
-  <mc:AlternateContent>
+  <p:clrMapOvr>
+    <a:masterClrMapping/>
+  </p:clrMapOvr>
+  <mc:AlternateContent xmlns:mc="http://schemas.openxmlformats.org/markup-compatibility/2006" xmlns:p14="http://schemas.microsoft.com/office/powerpoint/2010/main">
     <mc:Choice Requires="p14">
       <p:transition spd="slow" p14:dur="2000"/>
     </mc:Choice>
-    <mc:Fallback>
+    <mc:Fallback xmlns:p15="http://schemas.microsoft.com/office/powerpoint/2012/main" xmlns="">
       <p:transition spd="slow"/>
     </mc:Fallback>
   </mc:AlternateContent>
   <p:timing>
     <p:tnLst>
       <p:par>
-        <p:cTn id="11" dur="indefinite" restart="never" nodeType="tmRoot">
+        <p:cTn id="1" dur="indefinite" restart="never" nodeType="tmRoot">
           <p:childTnLst>
             <p:seq>
-              <p:cTn id="12" dur="indefinite" nodeType="mainSeq"/>
+              <p:cTn id="2" dur="indefinite" nodeType="mainSeq"/>
               <p:prevCondLst>
-                <p:cond delay="0" evt="onPrev">
+                <p:cond evt="onPrev" delay="0">
                   <p:tgtEl>
                     <p:sldTgt/>
                   </p:tgtEl>
                 </p:cond>
               </p:prevCondLst>
               <p:nextCondLst>
-                <p:cond delay="0" evt="onNext">
+                <p:cond evt="onNext" delay="0">
                   <p:tgtEl>
                     <p:sldTgt/>
                   </p:tgtEl>
@@ -5135,7 +5881,7 @@
 </file>
 
 <file path=ppt/slides/slide7.xml><?xml version="1.0" encoding="utf-8"?>
-<p:sld xmlns:a="http://schemas.openxmlformats.org/drawingml/2006/main" xmlns:p="http://schemas.openxmlformats.org/presentationml/2006/main" xmlns:r="http://schemas.openxmlformats.org/officeDocument/2006/relationships" xmlns:p14="http://schemas.microsoft.com/office/powerpoint/2010/main" xmlns:p15="http://schemas.microsoft.com/office/powerpoint/2012/main" xmlns:mc="http://schemas.openxmlformats.org/markup-compatibility/2006">
+<p:sld xmlns:a="http://schemas.openxmlformats.org/drawingml/2006/main" xmlns:r="http://schemas.openxmlformats.org/officeDocument/2006/relationships" xmlns:p="http://schemas.openxmlformats.org/presentationml/2006/main">
   <p:cSld>
     <p:spTree>
       <p:nvGrpSpPr>
@@ -5151,45 +5897,164 @@
           <a:chExt cx="0" cy="0"/>
         </a:xfrm>
       </p:grpSpPr>
+      <p:sp>
+        <p:nvSpPr>
+          <p:cNvPr id="2" name="Titel 1"/>
+          <p:cNvSpPr>
+            <a:spLocks noGrp="1"/>
+          </p:cNvSpPr>
+          <p:nvPr>
+            <p:ph type="title"/>
+          </p:nvPr>
+        </p:nvSpPr>
+        <p:spPr/>
+        <p:txBody>
+          <a:bodyPr/>
+          <a:lstStyle/>
+          <a:p>
+            <a:r>
+              <a:rPr lang="de-CH" sz="2800" dirty="0" smtClean="0"/>
+              <a:t>Datendarstellung Luftqualität</a:t>
+            </a:r>
+            <a:endParaRPr lang="de-CH" dirty="0"/>
+          </a:p>
+        </p:txBody>
+      </p:sp>
       <p:pic>
         <p:nvPicPr>
-          <p:cNvPr id="100" name="" descr=""/>
-          <p:cNvPicPr/>
-          <p:nvPr/>
-        </p:nvPicPr>
-        <p:blipFill>
-          <a:blip r:embed="rId1"/>
-          <a:srcRect l="24853" t="25163" r="26575" b="13883"/>
-          <a:stretch/>
-        </p:blipFill>
-        <p:spPr>
-          <a:xfrm>
-            <a:off x="216360" y="1224360"/>
-            <a:ext cx="4997520" cy="3527640"/>
-          </a:xfrm>
-          <a:prstGeom prst="rect">
-            <a:avLst/>
-          </a:prstGeom>
-          <a:ln>
-            <a:noFill/>
-          </a:ln>
-        </p:spPr>
-      </p:pic>
-      <p:pic>
-        <p:nvPicPr>
-          <p:cNvPr id="101" name="" descr=""/>
+          <p:cNvPr id="4" name="Grafik 3"/>
           <p:cNvPicPr/>
           <p:nvPr/>
         </p:nvPicPr>
         <p:blipFill>
           <a:blip r:embed="rId2"/>
+          <a:srcRect l="24140" t="26285" r="25147" b="7262"/>
+          <a:stretch/>
+        </p:blipFill>
+        <p:spPr>
+          <a:xfrm>
+            <a:off x="386517" y="1177427"/>
+            <a:ext cx="2519592" cy="1880740"/>
+          </a:xfrm>
+          <a:prstGeom prst="rect">
+            <a:avLst/>
+          </a:prstGeom>
+          <a:ln>
+            <a:noFill/>
+          </a:ln>
+        </p:spPr>
+      </p:pic>
+      <p:pic>
+        <p:nvPicPr>
+          <p:cNvPr id="5" name="Grafik 4"/>
+          <p:cNvPicPr/>
+          <p:nvPr/>
+        </p:nvPicPr>
+        <p:blipFill>
+          <a:blip r:embed="rId3"/>
+          <a:srcRect l="24140" t="19897" r="25147" b="13649"/>
+          <a:stretch/>
+        </p:blipFill>
+        <p:spPr>
+          <a:xfrm>
+            <a:off x="360480" y="3267323"/>
+            <a:ext cx="2519592" cy="1880740"/>
+          </a:xfrm>
+          <a:prstGeom prst="rect">
+            <a:avLst/>
+          </a:prstGeom>
+          <a:ln>
+            <a:noFill/>
+          </a:ln>
+        </p:spPr>
+      </p:pic>
+      <p:pic>
+        <p:nvPicPr>
+          <p:cNvPr id="6" name="Grafik 5"/>
+          <p:cNvPicPr/>
+          <p:nvPr/>
+        </p:nvPicPr>
+        <p:blipFill>
+          <a:blip r:embed="rId4"/>
+          <a:srcRect l="24140" t="21354" r="27288" b="17692"/>
+          <a:stretch/>
+        </p:blipFill>
+        <p:spPr>
+          <a:xfrm>
+            <a:off x="3240112" y="1179091"/>
+            <a:ext cx="2736577" cy="1931642"/>
+          </a:xfrm>
+          <a:prstGeom prst="rect">
+            <a:avLst/>
+          </a:prstGeom>
+          <a:ln>
+            <a:noFill/>
+          </a:ln>
+        </p:spPr>
+      </p:pic>
+      <p:pic>
+        <p:nvPicPr>
+          <p:cNvPr id="7" name="Grafik 6"/>
+          <p:cNvPicPr/>
+          <p:nvPr/>
+        </p:nvPicPr>
+        <p:blipFill>
+          <a:blip r:embed="rId5"/>
+          <a:srcRect l="24853" t="20090" r="26575" b="18960"/>
+          <a:stretch/>
+        </p:blipFill>
+        <p:spPr>
+          <a:xfrm>
+            <a:off x="3240112" y="3241972"/>
+            <a:ext cx="2736577" cy="1931441"/>
+          </a:xfrm>
+          <a:prstGeom prst="rect">
+            <a:avLst/>
+          </a:prstGeom>
+          <a:ln>
+            <a:noFill/>
+          </a:ln>
+        </p:spPr>
+      </p:pic>
+      <p:pic>
+        <p:nvPicPr>
+          <p:cNvPr id="8" name="Grafik 7"/>
+          <p:cNvPicPr/>
+          <p:nvPr/>
+        </p:nvPicPr>
+        <p:blipFill>
+          <a:blip r:embed="rId6"/>
+          <a:srcRect l="24853" t="25163" r="26575" b="13883"/>
+          <a:stretch/>
+        </p:blipFill>
+        <p:spPr>
+          <a:xfrm>
+            <a:off x="6408464" y="1179091"/>
+            <a:ext cx="2739013" cy="1933409"/>
+          </a:xfrm>
+          <a:prstGeom prst="rect">
+            <a:avLst/>
+          </a:prstGeom>
+          <a:ln>
+            <a:noFill/>
+          </a:ln>
+        </p:spPr>
+      </p:pic>
+      <p:pic>
+        <p:nvPicPr>
+          <p:cNvPr id="9" name="Grafik 8"/>
+          <p:cNvPicPr/>
+          <p:nvPr/>
+        </p:nvPicPr>
+        <p:blipFill>
+          <a:blip r:embed="rId7"/>
           <a:srcRect l="24140" t="28844" r="23717" b="5982"/>
           <a:stretch/>
         </p:blipFill>
         <p:spPr>
           <a:xfrm>
-            <a:off x="4860000" y="1224000"/>
-            <a:ext cx="5255640" cy="3671640"/>
+            <a:off x="6336457" y="3221817"/>
+            <a:ext cx="2901272" cy="2026856"/>
           </a:xfrm>
           <a:prstGeom prst="rect">
             <a:avLst/>
@@ -5200,15 +6065,188 @@
         </p:spPr>
       </p:pic>
     </p:spTree>
+    <p:extLst>
+      <p:ext uri="{BB962C8B-B14F-4D97-AF65-F5344CB8AC3E}">
+        <p14:creationId xmlns:p14="http://schemas.microsoft.com/office/powerpoint/2010/main" val="4007751690"/>
+      </p:ext>
+    </p:extLst>
   </p:cSld>
-  <mc:AlternateContent>
-    <mc:Choice Requires="p14">
-      <p:transition spd="slow" p14:dur="2000"/>
-    </mc:Choice>
-    <mc:Fallback>
-      <p:transition spd="slow"/>
-    </mc:Fallback>
-  </mc:AlternateContent>
+  <p:clrMapOvr>
+    <a:masterClrMapping/>
+  </p:clrMapOvr>
+  <p:timing>
+    <p:tnLst>
+      <p:par>
+        <p:cTn id="1" dur="indefinite" restart="never" nodeType="tmRoot"/>
+      </p:par>
+    </p:tnLst>
+  </p:timing>
+</p:sld>
+</file>
+
+<file path=ppt/slides/slide8.xml><?xml version="1.0" encoding="utf-8"?>
+<p:sld xmlns:a="http://schemas.openxmlformats.org/drawingml/2006/main" xmlns:r="http://schemas.openxmlformats.org/officeDocument/2006/relationships" xmlns:p="http://schemas.openxmlformats.org/presentationml/2006/main">
+  <p:cSld>
+    <p:spTree>
+      <p:nvGrpSpPr>
+        <p:cNvPr id="1" name=""/>
+        <p:cNvGrpSpPr/>
+        <p:nvPr/>
+      </p:nvGrpSpPr>
+      <p:grpSpPr>
+        <a:xfrm>
+          <a:off x="0" y="0"/>
+          <a:ext cx="0" cy="0"/>
+          <a:chOff x="0" y="0"/>
+          <a:chExt cx="0" cy="0"/>
+        </a:xfrm>
+      </p:grpSpPr>
+      <p:sp>
+        <p:nvSpPr>
+          <p:cNvPr id="2" name="Titel 1"/>
+          <p:cNvSpPr>
+            <a:spLocks noGrp="1"/>
+          </p:cNvSpPr>
+          <p:nvPr>
+            <p:ph type="title"/>
+          </p:nvPr>
+        </p:nvSpPr>
+        <p:spPr/>
+        <p:txBody>
+          <a:bodyPr/>
+          <a:lstStyle/>
+          <a:p>
+            <a:r>
+              <a:rPr lang="de-CH" sz="2800" dirty="0" smtClean="0"/>
+              <a:t>Vergleich CSV und </a:t>
+            </a:r>
+            <a:r>
+              <a:rPr lang="de-CH" sz="2800" dirty="0" err="1" smtClean="0"/>
+              <a:t>Parquet</a:t>
+            </a:r>
+            <a:endParaRPr lang="de-CH" sz="2800" dirty="0"/>
+          </a:p>
+        </p:txBody>
+      </p:sp>
+      <p:sp>
+        <p:nvSpPr>
+          <p:cNvPr id="3" name="Untertitel 2"/>
+          <p:cNvSpPr>
+            <a:spLocks noGrp="1"/>
+          </p:cNvSpPr>
+          <p:nvPr>
+            <p:ph type="subTitle"/>
+          </p:nvPr>
+        </p:nvSpPr>
+        <p:spPr/>
+        <p:txBody>
+          <a:bodyPr/>
+          <a:lstStyle/>
+          <a:p>
+            <a:endParaRPr lang="de-CH"/>
+          </a:p>
+        </p:txBody>
+      </p:sp>
+    </p:spTree>
+    <p:extLst>
+      <p:ext uri="{BB962C8B-B14F-4D97-AF65-F5344CB8AC3E}">
+        <p14:creationId xmlns:p14="http://schemas.microsoft.com/office/powerpoint/2010/main" val="2961989310"/>
+      </p:ext>
+    </p:extLst>
+  </p:cSld>
+  <p:clrMapOvr>
+    <a:masterClrMapping/>
+  </p:clrMapOvr>
+  <p:timing>
+    <p:tnLst>
+      <p:par>
+        <p:cTn id="1" dur="indefinite" restart="never" nodeType="tmRoot"/>
+      </p:par>
+    </p:tnLst>
+  </p:timing>
+</p:sld>
+</file>
+
+<file path=ppt/slides/slide9.xml><?xml version="1.0" encoding="utf-8"?>
+<p:sld xmlns:a="http://schemas.openxmlformats.org/drawingml/2006/main" xmlns:r="http://schemas.openxmlformats.org/officeDocument/2006/relationships" xmlns:p="http://schemas.openxmlformats.org/presentationml/2006/main">
+  <p:cSld>
+    <p:spTree>
+      <p:nvGrpSpPr>
+        <p:cNvPr id="1" name=""/>
+        <p:cNvGrpSpPr/>
+        <p:nvPr/>
+      </p:nvGrpSpPr>
+      <p:grpSpPr>
+        <a:xfrm>
+          <a:off x="0" y="0"/>
+          <a:ext cx="0" cy="0"/>
+          <a:chOff x="0" y="0"/>
+          <a:chExt cx="0" cy="0"/>
+        </a:xfrm>
+      </p:grpSpPr>
+      <p:sp>
+        <p:nvSpPr>
+          <p:cNvPr id="2" name="Titel 1"/>
+          <p:cNvSpPr>
+            <a:spLocks noGrp="1"/>
+          </p:cNvSpPr>
+          <p:nvPr>
+            <p:ph type="title"/>
+          </p:nvPr>
+        </p:nvSpPr>
+        <p:spPr/>
+        <p:txBody>
+          <a:bodyPr/>
+          <a:lstStyle/>
+          <a:p>
+            <a:r>
+              <a:rPr lang="de-CH" sz="2800" dirty="0" err="1" smtClean="0"/>
+              <a:t>MapReduce</a:t>
+            </a:r>
+            <a:r>
+              <a:rPr lang="de-CH" sz="2800" dirty="0" smtClean="0"/>
+              <a:t> Verfahren</a:t>
+            </a:r>
+            <a:endParaRPr lang="de-CH" sz="2800" dirty="0"/>
+          </a:p>
+        </p:txBody>
+      </p:sp>
+      <p:sp>
+        <p:nvSpPr>
+          <p:cNvPr id="3" name="Untertitel 2"/>
+          <p:cNvSpPr>
+            <a:spLocks noGrp="1"/>
+          </p:cNvSpPr>
+          <p:nvPr>
+            <p:ph type="subTitle"/>
+          </p:nvPr>
+        </p:nvSpPr>
+        <p:spPr/>
+        <p:txBody>
+          <a:bodyPr/>
+          <a:lstStyle/>
+          <a:p>
+            <a:endParaRPr lang="de-CH"/>
+          </a:p>
+        </p:txBody>
+      </p:sp>
+    </p:spTree>
+    <p:extLst>
+      <p:ext uri="{BB962C8B-B14F-4D97-AF65-F5344CB8AC3E}">
+        <p14:creationId xmlns:p14="http://schemas.microsoft.com/office/powerpoint/2010/main" val="4160742997"/>
+      </p:ext>
+    </p:extLst>
+  </p:cSld>
+  <p:clrMapOvr>
+    <a:masterClrMapping/>
+  </p:clrMapOvr>
+  <p:timing>
+    <p:tnLst>
+      <p:par>
+        <p:cTn id="1" dur="indefinite" restart="never" nodeType="tmRoot"/>
+      </p:par>
+    </p:tnLst>
+  </p:timing>
 </p:sld>
 </file>
 
@@ -5223,31 +6261,31 @@
         <a:sysClr val="window" lastClr="FFFFFF"/>
       </a:lt1>
       <a:dk2>
-        <a:srgbClr val="1f497d"/>
+        <a:srgbClr val="1F497D"/>
       </a:dk2>
       <a:lt2>
-        <a:srgbClr val="eeece1"/>
+        <a:srgbClr val="EEECE1"/>
       </a:lt2>
       <a:accent1>
-        <a:srgbClr val="4f81bd"/>
+        <a:srgbClr val="4F81BD"/>
       </a:accent1>
       <a:accent2>
-        <a:srgbClr val="c0504d"/>
+        <a:srgbClr val="C0504D"/>
       </a:accent2>
       <a:accent3>
-        <a:srgbClr val="9bbb59"/>
+        <a:srgbClr val="9BBB59"/>
       </a:accent3>
       <a:accent4>
-        <a:srgbClr val="8064a2"/>
+        <a:srgbClr val="8064A2"/>
       </a:accent4>
       <a:accent5>
-        <a:srgbClr val="4bacc6"/>
+        <a:srgbClr val="4BACC6"/>
       </a:accent5>
       <a:accent6>
-        <a:srgbClr val="f79646"/>
+        <a:srgbClr val="F79646"/>
       </a:accent6>
       <a:hlink>
-        <a:srgbClr val="0000ff"/>
+        <a:srgbClr val="0000FF"/>
       </a:hlink>
       <a:folHlink>
         <a:srgbClr val="800080"/>
@@ -5432,6 +6470,8 @@
       </a:bgFillStyleLst>
     </a:fmtScheme>
   </a:themeElements>
+  <a:objectDefaults/>
+  <a:extraClrSchemeLst/>
 </a:theme>
 </file>
 
@@ -5446,31 +6486,31 @@
         <a:sysClr val="window" lastClr="FFFFFF"/>
       </a:lt1>
       <a:dk2>
-        <a:srgbClr val="1f497d"/>
+        <a:srgbClr val="1F497D"/>
       </a:dk2>
       <a:lt2>
-        <a:srgbClr val="eeece1"/>
+        <a:srgbClr val="EEECE1"/>
       </a:lt2>
       <a:accent1>
-        <a:srgbClr val="4f81bd"/>
+        <a:srgbClr val="4F81BD"/>
       </a:accent1>
       <a:accent2>
-        <a:srgbClr val="c0504d"/>
+        <a:srgbClr val="C0504D"/>
       </a:accent2>
       <a:accent3>
-        <a:srgbClr val="9bbb59"/>
+        <a:srgbClr val="9BBB59"/>
       </a:accent3>
       <a:accent4>
-        <a:srgbClr val="8064a2"/>
+        <a:srgbClr val="8064A2"/>
       </a:accent4>
       <a:accent5>
-        <a:srgbClr val="4bacc6"/>
+        <a:srgbClr val="4BACC6"/>
       </a:accent5>
       <a:accent6>
-        <a:srgbClr val="f79646"/>
+        <a:srgbClr val="F79646"/>
       </a:accent6>
       <a:hlink>
-        <a:srgbClr val="0000ff"/>
+        <a:srgbClr val="0000FF"/>
       </a:hlink>
       <a:folHlink>
         <a:srgbClr val="800080"/>
@@ -5655,5 +6695,7 @@
       </a:bgFillStyleLst>
     </a:fmtScheme>
   </a:themeElements>
+  <a:objectDefaults/>
+  <a:extraClrSchemeLst/>
 </a:theme>
 </file>